--- a/_Doc/DesignPattern.P3.Creational(Singleton).pptx
+++ b/_Doc/DesignPattern.P3.Creational(Singleton).pptx
@@ -13,16 +13,16 @@
     <p:sldId id="282" r:id="rId4"/>
     <p:sldId id="287" r:id="rId5"/>
     <p:sldId id="284" r:id="rId6"/>
-    <p:sldId id="326" r:id="rId7"/>
-    <p:sldId id="328" r:id="rId8"/>
-    <p:sldId id="306" r:id="rId9"/>
-    <p:sldId id="332" r:id="rId10"/>
-    <p:sldId id="308" r:id="rId11"/>
-    <p:sldId id="329" r:id="rId12"/>
-    <p:sldId id="330" r:id="rId13"/>
-    <p:sldId id="294" r:id="rId14"/>
-    <p:sldId id="313" r:id="rId15"/>
-    <p:sldId id="331" r:id="rId16"/>
+    <p:sldId id="328" r:id="rId7"/>
+    <p:sldId id="306" r:id="rId8"/>
+    <p:sldId id="332" r:id="rId9"/>
+    <p:sldId id="334" r:id="rId10"/>
+    <p:sldId id="335" r:id="rId11"/>
+    <p:sldId id="336" r:id="rId12"/>
+    <p:sldId id="308" r:id="rId13"/>
+    <p:sldId id="337" r:id="rId14"/>
+    <p:sldId id="294" r:id="rId15"/>
+    <p:sldId id="313" r:id="rId16"/>
     <p:sldId id="325" r:id="rId17"/>
     <p:sldId id="333" r:id="rId18"/>
     <p:sldId id="315" r:id="rId19"/>
@@ -889,7 +889,7 @@
             <a:fld id="{36E55076-787F-488D-BD7B-26DDA3674524}" type="slidenum">
               <a:rPr lang="zh-CN" altLang="en-US"/>
               <a:pPr/>
-              <a:t>7</a:t>
+              <a:t>13</a:t>
             </a:fld>
             <a:endParaRPr lang="en-US" altLang="zh-CN"/>
           </a:p>
@@ -4165,163 +4165,9 @@
           <a:chExt cx="0" cy="0"/>
         </a:xfrm>
       </p:grpSpPr>
-      <p:pic>
-        <p:nvPicPr>
-          <p:cNvPr id="2052" name="Picture 4"/>
-          <p:cNvPicPr>
-            <a:picLocks noChangeAspect="1" noChangeArrowheads="1"/>
-          </p:cNvPicPr>
-          <p:nvPr/>
-        </p:nvPicPr>
-        <p:blipFill>
-          <a:blip r:embed="rId2">
-            <a:extLst>
-              <a:ext uri="{28A0092B-C50C-407E-A947-70E740481C1C}">
-                <a14:useLocalDpi xmlns:a14="http://schemas.microsoft.com/office/drawing/2010/main" val="0"/>
-              </a:ext>
-            </a:extLst>
-          </a:blip>
-          <a:srcRect/>
-          <a:stretch>
-            <a:fillRect/>
-          </a:stretch>
-        </p:blipFill>
-        <p:spPr bwMode="auto">
-          <a:xfrm>
-            <a:off x="4860032" y="2339305"/>
-            <a:ext cx="4048125" cy="3609975"/>
-          </a:xfrm>
-          <a:prstGeom prst="rect">
-            <a:avLst/>
-          </a:prstGeom>
-          <a:noFill/>
-          <a:ln>
-            <a:noFill/>
-          </a:ln>
-          <a:effectLst/>
-          <a:extLst>
-            <a:ext uri="{909E8E84-426E-40DD-AFC4-6F175D3DCCD1}">
-              <a14:hiddenFill xmlns:a14="http://schemas.microsoft.com/office/drawing/2010/main">
-                <a:solidFill>
-                  <a:schemeClr val="accent1"/>
-                </a:solidFill>
-              </a14:hiddenFill>
-            </a:ext>
-            <a:ext uri="{91240B29-F687-4F45-9708-019B960494DF}">
-              <a14:hiddenLine xmlns:a14="http://schemas.microsoft.com/office/drawing/2010/main" w="9525">
-                <a:solidFill>
-                  <a:schemeClr val="tx1"/>
-                </a:solidFill>
-                <a:miter lim="800000"/>
-                <a:headEnd/>
-                <a:tailEnd/>
-              </a14:hiddenLine>
-            </a:ext>
-            <a:ext uri="{AF507438-7753-43E0-B8FC-AC1667EBCBE1}">
-              <a14:hiddenEffects xmlns:a14="http://schemas.microsoft.com/office/drawing/2010/main">
-                <a:effectLst>
-                  <a:outerShdw dist="35921" dir="2700000" algn="ctr" rotWithShape="0">
-                    <a:schemeClr val="bg2"/>
-                  </a:outerShdw>
-                </a:effectLst>
-              </a14:hiddenEffects>
-            </a:ext>
-          </a:extLst>
-        </p:spPr>
-      </p:pic>
       <p:sp>
         <p:nvSpPr>
-          <p:cNvPr id="11" name="TextBox 10"/>
-          <p:cNvSpPr txBox="1"/>
-          <p:nvPr/>
-        </p:nvSpPr>
-        <p:spPr>
-          <a:xfrm>
-            <a:off x="251520" y="1475492"/>
-            <a:ext cx="3816424" cy="630942"/>
-          </a:xfrm>
-          <a:prstGeom prst="rect">
-            <a:avLst/>
-          </a:prstGeom>
-          <a:noFill/>
-        </p:spPr>
-        <p:txBody>
-          <a:bodyPr wrap="square" rtlCol="0">
-            <a:spAutoFit/>
-          </a:bodyPr>
-          <a:lstStyle/>
-          <a:p>
-            <a:r>
-              <a:rPr lang="en-US" altLang="en-US" sz="1700" b="1" spc="50" dirty="0">
-                <a:ln w="12700">
-                  <a:noFill/>
-                  <a:prstDash val="solid"/>
-                </a:ln>
-                <a:solidFill>
-                  <a:schemeClr val="accent4"/>
-                </a:solidFill>
-                <a:latin typeface="+mj-lt"/>
-                <a:ea typeface="+mj-ea"/>
-                <a:cs typeface="+mj-cs"/>
-              </a:rPr>
-              <a:t>ComputerDirector</a:t>
-            </a:r>
-            <a:r>
-              <a:rPr lang="en-US" dirty="0" smtClean="0"/>
-              <a:t> </a:t>
-            </a:r>
-            <a:r>
-              <a:rPr lang="en-US" altLang="en-US" sz="1700" b="1" spc="50" dirty="0">
-                <a:ln w="12700">
-                  <a:noFill/>
-                  <a:prstDash val="solid"/>
-                </a:ln>
-                <a:solidFill>
-                  <a:schemeClr val="accent4"/>
-                </a:solidFill>
-                <a:latin typeface="+mj-lt"/>
-                <a:ea typeface="+mj-ea"/>
-                <a:cs typeface="+mj-cs"/>
-              </a:rPr>
-              <a:t>&amp;</a:t>
-            </a:r>
-            <a:r>
-              <a:rPr lang="en-US" dirty="0" smtClean="0"/>
-              <a:t> </a:t>
-            </a:r>
-            <a:r>
-              <a:rPr lang="en-US" altLang="en-US" sz="1700" b="1" spc="50" dirty="0" err="1" smtClean="0">
-                <a:ln w="12700">
-                  <a:noFill/>
-                  <a:prstDash val="solid"/>
-                </a:ln>
-                <a:solidFill>
-                  <a:schemeClr val="accent4"/>
-                </a:solidFill>
-                <a:latin typeface="+mj-lt"/>
-                <a:ea typeface="+mj-ea"/>
-                <a:cs typeface="+mj-cs"/>
-              </a:rPr>
-              <a:t>ComputerSingleton</a:t>
-            </a:r>
-            <a:endParaRPr lang="en-US" altLang="en-US" sz="1700" b="1" spc="50" dirty="0">
-              <a:ln w="12700">
-                <a:noFill/>
-                <a:prstDash val="solid"/>
-              </a:ln>
-              <a:solidFill>
-                <a:schemeClr val="accent4"/>
-              </a:solidFill>
-              <a:latin typeface="+mj-lt"/>
-              <a:ea typeface="+mj-ea"/>
-              <a:cs typeface="+mj-cs"/>
-            </a:endParaRPr>
-          </a:p>
-        </p:txBody>
-      </p:sp>
-      <p:sp>
-        <p:nvSpPr>
-          <p:cNvPr id="13" name="Rectangle 2"/>
+          <p:cNvPr id="6" name="Rectangle 2"/>
           <p:cNvSpPr txBox="1">
             <a:spLocks noChangeArrowheads="1"/>
           </p:cNvSpPr>
@@ -4365,122 +4211,123 @@
           </a:p>
         </p:txBody>
       </p:sp>
-      <p:grpSp>
-        <p:nvGrpSpPr>
-          <p:cNvPr id="9" name="组合 8"/>
-          <p:cNvGrpSpPr/>
+      <p:sp>
+        <p:nvSpPr>
+          <p:cNvPr id="7" name="TextBox 6"/>
+          <p:cNvSpPr txBox="1"/>
           <p:nvPr/>
-        </p:nvGrpSpPr>
-        <p:grpSpPr>
+        </p:nvSpPr>
+        <p:spPr>
           <a:xfrm>
-            <a:off x="251520" y="2348880"/>
-            <a:ext cx="4391025" cy="2457450"/>
-            <a:chOff x="251520" y="2348880"/>
-            <a:chExt cx="4391025" cy="2457450"/>
+            <a:off x="251520" y="1196752"/>
+            <a:ext cx="3672408" cy="353943"/>
           </a:xfrm>
-        </p:grpSpPr>
-        <p:pic>
-          <p:nvPicPr>
-            <p:cNvPr id="2055" name="Picture 7"/>
-            <p:cNvPicPr>
-              <a:picLocks noChangeAspect="1" noChangeArrowheads="1"/>
-            </p:cNvPicPr>
-            <p:nvPr/>
-          </p:nvPicPr>
-          <p:blipFill>
-            <a:blip r:embed="rId3">
-              <a:extLst>
-                <a:ext uri="{28A0092B-C50C-407E-A947-70E740481C1C}">
-                  <a14:useLocalDpi xmlns:a14="http://schemas.microsoft.com/office/drawing/2010/main" val="0"/>
-                </a:ext>
-              </a:extLst>
-            </a:blip>
-            <a:srcRect/>
-            <a:stretch>
-              <a:fillRect/>
-            </a:stretch>
-          </p:blipFill>
-          <p:spPr bwMode="auto">
-            <a:xfrm>
-              <a:off x="251520" y="2348880"/>
-              <a:ext cx="4391025" cy="2457450"/>
-            </a:xfrm>
-            <a:prstGeom prst="rect">
-              <a:avLst/>
-            </a:prstGeom>
-            <a:noFill/>
-            <a:ln>
-              <a:noFill/>
-            </a:ln>
-            <a:effectLst/>
+          <a:prstGeom prst="rect">
+            <a:avLst/>
+          </a:prstGeom>
+          <a:noFill/>
+        </p:spPr>
+        <p:txBody>
+          <a:bodyPr wrap="square" rtlCol="0">
+            <a:spAutoFit/>
+          </a:bodyPr>
+          <a:lstStyle/>
+          <a:p>
+            <a:r>
+              <a:rPr lang="en-US" altLang="zh-CN" sz="1700" b="1" spc="50" dirty="0" smtClean="0">
+                <a:ln w="12700">
+                  <a:noFill/>
+                  <a:prstDash val="solid"/>
+                </a:ln>
+                <a:solidFill>
+                  <a:schemeClr val="accent4"/>
+                </a:solidFill>
+              </a:rPr>
+              <a:t>Lazy Mode - Improved(V1)</a:t>
+            </a:r>
+            <a:endParaRPr lang="en-US" altLang="en-US" sz="1700" b="1" spc="50" dirty="0">
+              <a:ln w="12700">
+                <a:noFill/>
+                <a:prstDash val="solid"/>
+              </a:ln>
+              <a:solidFill>
+                <a:schemeClr val="accent4"/>
+              </a:solidFill>
+              <a:latin typeface="+mj-lt"/>
+              <a:ea typeface="+mj-ea"/>
+              <a:cs typeface="+mj-cs"/>
+            </a:endParaRPr>
+          </a:p>
+        </p:txBody>
+      </p:sp>
+      <p:pic>
+        <p:nvPicPr>
+          <p:cNvPr id="5" name="Picture 2"/>
+          <p:cNvPicPr>
+            <a:picLocks noChangeAspect="1" noChangeArrowheads="1"/>
+          </p:cNvPicPr>
+          <p:nvPr/>
+        </p:nvPicPr>
+        <p:blipFill>
+          <a:blip r:embed="rId2">
             <a:extLst>
-              <a:ext uri="{909E8E84-426E-40DD-AFC4-6F175D3DCCD1}">
-                <a14:hiddenFill xmlns:a14="http://schemas.microsoft.com/office/drawing/2010/main">
-                  <a:solidFill>
-                    <a:schemeClr val="accent1"/>
-                  </a:solidFill>
-                </a14:hiddenFill>
-              </a:ext>
-              <a:ext uri="{91240B29-F687-4F45-9708-019B960494DF}">
-                <a14:hiddenLine xmlns:a14="http://schemas.microsoft.com/office/drawing/2010/main" w="9525">
-                  <a:solidFill>
-                    <a:schemeClr val="tx1"/>
-                  </a:solidFill>
-                  <a:miter lim="800000"/>
-                  <a:headEnd/>
-                  <a:tailEnd/>
-                </a14:hiddenLine>
-              </a:ext>
-              <a:ext uri="{AF507438-7753-43E0-B8FC-AC1667EBCBE1}">
-                <a14:hiddenEffects xmlns:a14="http://schemas.microsoft.com/office/drawing/2010/main">
-                  <a:effectLst>
-                    <a:outerShdw dist="35921" dir="2700000" algn="ctr" rotWithShape="0">
-                      <a:schemeClr val="bg2"/>
-                    </a:outerShdw>
-                  </a:effectLst>
-                </a14:hiddenEffects>
+              <a:ext uri="{28A0092B-C50C-407E-A947-70E740481C1C}">
+                <a14:useLocalDpi xmlns:a14="http://schemas.microsoft.com/office/drawing/2010/main" val="0"/>
               </a:ext>
             </a:extLst>
-          </p:spPr>
-        </p:pic>
-        <p:cxnSp>
-          <p:nvCxnSpPr>
-            <p:cNvPr id="8" name="直接箭头连接符 7"/>
-            <p:cNvCxnSpPr/>
-            <p:nvPr/>
-          </p:nvCxnSpPr>
-          <p:spPr>
-            <a:xfrm>
-              <a:off x="2339752" y="2708920"/>
-              <a:ext cx="216024" cy="0"/>
-            </a:xfrm>
-            <a:prstGeom prst="straightConnector1">
-              <a:avLst/>
-            </a:prstGeom>
-            <a:ln>
-              <a:tailEnd type="arrow"/>
-            </a:ln>
-          </p:spPr>
-          <p:style>
-            <a:lnRef idx="1">
-              <a:schemeClr val="accent1"/>
-            </a:lnRef>
-            <a:fillRef idx="0">
-              <a:schemeClr val="accent1"/>
-            </a:fillRef>
-            <a:effectRef idx="0">
-              <a:schemeClr val="accent1"/>
-            </a:effectRef>
-            <a:fontRef idx="minor">
-              <a:schemeClr val="tx1"/>
-            </a:fontRef>
-          </p:style>
-        </p:cxnSp>
-      </p:grpSp>
+          </a:blip>
+          <a:srcRect/>
+          <a:stretch>
+            <a:fillRect/>
+          </a:stretch>
+        </p:blipFill>
+        <p:spPr bwMode="auto">
+          <a:xfrm>
+            <a:off x="1090613" y="1628800"/>
+            <a:ext cx="6962775" cy="5000625"/>
+          </a:xfrm>
+          <a:prstGeom prst="rect">
+            <a:avLst/>
+          </a:prstGeom>
+          <a:noFill/>
+          <a:ln>
+            <a:noFill/>
+          </a:ln>
+          <a:effectLst/>
+          <a:extLst>
+            <a:ext uri="{909E8E84-426E-40DD-AFC4-6F175D3DCCD1}">
+              <a14:hiddenFill xmlns:a14="http://schemas.microsoft.com/office/drawing/2010/main">
+                <a:solidFill>
+                  <a:schemeClr val="accent1"/>
+                </a:solidFill>
+              </a14:hiddenFill>
+            </a:ext>
+            <a:ext uri="{91240B29-F687-4F45-9708-019B960494DF}">
+              <a14:hiddenLine xmlns:a14="http://schemas.microsoft.com/office/drawing/2010/main" w="9525">
+                <a:solidFill>
+                  <a:schemeClr val="tx1"/>
+                </a:solidFill>
+                <a:miter lim="800000"/>
+                <a:headEnd/>
+                <a:tailEnd/>
+              </a14:hiddenLine>
+            </a:ext>
+            <a:ext uri="{AF507438-7753-43E0-B8FC-AC1667EBCBE1}">
+              <a14:hiddenEffects xmlns:a14="http://schemas.microsoft.com/office/drawing/2010/main">
+                <a:effectLst>
+                  <a:outerShdw dist="35921" dir="2700000" algn="ctr" rotWithShape="0">
+                    <a:schemeClr val="bg2"/>
+                  </a:outerShdw>
+                </a:effectLst>
+              </a14:hiddenEffects>
+            </a:ext>
+          </a:extLst>
+        </p:spPr>
+      </p:pic>
     </p:spTree>
     <p:extLst>
       <p:ext uri="{BB962C8B-B14F-4D97-AF65-F5344CB8AC3E}">
-        <p14:creationId xmlns:p14="http://schemas.microsoft.com/office/powerpoint/2010/main" val="1098287751"/>
+        <p14:creationId xmlns:p14="http://schemas.microsoft.com/office/powerpoint/2010/main" val="383440930"/>
       </p:ext>
     </p:extLst>
   </p:cSld>
@@ -4516,175 +4363,7 @@
       </p:grpSpPr>
       <p:sp>
         <p:nvSpPr>
-          <p:cNvPr id="7" name="TextBox 6"/>
-          <p:cNvSpPr txBox="1"/>
-          <p:nvPr/>
-        </p:nvSpPr>
-        <p:spPr>
-          <a:xfrm>
-            <a:off x="251520" y="1475492"/>
-            <a:ext cx="1872208" cy="615553"/>
-          </a:xfrm>
-          <a:prstGeom prst="rect">
-            <a:avLst/>
-          </a:prstGeom>
-          <a:noFill/>
-        </p:spPr>
-        <p:txBody>
-          <a:bodyPr wrap="square" rtlCol="0">
-            <a:spAutoFit/>
-          </a:bodyPr>
-          <a:lstStyle/>
-          <a:p>
-            <a:r>
-              <a:rPr lang="en-US" altLang="en-US" sz="1700" b="1" spc="50" dirty="0" err="1" smtClean="0">
-                <a:ln w="12700">
-                  <a:noFill/>
-                  <a:prstDash val="solid"/>
-                </a:ln>
-                <a:solidFill>
-                  <a:schemeClr val="accent4"/>
-                </a:solidFill>
-                <a:latin typeface="+mj-lt"/>
-                <a:ea typeface="+mj-ea"/>
-                <a:cs typeface="+mj-cs"/>
-              </a:rPr>
-              <a:t>ComputerSingleton</a:t>
-            </a:r>
-            <a:endParaRPr lang="en-US" altLang="en-US" sz="1700" b="1" spc="50" dirty="0">
-              <a:ln w="12700">
-                <a:noFill/>
-                <a:prstDash val="solid"/>
-              </a:ln>
-              <a:solidFill>
-                <a:schemeClr val="accent4"/>
-              </a:solidFill>
-              <a:latin typeface="+mj-lt"/>
-              <a:ea typeface="+mj-ea"/>
-              <a:cs typeface="+mj-cs"/>
-            </a:endParaRPr>
-          </a:p>
-        </p:txBody>
-      </p:sp>
-      <p:pic>
-        <p:nvPicPr>
-          <p:cNvPr id="3075" name="Picture 3"/>
-          <p:cNvPicPr>
-            <a:picLocks noChangeAspect="1" noChangeArrowheads="1"/>
-          </p:cNvPicPr>
-          <p:nvPr/>
-        </p:nvPicPr>
-        <p:blipFill>
-          <a:blip r:embed="rId2">
-            <a:extLst>
-              <a:ext uri="{28A0092B-C50C-407E-A947-70E740481C1C}">
-                <a14:useLocalDpi xmlns:a14="http://schemas.microsoft.com/office/drawing/2010/main" val="0"/>
-              </a:ext>
-            </a:extLst>
-          </a:blip>
-          <a:srcRect/>
-          <a:stretch>
-            <a:fillRect/>
-          </a:stretch>
-        </p:blipFill>
-        <p:spPr bwMode="auto">
-          <a:xfrm>
-            <a:off x="1415704" y="1822215"/>
-            <a:ext cx="6180632" cy="5035785"/>
-          </a:xfrm>
-          <a:prstGeom prst="rect">
-            <a:avLst/>
-          </a:prstGeom>
-          <a:noFill/>
-          <a:ln>
-            <a:noFill/>
-          </a:ln>
-          <a:effectLst/>
-          <a:extLst>
-            <a:ext uri="{909E8E84-426E-40DD-AFC4-6F175D3DCCD1}">
-              <a14:hiddenFill xmlns:a14="http://schemas.microsoft.com/office/drawing/2010/main">
-                <a:solidFill>
-                  <a:schemeClr val="accent1"/>
-                </a:solidFill>
-              </a14:hiddenFill>
-            </a:ext>
-            <a:ext uri="{91240B29-F687-4F45-9708-019B960494DF}">
-              <a14:hiddenLine xmlns:a14="http://schemas.microsoft.com/office/drawing/2010/main" w="9525">
-                <a:solidFill>
-                  <a:schemeClr val="tx1"/>
-                </a:solidFill>
-                <a:miter lim="800000"/>
-                <a:headEnd/>
-                <a:tailEnd/>
-              </a14:hiddenLine>
-            </a:ext>
-            <a:ext uri="{AF507438-7753-43E0-B8FC-AC1667EBCBE1}">
-              <a14:hiddenEffects xmlns:a14="http://schemas.microsoft.com/office/drawing/2010/main">
-                <a:effectLst>
-                  <a:outerShdw dist="35921" dir="2700000" algn="ctr" rotWithShape="0">
-                    <a:schemeClr val="bg2"/>
-                  </a:outerShdw>
-                </a:effectLst>
-              </a14:hiddenEffects>
-            </a:ext>
-          </a:extLst>
-        </p:spPr>
-      </p:pic>
-      <p:sp>
-        <p:nvSpPr>
-          <p:cNvPr id="9" name="TextBox 8"/>
-          <p:cNvSpPr txBox="1"/>
-          <p:nvPr/>
-        </p:nvSpPr>
-        <p:spPr>
-          <a:xfrm>
-            <a:off x="3491880" y="5589240"/>
-            <a:ext cx="2088232" cy="338554"/>
-          </a:xfrm>
-          <a:prstGeom prst="rect">
-            <a:avLst/>
-          </a:prstGeom>
-          <a:noFill/>
-        </p:spPr>
-        <p:txBody>
-          <a:bodyPr wrap="square" rtlCol="0">
-            <a:spAutoFit/>
-          </a:bodyPr>
-          <a:lstStyle/>
-          <a:p>
-            <a:r>
-              <a:rPr lang="zh-CN" altLang="en-US" sz="1600" b="1" spc="50" dirty="0">
-                <a:ln w="12700">
-                  <a:noFill/>
-                  <a:prstDash val="solid"/>
-                </a:ln>
-                <a:solidFill>
-                  <a:schemeClr val="accent4"/>
-                </a:solidFill>
-                <a:latin typeface="+mj-lt"/>
-                <a:ea typeface="+mj-ea"/>
-                <a:cs typeface="+mj-cs"/>
-              </a:rPr>
-              <a:t>具体实现，参考代码</a:t>
-            </a:r>
-            <a:endParaRPr lang="en-US" sz="1600" b="1" spc="50" dirty="0">
-              <a:ln w="12700">
-                <a:noFill/>
-                <a:prstDash val="solid"/>
-              </a:ln>
-              <a:solidFill>
-                <a:schemeClr val="accent4"/>
-              </a:solidFill>
-              <a:latin typeface="+mj-lt"/>
-              <a:ea typeface="+mj-ea"/>
-              <a:cs typeface="+mj-cs"/>
-            </a:endParaRPr>
-          </a:p>
-        </p:txBody>
-      </p:sp>
-      <p:sp>
-        <p:nvSpPr>
-          <p:cNvPr id="11" name="Rectangle 2"/>
+          <p:cNvPr id="6" name="Rectangle 2"/>
           <p:cNvSpPr txBox="1">
             <a:spLocks noChangeArrowheads="1"/>
           </p:cNvSpPr>
@@ -4728,10 +4407,123 @@
           </a:p>
         </p:txBody>
       </p:sp>
+      <p:sp>
+        <p:nvSpPr>
+          <p:cNvPr id="7" name="TextBox 6"/>
+          <p:cNvSpPr txBox="1"/>
+          <p:nvPr/>
+        </p:nvSpPr>
+        <p:spPr>
+          <a:xfrm>
+            <a:off x="251520" y="1196752"/>
+            <a:ext cx="3672408" cy="353943"/>
+          </a:xfrm>
+          <a:prstGeom prst="rect">
+            <a:avLst/>
+          </a:prstGeom>
+          <a:noFill/>
+        </p:spPr>
+        <p:txBody>
+          <a:bodyPr wrap="square" rtlCol="0">
+            <a:spAutoFit/>
+          </a:bodyPr>
+          <a:lstStyle/>
+          <a:p>
+            <a:r>
+              <a:rPr lang="en-US" altLang="zh-CN" sz="1700" b="1" spc="50" dirty="0" smtClean="0">
+                <a:ln w="12700">
+                  <a:noFill/>
+                  <a:prstDash val="solid"/>
+                </a:ln>
+                <a:solidFill>
+                  <a:schemeClr val="accent4"/>
+                </a:solidFill>
+              </a:rPr>
+              <a:t>Lazy Mode - Improved(V2)</a:t>
+            </a:r>
+            <a:endParaRPr lang="en-US" altLang="en-US" sz="1700" b="1" spc="50" dirty="0">
+              <a:ln w="12700">
+                <a:noFill/>
+                <a:prstDash val="solid"/>
+              </a:ln>
+              <a:solidFill>
+                <a:schemeClr val="accent4"/>
+              </a:solidFill>
+              <a:latin typeface="+mj-lt"/>
+              <a:ea typeface="+mj-ea"/>
+              <a:cs typeface="+mj-cs"/>
+            </a:endParaRPr>
+          </a:p>
+        </p:txBody>
+      </p:sp>
+      <p:pic>
+        <p:nvPicPr>
+          <p:cNvPr id="5122" name="Picture 2"/>
+          <p:cNvPicPr>
+            <a:picLocks noChangeAspect="1" noChangeArrowheads="1"/>
+          </p:cNvPicPr>
+          <p:nvPr/>
+        </p:nvPicPr>
+        <p:blipFill>
+          <a:blip r:embed="rId2">
+            <a:extLst>
+              <a:ext uri="{28A0092B-C50C-407E-A947-70E740481C1C}">
+                <a14:useLocalDpi xmlns:a14="http://schemas.microsoft.com/office/drawing/2010/main" val="0"/>
+              </a:ext>
+            </a:extLst>
+          </a:blip>
+          <a:srcRect/>
+          <a:stretch>
+            <a:fillRect/>
+          </a:stretch>
+        </p:blipFill>
+        <p:spPr bwMode="auto">
+          <a:xfrm>
+            <a:off x="1109663" y="1628800"/>
+            <a:ext cx="6924675" cy="5572125"/>
+          </a:xfrm>
+          <a:prstGeom prst="rect">
+            <a:avLst/>
+          </a:prstGeom>
+          <a:noFill/>
+          <a:ln>
+            <a:noFill/>
+          </a:ln>
+          <a:effectLst/>
+          <a:extLst>
+            <a:ext uri="{909E8E84-426E-40DD-AFC4-6F175D3DCCD1}">
+              <a14:hiddenFill xmlns:a14="http://schemas.microsoft.com/office/drawing/2010/main">
+                <a:solidFill>
+                  <a:schemeClr val="accent1"/>
+                </a:solidFill>
+              </a14:hiddenFill>
+            </a:ext>
+            <a:ext uri="{91240B29-F687-4F45-9708-019B960494DF}">
+              <a14:hiddenLine xmlns:a14="http://schemas.microsoft.com/office/drawing/2010/main" w="9525">
+                <a:solidFill>
+                  <a:schemeClr val="tx1"/>
+                </a:solidFill>
+                <a:miter lim="800000"/>
+                <a:headEnd/>
+                <a:tailEnd/>
+              </a14:hiddenLine>
+            </a:ext>
+            <a:ext uri="{AF507438-7753-43E0-B8FC-AC1667EBCBE1}">
+              <a14:hiddenEffects xmlns:a14="http://schemas.microsoft.com/office/drawing/2010/main">
+                <a:effectLst>
+                  <a:outerShdw dist="35921" dir="2700000" algn="ctr" rotWithShape="0">
+                    <a:schemeClr val="bg2"/>
+                  </a:outerShdw>
+                </a:effectLst>
+              </a14:hiddenEffects>
+            </a:ext>
+          </a:extLst>
+        </p:spPr>
+      </p:pic>
     </p:spTree>
     <p:extLst>
       <p:ext uri="{BB962C8B-B14F-4D97-AF65-F5344CB8AC3E}">
-        <p14:creationId xmlns:p14="http://schemas.microsoft.com/office/powerpoint/2010/main" val="1980399739"/>
+        <p14:creationId xmlns:p14="http://schemas.microsoft.com/office/powerpoint/2010/main" val="383440930"/>
       </p:ext>
     </p:extLst>
   </p:cSld>
@@ -4767,111 +4559,7 @@
       </p:grpSpPr>
       <p:sp>
         <p:nvSpPr>
-          <p:cNvPr id="6" name="TextBox 5"/>
-          <p:cNvSpPr txBox="1"/>
-          <p:nvPr/>
-        </p:nvSpPr>
-        <p:spPr>
-          <a:xfrm>
-            <a:off x="251520" y="1475492"/>
-            <a:ext cx="1152128" cy="353943"/>
-          </a:xfrm>
-          <a:prstGeom prst="rect">
-            <a:avLst/>
-          </a:prstGeom>
-          <a:noFill/>
-        </p:spPr>
-        <p:txBody>
-          <a:bodyPr wrap="square" rtlCol="0">
-            <a:spAutoFit/>
-          </a:bodyPr>
-          <a:lstStyle/>
-          <a:p>
-            <a:r>
-              <a:rPr lang="en-US" altLang="en-US" sz="1700" b="1" spc="50" dirty="0">
-                <a:ln w="12700">
-                  <a:noFill/>
-                  <a:prstDash val="solid"/>
-                </a:ln>
-                <a:solidFill>
-                  <a:schemeClr val="accent4"/>
-                </a:solidFill>
-                <a:latin typeface="+mj-lt"/>
-                <a:ea typeface="+mj-ea"/>
-                <a:cs typeface="+mj-cs"/>
-              </a:rPr>
-              <a:t>Computer</a:t>
-            </a:r>
-          </a:p>
-        </p:txBody>
-      </p:sp>
-      <p:pic>
-        <p:nvPicPr>
-          <p:cNvPr id="4099" name="Picture 3"/>
-          <p:cNvPicPr>
-            <a:picLocks noChangeAspect="1" noChangeArrowheads="1"/>
-          </p:cNvPicPr>
-          <p:nvPr/>
-        </p:nvPicPr>
-        <p:blipFill>
-          <a:blip r:embed="rId2">
-            <a:extLst>
-              <a:ext uri="{28A0092B-C50C-407E-A947-70E740481C1C}">
-                <a14:useLocalDpi xmlns:a14="http://schemas.microsoft.com/office/drawing/2010/main" val="0"/>
-              </a:ext>
-            </a:extLst>
-          </a:blip>
-          <a:srcRect/>
-          <a:stretch>
-            <a:fillRect/>
-          </a:stretch>
-        </p:blipFill>
-        <p:spPr bwMode="auto">
-          <a:xfrm>
-            <a:off x="1919288" y="2060848"/>
-            <a:ext cx="5305425" cy="3714750"/>
-          </a:xfrm>
-          <a:prstGeom prst="rect">
-            <a:avLst/>
-          </a:prstGeom>
-          <a:noFill/>
-          <a:ln>
-            <a:noFill/>
-          </a:ln>
-          <a:effectLst/>
-          <a:extLst>
-            <a:ext uri="{909E8E84-426E-40DD-AFC4-6F175D3DCCD1}">
-              <a14:hiddenFill xmlns:a14="http://schemas.microsoft.com/office/drawing/2010/main">
-                <a:solidFill>
-                  <a:schemeClr val="accent1"/>
-                </a:solidFill>
-              </a14:hiddenFill>
-            </a:ext>
-            <a:ext uri="{91240B29-F687-4F45-9708-019B960494DF}">
-              <a14:hiddenLine xmlns:a14="http://schemas.microsoft.com/office/drawing/2010/main" w="9525">
-                <a:solidFill>
-                  <a:schemeClr val="tx1"/>
-                </a:solidFill>
-                <a:miter lim="800000"/>
-                <a:headEnd/>
-                <a:tailEnd/>
-              </a14:hiddenLine>
-            </a:ext>
-            <a:ext uri="{AF507438-7753-43E0-B8FC-AC1667EBCBE1}">
-              <a14:hiddenEffects xmlns:a14="http://schemas.microsoft.com/office/drawing/2010/main">
-                <a:effectLst>
-                  <a:outerShdw dist="35921" dir="2700000" algn="ctr" rotWithShape="0">
-                    <a:schemeClr val="bg2"/>
-                  </a:outerShdw>
-                </a:effectLst>
-              </a14:hiddenEffects>
-            </a:ext>
-          </a:extLst>
-        </p:spPr>
-      </p:pic>
-      <p:sp>
-        <p:nvSpPr>
-          <p:cNvPr id="9" name="Rectangle 2"/>
+          <p:cNvPr id="13" name="Rectangle 2"/>
           <p:cNvSpPr txBox="1">
             <a:spLocks noChangeArrowheads="1"/>
           </p:cNvSpPr>
@@ -4915,10 +4603,293 @@
           </a:p>
         </p:txBody>
       </p:sp>
+      <p:sp>
+        <p:nvSpPr>
+          <p:cNvPr id="14" name="矩形 13"/>
+          <p:cNvSpPr/>
+          <p:nvPr/>
+        </p:nvSpPr>
+        <p:spPr>
+          <a:xfrm>
+            <a:off x="2843808" y="2492896"/>
+            <a:ext cx="3888432" cy="2088232"/>
+          </a:xfrm>
+          <a:prstGeom prst="rect">
+            <a:avLst/>
+          </a:prstGeom>
+        </p:spPr>
+        <p:txBody>
+          <a:bodyPr vert="horz" rtlCol="0" anchor="ctr">
+            <a:normAutofit lnSpcReduction="10000"/>
+            <a:scene3d>
+              <a:camera prst="orthographicFront"/>
+              <a:lightRig rig="soft" dir="t"/>
+            </a:scene3d>
+            <a:sp3d prstMaterial="matte">
+              <a:bevelT w="12700" h="12700"/>
+            </a:sp3d>
+          </a:bodyPr>
+          <a:lstStyle/>
+          <a:p>
+            <a:r>
+              <a:rPr lang="en-US" altLang="zh-CN" sz="2000" b="1" i="1" spc="50" dirty="0">
+                <a:ln w="12700">
+                  <a:noFill/>
+                  <a:prstDash val="solid"/>
+                </a:ln>
+                <a:solidFill>
+                  <a:srgbClr val="00B050"/>
+                </a:solidFill>
+              </a:rPr>
+              <a:t>Is Eager Mode really </a:t>
+            </a:r>
+            <a:r>
+              <a:rPr lang="en-US" altLang="zh-CN" sz="2000" b="1" i="1" spc="50" dirty="0" smtClean="0">
+                <a:ln w="12700">
+                  <a:noFill/>
+                  <a:prstDash val="solid"/>
+                </a:ln>
+                <a:solidFill>
+                  <a:srgbClr val="00B050"/>
+                </a:solidFill>
+              </a:rPr>
+              <a:t>“eager”?</a:t>
+            </a:r>
+          </a:p>
+          <a:p>
+            <a:endParaRPr lang="en-US" sz="2000" b="1" i="1" spc="50" dirty="0">
+              <a:ln w="12700">
+                <a:noFill/>
+                <a:prstDash val="solid"/>
+              </a:ln>
+              <a:solidFill>
+                <a:srgbClr val="00B050"/>
+              </a:solidFill>
+            </a:endParaRPr>
+          </a:p>
+          <a:p>
+            <a:endParaRPr lang="en-US" altLang="zh-CN" sz="1600" b="1" spc="50" dirty="0">
+              <a:ln w="12700">
+                <a:noFill/>
+                <a:prstDash val="solid"/>
+              </a:ln>
+              <a:solidFill>
+                <a:schemeClr val="accent4"/>
+              </a:solidFill>
+              <a:latin typeface="+mj-lt"/>
+              <a:ea typeface="+mj-ea"/>
+              <a:cs typeface="+mj-cs"/>
+            </a:endParaRPr>
+          </a:p>
+          <a:p>
+            <a:r>
+              <a:rPr lang="zh-CN" altLang="en-US" sz="1600" b="1" spc="50" dirty="0" smtClean="0">
+                <a:ln w="12700">
+                  <a:noFill/>
+                  <a:prstDash val="solid"/>
+                </a:ln>
+                <a:solidFill>
+                  <a:schemeClr val="accent4"/>
+                </a:solidFill>
+                <a:latin typeface="+mj-lt"/>
+                <a:ea typeface="+mj-ea"/>
+                <a:cs typeface="+mj-cs"/>
+              </a:rPr>
+              <a:t>      </a:t>
+            </a:r>
+            <a:r>
+              <a:rPr lang="en-US" altLang="zh-CN" sz="1600" b="1" spc="50" dirty="0" smtClean="0">
+                <a:ln w="12700">
+                  <a:noFill/>
+                  <a:prstDash val="solid"/>
+                </a:ln>
+                <a:solidFill>
+                  <a:schemeClr val="accent4"/>
+                </a:solidFill>
+                <a:latin typeface="+mj-lt"/>
+                <a:ea typeface="+mj-ea"/>
+                <a:cs typeface="+mj-cs"/>
+              </a:rPr>
+              <a:t>- </a:t>
+            </a:r>
+            <a:r>
+              <a:rPr lang="en-US" altLang="zh-CN" sz="1600" b="1" spc="50" dirty="0" smtClean="0">
+                <a:ln w="12700">
+                  <a:noFill/>
+                  <a:prstDash val="solid"/>
+                </a:ln>
+                <a:solidFill>
+                  <a:schemeClr val="accent4"/>
+                </a:solidFill>
+                <a:latin typeface="+mj-lt"/>
+                <a:ea typeface="+mj-ea"/>
+                <a:cs typeface="+mj-cs"/>
+              </a:rPr>
+              <a:t>.Net Static Member</a:t>
+            </a:r>
+          </a:p>
+          <a:p>
+            <a:endParaRPr lang="en-US" altLang="zh-CN" sz="1600" b="1" spc="50" dirty="0">
+              <a:ln w="12700">
+                <a:noFill/>
+                <a:prstDash val="solid"/>
+              </a:ln>
+              <a:solidFill>
+                <a:schemeClr val="accent4"/>
+              </a:solidFill>
+              <a:latin typeface="+mj-lt"/>
+              <a:ea typeface="+mj-ea"/>
+              <a:cs typeface="+mj-cs"/>
+            </a:endParaRPr>
+          </a:p>
+          <a:p>
+            <a:r>
+              <a:rPr lang="zh-CN" altLang="en-US" sz="1600" b="1" spc="50" dirty="0">
+                <a:ln w="12700">
+                  <a:noFill/>
+                  <a:prstDash val="solid"/>
+                </a:ln>
+                <a:solidFill>
+                  <a:schemeClr val="accent4"/>
+                </a:solidFill>
+              </a:rPr>
+              <a:t> </a:t>
+            </a:r>
+            <a:r>
+              <a:rPr lang="zh-CN" altLang="en-US" sz="1600" b="1" spc="50" dirty="0" smtClean="0">
+                <a:ln w="12700">
+                  <a:noFill/>
+                  <a:prstDash val="solid"/>
+                </a:ln>
+                <a:solidFill>
+                  <a:schemeClr val="accent4"/>
+                </a:solidFill>
+              </a:rPr>
+              <a:t>     </a:t>
+            </a:r>
+            <a:r>
+              <a:rPr lang="en-US" altLang="zh-CN" sz="1600" b="1" spc="50" dirty="0" smtClean="0">
+                <a:ln w="12700">
+                  <a:noFill/>
+                  <a:prstDash val="solid"/>
+                </a:ln>
+                <a:solidFill>
+                  <a:schemeClr val="accent4"/>
+                </a:solidFill>
+              </a:rPr>
+              <a:t>- </a:t>
+            </a:r>
+            <a:r>
+              <a:rPr lang="en-US" altLang="zh-CN" sz="1600" b="1" spc="50" dirty="0" smtClean="0">
+                <a:ln w="12700">
+                  <a:noFill/>
+                  <a:prstDash val="solid"/>
+                </a:ln>
+                <a:solidFill>
+                  <a:schemeClr val="accent4"/>
+                </a:solidFill>
+                <a:latin typeface="+mj-lt"/>
+                <a:ea typeface="+mj-ea"/>
+                <a:cs typeface="+mj-cs"/>
+              </a:rPr>
+              <a:t>.Net Static Constructor</a:t>
+            </a:r>
+          </a:p>
+          <a:p>
+            <a:endParaRPr lang="en-US" altLang="zh-CN" sz="1600" b="1" spc="50" dirty="0">
+              <a:ln w="12700">
+                <a:noFill/>
+                <a:prstDash val="solid"/>
+              </a:ln>
+              <a:solidFill>
+                <a:schemeClr val="accent4"/>
+              </a:solidFill>
+              <a:latin typeface="+mj-lt"/>
+              <a:ea typeface="+mj-ea"/>
+              <a:cs typeface="+mj-cs"/>
+            </a:endParaRPr>
+          </a:p>
+          <a:p>
+            <a:r>
+              <a:rPr lang="en-US" altLang="zh-CN" sz="1600" b="1" spc="50" dirty="0" smtClean="0">
+                <a:ln w="12700">
+                  <a:noFill/>
+                  <a:prstDash val="solid"/>
+                </a:ln>
+                <a:solidFill>
+                  <a:schemeClr val="accent4"/>
+                </a:solidFill>
+                <a:latin typeface="+mj-lt"/>
+                <a:ea typeface="+mj-ea"/>
+                <a:cs typeface="+mj-cs"/>
+              </a:rPr>
+              <a:t>      - .Net Compiler</a:t>
+            </a:r>
+            <a:endParaRPr lang="zh-CN" altLang="en-US" sz="1600" b="1" spc="50" dirty="0">
+              <a:ln w="12700">
+                <a:noFill/>
+                <a:prstDash val="solid"/>
+              </a:ln>
+              <a:solidFill>
+                <a:schemeClr val="accent4"/>
+              </a:solidFill>
+              <a:latin typeface="+mj-lt"/>
+              <a:ea typeface="+mj-ea"/>
+              <a:cs typeface="+mj-cs"/>
+            </a:endParaRPr>
+          </a:p>
+        </p:txBody>
+      </p:sp>
+      <p:sp>
+        <p:nvSpPr>
+          <p:cNvPr id="17" name="TextBox 16"/>
+          <p:cNvSpPr txBox="1"/>
+          <p:nvPr/>
+        </p:nvSpPr>
+        <p:spPr>
+          <a:xfrm>
+            <a:off x="251520" y="1196752"/>
+            <a:ext cx="3672408" cy="353943"/>
+          </a:xfrm>
+          <a:prstGeom prst="rect">
+            <a:avLst/>
+          </a:prstGeom>
+          <a:noFill/>
+        </p:spPr>
+        <p:txBody>
+          <a:bodyPr wrap="square" rtlCol="0">
+            <a:spAutoFit/>
+          </a:bodyPr>
+          <a:lstStyle/>
+          <a:p>
+            <a:r>
+              <a:rPr lang="en-US" altLang="zh-CN" sz="1700" b="1" spc="50" dirty="0">
+                <a:ln w="12700">
+                  <a:noFill/>
+                  <a:prstDash val="solid"/>
+                </a:ln>
+                <a:solidFill>
+                  <a:schemeClr val="accent4"/>
+                </a:solidFill>
+              </a:rPr>
+              <a:t>Thinking - Eager / Lazy</a:t>
+            </a:r>
+            <a:endParaRPr lang="en-US" altLang="en-US" sz="1700" b="1" spc="50" dirty="0">
+              <a:ln w="12700">
+                <a:noFill/>
+                <a:prstDash val="solid"/>
+              </a:ln>
+              <a:solidFill>
+                <a:schemeClr val="accent4"/>
+              </a:solidFill>
+            </a:endParaRPr>
+          </a:p>
+        </p:txBody>
+      </p:sp>
     </p:spTree>
     <p:extLst>
       <p:ext uri="{BB962C8B-B14F-4D97-AF65-F5344CB8AC3E}">
-        <p14:creationId xmlns:p14="http://schemas.microsoft.com/office/powerpoint/2010/main" val="92312762"/>
+        <p14:creationId xmlns:p14="http://schemas.microsoft.com/office/powerpoint/2010/main" val="1098287751"/>
       </p:ext>
     </p:extLst>
   </p:cSld>
@@ -4936,6 +4907,758 @@
 </file>
 
 <file path=ppt/slides/slide13.xml><?xml version="1.0" encoding="utf-8"?>
+<p:sld xmlns:a="http://schemas.openxmlformats.org/drawingml/2006/main" xmlns:r="http://schemas.openxmlformats.org/officeDocument/2006/relationships" xmlns:p="http://schemas.openxmlformats.org/presentationml/2006/main">
+  <p:cSld>
+    <p:spTree>
+      <p:nvGrpSpPr>
+        <p:cNvPr id="1" name=""/>
+        <p:cNvGrpSpPr/>
+        <p:nvPr/>
+      </p:nvGrpSpPr>
+      <p:grpSpPr>
+        <a:xfrm>
+          <a:off x="0" y="0"/>
+          <a:ext cx="0" cy="0"/>
+          <a:chOff x="0" y="0"/>
+          <a:chExt cx="0" cy="0"/>
+        </a:xfrm>
+      </p:grpSpPr>
+      <p:sp>
+        <p:nvSpPr>
+          <p:cNvPr id="12" name="Rectangle 2"/>
+          <p:cNvSpPr txBox="1">
+            <a:spLocks noChangeArrowheads="1"/>
+          </p:cNvSpPr>
+          <p:nvPr/>
+        </p:nvSpPr>
+        <p:spPr>
+          <a:xfrm>
+            <a:off x="457200" y="1268760"/>
+            <a:ext cx="8363272" cy="5400600"/>
+          </a:xfrm>
+          <a:prstGeom prst="rect">
+            <a:avLst/>
+          </a:prstGeom>
+        </p:spPr>
+        <p:txBody>
+          <a:bodyPr vert="horz" rtlCol="0" anchor="ctr">
+            <a:normAutofit fontScale="70000" lnSpcReduction="20000"/>
+            <a:scene3d>
+              <a:camera prst="orthographicFront"/>
+              <a:lightRig rig="soft" dir="t"/>
+            </a:scene3d>
+            <a:sp3d prstMaterial="matte">
+              <a:bevelT w="12700" h="12700"/>
+            </a:sp3d>
+          </a:bodyPr>
+          <a:lstStyle>
+            <a:lvl1pPr algn="l" rtl="0" eaLnBrk="1" latinLnBrk="0" hangingPunct="1">
+              <a:spcBef>
+                <a:spcPct val="0"/>
+              </a:spcBef>
+              <a:buNone/>
+              <a:defRPr kumimoji="0" lang="zh-CN" altLang="en-US" sz="4400" b="0" kern="1200" spc="50">
+                <a:ln w="12700">
+                  <a:noFill/>
+                  <a:prstDash val="solid"/>
+                </a:ln>
+                <a:solidFill>
+                  <a:schemeClr val="accent4"/>
+                </a:solidFill>
+                <a:effectLst>
+                  <a:outerShdw blurRad="38100" dist="20320" dir="2700000" algn="tl" rotWithShape="0">
+                    <a:srgbClr val="000000">
+                      <a:alpha val="70000"/>
+                    </a:srgbClr>
+                  </a:outerShdw>
+                </a:effectLst>
+                <a:latin typeface="+mj-lt"/>
+                <a:ea typeface="+mj-ea"/>
+                <a:cs typeface="+mj-cs"/>
+              </a:defRPr>
+            </a:lvl1pPr>
+            <a:lvl2pPr eaLnBrk="1" latinLnBrk="0" hangingPunct="1">
+              <a:defRPr kumimoji="0">
+                <a:solidFill>
+                  <a:schemeClr val="tx2"/>
+                </a:solidFill>
+              </a:defRPr>
+            </a:lvl2pPr>
+            <a:lvl3pPr eaLnBrk="1" latinLnBrk="0" hangingPunct="1">
+              <a:defRPr kumimoji="0">
+                <a:solidFill>
+                  <a:schemeClr val="tx2"/>
+                </a:solidFill>
+              </a:defRPr>
+            </a:lvl3pPr>
+            <a:lvl4pPr eaLnBrk="1" latinLnBrk="0" hangingPunct="1">
+              <a:defRPr kumimoji="0">
+                <a:solidFill>
+                  <a:schemeClr val="tx2"/>
+                </a:solidFill>
+              </a:defRPr>
+            </a:lvl4pPr>
+            <a:lvl5pPr eaLnBrk="1" latinLnBrk="0" hangingPunct="1">
+              <a:defRPr kumimoji="0">
+                <a:solidFill>
+                  <a:schemeClr val="tx2"/>
+                </a:solidFill>
+              </a:defRPr>
+            </a:lvl5pPr>
+            <a:lvl6pPr eaLnBrk="1" latinLnBrk="0" hangingPunct="1">
+              <a:defRPr kumimoji="0">
+                <a:solidFill>
+                  <a:schemeClr val="tx2"/>
+                </a:solidFill>
+              </a:defRPr>
+            </a:lvl6pPr>
+            <a:lvl7pPr eaLnBrk="1" latinLnBrk="0" hangingPunct="1">
+              <a:defRPr kumimoji="0">
+                <a:solidFill>
+                  <a:schemeClr val="tx2"/>
+                </a:solidFill>
+              </a:defRPr>
+            </a:lvl7pPr>
+            <a:lvl8pPr eaLnBrk="1" latinLnBrk="0" hangingPunct="1">
+              <a:defRPr kumimoji="0">
+                <a:solidFill>
+                  <a:schemeClr val="tx2"/>
+                </a:solidFill>
+              </a:defRPr>
+            </a:lvl8pPr>
+            <a:lvl9pPr eaLnBrk="1" latinLnBrk="0" hangingPunct="1">
+              <a:defRPr kumimoji="0">
+                <a:solidFill>
+                  <a:schemeClr val="tx2"/>
+                </a:solidFill>
+              </a:defRPr>
+            </a:lvl9pPr>
+          </a:lstStyle>
+          <a:p>
+            <a:r>
+              <a:rPr lang="zh-CN" altLang="en-US" sz="2700" b="1" dirty="0">
+                <a:effectLst/>
+              </a:rPr>
+              <a:t>需求</a:t>
+            </a:r>
+            <a:r>
+              <a:rPr lang="zh-CN" altLang="en-US" sz="2700" b="1" dirty="0" smtClean="0">
+                <a:effectLst/>
+              </a:rPr>
+              <a:t>：</a:t>
+            </a:r>
+            <a:endParaRPr lang="en-US" altLang="zh-CN" sz="2700" b="1" dirty="0" smtClean="0">
+              <a:effectLst/>
+            </a:endParaRPr>
+          </a:p>
+          <a:p>
+            <a:endParaRPr lang="en-US" altLang="zh-CN" sz="2700" b="1" dirty="0">
+              <a:effectLst/>
+            </a:endParaRPr>
+          </a:p>
+          <a:p>
+            <a:r>
+              <a:rPr lang="en-US" altLang="zh-CN" sz="1900" dirty="0">
+                <a:effectLst/>
+              </a:rPr>
+              <a:t>	</a:t>
+            </a:r>
+            <a:r>
+              <a:rPr lang="zh-CN" altLang="en-US" sz="1900" dirty="0" smtClean="0">
+                <a:effectLst/>
+              </a:rPr>
+              <a:t>现有多台打印机，分为两组</a:t>
+            </a:r>
+            <a:r>
+              <a:rPr lang="en-US" altLang="zh-CN" sz="1900" dirty="0" smtClean="0">
+                <a:effectLst/>
+              </a:rPr>
+              <a:t> - </a:t>
+            </a:r>
+            <a:r>
+              <a:rPr lang="zh-CN" altLang="en-US" sz="1900" dirty="0" smtClean="0">
+                <a:effectLst/>
+              </a:rPr>
+              <a:t>黑白 </a:t>
+            </a:r>
+            <a:r>
+              <a:rPr lang="en-US" altLang="zh-CN" sz="1900" dirty="0" smtClean="0">
+                <a:effectLst/>
+              </a:rPr>
+              <a:t>/ </a:t>
+            </a:r>
+            <a:r>
+              <a:rPr lang="zh-CN" altLang="en-US" sz="1900" dirty="0" smtClean="0">
+                <a:effectLst/>
+              </a:rPr>
+              <a:t>彩色</a:t>
+            </a:r>
+            <a:endParaRPr lang="en-US" altLang="zh-CN" sz="1900" dirty="0" smtClean="0">
+              <a:effectLst/>
+            </a:endParaRPr>
+          </a:p>
+          <a:p>
+            <a:endParaRPr lang="en-US" altLang="zh-CN" sz="1900" dirty="0">
+              <a:effectLst/>
+            </a:endParaRPr>
+          </a:p>
+          <a:p>
+            <a:r>
+              <a:rPr lang="en-US" altLang="zh-CN" sz="1900" dirty="0" smtClean="0">
+                <a:effectLst/>
+              </a:rPr>
+              <a:t>	</a:t>
+            </a:r>
+            <a:r>
+              <a:rPr lang="zh-CN" altLang="en-US" sz="1900" dirty="0" smtClean="0">
+                <a:effectLst/>
+              </a:rPr>
+              <a:t>要求提供打印服务类</a:t>
+            </a:r>
+            <a:r>
+              <a:rPr lang="en-US" altLang="zh-CN" sz="1900" dirty="0" smtClean="0">
+                <a:effectLst/>
+              </a:rPr>
+              <a:t> - </a:t>
+            </a:r>
+            <a:r>
+              <a:rPr lang="zh-CN" altLang="en-US" sz="1900" dirty="0" smtClean="0">
+                <a:effectLst/>
+              </a:rPr>
+              <a:t>接</a:t>
+            </a:r>
+            <a:r>
+              <a:rPr lang="zh-CN" altLang="en-US" sz="1900" dirty="0">
+                <a:effectLst/>
+              </a:rPr>
+              <a:t>收</a:t>
+            </a:r>
+            <a:r>
+              <a:rPr lang="zh-CN" altLang="en-US" sz="1900" dirty="0" smtClean="0">
+                <a:effectLst/>
+              </a:rPr>
+              <a:t>打印请求</a:t>
+            </a:r>
+            <a:r>
+              <a:rPr lang="en-US" altLang="zh-CN" sz="1900" dirty="0" smtClean="0">
+                <a:effectLst/>
+              </a:rPr>
+              <a:t>, </a:t>
+            </a:r>
+            <a:r>
+              <a:rPr lang="zh-CN" altLang="en-US" sz="1900" dirty="0" smtClean="0">
+                <a:effectLst/>
+              </a:rPr>
+              <a:t>执行打印工作</a:t>
+            </a:r>
+            <a:endParaRPr lang="en-US" altLang="zh-CN" sz="1900" dirty="0" smtClean="0">
+              <a:effectLst/>
+            </a:endParaRPr>
+          </a:p>
+          <a:p>
+            <a:endParaRPr lang="en-US" altLang="zh-CN" sz="1900" dirty="0">
+              <a:effectLst/>
+            </a:endParaRPr>
+          </a:p>
+          <a:p>
+            <a:r>
+              <a:rPr lang="en-US" altLang="zh-CN" sz="1900" dirty="0" smtClean="0">
+                <a:effectLst/>
+              </a:rPr>
+              <a:t>	</a:t>
+            </a:r>
+            <a:r>
+              <a:rPr lang="zh-CN" altLang="en-US" sz="1900" dirty="0" smtClean="0">
+                <a:effectLst/>
+              </a:rPr>
+              <a:t>两种打印服务</a:t>
+            </a:r>
+            <a:r>
+              <a:rPr lang="en-US" altLang="zh-CN" sz="1900" dirty="0" smtClean="0">
+                <a:effectLst/>
+              </a:rPr>
+              <a:t>: </a:t>
+            </a:r>
+          </a:p>
+          <a:p>
+            <a:r>
+              <a:rPr lang="en-US" altLang="zh-CN" sz="1900" dirty="0">
+                <a:effectLst/>
+              </a:rPr>
+              <a:t>	</a:t>
+            </a:r>
+            <a:r>
+              <a:rPr lang="en-US" altLang="zh-CN" sz="1900" dirty="0" smtClean="0">
+                <a:effectLst/>
+              </a:rPr>
+              <a:t>	      - </a:t>
+            </a:r>
+            <a:r>
+              <a:rPr lang="zh-CN" altLang="en-US" sz="1900" dirty="0" smtClean="0">
+                <a:effectLst/>
+              </a:rPr>
+              <a:t>黑白打印服务 </a:t>
+            </a:r>
+            <a:endParaRPr lang="en-US" altLang="zh-CN" sz="1900" dirty="0" smtClean="0">
+              <a:effectLst/>
+            </a:endParaRPr>
+          </a:p>
+          <a:p>
+            <a:r>
+              <a:rPr lang="en-US" altLang="zh-CN" sz="1900" dirty="0">
+                <a:effectLst/>
+              </a:rPr>
+              <a:t>	</a:t>
+            </a:r>
+            <a:r>
+              <a:rPr lang="en-US" altLang="zh-CN" sz="1900" dirty="0" smtClean="0">
+                <a:effectLst/>
+              </a:rPr>
+              <a:t>	      - </a:t>
+            </a:r>
+            <a:r>
+              <a:rPr lang="zh-CN" altLang="en-US" sz="1900" dirty="0" smtClean="0">
+                <a:effectLst/>
+              </a:rPr>
+              <a:t>彩色打印服务</a:t>
+            </a:r>
+            <a:endParaRPr lang="en-US" altLang="zh-CN" sz="1900" dirty="0" smtClean="0">
+              <a:effectLst/>
+            </a:endParaRPr>
+          </a:p>
+          <a:p>
+            <a:endParaRPr lang="en-US" altLang="zh-CN" sz="1900" dirty="0" smtClean="0">
+              <a:effectLst/>
+            </a:endParaRPr>
+          </a:p>
+          <a:p>
+            <a:r>
+              <a:rPr lang="zh-CN" altLang="en-US" sz="2700" b="1" dirty="0" smtClean="0">
+                <a:effectLst/>
+              </a:rPr>
+              <a:t>分析 ：</a:t>
+            </a:r>
+            <a:endParaRPr lang="en-US" altLang="zh-CN" sz="2700" b="1" dirty="0">
+              <a:effectLst/>
+            </a:endParaRPr>
+          </a:p>
+          <a:p>
+            <a:r>
+              <a:rPr lang="en-US" altLang="zh-CN" sz="2600" dirty="0">
+                <a:effectLst/>
+              </a:rPr>
+              <a:t>	</a:t>
+            </a:r>
+            <a:r>
+              <a:rPr lang="en-US" altLang="zh-CN" sz="1900" dirty="0">
+                <a:effectLst/>
+              </a:rPr>
+              <a:t>	</a:t>
+            </a:r>
+          </a:p>
+          <a:p>
+            <a:r>
+              <a:rPr lang="en-US" altLang="zh-CN" sz="1900" dirty="0" smtClean="0">
+                <a:effectLst/>
+              </a:rPr>
+              <a:t>	</a:t>
+            </a:r>
+            <a:r>
+              <a:rPr lang="zh-CN" altLang="en-US" sz="1900" dirty="0" smtClean="0">
+                <a:effectLst/>
+              </a:rPr>
+              <a:t>每种打印服务应当各只有一</a:t>
+            </a:r>
+            <a:r>
+              <a:rPr lang="zh-CN" altLang="en-US" sz="1900" dirty="0">
+                <a:effectLst/>
+              </a:rPr>
+              <a:t>个打印</a:t>
+            </a:r>
+            <a:r>
+              <a:rPr lang="zh-CN" altLang="en-US" sz="1900" dirty="0" smtClean="0">
+                <a:effectLst/>
+              </a:rPr>
+              <a:t>服务实例</a:t>
+            </a:r>
+            <a:endParaRPr lang="en-US" altLang="zh-CN" sz="1900" dirty="0">
+              <a:effectLst/>
+            </a:endParaRPr>
+          </a:p>
+          <a:p>
+            <a:endParaRPr lang="en-US" altLang="zh-CN" sz="1900" dirty="0">
+              <a:effectLst/>
+            </a:endParaRPr>
+          </a:p>
+          <a:p>
+            <a:r>
+              <a:rPr lang="en-US" altLang="zh-CN" sz="1900" dirty="0">
+                <a:effectLst/>
+              </a:rPr>
+              <a:t>	</a:t>
+            </a:r>
+            <a:r>
+              <a:rPr lang="zh-CN" altLang="en-US" sz="1900" dirty="0" smtClean="0">
+                <a:effectLst/>
+              </a:rPr>
+              <a:t>两种打印服务类有大量逻辑可以共用</a:t>
+            </a:r>
+            <a:endParaRPr lang="en-US" altLang="zh-CN" sz="1900" dirty="0" smtClean="0">
+              <a:effectLst/>
+            </a:endParaRPr>
+          </a:p>
+          <a:p>
+            <a:endParaRPr lang="en-US" altLang="zh-CN" sz="1900" dirty="0" smtClean="0">
+              <a:effectLst/>
+            </a:endParaRPr>
+          </a:p>
+          <a:p>
+            <a:r>
+              <a:rPr lang="en-US" altLang="zh-CN" sz="1900" dirty="0" smtClean="0">
+                <a:effectLst/>
+              </a:rPr>
+              <a:t>	</a:t>
+            </a:r>
+            <a:r>
+              <a:rPr lang="zh-CN" altLang="en-US" sz="1900" dirty="0" smtClean="0">
+                <a:effectLst/>
+              </a:rPr>
+              <a:t>最好能提供一个集中式的打印服务实例访问点</a:t>
+            </a:r>
+            <a:endParaRPr lang="en-US" altLang="zh-CN" sz="1900" dirty="0" smtClean="0">
+              <a:effectLst/>
+            </a:endParaRPr>
+          </a:p>
+          <a:p>
+            <a:endParaRPr lang="en-US" altLang="zh-CN" sz="1900" dirty="0">
+              <a:effectLst/>
+            </a:endParaRPr>
+          </a:p>
+          <a:p>
+            <a:r>
+              <a:rPr lang="zh-CN" altLang="en-US" sz="2700" b="1" dirty="0" smtClean="0">
+                <a:effectLst/>
+              </a:rPr>
+              <a:t>设计</a:t>
+            </a:r>
+            <a:r>
+              <a:rPr lang="zh-CN" altLang="en-US" sz="2700" b="1" dirty="0" smtClean="0">
+                <a:effectLst/>
+              </a:rPr>
+              <a:t>：</a:t>
+            </a:r>
+            <a:endParaRPr lang="en-US" altLang="zh-CN" sz="2700" b="1" dirty="0" smtClean="0">
+              <a:effectLst/>
+            </a:endParaRPr>
+          </a:p>
+          <a:p>
+            <a:r>
+              <a:rPr lang="en-US" altLang="zh-CN" sz="2600" dirty="0">
+                <a:effectLst/>
+              </a:rPr>
+              <a:t>	</a:t>
+            </a:r>
+          </a:p>
+          <a:p>
+            <a:r>
+              <a:rPr lang="en-US" altLang="zh-CN" sz="1900" dirty="0">
+                <a:effectLst/>
+              </a:rPr>
+              <a:t>	</a:t>
+            </a:r>
+            <a:r>
+              <a:rPr lang="zh-CN" altLang="en-US" sz="1900" dirty="0" smtClean="0">
+                <a:effectLst/>
+              </a:rPr>
+              <a:t>提供打印服务基类</a:t>
+            </a:r>
+            <a:r>
+              <a:rPr lang="en-US" altLang="zh-CN" sz="1900" dirty="0" smtClean="0">
+                <a:effectLst/>
+              </a:rPr>
+              <a:t>Print Service</a:t>
+            </a:r>
+            <a:r>
+              <a:rPr lang="zh-CN" altLang="en-US" sz="1900" dirty="0" smtClean="0">
+                <a:effectLst/>
+              </a:rPr>
+              <a:t>及其衍生类</a:t>
+            </a:r>
+            <a:r>
+              <a:rPr lang="en-US" altLang="zh-CN" sz="1900" dirty="0" smtClean="0">
+                <a:effectLst/>
+              </a:rPr>
+              <a:t>BlackWhitePrintService / ColourPrintService</a:t>
+            </a:r>
+          </a:p>
+          <a:p>
+            <a:endParaRPr lang="en-US" altLang="zh-CN" sz="1900" dirty="0">
+              <a:effectLst/>
+            </a:endParaRPr>
+          </a:p>
+          <a:p>
+            <a:r>
+              <a:rPr lang="en-US" altLang="zh-CN" sz="1900" dirty="0" smtClean="0">
+                <a:effectLst/>
+              </a:rPr>
+              <a:t>	</a:t>
+            </a:r>
+            <a:r>
+              <a:rPr lang="zh-CN" altLang="en-US" sz="1900" dirty="0">
+                <a:effectLst/>
+              </a:rPr>
+              <a:t>基类</a:t>
+            </a:r>
+            <a:r>
+              <a:rPr lang="en-US" altLang="zh-CN" sz="1900" dirty="0">
+                <a:effectLst/>
+              </a:rPr>
+              <a:t>Print Service</a:t>
+            </a:r>
+            <a:r>
+              <a:rPr lang="zh-CN" altLang="en-US" sz="1900" dirty="0" smtClean="0">
+                <a:effectLst/>
+              </a:rPr>
+              <a:t>全局</a:t>
+            </a:r>
+            <a:r>
+              <a:rPr lang="zh-CN" altLang="en-US" sz="1900" dirty="0">
+                <a:effectLst/>
+              </a:rPr>
+              <a:t>访问</a:t>
+            </a:r>
+            <a:r>
+              <a:rPr lang="zh-CN" altLang="en-US" sz="1900" dirty="0" smtClean="0">
+                <a:effectLst/>
+              </a:rPr>
+              <a:t>点集中式获取指定打印服务实例</a:t>
+            </a:r>
+            <a:endParaRPr lang="en-US" altLang="zh-CN" sz="1900" dirty="0">
+              <a:effectLst/>
+            </a:endParaRPr>
+          </a:p>
+          <a:p>
+            <a:endParaRPr lang="en-US" altLang="zh-CN" sz="1900" dirty="0">
+              <a:effectLst/>
+            </a:endParaRPr>
+          </a:p>
+          <a:p>
+            <a:r>
+              <a:rPr lang="en-US" altLang="zh-CN" sz="1900" dirty="0">
+                <a:effectLst/>
+              </a:rPr>
+              <a:t>	</a:t>
+            </a:r>
+            <a:r>
+              <a:rPr lang="zh-CN" altLang="en-US" sz="1900" dirty="0" smtClean="0">
+                <a:effectLst/>
+              </a:rPr>
+              <a:t>具体打印</a:t>
+            </a:r>
+            <a:r>
+              <a:rPr lang="zh-CN" altLang="en-US" sz="1900" dirty="0">
+                <a:effectLst/>
+              </a:rPr>
+              <a:t>服务实例</a:t>
+            </a:r>
+            <a:r>
+              <a:rPr lang="zh-CN" altLang="en-US" sz="1900" dirty="0" smtClean="0">
+                <a:effectLst/>
+              </a:rPr>
+              <a:t>内部各自管理</a:t>
+            </a:r>
+            <a:r>
+              <a:rPr lang="en-US" altLang="zh-CN" sz="1900" dirty="0" smtClean="0">
+                <a:effectLst/>
+              </a:rPr>
+              <a:t>/</a:t>
+            </a:r>
+            <a:r>
+              <a:rPr lang="zh-CN" altLang="en-US" sz="1900" dirty="0" smtClean="0">
+                <a:effectLst/>
+              </a:rPr>
+              <a:t>调度黑白</a:t>
+            </a:r>
+            <a:r>
+              <a:rPr lang="en-US" altLang="zh-CN" sz="1900" dirty="0" smtClean="0">
+                <a:effectLst/>
+              </a:rPr>
+              <a:t>/</a:t>
+            </a:r>
+            <a:r>
+              <a:rPr lang="zh-CN" altLang="en-US" sz="1900" dirty="0" smtClean="0">
+                <a:effectLst/>
+              </a:rPr>
+              <a:t>彩色打印机</a:t>
+            </a:r>
+            <a:r>
+              <a:rPr lang="en-US" altLang="zh-CN" sz="1900" dirty="0" smtClean="0">
+                <a:effectLst/>
+              </a:rPr>
+              <a:t>, </a:t>
+            </a:r>
+            <a:r>
+              <a:rPr lang="zh-CN" altLang="en-US" sz="1900" dirty="0" smtClean="0">
+                <a:effectLst/>
+              </a:rPr>
+              <a:t>对外</a:t>
+            </a:r>
+            <a:r>
+              <a:rPr lang="zh-CN" altLang="en-US" sz="1900" dirty="0">
+                <a:effectLst/>
+              </a:rPr>
+              <a:t>不</a:t>
+            </a:r>
+            <a:r>
+              <a:rPr lang="zh-CN" altLang="en-US" sz="1900" dirty="0" smtClean="0">
+                <a:effectLst/>
+              </a:rPr>
+              <a:t>可见</a:t>
+            </a:r>
+            <a:endParaRPr lang="en-US" altLang="zh-CN" sz="1900" dirty="0">
+              <a:effectLst/>
+            </a:endParaRPr>
+          </a:p>
+          <a:p>
+            <a:endParaRPr lang="en-US" altLang="zh-CN" sz="1900" dirty="0">
+              <a:effectLst/>
+            </a:endParaRPr>
+          </a:p>
+          <a:p>
+            <a:r>
+              <a:rPr lang="en-US" altLang="zh-CN" sz="1900" dirty="0" smtClean="0">
+                <a:effectLst/>
+              </a:rPr>
+              <a:t>	</a:t>
+            </a:r>
+            <a:r>
+              <a:rPr lang="zh-CN" altLang="en-US" sz="1900" dirty="0">
+                <a:effectLst/>
+              </a:rPr>
+              <a:t>具体打印服务</a:t>
+            </a:r>
+            <a:r>
+              <a:rPr lang="zh-CN" altLang="en-US" sz="1900" dirty="0" smtClean="0">
+                <a:effectLst/>
+              </a:rPr>
+              <a:t>实例打印接口接收打印项并将其放入相应黑白</a:t>
+            </a:r>
+            <a:r>
+              <a:rPr lang="en-US" altLang="zh-CN" sz="1900" dirty="0" smtClean="0">
+                <a:effectLst/>
+              </a:rPr>
+              <a:t>/</a:t>
+            </a:r>
+            <a:r>
+              <a:rPr lang="zh-CN" altLang="en-US" sz="1900" dirty="0" smtClean="0">
+                <a:effectLst/>
+              </a:rPr>
+              <a:t>彩色打印项队列</a:t>
+            </a:r>
+            <a:endParaRPr lang="en-US" altLang="zh-CN" sz="1900" dirty="0" smtClean="0">
+              <a:effectLst/>
+            </a:endParaRPr>
+          </a:p>
+          <a:p>
+            <a:endParaRPr lang="en-US" altLang="zh-CN" sz="1900" dirty="0">
+              <a:effectLst/>
+            </a:endParaRPr>
+          </a:p>
+          <a:p>
+            <a:r>
+              <a:rPr lang="en-US" altLang="zh-CN" sz="1900" dirty="0" smtClean="0">
+                <a:effectLst/>
+              </a:rPr>
+              <a:t>	</a:t>
+            </a:r>
+            <a:r>
+              <a:rPr lang="zh-CN" altLang="en-US" sz="1900" dirty="0" smtClean="0">
+                <a:effectLst/>
+              </a:rPr>
+              <a:t>具体打印服务实例各自内部</a:t>
+            </a:r>
+            <a:r>
+              <a:rPr lang="en-US" altLang="zh-CN" sz="1900" dirty="0" smtClean="0">
+                <a:effectLst/>
+              </a:rPr>
+              <a:t>Job</a:t>
+            </a:r>
+            <a:r>
+              <a:rPr lang="zh-CN" altLang="en-US" sz="1900" dirty="0" smtClean="0">
+                <a:effectLst/>
+              </a:rPr>
+              <a:t>循环检查打印项队列</a:t>
+            </a:r>
+            <a:r>
+              <a:rPr lang="en-US" altLang="zh-CN" sz="1900" dirty="0" smtClean="0">
+                <a:effectLst/>
+              </a:rPr>
+              <a:t>, </a:t>
+            </a:r>
+            <a:r>
+              <a:rPr lang="zh-CN" altLang="en-US" sz="1900" dirty="0" smtClean="0">
+                <a:effectLst/>
+              </a:rPr>
+              <a:t>并分发打印项至打印机</a:t>
+            </a:r>
+            <a:endParaRPr lang="en-US" altLang="zh-CN" sz="1900" dirty="0">
+              <a:effectLst/>
+            </a:endParaRPr>
+          </a:p>
+        </p:txBody>
+      </p:sp>
+      <p:sp>
+        <p:nvSpPr>
+          <p:cNvPr id="3" name="Rectangle 2"/>
+          <p:cNvSpPr>
+            <a:spLocks noGrp="1" noChangeArrowheads="1"/>
+          </p:cNvSpPr>
+          <p:nvPr>
+            <p:ph type="title"/>
+          </p:nvPr>
+        </p:nvSpPr>
+        <p:spPr>
+          <a:xfrm>
+            <a:off x="628650" y="44624"/>
+            <a:ext cx="7886700" cy="1119658"/>
+          </a:xfrm>
+        </p:spPr>
+        <p:txBody>
+          <a:bodyPr>
+            <a:normAutofit/>
+          </a:bodyPr>
+          <a:lstStyle/>
+          <a:p>
+            <a:r>
+              <a:rPr lang="en-US" altLang="zh-CN" dirty="0" smtClean="0"/>
+              <a:t>Singleton</a:t>
+            </a:r>
+            <a:endParaRPr lang="zh-CN" altLang="en-US" dirty="0"/>
+          </a:p>
+        </p:txBody>
+      </p:sp>
+    </p:spTree>
+    <p:extLst>
+      <p:ext uri="{BB962C8B-B14F-4D97-AF65-F5344CB8AC3E}">
+        <p14:creationId xmlns:p14="http://schemas.microsoft.com/office/powerpoint/2010/main" val="1342113561"/>
+      </p:ext>
+    </p:extLst>
+  </p:cSld>
+  <p:clrMapOvr>
+    <a:masterClrMapping/>
+  </p:clrMapOvr>
+  <p:transition/>
+  <p:timing>
+    <p:tnLst>
+      <p:par>
+        <p:cTn id="1" dur="indefinite" restart="never" nodeType="tmRoot"/>
+      </p:par>
+    </p:tnLst>
+  </p:timing>
+</p:sld>
+</file>
+
+<file path=ppt/slides/slide14.xml><?xml version="1.0" encoding="utf-8"?>
 <p:sld xmlns:a="http://schemas.openxmlformats.org/drawingml/2006/main" xmlns:r="http://schemas.openxmlformats.org/officeDocument/2006/relationships" xmlns:p="http://schemas.openxmlformats.org/presentationml/2006/main">
   <p:cSld>
     <p:spTree>
@@ -5979,7 +6702,7 @@
 </p:sld>
 </file>
 
-<file path=ppt/slides/slide14.xml><?xml version="1.0" encoding="utf-8"?>
+<file path=ppt/slides/slide15.xml><?xml version="1.0" encoding="utf-8"?>
 <p:sld xmlns:a="http://schemas.openxmlformats.org/drawingml/2006/main" xmlns:r="http://schemas.openxmlformats.org/officeDocument/2006/relationships" xmlns:p="http://schemas.openxmlformats.org/presentationml/2006/main">
   <p:cSld>
     <p:spTree>
@@ -7227,70 +7950,6 @@
           </a:p>
         </p:txBody>
       </p:sp>
-      <p:pic>
-        <p:nvPicPr>
-          <p:cNvPr id="6146" name="Picture 2"/>
-          <p:cNvPicPr>
-            <a:picLocks noChangeAspect="1" noChangeArrowheads="1"/>
-          </p:cNvPicPr>
-          <p:nvPr/>
-        </p:nvPicPr>
-        <p:blipFill>
-          <a:blip r:embed="rId2">
-            <a:extLst>
-              <a:ext uri="{28A0092B-C50C-407E-A947-70E740481C1C}">
-                <a14:useLocalDpi xmlns:a14="http://schemas.microsoft.com/office/drawing/2010/main" val="0"/>
-              </a:ext>
-            </a:extLst>
-          </a:blip>
-          <a:srcRect/>
-          <a:stretch>
-            <a:fillRect/>
-          </a:stretch>
-        </p:blipFill>
-        <p:spPr bwMode="auto">
-          <a:xfrm>
-            <a:off x="2771800" y="1698501"/>
-            <a:ext cx="4562475" cy="1514475"/>
-          </a:xfrm>
-          <a:prstGeom prst="rect">
-            <a:avLst/>
-          </a:prstGeom>
-          <a:noFill/>
-          <a:ln>
-            <a:noFill/>
-          </a:ln>
-          <a:effectLst/>
-          <a:extLst>
-            <a:ext uri="{909E8E84-426E-40DD-AFC4-6F175D3DCCD1}">
-              <a14:hiddenFill xmlns:a14="http://schemas.microsoft.com/office/drawing/2010/main">
-                <a:solidFill>
-                  <a:schemeClr val="accent1"/>
-                </a:solidFill>
-              </a14:hiddenFill>
-            </a:ext>
-            <a:ext uri="{91240B29-F687-4F45-9708-019B960494DF}">
-              <a14:hiddenLine xmlns:a14="http://schemas.microsoft.com/office/drawing/2010/main" w="9525">
-                <a:solidFill>
-                  <a:schemeClr val="tx1"/>
-                </a:solidFill>
-                <a:miter lim="800000"/>
-                <a:headEnd/>
-                <a:tailEnd/>
-              </a14:hiddenLine>
-            </a:ext>
-            <a:ext uri="{AF507438-7753-43E0-B8FC-AC1667EBCBE1}">
-              <a14:hiddenEffects xmlns:a14="http://schemas.microsoft.com/office/drawing/2010/main">
-                <a:effectLst>
-                  <a:outerShdw dist="35921" dir="2700000" algn="ctr" rotWithShape="0">
-                    <a:schemeClr val="bg2"/>
-                  </a:outerShdw>
-                </a:effectLst>
-              </a14:hiddenEffects>
-            </a:ext>
-          </a:extLst>
-        </p:spPr>
-      </p:pic>
       <p:sp>
         <p:nvSpPr>
           <p:cNvPr id="5" name="Rectangle 2"/>
@@ -7341,267 +8000,6 @@
     <p:extLst>
       <p:ext uri="{BB962C8B-B14F-4D97-AF65-F5344CB8AC3E}">
         <p14:creationId xmlns:p14="http://schemas.microsoft.com/office/powerpoint/2010/main" val="2406389955"/>
-      </p:ext>
-    </p:extLst>
-  </p:cSld>
-  <p:clrMapOvr>
-    <a:masterClrMapping/>
-  </p:clrMapOvr>
-  <p:timing>
-    <p:tnLst>
-      <p:par>
-        <p:cTn id="1" dur="indefinite" restart="never" nodeType="tmRoot"/>
-      </p:par>
-    </p:tnLst>
-  </p:timing>
-</p:sld>
-</file>
-
-<file path=ppt/slides/slide15.xml><?xml version="1.0" encoding="utf-8"?>
-<p:sld xmlns:a="http://schemas.openxmlformats.org/drawingml/2006/main" xmlns:r="http://schemas.openxmlformats.org/officeDocument/2006/relationships" xmlns:p="http://schemas.openxmlformats.org/presentationml/2006/main">
-  <p:cSld>
-    <p:spTree>
-      <p:nvGrpSpPr>
-        <p:cNvPr id="1" name=""/>
-        <p:cNvGrpSpPr/>
-        <p:nvPr/>
-      </p:nvGrpSpPr>
-      <p:grpSpPr>
-        <a:xfrm>
-          <a:off x="0" y="0"/>
-          <a:ext cx="0" cy="0"/>
-          <a:chOff x="0" y="0"/>
-          <a:chExt cx="0" cy="0"/>
-        </a:xfrm>
-      </p:grpSpPr>
-      <p:sp>
-        <p:nvSpPr>
-          <p:cNvPr id="3" name="矩形 2"/>
-          <p:cNvSpPr/>
-          <p:nvPr/>
-        </p:nvSpPr>
-        <p:spPr>
-          <a:xfrm>
-            <a:off x="683568" y="1412776"/>
-            <a:ext cx="7776864" cy="648072"/>
-          </a:xfrm>
-          <a:prstGeom prst="rect">
-            <a:avLst/>
-          </a:prstGeom>
-        </p:spPr>
-        <p:txBody>
-          <a:bodyPr vert="horz" rtlCol="0" anchor="ctr">
-            <a:normAutofit/>
-            <a:scene3d>
-              <a:camera prst="orthographicFront"/>
-              <a:lightRig rig="soft" dir="t"/>
-            </a:scene3d>
-            <a:sp3d prstMaterial="matte">
-              <a:bevelT w="12700" h="12700"/>
-            </a:sp3d>
-          </a:bodyPr>
-          <a:lstStyle/>
-          <a:p>
-            <a:pPr>
-              <a:spcBef>
-                <a:spcPct val="0"/>
-              </a:spcBef>
-            </a:pPr>
-            <a:r>
-              <a:rPr lang="zh-CN" altLang="en-US" b="1" spc="50" dirty="0">
-                <a:ln w="12700">
-                  <a:noFill/>
-                  <a:prstDash val="solid"/>
-                </a:ln>
-                <a:solidFill>
-                  <a:schemeClr val="accent4"/>
-                </a:solidFill>
-                <a:effectLst>
-                  <a:outerShdw blurRad="38100" dist="38100" dir="2700000" algn="tl">
-                    <a:srgbClr val="000000">
-                      <a:alpha val="43137"/>
-                    </a:srgbClr>
-                  </a:outerShdw>
-                </a:effectLst>
-                <a:latin typeface="+mj-lt"/>
-                <a:ea typeface="+mj-ea"/>
-                <a:cs typeface="+mj-cs"/>
-              </a:rPr>
-              <a:t>协作</a:t>
-            </a:r>
-            <a:r>
-              <a:rPr lang="en-US" altLang="zh-CN" b="1" spc="50" dirty="0">
-                <a:ln w="12700">
-                  <a:noFill/>
-                  <a:prstDash val="solid"/>
-                </a:ln>
-                <a:solidFill>
-                  <a:schemeClr val="accent4"/>
-                </a:solidFill>
-                <a:effectLst>
-                  <a:outerShdw blurRad="38100" dist="38100" dir="2700000" algn="tl">
-                    <a:srgbClr val="000000">
-                      <a:alpha val="43137"/>
-                    </a:srgbClr>
-                  </a:outerShdw>
-                </a:effectLst>
-                <a:latin typeface="+mj-lt"/>
-                <a:ea typeface="+mj-ea"/>
-                <a:cs typeface="+mj-cs"/>
-              </a:rPr>
-              <a:t>(</a:t>
-            </a:r>
-            <a:r>
-              <a:rPr lang="en-US" altLang="zh-CN" b="1" spc="50" dirty="0" smtClean="0">
-                <a:ln w="12700">
-                  <a:noFill/>
-                  <a:prstDash val="solid"/>
-                </a:ln>
-                <a:solidFill>
-                  <a:schemeClr val="accent4"/>
-                </a:solidFill>
-                <a:effectLst>
-                  <a:outerShdw blurRad="38100" dist="38100" dir="2700000" algn="tl">
-                    <a:srgbClr val="000000">
-                      <a:alpha val="43137"/>
-                    </a:srgbClr>
-                  </a:outerShdw>
-                </a:effectLst>
-                <a:latin typeface="+mj-lt"/>
-                <a:ea typeface="+mj-ea"/>
-                <a:cs typeface="+mj-cs"/>
-              </a:rPr>
-              <a:t>Collaboration):</a:t>
-            </a:r>
-            <a:endParaRPr lang="en-US" altLang="zh-CN" b="1" spc="50" dirty="0">
-              <a:ln w="12700">
-                <a:noFill/>
-                <a:prstDash val="solid"/>
-              </a:ln>
-              <a:solidFill>
-                <a:schemeClr val="accent4"/>
-              </a:solidFill>
-              <a:latin typeface="+mj-lt"/>
-              <a:ea typeface="+mj-ea"/>
-              <a:cs typeface="+mj-cs"/>
-            </a:endParaRPr>
-          </a:p>
-        </p:txBody>
-      </p:sp>
-      <p:pic>
-        <p:nvPicPr>
-          <p:cNvPr id="5122" name="Picture 2"/>
-          <p:cNvPicPr>
-            <a:picLocks noChangeAspect="1" noChangeArrowheads="1"/>
-          </p:cNvPicPr>
-          <p:nvPr/>
-        </p:nvPicPr>
-        <p:blipFill>
-          <a:blip r:embed="rId2">
-            <a:extLst>
-              <a:ext uri="{28A0092B-C50C-407E-A947-70E740481C1C}">
-                <a14:useLocalDpi xmlns:a14="http://schemas.microsoft.com/office/drawing/2010/main" val="0"/>
-              </a:ext>
-            </a:extLst>
-          </a:blip>
-          <a:srcRect/>
-          <a:stretch>
-            <a:fillRect/>
-          </a:stretch>
-        </p:blipFill>
-        <p:spPr bwMode="auto">
-          <a:xfrm>
-            <a:off x="1835696" y="2327619"/>
-            <a:ext cx="5328592" cy="3621661"/>
-          </a:xfrm>
-          <a:prstGeom prst="rect">
-            <a:avLst/>
-          </a:prstGeom>
-          <a:noFill/>
-          <a:ln>
-            <a:noFill/>
-          </a:ln>
-          <a:effectLst/>
-          <a:extLst>
-            <a:ext uri="{909E8E84-426E-40DD-AFC4-6F175D3DCCD1}">
-              <a14:hiddenFill xmlns:a14="http://schemas.microsoft.com/office/drawing/2010/main">
-                <a:solidFill>
-                  <a:schemeClr val="accent1"/>
-                </a:solidFill>
-              </a14:hiddenFill>
-            </a:ext>
-            <a:ext uri="{91240B29-F687-4F45-9708-019B960494DF}">
-              <a14:hiddenLine xmlns:a14="http://schemas.microsoft.com/office/drawing/2010/main" w="9525">
-                <a:solidFill>
-                  <a:schemeClr val="tx1"/>
-                </a:solidFill>
-                <a:miter lim="800000"/>
-                <a:headEnd/>
-                <a:tailEnd/>
-              </a14:hiddenLine>
-            </a:ext>
-            <a:ext uri="{AF507438-7753-43E0-B8FC-AC1667EBCBE1}">
-              <a14:hiddenEffects xmlns:a14="http://schemas.microsoft.com/office/drawing/2010/main">
-                <a:effectLst>
-                  <a:outerShdw dist="35921" dir="2700000" algn="ctr" rotWithShape="0">
-                    <a:schemeClr val="bg2"/>
-                  </a:outerShdw>
-                </a:effectLst>
-              </a14:hiddenEffects>
-            </a:ext>
-          </a:extLst>
-        </p:spPr>
-      </p:pic>
-      <p:sp>
-        <p:nvSpPr>
-          <p:cNvPr id="5" name="Rectangle 2"/>
-          <p:cNvSpPr txBox="1">
-            <a:spLocks noChangeArrowheads="1"/>
-          </p:cNvSpPr>
-          <p:nvPr/>
-        </p:nvSpPr>
-        <p:spPr>
-          <a:xfrm>
-            <a:off x="628650" y="44624"/>
-            <a:ext cx="7886700" cy="1119658"/>
-          </a:xfrm>
-          <a:prstGeom prst="rect">
-            <a:avLst/>
-          </a:prstGeom>
-        </p:spPr>
-        <p:txBody>
-          <a:bodyPr vert="horz" lIns="91440" tIns="45720" rIns="91440" bIns="45720" rtlCol="0" anchor="ctr">
-            <a:normAutofit/>
-          </a:bodyPr>
-          <a:lstStyle>
-            <a:lvl1pPr algn="ctr" defTabSz="914400" rtl="0" eaLnBrk="1" latinLnBrk="0" hangingPunct="1">
-              <a:spcBef>
-                <a:spcPct val="0"/>
-              </a:spcBef>
-              <a:buNone/>
-              <a:defRPr sz="4400" kern="1200">
-                <a:solidFill>
-                  <a:schemeClr val="tx1"/>
-                </a:solidFill>
-                <a:latin typeface="+mj-lt"/>
-                <a:ea typeface="+mj-ea"/>
-                <a:cs typeface="+mj-cs"/>
-              </a:defRPr>
-            </a:lvl1pPr>
-          </a:lstStyle>
-          <a:p>
-            <a:r>
-              <a:rPr lang="en-US" altLang="zh-CN" dirty="0" smtClean="0"/>
-              <a:t>Singleton</a:t>
-            </a:r>
-            <a:endParaRPr lang="zh-CN" altLang="en-US" dirty="0"/>
-          </a:p>
-        </p:txBody>
-      </p:sp>
-    </p:spTree>
-    <p:extLst>
-      <p:ext uri="{BB962C8B-B14F-4D97-AF65-F5344CB8AC3E}">
-        <p14:creationId xmlns:p14="http://schemas.microsoft.com/office/powerpoint/2010/main" val="2612281726"/>
       </p:ext>
     </p:extLst>
   </p:cSld>
@@ -11356,52 +11754,6 @@
           </a:p>
         </p:txBody>
       </p:sp>
-      <p:sp>
-        <p:nvSpPr>
-          <p:cNvPr id="3" name="Rectangle 2"/>
-          <p:cNvSpPr txBox="1">
-            <a:spLocks noChangeArrowheads="1"/>
-          </p:cNvSpPr>
-          <p:nvPr/>
-        </p:nvSpPr>
-        <p:spPr>
-          <a:xfrm>
-            <a:off x="628650" y="44624"/>
-            <a:ext cx="7886700" cy="1119658"/>
-          </a:xfrm>
-          <a:prstGeom prst="rect">
-            <a:avLst/>
-          </a:prstGeom>
-        </p:spPr>
-        <p:txBody>
-          <a:bodyPr vert="horz" lIns="91440" tIns="45720" rIns="91440" bIns="45720" rtlCol="0" anchor="ctr">
-            <a:normAutofit/>
-          </a:bodyPr>
-          <a:lstStyle>
-            <a:lvl1pPr algn="ctr" defTabSz="914400" rtl="0" eaLnBrk="1" latinLnBrk="0" hangingPunct="1">
-              <a:spcBef>
-                <a:spcPct val="0"/>
-              </a:spcBef>
-              <a:buNone/>
-              <a:defRPr sz="4400" kern="1200">
-                <a:solidFill>
-                  <a:schemeClr val="tx1"/>
-                </a:solidFill>
-                <a:latin typeface="+mj-lt"/>
-                <a:ea typeface="+mj-ea"/>
-                <a:cs typeface="+mj-cs"/>
-              </a:defRPr>
-            </a:lvl1pPr>
-          </a:lstStyle>
-          <a:p>
-            <a:r>
-              <a:rPr lang="en-US" altLang="zh-CN" dirty="0" smtClean="0"/>
-              <a:t>Singleton</a:t>
-            </a:r>
-            <a:endParaRPr lang="zh-CN" altLang="en-US" dirty="0"/>
-          </a:p>
-        </p:txBody>
-      </p:sp>
     </p:spTree>
     <p:extLst>
       <p:ext uri="{BB962C8B-B14F-4D97-AF65-F5344CB8AC3E}">
@@ -11469,52 +11821,6 @@
               </a:rPr>
               <a:t>You!</a:t>
             </a:r>
-          </a:p>
-        </p:txBody>
-      </p:sp>
-      <p:sp>
-        <p:nvSpPr>
-          <p:cNvPr id="3" name="Rectangle 2"/>
-          <p:cNvSpPr txBox="1">
-            <a:spLocks noChangeArrowheads="1"/>
-          </p:cNvSpPr>
-          <p:nvPr/>
-        </p:nvSpPr>
-        <p:spPr>
-          <a:xfrm>
-            <a:off x="628650" y="44624"/>
-            <a:ext cx="7886700" cy="1119658"/>
-          </a:xfrm>
-          <a:prstGeom prst="rect">
-            <a:avLst/>
-          </a:prstGeom>
-        </p:spPr>
-        <p:txBody>
-          <a:bodyPr vert="horz" lIns="91440" tIns="45720" rIns="91440" bIns="45720" rtlCol="0" anchor="ctr">
-            <a:normAutofit/>
-          </a:bodyPr>
-          <a:lstStyle>
-            <a:lvl1pPr algn="ctr" defTabSz="914400" rtl="0" eaLnBrk="1" latinLnBrk="0" hangingPunct="1">
-              <a:spcBef>
-                <a:spcPct val="0"/>
-              </a:spcBef>
-              <a:buNone/>
-              <a:defRPr sz="4400" kern="1200">
-                <a:solidFill>
-                  <a:schemeClr val="tx1"/>
-                </a:solidFill>
-                <a:latin typeface="+mj-lt"/>
-                <a:ea typeface="+mj-ea"/>
-                <a:cs typeface="+mj-cs"/>
-              </a:defRPr>
-            </a:lvl1pPr>
-          </a:lstStyle>
-          <a:p>
-            <a:r>
-              <a:rPr lang="en-US" altLang="zh-CN" dirty="0" smtClean="0"/>
-              <a:t>Singleton</a:t>
-            </a:r>
-            <a:endParaRPr lang="zh-CN" altLang="en-US" dirty="0"/>
           </a:p>
         </p:txBody>
       </p:sp>
@@ -12997,8 +13303,8 @@
         </p:nvSpPr>
         <p:spPr>
           <a:xfrm>
-            <a:off x="457200" y="1196752"/>
-            <a:ext cx="8363272" cy="2664296"/>
+            <a:off x="457200" y="1268760"/>
+            <a:ext cx="8363272" cy="5400600"/>
           </a:xfrm>
           <a:prstGeom prst="rect">
             <a:avLst/>
@@ -13006,7 +13312,7 @@
         </p:spPr>
         <p:txBody>
           <a:bodyPr vert="horz" rtlCol="0" anchor="ctr">
-            <a:normAutofit fontScale="62500" lnSpcReduction="20000"/>
+            <a:normAutofit fontScale="77500" lnSpcReduction="20000"/>
             <a:scene3d>
               <a:camera prst="orthographicFront"/>
               <a:lightRig rig="soft" dir="t"/>
@@ -13103,15 +13409,26 @@
               <a:rPr lang="zh-CN" altLang="en-US" sz="2700" b="1" dirty="0">
                 <a:effectLst/>
               </a:rPr>
-              <a:t>需求：</a:t>
-            </a:r>
+              <a:t>需求</a:t>
+            </a:r>
+            <a:r>
+              <a:rPr lang="zh-CN" altLang="en-US" sz="2700" b="1" dirty="0" smtClean="0">
+                <a:effectLst/>
+              </a:rPr>
+              <a:t>：</a:t>
+            </a:r>
+            <a:endParaRPr lang="en-US" altLang="zh-CN" sz="2700" b="1" dirty="0" smtClean="0">
+              <a:effectLst/>
+            </a:endParaRPr>
+          </a:p>
+          <a:p>
             <a:endParaRPr lang="en-US" altLang="zh-CN" sz="2700" b="1" dirty="0">
               <a:effectLst/>
             </a:endParaRPr>
           </a:p>
           <a:p>
             <a:r>
-              <a:rPr lang="en-US" altLang="zh-CN" sz="2400" dirty="0">
+              <a:rPr lang="en-US" altLang="zh-CN" sz="1900" dirty="0">
                 <a:effectLst/>
               </a:rPr>
               <a:t>	</a:t>
@@ -13120,105 +13437,20 @@
               <a:rPr lang="zh-CN" altLang="en-US" sz="1900" dirty="0" smtClean="0">
                 <a:effectLst/>
               </a:rPr>
-              <a:t>一</a:t>
-            </a:r>
-            <a:r>
-              <a:rPr lang="zh-CN" altLang="en-US" sz="1900" dirty="0">
-                <a:effectLst/>
-              </a:rPr>
-              <a:t>个</a:t>
-            </a:r>
-            <a:r>
-              <a:rPr lang="en-US" altLang="zh-CN" sz="1900" dirty="0">
-                <a:effectLst/>
-              </a:rPr>
-              <a:t>Web Page</a:t>
-            </a:r>
-            <a:r>
-              <a:rPr lang="zh-CN" altLang="en-US" sz="1900" dirty="0" smtClean="0">
-                <a:effectLst/>
-              </a:rPr>
-              <a:t>，</a:t>
-            </a:r>
-            <a:r>
-              <a:rPr lang="zh-CN" altLang="en-US" sz="1900" dirty="0">
-                <a:effectLst/>
-              </a:rPr>
-              <a:t>罗列了多</a:t>
-            </a:r>
-            <a:r>
-              <a:rPr lang="zh-CN" altLang="en-US" sz="1900" dirty="0" smtClean="0">
-                <a:effectLst/>
-              </a:rPr>
-              <a:t>款、各</a:t>
-            </a:r>
-            <a:r>
-              <a:rPr lang="zh-CN" altLang="en-US" sz="1900" dirty="0">
-                <a:effectLst/>
-              </a:rPr>
-              <a:t>等级、推荐</a:t>
-            </a:r>
-            <a:r>
-              <a:rPr lang="zh-CN" altLang="en-US" sz="1900" dirty="0" smtClean="0">
-                <a:effectLst/>
-              </a:rPr>
-              <a:t>的</a:t>
-            </a:r>
-            <a:r>
-              <a:rPr lang="en-US" altLang="zh-CN" sz="1900" dirty="0">
-                <a:effectLst/>
-              </a:rPr>
-              <a:t>DIY</a:t>
-            </a:r>
-            <a:r>
-              <a:rPr lang="zh-CN" altLang="en-US" sz="1900" dirty="0" smtClean="0">
-                <a:effectLst/>
-              </a:rPr>
-              <a:t>电脑（家用级</a:t>
-            </a:r>
-            <a:r>
-              <a:rPr lang="en-US" altLang="zh-CN" sz="1900" dirty="0" smtClean="0">
-                <a:effectLst/>
-              </a:rPr>
-              <a:t>/</a:t>
-            </a:r>
-            <a:r>
-              <a:rPr lang="zh-CN" altLang="en-US" sz="1900" dirty="0" smtClean="0">
-                <a:effectLst/>
-              </a:rPr>
-              <a:t>游戏级</a:t>
-            </a:r>
-            <a:r>
-              <a:rPr lang="en-US" altLang="zh-CN" sz="1900" dirty="0" smtClean="0">
-                <a:effectLst/>
-              </a:rPr>
-              <a:t>/</a:t>
-            </a:r>
-            <a:r>
-              <a:rPr lang="zh-CN" altLang="en-US" sz="1900" dirty="0" smtClean="0">
-                <a:effectLst/>
-              </a:rPr>
-              <a:t>豪华级</a:t>
-            </a:r>
-            <a:r>
-              <a:rPr lang="en-US" altLang="zh-CN" sz="1900" dirty="0" smtClean="0">
-                <a:effectLst/>
-              </a:rPr>
-              <a:t>/</a:t>
-            </a:r>
-            <a:r>
-              <a:rPr lang="zh-CN" altLang="en-US" sz="1900" dirty="0" smtClean="0">
-                <a:effectLst/>
-              </a:rPr>
-              <a:t>发烧级）</a:t>
+              <a:t>现有多台打印机</a:t>
             </a:r>
             <a:endParaRPr lang="en-US" altLang="zh-CN" sz="1900" dirty="0" smtClean="0">
               <a:effectLst/>
             </a:endParaRPr>
           </a:p>
           <a:p>
-            <a:r>
-              <a:rPr lang="en-US" altLang="zh-CN" sz="1900" dirty="0">
+            <a:endParaRPr lang="en-US" altLang="zh-CN" sz="1900" dirty="0">
+              <a:effectLst/>
+            </a:endParaRPr>
+          </a:p>
+          <a:p>
+            <a:r>
+              <a:rPr lang="en-US" altLang="zh-CN" sz="1900" dirty="0" smtClean="0">
                 <a:effectLst/>
               </a:rPr>
               <a:t>	</a:t>
@@ -13227,198 +13459,143 @@
               <a:rPr lang="zh-CN" altLang="en-US" sz="1900" dirty="0" smtClean="0">
                 <a:effectLst/>
               </a:rPr>
-              <a:t>同一种级别的电脑可能有多个推荐，如：</a:t>
+              <a:t>要求提供打印服务类</a:t>
             </a:r>
             <a:r>
               <a:rPr lang="en-US" altLang="zh-CN" sz="1900" dirty="0" smtClean="0">
                 <a:effectLst/>
               </a:rPr>
-              <a:t/>
-            </a:r>
-            <a:br>
+              <a:t> - </a:t>
+            </a:r>
+            <a:r>
+              <a:rPr lang="zh-CN" altLang="en-US" sz="1900" dirty="0" smtClean="0">
+                <a:effectLst/>
+              </a:rPr>
+              <a:t>接</a:t>
+            </a:r>
+            <a:r>
+              <a:rPr lang="zh-CN" altLang="en-US" sz="1900" dirty="0">
+                <a:effectLst/>
+              </a:rPr>
+              <a:t>收</a:t>
+            </a:r>
+            <a:r>
+              <a:rPr lang="zh-CN" altLang="en-US" sz="1900" dirty="0" smtClean="0">
+                <a:effectLst/>
+              </a:rPr>
+              <a:t>打印请求</a:t>
+            </a:r>
+            <a:r>
               <a:rPr lang="en-US" altLang="zh-CN" sz="1900" dirty="0" smtClean="0">
                 <a:effectLst/>
               </a:rPr>
-            </a:br>
+              <a:t>, </a:t>
+            </a:r>
+            <a:r>
+              <a:rPr lang="zh-CN" altLang="en-US" sz="1900" dirty="0" smtClean="0">
+                <a:effectLst/>
+              </a:rPr>
+              <a:t>执行打印工作</a:t>
+            </a:r>
             <a:endParaRPr lang="en-US" altLang="zh-CN" sz="1900" dirty="0" smtClean="0">
               <a:effectLst/>
             </a:endParaRPr>
           </a:p>
           <a:p>
-            <a:r>
-              <a:rPr lang="en-US" altLang="zh-CN" sz="1900" dirty="0">
-                <a:effectLst/>
-              </a:rPr>
-              <a:t>	</a:t>
-            </a:r>
-            <a:r>
-              <a:rPr lang="en-US" altLang="zh-CN" sz="1900" dirty="0" smtClean="0">
-                <a:effectLst/>
-              </a:rPr>
-              <a:t>	3</a:t>
-            </a:r>
-            <a:r>
-              <a:rPr lang="zh-CN" altLang="en-US" sz="1900" dirty="0" smtClean="0">
-                <a:effectLst/>
-              </a:rPr>
-              <a:t>个家用级</a:t>
-            </a:r>
             <a:endParaRPr lang="en-US" altLang="zh-CN" sz="1900" dirty="0" smtClean="0">
               <a:effectLst/>
             </a:endParaRPr>
           </a:p>
           <a:p>
             <a:r>
+              <a:rPr lang="zh-CN" altLang="en-US" sz="2700" b="1" dirty="0" smtClean="0">
+                <a:effectLst/>
+              </a:rPr>
+              <a:t>分析 ：</a:t>
+            </a:r>
+            <a:endParaRPr lang="en-US" altLang="zh-CN" sz="2700" b="1" dirty="0">
+              <a:effectLst/>
+            </a:endParaRPr>
+          </a:p>
+          <a:p>
+            <a:r>
+              <a:rPr lang="en-US" altLang="zh-CN" sz="2600" dirty="0">
+                <a:effectLst/>
+              </a:rPr>
+              <a:t>	</a:t>
+            </a:r>
+            <a:r>
               <a:rPr lang="en-US" altLang="zh-CN" sz="1900" dirty="0">
                 <a:effectLst/>
               </a:rPr>
               <a:t>	</a:t>
             </a:r>
+          </a:p>
+          <a:p>
             <a:r>
               <a:rPr lang="en-US" altLang="zh-CN" sz="1900" dirty="0" smtClean="0">
                 <a:effectLst/>
               </a:rPr>
-              <a:t>	3</a:t>
+              <a:t>	</a:t>
             </a:r>
             <a:r>
               <a:rPr lang="zh-CN" altLang="en-US" sz="1900" dirty="0" smtClean="0">
                 <a:effectLst/>
               </a:rPr>
-              <a:t>个游戏级 </a:t>
-            </a:r>
-            <a:r>
-              <a:rPr lang="en-US" altLang="zh-CN" sz="1900" dirty="0" smtClean="0">
-                <a:effectLst/>
-              </a:rPr>
-              <a:t>(</a:t>
+              <a:t>尽管有多台打印机，但是应当只有一</a:t>
+            </a:r>
+            <a:r>
+              <a:rPr lang="zh-CN" altLang="en-US" sz="1900" dirty="0">
+                <a:effectLst/>
+              </a:rPr>
+              <a:t>个打印</a:t>
             </a:r>
             <a:r>
               <a:rPr lang="zh-CN" altLang="en-US" sz="1900" dirty="0" smtClean="0">
                 <a:effectLst/>
               </a:rPr>
-              <a:t>中端显卡、机械键盘</a:t>
-            </a:r>
-            <a:r>
-              <a:rPr lang="en-US" altLang="zh-CN" sz="1900" dirty="0" smtClean="0">
-                <a:effectLst/>
-              </a:rPr>
-              <a:t>)</a:t>
+              <a:t>服务实例负责管理</a:t>
             </a:r>
             <a:endParaRPr lang="en-US" altLang="zh-CN" sz="1900" dirty="0">
               <a:effectLst/>
             </a:endParaRPr>
           </a:p>
           <a:p>
-            <a:r>
-              <a:rPr lang="en-US" altLang="zh-CN" sz="1900" dirty="0">
-                <a:effectLst/>
-              </a:rPr>
-              <a:t>		</a:t>
-            </a:r>
-            <a:r>
-              <a:rPr lang="en-US" altLang="zh-CN" sz="1900" dirty="0" smtClean="0">
-                <a:effectLst/>
-              </a:rPr>
-              <a:t>2</a:t>
-            </a:r>
-            <a:r>
-              <a:rPr lang="zh-CN" altLang="en-US" sz="1900" dirty="0" smtClean="0">
-                <a:effectLst/>
-              </a:rPr>
-              <a:t>个</a:t>
-            </a:r>
-            <a:r>
-              <a:rPr lang="zh-CN" altLang="en-US" sz="1900" dirty="0">
-                <a:effectLst/>
-              </a:rPr>
-              <a:t>豪华</a:t>
-            </a:r>
-            <a:r>
-              <a:rPr lang="zh-CN" altLang="en-US" sz="1900" dirty="0" smtClean="0">
-                <a:effectLst/>
-              </a:rPr>
-              <a:t>级 </a:t>
-            </a:r>
-            <a:r>
-              <a:rPr lang="en-US" altLang="zh-CN" sz="1900" dirty="0" smtClean="0">
-                <a:effectLst/>
-              </a:rPr>
-              <a:t>(</a:t>
-            </a:r>
-            <a:r>
-              <a:rPr lang="zh-CN" altLang="en-US" sz="1900" dirty="0" smtClean="0">
-                <a:effectLst/>
-              </a:rPr>
-              <a:t>顶级声卡、超大显示器</a:t>
-            </a:r>
-            <a:r>
-              <a:rPr lang="en-US" altLang="zh-CN" sz="1900" dirty="0" smtClean="0">
-                <a:effectLst/>
-              </a:rPr>
-              <a:t>)</a:t>
-            </a:r>
-          </a:p>
-          <a:p>
-            <a:r>
-              <a:rPr lang="en-US" altLang="zh-CN" sz="1900" dirty="0">
-                <a:effectLst/>
-              </a:rPr>
-              <a:t>	</a:t>
-            </a:r>
-            <a:r>
-              <a:rPr lang="en-US" altLang="zh-CN" sz="1900" dirty="0" smtClean="0">
-                <a:effectLst/>
-              </a:rPr>
-              <a:t>	1</a:t>
-            </a:r>
-            <a:r>
-              <a:rPr lang="zh-CN" altLang="en-US" sz="1900" dirty="0" smtClean="0">
-                <a:effectLst/>
-              </a:rPr>
-              <a:t>个发烧级 </a:t>
-            </a:r>
-            <a:r>
-              <a:rPr lang="en-US" altLang="zh-CN" sz="1900" dirty="0" smtClean="0">
-                <a:effectLst/>
-              </a:rPr>
-              <a:t>(</a:t>
-            </a:r>
-            <a:r>
-              <a:rPr lang="zh-CN" altLang="en-US" sz="1900" dirty="0" smtClean="0">
-                <a:effectLst/>
-              </a:rPr>
-              <a:t>专业显卡、</a:t>
-            </a:r>
-            <a:r>
-              <a:rPr lang="en-US" altLang="zh-CN" sz="1900" dirty="0" smtClean="0">
-                <a:effectLst/>
-              </a:rPr>
-              <a:t>8X8G</a:t>
-            </a:r>
-            <a:r>
-              <a:rPr lang="zh-CN" altLang="en-US" sz="1900" dirty="0" smtClean="0">
-                <a:effectLst/>
-              </a:rPr>
-              <a:t>内存</a:t>
-            </a:r>
-            <a:r>
-              <a:rPr lang="en-US" altLang="zh-CN" sz="1900" dirty="0" smtClean="0">
-                <a:effectLst/>
-              </a:rPr>
-              <a:t>)</a:t>
-            </a:r>
             <a:endParaRPr lang="en-US" altLang="zh-CN" sz="1900" dirty="0">
               <a:effectLst/>
             </a:endParaRPr>
           </a:p>
           <a:p>
+            <a:r>
+              <a:rPr lang="en-US" altLang="zh-CN" sz="1900" dirty="0">
+                <a:effectLst/>
+              </a:rPr>
+              <a:t>	</a:t>
+            </a:r>
+            <a:r>
+              <a:rPr lang="zh-CN" altLang="en-US" sz="1900" dirty="0">
+                <a:effectLst/>
+              </a:rPr>
+              <a:t>打印服务分发打印项某台打印机请求</a:t>
+            </a:r>
+            <a:r>
+              <a:rPr lang="zh-CN" altLang="en-US" sz="1900" dirty="0" smtClean="0">
+                <a:effectLst/>
+              </a:rPr>
+              <a:t>打印</a:t>
+            </a:r>
             <a:endParaRPr lang="en-US" altLang="zh-CN" sz="1900" dirty="0" smtClean="0">
               <a:effectLst/>
             </a:endParaRPr>
           </a:p>
           <a:p>
-            <a:r>
-              <a:rPr lang="en-US" altLang="zh-CN" sz="1900" dirty="0">
+            <a:endParaRPr lang="en-US" altLang="zh-CN" sz="1900" dirty="0">
+              <a:effectLst/>
+            </a:endParaRPr>
+          </a:p>
+          <a:p>
+            <a:r>
+              <a:rPr lang="en-US" altLang="zh-CN" sz="1900" dirty="0" smtClean="0">
                 <a:effectLst/>
               </a:rPr>
               <a:t>	</a:t>
@@ -13427,120 +13604,234 @@
               <a:rPr lang="zh-CN" altLang="en-US" sz="1900" dirty="0" smtClean="0">
                 <a:effectLst/>
               </a:rPr>
-              <a:t>当选择某个特定</a:t>
+              <a:t>打印服务应当支持排队</a:t>
             </a:r>
             <a:r>
               <a:rPr lang="en-US" altLang="zh-CN" sz="1900" dirty="0" smtClean="0">
                 <a:effectLst/>
               </a:rPr>
-              <a:t>DIY</a:t>
+              <a:t>/</a:t>
             </a:r>
             <a:r>
               <a:rPr lang="zh-CN" altLang="en-US" sz="1900" dirty="0" smtClean="0">
                 <a:effectLst/>
               </a:rPr>
-              <a:t>电脑时，弹窗显示该</a:t>
-            </a:r>
-            <a:r>
-              <a:rPr lang="en-US" altLang="zh-CN" sz="1900" dirty="0" smtClean="0">
-                <a:effectLst/>
-              </a:rPr>
-              <a:t>DIY</a:t>
-            </a:r>
-            <a:r>
-              <a:rPr lang="zh-CN" altLang="en-US" sz="1900" dirty="0" smtClean="0">
-                <a:effectLst/>
-              </a:rPr>
-              <a:t>电脑的价格、部件概要信息、详细属性列表等信息</a:t>
+              <a:t>缓存打印请求</a:t>
             </a:r>
             <a:endParaRPr lang="en-US" altLang="zh-CN" sz="1900" dirty="0" smtClean="0">
               <a:effectLst/>
             </a:endParaRPr>
           </a:p>
           <a:p>
-            <a:r>
-              <a:rPr lang="en-US" altLang="zh-CN" sz="1900" b="1" dirty="0">
+            <a:endParaRPr lang="en-US" altLang="zh-CN" sz="1900" dirty="0">
+              <a:effectLst/>
+            </a:endParaRPr>
+          </a:p>
+          <a:p>
+            <a:r>
+              <a:rPr lang="zh-CN" altLang="en-US" sz="2700" b="1" dirty="0" smtClean="0">
+                <a:effectLst/>
+              </a:rPr>
+              <a:t>设计</a:t>
+            </a:r>
+            <a:r>
+              <a:rPr lang="zh-CN" altLang="en-US" sz="2700" b="1" dirty="0" smtClean="0">
+                <a:effectLst/>
+              </a:rPr>
+              <a:t>：</a:t>
+            </a:r>
+            <a:endParaRPr lang="en-US" altLang="zh-CN" sz="2700" b="1" dirty="0" smtClean="0">
+              <a:effectLst/>
+            </a:endParaRPr>
+          </a:p>
+          <a:p>
+            <a:r>
+              <a:rPr lang="en-US" altLang="zh-CN" sz="2600" dirty="0">
                 <a:effectLst/>
               </a:rPr>
               <a:t>	</a:t>
             </a:r>
+          </a:p>
+          <a:p>
             <a:r>
               <a:rPr lang="en-US" altLang="zh-CN" sz="1900" dirty="0">
                 <a:effectLst/>
               </a:rPr>
-              <a:t> DIY</a:t>
+              <a:t>	</a:t>
+            </a:r>
+            <a:r>
+              <a:rPr lang="zh-CN" altLang="en-US" sz="1900" dirty="0" smtClean="0">
+                <a:effectLst/>
+              </a:rPr>
+              <a:t>保证打印服务类只有一</a:t>
             </a:r>
             <a:r>
               <a:rPr lang="zh-CN" altLang="en-US" sz="1900" dirty="0">
                 <a:effectLst/>
               </a:rPr>
-              <a:t>电脑</a:t>
+              <a:t>个</a:t>
             </a:r>
             <a:r>
               <a:rPr lang="zh-CN" altLang="en-US" sz="1900" dirty="0" smtClean="0">
                 <a:effectLst/>
               </a:rPr>
-              <a:t>本身内部的相同种类的部件之间可能存在很大差异，如</a:t>
+              <a:t>实例</a:t>
             </a:r>
             <a:r>
               <a:rPr lang="en-US" altLang="zh-CN" sz="1900" dirty="0" smtClean="0">
                 <a:effectLst/>
               </a:rPr>
-              <a:t>CPU:</a:t>
-            </a:r>
-          </a:p>
-          <a:p>
+              <a:t>, </a:t>
+            </a:r>
+            <a:r>
+              <a:rPr lang="zh-CN" altLang="en-US" sz="1900" dirty="0" smtClean="0">
+                <a:effectLst/>
+              </a:rPr>
+              <a:t>暴露</a:t>
+            </a:r>
+            <a:r>
+              <a:rPr lang="zh-CN" altLang="en-US" sz="1900" dirty="0">
+                <a:effectLst/>
+              </a:rPr>
+              <a:t>一个打印</a:t>
+            </a:r>
+            <a:r>
+              <a:rPr lang="zh-CN" altLang="en-US" sz="1900" dirty="0" smtClean="0">
+                <a:effectLst/>
+              </a:rPr>
+              <a:t>接口</a:t>
+            </a:r>
+            <a:endParaRPr lang="en-US" altLang="zh-CN" sz="1900" dirty="0">
+              <a:effectLst/>
+            </a:endParaRPr>
+          </a:p>
+          <a:p>
+            <a:endParaRPr lang="en-US" altLang="zh-CN" sz="1900" dirty="0">
+              <a:effectLst/>
+            </a:endParaRPr>
+          </a:p>
+          <a:p>
+            <a:r>
+              <a:rPr lang="en-US" altLang="zh-CN" sz="1900" dirty="0">
+                <a:effectLst/>
+              </a:rPr>
+              <a:t>	</a:t>
+            </a:r>
+            <a:r>
+              <a:rPr lang="zh-CN" altLang="en-US" sz="1900" dirty="0">
+                <a:effectLst/>
+              </a:rPr>
+              <a:t>提供全局访问点获取该实例（属性</a:t>
+            </a:r>
+            <a:r>
+              <a:rPr lang="en-US" altLang="zh-CN" sz="1900" dirty="0">
+                <a:effectLst/>
+              </a:rPr>
+              <a:t>/</a:t>
+            </a:r>
+            <a:r>
+              <a:rPr lang="zh-CN" altLang="en-US" sz="1900" dirty="0">
+                <a:effectLst/>
+              </a:rPr>
+              <a:t>方法</a:t>
+            </a:r>
+            <a:r>
+              <a:rPr lang="en-US" altLang="zh-CN" sz="1900" dirty="0" smtClean="0">
+                <a:effectLst/>
+              </a:rPr>
+              <a:t>)</a:t>
+            </a:r>
+            <a:endParaRPr lang="en-US" altLang="zh-CN" sz="1900" dirty="0">
+              <a:effectLst/>
+            </a:endParaRPr>
+          </a:p>
+          <a:p>
+            <a:endParaRPr lang="en-US" altLang="zh-CN" sz="1900" dirty="0">
+              <a:effectLst/>
+            </a:endParaRPr>
+          </a:p>
+          <a:p>
+            <a:r>
+              <a:rPr lang="en-US" altLang="zh-CN" sz="1900" dirty="0">
+                <a:effectLst/>
+              </a:rPr>
+              <a:t>	</a:t>
+            </a:r>
+            <a:r>
+              <a:rPr lang="zh-CN" altLang="en-US" sz="1900" dirty="0">
+                <a:effectLst/>
+              </a:rPr>
+              <a:t>打印服务实例内部</a:t>
+            </a:r>
+            <a:r>
+              <a:rPr lang="zh-CN" altLang="en-US" sz="1900" dirty="0" smtClean="0">
+                <a:effectLst/>
+              </a:rPr>
+              <a:t>管理</a:t>
+            </a:r>
+            <a:r>
+              <a:rPr lang="en-US" altLang="zh-CN" sz="1900" dirty="0" smtClean="0">
+                <a:effectLst/>
+              </a:rPr>
+              <a:t>/</a:t>
+            </a:r>
+            <a:r>
+              <a:rPr lang="zh-CN" altLang="en-US" sz="1900" dirty="0" smtClean="0">
+                <a:effectLst/>
+              </a:rPr>
+              <a:t>调度打印机</a:t>
+            </a:r>
+            <a:r>
+              <a:rPr lang="en-US" altLang="zh-CN" sz="1900" dirty="0" smtClean="0">
+                <a:effectLst/>
+              </a:rPr>
+              <a:t>, </a:t>
+            </a:r>
+            <a:r>
+              <a:rPr lang="zh-CN" altLang="en-US" sz="1900" dirty="0" smtClean="0">
+                <a:effectLst/>
+              </a:rPr>
+              <a:t>对外</a:t>
+            </a:r>
+            <a:r>
+              <a:rPr lang="zh-CN" altLang="en-US" sz="1900" dirty="0">
+                <a:effectLst/>
+              </a:rPr>
+              <a:t>不</a:t>
+            </a:r>
+            <a:r>
+              <a:rPr lang="zh-CN" altLang="en-US" sz="1900" dirty="0" smtClean="0">
+                <a:effectLst/>
+              </a:rPr>
+              <a:t>可见</a:t>
+            </a:r>
+            <a:endParaRPr lang="en-US" altLang="zh-CN" sz="1900" dirty="0">
+              <a:effectLst/>
+            </a:endParaRPr>
+          </a:p>
+          <a:p>
+            <a:endParaRPr lang="en-US" altLang="zh-CN" sz="1900" dirty="0">
+              <a:effectLst/>
+            </a:endParaRPr>
+          </a:p>
+          <a:p>
+            <a:r>
+              <a:rPr lang="en-US" altLang="zh-CN" sz="1900" dirty="0" smtClean="0">
+                <a:effectLst/>
+              </a:rPr>
+              <a:t>	</a:t>
+            </a:r>
+            <a:r>
+              <a:rPr lang="zh-CN" altLang="en-US" sz="1900" dirty="0" smtClean="0">
+                <a:effectLst/>
+              </a:rPr>
+              <a:t>打印接口接收打印项并将打印项放入队列</a:t>
+            </a:r>
             <a:endParaRPr lang="en-US" altLang="zh-CN" sz="1900" dirty="0" smtClean="0">
               <a:effectLst/>
             </a:endParaRPr>
           </a:p>
           <a:p>
-            <a:r>
-              <a:rPr lang="en-US" altLang="zh-CN" sz="1900" dirty="0">
-                <a:effectLst/>
-              </a:rPr>
-              <a:t>		Intel Core i3-4160:</a:t>
-            </a:r>
-            <a:r>
-              <a:rPr lang="en-US" altLang="zh-CN" sz="1900" dirty="0" smtClean="0">
-                <a:effectLst/>
-              </a:rPr>
-              <a:t>	</a:t>
-            </a:r>
-            <a:r>
-              <a:rPr lang="zh-CN" altLang="en-US" sz="1900" dirty="0" smtClean="0">
-                <a:effectLst/>
-              </a:rPr>
-              <a:t>集成显示核心</a:t>
-            </a:r>
-            <a:endParaRPr lang="en-US" altLang="zh-CN" sz="1900" dirty="0" smtClean="0">
-              <a:effectLst/>
-            </a:endParaRPr>
-          </a:p>
-          <a:p>
-            <a:r>
-              <a:rPr lang="en-US" altLang="zh-CN" sz="1900" dirty="0">
-                <a:effectLst/>
-              </a:rPr>
-              <a:t>	</a:t>
-            </a:r>
-            <a:r>
-              <a:rPr lang="en-US" altLang="zh-CN" sz="1900" dirty="0" smtClean="0">
-                <a:effectLst/>
-              </a:rPr>
-              <a:t>	AMD FX-8350:	</a:t>
-            </a:r>
-            <a:r>
-              <a:rPr lang="zh-CN" altLang="en-US" sz="1900" dirty="0" smtClean="0">
-                <a:effectLst/>
-              </a:rPr>
-              <a:t>动态加速</a:t>
-            </a:r>
-            <a:endParaRPr lang="en-US" altLang="zh-CN" sz="1900" dirty="0" smtClean="0">
-              <a:effectLst/>
-            </a:endParaRPr>
-          </a:p>
-          <a:p>
             <a:endParaRPr lang="en-US" altLang="zh-CN" sz="1900" dirty="0">
               <a:effectLst/>
             </a:endParaRPr>
@@ -13550,33 +13841,39 @@
               <a:rPr lang="en-US" altLang="zh-CN" sz="1900" dirty="0" smtClean="0">
                 <a:effectLst/>
               </a:rPr>
-              <a:t>	DIY</a:t>
+              <a:t>	</a:t>
             </a:r>
             <a:r>
               <a:rPr lang="zh-CN" altLang="en-US" sz="1900" dirty="0" smtClean="0">
                 <a:effectLst/>
               </a:rPr>
-              <a:t>电脑本身之间存在个体差异，如有的因促销而降价，有的则有打印机赠品、</a:t>
-            </a:r>
-            <a:r>
-              <a:rPr lang="en-US" altLang="zh-CN" sz="1900" dirty="0" err="1" smtClean="0">
-                <a:effectLst/>
-              </a:rPr>
-              <a:t>XBox</a:t>
+              <a:t>后台</a:t>
+            </a:r>
+            <a:r>
+              <a:rPr lang="en-US" altLang="zh-CN" sz="1900" dirty="0" smtClean="0">
+                <a:effectLst/>
+              </a:rPr>
+              <a:t>Job</a:t>
             </a:r>
             <a:r>
               <a:rPr lang="zh-CN" altLang="en-US" sz="1900" dirty="0" smtClean="0">
                 <a:effectLst/>
               </a:rPr>
-              <a:t>赠品</a:t>
+              <a:t>循环检查打印项队列</a:t>
             </a:r>
             <a:r>
               <a:rPr lang="en-US" altLang="zh-CN" sz="1900" dirty="0" smtClean="0">
                 <a:effectLst/>
               </a:rPr>
-              <a:t>…</a:t>
-            </a:r>
-            <a:endParaRPr lang="en-US" altLang="zh-CN" sz="2400" dirty="0" smtClean="0">
+              <a:t>, </a:t>
+            </a:r>
+            <a:r>
+              <a:rPr lang="zh-CN" altLang="en-US" sz="1900" dirty="0" smtClean="0">
+                <a:effectLst/>
+              </a:rPr>
+              <a:t>每次取出一个打印项并分发至某台打印机请求打印</a:t>
+            </a:r>
+            <a:endParaRPr lang="en-US" altLang="zh-CN" sz="1900" dirty="0">
               <a:effectLst/>
             </a:endParaRPr>
           </a:p>
@@ -13612,2456 +13909,10 @@
           </a:p>
         </p:txBody>
       </p:sp>
-      <p:grpSp>
-        <p:nvGrpSpPr>
-          <p:cNvPr id="2" name="组合 1"/>
-          <p:cNvGrpSpPr/>
-          <p:nvPr/>
-        </p:nvGrpSpPr>
-        <p:grpSpPr>
-          <a:xfrm>
-            <a:off x="1475656" y="3933056"/>
-            <a:ext cx="3312368" cy="2664296"/>
-            <a:chOff x="1331640" y="3789040"/>
-            <a:chExt cx="3312368" cy="2664296"/>
-          </a:xfrm>
-        </p:grpSpPr>
-        <p:grpSp>
-          <p:nvGrpSpPr>
-            <p:cNvPr id="4" name="组合 3"/>
-            <p:cNvGrpSpPr/>
-            <p:nvPr/>
-          </p:nvGrpSpPr>
-          <p:grpSpPr>
-            <a:xfrm>
-              <a:off x="1547664" y="3933056"/>
-              <a:ext cx="2808312" cy="2428825"/>
-              <a:chOff x="1619672" y="2348880"/>
-              <a:chExt cx="3168352" cy="2592288"/>
-            </a:xfrm>
-          </p:grpSpPr>
-          <p:cxnSp>
-            <p:nvCxnSpPr>
-              <p:cNvPr id="5" name="直接连接符 4"/>
-              <p:cNvCxnSpPr/>
-              <p:nvPr/>
-            </p:nvCxnSpPr>
-            <p:spPr>
-              <a:xfrm>
-                <a:off x="1619672" y="2348880"/>
-                <a:ext cx="3168352" cy="0"/>
-              </a:xfrm>
-              <a:prstGeom prst="line">
-                <a:avLst/>
-              </a:prstGeom>
-            </p:spPr>
-            <p:style>
-              <a:lnRef idx="1">
-                <a:schemeClr val="accent1"/>
-              </a:lnRef>
-              <a:fillRef idx="0">
-                <a:schemeClr val="accent1"/>
-              </a:fillRef>
-              <a:effectRef idx="0">
-                <a:schemeClr val="accent1"/>
-              </a:effectRef>
-              <a:fontRef idx="minor">
-                <a:schemeClr val="tx1"/>
-              </a:fontRef>
-            </p:style>
-          </p:cxnSp>
-          <p:sp>
-            <p:nvSpPr>
-              <p:cNvPr id="6" name="矩形 5"/>
-              <p:cNvSpPr/>
-              <p:nvPr/>
-            </p:nvSpPr>
-            <p:spPr>
-              <a:xfrm>
-                <a:off x="2411760" y="2447177"/>
-                <a:ext cx="504056" cy="360040"/>
-              </a:xfrm>
-              <a:prstGeom prst="rect">
-                <a:avLst/>
-              </a:prstGeom>
-              <a:solidFill>
-                <a:schemeClr val="tx2">
-                  <a:lumMod val="20000"/>
-                  <a:lumOff val="80000"/>
-                </a:schemeClr>
-              </a:solidFill>
-              <a:ln w="12700"/>
-            </p:spPr>
-            <p:style>
-              <a:lnRef idx="2">
-                <a:schemeClr val="accent1">
-                  <a:shade val="50000"/>
-                </a:schemeClr>
-              </a:lnRef>
-              <a:fillRef idx="1">
-                <a:schemeClr val="accent1"/>
-              </a:fillRef>
-              <a:effectRef idx="0">
-                <a:schemeClr val="accent1"/>
-              </a:effectRef>
-              <a:fontRef idx="minor">
-                <a:schemeClr val="lt1"/>
-              </a:fontRef>
-            </p:style>
-            <p:txBody>
-              <a:bodyPr rtlCol="0" anchor="ctr"/>
-              <a:lstStyle/>
-              <a:p>
-                <a:pPr algn="ctr"/>
-                <a:endParaRPr lang="en-US"/>
-              </a:p>
-            </p:txBody>
-          </p:sp>
-          <p:sp>
-            <p:nvSpPr>
-              <p:cNvPr id="7" name="矩形 6"/>
-              <p:cNvSpPr/>
-              <p:nvPr/>
-            </p:nvSpPr>
-            <p:spPr>
-              <a:xfrm>
-                <a:off x="3347864" y="2447177"/>
-                <a:ext cx="504056" cy="360040"/>
-              </a:xfrm>
-              <a:prstGeom prst="rect">
-                <a:avLst/>
-              </a:prstGeom>
-              <a:solidFill>
-                <a:schemeClr val="tx2">
-                  <a:lumMod val="20000"/>
-                  <a:lumOff val="80000"/>
-                </a:schemeClr>
-              </a:solidFill>
-              <a:ln w="12700"/>
-            </p:spPr>
-            <p:style>
-              <a:lnRef idx="2">
-                <a:schemeClr val="accent1">
-                  <a:shade val="50000"/>
-                </a:schemeClr>
-              </a:lnRef>
-              <a:fillRef idx="1">
-                <a:schemeClr val="accent1"/>
-              </a:fillRef>
-              <a:effectRef idx="0">
-                <a:schemeClr val="accent1"/>
-              </a:effectRef>
-              <a:fontRef idx="minor">
-                <a:schemeClr val="lt1"/>
-              </a:fontRef>
-            </p:style>
-            <p:txBody>
-              <a:bodyPr rtlCol="0" anchor="ctr"/>
-              <a:lstStyle/>
-              <a:p>
-                <a:pPr algn="ctr"/>
-                <a:endParaRPr lang="en-US"/>
-              </a:p>
-            </p:txBody>
-          </p:sp>
-          <p:sp>
-            <p:nvSpPr>
-              <p:cNvPr id="8" name="矩形 7"/>
-              <p:cNvSpPr/>
-              <p:nvPr/>
-            </p:nvSpPr>
-            <p:spPr>
-              <a:xfrm>
-                <a:off x="4283968" y="2447177"/>
-                <a:ext cx="504056" cy="360040"/>
-              </a:xfrm>
-              <a:prstGeom prst="rect">
-                <a:avLst/>
-              </a:prstGeom>
-              <a:solidFill>
-                <a:schemeClr val="tx2">
-                  <a:lumMod val="20000"/>
-                  <a:lumOff val="80000"/>
-                </a:schemeClr>
-              </a:solidFill>
-              <a:ln w="12700"/>
-            </p:spPr>
-            <p:style>
-              <a:lnRef idx="2">
-                <a:schemeClr val="accent1">
-                  <a:shade val="50000"/>
-                </a:schemeClr>
-              </a:lnRef>
-              <a:fillRef idx="1">
-                <a:schemeClr val="accent1"/>
-              </a:fillRef>
-              <a:effectRef idx="0">
-                <a:schemeClr val="accent1"/>
-              </a:effectRef>
-              <a:fontRef idx="minor">
-                <a:schemeClr val="lt1"/>
-              </a:fontRef>
-            </p:style>
-            <p:txBody>
-              <a:bodyPr rtlCol="0" anchor="ctr"/>
-              <a:lstStyle/>
-              <a:p>
-                <a:pPr algn="ctr"/>
-                <a:endParaRPr lang="en-US"/>
-              </a:p>
-            </p:txBody>
-          </p:sp>
-          <p:cxnSp>
-            <p:nvCxnSpPr>
-              <p:cNvPr id="9" name="直接连接符 8"/>
-              <p:cNvCxnSpPr/>
-              <p:nvPr/>
-            </p:nvCxnSpPr>
-            <p:spPr>
-              <a:xfrm>
-                <a:off x="1619672" y="2996952"/>
-                <a:ext cx="3168352" cy="0"/>
-              </a:xfrm>
-              <a:prstGeom prst="line">
-                <a:avLst/>
-              </a:prstGeom>
-            </p:spPr>
-            <p:style>
-              <a:lnRef idx="1">
-                <a:schemeClr val="accent1"/>
-              </a:lnRef>
-              <a:fillRef idx="0">
-                <a:schemeClr val="accent1"/>
-              </a:fillRef>
-              <a:effectRef idx="0">
-                <a:schemeClr val="accent1"/>
-              </a:effectRef>
-              <a:fontRef idx="minor">
-                <a:schemeClr val="tx1"/>
-              </a:fontRef>
-            </p:style>
-          </p:cxnSp>
-          <p:cxnSp>
-            <p:nvCxnSpPr>
-              <p:cNvPr id="10" name="直接连接符 9"/>
-              <p:cNvCxnSpPr/>
-              <p:nvPr/>
-            </p:nvCxnSpPr>
-            <p:spPr>
-              <a:xfrm>
-                <a:off x="1619672" y="3645024"/>
-                <a:ext cx="3168352" cy="0"/>
-              </a:xfrm>
-              <a:prstGeom prst="line">
-                <a:avLst/>
-              </a:prstGeom>
-            </p:spPr>
-            <p:style>
-              <a:lnRef idx="1">
-                <a:schemeClr val="accent1"/>
-              </a:lnRef>
-              <a:fillRef idx="0">
-                <a:schemeClr val="accent1"/>
-              </a:fillRef>
-              <a:effectRef idx="0">
-                <a:schemeClr val="accent1"/>
-              </a:effectRef>
-              <a:fontRef idx="minor">
-                <a:schemeClr val="tx1"/>
-              </a:fontRef>
-            </p:style>
-          </p:cxnSp>
-          <p:cxnSp>
-            <p:nvCxnSpPr>
-              <p:cNvPr id="11" name="直接连接符 10"/>
-              <p:cNvCxnSpPr/>
-              <p:nvPr/>
-            </p:nvCxnSpPr>
-            <p:spPr>
-              <a:xfrm>
-                <a:off x="1619672" y="4293096"/>
-                <a:ext cx="3168352" cy="0"/>
-              </a:xfrm>
-              <a:prstGeom prst="line">
-                <a:avLst/>
-              </a:prstGeom>
-            </p:spPr>
-            <p:style>
-              <a:lnRef idx="1">
-                <a:schemeClr val="accent1"/>
-              </a:lnRef>
-              <a:fillRef idx="0">
-                <a:schemeClr val="accent1"/>
-              </a:fillRef>
-              <a:effectRef idx="0">
-                <a:schemeClr val="accent1"/>
-              </a:effectRef>
-              <a:fontRef idx="minor">
-                <a:schemeClr val="tx1"/>
-              </a:fontRef>
-            </p:style>
-          </p:cxnSp>
-          <p:cxnSp>
-            <p:nvCxnSpPr>
-              <p:cNvPr id="13" name="直接连接符 12"/>
-              <p:cNvCxnSpPr/>
-              <p:nvPr/>
-            </p:nvCxnSpPr>
-            <p:spPr>
-              <a:xfrm>
-                <a:off x="1619672" y="4941168"/>
-                <a:ext cx="3168352" cy="0"/>
-              </a:xfrm>
-              <a:prstGeom prst="line">
-                <a:avLst/>
-              </a:prstGeom>
-            </p:spPr>
-            <p:style>
-              <a:lnRef idx="1">
-                <a:schemeClr val="accent1"/>
-              </a:lnRef>
-              <a:fillRef idx="0">
-                <a:schemeClr val="accent1"/>
-              </a:fillRef>
-              <a:effectRef idx="0">
-                <a:schemeClr val="accent1"/>
-              </a:effectRef>
-              <a:fontRef idx="minor">
-                <a:schemeClr val="tx1"/>
-              </a:fontRef>
-            </p:style>
-          </p:cxnSp>
-          <p:sp>
-            <p:nvSpPr>
-              <p:cNvPr id="14" name="八角星 13"/>
-              <p:cNvSpPr/>
-              <p:nvPr/>
-            </p:nvSpPr>
-            <p:spPr>
-              <a:xfrm>
-                <a:off x="1619672" y="2420888"/>
-                <a:ext cx="432048" cy="504056"/>
-              </a:xfrm>
-              <a:prstGeom prst="star8">
-                <a:avLst/>
-              </a:prstGeom>
-              <a:solidFill>
-                <a:schemeClr val="accent1">
-                  <a:lumMod val="20000"/>
-                  <a:lumOff val="80000"/>
-                </a:schemeClr>
-              </a:solidFill>
-            </p:spPr>
-            <p:style>
-              <a:lnRef idx="2">
-                <a:schemeClr val="accent1">
-                  <a:shade val="50000"/>
-                </a:schemeClr>
-              </a:lnRef>
-              <a:fillRef idx="1">
-                <a:schemeClr val="accent1"/>
-              </a:fillRef>
-              <a:effectRef idx="0">
-                <a:schemeClr val="accent1"/>
-              </a:effectRef>
-              <a:fontRef idx="minor">
-                <a:schemeClr val="lt1"/>
-              </a:fontRef>
-            </p:style>
-            <p:txBody>
-              <a:bodyPr rtlCol="0" anchor="ctr"/>
-              <a:lstStyle/>
-              <a:p>
-                <a:pPr algn="ctr"/>
-                <a:r>
-                  <a:rPr lang="zh-CN" altLang="en-US" sz="1000" dirty="0">
-                    <a:solidFill>
-                      <a:srgbClr val="00B050"/>
-                    </a:solidFill>
-                  </a:rPr>
-                  <a:t>家用</a:t>
-                </a:r>
-                <a:endParaRPr lang="en-US" sz="1000" dirty="0">
-                  <a:solidFill>
-                    <a:srgbClr val="00B050"/>
-                  </a:solidFill>
-                </a:endParaRPr>
-              </a:p>
-            </p:txBody>
-          </p:sp>
-          <p:sp>
-            <p:nvSpPr>
-              <p:cNvPr id="15" name="八角星 14"/>
-              <p:cNvSpPr/>
-              <p:nvPr/>
-            </p:nvSpPr>
-            <p:spPr>
-              <a:xfrm>
-                <a:off x="1619672" y="3068960"/>
-                <a:ext cx="432048" cy="504056"/>
-              </a:xfrm>
-              <a:prstGeom prst="star8">
-                <a:avLst/>
-              </a:prstGeom>
-              <a:solidFill>
-                <a:schemeClr val="accent1">
-                  <a:lumMod val="20000"/>
-                  <a:lumOff val="80000"/>
-                </a:schemeClr>
-              </a:solidFill>
-            </p:spPr>
-            <p:style>
-              <a:lnRef idx="2">
-                <a:schemeClr val="accent1">
-                  <a:shade val="50000"/>
-                </a:schemeClr>
-              </a:lnRef>
-              <a:fillRef idx="1">
-                <a:schemeClr val="accent1"/>
-              </a:fillRef>
-              <a:effectRef idx="0">
-                <a:schemeClr val="accent1"/>
-              </a:effectRef>
-              <a:fontRef idx="minor">
-                <a:schemeClr val="lt1"/>
-              </a:fontRef>
-            </p:style>
-            <p:txBody>
-              <a:bodyPr rtlCol="0" anchor="ctr"/>
-              <a:lstStyle/>
-              <a:p>
-                <a:pPr algn="ctr"/>
-                <a:r>
-                  <a:rPr lang="zh-CN" altLang="en-US" sz="1000" dirty="0" smtClean="0">
-                    <a:solidFill>
-                      <a:schemeClr val="tx2">
-                        <a:lumMod val="60000"/>
-                        <a:lumOff val="40000"/>
-                      </a:schemeClr>
-                    </a:solidFill>
-                  </a:rPr>
-                  <a:t>游戏</a:t>
-                </a:r>
-                <a:endParaRPr lang="en-US" sz="1000" dirty="0">
-                  <a:solidFill>
-                    <a:schemeClr val="tx2">
-                      <a:lumMod val="60000"/>
-                      <a:lumOff val="40000"/>
-                    </a:schemeClr>
-                  </a:solidFill>
-                </a:endParaRPr>
-              </a:p>
-            </p:txBody>
-          </p:sp>
-          <p:sp>
-            <p:nvSpPr>
-              <p:cNvPr id="16" name="八角星 15"/>
-              <p:cNvSpPr/>
-              <p:nvPr/>
-            </p:nvSpPr>
-            <p:spPr>
-              <a:xfrm>
-                <a:off x="1619672" y="3717032"/>
-                <a:ext cx="432048" cy="504056"/>
-              </a:xfrm>
-              <a:prstGeom prst="star8">
-                <a:avLst/>
-              </a:prstGeom>
-              <a:solidFill>
-                <a:schemeClr val="accent1">
-                  <a:lumMod val="20000"/>
-                  <a:lumOff val="80000"/>
-                </a:schemeClr>
-              </a:solidFill>
-            </p:spPr>
-            <p:style>
-              <a:lnRef idx="2">
-                <a:schemeClr val="accent1">
-                  <a:shade val="50000"/>
-                </a:schemeClr>
-              </a:lnRef>
-              <a:fillRef idx="1">
-                <a:schemeClr val="accent1"/>
-              </a:fillRef>
-              <a:effectRef idx="0">
-                <a:schemeClr val="accent1"/>
-              </a:effectRef>
-              <a:fontRef idx="minor">
-                <a:schemeClr val="lt1"/>
-              </a:fontRef>
-            </p:style>
-            <p:txBody>
-              <a:bodyPr rtlCol="0" anchor="ctr"/>
-              <a:lstStyle/>
-              <a:p>
-                <a:pPr algn="ctr"/>
-                <a:r>
-                  <a:rPr lang="zh-CN" altLang="en-US" sz="1000" dirty="0" smtClean="0">
-                    <a:solidFill>
-                      <a:schemeClr val="accent6">
-                        <a:lumMod val="75000"/>
-                      </a:schemeClr>
-                    </a:solidFill>
-                  </a:rPr>
-                  <a:t>豪华</a:t>
-                </a:r>
-                <a:endParaRPr lang="en-US" sz="1000" dirty="0">
-                  <a:solidFill>
-                    <a:schemeClr val="accent6">
-                      <a:lumMod val="75000"/>
-                    </a:schemeClr>
-                  </a:solidFill>
-                </a:endParaRPr>
-              </a:p>
-            </p:txBody>
-          </p:sp>
-          <p:sp>
-            <p:nvSpPr>
-              <p:cNvPr id="17" name="八角星 16"/>
-              <p:cNvSpPr/>
-              <p:nvPr/>
-            </p:nvSpPr>
-            <p:spPr>
-              <a:xfrm>
-                <a:off x="1619672" y="4365104"/>
-                <a:ext cx="432048" cy="504056"/>
-              </a:xfrm>
-              <a:prstGeom prst="star8">
-                <a:avLst/>
-              </a:prstGeom>
-              <a:solidFill>
-                <a:schemeClr val="accent1">
-                  <a:lumMod val="20000"/>
-                  <a:lumOff val="80000"/>
-                </a:schemeClr>
-              </a:solidFill>
-            </p:spPr>
-            <p:style>
-              <a:lnRef idx="2">
-                <a:schemeClr val="accent1">
-                  <a:shade val="50000"/>
-                </a:schemeClr>
-              </a:lnRef>
-              <a:fillRef idx="1">
-                <a:schemeClr val="accent1"/>
-              </a:fillRef>
-              <a:effectRef idx="0">
-                <a:schemeClr val="accent1"/>
-              </a:effectRef>
-              <a:fontRef idx="minor">
-                <a:schemeClr val="lt1"/>
-              </a:fontRef>
-            </p:style>
-            <p:txBody>
-              <a:bodyPr rtlCol="0" anchor="ctr"/>
-              <a:lstStyle/>
-              <a:p>
-                <a:pPr algn="ctr"/>
-                <a:r>
-                  <a:rPr lang="zh-CN" altLang="en-US" sz="1000" dirty="0" smtClean="0">
-                    <a:solidFill>
-                      <a:srgbClr val="FF0000"/>
-                    </a:solidFill>
-                  </a:rPr>
-                  <a:t>发烧</a:t>
-                </a:r>
-                <a:endParaRPr lang="en-US" sz="1000" dirty="0">
-                  <a:solidFill>
-                    <a:srgbClr val="FF0000"/>
-                  </a:solidFill>
-                </a:endParaRPr>
-              </a:p>
-            </p:txBody>
-          </p:sp>
-          <p:sp>
-            <p:nvSpPr>
-              <p:cNvPr id="18" name="圆角矩形 17"/>
-              <p:cNvSpPr/>
-              <p:nvPr/>
-            </p:nvSpPr>
-            <p:spPr>
-              <a:xfrm>
-                <a:off x="2555776" y="2879225"/>
-                <a:ext cx="216024" cy="45719"/>
-              </a:xfrm>
-              <a:prstGeom prst="roundRect">
-                <a:avLst/>
-              </a:prstGeom>
-              <a:solidFill>
-                <a:schemeClr val="tx2">
-                  <a:lumMod val="20000"/>
-                  <a:lumOff val="80000"/>
-                </a:schemeClr>
-              </a:solidFill>
-              <a:ln w="12700"/>
-            </p:spPr>
-            <p:style>
-              <a:lnRef idx="2">
-                <a:schemeClr val="accent1">
-                  <a:shade val="50000"/>
-                </a:schemeClr>
-              </a:lnRef>
-              <a:fillRef idx="1">
-                <a:schemeClr val="accent1"/>
-              </a:fillRef>
-              <a:effectRef idx="0">
-                <a:schemeClr val="accent1"/>
-              </a:effectRef>
-              <a:fontRef idx="minor">
-                <a:schemeClr val="lt1"/>
-              </a:fontRef>
-            </p:style>
-            <p:txBody>
-              <a:bodyPr rtlCol="0" anchor="ctr"/>
-              <a:lstStyle/>
-              <a:p>
-                <a:pPr algn="ctr"/>
-                <a:endParaRPr lang="en-US"/>
-              </a:p>
-            </p:txBody>
-          </p:sp>
-          <p:sp>
-            <p:nvSpPr>
-              <p:cNvPr id="19" name="圆角矩形 18"/>
-              <p:cNvSpPr/>
-              <p:nvPr/>
-            </p:nvSpPr>
-            <p:spPr>
-              <a:xfrm>
-                <a:off x="3491880" y="2879225"/>
-                <a:ext cx="216024" cy="45719"/>
-              </a:xfrm>
-              <a:prstGeom prst="roundRect">
-                <a:avLst/>
-              </a:prstGeom>
-              <a:solidFill>
-                <a:schemeClr val="tx2">
-                  <a:lumMod val="20000"/>
-                  <a:lumOff val="80000"/>
-                </a:schemeClr>
-              </a:solidFill>
-              <a:ln w="12700"/>
-            </p:spPr>
-            <p:style>
-              <a:lnRef idx="2">
-                <a:schemeClr val="accent1">
-                  <a:shade val="50000"/>
-                </a:schemeClr>
-              </a:lnRef>
-              <a:fillRef idx="1">
-                <a:schemeClr val="accent1"/>
-              </a:fillRef>
-              <a:effectRef idx="0">
-                <a:schemeClr val="accent1"/>
-              </a:effectRef>
-              <a:fontRef idx="minor">
-                <a:schemeClr val="lt1"/>
-              </a:fontRef>
-            </p:style>
-            <p:txBody>
-              <a:bodyPr rtlCol="0" anchor="ctr"/>
-              <a:lstStyle/>
-              <a:p>
-                <a:pPr algn="ctr"/>
-                <a:endParaRPr lang="en-US"/>
-              </a:p>
-            </p:txBody>
-          </p:sp>
-          <p:sp>
-            <p:nvSpPr>
-              <p:cNvPr id="20" name="圆角矩形 19"/>
-              <p:cNvSpPr/>
-              <p:nvPr/>
-            </p:nvSpPr>
-            <p:spPr>
-              <a:xfrm>
-                <a:off x="4427984" y="2879225"/>
-                <a:ext cx="216024" cy="45719"/>
-              </a:xfrm>
-              <a:prstGeom prst="roundRect">
-                <a:avLst/>
-              </a:prstGeom>
-              <a:solidFill>
-                <a:schemeClr val="tx2">
-                  <a:lumMod val="20000"/>
-                  <a:lumOff val="80000"/>
-                </a:schemeClr>
-              </a:solidFill>
-              <a:ln w="12700"/>
-            </p:spPr>
-            <p:style>
-              <a:lnRef idx="2">
-                <a:schemeClr val="accent1">
-                  <a:shade val="50000"/>
-                </a:schemeClr>
-              </a:lnRef>
-              <a:fillRef idx="1">
-                <a:schemeClr val="accent1"/>
-              </a:fillRef>
-              <a:effectRef idx="0">
-                <a:schemeClr val="accent1"/>
-              </a:effectRef>
-              <a:fontRef idx="minor">
-                <a:schemeClr val="lt1"/>
-              </a:fontRef>
-            </p:style>
-            <p:txBody>
-              <a:bodyPr rtlCol="0" anchor="ctr"/>
-              <a:lstStyle/>
-              <a:p>
-                <a:pPr algn="ctr"/>
-                <a:endParaRPr lang="en-US"/>
-              </a:p>
-            </p:txBody>
-          </p:sp>
-          <p:sp>
-            <p:nvSpPr>
-              <p:cNvPr id="21" name="矩形 20"/>
-              <p:cNvSpPr/>
-              <p:nvPr/>
-            </p:nvSpPr>
-            <p:spPr>
-              <a:xfrm>
-                <a:off x="2411760" y="3095249"/>
-                <a:ext cx="504056" cy="360040"/>
-              </a:xfrm>
-              <a:prstGeom prst="rect">
-                <a:avLst/>
-              </a:prstGeom>
-              <a:solidFill>
-                <a:schemeClr val="tx2">
-                  <a:lumMod val="20000"/>
-                  <a:lumOff val="80000"/>
-                </a:schemeClr>
-              </a:solidFill>
-              <a:ln w="12700"/>
-            </p:spPr>
-            <p:style>
-              <a:lnRef idx="2">
-                <a:schemeClr val="accent1">
-                  <a:shade val="50000"/>
-                </a:schemeClr>
-              </a:lnRef>
-              <a:fillRef idx="1">
-                <a:schemeClr val="accent1"/>
-              </a:fillRef>
-              <a:effectRef idx="0">
-                <a:schemeClr val="accent1"/>
-              </a:effectRef>
-              <a:fontRef idx="minor">
-                <a:schemeClr val="lt1"/>
-              </a:fontRef>
-            </p:style>
-            <p:txBody>
-              <a:bodyPr rtlCol="0" anchor="ctr"/>
-              <a:lstStyle/>
-              <a:p>
-                <a:pPr algn="ctr"/>
-                <a:endParaRPr lang="en-US"/>
-              </a:p>
-            </p:txBody>
-          </p:sp>
-          <p:sp>
-            <p:nvSpPr>
-              <p:cNvPr id="22" name="矩形 21"/>
-              <p:cNvSpPr/>
-              <p:nvPr/>
-            </p:nvSpPr>
-            <p:spPr>
-              <a:xfrm>
-                <a:off x="3347864" y="3095249"/>
-                <a:ext cx="504056" cy="360040"/>
-              </a:xfrm>
-              <a:prstGeom prst="rect">
-                <a:avLst/>
-              </a:prstGeom>
-              <a:solidFill>
-                <a:schemeClr val="tx2">
-                  <a:lumMod val="20000"/>
-                  <a:lumOff val="80000"/>
-                </a:schemeClr>
-              </a:solidFill>
-              <a:ln w="12700"/>
-            </p:spPr>
-            <p:style>
-              <a:lnRef idx="2">
-                <a:schemeClr val="accent1">
-                  <a:shade val="50000"/>
-                </a:schemeClr>
-              </a:lnRef>
-              <a:fillRef idx="1">
-                <a:schemeClr val="accent1"/>
-              </a:fillRef>
-              <a:effectRef idx="0">
-                <a:schemeClr val="accent1"/>
-              </a:effectRef>
-              <a:fontRef idx="minor">
-                <a:schemeClr val="lt1"/>
-              </a:fontRef>
-            </p:style>
-            <p:txBody>
-              <a:bodyPr rtlCol="0" anchor="ctr"/>
-              <a:lstStyle/>
-              <a:p>
-                <a:pPr algn="ctr"/>
-                <a:endParaRPr lang="en-US"/>
-              </a:p>
-            </p:txBody>
-          </p:sp>
-          <p:sp>
-            <p:nvSpPr>
-              <p:cNvPr id="23" name="矩形 22"/>
-              <p:cNvSpPr/>
-              <p:nvPr/>
-            </p:nvSpPr>
-            <p:spPr>
-              <a:xfrm>
-                <a:off x="4283968" y="3095249"/>
-                <a:ext cx="504056" cy="360040"/>
-              </a:xfrm>
-              <a:prstGeom prst="rect">
-                <a:avLst/>
-              </a:prstGeom>
-              <a:solidFill>
-                <a:schemeClr val="tx2">
-                  <a:lumMod val="20000"/>
-                  <a:lumOff val="80000"/>
-                </a:schemeClr>
-              </a:solidFill>
-              <a:ln w="12700"/>
-            </p:spPr>
-            <p:style>
-              <a:lnRef idx="2">
-                <a:schemeClr val="accent1">
-                  <a:shade val="50000"/>
-                </a:schemeClr>
-              </a:lnRef>
-              <a:fillRef idx="1">
-                <a:schemeClr val="accent1"/>
-              </a:fillRef>
-              <a:effectRef idx="0">
-                <a:schemeClr val="accent1"/>
-              </a:effectRef>
-              <a:fontRef idx="minor">
-                <a:schemeClr val="lt1"/>
-              </a:fontRef>
-            </p:style>
-            <p:txBody>
-              <a:bodyPr rtlCol="0" anchor="ctr"/>
-              <a:lstStyle/>
-              <a:p>
-                <a:pPr algn="ctr"/>
-                <a:endParaRPr lang="en-US"/>
-              </a:p>
-            </p:txBody>
-          </p:sp>
-          <p:sp>
-            <p:nvSpPr>
-              <p:cNvPr id="24" name="圆角矩形 23"/>
-              <p:cNvSpPr/>
-              <p:nvPr/>
-            </p:nvSpPr>
-            <p:spPr>
-              <a:xfrm>
-                <a:off x="2555776" y="3527297"/>
-                <a:ext cx="216024" cy="45719"/>
-              </a:xfrm>
-              <a:prstGeom prst="roundRect">
-                <a:avLst/>
-              </a:prstGeom>
-              <a:solidFill>
-                <a:schemeClr val="tx2">
-                  <a:lumMod val="20000"/>
-                  <a:lumOff val="80000"/>
-                </a:schemeClr>
-              </a:solidFill>
-              <a:ln w="12700"/>
-            </p:spPr>
-            <p:style>
-              <a:lnRef idx="2">
-                <a:schemeClr val="accent1">
-                  <a:shade val="50000"/>
-                </a:schemeClr>
-              </a:lnRef>
-              <a:fillRef idx="1">
-                <a:schemeClr val="accent1"/>
-              </a:fillRef>
-              <a:effectRef idx="0">
-                <a:schemeClr val="accent1"/>
-              </a:effectRef>
-              <a:fontRef idx="minor">
-                <a:schemeClr val="lt1"/>
-              </a:fontRef>
-            </p:style>
-            <p:txBody>
-              <a:bodyPr rtlCol="0" anchor="ctr"/>
-              <a:lstStyle/>
-              <a:p>
-                <a:pPr algn="ctr"/>
-                <a:endParaRPr lang="en-US"/>
-              </a:p>
-            </p:txBody>
-          </p:sp>
-          <p:sp>
-            <p:nvSpPr>
-              <p:cNvPr id="25" name="圆角矩形 24"/>
-              <p:cNvSpPr/>
-              <p:nvPr/>
-            </p:nvSpPr>
-            <p:spPr>
-              <a:xfrm>
-                <a:off x="3491880" y="3527297"/>
-                <a:ext cx="216024" cy="45719"/>
-              </a:xfrm>
-              <a:prstGeom prst="roundRect">
-                <a:avLst/>
-              </a:prstGeom>
-              <a:solidFill>
-                <a:schemeClr val="tx2">
-                  <a:lumMod val="20000"/>
-                  <a:lumOff val="80000"/>
-                </a:schemeClr>
-              </a:solidFill>
-              <a:ln w="12700"/>
-            </p:spPr>
-            <p:style>
-              <a:lnRef idx="2">
-                <a:schemeClr val="accent1">
-                  <a:shade val="50000"/>
-                </a:schemeClr>
-              </a:lnRef>
-              <a:fillRef idx="1">
-                <a:schemeClr val="accent1"/>
-              </a:fillRef>
-              <a:effectRef idx="0">
-                <a:schemeClr val="accent1"/>
-              </a:effectRef>
-              <a:fontRef idx="minor">
-                <a:schemeClr val="lt1"/>
-              </a:fontRef>
-            </p:style>
-            <p:txBody>
-              <a:bodyPr rtlCol="0" anchor="ctr"/>
-              <a:lstStyle/>
-              <a:p>
-                <a:pPr algn="ctr"/>
-                <a:endParaRPr lang="en-US"/>
-              </a:p>
-            </p:txBody>
-          </p:sp>
-          <p:sp>
-            <p:nvSpPr>
-              <p:cNvPr id="26" name="圆角矩形 25"/>
-              <p:cNvSpPr/>
-              <p:nvPr/>
-            </p:nvSpPr>
-            <p:spPr>
-              <a:xfrm>
-                <a:off x="4427984" y="3527297"/>
-                <a:ext cx="216024" cy="45719"/>
-              </a:xfrm>
-              <a:prstGeom prst="roundRect">
-                <a:avLst/>
-              </a:prstGeom>
-              <a:solidFill>
-                <a:schemeClr val="tx2">
-                  <a:lumMod val="20000"/>
-                  <a:lumOff val="80000"/>
-                </a:schemeClr>
-              </a:solidFill>
-              <a:ln w="12700"/>
-            </p:spPr>
-            <p:style>
-              <a:lnRef idx="2">
-                <a:schemeClr val="accent1">
-                  <a:shade val="50000"/>
-                </a:schemeClr>
-              </a:lnRef>
-              <a:fillRef idx="1">
-                <a:schemeClr val="accent1"/>
-              </a:fillRef>
-              <a:effectRef idx="0">
-                <a:schemeClr val="accent1"/>
-              </a:effectRef>
-              <a:fontRef idx="minor">
-                <a:schemeClr val="lt1"/>
-              </a:fontRef>
-            </p:style>
-            <p:txBody>
-              <a:bodyPr rtlCol="0" anchor="ctr"/>
-              <a:lstStyle/>
-              <a:p>
-                <a:pPr algn="ctr"/>
-                <a:endParaRPr lang="en-US"/>
-              </a:p>
-            </p:txBody>
-          </p:sp>
-          <p:sp>
-            <p:nvSpPr>
-              <p:cNvPr id="27" name="矩形 26"/>
-              <p:cNvSpPr/>
-              <p:nvPr/>
-            </p:nvSpPr>
-            <p:spPr>
-              <a:xfrm>
-                <a:off x="2411760" y="3743321"/>
-                <a:ext cx="504056" cy="360040"/>
-              </a:xfrm>
-              <a:prstGeom prst="rect">
-                <a:avLst/>
-              </a:prstGeom>
-              <a:solidFill>
-                <a:schemeClr val="tx2">
-                  <a:lumMod val="20000"/>
-                  <a:lumOff val="80000"/>
-                </a:schemeClr>
-              </a:solidFill>
-              <a:ln w="12700"/>
-            </p:spPr>
-            <p:style>
-              <a:lnRef idx="2">
-                <a:schemeClr val="accent1">
-                  <a:shade val="50000"/>
-                </a:schemeClr>
-              </a:lnRef>
-              <a:fillRef idx="1">
-                <a:schemeClr val="accent1"/>
-              </a:fillRef>
-              <a:effectRef idx="0">
-                <a:schemeClr val="accent1"/>
-              </a:effectRef>
-              <a:fontRef idx="minor">
-                <a:schemeClr val="lt1"/>
-              </a:fontRef>
-            </p:style>
-            <p:txBody>
-              <a:bodyPr rtlCol="0" anchor="ctr"/>
-              <a:lstStyle/>
-              <a:p>
-                <a:pPr algn="ctr"/>
-                <a:endParaRPr lang="en-US"/>
-              </a:p>
-            </p:txBody>
-          </p:sp>
-          <p:sp>
-            <p:nvSpPr>
-              <p:cNvPr id="28" name="矩形 27"/>
-              <p:cNvSpPr/>
-              <p:nvPr/>
-            </p:nvSpPr>
-            <p:spPr>
-              <a:xfrm>
-                <a:off x="3347864" y="3743321"/>
-                <a:ext cx="504056" cy="360040"/>
-              </a:xfrm>
-              <a:prstGeom prst="rect">
-                <a:avLst/>
-              </a:prstGeom>
-              <a:solidFill>
-                <a:schemeClr val="tx2">
-                  <a:lumMod val="20000"/>
-                  <a:lumOff val="80000"/>
-                </a:schemeClr>
-              </a:solidFill>
-              <a:ln w="12700"/>
-            </p:spPr>
-            <p:style>
-              <a:lnRef idx="2">
-                <a:schemeClr val="accent1">
-                  <a:shade val="50000"/>
-                </a:schemeClr>
-              </a:lnRef>
-              <a:fillRef idx="1">
-                <a:schemeClr val="accent1"/>
-              </a:fillRef>
-              <a:effectRef idx="0">
-                <a:schemeClr val="accent1"/>
-              </a:effectRef>
-              <a:fontRef idx="minor">
-                <a:schemeClr val="lt1"/>
-              </a:fontRef>
-            </p:style>
-            <p:txBody>
-              <a:bodyPr rtlCol="0" anchor="ctr"/>
-              <a:lstStyle/>
-              <a:p>
-                <a:pPr algn="ctr"/>
-                <a:endParaRPr lang="en-US"/>
-              </a:p>
-            </p:txBody>
-          </p:sp>
-          <p:sp>
-            <p:nvSpPr>
-              <p:cNvPr id="29" name="圆角矩形 28"/>
-              <p:cNvSpPr/>
-              <p:nvPr/>
-            </p:nvSpPr>
-            <p:spPr>
-              <a:xfrm>
-                <a:off x="2555776" y="4175369"/>
-                <a:ext cx="216024" cy="45719"/>
-              </a:xfrm>
-              <a:prstGeom prst="roundRect">
-                <a:avLst/>
-              </a:prstGeom>
-              <a:solidFill>
-                <a:schemeClr val="tx2">
-                  <a:lumMod val="20000"/>
-                  <a:lumOff val="80000"/>
-                </a:schemeClr>
-              </a:solidFill>
-              <a:ln w="12700"/>
-            </p:spPr>
-            <p:style>
-              <a:lnRef idx="2">
-                <a:schemeClr val="accent1">
-                  <a:shade val="50000"/>
-                </a:schemeClr>
-              </a:lnRef>
-              <a:fillRef idx="1">
-                <a:schemeClr val="accent1"/>
-              </a:fillRef>
-              <a:effectRef idx="0">
-                <a:schemeClr val="accent1"/>
-              </a:effectRef>
-              <a:fontRef idx="minor">
-                <a:schemeClr val="lt1"/>
-              </a:fontRef>
-            </p:style>
-            <p:txBody>
-              <a:bodyPr rtlCol="0" anchor="ctr"/>
-              <a:lstStyle/>
-              <a:p>
-                <a:pPr algn="ctr"/>
-                <a:endParaRPr lang="en-US"/>
-              </a:p>
-            </p:txBody>
-          </p:sp>
-          <p:sp>
-            <p:nvSpPr>
-              <p:cNvPr id="30" name="圆角矩形 29"/>
-              <p:cNvSpPr/>
-              <p:nvPr/>
-            </p:nvSpPr>
-            <p:spPr>
-              <a:xfrm>
-                <a:off x="3491880" y="4175369"/>
-                <a:ext cx="216024" cy="45719"/>
-              </a:xfrm>
-              <a:prstGeom prst="roundRect">
-                <a:avLst/>
-              </a:prstGeom>
-              <a:solidFill>
-                <a:schemeClr val="tx2">
-                  <a:lumMod val="20000"/>
-                  <a:lumOff val="80000"/>
-                </a:schemeClr>
-              </a:solidFill>
-              <a:ln w="12700"/>
-            </p:spPr>
-            <p:style>
-              <a:lnRef idx="2">
-                <a:schemeClr val="accent1">
-                  <a:shade val="50000"/>
-                </a:schemeClr>
-              </a:lnRef>
-              <a:fillRef idx="1">
-                <a:schemeClr val="accent1"/>
-              </a:fillRef>
-              <a:effectRef idx="0">
-                <a:schemeClr val="accent1"/>
-              </a:effectRef>
-              <a:fontRef idx="minor">
-                <a:schemeClr val="lt1"/>
-              </a:fontRef>
-            </p:style>
-            <p:txBody>
-              <a:bodyPr rtlCol="0" anchor="ctr"/>
-              <a:lstStyle/>
-              <a:p>
-                <a:pPr algn="ctr"/>
-                <a:endParaRPr lang="en-US"/>
-              </a:p>
-            </p:txBody>
-          </p:sp>
-          <p:sp>
-            <p:nvSpPr>
-              <p:cNvPr id="31" name="矩形 30"/>
-              <p:cNvSpPr/>
-              <p:nvPr/>
-            </p:nvSpPr>
-            <p:spPr>
-              <a:xfrm>
-                <a:off x="2411760" y="4391393"/>
-                <a:ext cx="504056" cy="360040"/>
-              </a:xfrm>
-              <a:prstGeom prst="rect">
-                <a:avLst/>
-              </a:prstGeom>
-              <a:solidFill>
-                <a:schemeClr val="tx2">
-                  <a:lumMod val="20000"/>
-                  <a:lumOff val="80000"/>
-                </a:schemeClr>
-              </a:solidFill>
-              <a:ln w="12700"/>
-            </p:spPr>
-            <p:style>
-              <a:lnRef idx="2">
-                <a:schemeClr val="accent1">
-                  <a:shade val="50000"/>
-                </a:schemeClr>
-              </a:lnRef>
-              <a:fillRef idx="1">
-                <a:schemeClr val="accent1"/>
-              </a:fillRef>
-              <a:effectRef idx="0">
-                <a:schemeClr val="accent1"/>
-              </a:effectRef>
-              <a:fontRef idx="minor">
-                <a:schemeClr val="lt1"/>
-              </a:fontRef>
-            </p:style>
-            <p:txBody>
-              <a:bodyPr rtlCol="0" anchor="ctr"/>
-              <a:lstStyle/>
-              <a:p>
-                <a:pPr algn="ctr"/>
-                <a:endParaRPr lang="en-US"/>
-              </a:p>
-            </p:txBody>
-          </p:sp>
-          <p:sp>
-            <p:nvSpPr>
-              <p:cNvPr id="32" name="圆角矩形 31"/>
-              <p:cNvSpPr/>
-              <p:nvPr/>
-            </p:nvSpPr>
-            <p:spPr>
-              <a:xfrm>
-                <a:off x="2555776" y="4823441"/>
-                <a:ext cx="216024" cy="45719"/>
-              </a:xfrm>
-              <a:prstGeom prst="roundRect">
-                <a:avLst/>
-              </a:prstGeom>
-              <a:solidFill>
-                <a:schemeClr val="tx2">
-                  <a:lumMod val="20000"/>
-                  <a:lumOff val="80000"/>
-                </a:schemeClr>
-              </a:solidFill>
-              <a:ln w="12700"/>
-            </p:spPr>
-            <p:style>
-              <a:lnRef idx="2">
-                <a:schemeClr val="accent1">
-                  <a:shade val="50000"/>
-                </a:schemeClr>
-              </a:lnRef>
-              <a:fillRef idx="1">
-                <a:schemeClr val="accent1"/>
-              </a:fillRef>
-              <a:effectRef idx="0">
-                <a:schemeClr val="accent1"/>
-              </a:effectRef>
-              <a:fontRef idx="minor">
-                <a:schemeClr val="lt1"/>
-              </a:fontRef>
-            </p:style>
-            <p:txBody>
-              <a:bodyPr rtlCol="0" anchor="ctr"/>
-              <a:lstStyle/>
-              <a:p>
-                <a:pPr algn="ctr"/>
-                <a:endParaRPr lang="en-US"/>
-              </a:p>
-            </p:txBody>
-          </p:sp>
-        </p:grpSp>
-        <p:sp>
-          <p:nvSpPr>
-            <p:cNvPr id="63" name="矩形 62"/>
-            <p:cNvSpPr/>
-            <p:nvPr/>
-          </p:nvSpPr>
-          <p:spPr>
-            <a:xfrm>
-              <a:off x="1331640" y="3789040"/>
-              <a:ext cx="3312368" cy="2664296"/>
-            </a:xfrm>
-            <a:prstGeom prst="rect">
-              <a:avLst/>
-            </a:prstGeom>
-            <a:noFill/>
-            <a:ln w="12700"/>
-          </p:spPr>
-          <p:style>
-            <a:lnRef idx="2">
-              <a:schemeClr val="accent1">
-                <a:shade val="50000"/>
-              </a:schemeClr>
-            </a:lnRef>
-            <a:fillRef idx="1">
-              <a:schemeClr val="accent1"/>
-            </a:fillRef>
-            <a:effectRef idx="0">
-              <a:schemeClr val="accent1"/>
-            </a:effectRef>
-            <a:fontRef idx="minor">
-              <a:schemeClr val="lt1"/>
-            </a:fontRef>
-          </p:style>
-          <p:txBody>
-            <a:bodyPr rtlCol="0" anchor="ctr"/>
-            <a:lstStyle/>
-            <a:p>
-              <a:pPr algn="ctr"/>
-              <a:endParaRPr lang="en-US"/>
-            </a:p>
-          </p:txBody>
-        </p:sp>
-      </p:grpSp>
-      <p:grpSp>
-        <p:nvGrpSpPr>
-          <p:cNvPr id="136" name="组合 135"/>
-          <p:cNvGrpSpPr/>
-          <p:nvPr/>
-        </p:nvGrpSpPr>
-        <p:grpSpPr>
-          <a:xfrm>
-            <a:off x="4932040" y="3933056"/>
-            <a:ext cx="3312368" cy="2664296"/>
-            <a:chOff x="4932040" y="3933056"/>
-            <a:chExt cx="3312368" cy="2664296"/>
-          </a:xfrm>
-        </p:grpSpPr>
-        <p:grpSp>
-          <p:nvGrpSpPr>
-            <p:cNvPr id="33" name="组合 32"/>
-            <p:cNvGrpSpPr/>
-            <p:nvPr/>
-          </p:nvGrpSpPr>
-          <p:grpSpPr>
-            <a:xfrm>
-              <a:off x="4932040" y="3933056"/>
-              <a:ext cx="3312368" cy="2664296"/>
-              <a:chOff x="5652120" y="2348880"/>
-              <a:chExt cx="3312368" cy="2664296"/>
-            </a:xfrm>
-          </p:grpSpPr>
-          <p:sp>
-            <p:nvSpPr>
-              <p:cNvPr id="34" name="矩形 33"/>
-              <p:cNvSpPr/>
-              <p:nvPr/>
-            </p:nvSpPr>
-            <p:spPr>
-              <a:xfrm>
-                <a:off x="5652120" y="2348880"/>
-                <a:ext cx="3312368" cy="2664296"/>
-              </a:xfrm>
-              <a:prstGeom prst="rect">
-                <a:avLst/>
-              </a:prstGeom>
-              <a:noFill/>
-              <a:ln w="12700"/>
-            </p:spPr>
-            <p:style>
-              <a:lnRef idx="2">
-                <a:schemeClr val="accent1">
-                  <a:shade val="50000"/>
-                </a:schemeClr>
-              </a:lnRef>
-              <a:fillRef idx="1">
-                <a:schemeClr val="accent1"/>
-              </a:fillRef>
-              <a:effectRef idx="0">
-                <a:schemeClr val="accent1"/>
-              </a:effectRef>
-              <a:fontRef idx="minor">
-                <a:schemeClr val="lt1"/>
-              </a:fontRef>
-            </p:style>
-            <p:txBody>
-              <a:bodyPr rtlCol="0" anchor="ctr"/>
-              <a:lstStyle/>
-              <a:p>
-                <a:pPr algn="ctr"/>
-                <a:endParaRPr lang="en-US"/>
-              </a:p>
-            </p:txBody>
-          </p:sp>
-          <p:sp>
-            <p:nvSpPr>
-              <p:cNvPr id="35" name="椭圆 34"/>
-              <p:cNvSpPr/>
-              <p:nvPr/>
-            </p:nvSpPr>
-            <p:spPr>
-              <a:xfrm>
-                <a:off x="5868144" y="2672916"/>
-                <a:ext cx="648072" cy="206309"/>
-              </a:xfrm>
-              <a:prstGeom prst="ellipse">
-                <a:avLst/>
-              </a:prstGeom>
-              <a:solidFill>
-                <a:schemeClr val="tx2">
-                  <a:lumMod val="20000"/>
-                  <a:lumOff val="80000"/>
-                </a:schemeClr>
-              </a:solidFill>
-              <a:ln w="12700"/>
-            </p:spPr>
-            <p:style>
-              <a:lnRef idx="2">
-                <a:schemeClr val="accent1">
-                  <a:shade val="50000"/>
-                </a:schemeClr>
-              </a:lnRef>
-              <a:fillRef idx="1">
-                <a:schemeClr val="accent1"/>
-              </a:fillRef>
-              <a:effectRef idx="0">
-                <a:schemeClr val="accent1"/>
-              </a:effectRef>
-              <a:fontRef idx="minor">
-                <a:schemeClr val="lt1"/>
-              </a:fontRef>
-            </p:style>
-            <p:txBody>
-              <a:bodyPr rtlCol="0" anchor="ctr"/>
-              <a:lstStyle/>
-              <a:p>
-                <a:pPr algn="ctr"/>
-                <a:r>
-                  <a:rPr lang="zh-CN" altLang="en-US" sz="1000" dirty="0">
-                    <a:solidFill>
-                      <a:srgbClr val="00B0F0"/>
-                    </a:solidFill>
-                  </a:rPr>
-                  <a:t>好评</a:t>
-                </a:r>
-                <a:endParaRPr lang="en-US" sz="1000" dirty="0">
-                  <a:solidFill>
-                    <a:srgbClr val="00B0F0"/>
-                  </a:solidFill>
-                </a:endParaRPr>
-              </a:p>
-            </p:txBody>
-          </p:sp>
-          <p:sp>
-            <p:nvSpPr>
-              <p:cNvPr id="36" name="TextBox 35"/>
-              <p:cNvSpPr txBox="1"/>
-              <p:nvPr/>
-            </p:nvSpPr>
-            <p:spPr>
-              <a:xfrm>
-                <a:off x="6588224" y="2636912"/>
-                <a:ext cx="504056" cy="261610"/>
-              </a:xfrm>
-              <a:prstGeom prst="rect">
-                <a:avLst/>
-              </a:prstGeom>
-              <a:noFill/>
-            </p:spPr>
-            <p:txBody>
-              <a:bodyPr wrap="square" rtlCol="0">
-                <a:spAutoFit/>
-              </a:bodyPr>
-              <a:lstStyle/>
-              <a:p>
-                <a:r>
-                  <a:rPr lang="en-US" sz="1100" dirty="0" smtClean="0"/>
-                  <a:t>98</a:t>
-                </a:r>
-                <a:r>
-                  <a:rPr lang="en-US" altLang="zh-CN" sz="1100" dirty="0" smtClean="0"/>
-                  <a:t>%</a:t>
-                </a:r>
-                <a:endParaRPr lang="en-US" sz="1100" dirty="0"/>
-              </a:p>
-            </p:txBody>
-          </p:sp>
-          <p:sp>
-            <p:nvSpPr>
-              <p:cNvPr id="37" name="椭圆 36"/>
-              <p:cNvSpPr/>
-              <p:nvPr/>
-            </p:nvSpPr>
-            <p:spPr>
-              <a:xfrm>
-                <a:off x="5868144" y="2987370"/>
-                <a:ext cx="648072" cy="206309"/>
-              </a:xfrm>
-              <a:prstGeom prst="ellipse">
-                <a:avLst/>
-              </a:prstGeom>
-              <a:solidFill>
-                <a:schemeClr val="tx2">
-                  <a:lumMod val="20000"/>
-                  <a:lumOff val="80000"/>
-                </a:schemeClr>
-              </a:solidFill>
-              <a:ln w="12700"/>
-            </p:spPr>
-            <p:style>
-              <a:lnRef idx="2">
-                <a:schemeClr val="accent1">
-                  <a:shade val="50000"/>
-                </a:schemeClr>
-              </a:lnRef>
-              <a:fillRef idx="1">
-                <a:schemeClr val="accent1"/>
-              </a:fillRef>
-              <a:effectRef idx="0">
-                <a:schemeClr val="accent1"/>
-              </a:effectRef>
-              <a:fontRef idx="minor">
-                <a:schemeClr val="lt1"/>
-              </a:fontRef>
-            </p:style>
-            <p:txBody>
-              <a:bodyPr rtlCol="0" anchor="ctr"/>
-              <a:lstStyle/>
-              <a:p>
-                <a:pPr algn="ctr"/>
-                <a:r>
-                  <a:rPr lang="zh-CN" altLang="en-US" sz="1000" dirty="0" smtClean="0">
-                    <a:solidFill>
-                      <a:srgbClr val="00B0F0"/>
-                    </a:solidFill>
-                  </a:rPr>
-                  <a:t>价格</a:t>
-                </a:r>
-                <a:endParaRPr lang="en-US" sz="1000" dirty="0">
-                  <a:solidFill>
-                    <a:srgbClr val="00B0F0"/>
-                  </a:solidFill>
-                </a:endParaRPr>
-              </a:p>
-            </p:txBody>
-          </p:sp>
-          <p:sp>
-            <p:nvSpPr>
-              <p:cNvPr id="38" name="TextBox 37"/>
-              <p:cNvSpPr txBox="1"/>
-              <p:nvPr/>
-            </p:nvSpPr>
-            <p:spPr>
-              <a:xfrm>
-                <a:off x="6588224" y="2951366"/>
-                <a:ext cx="504056" cy="261610"/>
-              </a:xfrm>
-              <a:prstGeom prst="rect">
-                <a:avLst/>
-              </a:prstGeom>
-              <a:noFill/>
-            </p:spPr>
-            <p:txBody>
-              <a:bodyPr wrap="square" rtlCol="0">
-                <a:spAutoFit/>
-              </a:bodyPr>
-              <a:lstStyle/>
-              <a:p>
-                <a:r>
-                  <a:rPr lang="en-US" sz="1100" dirty="0" smtClean="0"/>
-                  <a:t>9999</a:t>
-                </a:r>
-                <a:endParaRPr lang="en-US" sz="1100" dirty="0"/>
-              </a:p>
-            </p:txBody>
-          </p:sp>
-          <p:sp>
-            <p:nvSpPr>
-              <p:cNvPr id="39" name="椭圆 38"/>
-              <p:cNvSpPr/>
-              <p:nvPr/>
-            </p:nvSpPr>
-            <p:spPr>
-              <a:xfrm>
-                <a:off x="5868144" y="3294699"/>
-                <a:ext cx="648072" cy="206309"/>
-              </a:xfrm>
-              <a:prstGeom prst="ellipse">
-                <a:avLst/>
-              </a:prstGeom>
-              <a:solidFill>
-                <a:schemeClr val="tx2">
-                  <a:lumMod val="20000"/>
-                  <a:lumOff val="80000"/>
-                </a:schemeClr>
-              </a:solidFill>
-              <a:ln w="12700"/>
-            </p:spPr>
-            <p:style>
-              <a:lnRef idx="2">
-                <a:schemeClr val="accent1">
-                  <a:shade val="50000"/>
-                </a:schemeClr>
-              </a:lnRef>
-              <a:fillRef idx="1">
-                <a:schemeClr val="accent1"/>
-              </a:fillRef>
-              <a:effectRef idx="0">
-                <a:schemeClr val="accent1"/>
-              </a:effectRef>
-              <a:fontRef idx="minor">
-                <a:schemeClr val="lt1"/>
-              </a:fontRef>
-            </p:style>
-            <p:txBody>
-              <a:bodyPr rtlCol="0" anchor="ctr"/>
-              <a:lstStyle/>
-              <a:p>
-                <a:pPr algn="ctr"/>
-                <a:r>
-                  <a:rPr lang="zh-CN" altLang="en-US" sz="1000" dirty="0" smtClean="0">
-                    <a:solidFill>
-                      <a:srgbClr val="00B0F0"/>
-                    </a:solidFill>
-                  </a:rPr>
-                  <a:t>配置</a:t>
-                </a:r>
-                <a:endParaRPr lang="en-US" sz="1000" dirty="0">
-                  <a:solidFill>
-                    <a:srgbClr val="00B0F0"/>
-                  </a:solidFill>
-                </a:endParaRPr>
-              </a:p>
-            </p:txBody>
-          </p:sp>
-          <p:grpSp>
-            <p:nvGrpSpPr>
-              <p:cNvPr id="40" name="组合 39"/>
-              <p:cNvGrpSpPr/>
-              <p:nvPr/>
-            </p:nvGrpSpPr>
-            <p:grpSpPr>
-              <a:xfrm>
-                <a:off x="6660217" y="3320988"/>
-                <a:ext cx="2160256" cy="1548172"/>
-                <a:chOff x="6709682" y="3275269"/>
-                <a:chExt cx="1418329" cy="1548172"/>
-              </a:xfrm>
-            </p:grpSpPr>
-            <p:sp>
-              <p:nvSpPr>
-                <p:cNvPr id="55" name="矩形 54"/>
-                <p:cNvSpPr/>
-                <p:nvPr/>
-              </p:nvSpPr>
-              <p:spPr>
-                <a:xfrm>
-                  <a:off x="6709682" y="3275269"/>
-                  <a:ext cx="1418329" cy="1548172"/>
-                </a:xfrm>
-                <a:prstGeom prst="rect">
-                  <a:avLst/>
-                </a:prstGeom>
-                <a:noFill/>
-                <a:ln w="12700"/>
-              </p:spPr>
-              <p:style>
-                <a:lnRef idx="2">
-                  <a:schemeClr val="accent1">
-                    <a:shade val="50000"/>
-                  </a:schemeClr>
-                </a:lnRef>
-                <a:fillRef idx="1">
-                  <a:schemeClr val="accent1"/>
-                </a:fillRef>
-                <a:effectRef idx="0">
-                  <a:schemeClr val="accent1"/>
-                </a:effectRef>
-                <a:fontRef idx="minor">
-                  <a:schemeClr val="lt1"/>
-                </a:fontRef>
-              </p:style>
-              <p:txBody>
-                <a:bodyPr rtlCol="0" anchor="ctr"/>
-                <a:lstStyle/>
-                <a:p>
-                  <a:pPr algn="ctr"/>
-                  <a:endParaRPr lang="en-US"/>
-                </a:p>
-              </p:txBody>
-            </p:sp>
-            <p:cxnSp>
-              <p:nvCxnSpPr>
-                <p:cNvPr id="56" name="直接连接符 55"/>
-                <p:cNvCxnSpPr/>
-                <p:nvPr/>
-              </p:nvCxnSpPr>
-              <p:spPr>
-                <a:xfrm>
-                  <a:off x="7182464" y="3275269"/>
-                  <a:ext cx="0" cy="1548172"/>
-                </a:xfrm>
-                <a:prstGeom prst="line">
-                  <a:avLst/>
-                </a:prstGeom>
-              </p:spPr>
-              <p:style>
-                <a:lnRef idx="1">
-                  <a:schemeClr val="accent1"/>
-                </a:lnRef>
-                <a:fillRef idx="0">
-                  <a:schemeClr val="accent1"/>
-                </a:fillRef>
-                <a:effectRef idx="0">
-                  <a:schemeClr val="accent1"/>
-                </a:effectRef>
-                <a:fontRef idx="minor">
-                  <a:schemeClr val="tx1"/>
-                </a:fontRef>
-              </p:style>
-            </p:cxnSp>
-            <p:cxnSp>
-              <p:nvCxnSpPr>
-                <p:cNvPr id="59" name="直接连接符 58"/>
-                <p:cNvCxnSpPr/>
-                <p:nvPr/>
-              </p:nvCxnSpPr>
-              <p:spPr>
-                <a:xfrm>
-                  <a:off x="6709688" y="3959345"/>
-                  <a:ext cx="472776" cy="0"/>
-                </a:xfrm>
-                <a:prstGeom prst="line">
-                  <a:avLst/>
-                </a:prstGeom>
-              </p:spPr>
-              <p:style>
-                <a:lnRef idx="1">
-                  <a:schemeClr val="accent1"/>
-                </a:lnRef>
-                <a:fillRef idx="0">
-                  <a:schemeClr val="accent1"/>
-                </a:fillRef>
-                <a:effectRef idx="0">
-                  <a:schemeClr val="accent1"/>
-                </a:effectRef>
-                <a:fontRef idx="minor">
-                  <a:schemeClr val="tx1"/>
-                </a:fontRef>
-              </p:style>
-            </p:cxnSp>
-          </p:grpSp>
-          <p:sp>
-            <p:nvSpPr>
-              <p:cNvPr id="41" name="TextBox 40"/>
-              <p:cNvSpPr txBox="1"/>
-              <p:nvPr/>
-            </p:nvSpPr>
-            <p:spPr>
-              <a:xfrm>
-                <a:off x="6732232" y="3356992"/>
-                <a:ext cx="229834" cy="153888"/>
-              </a:xfrm>
-              <a:prstGeom prst="rect">
-                <a:avLst/>
-              </a:prstGeom>
-              <a:noFill/>
-            </p:spPr>
-            <p:txBody>
-              <a:bodyPr wrap="square" lIns="0" tIns="0" rIns="0" bIns="0" rtlCol="0">
-                <a:spAutoFit/>
-              </a:bodyPr>
-              <a:lstStyle/>
-              <a:p>
-                <a:r>
-                  <a:rPr lang="en-US" altLang="zh-CN" sz="1000" dirty="0" smtClean="0"/>
-                  <a:t>CPU</a:t>
-                </a:r>
-                <a:endParaRPr lang="en-US" sz="1000" dirty="0"/>
-              </a:p>
-            </p:txBody>
-          </p:sp>
-          <p:sp>
-            <p:nvSpPr>
-              <p:cNvPr id="45" name="TextBox 44"/>
-              <p:cNvSpPr txBox="1"/>
-              <p:nvPr/>
-            </p:nvSpPr>
-            <p:spPr>
-              <a:xfrm>
-                <a:off x="6742784" y="4077072"/>
-                <a:ext cx="637528" cy="153888"/>
-              </a:xfrm>
-              <a:prstGeom prst="rect">
-                <a:avLst/>
-              </a:prstGeom>
-              <a:noFill/>
-            </p:spPr>
-            <p:txBody>
-              <a:bodyPr wrap="square" lIns="0" tIns="0" rIns="0" bIns="0" rtlCol="0">
-                <a:spAutoFit/>
-              </a:bodyPr>
-              <a:lstStyle/>
-              <a:p>
-                <a:r>
-                  <a:rPr lang="en-US" altLang="zh-CN" sz="1000" dirty="0" smtClean="0"/>
-                  <a:t>Mainboard</a:t>
-                </a:r>
-                <a:endParaRPr lang="en-US" sz="1000" dirty="0"/>
-              </a:p>
-            </p:txBody>
-          </p:sp>
-          <p:sp>
-            <p:nvSpPr>
-              <p:cNvPr id="48" name="TextBox 47"/>
-              <p:cNvSpPr txBox="1"/>
-              <p:nvPr/>
-            </p:nvSpPr>
-            <p:spPr>
-              <a:xfrm>
-                <a:off x="7606879" y="3356992"/>
-                <a:ext cx="1069569" cy="153888"/>
-              </a:xfrm>
-              <a:prstGeom prst="rect">
-                <a:avLst/>
-              </a:prstGeom>
-              <a:noFill/>
-            </p:spPr>
-            <p:txBody>
-              <a:bodyPr wrap="square" lIns="0" tIns="0" rIns="0" bIns="0" rtlCol="0">
-                <a:spAutoFit/>
-              </a:bodyPr>
-              <a:lstStyle/>
-              <a:p>
-                <a:r>
-                  <a:rPr lang="en-US" altLang="zh-CN" sz="1000" dirty="0"/>
-                  <a:t>Intel Core i3-4160</a:t>
-                </a:r>
-                <a:endParaRPr lang="en-US" sz="1000" dirty="0"/>
-              </a:p>
-            </p:txBody>
-          </p:sp>
-        </p:grpSp>
-        <p:grpSp>
-          <p:nvGrpSpPr>
-            <p:cNvPr id="109" name="组合 108"/>
-            <p:cNvGrpSpPr/>
-            <p:nvPr/>
-          </p:nvGrpSpPr>
-          <p:grpSpPr>
-            <a:xfrm>
-              <a:off x="6660232" y="5157192"/>
-              <a:ext cx="1440161" cy="437896"/>
-              <a:chOff x="6660232" y="5157192"/>
-              <a:chExt cx="1440161" cy="437896"/>
-            </a:xfrm>
-          </p:grpSpPr>
-          <p:grpSp>
-            <p:nvGrpSpPr>
-              <p:cNvPr id="76" name="组合 75"/>
-              <p:cNvGrpSpPr/>
-              <p:nvPr/>
-            </p:nvGrpSpPr>
-            <p:grpSpPr>
-              <a:xfrm>
-                <a:off x="6660232" y="5157192"/>
-                <a:ext cx="1440161" cy="437896"/>
-                <a:chOff x="5984540" y="2780928"/>
-                <a:chExt cx="2520282" cy="437896"/>
-              </a:xfrm>
-            </p:grpSpPr>
-            <p:grpSp>
-              <p:nvGrpSpPr>
-                <p:cNvPr id="73" name="组合 72"/>
-                <p:cNvGrpSpPr/>
-                <p:nvPr/>
-              </p:nvGrpSpPr>
-              <p:grpSpPr>
-                <a:xfrm>
-                  <a:off x="5984540" y="2780928"/>
-                  <a:ext cx="2520282" cy="437896"/>
-                  <a:chOff x="5984540" y="2780928"/>
-                  <a:chExt cx="2520282" cy="437896"/>
-                </a:xfrm>
-              </p:grpSpPr>
-              <p:sp>
-                <p:nvSpPr>
-                  <p:cNvPr id="67" name="矩形 66"/>
-                  <p:cNvSpPr/>
-                  <p:nvPr/>
-                </p:nvSpPr>
-                <p:spPr>
-                  <a:xfrm>
-                    <a:off x="5984540" y="2780928"/>
-                    <a:ext cx="2520282" cy="437896"/>
-                  </a:xfrm>
-                  <a:prstGeom prst="rect">
-                    <a:avLst/>
-                  </a:prstGeom>
-                  <a:noFill/>
-                  <a:ln w="12700"/>
-                </p:spPr>
-                <p:style>
-                  <a:lnRef idx="2">
-                    <a:schemeClr val="accent1">
-                      <a:shade val="50000"/>
-                    </a:schemeClr>
-                  </a:lnRef>
-                  <a:fillRef idx="1">
-                    <a:schemeClr val="accent1"/>
-                  </a:fillRef>
-                  <a:effectRef idx="0">
-                    <a:schemeClr val="accent1"/>
-                  </a:effectRef>
-                  <a:fontRef idx="minor">
-                    <a:schemeClr val="lt1"/>
-                  </a:fontRef>
-                </p:style>
-                <p:txBody>
-                  <a:bodyPr rtlCol="0" anchor="ctr"/>
-                  <a:lstStyle/>
-                  <a:p>
-                    <a:pPr algn="ctr"/>
-                    <a:endParaRPr lang="en-US"/>
-                  </a:p>
-                </p:txBody>
-              </p:sp>
-              <p:cxnSp>
-                <p:nvCxnSpPr>
-                  <p:cNvPr id="68" name="直接连接符 67"/>
-                  <p:cNvCxnSpPr/>
-                  <p:nvPr/>
-                </p:nvCxnSpPr>
-                <p:spPr>
-                  <a:xfrm>
-                    <a:off x="7244680" y="2780928"/>
-                    <a:ext cx="0" cy="432048"/>
-                  </a:xfrm>
-                  <a:prstGeom prst="line">
-                    <a:avLst/>
-                  </a:prstGeom>
-                </p:spPr>
-                <p:style>
-                  <a:lnRef idx="1">
-                    <a:schemeClr val="accent1"/>
-                  </a:lnRef>
-                  <a:fillRef idx="0">
-                    <a:schemeClr val="accent1"/>
-                  </a:fillRef>
-                  <a:effectRef idx="0">
-                    <a:schemeClr val="accent1"/>
-                  </a:effectRef>
-                  <a:fontRef idx="minor">
-                    <a:schemeClr val="tx1"/>
-                  </a:fontRef>
-                </p:style>
-              </p:cxnSp>
-              <p:cxnSp>
-                <p:nvCxnSpPr>
-                  <p:cNvPr id="69" name="直接连接符 68"/>
-                  <p:cNvCxnSpPr/>
-                  <p:nvPr/>
-                </p:nvCxnSpPr>
-                <p:spPr>
-                  <a:xfrm>
-                    <a:off x="5984540" y="3010844"/>
-                    <a:ext cx="2520282" cy="2924"/>
-                  </a:xfrm>
-                  <a:prstGeom prst="line">
-                    <a:avLst/>
-                  </a:prstGeom>
-                </p:spPr>
-                <p:style>
-                  <a:lnRef idx="1">
-                    <a:schemeClr val="accent1"/>
-                  </a:lnRef>
-                  <a:fillRef idx="0">
-                    <a:schemeClr val="accent1"/>
-                  </a:fillRef>
-                  <a:effectRef idx="0">
-                    <a:schemeClr val="accent1"/>
-                  </a:effectRef>
-                  <a:fontRef idx="minor">
-                    <a:schemeClr val="tx1"/>
-                  </a:fontRef>
-                </p:style>
-              </p:cxnSp>
-            </p:grpSp>
-            <p:sp>
-              <p:nvSpPr>
-                <p:cNvPr id="74" name="TextBox 73"/>
-                <p:cNvSpPr txBox="1"/>
-                <p:nvPr/>
-              </p:nvSpPr>
-              <p:spPr>
-                <a:xfrm>
-                  <a:off x="6110554" y="2852936"/>
-                  <a:ext cx="954322" cy="123111"/>
-                </a:xfrm>
-                <a:prstGeom prst="rect">
-                  <a:avLst/>
-                </a:prstGeom>
-                <a:noFill/>
-              </p:spPr>
-              <p:txBody>
-                <a:bodyPr wrap="square" lIns="0" tIns="0" rIns="0" bIns="0" rtlCol="0">
-                  <a:spAutoFit/>
-                </a:bodyPr>
-                <a:lstStyle/>
-                <a:p>
-                  <a:r>
-                    <a:rPr lang="en-US" altLang="zh-CN" sz="800" dirty="0" smtClean="0"/>
-                    <a:t>Graphic Core </a:t>
-                  </a:r>
-                </a:p>
-              </p:txBody>
-            </p:sp>
-            <p:sp>
-              <p:nvSpPr>
-                <p:cNvPr id="75" name="TextBox 74"/>
-                <p:cNvSpPr txBox="1"/>
-                <p:nvPr/>
-              </p:nvSpPr>
-              <p:spPr>
-                <a:xfrm>
-                  <a:off x="6110554" y="3068960"/>
-                  <a:ext cx="882098" cy="123111"/>
-                </a:xfrm>
-                <a:prstGeom prst="rect">
-                  <a:avLst/>
-                </a:prstGeom>
-                <a:noFill/>
-              </p:spPr>
-              <p:txBody>
-                <a:bodyPr wrap="square" lIns="0" tIns="0" rIns="0" bIns="0" rtlCol="0">
-                  <a:spAutoFit/>
-                </a:bodyPr>
-                <a:lstStyle/>
-                <a:p>
-                  <a:r>
-                    <a:rPr lang="en-US" altLang="zh-CN" sz="800" dirty="0" smtClean="0"/>
-                    <a:t>L3 Cache</a:t>
-                  </a:r>
-                  <a:endParaRPr lang="en-US" sz="800" dirty="0"/>
-                </a:p>
-              </p:txBody>
-            </p:sp>
-          </p:grpSp>
-          <p:sp>
-            <p:nvSpPr>
-              <p:cNvPr id="107" name="TextBox 106"/>
-              <p:cNvSpPr txBox="1"/>
-              <p:nvPr/>
-            </p:nvSpPr>
-            <p:spPr>
-              <a:xfrm>
-                <a:off x="7452321" y="5229200"/>
-                <a:ext cx="576063" cy="123111"/>
-              </a:xfrm>
-              <a:prstGeom prst="rect">
-                <a:avLst/>
-              </a:prstGeom>
-              <a:noFill/>
-            </p:spPr>
-            <p:txBody>
-              <a:bodyPr wrap="square" lIns="0" tIns="0" rIns="0" bIns="0" rtlCol="0">
-                <a:spAutoFit/>
-              </a:bodyPr>
-              <a:lstStyle/>
-              <a:p>
-                <a:r>
-                  <a:rPr lang="en-US" altLang="zh-CN" sz="800" dirty="0"/>
-                  <a:t>Intel HD </a:t>
-                </a:r>
-                <a:r>
-                  <a:rPr lang="en-US" altLang="zh-CN" sz="800" dirty="0" smtClean="0"/>
-                  <a:t>4400</a:t>
-                </a:r>
-              </a:p>
-            </p:txBody>
-          </p:sp>
-        </p:grpSp>
-        <p:sp>
-          <p:nvSpPr>
-            <p:cNvPr id="111" name="TextBox 110"/>
-            <p:cNvSpPr txBox="1"/>
-            <p:nvPr/>
-          </p:nvSpPr>
-          <p:spPr>
-            <a:xfrm>
-              <a:off x="7452321" y="5445224"/>
-              <a:ext cx="432047" cy="123111"/>
-            </a:xfrm>
-            <a:prstGeom prst="rect">
-              <a:avLst/>
-            </a:prstGeom>
-            <a:noFill/>
-          </p:spPr>
-          <p:txBody>
-            <a:bodyPr wrap="square" lIns="0" tIns="0" rIns="0" bIns="0" rtlCol="0">
-              <a:spAutoFit/>
-            </a:bodyPr>
-            <a:lstStyle/>
-            <a:p>
-              <a:r>
-                <a:rPr lang="en-US" altLang="zh-CN" sz="800" dirty="0"/>
-                <a:t>3</a:t>
-              </a:r>
-              <a:r>
-                <a:rPr lang="en-US" altLang="zh-CN" sz="800" dirty="0" smtClean="0"/>
-                <a:t>M</a:t>
-              </a:r>
-            </a:p>
-          </p:txBody>
-        </p:sp>
-        <p:sp>
-          <p:nvSpPr>
-            <p:cNvPr id="124" name="矩形 123"/>
-            <p:cNvSpPr/>
-            <p:nvPr/>
-          </p:nvSpPr>
-          <p:spPr>
-            <a:xfrm>
-              <a:off x="6660232" y="5799416"/>
-              <a:ext cx="1440161" cy="653920"/>
-            </a:xfrm>
-            <a:prstGeom prst="rect">
-              <a:avLst/>
-            </a:prstGeom>
-            <a:noFill/>
-            <a:ln w="12700"/>
-          </p:spPr>
-          <p:style>
-            <a:lnRef idx="2">
-              <a:schemeClr val="accent1">
-                <a:shade val="50000"/>
-              </a:schemeClr>
-            </a:lnRef>
-            <a:fillRef idx="1">
-              <a:schemeClr val="accent1"/>
-            </a:fillRef>
-            <a:effectRef idx="0">
-              <a:schemeClr val="accent1"/>
-            </a:effectRef>
-            <a:fontRef idx="minor">
-              <a:schemeClr val="lt1"/>
-            </a:fontRef>
-          </p:style>
-          <p:txBody>
-            <a:bodyPr rtlCol="0" anchor="ctr"/>
-            <a:lstStyle/>
-            <a:p>
-              <a:pPr algn="ctr"/>
-              <a:endParaRPr lang="en-US"/>
-            </a:p>
-          </p:txBody>
-        </p:sp>
-        <p:cxnSp>
-          <p:nvCxnSpPr>
-            <p:cNvPr id="125" name="直接连接符 124"/>
-            <p:cNvCxnSpPr>
-              <a:endCxn id="124" idx="2"/>
-            </p:cNvCxnSpPr>
-            <p:nvPr/>
-          </p:nvCxnSpPr>
-          <p:spPr>
-            <a:xfrm>
-              <a:off x="7380312" y="5799416"/>
-              <a:ext cx="1" cy="653920"/>
-            </a:xfrm>
-            <a:prstGeom prst="line">
-              <a:avLst/>
-            </a:prstGeom>
-          </p:spPr>
-          <p:style>
-            <a:lnRef idx="1">
-              <a:schemeClr val="accent1"/>
-            </a:lnRef>
-            <a:fillRef idx="0">
-              <a:schemeClr val="accent1"/>
-            </a:fillRef>
-            <a:effectRef idx="0">
-              <a:schemeClr val="accent1"/>
-            </a:effectRef>
-            <a:fontRef idx="minor">
-              <a:schemeClr val="tx1"/>
-            </a:fontRef>
-          </p:style>
-        </p:cxnSp>
-        <p:cxnSp>
-          <p:nvCxnSpPr>
-            <p:cNvPr id="126" name="直接连接符 125"/>
-            <p:cNvCxnSpPr/>
-            <p:nvPr/>
-          </p:nvCxnSpPr>
-          <p:spPr>
-            <a:xfrm>
-              <a:off x="6660232" y="6029332"/>
-              <a:ext cx="1440161" cy="2924"/>
-            </a:xfrm>
-            <a:prstGeom prst="line">
-              <a:avLst/>
-            </a:prstGeom>
-          </p:spPr>
-          <p:style>
-            <a:lnRef idx="1">
-              <a:schemeClr val="accent1"/>
-            </a:lnRef>
-            <a:fillRef idx="0">
-              <a:schemeClr val="accent1"/>
-            </a:fillRef>
-            <a:effectRef idx="0">
-              <a:schemeClr val="accent1"/>
-            </a:effectRef>
-            <a:fontRef idx="minor">
-              <a:schemeClr val="tx1"/>
-            </a:fontRef>
-          </p:style>
-        </p:cxnSp>
-        <p:sp>
-          <p:nvSpPr>
-            <p:cNvPr id="122" name="TextBox 121"/>
-            <p:cNvSpPr txBox="1"/>
-            <p:nvPr/>
-          </p:nvSpPr>
-          <p:spPr>
-            <a:xfrm>
-              <a:off x="6732240" y="5871424"/>
-              <a:ext cx="545327" cy="123111"/>
-            </a:xfrm>
-            <a:prstGeom prst="rect">
-              <a:avLst/>
-            </a:prstGeom>
-            <a:noFill/>
-          </p:spPr>
-          <p:txBody>
-            <a:bodyPr wrap="square" lIns="0" tIns="0" rIns="0" bIns="0" rtlCol="0">
-              <a:spAutoFit/>
-            </a:bodyPr>
-            <a:lstStyle/>
-            <a:p>
-              <a:r>
-                <a:rPr lang="zh-CN" altLang="en-US" sz="800" dirty="0" smtClean="0"/>
-                <a:t>。。。</a:t>
-              </a:r>
-              <a:endParaRPr lang="en-US" altLang="zh-CN" sz="800" dirty="0" smtClean="0"/>
-            </a:p>
-          </p:txBody>
-        </p:sp>
-        <p:sp>
-          <p:nvSpPr>
-            <p:cNvPr id="123" name="TextBox 122"/>
-            <p:cNvSpPr txBox="1"/>
-            <p:nvPr/>
-          </p:nvSpPr>
-          <p:spPr>
-            <a:xfrm>
-              <a:off x="6732240" y="6087448"/>
-              <a:ext cx="504056" cy="123111"/>
-            </a:xfrm>
-            <a:prstGeom prst="rect">
-              <a:avLst/>
-            </a:prstGeom>
-            <a:noFill/>
-          </p:spPr>
-          <p:txBody>
-            <a:bodyPr wrap="square" lIns="0" tIns="0" rIns="0" bIns="0" rtlCol="0">
-              <a:spAutoFit/>
-            </a:bodyPr>
-            <a:lstStyle/>
-            <a:p>
-              <a:r>
-                <a:rPr lang="zh-CN" altLang="en-US" sz="800" dirty="0"/>
-                <a:t>。。。</a:t>
-              </a:r>
-              <a:endParaRPr lang="en-US" altLang="zh-CN" sz="800" dirty="0"/>
-            </a:p>
-          </p:txBody>
-        </p:sp>
-        <p:sp>
-          <p:nvSpPr>
-            <p:cNvPr id="120" name="TextBox 119"/>
-            <p:cNvSpPr txBox="1"/>
-            <p:nvPr/>
-          </p:nvSpPr>
-          <p:spPr>
-            <a:xfrm>
-              <a:off x="7452321" y="5871424"/>
-              <a:ext cx="576063" cy="123111"/>
-            </a:xfrm>
-            <a:prstGeom prst="rect">
-              <a:avLst/>
-            </a:prstGeom>
-            <a:noFill/>
-          </p:spPr>
-          <p:txBody>
-            <a:bodyPr wrap="square" lIns="0" tIns="0" rIns="0" bIns="0" rtlCol="0">
-              <a:spAutoFit/>
-            </a:bodyPr>
-            <a:lstStyle/>
-            <a:p>
-              <a:r>
-                <a:rPr lang="zh-CN" altLang="en-US" sz="800" dirty="0"/>
-                <a:t>。。。</a:t>
-              </a:r>
-              <a:endParaRPr lang="en-US" altLang="zh-CN" sz="800" dirty="0"/>
-            </a:p>
-          </p:txBody>
-        </p:sp>
-        <p:sp>
-          <p:nvSpPr>
-            <p:cNvPr id="127" name="TextBox 126"/>
-            <p:cNvSpPr txBox="1"/>
-            <p:nvPr/>
-          </p:nvSpPr>
-          <p:spPr>
-            <a:xfrm>
-              <a:off x="7452321" y="6087448"/>
-              <a:ext cx="432047" cy="123111"/>
-            </a:xfrm>
-            <a:prstGeom prst="rect">
-              <a:avLst/>
-            </a:prstGeom>
-            <a:noFill/>
-          </p:spPr>
-          <p:txBody>
-            <a:bodyPr wrap="square" lIns="0" tIns="0" rIns="0" bIns="0" rtlCol="0">
-              <a:spAutoFit/>
-            </a:bodyPr>
-            <a:lstStyle/>
-            <a:p>
-              <a:r>
-                <a:rPr lang="zh-CN" altLang="en-US" sz="800" dirty="0"/>
-                <a:t>。。。</a:t>
-              </a:r>
-              <a:endParaRPr lang="en-US" altLang="zh-CN" sz="800" dirty="0"/>
-            </a:p>
-          </p:txBody>
-        </p:sp>
-        <p:sp>
-          <p:nvSpPr>
-            <p:cNvPr id="129" name="TextBox 128"/>
-            <p:cNvSpPr txBox="1"/>
-            <p:nvPr/>
-          </p:nvSpPr>
-          <p:spPr>
-            <a:xfrm>
-              <a:off x="6876256" y="5589240"/>
-              <a:ext cx="1069569" cy="153888"/>
-            </a:xfrm>
-            <a:prstGeom prst="rect">
-              <a:avLst/>
-            </a:prstGeom>
-            <a:noFill/>
-          </p:spPr>
-          <p:txBody>
-            <a:bodyPr wrap="square" lIns="0" tIns="0" rIns="0" bIns="0" rtlCol="0">
-              <a:spAutoFit/>
-            </a:bodyPr>
-            <a:lstStyle/>
-            <a:p>
-              <a:r>
-                <a:rPr lang="zh-CN" altLang="en-US" sz="1000" dirty="0" smtClean="0"/>
-                <a:t>。。。。。。。。</a:t>
-              </a:r>
-              <a:endParaRPr lang="en-US" sz="1000" dirty="0"/>
-            </a:p>
-          </p:txBody>
-        </p:sp>
-        <p:cxnSp>
-          <p:nvCxnSpPr>
-            <p:cNvPr id="132" name="直接连接符 131"/>
-            <p:cNvCxnSpPr/>
-            <p:nvPr/>
-          </p:nvCxnSpPr>
-          <p:spPr>
-            <a:xfrm>
-              <a:off x="6660699" y="6231464"/>
-              <a:ext cx="1440161" cy="2924"/>
-            </a:xfrm>
-            <a:prstGeom prst="line">
-              <a:avLst/>
-            </a:prstGeom>
-          </p:spPr>
-          <p:style>
-            <a:lnRef idx="1">
-              <a:schemeClr val="accent1"/>
-            </a:lnRef>
-            <a:fillRef idx="0">
-              <a:schemeClr val="accent1"/>
-            </a:fillRef>
-            <a:effectRef idx="0">
-              <a:schemeClr val="accent1"/>
-            </a:effectRef>
-            <a:fontRef idx="minor">
-              <a:schemeClr val="tx1"/>
-            </a:fontRef>
-          </p:style>
-        </p:cxnSp>
-        <p:sp>
-          <p:nvSpPr>
-            <p:cNvPr id="134" name="TextBox 133"/>
-            <p:cNvSpPr txBox="1"/>
-            <p:nvPr/>
-          </p:nvSpPr>
-          <p:spPr>
-            <a:xfrm>
-              <a:off x="6732240" y="6309320"/>
-              <a:ext cx="504056" cy="123111"/>
-            </a:xfrm>
-            <a:prstGeom prst="rect">
-              <a:avLst/>
-            </a:prstGeom>
-            <a:noFill/>
-          </p:spPr>
-          <p:txBody>
-            <a:bodyPr wrap="square" lIns="0" tIns="0" rIns="0" bIns="0" rtlCol="0">
-              <a:spAutoFit/>
-            </a:bodyPr>
-            <a:lstStyle/>
-            <a:p>
-              <a:r>
-                <a:rPr lang="zh-CN" altLang="en-US" sz="800" dirty="0"/>
-                <a:t>。。。</a:t>
-              </a:r>
-              <a:endParaRPr lang="en-US" altLang="zh-CN" sz="800" dirty="0"/>
-            </a:p>
-          </p:txBody>
-        </p:sp>
-        <p:sp>
-          <p:nvSpPr>
-            <p:cNvPr id="135" name="TextBox 134"/>
-            <p:cNvSpPr txBox="1"/>
-            <p:nvPr/>
-          </p:nvSpPr>
-          <p:spPr>
-            <a:xfrm>
-              <a:off x="7452321" y="6309320"/>
-              <a:ext cx="432047" cy="123111"/>
-            </a:xfrm>
-            <a:prstGeom prst="rect">
-              <a:avLst/>
-            </a:prstGeom>
-            <a:noFill/>
-          </p:spPr>
-          <p:txBody>
-            <a:bodyPr wrap="square" lIns="0" tIns="0" rIns="0" bIns="0" rtlCol="0">
-              <a:spAutoFit/>
-            </a:bodyPr>
-            <a:lstStyle/>
-            <a:p>
-              <a:r>
-                <a:rPr lang="zh-CN" altLang="en-US" sz="800" dirty="0"/>
-                <a:t>。。。</a:t>
-              </a:r>
-              <a:endParaRPr lang="en-US" altLang="zh-CN" sz="800" dirty="0"/>
-            </a:p>
-          </p:txBody>
-        </p:sp>
-      </p:grpSp>
     </p:spTree>
     <p:extLst>
       <p:ext uri="{BB962C8B-B14F-4D97-AF65-F5344CB8AC3E}">
-        <p14:creationId xmlns:p14="http://schemas.microsoft.com/office/powerpoint/2010/main" val="2609233483"/>
+        <p14:creationId xmlns:p14="http://schemas.microsoft.com/office/powerpoint/2010/main" val="1432022349"/>
       </p:ext>
     </p:extLst>
   </p:cSld>
@@ -16098,7 +13949,59 @@
       </p:grpSpPr>
       <p:sp>
         <p:nvSpPr>
-          <p:cNvPr id="12" name="Rectangle 2"/>
+          <p:cNvPr id="45" name="TextBox 44"/>
+          <p:cNvSpPr txBox="1"/>
+          <p:nvPr/>
+        </p:nvSpPr>
+        <p:spPr>
+          <a:xfrm>
+            <a:off x="251520" y="1196752"/>
+            <a:ext cx="3672408" cy="353943"/>
+          </a:xfrm>
+          <a:prstGeom prst="rect">
+            <a:avLst/>
+          </a:prstGeom>
+          <a:noFill/>
+        </p:spPr>
+        <p:txBody>
+          <a:bodyPr wrap="square" rtlCol="0">
+            <a:spAutoFit/>
+          </a:bodyPr>
+          <a:lstStyle/>
+          <a:p>
+            <a:r>
+              <a:rPr lang="en-US" altLang="zh-CN" sz="1700" b="1" spc="50" dirty="0" smtClean="0">
+                <a:ln w="12700">
+                  <a:noFill/>
+                  <a:prstDash val="solid"/>
+                </a:ln>
+                <a:solidFill>
+                  <a:schemeClr val="accent4"/>
+                </a:solidFill>
+                <a:latin typeface="+mj-lt"/>
+                <a:ea typeface="+mj-ea"/>
+                <a:cs typeface="+mj-cs"/>
+              </a:rPr>
+              <a:t>Eager Mode - EagerPrintService</a:t>
+            </a:r>
+            <a:endParaRPr lang="en-US" altLang="en-US" sz="1700" b="1" spc="50" dirty="0">
+              <a:ln w="12700">
+                <a:noFill/>
+                <a:prstDash val="solid"/>
+              </a:ln>
+              <a:solidFill>
+                <a:schemeClr val="accent4"/>
+              </a:solidFill>
+              <a:latin typeface="+mj-lt"/>
+              <a:ea typeface="+mj-ea"/>
+              <a:cs typeface="+mj-cs"/>
+            </a:endParaRPr>
+          </a:p>
+        </p:txBody>
+      </p:sp>
+      <p:sp>
+        <p:nvSpPr>
+          <p:cNvPr id="58" name="Rectangle 2"/>
           <p:cNvSpPr txBox="1">
             <a:spLocks noChangeArrowheads="1"/>
           </p:cNvSpPr>
@@ -16106,892 +14009,116 @@
         </p:nvSpPr>
         <p:spPr>
           <a:xfrm>
-            <a:off x="457200" y="1268760"/>
-            <a:ext cx="8363272" cy="5400600"/>
+            <a:off x="628650" y="44624"/>
+            <a:ext cx="7886700" cy="1119658"/>
           </a:xfrm>
           <a:prstGeom prst="rect">
             <a:avLst/>
           </a:prstGeom>
         </p:spPr>
         <p:txBody>
-          <a:bodyPr vert="horz" rtlCol="0" anchor="ctr">
-            <a:normAutofit fontScale="62500" lnSpcReduction="20000"/>
-            <a:scene3d>
-              <a:camera prst="orthographicFront"/>
-              <a:lightRig rig="soft" dir="t"/>
-            </a:scene3d>
-            <a:sp3d prstMaterial="matte">
-              <a:bevelT w="12700" h="12700"/>
-            </a:sp3d>
+          <a:bodyPr vert="horz" lIns="91440" tIns="45720" rIns="91440" bIns="45720" rtlCol="0" anchor="ctr">
+            <a:normAutofit/>
           </a:bodyPr>
           <a:lstStyle>
-            <a:lvl1pPr algn="l" rtl="0" eaLnBrk="1" latinLnBrk="0" hangingPunct="1">
+            <a:lvl1pPr algn="ctr" defTabSz="914400" rtl="0" eaLnBrk="1" latinLnBrk="0" hangingPunct="1">
               <a:spcBef>
                 <a:spcPct val="0"/>
               </a:spcBef>
               <a:buNone/>
-              <a:defRPr kumimoji="0" lang="zh-CN" altLang="en-US" sz="4400" b="0" kern="1200" spc="50">
-                <a:ln w="12700">
-                  <a:noFill/>
-                  <a:prstDash val="solid"/>
-                </a:ln>
-                <a:solidFill>
-                  <a:schemeClr val="accent4"/>
-                </a:solidFill>
+              <a:defRPr sz="4400" kern="1200">
+                <a:solidFill>
+                  <a:schemeClr val="tx1"/>
+                </a:solidFill>
+                <a:latin typeface="+mj-lt"/>
+                <a:ea typeface="+mj-ea"/>
+                <a:cs typeface="+mj-cs"/>
+              </a:defRPr>
+            </a:lvl1pPr>
+          </a:lstStyle>
+          <a:p>
+            <a:r>
+              <a:rPr lang="en-US" altLang="zh-CN" dirty="0" smtClean="0"/>
+              <a:t>Singleton</a:t>
+            </a:r>
+            <a:endParaRPr lang="zh-CN" altLang="en-US" dirty="0"/>
+          </a:p>
+        </p:txBody>
+      </p:sp>
+      <p:pic>
+        <p:nvPicPr>
+          <p:cNvPr id="1026" name="Picture 2"/>
+          <p:cNvPicPr>
+            <a:picLocks noChangeAspect="1" noChangeArrowheads="1"/>
+          </p:cNvPicPr>
+          <p:nvPr/>
+        </p:nvPicPr>
+        <p:blipFill>
+          <a:blip r:embed="rId2">
+            <a:extLst>
+              <a:ext uri="{28A0092B-C50C-407E-A947-70E740481C1C}">
+                <a14:useLocalDpi xmlns:a14="http://schemas.microsoft.com/office/drawing/2010/main" val="0"/>
+              </a:ext>
+            </a:extLst>
+          </a:blip>
+          <a:srcRect/>
+          <a:stretch>
+            <a:fillRect/>
+          </a:stretch>
+        </p:blipFill>
+        <p:spPr bwMode="auto">
+          <a:xfrm>
+            <a:off x="755576" y="1628800"/>
+            <a:ext cx="7677150" cy="5000625"/>
+          </a:xfrm>
+          <a:prstGeom prst="rect">
+            <a:avLst/>
+          </a:prstGeom>
+          <a:noFill/>
+          <a:ln>
+            <a:noFill/>
+          </a:ln>
+          <a:effectLst/>
+          <a:extLst>
+            <a:ext uri="{909E8E84-426E-40DD-AFC4-6F175D3DCCD1}">
+              <a14:hiddenFill xmlns:a14="http://schemas.microsoft.com/office/drawing/2010/main">
+                <a:solidFill>
+                  <a:schemeClr val="accent1"/>
+                </a:solidFill>
+              </a14:hiddenFill>
+            </a:ext>
+            <a:ext uri="{91240B29-F687-4F45-9708-019B960494DF}">
+              <a14:hiddenLine xmlns:a14="http://schemas.microsoft.com/office/drawing/2010/main" w="9525">
+                <a:solidFill>
+                  <a:schemeClr val="tx1"/>
+                </a:solidFill>
+                <a:miter lim="800000"/>
+                <a:headEnd/>
+                <a:tailEnd/>
+              </a14:hiddenLine>
+            </a:ext>
+            <a:ext uri="{AF507438-7753-43E0-B8FC-AC1667EBCBE1}">
+              <a14:hiddenEffects xmlns:a14="http://schemas.microsoft.com/office/drawing/2010/main">
                 <a:effectLst>
-                  <a:outerShdw blurRad="38100" dist="20320" dir="2700000" algn="tl" rotWithShape="0">
-                    <a:srgbClr val="000000">
-                      <a:alpha val="70000"/>
-                    </a:srgbClr>
+                  <a:outerShdw dist="35921" dir="2700000" algn="ctr" rotWithShape="0">
+                    <a:schemeClr val="bg2"/>
                   </a:outerShdw>
                 </a:effectLst>
-                <a:latin typeface="+mj-lt"/>
-                <a:ea typeface="+mj-ea"/>
-                <a:cs typeface="+mj-cs"/>
-              </a:defRPr>
-            </a:lvl1pPr>
-            <a:lvl2pPr eaLnBrk="1" latinLnBrk="0" hangingPunct="1">
-              <a:defRPr kumimoji="0">
-                <a:solidFill>
-                  <a:schemeClr val="tx2"/>
-                </a:solidFill>
-              </a:defRPr>
-            </a:lvl2pPr>
-            <a:lvl3pPr eaLnBrk="1" latinLnBrk="0" hangingPunct="1">
-              <a:defRPr kumimoji="0">
-                <a:solidFill>
-                  <a:schemeClr val="tx2"/>
-                </a:solidFill>
-              </a:defRPr>
-            </a:lvl3pPr>
-            <a:lvl4pPr eaLnBrk="1" latinLnBrk="0" hangingPunct="1">
-              <a:defRPr kumimoji="0">
-                <a:solidFill>
-                  <a:schemeClr val="tx2"/>
-                </a:solidFill>
-              </a:defRPr>
-            </a:lvl4pPr>
-            <a:lvl5pPr eaLnBrk="1" latinLnBrk="0" hangingPunct="1">
-              <a:defRPr kumimoji="0">
-                <a:solidFill>
-                  <a:schemeClr val="tx2"/>
-                </a:solidFill>
-              </a:defRPr>
-            </a:lvl5pPr>
-            <a:lvl6pPr eaLnBrk="1" latinLnBrk="0" hangingPunct="1">
-              <a:defRPr kumimoji="0">
-                <a:solidFill>
-                  <a:schemeClr val="tx2"/>
-                </a:solidFill>
-              </a:defRPr>
-            </a:lvl6pPr>
-            <a:lvl7pPr eaLnBrk="1" latinLnBrk="0" hangingPunct="1">
-              <a:defRPr kumimoji="0">
-                <a:solidFill>
-                  <a:schemeClr val="tx2"/>
-                </a:solidFill>
-              </a:defRPr>
-            </a:lvl7pPr>
-            <a:lvl8pPr eaLnBrk="1" latinLnBrk="0" hangingPunct="1">
-              <a:defRPr kumimoji="0">
-                <a:solidFill>
-                  <a:schemeClr val="tx2"/>
-                </a:solidFill>
-              </a:defRPr>
-            </a:lvl8pPr>
-            <a:lvl9pPr eaLnBrk="1" latinLnBrk="0" hangingPunct="1">
-              <a:defRPr kumimoji="0">
-                <a:solidFill>
-                  <a:schemeClr val="tx2"/>
-                </a:solidFill>
-              </a:defRPr>
-            </a:lvl9pPr>
-          </a:lstStyle>
-          <a:p>
-            <a:r>
-              <a:rPr lang="zh-CN" altLang="en-US" sz="2700" b="1" dirty="0">
-                <a:effectLst/>
-              </a:rPr>
-              <a:t>分析：</a:t>
-            </a:r>
-            <a:endParaRPr lang="en-US" altLang="zh-CN" sz="2700" b="1" dirty="0">
-              <a:effectLst/>
-            </a:endParaRPr>
-          </a:p>
-          <a:p>
-            <a:r>
-              <a:rPr lang="en-US" altLang="zh-CN" sz="1900" dirty="0">
-                <a:effectLst/>
-              </a:rPr>
-              <a:t>	</a:t>
-            </a:r>
-            <a:r>
-              <a:rPr lang="zh-CN" altLang="en-US" sz="1900" dirty="0" smtClean="0">
-                <a:effectLst/>
-              </a:rPr>
-              <a:t>功能以显示</a:t>
-            </a:r>
-            <a:r>
-              <a:rPr lang="en-US" altLang="zh-CN" sz="1900" dirty="0" smtClean="0">
-                <a:effectLst/>
-              </a:rPr>
-              <a:t>Computer</a:t>
-            </a:r>
-            <a:r>
-              <a:rPr lang="zh-CN" altLang="en-US" sz="1900" dirty="0" smtClean="0">
-                <a:effectLst/>
-              </a:rPr>
-              <a:t>详细信息为主</a:t>
-            </a:r>
-            <a:endParaRPr lang="en-US" altLang="zh-CN" sz="1900" dirty="0" smtClean="0">
-              <a:effectLst/>
-            </a:endParaRPr>
-          </a:p>
-          <a:p>
-            <a:endParaRPr lang="en-US" altLang="zh-CN" sz="1900" dirty="0" smtClean="0">
-              <a:effectLst/>
-            </a:endParaRPr>
-          </a:p>
-          <a:p>
-            <a:r>
-              <a:rPr lang="en-US" altLang="zh-CN" sz="1900" dirty="0" smtClean="0">
-                <a:effectLst/>
-              </a:rPr>
-              <a:t>	Computer</a:t>
-            </a:r>
-            <a:r>
-              <a:rPr lang="zh-CN" altLang="en-US" sz="1900" dirty="0" smtClean="0">
-                <a:effectLst/>
-              </a:rPr>
-              <a:t>内部结构复杂，包含多种不同部件</a:t>
-            </a:r>
-            <a:r>
-              <a:rPr lang="en-US" altLang="zh-CN" sz="1900" dirty="0" smtClean="0">
-                <a:effectLst/>
-              </a:rPr>
-              <a:t>(</a:t>
-            </a:r>
-            <a:r>
-              <a:rPr lang="zh-CN" altLang="en-US" sz="1900" dirty="0" smtClean="0">
-                <a:effectLst/>
-              </a:rPr>
-              <a:t>子对象</a:t>
-            </a:r>
-            <a:r>
-              <a:rPr lang="en-US" altLang="zh-CN" sz="1900" dirty="0" smtClean="0">
-                <a:effectLst/>
-              </a:rPr>
-              <a:t>)</a:t>
-            </a:r>
-            <a:r>
-              <a:rPr lang="zh-CN" altLang="en-US" sz="1900" dirty="0" smtClean="0">
-                <a:effectLst/>
-              </a:rPr>
-              <a:t>：</a:t>
-            </a:r>
-            <a:endParaRPr lang="en-US" altLang="zh-CN" sz="1900" dirty="0" smtClean="0">
-              <a:effectLst/>
-            </a:endParaRPr>
-          </a:p>
-          <a:p>
-            <a:endParaRPr lang="en-US" altLang="zh-CN" sz="1900" dirty="0" smtClean="0">
-              <a:effectLst/>
-            </a:endParaRPr>
-          </a:p>
-          <a:p>
-            <a:r>
-              <a:rPr lang="en-US" altLang="zh-CN" sz="1900" dirty="0">
-                <a:effectLst/>
-              </a:rPr>
-              <a:t>	</a:t>
-            </a:r>
-            <a:r>
-              <a:rPr lang="en-US" altLang="zh-CN" sz="1900" dirty="0" smtClean="0">
-                <a:effectLst/>
-              </a:rPr>
-              <a:t>	CPU / Memory / Graphic Card / Mainboard / </a:t>
-            </a:r>
-          </a:p>
-          <a:p>
-            <a:r>
-              <a:rPr lang="en-US" altLang="zh-CN" sz="1900" dirty="0">
-                <a:effectLst/>
-              </a:rPr>
-              <a:t>	</a:t>
-            </a:r>
-            <a:r>
-              <a:rPr lang="en-US" altLang="zh-CN" sz="1900" dirty="0" smtClean="0">
-                <a:effectLst/>
-              </a:rPr>
-              <a:t>	Disk / Power / Monitor / Mouse / Keyboard…</a:t>
-            </a:r>
-          </a:p>
-          <a:p>
-            <a:endParaRPr lang="en-US" altLang="zh-CN" sz="1900" dirty="0" smtClean="0">
-              <a:effectLst/>
-            </a:endParaRPr>
-          </a:p>
-          <a:p>
-            <a:r>
-              <a:rPr lang="en-US" altLang="zh-CN" sz="1900" dirty="0">
-                <a:effectLst/>
-              </a:rPr>
-              <a:t>	</a:t>
-            </a:r>
-            <a:r>
-              <a:rPr lang="zh-CN" altLang="en-US" sz="1900" dirty="0" smtClean="0">
-                <a:effectLst/>
-              </a:rPr>
-              <a:t>即使同一种类的部件存在大量共性，却也无法忽略之间的差异，如：</a:t>
-            </a:r>
-            <a:endParaRPr lang="en-US" altLang="zh-CN" sz="1900" dirty="0" smtClean="0">
-              <a:effectLst/>
-            </a:endParaRPr>
-          </a:p>
-          <a:p>
-            <a:endParaRPr lang="en-US" altLang="zh-CN" sz="1900" dirty="0" smtClean="0">
-              <a:effectLst/>
-            </a:endParaRPr>
-          </a:p>
-          <a:p>
-            <a:r>
-              <a:rPr lang="en-US" altLang="zh-CN" sz="1900" dirty="0" smtClean="0">
-                <a:effectLst/>
-              </a:rPr>
-              <a:t>		Intel CPU / AMD CPU</a:t>
-            </a:r>
-          </a:p>
-          <a:p>
-            <a:endParaRPr lang="en-US" altLang="zh-CN" sz="1900" dirty="0">
-              <a:effectLst/>
-            </a:endParaRPr>
-          </a:p>
-          <a:p>
-            <a:r>
-              <a:rPr lang="en-US" altLang="zh-CN" sz="1900" dirty="0" smtClean="0">
-                <a:effectLst/>
-              </a:rPr>
-              <a:t>	</a:t>
-            </a:r>
-            <a:r>
-              <a:rPr lang="zh-CN" altLang="en-US" sz="1900" dirty="0" smtClean="0">
-                <a:effectLst/>
-              </a:rPr>
-              <a:t>复杂部件的差异部分导致</a:t>
-            </a:r>
-            <a:r>
-              <a:rPr lang="en-US" altLang="zh-CN" sz="1900" dirty="0" smtClean="0">
-                <a:effectLst/>
-              </a:rPr>
-              <a:t>Computer</a:t>
-            </a:r>
-            <a:r>
-              <a:rPr lang="zh-CN" altLang="en-US" sz="1900" dirty="0" smtClean="0">
-                <a:effectLst/>
-              </a:rPr>
-              <a:t>个体之间的差异：</a:t>
-            </a:r>
-            <a:endParaRPr lang="en-US" altLang="zh-CN" sz="1900" dirty="0" smtClean="0">
-              <a:effectLst/>
-            </a:endParaRPr>
-          </a:p>
-          <a:p>
-            <a:endParaRPr lang="en-US" altLang="zh-CN" sz="1900" dirty="0" smtClean="0">
-              <a:effectLst/>
-            </a:endParaRPr>
-          </a:p>
-          <a:p>
-            <a:r>
-              <a:rPr lang="en-US" altLang="zh-CN" sz="1900" dirty="0" smtClean="0">
-                <a:effectLst/>
-              </a:rPr>
-              <a:t>		</a:t>
-            </a:r>
-            <a:r>
-              <a:rPr lang="zh-CN" altLang="en-US" sz="1900" dirty="0" smtClean="0">
-                <a:effectLst/>
-              </a:rPr>
-              <a:t>共性</a:t>
-            </a:r>
-            <a:r>
-              <a:rPr lang="en-US" altLang="zh-CN" sz="1900" dirty="0" smtClean="0">
-                <a:effectLst/>
-              </a:rPr>
-              <a:t>: </a:t>
-            </a:r>
-            <a:r>
-              <a:rPr lang="zh-CN" altLang="en-US" sz="1900" dirty="0" smtClean="0">
-                <a:effectLst/>
-              </a:rPr>
-              <a:t>价格</a:t>
-            </a:r>
-            <a:r>
-              <a:rPr lang="en-US" altLang="zh-CN" sz="1900" dirty="0" smtClean="0">
-                <a:effectLst/>
-              </a:rPr>
-              <a:t> </a:t>
-            </a:r>
-            <a:r>
-              <a:rPr lang="en-US" altLang="zh-CN" sz="1900" dirty="0">
-                <a:effectLst/>
-              </a:rPr>
-              <a:t>/ </a:t>
-            </a:r>
-            <a:r>
-              <a:rPr lang="zh-CN" altLang="en-US" sz="1900" dirty="0">
-                <a:effectLst/>
-              </a:rPr>
-              <a:t>好评</a:t>
-            </a:r>
-            <a:r>
-              <a:rPr lang="zh-CN" altLang="en-US" sz="1900" dirty="0" smtClean="0">
-                <a:effectLst/>
-              </a:rPr>
-              <a:t>率 </a:t>
-            </a:r>
-            <a:r>
-              <a:rPr lang="en-US" altLang="zh-CN" sz="1900" dirty="0" smtClean="0">
-                <a:effectLst/>
-              </a:rPr>
-              <a:t>/ </a:t>
-            </a:r>
-            <a:r>
-              <a:rPr lang="zh-CN" altLang="en-US" sz="1900" dirty="0" smtClean="0">
-                <a:effectLst/>
-              </a:rPr>
-              <a:t>部件概要描述</a:t>
-            </a:r>
-            <a:endParaRPr lang="en-US" altLang="zh-CN" sz="1900" dirty="0" smtClean="0">
-              <a:effectLst/>
-            </a:endParaRPr>
-          </a:p>
-          <a:p>
-            <a:r>
-              <a:rPr lang="en-US" altLang="zh-CN" sz="1900" dirty="0">
-                <a:effectLst/>
-              </a:rPr>
-              <a:t>	</a:t>
-            </a:r>
-            <a:r>
-              <a:rPr lang="en-US" altLang="zh-CN" sz="1900" dirty="0" smtClean="0">
-                <a:effectLst/>
-              </a:rPr>
-              <a:t>	</a:t>
-            </a:r>
-            <a:r>
-              <a:rPr lang="zh-CN" altLang="en-US" sz="1900" dirty="0">
-                <a:effectLst/>
-              </a:rPr>
-              <a:t>差异</a:t>
-            </a:r>
-            <a:r>
-              <a:rPr lang="en-US" altLang="zh-CN" sz="1900" dirty="0" smtClean="0">
-                <a:effectLst/>
-              </a:rPr>
-              <a:t>: </a:t>
-            </a:r>
-            <a:r>
-              <a:rPr lang="zh-CN" altLang="en-US" sz="1900" dirty="0" smtClean="0">
-                <a:effectLst/>
-              </a:rPr>
-              <a:t>各种内部部件</a:t>
-            </a:r>
-            <a:endParaRPr lang="en-US" altLang="zh-CN" sz="1900" dirty="0" smtClean="0">
-              <a:effectLst/>
-            </a:endParaRPr>
-          </a:p>
-          <a:p>
-            <a:endParaRPr lang="en-US" altLang="zh-CN" sz="1900" dirty="0" smtClean="0">
-              <a:effectLst/>
-            </a:endParaRPr>
-          </a:p>
-          <a:p>
-            <a:r>
-              <a:rPr lang="en-US" altLang="zh-CN" sz="1900" dirty="0" smtClean="0">
-                <a:effectLst/>
-              </a:rPr>
-              <a:t>	Computer</a:t>
-            </a:r>
-            <a:r>
-              <a:rPr lang="zh-CN" altLang="en-US" sz="1900" dirty="0">
-                <a:effectLst/>
-              </a:rPr>
-              <a:t>本身也</a:t>
-            </a:r>
-            <a:r>
-              <a:rPr lang="zh-CN" altLang="en-US" sz="1900" dirty="0" smtClean="0">
-                <a:effectLst/>
-              </a:rPr>
-              <a:t>存在大量个体差异</a:t>
-            </a:r>
-            <a:r>
-              <a:rPr lang="zh-CN" altLang="en-US" sz="1900" dirty="0">
-                <a:effectLst/>
-              </a:rPr>
-              <a:t>（</a:t>
-            </a:r>
-            <a:r>
-              <a:rPr lang="zh-CN" altLang="en-US" sz="1900" dirty="0" smtClean="0">
-                <a:effectLst/>
-              </a:rPr>
-              <a:t>赠品、促销价）</a:t>
-            </a:r>
-            <a:endParaRPr lang="en-US" altLang="zh-CN" sz="1900" dirty="0" smtClean="0">
-              <a:effectLst/>
-            </a:endParaRPr>
-          </a:p>
-          <a:p>
-            <a:endParaRPr lang="en-US" altLang="zh-CN" sz="1900" dirty="0">
-              <a:effectLst/>
-            </a:endParaRPr>
-          </a:p>
-          <a:p>
-            <a:r>
-              <a:rPr lang="en-US" altLang="zh-CN" sz="1900" dirty="0" smtClean="0">
-                <a:effectLst/>
-              </a:rPr>
-              <a:t>	Computer</a:t>
-            </a:r>
-            <a:r>
-              <a:rPr lang="zh-CN" altLang="en-US" sz="1900" dirty="0" smtClean="0">
-                <a:effectLst/>
-              </a:rPr>
-              <a:t>各个部件将因需求变化而剧烈变化</a:t>
-            </a:r>
-            <a:endParaRPr lang="en-US" altLang="zh-CN" sz="1900" dirty="0" smtClean="0">
-              <a:effectLst/>
-            </a:endParaRPr>
-          </a:p>
-          <a:p>
-            <a:endParaRPr lang="en-US" altLang="zh-CN" sz="1900" dirty="0">
-              <a:effectLst/>
-            </a:endParaRPr>
-          </a:p>
-          <a:p>
-            <a:r>
-              <a:rPr lang="en-US" altLang="zh-CN" sz="1900" dirty="0">
-                <a:effectLst/>
-              </a:rPr>
-              <a:t>	</a:t>
-            </a:r>
-            <a:r>
-              <a:rPr lang="en-US" altLang="zh-CN" sz="1900" dirty="0" smtClean="0">
-                <a:effectLst/>
-              </a:rPr>
-              <a:t>Computer</a:t>
-            </a:r>
-            <a:r>
-              <a:rPr lang="zh-CN" altLang="en-US" sz="1900" dirty="0" smtClean="0">
-                <a:effectLst/>
-              </a:rPr>
-              <a:t>组装各个部件</a:t>
-            </a:r>
-            <a:r>
-              <a:rPr lang="zh-CN" altLang="en-US" sz="1900" dirty="0">
-                <a:effectLst/>
-              </a:rPr>
-              <a:t>的算法相对</a:t>
-            </a:r>
-            <a:r>
-              <a:rPr lang="zh-CN" altLang="en-US" sz="1900" dirty="0" smtClean="0">
-                <a:effectLst/>
-              </a:rPr>
-              <a:t>稳定</a:t>
-            </a:r>
-            <a:endParaRPr lang="en-US" altLang="zh-CN" sz="1900" dirty="0" smtClean="0">
-              <a:effectLst/>
-            </a:endParaRPr>
-          </a:p>
-          <a:p>
-            <a:endParaRPr lang="en-US" altLang="zh-CN" sz="1900" dirty="0">
-              <a:effectLst/>
-            </a:endParaRPr>
-          </a:p>
-          <a:p>
-            <a:r>
-              <a:rPr lang="zh-CN" altLang="en-US" sz="2700" b="1" dirty="0">
-                <a:effectLst/>
-              </a:rPr>
-              <a:t>设计：</a:t>
-            </a:r>
-            <a:r>
-              <a:rPr lang="en-US" altLang="zh-CN" sz="2600" dirty="0">
-                <a:effectLst/>
-              </a:rPr>
-              <a:t>	</a:t>
-            </a:r>
-          </a:p>
-          <a:p>
-            <a:r>
-              <a:rPr lang="en-US" altLang="zh-CN" sz="1900" dirty="0">
-                <a:effectLst/>
-              </a:rPr>
-              <a:t>	</a:t>
-            </a:r>
-            <a:r>
-              <a:rPr lang="zh-CN" altLang="en-US" sz="1900" dirty="0" smtClean="0">
-                <a:effectLst/>
-              </a:rPr>
-              <a:t>无法抽象</a:t>
-            </a:r>
-            <a:r>
-              <a:rPr lang="en-US" altLang="zh-CN" sz="1900" dirty="0" smtClean="0">
-                <a:effectLst/>
-              </a:rPr>
-              <a:t>Computer</a:t>
-            </a:r>
-            <a:r>
-              <a:rPr lang="zh-CN" altLang="en-US" sz="1900" dirty="0" smtClean="0">
-                <a:effectLst/>
-              </a:rPr>
-              <a:t>及其内部部件</a:t>
-            </a:r>
-            <a:endParaRPr lang="en-US" altLang="zh-CN" sz="1900" dirty="0" smtClean="0">
-              <a:effectLst/>
-            </a:endParaRPr>
-          </a:p>
-          <a:p>
-            <a:endParaRPr lang="en-US" altLang="zh-CN" sz="1900" dirty="0">
-              <a:effectLst/>
-            </a:endParaRPr>
-          </a:p>
-          <a:p>
-            <a:r>
-              <a:rPr lang="en-US" altLang="zh-CN" sz="1900" dirty="0" smtClean="0">
-                <a:effectLst/>
-              </a:rPr>
-              <a:t>	</a:t>
-            </a:r>
-            <a:r>
-              <a:rPr lang="zh-CN" altLang="en-US" sz="1900" dirty="0" smtClean="0">
-                <a:effectLst/>
-              </a:rPr>
-              <a:t>对生产器</a:t>
-            </a:r>
-            <a:r>
-              <a:rPr lang="en-US" altLang="zh-CN" sz="1900" dirty="0" smtClean="0">
-                <a:effectLst/>
-              </a:rPr>
-              <a:t>(Singleton)</a:t>
-            </a:r>
-            <a:r>
-              <a:rPr lang="zh-CN" altLang="en-US" sz="1900" dirty="0" smtClean="0">
-                <a:effectLst/>
-              </a:rPr>
-              <a:t>进行抽象</a:t>
-            </a:r>
-            <a:r>
-              <a:rPr lang="en-US" altLang="zh-CN" sz="1900" dirty="0" smtClean="0">
-                <a:effectLst/>
-              </a:rPr>
-              <a:t>, </a:t>
-            </a:r>
-            <a:r>
-              <a:rPr lang="zh-CN" altLang="en-US" sz="1900" dirty="0" smtClean="0">
-                <a:effectLst/>
-              </a:rPr>
-              <a:t>提供虚方法接口用于创建各个部件</a:t>
-            </a:r>
-            <a:r>
-              <a:rPr lang="en-US" altLang="zh-CN" sz="1900" dirty="0" smtClean="0">
-                <a:effectLst/>
-              </a:rPr>
-              <a:t>: </a:t>
-            </a:r>
-          </a:p>
-          <a:p>
-            <a:endParaRPr lang="en-US" altLang="zh-CN" sz="1900" dirty="0" smtClean="0">
-              <a:effectLst/>
-            </a:endParaRPr>
-          </a:p>
-          <a:p>
-            <a:r>
-              <a:rPr lang="en-US" altLang="zh-CN" sz="1900" dirty="0">
-                <a:effectLst/>
-              </a:rPr>
-              <a:t>	</a:t>
-            </a:r>
-            <a:r>
-              <a:rPr lang="en-US" altLang="zh-CN" sz="1900" dirty="0" smtClean="0">
-                <a:effectLst/>
-              </a:rPr>
-              <a:t>	BuildCPU() / BuildMemory() / BuildGraphicCard()…</a:t>
-            </a:r>
-            <a:endParaRPr lang="en-US" altLang="zh-CN" sz="1900" dirty="0">
-              <a:effectLst/>
-            </a:endParaRPr>
-          </a:p>
-          <a:p>
-            <a:endParaRPr lang="en-US" altLang="zh-CN" sz="1900" dirty="0" smtClean="0">
-              <a:effectLst/>
-            </a:endParaRPr>
-          </a:p>
-          <a:p>
-            <a:r>
-              <a:rPr lang="en-US" altLang="zh-CN" sz="1900" dirty="0">
-                <a:effectLst/>
-              </a:rPr>
-              <a:t>	</a:t>
-            </a:r>
-            <a:r>
-              <a:rPr lang="zh-CN" altLang="en-US" sz="1900" dirty="0" smtClean="0">
-                <a:effectLst/>
-              </a:rPr>
-              <a:t>将</a:t>
-            </a:r>
-            <a:r>
-              <a:rPr lang="en-US" altLang="zh-CN" sz="1900" dirty="0" smtClean="0">
-                <a:effectLst/>
-              </a:rPr>
-              <a:t>Computer</a:t>
-            </a:r>
-            <a:r>
-              <a:rPr lang="zh-CN" altLang="en-US" sz="1900" dirty="0" smtClean="0">
-                <a:effectLst/>
-              </a:rPr>
-              <a:t>组装各个部件的流程算法分离到导向器</a:t>
-            </a:r>
-            <a:r>
-              <a:rPr lang="en-US" altLang="zh-CN" sz="1900" dirty="0" smtClean="0">
-                <a:effectLst/>
-              </a:rPr>
-              <a:t>(Director)</a:t>
-            </a:r>
-            <a:r>
-              <a:rPr lang="zh-CN" altLang="en-US" sz="1900" dirty="0" smtClean="0">
-                <a:effectLst/>
-              </a:rPr>
-              <a:t>中</a:t>
-            </a:r>
-            <a:r>
-              <a:rPr lang="en-US" altLang="zh-CN" sz="1900" dirty="0" smtClean="0">
-                <a:effectLst/>
-              </a:rPr>
-              <a:t>, </a:t>
-            </a:r>
-            <a:r>
-              <a:rPr lang="zh-CN" altLang="en-US" sz="1900" dirty="0" smtClean="0">
-                <a:effectLst/>
-              </a:rPr>
-              <a:t>提供</a:t>
-            </a:r>
-            <a:r>
-              <a:rPr lang="en-US" altLang="zh-CN" sz="1900" dirty="0">
-                <a:effectLst/>
-              </a:rPr>
-              <a:t>Construct</a:t>
-            </a:r>
-            <a:r>
-              <a:rPr lang="zh-CN" altLang="en-US" sz="1900" dirty="0" smtClean="0">
-                <a:effectLst/>
-              </a:rPr>
-              <a:t>方法</a:t>
-            </a:r>
-            <a:endParaRPr lang="en-US" altLang="zh-CN" sz="1900" dirty="0" smtClean="0">
-              <a:effectLst/>
-            </a:endParaRPr>
-          </a:p>
-          <a:p>
-            <a:endParaRPr lang="en-US" altLang="zh-CN" sz="1900" dirty="0">
-              <a:effectLst/>
-            </a:endParaRPr>
-          </a:p>
-          <a:p>
-            <a:r>
-              <a:rPr lang="en-US" altLang="zh-CN" sz="1900" dirty="0" smtClean="0">
-                <a:effectLst/>
-              </a:rPr>
-              <a:t>	</a:t>
-            </a:r>
-            <a:r>
-              <a:rPr lang="zh-CN" altLang="en-US" sz="1900" dirty="0" smtClean="0">
-                <a:effectLst/>
-              </a:rPr>
-              <a:t>导向器</a:t>
-            </a:r>
-            <a:r>
-              <a:rPr lang="en-US" altLang="zh-CN" sz="1900" dirty="0" smtClean="0">
-                <a:effectLst/>
-              </a:rPr>
-              <a:t>(Director)</a:t>
-            </a:r>
-            <a:r>
-              <a:rPr lang="zh-CN" altLang="en-US" sz="1900" dirty="0" smtClean="0">
-                <a:effectLst/>
-              </a:rPr>
-              <a:t>依赖抽象的生产器</a:t>
-            </a:r>
-            <a:r>
-              <a:rPr lang="en-US" altLang="zh-CN" sz="1900" dirty="0" smtClean="0">
-                <a:effectLst/>
-              </a:rPr>
-              <a:t>(Singleton), </a:t>
-            </a:r>
-            <a:r>
-              <a:rPr lang="zh-CN" altLang="en-US" sz="1900" dirty="0" smtClean="0">
-                <a:effectLst/>
-              </a:rPr>
-              <a:t>通过</a:t>
-            </a:r>
-            <a:r>
-              <a:rPr lang="en-US" altLang="zh-CN" sz="1900" dirty="0" smtClean="0">
-                <a:effectLst/>
-              </a:rPr>
-              <a:t>Singleton</a:t>
-            </a:r>
-            <a:r>
-              <a:rPr lang="zh-CN" altLang="en-US" sz="1900" dirty="0" smtClean="0">
-                <a:effectLst/>
-              </a:rPr>
-              <a:t>控制</a:t>
-            </a:r>
-            <a:r>
-              <a:rPr lang="zh-CN" altLang="en-US" sz="1900" dirty="0" smtClean="0">
-                <a:effectLst/>
-              </a:rPr>
-              <a:t>组装细节</a:t>
-            </a:r>
-            <a:endParaRPr lang="en-US" altLang="zh-CN" sz="1900" dirty="0" smtClean="0">
-              <a:effectLst/>
-            </a:endParaRPr>
-          </a:p>
-          <a:p>
-            <a:r>
-              <a:rPr lang="en-US" altLang="zh-CN" sz="1900" dirty="0">
-                <a:effectLst/>
-              </a:rPr>
-              <a:t>	</a:t>
-            </a:r>
-            <a:endParaRPr lang="en-US" altLang="zh-CN" sz="1900" dirty="0" smtClean="0">
-              <a:effectLst/>
-            </a:endParaRPr>
-          </a:p>
-          <a:p>
-            <a:r>
-              <a:rPr lang="en-US" altLang="zh-CN" sz="1900" dirty="0">
-                <a:effectLst/>
-              </a:rPr>
-              <a:t>	</a:t>
-            </a:r>
-            <a:r>
-              <a:rPr lang="zh-CN" altLang="en-US" sz="1900" dirty="0" smtClean="0">
-                <a:effectLst/>
-              </a:rPr>
-              <a:t>特定的</a:t>
-            </a:r>
-            <a:r>
-              <a:rPr lang="en-US" altLang="zh-CN" sz="1900" dirty="0" smtClean="0">
-                <a:effectLst/>
-              </a:rPr>
-              <a:t>Web Page</a:t>
-            </a:r>
-            <a:r>
-              <a:rPr lang="zh-CN" altLang="en-US" sz="1900" dirty="0" smtClean="0">
-                <a:effectLst/>
-              </a:rPr>
-              <a:t>依赖</a:t>
-            </a:r>
-            <a:r>
-              <a:rPr lang="en-US" altLang="zh-CN" sz="1900" dirty="0" smtClean="0">
-                <a:effectLst/>
-              </a:rPr>
-              <a:t>Director / </a:t>
-            </a:r>
-            <a:r>
-              <a:rPr lang="zh-CN" altLang="en-US" sz="1900" dirty="0" smtClean="0">
-                <a:effectLst/>
-              </a:rPr>
-              <a:t>具体</a:t>
-            </a:r>
-            <a:r>
-              <a:rPr lang="zh-CN" altLang="en-US" sz="1900" dirty="0" smtClean="0">
-                <a:effectLst/>
-              </a:rPr>
-              <a:t>的</a:t>
-            </a:r>
-            <a:r>
-              <a:rPr lang="en-US" altLang="zh-CN" sz="1900" dirty="0" smtClean="0">
-                <a:effectLst/>
-              </a:rPr>
-              <a:t>Singleton</a:t>
-            </a:r>
-            <a:r>
-              <a:rPr lang="zh-CN" altLang="en-US" sz="1900" dirty="0" smtClean="0">
-                <a:effectLst/>
-              </a:rPr>
-              <a:t> </a:t>
-            </a:r>
-            <a:r>
-              <a:rPr lang="en-US" altLang="zh-CN" sz="1900" dirty="0" smtClean="0">
-                <a:effectLst/>
-              </a:rPr>
-              <a:t>/ </a:t>
-            </a:r>
-            <a:r>
-              <a:rPr lang="zh-CN" altLang="en-US" sz="1900" dirty="0" smtClean="0">
-                <a:effectLst/>
-              </a:rPr>
-              <a:t>具体的</a:t>
-            </a:r>
-            <a:r>
-              <a:rPr lang="en-US" altLang="zh-CN" sz="1900" dirty="0" smtClean="0">
-                <a:effectLst/>
-              </a:rPr>
-              <a:t>Computer</a:t>
-            </a:r>
-            <a:r>
-              <a:rPr lang="zh-CN" altLang="en-US" sz="1900" dirty="0" smtClean="0">
-                <a:effectLst/>
-              </a:rPr>
-              <a:t> </a:t>
-            </a:r>
-            <a:endParaRPr lang="en-US" altLang="zh-CN" sz="1900" dirty="0">
-              <a:effectLst/>
-            </a:endParaRPr>
-          </a:p>
-        </p:txBody>
-      </p:sp>
-      <p:sp>
-        <p:nvSpPr>
-          <p:cNvPr id="3" name="Rectangle 2"/>
-          <p:cNvSpPr>
-            <a:spLocks noGrp="1" noChangeArrowheads="1"/>
-          </p:cNvSpPr>
-          <p:nvPr>
-            <p:ph type="title"/>
-          </p:nvPr>
-        </p:nvSpPr>
-        <p:spPr>
-          <a:xfrm>
-            <a:off x="628650" y="44624"/>
-            <a:ext cx="7886700" cy="1119658"/>
-          </a:xfrm>
+              </a14:hiddenEffects>
+            </a:ext>
+          </a:extLst>
         </p:spPr>
-        <p:txBody>
-          <a:bodyPr>
-            <a:normAutofit/>
-          </a:bodyPr>
-          <a:lstStyle/>
-          <a:p>
-            <a:r>
-              <a:rPr lang="en-US" altLang="zh-CN" dirty="0" smtClean="0"/>
-              <a:t>Singleton</a:t>
-            </a:r>
-            <a:endParaRPr lang="zh-CN" altLang="en-US" dirty="0"/>
-          </a:p>
-        </p:txBody>
-      </p:sp>
+      </p:pic>
     </p:spTree>
     <p:extLst>
       <p:ext uri="{BB962C8B-B14F-4D97-AF65-F5344CB8AC3E}">
-        <p14:creationId xmlns:p14="http://schemas.microsoft.com/office/powerpoint/2010/main" val="1432022349"/>
+        <p14:creationId xmlns:p14="http://schemas.microsoft.com/office/powerpoint/2010/main" val="673002782"/>
       </p:ext>
     </p:extLst>
   </p:cSld>
   <p:clrMapOvr>
     <a:masterClrMapping/>
   </p:clrMapOvr>
-  <p:transition/>
   <p:timing>
     <p:tnLst>
       <p:par>
@@ -17021,285 +14148,7 @@
       </p:grpSpPr>
       <p:sp>
         <p:nvSpPr>
-          <p:cNvPr id="45" name="TextBox 44"/>
-          <p:cNvSpPr txBox="1"/>
-          <p:nvPr/>
-        </p:nvSpPr>
-        <p:spPr>
-          <a:xfrm>
-            <a:off x="251520" y="1475492"/>
-            <a:ext cx="3672408" cy="353943"/>
-          </a:xfrm>
-          <a:prstGeom prst="rect">
-            <a:avLst/>
-          </a:prstGeom>
-          <a:noFill/>
-        </p:spPr>
-        <p:txBody>
-          <a:bodyPr wrap="square" rtlCol="0">
-            <a:spAutoFit/>
-          </a:bodyPr>
-          <a:lstStyle/>
-          <a:p>
-            <a:r>
-              <a:rPr lang="en-US" altLang="en-US" sz="1700" b="1" spc="50" dirty="0">
-                <a:ln w="12700">
-                  <a:noFill/>
-                  <a:prstDash val="solid"/>
-                </a:ln>
-                <a:solidFill>
-                  <a:schemeClr val="accent4"/>
-                </a:solidFill>
-                <a:latin typeface="+mj-lt"/>
-                <a:ea typeface="+mj-ea"/>
-                <a:cs typeface="+mj-cs"/>
-              </a:rPr>
-              <a:t>WebPage_ComputerGameLevel001</a:t>
-            </a:r>
-          </a:p>
-        </p:txBody>
-      </p:sp>
-      <p:grpSp>
-        <p:nvGrpSpPr>
-          <p:cNvPr id="2061" name="组合 2060"/>
-          <p:cNvGrpSpPr/>
-          <p:nvPr/>
-        </p:nvGrpSpPr>
-        <p:grpSpPr>
-          <a:xfrm>
-            <a:off x="1331640" y="1916832"/>
-            <a:ext cx="6336704" cy="4923068"/>
-            <a:chOff x="1331640" y="1916832"/>
-            <a:chExt cx="6336704" cy="4923068"/>
-          </a:xfrm>
-        </p:grpSpPr>
-        <p:pic>
-          <p:nvPicPr>
-            <p:cNvPr id="1031" name="Picture 7"/>
-            <p:cNvPicPr>
-              <a:picLocks noChangeAspect="1" noChangeArrowheads="1"/>
-            </p:cNvPicPr>
-            <p:nvPr/>
-          </p:nvPicPr>
-          <p:blipFill>
-            <a:blip r:embed="rId2">
-              <a:extLst>
-                <a:ext uri="{28A0092B-C50C-407E-A947-70E740481C1C}">
-                  <a14:useLocalDpi xmlns:a14="http://schemas.microsoft.com/office/drawing/2010/main" val="0"/>
-                </a:ext>
-              </a:extLst>
-            </a:blip>
-            <a:srcRect/>
-            <a:stretch>
-              <a:fillRect/>
-            </a:stretch>
-          </p:blipFill>
-          <p:spPr bwMode="auto">
-            <a:xfrm>
-              <a:off x="1331640" y="1916832"/>
-              <a:ext cx="6336704" cy="4923068"/>
-            </a:xfrm>
-            <a:prstGeom prst="rect">
-              <a:avLst/>
-            </a:prstGeom>
-            <a:noFill/>
-            <a:ln>
-              <a:noFill/>
-            </a:ln>
-            <a:effectLst/>
-            <a:extLst>
-              <a:ext uri="{909E8E84-426E-40DD-AFC4-6F175D3DCCD1}">
-                <a14:hiddenFill xmlns:a14="http://schemas.microsoft.com/office/drawing/2010/main">
-                  <a:solidFill>
-                    <a:schemeClr val="accent1"/>
-                  </a:solidFill>
-                </a14:hiddenFill>
-              </a:ext>
-              <a:ext uri="{91240B29-F687-4F45-9708-019B960494DF}">
-                <a14:hiddenLine xmlns:a14="http://schemas.microsoft.com/office/drawing/2010/main" w="9525">
-                  <a:solidFill>
-                    <a:schemeClr val="tx1"/>
-                  </a:solidFill>
-                  <a:miter lim="800000"/>
-                  <a:headEnd/>
-                  <a:tailEnd/>
-                </a14:hiddenLine>
-              </a:ext>
-              <a:ext uri="{AF507438-7753-43E0-B8FC-AC1667EBCBE1}">
-                <a14:hiddenEffects xmlns:a14="http://schemas.microsoft.com/office/drawing/2010/main">
-                  <a:effectLst>
-                    <a:outerShdw dist="35921" dir="2700000" algn="ctr" rotWithShape="0">
-                      <a:schemeClr val="bg2"/>
-                    </a:outerShdw>
-                  </a:effectLst>
-                </a14:hiddenEffects>
-              </a:ext>
-            </a:extLst>
-          </p:spPr>
-        </p:pic>
-        <p:cxnSp>
-          <p:nvCxnSpPr>
-            <p:cNvPr id="2052" name="直接连接符 2051"/>
-            <p:cNvCxnSpPr/>
-            <p:nvPr/>
-          </p:nvCxnSpPr>
-          <p:spPr>
-            <a:xfrm>
-              <a:off x="3491880" y="3717032"/>
-              <a:ext cx="72008" cy="0"/>
-            </a:xfrm>
-            <a:prstGeom prst="line">
-              <a:avLst/>
-            </a:prstGeom>
-          </p:spPr>
-          <p:style>
-            <a:lnRef idx="1">
-              <a:schemeClr val="accent1"/>
-            </a:lnRef>
-            <a:fillRef idx="0">
-              <a:schemeClr val="accent1"/>
-            </a:fillRef>
-            <a:effectRef idx="0">
-              <a:schemeClr val="accent1"/>
-            </a:effectRef>
-            <a:fontRef idx="minor">
-              <a:schemeClr val="tx1"/>
-            </a:fontRef>
-          </p:style>
-        </p:cxnSp>
-        <p:cxnSp>
-          <p:nvCxnSpPr>
-            <p:cNvPr id="2054" name="直接连接符 2053"/>
-            <p:cNvCxnSpPr/>
-            <p:nvPr/>
-          </p:nvCxnSpPr>
-          <p:spPr>
-            <a:xfrm>
-              <a:off x="3563888" y="2420888"/>
-              <a:ext cx="0" cy="2160240"/>
-            </a:xfrm>
-            <a:prstGeom prst="line">
-              <a:avLst/>
-            </a:prstGeom>
-          </p:spPr>
-          <p:style>
-            <a:lnRef idx="1">
-              <a:schemeClr val="accent1"/>
-            </a:lnRef>
-            <a:fillRef idx="0">
-              <a:schemeClr val="accent1"/>
-            </a:fillRef>
-            <a:effectRef idx="0">
-              <a:schemeClr val="accent1"/>
-            </a:effectRef>
-            <a:fontRef idx="minor">
-              <a:schemeClr val="tx1"/>
-            </a:fontRef>
-          </p:style>
-        </p:cxnSp>
-        <p:cxnSp>
-          <p:nvCxnSpPr>
-            <p:cNvPr id="2056" name="直接箭头连接符 2055"/>
-            <p:cNvCxnSpPr/>
-            <p:nvPr/>
-          </p:nvCxnSpPr>
-          <p:spPr>
-            <a:xfrm>
-              <a:off x="3563888" y="2420888"/>
-              <a:ext cx="144016" cy="0"/>
-            </a:xfrm>
-            <a:prstGeom prst="straightConnector1">
-              <a:avLst/>
-            </a:prstGeom>
-            <a:ln>
-              <a:tailEnd type="arrow"/>
-            </a:ln>
-          </p:spPr>
-          <p:style>
-            <a:lnRef idx="1">
-              <a:schemeClr val="accent1"/>
-            </a:lnRef>
-            <a:fillRef idx="0">
-              <a:schemeClr val="accent1"/>
-            </a:fillRef>
-            <a:effectRef idx="0">
-              <a:schemeClr val="accent1"/>
-            </a:effectRef>
-            <a:fontRef idx="minor">
-              <a:schemeClr val="tx1"/>
-            </a:fontRef>
-          </p:style>
-        </p:cxnSp>
-        <p:cxnSp>
-          <p:nvCxnSpPr>
-            <p:cNvPr id="2058" name="直接箭头连接符 2057"/>
-            <p:cNvCxnSpPr/>
-            <p:nvPr/>
-          </p:nvCxnSpPr>
-          <p:spPr>
-            <a:xfrm>
-              <a:off x="3563888" y="4581128"/>
-              <a:ext cx="1872208" cy="0"/>
-            </a:xfrm>
-            <a:prstGeom prst="straightConnector1">
-              <a:avLst/>
-            </a:prstGeom>
-            <a:ln>
-              <a:tailEnd type="arrow"/>
-            </a:ln>
-          </p:spPr>
-          <p:style>
-            <a:lnRef idx="1">
-              <a:schemeClr val="accent1"/>
-            </a:lnRef>
-            <a:fillRef idx="0">
-              <a:schemeClr val="accent1"/>
-            </a:fillRef>
-            <a:effectRef idx="0">
-              <a:schemeClr val="accent1"/>
-            </a:effectRef>
-            <a:fontRef idx="minor">
-              <a:schemeClr val="tx1"/>
-            </a:fontRef>
-          </p:style>
-        </p:cxnSp>
-        <p:cxnSp>
-          <p:nvCxnSpPr>
-            <p:cNvPr id="2060" name="直接箭头连接符 2059"/>
-            <p:cNvCxnSpPr/>
-            <p:nvPr/>
-          </p:nvCxnSpPr>
-          <p:spPr>
-            <a:xfrm>
-              <a:off x="5076056" y="2420888"/>
-              <a:ext cx="360040" cy="0"/>
-            </a:xfrm>
-            <a:prstGeom prst="straightConnector1">
-              <a:avLst/>
-            </a:prstGeom>
-            <a:ln>
-              <a:tailEnd type="arrow"/>
-            </a:ln>
-          </p:spPr>
-          <p:style>
-            <a:lnRef idx="1">
-              <a:schemeClr val="accent1"/>
-            </a:lnRef>
-            <a:fillRef idx="0">
-              <a:schemeClr val="accent1"/>
-            </a:fillRef>
-            <a:effectRef idx="0">
-              <a:schemeClr val="accent1"/>
-            </a:effectRef>
-            <a:fontRef idx="minor">
-              <a:schemeClr val="tx1"/>
-            </a:fontRef>
-          </p:style>
-        </p:cxnSp>
-      </p:grpSp>
-      <p:sp>
-        <p:nvSpPr>
-          <p:cNvPr id="58" name="Rectangle 2"/>
+          <p:cNvPr id="6" name="Rectangle 2"/>
           <p:cNvSpPr txBox="1">
             <a:spLocks noChangeArrowheads="1"/>
           </p:cNvSpPr>
@@ -17343,10 +14192,135 @@
           </a:p>
         </p:txBody>
       </p:sp>
+      <p:sp>
+        <p:nvSpPr>
+          <p:cNvPr id="7" name="TextBox 6"/>
+          <p:cNvSpPr txBox="1"/>
+          <p:nvPr/>
+        </p:nvSpPr>
+        <p:spPr>
+          <a:xfrm>
+            <a:off x="251520" y="1196752"/>
+            <a:ext cx="3672408" cy="353943"/>
+          </a:xfrm>
+          <a:prstGeom prst="rect">
+            <a:avLst/>
+          </a:prstGeom>
+          <a:noFill/>
+        </p:spPr>
+        <p:txBody>
+          <a:bodyPr wrap="square" rtlCol="0">
+            <a:spAutoFit/>
+          </a:bodyPr>
+          <a:lstStyle/>
+          <a:p>
+            <a:r>
+              <a:rPr lang="en-US" altLang="zh-CN" sz="1700" b="1" spc="50" dirty="0">
+                <a:ln w="12700">
+                  <a:noFill/>
+                  <a:prstDash val="solid"/>
+                </a:ln>
+                <a:solidFill>
+                  <a:schemeClr val="accent4"/>
+                </a:solidFill>
+              </a:rPr>
+              <a:t>Eager </a:t>
+            </a:r>
+            <a:r>
+              <a:rPr lang="en-US" altLang="zh-CN" sz="1700" b="1" spc="50" dirty="0" smtClean="0">
+                <a:ln w="12700">
+                  <a:noFill/>
+                  <a:prstDash val="solid"/>
+                </a:ln>
+                <a:solidFill>
+                  <a:schemeClr val="accent4"/>
+                </a:solidFill>
+              </a:rPr>
+              <a:t>Mode - Key Point</a:t>
+            </a:r>
+            <a:endParaRPr lang="en-US" altLang="en-US" sz="1700" b="1" spc="50" dirty="0">
+              <a:ln w="12700">
+                <a:noFill/>
+                <a:prstDash val="solid"/>
+              </a:ln>
+              <a:solidFill>
+                <a:schemeClr val="accent4"/>
+              </a:solidFill>
+              <a:latin typeface="+mj-lt"/>
+              <a:ea typeface="+mj-ea"/>
+              <a:cs typeface="+mj-cs"/>
+            </a:endParaRPr>
+          </a:p>
+        </p:txBody>
+      </p:sp>
+      <p:pic>
+        <p:nvPicPr>
+          <p:cNvPr id="2051" name="Picture 3"/>
+          <p:cNvPicPr>
+            <a:picLocks noChangeAspect="1" noChangeArrowheads="1"/>
+          </p:cNvPicPr>
+          <p:nvPr/>
+        </p:nvPicPr>
+        <p:blipFill>
+          <a:blip r:embed="rId2">
+            <a:extLst>
+              <a:ext uri="{28A0092B-C50C-407E-A947-70E740481C1C}">
+                <a14:useLocalDpi xmlns:a14="http://schemas.microsoft.com/office/drawing/2010/main" val="0"/>
+              </a:ext>
+            </a:extLst>
+          </a:blip>
+          <a:srcRect/>
+          <a:stretch>
+            <a:fillRect/>
+          </a:stretch>
+        </p:blipFill>
+        <p:spPr bwMode="auto">
+          <a:xfrm>
+            <a:off x="1076325" y="1700808"/>
+            <a:ext cx="6991350" cy="3648075"/>
+          </a:xfrm>
+          <a:prstGeom prst="rect">
+            <a:avLst/>
+          </a:prstGeom>
+          <a:noFill/>
+          <a:ln>
+            <a:noFill/>
+          </a:ln>
+          <a:effectLst/>
+          <a:extLst>
+            <a:ext uri="{909E8E84-426E-40DD-AFC4-6F175D3DCCD1}">
+              <a14:hiddenFill xmlns:a14="http://schemas.microsoft.com/office/drawing/2010/main">
+                <a:solidFill>
+                  <a:schemeClr val="accent1"/>
+                </a:solidFill>
+              </a14:hiddenFill>
+            </a:ext>
+            <a:ext uri="{91240B29-F687-4F45-9708-019B960494DF}">
+              <a14:hiddenLine xmlns:a14="http://schemas.microsoft.com/office/drawing/2010/main" w="9525">
+                <a:solidFill>
+                  <a:schemeClr val="tx1"/>
+                </a:solidFill>
+                <a:miter lim="800000"/>
+                <a:headEnd/>
+                <a:tailEnd/>
+              </a14:hiddenLine>
+            </a:ext>
+            <a:ext uri="{AF507438-7753-43E0-B8FC-AC1667EBCBE1}">
+              <a14:hiddenEffects xmlns:a14="http://schemas.microsoft.com/office/drawing/2010/main">
+                <a:effectLst>
+                  <a:outerShdw dist="35921" dir="2700000" algn="ctr" rotWithShape="0">
+                    <a:schemeClr val="bg2"/>
+                  </a:outerShdw>
+                </a:effectLst>
+              </a14:hiddenEffects>
+            </a:ext>
+          </a:extLst>
+        </p:spPr>
+      </p:pic>
     </p:spTree>
     <p:extLst>
       <p:ext uri="{BB962C8B-B14F-4D97-AF65-F5344CB8AC3E}">
-        <p14:creationId xmlns:p14="http://schemas.microsoft.com/office/powerpoint/2010/main" val="673002782"/>
+        <p14:creationId xmlns:p14="http://schemas.microsoft.com/office/powerpoint/2010/main" val="95025731"/>
       </p:ext>
     </p:extLst>
   </p:cSld>
@@ -17380,110 +14354,6 @@
           <a:chExt cx="0" cy="0"/>
         </a:xfrm>
       </p:grpSpPr>
-      <p:pic>
-        <p:nvPicPr>
-          <p:cNvPr id="1032" name="Picture 8"/>
-          <p:cNvPicPr>
-            <a:picLocks noChangeAspect="1" noChangeArrowheads="1"/>
-          </p:cNvPicPr>
-          <p:nvPr/>
-        </p:nvPicPr>
-        <p:blipFill>
-          <a:blip r:embed="rId2">
-            <a:extLst>
-              <a:ext uri="{28A0092B-C50C-407E-A947-70E740481C1C}">
-                <a14:useLocalDpi xmlns:a14="http://schemas.microsoft.com/office/drawing/2010/main" val="0"/>
-              </a:ext>
-            </a:extLst>
-          </a:blip>
-          <a:srcRect/>
-          <a:stretch>
-            <a:fillRect/>
-          </a:stretch>
-        </p:blipFill>
-        <p:spPr bwMode="auto">
-          <a:xfrm>
-            <a:off x="1283618" y="2204864"/>
-            <a:ext cx="6677025" cy="2695575"/>
-          </a:xfrm>
-          <a:prstGeom prst="rect">
-            <a:avLst/>
-          </a:prstGeom>
-          <a:noFill/>
-          <a:ln>
-            <a:noFill/>
-          </a:ln>
-          <a:effectLst/>
-          <a:extLst>
-            <a:ext uri="{909E8E84-426E-40DD-AFC4-6F175D3DCCD1}">
-              <a14:hiddenFill xmlns:a14="http://schemas.microsoft.com/office/drawing/2010/main">
-                <a:solidFill>
-                  <a:schemeClr val="accent1"/>
-                </a:solidFill>
-              </a14:hiddenFill>
-            </a:ext>
-            <a:ext uri="{91240B29-F687-4F45-9708-019B960494DF}">
-              <a14:hiddenLine xmlns:a14="http://schemas.microsoft.com/office/drawing/2010/main" w="9525">
-                <a:solidFill>
-                  <a:schemeClr val="tx1"/>
-                </a:solidFill>
-                <a:miter lim="800000"/>
-                <a:headEnd/>
-                <a:tailEnd/>
-              </a14:hiddenLine>
-            </a:ext>
-            <a:ext uri="{AF507438-7753-43E0-B8FC-AC1667EBCBE1}">
-              <a14:hiddenEffects xmlns:a14="http://schemas.microsoft.com/office/drawing/2010/main">
-                <a:effectLst>
-                  <a:outerShdw dist="35921" dir="2700000" algn="ctr" rotWithShape="0">
-                    <a:schemeClr val="bg2"/>
-                  </a:outerShdw>
-                </a:effectLst>
-              </a14:hiddenEffects>
-            </a:ext>
-          </a:extLst>
-        </p:spPr>
-      </p:pic>
-      <p:sp>
-        <p:nvSpPr>
-          <p:cNvPr id="5" name="TextBox 4"/>
-          <p:cNvSpPr txBox="1"/>
-          <p:nvPr/>
-        </p:nvSpPr>
-        <p:spPr>
-          <a:xfrm>
-            <a:off x="251520" y="1475492"/>
-            <a:ext cx="3672408" cy="353943"/>
-          </a:xfrm>
-          <a:prstGeom prst="rect">
-            <a:avLst/>
-          </a:prstGeom>
-          <a:noFill/>
-        </p:spPr>
-        <p:txBody>
-          <a:bodyPr wrap="square" rtlCol="0">
-            <a:spAutoFit/>
-          </a:bodyPr>
-          <a:lstStyle/>
-          <a:p>
-            <a:r>
-              <a:rPr lang="en-US" altLang="en-US" sz="1700" b="1" spc="50" dirty="0">
-                <a:ln w="12700">
-                  <a:noFill/>
-                  <a:prstDash val="solid"/>
-                </a:ln>
-                <a:solidFill>
-                  <a:schemeClr val="accent4"/>
-                </a:solidFill>
-                <a:latin typeface="+mj-lt"/>
-                <a:ea typeface="+mj-ea"/>
-                <a:cs typeface="+mj-cs"/>
-              </a:rPr>
-              <a:t>WebPage_ComputerGameLevel001</a:t>
-            </a:r>
-          </a:p>
-        </p:txBody>
-      </p:sp>
       <p:sp>
         <p:nvSpPr>
           <p:cNvPr id="6" name="Rectangle 2"/>
@@ -17530,10 +14400,123 @@
           </a:p>
         </p:txBody>
       </p:sp>
+      <p:sp>
+        <p:nvSpPr>
+          <p:cNvPr id="7" name="TextBox 6"/>
+          <p:cNvSpPr txBox="1"/>
+          <p:nvPr/>
+        </p:nvSpPr>
+        <p:spPr>
+          <a:xfrm>
+            <a:off x="251520" y="1196752"/>
+            <a:ext cx="3672408" cy="353943"/>
+          </a:xfrm>
+          <a:prstGeom prst="rect">
+            <a:avLst/>
+          </a:prstGeom>
+          <a:noFill/>
+        </p:spPr>
+        <p:txBody>
+          <a:bodyPr wrap="square" rtlCol="0">
+            <a:spAutoFit/>
+          </a:bodyPr>
+          <a:lstStyle/>
+          <a:p>
+            <a:r>
+              <a:rPr lang="en-US" altLang="zh-CN" sz="1700" b="1" spc="50" dirty="0" smtClean="0">
+                <a:ln w="12700">
+                  <a:noFill/>
+                  <a:prstDash val="solid"/>
+                </a:ln>
+                <a:solidFill>
+                  <a:schemeClr val="accent4"/>
+                </a:solidFill>
+              </a:rPr>
+              <a:t>Lazy Mode - Key Point</a:t>
+            </a:r>
+            <a:endParaRPr lang="en-US" altLang="en-US" sz="1700" b="1" spc="50" dirty="0">
+              <a:ln w="12700">
+                <a:noFill/>
+                <a:prstDash val="solid"/>
+              </a:ln>
+              <a:solidFill>
+                <a:schemeClr val="accent4"/>
+              </a:solidFill>
+              <a:latin typeface="+mj-lt"/>
+              <a:ea typeface="+mj-ea"/>
+              <a:cs typeface="+mj-cs"/>
+            </a:endParaRPr>
+          </a:p>
+        </p:txBody>
+      </p:sp>
+      <p:pic>
+        <p:nvPicPr>
+          <p:cNvPr id="3075" name="Picture 3"/>
+          <p:cNvPicPr>
+            <a:picLocks noChangeAspect="1" noChangeArrowheads="1"/>
+          </p:cNvPicPr>
+          <p:nvPr/>
+        </p:nvPicPr>
+        <p:blipFill>
+          <a:blip r:embed="rId2">
+            <a:extLst>
+              <a:ext uri="{28A0092B-C50C-407E-A947-70E740481C1C}">
+                <a14:useLocalDpi xmlns:a14="http://schemas.microsoft.com/office/drawing/2010/main" val="0"/>
+              </a:ext>
+            </a:extLst>
+          </a:blip>
+          <a:srcRect/>
+          <a:stretch>
+            <a:fillRect/>
+          </a:stretch>
+        </p:blipFill>
+        <p:spPr bwMode="auto">
+          <a:xfrm>
+            <a:off x="1085850" y="1700808"/>
+            <a:ext cx="6972300" cy="4391025"/>
+          </a:xfrm>
+          <a:prstGeom prst="rect">
+            <a:avLst/>
+          </a:prstGeom>
+          <a:noFill/>
+          <a:ln>
+            <a:noFill/>
+          </a:ln>
+          <a:effectLst/>
+          <a:extLst>
+            <a:ext uri="{909E8E84-426E-40DD-AFC4-6F175D3DCCD1}">
+              <a14:hiddenFill xmlns:a14="http://schemas.microsoft.com/office/drawing/2010/main">
+                <a:solidFill>
+                  <a:schemeClr val="accent1"/>
+                </a:solidFill>
+              </a14:hiddenFill>
+            </a:ext>
+            <a:ext uri="{91240B29-F687-4F45-9708-019B960494DF}">
+              <a14:hiddenLine xmlns:a14="http://schemas.microsoft.com/office/drawing/2010/main" w="9525">
+                <a:solidFill>
+                  <a:schemeClr val="tx1"/>
+                </a:solidFill>
+                <a:miter lim="800000"/>
+                <a:headEnd/>
+                <a:tailEnd/>
+              </a14:hiddenLine>
+            </a:ext>
+            <a:ext uri="{AF507438-7753-43E0-B8FC-AC1667EBCBE1}">
+              <a14:hiddenEffects xmlns:a14="http://schemas.microsoft.com/office/drawing/2010/main">
+                <a:effectLst>
+                  <a:outerShdw dist="35921" dir="2700000" algn="ctr" rotWithShape="0">
+                    <a:schemeClr val="bg2"/>
+                  </a:outerShdw>
+                </a:effectLst>
+              </a14:hiddenEffects>
+            </a:ext>
+          </a:extLst>
+        </p:spPr>
+      </p:pic>
     </p:spTree>
     <p:extLst>
       <p:ext uri="{BB962C8B-B14F-4D97-AF65-F5344CB8AC3E}">
-        <p14:creationId xmlns:p14="http://schemas.microsoft.com/office/powerpoint/2010/main" val="95025731"/>
+        <p14:creationId xmlns:p14="http://schemas.microsoft.com/office/powerpoint/2010/main" val="1195858287"/>
       </p:ext>
     </p:extLst>
   </p:cSld>

--- a/_Doc/DesignPattern.P3.Creational(Singleton).pptx
+++ b/_Doc/DesignPattern.P3.Creational(Singleton).pptx
@@ -5,7 +5,7 @@
     <p:sldMasterId id="2147483648" r:id="rId1"/>
   </p:sldMasterIdLst>
   <p:notesMasterIdLst>
-    <p:notesMasterId r:id="rId23"/>
+    <p:notesMasterId r:id="rId29"/>
   </p:notesMasterIdLst>
   <p:sldIdLst>
     <p:sldId id="256" r:id="rId2"/>
@@ -19,16 +19,22 @@
     <p:sldId id="334" r:id="rId10"/>
     <p:sldId id="335" r:id="rId11"/>
     <p:sldId id="336" r:id="rId12"/>
-    <p:sldId id="308" r:id="rId13"/>
+    <p:sldId id="338" r:id="rId13"/>
     <p:sldId id="337" r:id="rId14"/>
-    <p:sldId id="294" r:id="rId15"/>
-    <p:sldId id="313" r:id="rId16"/>
-    <p:sldId id="325" r:id="rId17"/>
-    <p:sldId id="333" r:id="rId18"/>
-    <p:sldId id="315" r:id="rId19"/>
-    <p:sldId id="292" r:id="rId20"/>
-    <p:sldId id="309" r:id="rId21"/>
-    <p:sldId id="281" r:id="rId22"/>
+    <p:sldId id="339" r:id="rId15"/>
+    <p:sldId id="342" r:id="rId16"/>
+    <p:sldId id="340" r:id="rId17"/>
+    <p:sldId id="341" r:id="rId18"/>
+    <p:sldId id="343" r:id="rId19"/>
+    <p:sldId id="344" r:id="rId20"/>
+    <p:sldId id="294" r:id="rId21"/>
+    <p:sldId id="313" r:id="rId22"/>
+    <p:sldId id="325" r:id="rId23"/>
+    <p:sldId id="333" r:id="rId24"/>
+    <p:sldId id="315" r:id="rId25"/>
+    <p:sldId id="292" r:id="rId26"/>
+    <p:sldId id="309" r:id="rId27"/>
+    <p:sldId id="281" r:id="rId28"/>
   </p:sldIdLst>
   <p:sldSz cx="9144000" cy="6858000" type="screen4x3"/>
   <p:notesSz cx="6858000" cy="9144000"/>
@@ -212,7 +218,7 @@
           <a:p>
             <a:fld id="{E18479FA-1253-41AA-8ABD-DCCC0F2E9FAF}" type="datetimeFigureOut">
               <a:rPr lang="en-US" smtClean="0"/>
-              <a:t>4/16/2015</a:t>
+              <a:t>4/20/2015</a:t>
             </a:fld>
             <a:endParaRPr lang="en-US"/>
           </a:p>
@@ -1126,7 +1132,7 @@
           <a:p>
             <a:fld id="{530820CF-B880-4189-942D-D702A7CBA730}" type="datetimeFigureOut">
               <a:rPr lang="zh-CN" altLang="en-US" smtClean="0"/>
-              <a:t>2015/4/16</a:t>
+              <a:t>2015/4/20</a:t>
             </a:fld>
             <a:endParaRPr lang="zh-CN" altLang="en-US"/>
           </a:p>
@@ -1291,7 +1297,7 @@
           <a:p>
             <a:fld id="{530820CF-B880-4189-942D-D702A7CBA730}" type="datetimeFigureOut">
               <a:rPr lang="zh-CN" altLang="en-US" smtClean="0"/>
-              <a:t>2015/4/16</a:t>
+              <a:t>2015/4/20</a:t>
             </a:fld>
             <a:endParaRPr lang="zh-CN" altLang="en-US"/>
           </a:p>
@@ -1466,7 +1472,7 @@
           <a:p>
             <a:fld id="{530820CF-B880-4189-942D-D702A7CBA730}" type="datetimeFigureOut">
               <a:rPr lang="zh-CN" altLang="en-US" smtClean="0"/>
-              <a:t>2015/4/16</a:t>
+              <a:t>2015/4/20</a:t>
             </a:fld>
             <a:endParaRPr lang="zh-CN" altLang="en-US"/>
           </a:p>
@@ -1631,7 +1637,7 @@
           <a:p>
             <a:fld id="{530820CF-B880-4189-942D-D702A7CBA730}" type="datetimeFigureOut">
               <a:rPr lang="zh-CN" altLang="en-US" smtClean="0"/>
-              <a:t>2015/4/16</a:t>
+              <a:t>2015/4/20</a:t>
             </a:fld>
             <a:endParaRPr lang="zh-CN" altLang="en-US"/>
           </a:p>
@@ -1872,7 +1878,7 @@
           <a:p>
             <a:fld id="{530820CF-B880-4189-942D-D702A7CBA730}" type="datetimeFigureOut">
               <a:rPr lang="zh-CN" altLang="en-US" smtClean="0"/>
-              <a:t>2015/4/16</a:t>
+              <a:t>2015/4/20</a:t>
             </a:fld>
             <a:endParaRPr lang="zh-CN" altLang="en-US"/>
           </a:p>
@@ -2155,7 +2161,7 @@
           <a:p>
             <a:fld id="{530820CF-B880-4189-942D-D702A7CBA730}" type="datetimeFigureOut">
               <a:rPr lang="zh-CN" altLang="en-US" smtClean="0"/>
-              <a:t>2015/4/16</a:t>
+              <a:t>2015/4/20</a:t>
             </a:fld>
             <a:endParaRPr lang="zh-CN" altLang="en-US"/>
           </a:p>
@@ -2572,7 +2578,7 @@
           <a:p>
             <a:fld id="{530820CF-B880-4189-942D-D702A7CBA730}" type="datetimeFigureOut">
               <a:rPr lang="zh-CN" altLang="en-US" smtClean="0"/>
-              <a:t>2015/4/16</a:t>
+              <a:t>2015/4/20</a:t>
             </a:fld>
             <a:endParaRPr lang="zh-CN" altLang="en-US"/>
           </a:p>
@@ -2685,7 +2691,7 @@
           <a:p>
             <a:fld id="{530820CF-B880-4189-942D-D702A7CBA730}" type="datetimeFigureOut">
               <a:rPr lang="zh-CN" altLang="en-US" smtClean="0"/>
-              <a:t>2015/4/16</a:t>
+              <a:t>2015/4/20</a:t>
             </a:fld>
             <a:endParaRPr lang="zh-CN" altLang="en-US"/>
           </a:p>
@@ -2775,7 +2781,7 @@
           <a:p>
             <a:fld id="{530820CF-B880-4189-942D-D702A7CBA730}" type="datetimeFigureOut">
               <a:rPr lang="zh-CN" altLang="en-US" smtClean="0"/>
-              <a:t>2015/4/16</a:t>
+              <a:t>2015/4/20</a:t>
             </a:fld>
             <a:endParaRPr lang="zh-CN" altLang="en-US"/>
           </a:p>
@@ -3047,7 +3053,7 @@
           <a:p>
             <a:fld id="{530820CF-B880-4189-942D-D702A7CBA730}" type="datetimeFigureOut">
               <a:rPr lang="zh-CN" altLang="en-US" smtClean="0"/>
-              <a:t>2015/4/16</a:t>
+              <a:t>2015/4/20</a:t>
             </a:fld>
             <a:endParaRPr lang="zh-CN" altLang="en-US"/>
           </a:p>
@@ -3295,7 +3301,7 @@
           <a:p>
             <a:fld id="{530820CF-B880-4189-942D-D702A7CBA730}" type="datetimeFigureOut">
               <a:rPr lang="zh-CN" altLang="en-US" smtClean="0"/>
-              <a:t>2015/4/16</a:t>
+              <a:t>2015/4/20</a:t>
             </a:fld>
             <a:endParaRPr lang="zh-CN" altLang="en-US"/>
           </a:p>
@@ -3503,7 +3509,7 @@
           <a:p>
             <a:fld id="{530820CF-B880-4189-942D-D702A7CBA730}" type="datetimeFigureOut">
               <a:rPr lang="zh-CN" altLang="en-US" smtClean="0"/>
-              <a:t>2015/4/16</a:t>
+              <a:t>2015/4/20</a:t>
             </a:fld>
             <a:endParaRPr lang="zh-CN" altLang="en-US"/>
           </a:p>
@@ -4220,7 +4226,7 @@
         <p:spPr>
           <a:xfrm>
             <a:off x="251520" y="1196752"/>
-            <a:ext cx="3672408" cy="353943"/>
+            <a:ext cx="5040560" cy="353943"/>
           </a:xfrm>
           <a:prstGeom prst="rect">
             <a:avLst/>
@@ -4243,7 +4249,43 @@
                   <a:schemeClr val="accent4"/>
                 </a:solidFill>
               </a:rPr>
-              <a:t>Lazy Mode - Improved(V1)</a:t>
+              <a:t>Lazy Mode - </a:t>
+            </a:r>
+            <a:r>
+              <a:rPr lang="en-US" altLang="zh-CN" sz="1700" b="1" spc="50" dirty="0" smtClean="0">
+                <a:ln w="12700">
+                  <a:noFill/>
+                  <a:prstDash val="solid"/>
+                </a:ln>
+                <a:solidFill>
+                  <a:schemeClr val="accent4"/>
+                </a:solidFill>
+              </a:rPr>
+              <a:t>Improved(V1</a:t>
+            </a:r>
+            <a:r>
+              <a:rPr lang="en-US" altLang="zh-CN" sz="1700" b="1" spc="50" dirty="0" smtClean="0">
+                <a:ln w="12700">
+                  <a:noFill/>
+                  <a:prstDash val="solid"/>
+                </a:ln>
+                <a:solidFill>
+                  <a:schemeClr val="accent4"/>
+                </a:solidFill>
+              </a:rPr>
+              <a:t>: performance?</a:t>
+            </a:r>
+            <a:r>
+              <a:rPr lang="en-US" altLang="zh-CN" sz="1700" b="1" spc="50" dirty="0" smtClean="0">
+                <a:ln w="12700">
+                  <a:noFill/>
+                  <a:prstDash val="solid"/>
+                </a:ln>
+                <a:solidFill>
+                  <a:schemeClr val="accent4"/>
+                </a:solidFill>
+              </a:rPr>
+              <a:t>)</a:t>
             </a:r>
             <a:endParaRPr lang="en-US" altLang="en-US" sz="1700" b="1" spc="50" dirty="0">
               <a:ln w="12700">
@@ -4416,7 +4458,7 @@
         <p:spPr>
           <a:xfrm>
             <a:off x="251520" y="1196752"/>
-            <a:ext cx="3672408" cy="353943"/>
+            <a:ext cx="5112568" cy="353943"/>
           </a:xfrm>
           <a:prstGeom prst="rect">
             <a:avLst/>
@@ -4439,7 +4481,43 @@
                   <a:schemeClr val="accent4"/>
                 </a:solidFill>
               </a:rPr>
-              <a:t>Lazy Mode - Improved(V2)</a:t>
+              <a:t>Lazy Mode - </a:t>
+            </a:r>
+            <a:r>
+              <a:rPr lang="en-US" altLang="zh-CN" sz="1700" b="1" spc="50" dirty="0" smtClean="0">
+                <a:ln w="12700">
+                  <a:noFill/>
+                  <a:prstDash val="solid"/>
+                </a:ln>
+                <a:solidFill>
+                  <a:schemeClr val="accent4"/>
+                </a:solidFill>
+              </a:rPr>
+              <a:t>Improved(V2</a:t>
+            </a:r>
+            <a:r>
+              <a:rPr lang="en-US" altLang="zh-CN" sz="1700" b="1" spc="50" dirty="0" smtClean="0">
+                <a:ln w="12700">
+                  <a:noFill/>
+                  <a:prstDash val="solid"/>
+                </a:ln>
+                <a:solidFill>
+                  <a:schemeClr val="accent4"/>
+                </a:solidFill>
+              </a:rPr>
+              <a:t>: not recommended</a:t>
+            </a:r>
+            <a:r>
+              <a:rPr lang="en-US" altLang="zh-CN" sz="1700" b="1" spc="50" dirty="0" smtClean="0">
+                <a:ln w="12700">
+                  <a:noFill/>
+                  <a:prstDash val="solid"/>
+                </a:ln>
+                <a:solidFill>
+                  <a:schemeClr val="accent4"/>
+                </a:solidFill>
+              </a:rPr>
+              <a:t>)</a:t>
             </a:r>
             <a:endParaRPr lang="en-US" altLang="en-US" sz="1700" b="1" spc="50" dirty="0">
               <a:ln w="12700">
@@ -4596,8 +4674,8 @@
           </a:lstStyle>
           <a:p>
             <a:r>
-              <a:rPr lang="en-US" altLang="zh-CN" dirty="0" smtClean="0"/>
-              <a:t>Singleton</a:t>
+              <a:rPr lang="en-US" altLang="zh-CN" dirty="0"/>
+              <a:t>Thinking</a:t>
             </a:r>
             <a:endParaRPr lang="zh-CN" altLang="en-US" dirty="0"/>
           </a:p>
@@ -4611,8 +4689,8 @@
         </p:nvSpPr>
         <p:spPr>
           <a:xfrm>
-            <a:off x="2843808" y="2492896"/>
-            <a:ext cx="3888432" cy="2088232"/>
+            <a:off x="467544" y="1340768"/>
+            <a:ext cx="7776864" cy="5040560"/>
           </a:xfrm>
           <a:prstGeom prst="rect">
             <a:avLst/>
@@ -4620,7 +4698,7 @@
         </p:spPr>
         <p:txBody>
           <a:bodyPr vert="horz" rtlCol="0" anchor="ctr">
-            <a:normAutofit lnSpcReduction="10000"/>
+            <a:normAutofit fontScale="92500" lnSpcReduction="20000"/>
             <a:scene3d>
               <a:camera prst="orthographicFront"/>
               <a:lightRig rig="soft" dir="t"/>
@@ -4653,10 +4731,20 @@
                   <a:srgbClr val="00B050"/>
                 </a:solidFill>
               </a:rPr>
-              <a:t>“eager”?</a:t>
-            </a:r>
-          </a:p>
-          <a:p>
+              <a:t>“eager</a:t>
+            </a:r>
+            <a:r>
+              <a:rPr lang="en-US" altLang="zh-CN" sz="2000" b="1" i="1" spc="50" dirty="0" smtClean="0">
+                <a:ln w="12700">
+                  <a:noFill/>
+                  <a:prstDash val="solid"/>
+                </a:ln>
+                <a:solidFill>
+                  <a:srgbClr val="00B050"/>
+                </a:solidFill>
+              </a:rPr>
+              <a:t>”?</a:t>
+            </a:r>
             <a:endParaRPr lang="en-US" sz="2000" b="1" i="1" spc="50" dirty="0">
               <a:ln w="12700">
                 <a:noFill/>
@@ -4710,22 +4798,7 @@
                 <a:ea typeface="+mj-ea"/>
                 <a:cs typeface="+mj-cs"/>
               </a:rPr>
-              <a:t>- </a:t>
-            </a:r>
-            <a:r>
-              <a:rPr lang="en-US" altLang="zh-CN" sz="1600" b="1" spc="50" dirty="0" smtClean="0">
-                <a:ln w="12700">
-                  <a:noFill/>
-                  <a:prstDash val="solid"/>
-                </a:ln>
-                <a:solidFill>
-                  <a:schemeClr val="accent4"/>
-                </a:solidFill>
-                <a:latin typeface="+mj-lt"/>
-                <a:ea typeface="+mj-ea"/>
-                <a:cs typeface="+mj-cs"/>
-              </a:rPr>
-              <a:t>.Net Static Member</a:t>
+              <a:t>- .Net Static Member</a:t>
             </a:r>
           </a:p>
           <a:p>
@@ -4823,7 +4896,615 @@
                 <a:ea typeface="+mj-ea"/>
                 <a:cs typeface="+mj-cs"/>
               </a:rPr>
-              <a:t>      - .Net Compiler</a:t>
+              <a:t>      - .Net </a:t>
+            </a:r>
+            <a:r>
+              <a:rPr lang="en-US" altLang="zh-CN" sz="1600" b="1" spc="50" dirty="0" smtClean="0">
+                <a:ln w="12700">
+                  <a:noFill/>
+                  <a:prstDash val="solid"/>
+                </a:ln>
+                <a:solidFill>
+                  <a:schemeClr val="accent4"/>
+                </a:solidFill>
+                <a:latin typeface="+mj-lt"/>
+                <a:ea typeface="+mj-ea"/>
+                <a:cs typeface="+mj-cs"/>
+              </a:rPr>
+              <a:t>Compiler</a:t>
+            </a:r>
+          </a:p>
+          <a:p>
+            <a:endParaRPr lang="en-US" altLang="zh-CN" sz="1600" b="1" spc="50" dirty="0" smtClean="0">
+              <a:ln w="12700">
+                <a:noFill/>
+                <a:prstDash val="solid"/>
+              </a:ln>
+              <a:solidFill>
+                <a:schemeClr val="accent4"/>
+              </a:solidFill>
+              <a:latin typeface="+mj-lt"/>
+              <a:ea typeface="+mj-ea"/>
+              <a:cs typeface="+mj-cs"/>
+            </a:endParaRPr>
+          </a:p>
+          <a:p>
+            <a:endParaRPr lang="en-US" altLang="zh-CN" sz="1600" b="1" spc="50" dirty="0" smtClean="0">
+              <a:ln w="12700">
+                <a:noFill/>
+                <a:prstDash val="solid"/>
+              </a:ln>
+              <a:solidFill>
+                <a:schemeClr val="accent4"/>
+              </a:solidFill>
+              <a:latin typeface="+mj-lt"/>
+              <a:ea typeface="+mj-ea"/>
+              <a:cs typeface="+mj-cs"/>
+            </a:endParaRPr>
+          </a:p>
+          <a:p>
+            <a:endParaRPr lang="en-US" altLang="zh-CN" sz="1600" b="1" spc="50" dirty="0">
+              <a:ln w="12700">
+                <a:noFill/>
+                <a:prstDash val="solid"/>
+              </a:ln>
+              <a:solidFill>
+                <a:schemeClr val="accent4"/>
+              </a:solidFill>
+              <a:latin typeface="+mj-lt"/>
+              <a:ea typeface="+mj-ea"/>
+              <a:cs typeface="+mj-cs"/>
+            </a:endParaRPr>
+          </a:p>
+          <a:p>
+            <a:r>
+              <a:rPr lang="en-US" altLang="zh-CN" sz="2000" b="1" i="1" spc="50" dirty="0">
+                <a:ln w="12700">
+                  <a:noFill/>
+                  <a:prstDash val="solid"/>
+                </a:ln>
+                <a:solidFill>
+                  <a:srgbClr val="00B050"/>
+                </a:solidFill>
+              </a:rPr>
+              <a:t>Is </a:t>
+            </a:r>
+            <a:r>
+              <a:rPr lang="en-US" altLang="zh-CN" sz="2000" b="1" i="1" spc="50" dirty="0" smtClean="0">
+                <a:ln w="12700">
+                  <a:noFill/>
+                  <a:prstDash val="solid"/>
+                </a:ln>
+                <a:solidFill>
+                  <a:srgbClr val="00B050"/>
+                </a:solidFill>
+              </a:rPr>
+              <a:t>Lazy </a:t>
+            </a:r>
+            <a:r>
+              <a:rPr lang="en-US" altLang="zh-CN" sz="2000" b="1" i="1" spc="50" dirty="0">
+                <a:ln w="12700">
+                  <a:noFill/>
+                  <a:prstDash val="solid"/>
+                </a:ln>
+                <a:solidFill>
+                  <a:srgbClr val="00B050"/>
+                </a:solidFill>
+              </a:rPr>
+              <a:t>Mode </a:t>
+            </a:r>
+            <a:r>
+              <a:rPr lang="en-US" altLang="zh-CN" sz="2000" b="1" i="1" spc="50" dirty="0" smtClean="0">
+                <a:ln w="12700">
+                  <a:noFill/>
+                  <a:prstDash val="solid"/>
+                </a:ln>
+                <a:solidFill>
+                  <a:srgbClr val="00B050"/>
+                </a:solidFill>
+              </a:rPr>
+              <a:t>“lazy” enough?</a:t>
+            </a:r>
+            <a:endParaRPr lang="en-US" altLang="zh-CN" sz="2000" b="1" i="1" spc="50" dirty="0">
+              <a:ln w="12700">
+                <a:noFill/>
+                <a:prstDash val="solid"/>
+              </a:ln>
+              <a:solidFill>
+                <a:srgbClr val="00B050"/>
+              </a:solidFill>
+            </a:endParaRPr>
+          </a:p>
+          <a:p>
+            <a:endParaRPr lang="en-US" altLang="zh-CN" sz="1600" b="1" spc="50" dirty="0">
+              <a:ln w="12700">
+                <a:noFill/>
+                <a:prstDash val="solid"/>
+              </a:ln>
+              <a:solidFill>
+                <a:schemeClr val="accent4"/>
+              </a:solidFill>
+            </a:endParaRPr>
+          </a:p>
+          <a:p>
+            <a:r>
+              <a:rPr lang="zh-CN" altLang="en-US" sz="1600" b="1" spc="50" dirty="0">
+                <a:ln w="12700">
+                  <a:noFill/>
+                  <a:prstDash val="solid"/>
+                </a:ln>
+                <a:solidFill>
+                  <a:schemeClr val="accent4"/>
+                </a:solidFill>
+              </a:rPr>
+              <a:t>      </a:t>
+            </a:r>
+            <a:r>
+              <a:rPr lang="en-US" altLang="zh-CN" sz="1600" b="1" spc="50" dirty="0">
+                <a:ln w="12700">
+                  <a:noFill/>
+                  <a:prstDash val="solid"/>
+                </a:ln>
+                <a:solidFill>
+                  <a:schemeClr val="accent4"/>
+                </a:solidFill>
+              </a:rPr>
+              <a:t>- </a:t>
+            </a:r>
+            <a:r>
+              <a:rPr lang="en-US" altLang="zh-CN" sz="1600" b="1" spc="50" dirty="0" smtClean="0">
+                <a:ln w="12700">
+                  <a:noFill/>
+                  <a:prstDash val="solid"/>
+                </a:ln>
+                <a:solidFill>
+                  <a:schemeClr val="accent4"/>
+                </a:solidFill>
+              </a:rPr>
+              <a:t>If required parameters are not ready initially</a:t>
+            </a:r>
+            <a:r>
+              <a:rPr lang="en-US" altLang="zh-CN" sz="1600" b="1" spc="50" dirty="0">
+                <a:ln w="12700">
+                  <a:noFill/>
+                  <a:prstDash val="solid"/>
+                </a:ln>
+                <a:solidFill>
+                  <a:schemeClr val="accent4"/>
+                </a:solidFill>
+              </a:rPr>
+              <a:t>, until a particular point in </a:t>
+            </a:r>
+            <a:r>
+              <a:rPr lang="en-US" altLang="zh-CN" sz="1600" b="1" spc="50" dirty="0" smtClean="0">
+                <a:ln w="12700">
+                  <a:noFill/>
+                  <a:prstDash val="solid"/>
+                </a:ln>
+                <a:solidFill>
+                  <a:schemeClr val="accent4"/>
+                </a:solidFill>
+              </a:rPr>
+              <a:t>time?</a:t>
+            </a:r>
+            <a:endParaRPr lang="en-US" altLang="zh-CN" sz="1600" b="1" spc="50" dirty="0">
+              <a:ln w="12700">
+                <a:noFill/>
+                <a:prstDash val="solid"/>
+              </a:ln>
+              <a:solidFill>
+                <a:schemeClr val="accent4"/>
+              </a:solidFill>
+            </a:endParaRPr>
+          </a:p>
+          <a:p>
+            <a:endParaRPr lang="en-US" altLang="zh-CN" sz="1600" b="1" spc="50" dirty="0">
+              <a:ln w="12700">
+                <a:noFill/>
+                <a:prstDash val="solid"/>
+              </a:ln>
+              <a:solidFill>
+                <a:schemeClr val="accent4"/>
+              </a:solidFill>
+            </a:endParaRPr>
+          </a:p>
+          <a:p>
+            <a:r>
+              <a:rPr lang="zh-CN" altLang="en-US" sz="1600" b="1" spc="50" dirty="0">
+                <a:ln w="12700">
+                  <a:noFill/>
+                  <a:prstDash val="solid"/>
+                </a:ln>
+                <a:solidFill>
+                  <a:schemeClr val="accent4"/>
+                </a:solidFill>
+              </a:rPr>
+              <a:t>            </a:t>
+            </a:r>
+            <a:r>
+              <a:rPr lang="en-US" altLang="zh-CN" sz="1600" b="1" spc="50" dirty="0">
+                <a:ln w="12700">
+                  <a:noFill/>
+                  <a:prstDash val="solid"/>
+                </a:ln>
+                <a:solidFill>
+                  <a:schemeClr val="accent4"/>
+                </a:solidFill>
+              </a:rPr>
+              <a:t>1. </a:t>
+            </a:r>
+            <a:r>
+              <a:rPr lang="en-US" altLang="zh-CN" sz="1600" i="1" spc="50" dirty="0" smtClean="0">
+                <a:ln w="12700">
+                  <a:noFill/>
+                  <a:prstDash val="solid"/>
+                </a:ln>
+                <a:solidFill>
+                  <a:schemeClr val="accent4"/>
+                </a:solidFill>
+              </a:rPr>
+              <a:t>public static Singleton </a:t>
+            </a:r>
+            <a:r>
+              <a:rPr lang="en-US" altLang="zh-CN" sz="1600" b="1" i="1" spc="50" dirty="0" smtClean="0">
+                <a:ln w="12700">
+                  <a:noFill/>
+                  <a:prstDash val="solid"/>
+                </a:ln>
+                <a:solidFill>
+                  <a:schemeClr val="accent4"/>
+                </a:solidFill>
+              </a:rPr>
+              <a:t>GetInstance</a:t>
+            </a:r>
+            <a:r>
+              <a:rPr lang="en-US" altLang="zh-CN" sz="1600" i="1" spc="50" dirty="0" smtClean="0">
+                <a:ln w="12700">
+                  <a:noFill/>
+                  <a:prstDash val="solid"/>
+                </a:ln>
+                <a:solidFill>
+                  <a:schemeClr val="accent4"/>
+                </a:solidFill>
+              </a:rPr>
+              <a:t>(</a:t>
+            </a:r>
+            <a:r>
+              <a:rPr lang="en-US" altLang="zh-CN" sz="1600" b="1" i="1" spc="50" dirty="0" smtClean="0">
+                <a:ln w="12700">
+                  <a:noFill/>
+                  <a:prstDash val="solid"/>
+                </a:ln>
+                <a:solidFill>
+                  <a:schemeClr val="accent4"/>
+                </a:solidFill>
+              </a:rPr>
+              <a:t>object arg</a:t>
+            </a:r>
+            <a:r>
+              <a:rPr lang="en-US" altLang="zh-CN" sz="1600" i="1" spc="50" dirty="0" smtClean="0">
+                <a:ln w="12700">
+                  <a:noFill/>
+                  <a:prstDash val="solid"/>
+                </a:ln>
+                <a:solidFill>
+                  <a:schemeClr val="accent4"/>
+                </a:solidFill>
+              </a:rPr>
+              <a:t>)</a:t>
+            </a:r>
+          </a:p>
+          <a:p>
+            <a:endParaRPr lang="en-US" altLang="zh-CN" sz="1600" b="1" spc="50" dirty="0">
+              <a:ln w="12700">
+                <a:noFill/>
+                <a:prstDash val="solid"/>
+              </a:ln>
+              <a:solidFill>
+                <a:schemeClr val="accent4"/>
+              </a:solidFill>
+            </a:endParaRPr>
+          </a:p>
+          <a:p>
+            <a:r>
+              <a:rPr lang="zh-CN" altLang="en-US" sz="1600" b="1" spc="50" dirty="0">
+                <a:ln w="12700">
+                  <a:noFill/>
+                  <a:prstDash val="solid"/>
+                </a:ln>
+                <a:solidFill>
+                  <a:schemeClr val="accent4"/>
+                </a:solidFill>
+              </a:rPr>
+              <a:t>      </a:t>
+            </a:r>
+            <a:r>
+              <a:rPr lang="zh-CN" altLang="en-US" sz="1600" b="1" spc="50" dirty="0" smtClean="0">
+                <a:ln w="12700">
+                  <a:noFill/>
+                  <a:prstDash val="solid"/>
+                </a:ln>
+                <a:solidFill>
+                  <a:schemeClr val="accent4"/>
+                </a:solidFill>
+              </a:rPr>
+              <a:t>      </a:t>
+            </a:r>
+            <a:r>
+              <a:rPr lang="en-US" altLang="zh-CN" sz="1600" b="1" spc="50" dirty="0" smtClean="0">
+                <a:ln w="12700">
+                  <a:noFill/>
+                  <a:prstDash val="solid"/>
+                </a:ln>
+                <a:solidFill>
+                  <a:schemeClr val="accent4"/>
+                </a:solidFill>
+              </a:rPr>
+              <a:t>2. Read parameters from configuration</a:t>
+            </a:r>
+          </a:p>
+          <a:p>
+            <a:endParaRPr lang="en-US" altLang="zh-CN" sz="1600" b="1" spc="50" dirty="0" smtClean="0">
+              <a:ln w="12700">
+                <a:noFill/>
+                <a:prstDash val="solid"/>
+              </a:ln>
+              <a:solidFill>
+                <a:schemeClr val="accent4"/>
+              </a:solidFill>
+            </a:endParaRPr>
+          </a:p>
+          <a:p>
+            <a:r>
+              <a:rPr lang="en-US" altLang="zh-CN" sz="1600" b="1" spc="50" dirty="0" smtClean="0">
+                <a:ln w="12700">
+                  <a:noFill/>
+                  <a:prstDash val="solid"/>
+                </a:ln>
+                <a:solidFill>
+                  <a:schemeClr val="accent4"/>
+                </a:solidFill>
+              </a:rPr>
+              <a:t>            3. </a:t>
+            </a:r>
+            <a:r>
+              <a:rPr lang="en-US" altLang="zh-CN" sz="1600" i="1" spc="50" dirty="0" smtClean="0">
+                <a:ln w="12700">
+                  <a:noFill/>
+                  <a:prstDash val="solid"/>
+                </a:ln>
+                <a:solidFill>
+                  <a:schemeClr val="accent4"/>
+                </a:solidFill>
+              </a:rPr>
+              <a:t>public static void </a:t>
+            </a:r>
+            <a:r>
+              <a:rPr lang="en-US" altLang="zh-CN" sz="1600" b="1" i="1" spc="50" dirty="0" smtClean="0">
+                <a:ln w="12700">
+                  <a:noFill/>
+                  <a:prstDash val="solid"/>
+                </a:ln>
+                <a:solidFill>
+                  <a:schemeClr val="accent4"/>
+                </a:solidFill>
+              </a:rPr>
+              <a:t>Init</a:t>
+            </a:r>
+            <a:r>
+              <a:rPr lang="en-US" altLang="zh-CN" sz="1600" i="1" spc="50" dirty="0" smtClean="0">
+                <a:ln w="12700">
+                  <a:noFill/>
+                  <a:prstDash val="solid"/>
+                </a:ln>
+                <a:solidFill>
+                  <a:schemeClr val="accent4"/>
+                </a:solidFill>
+              </a:rPr>
+              <a:t>(</a:t>
+            </a:r>
+            <a:r>
+              <a:rPr lang="en-US" altLang="zh-CN" sz="1600" b="1" i="1" spc="50" dirty="0" smtClean="0">
+                <a:ln w="12700">
+                  <a:noFill/>
+                  <a:prstDash val="solid"/>
+                </a:ln>
+                <a:solidFill>
+                  <a:schemeClr val="accent4"/>
+                </a:solidFill>
+              </a:rPr>
+              <a:t>object arg</a:t>
+            </a:r>
+            <a:r>
+              <a:rPr lang="en-US" altLang="zh-CN" sz="1600" i="1" spc="50" dirty="0" smtClean="0">
+                <a:ln w="12700">
+                  <a:noFill/>
+                  <a:prstDash val="solid"/>
+                </a:ln>
+                <a:solidFill>
+                  <a:schemeClr val="accent4"/>
+                </a:solidFill>
+              </a:rPr>
+              <a:t>)</a:t>
+            </a:r>
+            <a:endParaRPr lang="en-US" altLang="zh-CN" sz="1600" b="1" i="1" spc="50" dirty="0" smtClean="0">
+              <a:ln w="12700">
+                <a:noFill/>
+                <a:prstDash val="solid"/>
+              </a:ln>
+              <a:solidFill>
+                <a:schemeClr val="accent4"/>
+              </a:solidFill>
+            </a:endParaRPr>
+          </a:p>
+          <a:p>
+            <a:endParaRPr lang="en-US" altLang="zh-CN" sz="1600" b="1" spc="50" dirty="0" smtClean="0">
+              <a:ln w="12700">
+                <a:noFill/>
+                <a:prstDash val="solid"/>
+              </a:ln>
+              <a:solidFill>
+                <a:schemeClr val="accent4"/>
+              </a:solidFill>
+            </a:endParaRPr>
+          </a:p>
+          <a:p>
+            <a:r>
+              <a:rPr lang="en-US" altLang="zh-CN" sz="1600" b="1" spc="50" dirty="0" smtClean="0">
+                <a:ln w="12700">
+                  <a:noFill/>
+                  <a:prstDash val="solid"/>
+                </a:ln>
+                <a:solidFill>
+                  <a:schemeClr val="accent4"/>
+                </a:solidFill>
+                <a:latin typeface="+mj-lt"/>
+                <a:ea typeface="+mj-ea"/>
+                <a:cs typeface="+mj-cs"/>
+              </a:rPr>
+              <a:t>            4. Record parameters into static variables at first, </a:t>
+            </a:r>
+          </a:p>
+          <a:p>
+            <a:r>
+              <a:rPr lang="en-US" altLang="zh-CN" sz="1600" b="1" spc="50" dirty="0">
+                <a:ln w="12700">
+                  <a:noFill/>
+                  <a:prstDash val="solid"/>
+                </a:ln>
+                <a:solidFill>
+                  <a:schemeClr val="accent4"/>
+                </a:solidFill>
+                <a:latin typeface="+mj-lt"/>
+                <a:ea typeface="+mj-ea"/>
+                <a:cs typeface="+mj-cs"/>
+              </a:rPr>
+              <a:t> </a:t>
+            </a:r>
+            <a:r>
+              <a:rPr lang="en-US" altLang="zh-CN" sz="1600" b="1" spc="50" dirty="0" smtClean="0">
+                <a:ln w="12700">
+                  <a:noFill/>
+                  <a:prstDash val="solid"/>
+                </a:ln>
+                <a:solidFill>
+                  <a:schemeClr val="accent4"/>
+                </a:solidFill>
+                <a:latin typeface="+mj-lt"/>
+                <a:ea typeface="+mj-ea"/>
+                <a:cs typeface="+mj-cs"/>
+              </a:rPr>
+              <a:t>               </a:t>
+            </a:r>
+            <a:r>
+              <a:rPr lang="en-US" altLang="zh-CN" sz="1600" b="1" spc="50" dirty="0" smtClean="0">
+                <a:ln w="12700">
+                  <a:noFill/>
+                  <a:prstDash val="solid"/>
+                </a:ln>
+                <a:solidFill>
+                  <a:schemeClr val="accent4"/>
+                </a:solidFill>
+                <a:latin typeface="+mj-lt"/>
+                <a:ea typeface="+mj-ea"/>
+                <a:cs typeface="+mj-cs"/>
+              </a:rPr>
+              <a:t>and then read them to create singleton when needed</a:t>
+            </a:r>
+          </a:p>
+          <a:p>
+            <a:endParaRPr lang="en-US" altLang="zh-CN" sz="1600" b="1" spc="50" dirty="0">
+              <a:ln w="12700">
+                <a:noFill/>
+                <a:prstDash val="solid"/>
+              </a:ln>
+              <a:solidFill>
+                <a:schemeClr val="accent4"/>
+              </a:solidFill>
+              <a:latin typeface="+mj-lt"/>
+              <a:ea typeface="+mj-ea"/>
+              <a:cs typeface="+mj-cs"/>
+            </a:endParaRPr>
+          </a:p>
+          <a:p>
+            <a:r>
+              <a:rPr lang="en-US" altLang="zh-CN" sz="1600" b="1" spc="50" dirty="0" smtClean="0">
+                <a:ln w="12700">
+                  <a:noFill/>
+                  <a:prstDash val="solid"/>
+                </a:ln>
+                <a:solidFill>
+                  <a:schemeClr val="accent4"/>
+                </a:solidFill>
+                <a:latin typeface="+mj-lt"/>
+                <a:ea typeface="+mj-ea"/>
+                <a:cs typeface="+mj-cs"/>
+              </a:rPr>
+              <a:t>            …</a:t>
+            </a:r>
+          </a:p>
+          <a:p>
+            <a:r>
+              <a:rPr lang="en-US" altLang="zh-CN" sz="1600" b="1" spc="50" dirty="0">
+                <a:ln w="12700">
+                  <a:noFill/>
+                  <a:prstDash val="solid"/>
+                </a:ln>
+                <a:solidFill>
+                  <a:schemeClr val="accent4"/>
+                </a:solidFill>
+                <a:latin typeface="+mj-lt"/>
+                <a:ea typeface="+mj-ea"/>
+                <a:cs typeface="+mj-cs"/>
+              </a:rPr>
+              <a:t> </a:t>
+            </a:r>
+            <a:r>
+              <a:rPr lang="en-US" altLang="zh-CN" sz="1600" b="1" spc="50" dirty="0" smtClean="0">
+                <a:ln w="12700">
+                  <a:noFill/>
+                  <a:prstDash val="solid"/>
+                </a:ln>
+                <a:solidFill>
+                  <a:schemeClr val="accent4"/>
+                </a:solidFill>
+                <a:latin typeface="+mj-lt"/>
+                <a:ea typeface="+mj-ea"/>
+                <a:cs typeface="+mj-cs"/>
+              </a:rPr>
+              <a:t>           …</a:t>
+            </a:r>
+          </a:p>
+          <a:p>
+            <a:r>
+              <a:rPr lang="en-US" altLang="zh-CN" sz="1600" b="1" spc="50" dirty="0">
+                <a:ln w="12700">
+                  <a:noFill/>
+                  <a:prstDash val="solid"/>
+                </a:ln>
+                <a:solidFill>
+                  <a:schemeClr val="accent4"/>
+                </a:solidFill>
+                <a:latin typeface="+mj-lt"/>
+                <a:ea typeface="+mj-ea"/>
+                <a:cs typeface="+mj-cs"/>
+              </a:rPr>
+              <a:t> </a:t>
+            </a:r>
+            <a:r>
+              <a:rPr lang="en-US" altLang="zh-CN" sz="1600" b="1" spc="50" dirty="0" smtClean="0">
+                <a:ln w="12700">
+                  <a:noFill/>
+                  <a:prstDash val="solid"/>
+                </a:ln>
+                <a:solidFill>
+                  <a:schemeClr val="accent4"/>
+                </a:solidFill>
+                <a:latin typeface="+mj-lt"/>
+                <a:ea typeface="+mj-ea"/>
+                <a:cs typeface="+mj-cs"/>
+              </a:rPr>
+              <a:t>           …</a:t>
             </a:r>
             <a:endParaRPr lang="zh-CN" altLang="en-US" sz="1600" b="1" spc="50" dirty="0">
               <a:ln w="12700">
@@ -4840,56 +5521,10 @@
           </a:p>
         </p:txBody>
       </p:sp>
-      <p:sp>
-        <p:nvSpPr>
-          <p:cNvPr id="17" name="TextBox 16"/>
-          <p:cNvSpPr txBox="1"/>
-          <p:nvPr/>
-        </p:nvSpPr>
-        <p:spPr>
-          <a:xfrm>
-            <a:off x="251520" y="1196752"/>
-            <a:ext cx="3672408" cy="353943"/>
-          </a:xfrm>
-          <a:prstGeom prst="rect">
-            <a:avLst/>
-          </a:prstGeom>
-          <a:noFill/>
-        </p:spPr>
-        <p:txBody>
-          <a:bodyPr wrap="square" rtlCol="0">
-            <a:spAutoFit/>
-          </a:bodyPr>
-          <a:lstStyle/>
-          <a:p>
-            <a:r>
-              <a:rPr lang="en-US" altLang="zh-CN" sz="1700" b="1" spc="50" dirty="0">
-                <a:ln w="12700">
-                  <a:noFill/>
-                  <a:prstDash val="solid"/>
-                </a:ln>
-                <a:solidFill>
-                  <a:schemeClr val="accent4"/>
-                </a:solidFill>
-              </a:rPr>
-              <a:t>Thinking - Eager / Lazy</a:t>
-            </a:r>
-            <a:endParaRPr lang="en-US" altLang="en-US" sz="1700" b="1" spc="50" dirty="0">
-              <a:ln w="12700">
-                <a:noFill/>
-                <a:prstDash val="solid"/>
-              </a:ln>
-              <a:solidFill>
-                <a:schemeClr val="accent4"/>
-              </a:solidFill>
-            </a:endParaRPr>
-          </a:p>
-        </p:txBody>
-      </p:sp>
     </p:spTree>
     <p:extLst>
       <p:ext uri="{BB962C8B-B14F-4D97-AF65-F5344CB8AC3E}">
-        <p14:creationId xmlns:p14="http://schemas.microsoft.com/office/powerpoint/2010/main" val="1098287751"/>
+        <p14:creationId xmlns:p14="http://schemas.microsoft.com/office/powerpoint/2010/main" val="182823753"/>
       </p:ext>
     </p:extLst>
   </p:cSld>
@@ -5339,13 +5974,7 @@
               <a:rPr lang="zh-CN" altLang="en-US" sz="2700" b="1" dirty="0" smtClean="0">
                 <a:effectLst/>
               </a:rPr>
-              <a:t>设计</a:t>
-            </a:r>
-            <a:r>
-              <a:rPr lang="zh-CN" altLang="en-US" sz="2700" b="1" dirty="0" smtClean="0">
-                <a:effectLst/>
-              </a:rPr>
-              <a:t>：</a:t>
+              <a:t>设计：</a:t>
             </a:r>
             <a:endParaRPr lang="en-US" altLang="zh-CN" sz="2700" b="1" dirty="0" smtClean="0">
               <a:effectLst/>
@@ -5659,6 +6288,1940 @@
 </file>
 
 <file path=ppt/slides/slide14.xml><?xml version="1.0" encoding="utf-8"?>
+<p:sld xmlns:a="http://schemas.openxmlformats.org/drawingml/2006/main" xmlns:r="http://schemas.openxmlformats.org/officeDocument/2006/relationships" xmlns:p="http://schemas.openxmlformats.org/presentationml/2006/main">
+  <p:cSld>
+    <p:spTree>
+      <p:nvGrpSpPr>
+        <p:cNvPr id="1" name=""/>
+        <p:cNvGrpSpPr/>
+        <p:nvPr/>
+      </p:nvGrpSpPr>
+      <p:grpSpPr>
+        <a:xfrm>
+          <a:off x="0" y="0"/>
+          <a:ext cx="0" cy="0"/>
+          <a:chOff x="0" y="0"/>
+          <a:chExt cx="0" cy="0"/>
+        </a:xfrm>
+      </p:grpSpPr>
+      <p:sp>
+        <p:nvSpPr>
+          <p:cNvPr id="45" name="TextBox 44"/>
+          <p:cNvSpPr txBox="1"/>
+          <p:nvPr/>
+        </p:nvSpPr>
+        <p:spPr>
+          <a:xfrm>
+            <a:off x="251520" y="980728"/>
+            <a:ext cx="6624736" cy="353943"/>
+          </a:xfrm>
+          <a:prstGeom prst="rect">
+            <a:avLst/>
+          </a:prstGeom>
+          <a:noFill/>
+        </p:spPr>
+        <p:txBody>
+          <a:bodyPr wrap="square" rtlCol="0">
+            <a:spAutoFit/>
+          </a:bodyPr>
+          <a:lstStyle/>
+          <a:p>
+            <a:r>
+              <a:rPr lang="en-US" altLang="zh-CN" sz="1700" b="1" spc="50" dirty="0" smtClean="0">
+                <a:ln w="12700">
+                  <a:noFill/>
+                  <a:prstDash val="solid"/>
+                </a:ln>
+                <a:solidFill>
+                  <a:schemeClr val="accent4"/>
+                </a:solidFill>
+                <a:latin typeface="+mj-lt"/>
+                <a:ea typeface="+mj-ea"/>
+                <a:cs typeface="+mj-cs"/>
+              </a:rPr>
+              <a:t>PrintService - V1 (</a:t>
+            </a:r>
+            <a:r>
+              <a:rPr lang="en-US" altLang="zh-CN" sz="1700" spc="50" dirty="0" smtClean="0">
+                <a:ln w="12700">
+                  <a:noFill/>
+                  <a:prstDash val="solid"/>
+                </a:ln>
+                <a:solidFill>
+                  <a:schemeClr val="accent4"/>
+                </a:solidFill>
+                <a:latin typeface="+mj-lt"/>
+                <a:ea typeface="+mj-ea"/>
+                <a:cs typeface="+mj-cs"/>
+              </a:rPr>
+              <a:t>Register instances by base class</a:t>
+            </a:r>
+            <a:r>
+              <a:rPr lang="en-US" altLang="zh-CN" sz="1700" b="1" spc="50" dirty="0" smtClean="0">
+                <a:ln w="12700">
+                  <a:noFill/>
+                  <a:prstDash val="solid"/>
+                </a:ln>
+                <a:solidFill>
+                  <a:schemeClr val="accent4"/>
+                </a:solidFill>
+                <a:latin typeface="+mj-lt"/>
+                <a:ea typeface="+mj-ea"/>
+                <a:cs typeface="+mj-cs"/>
+              </a:rPr>
+              <a:t>)</a:t>
+            </a:r>
+            <a:endParaRPr lang="en-US" altLang="en-US" sz="1700" b="1" spc="50" dirty="0">
+              <a:ln w="12700">
+                <a:noFill/>
+                <a:prstDash val="solid"/>
+              </a:ln>
+              <a:solidFill>
+                <a:schemeClr val="accent4"/>
+              </a:solidFill>
+              <a:latin typeface="+mj-lt"/>
+              <a:ea typeface="+mj-ea"/>
+              <a:cs typeface="+mj-cs"/>
+            </a:endParaRPr>
+          </a:p>
+        </p:txBody>
+      </p:sp>
+      <p:sp>
+        <p:nvSpPr>
+          <p:cNvPr id="58" name="Rectangle 2"/>
+          <p:cNvSpPr txBox="1">
+            <a:spLocks noChangeArrowheads="1"/>
+          </p:cNvSpPr>
+          <p:nvPr/>
+        </p:nvSpPr>
+        <p:spPr>
+          <a:xfrm>
+            <a:off x="628650" y="44624"/>
+            <a:ext cx="7886700" cy="1119658"/>
+          </a:xfrm>
+          <a:prstGeom prst="rect">
+            <a:avLst/>
+          </a:prstGeom>
+        </p:spPr>
+        <p:txBody>
+          <a:bodyPr vert="horz" lIns="91440" tIns="45720" rIns="91440" bIns="45720" rtlCol="0" anchor="ctr">
+            <a:normAutofit/>
+          </a:bodyPr>
+          <a:lstStyle>
+            <a:lvl1pPr algn="ctr" defTabSz="914400" rtl="0" eaLnBrk="1" latinLnBrk="0" hangingPunct="1">
+              <a:spcBef>
+                <a:spcPct val="0"/>
+              </a:spcBef>
+              <a:buNone/>
+              <a:defRPr sz="4400" kern="1200">
+                <a:solidFill>
+                  <a:schemeClr val="tx1"/>
+                </a:solidFill>
+                <a:latin typeface="+mj-lt"/>
+                <a:ea typeface="+mj-ea"/>
+                <a:cs typeface="+mj-cs"/>
+              </a:defRPr>
+            </a:lvl1pPr>
+          </a:lstStyle>
+          <a:p>
+            <a:r>
+              <a:rPr lang="en-US" altLang="zh-CN" dirty="0" smtClean="0"/>
+              <a:t>Singleton</a:t>
+            </a:r>
+            <a:endParaRPr lang="zh-CN" altLang="en-US" dirty="0"/>
+          </a:p>
+        </p:txBody>
+      </p:sp>
+      <p:pic>
+        <p:nvPicPr>
+          <p:cNvPr id="5" name="Picture 2"/>
+          <p:cNvPicPr>
+            <a:picLocks noChangeAspect="1" noChangeArrowheads="1"/>
+          </p:cNvPicPr>
+          <p:nvPr/>
+        </p:nvPicPr>
+        <p:blipFill>
+          <a:blip r:embed="rId2">
+            <a:extLst>
+              <a:ext uri="{28A0092B-C50C-407E-A947-70E740481C1C}">
+                <a14:useLocalDpi xmlns:a14="http://schemas.microsoft.com/office/drawing/2010/main" val="0"/>
+              </a:ext>
+            </a:extLst>
+          </a:blip>
+          <a:srcRect/>
+          <a:stretch>
+            <a:fillRect/>
+          </a:stretch>
+        </p:blipFill>
+        <p:spPr bwMode="auto">
+          <a:xfrm>
+            <a:off x="845245" y="1520042"/>
+            <a:ext cx="7615187" cy="5221326"/>
+          </a:xfrm>
+          <a:prstGeom prst="rect">
+            <a:avLst/>
+          </a:prstGeom>
+          <a:noFill/>
+          <a:ln>
+            <a:noFill/>
+          </a:ln>
+          <a:effectLst/>
+          <a:extLst>
+            <a:ext uri="{909E8E84-426E-40DD-AFC4-6F175D3DCCD1}">
+              <a14:hiddenFill xmlns:a14="http://schemas.microsoft.com/office/drawing/2010/main">
+                <a:solidFill>
+                  <a:schemeClr val="accent1"/>
+                </a:solidFill>
+              </a14:hiddenFill>
+            </a:ext>
+            <a:ext uri="{91240B29-F687-4F45-9708-019B960494DF}">
+              <a14:hiddenLine xmlns:a14="http://schemas.microsoft.com/office/drawing/2010/main" w="9525">
+                <a:solidFill>
+                  <a:schemeClr val="tx1"/>
+                </a:solidFill>
+                <a:miter lim="800000"/>
+                <a:headEnd/>
+                <a:tailEnd/>
+              </a14:hiddenLine>
+            </a:ext>
+            <a:ext uri="{AF507438-7753-43E0-B8FC-AC1667EBCBE1}">
+              <a14:hiddenEffects xmlns:a14="http://schemas.microsoft.com/office/drawing/2010/main">
+                <a:effectLst>
+                  <a:outerShdw dist="35921" dir="2700000" algn="ctr" rotWithShape="0">
+                    <a:schemeClr val="bg2"/>
+                  </a:outerShdw>
+                </a:effectLst>
+              </a14:hiddenEffects>
+            </a:ext>
+          </a:extLst>
+        </p:spPr>
+      </p:pic>
+    </p:spTree>
+    <p:extLst>
+      <p:ext uri="{BB962C8B-B14F-4D97-AF65-F5344CB8AC3E}">
+        <p14:creationId xmlns:p14="http://schemas.microsoft.com/office/powerpoint/2010/main" val="1195097542"/>
+      </p:ext>
+    </p:extLst>
+  </p:cSld>
+  <p:clrMapOvr>
+    <a:masterClrMapping/>
+  </p:clrMapOvr>
+  <p:timing>
+    <p:tnLst>
+      <p:par>
+        <p:cTn id="1" dur="indefinite" restart="never" nodeType="tmRoot"/>
+      </p:par>
+    </p:tnLst>
+  </p:timing>
+</p:sld>
+</file>
+
+<file path=ppt/slides/slide15.xml><?xml version="1.0" encoding="utf-8"?>
+<p:sld xmlns:a="http://schemas.openxmlformats.org/drawingml/2006/main" xmlns:r="http://schemas.openxmlformats.org/officeDocument/2006/relationships" xmlns:p="http://schemas.openxmlformats.org/presentationml/2006/main">
+  <p:cSld>
+    <p:spTree>
+      <p:nvGrpSpPr>
+        <p:cNvPr id="1" name=""/>
+        <p:cNvGrpSpPr/>
+        <p:nvPr/>
+      </p:nvGrpSpPr>
+      <p:grpSpPr>
+        <a:xfrm>
+          <a:off x="0" y="0"/>
+          <a:ext cx="0" cy="0"/>
+          <a:chOff x="0" y="0"/>
+          <a:chExt cx="0" cy="0"/>
+        </a:xfrm>
+      </p:grpSpPr>
+      <p:sp>
+        <p:nvSpPr>
+          <p:cNvPr id="45" name="TextBox 44"/>
+          <p:cNvSpPr txBox="1"/>
+          <p:nvPr/>
+        </p:nvSpPr>
+        <p:spPr>
+          <a:xfrm>
+            <a:off x="251520" y="980728"/>
+            <a:ext cx="7272808" cy="353943"/>
+          </a:xfrm>
+          <a:prstGeom prst="rect">
+            <a:avLst/>
+          </a:prstGeom>
+          <a:noFill/>
+        </p:spPr>
+        <p:txBody>
+          <a:bodyPr wrap="square" rtlCol="0">
+            <a:spAutoFit/>
+          </a:bodyPr>
+          <a:lstStyle/>
+          <a:p>
+            <a:r>
+              <a:rPr lang="en-US" altLang="zh-CN" sz="1700" b="1" spc="50" dirty="0" smtClean="0">
+                <a:ln w="12700">
+                  <a:noFill/>
+                  <a:prstDash val="solid"/>
+                </a:ln>
+                <a:solidFill>
+                  <a:schemeClr val="accent4"/>
+                </a:solidFill>
+                <a:latin typeface="+mj-lt"/>
+                <a:ea typeface="+mj-ea"/>
+                <a:cs typeface="+mj-cs"/>
+              </a:rPr>
+              <a:t>PrintService - V1 </a:t>
+            </a:r>
+            <a:r>
+              <a:rPr lang="en-US" altLang="zh-CN" sz="1700" b="1" spc="50" dirty="0" smtClean="0">
+                <a:ln w="12700">
+                  <a:noFill/>
+                  <a:prstDash val="solid"/>
+                </a:ln>
+                <a:solidFill>
+                  <a:schemeClr val="accent4"/>
+                </a:solidFill>
+              </a:rPr>
+              <a:t>(</a:t>
+            </a:r>
+            <a:r>
+              <a:rPr lang="en-US" altLang="zh-CN" sz="1700" spc="50" dirty="0">
+                <a:ln w="12700">
+                  <a:noFill/>
+                  <a:prstDash val="solid"/>
+                </a:ln>
+                <a:solidFill>
+                  <a:schemeClr val="accent4"/>
+                </a:solidFill>
+              </a:rPr>
+              <a:t>Register instances by base class</a:t>
+            </a:r>
+            <a:r>
+              <a:rPr lang="en-US" altLang="zh-CN" sz="1700" b="1" spc="50" dirty="0" smtClean="0">
+                <a:ln w="12700">
+                  <a:noFill/>
+                  <a:prstDash val="solid"/>
+                </a:ln>
+                <a:solidFill>
+                  <a:schemeClr val="accent4"/>
+                </a:solidFill>
+              </a:rPr>
+              <a:t>)</a:t>
+            </a:r>
+            <a:endParaRPr lang="en-US" altLang="en-US" sz="1700" b="1" spc="50" dirty="0">
+              <a:ln w="12700">
+                <a:noFill/>
+                <a:prstDash val="solid"/>
+              </a:ln>
+              <a:solidFill>
+                <a:schemeClr val="accent4"/>
+              </a:solidFill>
+            </a:endParaRPr>
+          </a:p>
+        </p:txBody>
+      </p:sp>
+      <p:sp>
+        <p:nvSpPr>
+          <p:cNvPr id="58" name="Rectangle 2"/>
+          <p:cNvSpPr txBox="1">
+            <a:spLocks noChangeArrowheads="1"/>
+          </p:cNvSpPr>
+          <p:nvPr/>
+        </p:nvSpPr>
+        <p:spPr>
+          <a:xfrm>
+            <a:off x="628650" y="44624"/>
+            <a:ext cx="7886700" cy="1119658"/>
+          </a:xfrm>
+          <a:prstGeom prst="rect">
+            <a:avLst/>
+          </a:prstGeom>
+        </p:spPr>
+        <p:txBody>
+          <a:bodyPr vert="horz" lIns="91440" tIns="45720" rIns="91440" bIns="45720" rtlCol="0" anchor="ctr">
+            <a:normAutofit/>
+          </a:bodyPr>
+          <a:lstStyle>
+            <a:lvl1pPr algn="ctr" defTabSz="914400" rtl="0" eaLnBrk="1" latinLnBrk="0" hangingPunct="1">
+              <a:spcBef>
+                <a:spcPct val="0"/>
+              </a:spcBef>
+              <a:buNone/>
+              <a:defRPr sz="4400" kern="1200">
+                <a:solidFill>
+                  <a:schemeClr val="tx1"/>
+                </a:solidFill>
+                <a:latin typeface="+mj-lt"/>
+                <a:ea typeface="+mj-ea"/>
+                <a:cs typeface="+mj-cs"/>
+              </a:defRPr>
+            </a:lvl1pPr>
+          </a:lstStyle>
+          <a:p>
+            <a:r>
+              <a:rPr lang="en-US" altLang="zh-CN" dirty="0" smtClean="0"/>
+              <a:t>Singleton</a:t>
+            </a:r>
+            <a:endParaRPr lang="zh-CN" altLang="en-US" dirty="0"/>
+          </a:p>
+        </p:txBody>
+      </p:sp>
+      <p:pic>
+        <p:nvPicPr>
+          <p:cNvPr id="2050" name="Picture 2"/>
+          <p:cNvPicPr>
+            <a:picLocks noChangeAspect="1" noChangeArrowheads="1"/>
+          </p:cNvPicPr>
+          <p:nvPr/>
+        </p:nvPicPr>
+        <p:blipFill>
+          <a:blip r:embed="rId2">
+            <a:extLst>
+              <a:ext uri="{28A0092B-C50C-407E-A947-70E740481C1C}">
+                <a14:useLocalDpi xmlns:a14="http://schemas.microsoft.com/office/drawing/2010/main" val="0"/>
+              </a:ext>
+            </a:extLst>
+          </a:blip>
+          <a:srcRect/>
+          <a:stretch>
+            <a:fillRect/>
+          </a:stretch>
+        </p:blipFill>
+        <p:spPr bwMode="auto">
+          <a:xfrm>
+            <a:off x="4321845" y="1559121"/>
+            <a:ext cx="3346499" cy="2589959"/>
+          </a:xfrm>
+          <a:prstGeom prst="rect">
+            <a:avLst/>
+          </a:prstGeom>
+          <a:noFill/>
+          <a:ln>
+            <a:noFill/>
+          </a:ln>
+          <a:effectLst/>
+          <a:extLst>
+            <a:ext uri="{909E8E84-426E-40DD-AFC4-6F175D3DCCD1}">
+              <a14:hiddenFill xmlns:a14="http://schemas.microsoft.com/office/drawing/2010/main">
+                <a:solidFill>
+                  <a:schemeClr val="accent1"/>
+                </a:solidFill>
+              </a14:hiddenFill>
+            </a:ext>
+            <a:ext uri="{91240B29-F687-4F45-9708-019B960494DF}">
+              <a14:hiddenLine xmlns:a14="http://schemas.microsoft.com/office/drawing/2010/main" w="9525">
+                <a:solidFill>
+                  <a:schemeClr val="tx1"/>
+                </a:solidFill>
+                <a:miter lim="800000"/>
+                <a:headEnd/>
+                <a:tailEnd/>
+              </a14:hiddenLine>
+            </a:ext>
+            <a:ext uri="{AF507438-7753-43E0-B8FC-AC1667EBCBE1}">
+              <a14:hiddenEffects xmlns:a14="http://schemas.microsoft.com/office/drawing/2010/main">
+                <a:effectLst>
+                  <a:outerShdw dist="35921" dir="2700000" algn="ctr" rotWithShape="0">
+                    <a:schemeClr val="bg2"/>
+                  </a:outerShdw>
+                </a:effectLst>
+              </a14:hiddenEffects>
+            </a:ext>
+          </a:extLst>
+        </p:spPr>
+      </p:pic>
+      <p:sp>
+        <p:nvSpPr>
+          <p:cNvPr id="6" name="Rectangle 2"/>
+          <p:cNvSpPr txBox="1">
+            <a:spLocks noChangeArrowheads="1"/>
+          </p:cNvSpPr>
+          <p:nvPr/>
+        </p:nvSpPr>
+        <p:spPr>
+          <a:xfrm>
+            <a:off x="1115616" y="1844824"/>
+            <a:ext cx="3024336" cy="576064"/>
+          </a:xfrm>
+          <a:prstGeom prst="rect">
+            <a:avLst/>
+          </a:prstGeom>
+        </p:spPr>
+        <p:txBody>
+          <a:bodyPr vert="horz" rtlCol="0" anchor="ctr">
+            <a:normAutofit fontScale="92500"/>
+            <a:scene3d>
+              <a:camera prst="orthographicFront"/>
+              <a:lightRig rig="soft" dir="t"/>
+            </a:scene3d>
+            <a:sp3d prstMaterial="matte">
+              <a:bevelT w="12700" h="12700"/>
+            </a:sp3d>
+          </a:bodyPr>
+          <a:lstStyle>
+            <a:lvl1pPr algn="l" rtl="0" eaLnBrk="1" latinLnBrk="0" hangingPunct="1">
+              <a:spcBef>
+                <a:spcPct val="0"/>
+              </a:spcBef>
+              <a:buNone/>
+              <a:defRPr kumimoji="0" lang="zh-CN" altLang="en-US" sz="4400" b="0" kern="1200" spc="50">
+                <a:ln w="12700">
+                  <a:noFill/>
+                  <a:prstDash val="solid"/>
+                </a:ln>
+                <a:solidFill>
+                  <a:schemeClr val="accent4"/>
+                </a:solidFill>
+                <a:effectLst>
+                  <a:outerShdw blurRad="38100" dist="20320" dir="2700000" algn="tl" rotWithShape="0">
+                    <a:srgbClr val="000000">
+                      <a:alpha val="70000"/>
+                    </a:srgbClr>
+                  </a:outerShdw>
+                </a:effectLst>
+                <a:latin typeface="+mj-lt"/>
+                <a:ea typeface="+mj-ea"/>
+                <a:cs typeface="+mj-cs"/>
+              </a:defRPr>
+            </a:lvl1pPr>
+            <a:lvl2pPr eaLnBrk="1" latinLnBrk="0" hangingPunct="1">
+              <a:defRPr kumimoji="0">
+                <a:solidFill>
+                  <a:schemeClr val="tx2"/>
+                </a:solidFill>
+              </a:defRPr>
+            </a:lvl2pPr>
+            <a:lvl3pPr eaLnBrk="1" latinLnBrk="0" hangingPunct="1">
+              <a:defRPr kumimoji="0">
+                <a:solidFill>
+                  <a:schemeClr val="tx2"/>
+                </a:solidFill>
+              </a:defRPr>
+            </a:lvl3pPr>
+            <a:lvl4pPr eaLnBrk="1" latinLnBrk="0" hangingPunct="1">
+              <a:defRPr kumimoji="0">
+                <a:solidFill>
+                  <a:schemeClr val="tx2"/>
+                </a:solidFill>
+              </a:defRPr>
+            </a:lvl4pPr>
+            <a:lvl5pPr eaLnBrk="1" latinLnBrk="0" hangingPunct="1">
+              <a:defRPr kumimoji="0">
+                <a:solidFill>
+                  <a:schemeClr val="tx2"/>
+                </a:solidFill>
+              </a:defRPr>
+            </a:lvl5pPr>
+            <a:lvl6pPr eaLnBrk="1" latinLnBrk="0" hangingPunct="1">
+              <a:defRPr kumimoji="0">
+                <a:solidFill>
+                  <a:schemeClr val="tx2"/>
+                </a:solidFill>
+              </a:defRPr>
+            </a:lvl6pPr>
+            <a:lvl7pPr eaLnBrk="1" latinLnBrk="0" hangingPunct="1">
+              <a:defRPr kumimoji="0">
+                <a:solidFill>
+                  <a:schemeClr val="tx2"/>
+                </a:solidFill>
+              </a:defRPr>
+            </a:lvl7pPr>
+            <a:lvl8pPr eaLnBrk="1" latinLnBrk="0" hangingPunct="1">
+              <a:defRPr kumimoji="0">
+                <a:solidFill>
+                  <a:schemeClr val="tx2"/>
+                </a:solidFill>
+              </a:defRPr>
+            </a:lvl8pPr>
+            <a:lvl9pPr eaLnBrk="1" latinLnBrk="0" hangingPunct="1">
+              <a:defRPr kumimoji="0">
+                <a:solidFill>
+                  <a:schemeClr val="tx2"/>
+                </a:solidFill>
+              </a:defRPr>
+            </a:lvl9pPr>
+          </a:lstStyle>
+          <a:p>
+            <a:r>
+              <a:rPr lang="en-US" altLang="zh-CN" sz="1200" b="1" dirty="0" smtClean="0">
+                <a:effectLst/>
+              </a:rPr>
+              <a:t>Base class must know all derived classes, </a:t>
+            </a:r>
+          </a:p>
+          <a:p>
+            <a:r>
+              <a:rPr lang="en-US" altLang="zh-CN" sz="1200" b="1" dirty="0" smtClean="0">
+                <a:effectLst/>
+              </a:rPr>
+              <a:t>so sub classes’ c</a:t>
+            </a:r>
+            <a:r>
+              <a:rPr lang="en-US" altLang="zh-CN" sz="1200" b="1" dirty="0" smtClean="0">
+                <a:effectLst/>
+              </a:rPr>
+              <a:t>onstructor has to be </a:t>
+            </a:r>
+            <a:r>
+              <a:rPr lang="en-US" altLang="zh-CN" sz="1200" b="1" dirty="0" smtClean="0">
+                <a:solidFill>
+                  <a:srgbClr val="FF0000"/>
+                </a:solidFill>
+                <a:effectLst/>
+              </a:rPr>
+              <a:t>public</a:t>
+            </a:r>
+            <a:endParaRPr lang="en-US" altLang="zh-CN" sz="1200" b="1" dirty="0">
+              <a:solidFill>
+                <a:srgbClr val="FF0000"/>
+              </a:solidFill>
+              <a:effectLst/>
+            </a:endParaRPr>
+          </a:p>
+        </p:txBody>
+      </p:sp>
+      <p:pic>
+        <p:nvPicPr>
+          <p:cNvPr id="2051" name="Picture 3"/>
+          <p:cNvPicPr>
+            <a:picLocks noChangeAspect="1" noChangeArrowheads="1"/>
+          </p:cNvPicPr>
+          <p:nvPr/>
+        </p:nvPicPr>
+        <p:blipFill>
+          <a:blip r:embed="rId3">
+            <a:extLst>
+              <a:ext uri="{28A0092B-C50C-407E-A947-70E740481C1C}">
+                <a14:useLocalDpi xmlns:a14="http://schemas.microsoft.com/office/drawing/2010/main" val="0"/>
+              </a:ext>
+            </a:extLst>
+          </a:blip>
+          <a:srcRect/>
+          <a:stretch>
+            <a:fillRect/>
+          </a:stretch>
+        </p:blipFill>
+        <p:spPr bwMode="auto">
+          <a:xfrm>
+            <a:off x="1187624" y="4437112"/>
+            <a:ext cx="6448425" cy="2400300"/>
+          </a:xfrm>
+          <a:prstGeom prst="rect">
+            <a:avLst/>
+          </a:prstGeom>
+          <a:noFill/>
+          <a:ln>
+            <a:noFill/>
+          </a:ln>
+          <a:effectLst/>
+          <a:extLst>
+            <a:ext uri="{909E8E84-426E-40DD-AFC4-6F175D3DCCD1}">
+              <a14:hiddenFill xmlns:a14="http://schemas.microsoft.com/office/drawing/2010/main">
+                <a:solidFill>
+                  <a:schemeClr val="accent1"/>
+                </a:solidFill>
+              </a14:hiddenFill>
+            </a:ext>
+            <a:ext uri="{91240B29-F687-4F45-9708-019B960494DF}">
+              <a14:hiddenLine xmlns:a14="http://schemas.microsoft.com/office/drawing/2010/main" w="9525">
+                <a:solidFill>
+                  <a:schemeClr val="tx1"/>
+                </a:solidFill>
+                <a:miter lim="800000"/>
+                <a:headEnd/>
+                <a:tailEnd/>
+              </a14:hiddenLine>
+            </a:ext>
+            <a:ext uri="{AF507438-7753-43E0-B8FC-AC1667EBCBE1}">
+              <a14:hiddenEffects xmlns:a14="http://schemas.microsoft.com/office/drawing/2010/main">
+                <a:effectLst>
+                  <a:outerShdw dist="35921" dir="2700000" algn="ctr" rotWithShape="0">
+                    <a:schemeClr val="bg2"/>
+                  </a:outerShdw>
+                </a:effectLst>
+              </a14:hiddenEffects>
+            </a:ext>
+          </a:extLst>
+        </p:spPr>
+      </p:pic>
+    </p:spTree>
+    <p:extLst>
+      <p:ext uri="{BB962C8B-B14F-4D97-AF65-F5344CB8AC3E}">
+        <p14:creationId xmlns:p14="http://schemas.microsoft.com/office/powerpoint/2010/main" val="3697944610"/>
+      </p:ext>
+    </p:extLst>
+  </p:cSld>
+  <p:clrMapOvr>
+    <a:masterClrMapping/>
+  </p:clrMapOvr>
+  <p:timing>
+    <p:tnLst>
+      <p:par>
+        <p:cTn id="1" dur="indefinite" restart="never" nodeType="tmRoot"/>
+      </p:par>
+    </p:tnLst>
+  </p:timing>
+</p:sld>
+</file>
+
+<file path=ppt/slides/slide16.xml><?xml version="1.0" encoding="utf-8"?>
+<p:sld xmlns:a="http://schemas.openxmlformats.org/drawingml/2006/main" xmlns:r="http://schemas.openxmlformats.org/officeDocument/2006/relationships" xmlns:p="http://schemas.openxmlformats.org/presentationml/2006/main">
+  <p:cSld>
+    <p:spTree>
+      <p:nvGrpSpPr>
+        <p:cNvPr id="1" name=""/>
+        <p:cNvGrpSpPr/>
+        <p:nvPr/>
+      </p:nvGrpSpPr>
+      <p:grpSpPr>
+        <a:xfrm>
+          <a:off x="0" y="0"/>
+          <a:ext cx="0" cy="0"/>
+          <a:chOff x="0" y="0"/>
+          <a:chExt cx="0" cy="0"/>
+        </a:xfrm>
+      </p:grpSpPr>
+      <p:sp>
+        <p:nvSpPr>
+          <p:cNvPr id="58" name="Rectangle 2"/>
+          <p:cNvSpPr txBox="1">
+            <a:spLocks noChangeArrowheads="1"/>
+          </p:cNvSpPr>
+          <p:nvPr/>
+        </p:nvSpPr>
+        <p:spPr>
+          <a:xfrm>
+            <a:off x="628650" y="44624"/>
+            <a:ext cx="7886700" cy="1119658"/>
+          </a:xfrm>
+          <a:prstGeom prst="rect">
+            <a:avLst/>
+          </a:prstGeom>
+        </p:spPr>
+        <p:txBody>
+          <a:bodyPr vert="horz" lIns="91440" tIns="45720" rIns="91440" bIns="45720" rtlCol="0" anchor="ctr">
+            <a:normAutofit/>
+          </a:bodyPr>
+          <a:lstStyle>
+            <a:lvl1pPr algn="ctr" defTabSz="914400" rtl="0" eaLnBrk="1" latinLnBrk="0" hangingPunct="1">
+              <a:spcBef>
+                <a:spcPct val="0"/>
+              </a:spcBef>
+              <a:buNone/>
+              <a:defRPr sz="4400" kern="1200">
+                <a:solidFill>
+                  <a:schemeClr val="tx1"/>
+                </a:solidFill>
+                <a:latin typeface="+mj-lt"/>
+                <a:ea typeface="+mj-ea"/>
+                <a:cs typeface="+mj-cs"/>
+              </a:defRPr>
+            </a:lvl1pPr>
+          </a:lstStyle>
+          <a:p>
+            <a:r>
+              <a:rPr lang="en-US" altLang="zh-CN" dirty="0" smtClean="0"/>
+              <a:t>Singleton</a:t>
+            </a:r>
+            <a:endParaRPr lang="zh-CN" altLang="en-US" dirty="0"/>
+          </a:p>
+        </p:txBody>
+      </p:sp>
+      <p:sp>
+        <p:nvSpPr>
+          <p:cNvPr id="5" name="TextBox 4"/>
+          <p:cNvSpPr txBox="1"/>
+          <p:nvPr/>
+        </p:nvSpPr>
+        <p:spPr>
+          <a:xfrm>
+            <a:off x="251520" y="980728"/>
+            <a:ext cx="7200800" cy="353943"/>
+          </a:xfrm>
+          <a:prstGeom prst="rect">
+            <a:avLst/>
+          </a:prstGeom>
+          <a:noFill/>
+        </p:spPr>
+        <p:txBody>
+          <a:bodyPr wrap="square" rtlCol="0">
+            <a:spAutoFit/>
+          </a:bodyPr>
+          <a:lstStyle/>
+          <a:p>
+            <a:r>
+              <a:rPr lang="en-US" altLang="zh-CN" sz="1700" b="1" spc="50" dirty="0" smtClean="0">
+                <a:ln w="12700">
+                  <a:noFill/>
+                  <a:prstDash val="solid"/>
+                </a:ln>
+                <a:solidFill>
+                  <a:schemeClr val="accent4"/>
+                </a:solidFill>
+                <a:latin typeface="+mj-lt"/>
+                <a:ea typeface="+mj-ea"/>
+                <a:cs typeface="+mj-cs"/>
+              </a:rPr>
+              <a:t>PrintService - V2 </a:t>
+            </a:r>
+            <a:r>
+              <a:rPr lang="en-US" altLang="zh-CN" sz="1700" b="1" spc="50" dirty="0">
+                <a:ln w="12700">
+                  <a:noFill/>
+                  <a:prstDash val="solid"/>
+                </a:ln>
+                <a:solidFill>
+                  <a:schemeClr val="accent4"/>
+                </a:solidFill>
+              </a:rPr>
+              <a:t>(</a:t>
+            </a:r>
+            <a:r>
+              <a:rPr lang="en-US" altLang="zh-CN" sz="1700" spc="50" dirty="0">
+                <a:ln w="12700">
+                  <a:noFill/>
+                  <a:prstDash val="solid"/>
+                </a:ln>
+                <a:solidFill>
+                  <a:schemeClr val="accent4"/>
+                </a:solidFill>
+              </a:rPr>
+              <a:t>Register instances by </a:t>
+            </a:r>
+            <a:r>
+              <a:rPr lang="en-US" altLang="zh-CN" sz="1700" spc="50" dirty="0" smtClean="0">
+                <a:ln w="12700">
+                  <a:noFill/>
+                  <a:prstDash val="solid"/>
+                </a:ln>
+                <a:solidFill>
+                  <a:schemeClr val="accent4"/>
+                </a:solidFill>
+              </a:rPr>
+              <a:t>derived classes themselves</a:t>
+            </a:r>
+            <a:r>
+              <a:rPr lang="en-US" altLang="zh-CN" sz="1700" b="1" spc="50" dirty="0" smtClean="0">
+                <a:ln w="12700">
+                  <a:noFill/>
+                  <a:prstDash val="solid"/>
+                </a:ln>
+                <a:solidFill>
+                  <a:schemeClr val="accent4"/>
+                </a:solidFill>
+              </a:rPr>
+              <a:t>)</a:t>
+            </a:r>
+            <a:endParaRPr lang="en-US" altLang="en-US" sz="1700" b="1" spc="50" dirty="0">
+              <a:ln w="12700">
+                <a:noFill/>
+                <a:prstDash val="solid"/>
+              </a:ln>
+              <a:solidFill>
+                <a:schemeClr val="accent4"/>
+              </a:solidFill>
+              <a:latin typeface="+mj-lt"/>
+              <a:ea typeface="+mj-ea"/>
+              <a:cs typeface="+mj-cs"/>
+            </a:endParaRPr>
+          </a:p>
+        </p:txBody>
+      </p:sp>
+      <p:pic>
+        <p:nvPicPr>
+          <p:cNvPr id="6" name="Picture 2"/>
+          <p:cNvPicPr>
+            <a:picLocks noChangeAspect="1" noChangeArrowheads="1"/>
+          </p:cNvPicPr>
+          <p:nvPr/>
+        </p:nvPicPr>
+        <p:blipFill>
+          <a:blip r:embed="rId2">
+            <a:extLst>
+              <a:ext uri="{28A0092B-C50C-407E-A947-70E740481C1C}">
+                <a14:useLocalDpi xmlns:a14="http://schemas.microsoft.com/office/drawing/2010/main" val="0"/>
+              </a:ext>
+            </a:extLst>
+          </a:blip>
+          <a:srcRect/>
+          <a:stretch>
+            <a:fillRect/>
+          </a:stretch>
+        </p:blipFill>
+        <p:spPr bwMode="auto">
+          <a:xfrm>
+            <a:off x="899592" y="1412776"/>
+            <a:ext cx="7444546" cy="5400600"/>
+          </a:xfrm>
+          <a:prstGeom prst="rect">
+            <a:avLst/>
+          </a:prstGeom>
+          <a:noFill/>
+          <a:ln>
+            <a:noFill/>
+          </a:ln>
+          <a:effectLst/>
+          <a:extLst>
+            <a:ext uri="{909E8E84-426E-40DD-AFC4-6F175D3DCCD1}">
+              <a14:hiddenFill xmlns:a14="http://schemas.microsoft.com/office/drawing/2010/main">
+                <a:solidFill>
+                  <a:schemeClr val="accent1"/>
+                </a:solidFill>
+              </a14:hiddenFill>
+            </a:ext>
+            <a:ext uri="{91240B29-F687-4F45-9708-019B960494DF}">
+              <a14:hiddenLine xmlns:a14="http://schemas.microsoft.com/office/drawing/2010/main" w="9525">
+                <a:solidFill>
+                  <a:schemeClr val="tx1"/>
+                </a:solidFill>
+                <a:miter lim="800000"/>
+                <a:headEnd/>
+                <a:tailEnd/>
+              </a14:hiddenLine>
+            </a:ext>
+            <a:ext uri="{AF507438-7753-43E0-B8FC-AC1667EBCBE1}">
+              <a14:hiddenEffects xmlns:a14="http://schemas.microsoft.com/office/drawing/2010/main">
+                <a:effectLst>
+                  <a:outerShdw dist="35921" dir="2700000" algn="ctr" rotWithShape="0">
+                    <a:schemeClr val="bg2"/>
+                  </a:outerShdw>
+                </a:effectLst>
+              </a14:hiddenEffects>
+            </a:ext>
+          </a:extLst>
+        </p:spPr>
+      </p:pic>
+    </p:spTree>
+    <p:extLst>
+      <p:ext uri="{BB962C8B-B14F-4D97-AF65-F5344CB8AC3E}">
+        <p14:creationId xmlns:p14="http://schemas.microsoft.com/office/powerpoint/2010/main" val="1195097542"/>
+      </p:ext>
+    </p:extLst>
+  </p:cSld>
+  <p:clrMapOvr>
+    <a:masterClrMapping/>
+  </p:clrMapOvr>
+  <p:timing>
+    <p:tnLst>
+      <p:par>
+        <p:cTn id="1" dur="indefinite" restart="never" nodeType="tmRoot"/>
+      </p:par>
+    </p:tnLst>
+  </p:timing>
+</p:sld>
+</file>
+
+<file path=ppt/slides/slide17.xml><?xml version="1.0" encoding="utf-8"?>
+<p:sld xmlns:a="http://schemas.openxmlformats.org/drawingml/2006/main" xmlns:r="http://schemas.openxmlformats.org/officeDocument/2006/relationships" xmlns:p="http://schemas.openxmlformats.org/presentationml/2006/main">
+  <p:cSld>
+    <p:spTree>
+      <p:nvGrpSpPr>
+        <p:cNvPr id="1" name=""/>
+        <p:cNvGrpSpPr/>
+        <p:nvPr/>
+      </p:nvGrpSpPr>
+      <p:grpSpPr>
+        <a:xfrm>
+          <a:off x="0" y="0"/>
+          <a:ext cx="0" cy="0"/>
+          <a:chOff x="0" y="0"/>
+          <a:chExt cx="0" cy="0"/>
+        </a:xfrm>
+      </p:grpSpPr>
+      <p:sp>
+        <p:nvSpPr>
+          <p:cNvPr id="58" name="Rectangle 2"/>
+          <p:cNvSpPr txBox="1">
+            <a:spLocks noChangeArrowheads="1"/>
+          </p:cNvSpPr>
+          <p:nvPr/>
+        </p:nvSpPr>
+        <p:spPr>
+          <a:xfrm>
+            <a:off x="628650" y="44624"/>
+            <a:ext cx="7886700" cy="1119658"/>
+          </a:xfrm>
+          <a:prstGeom prst="rect">
+            <a:avLst/>
+          </a:prstGeom>
+        </p:spPr>
+        <p:txBody>
+          <a:bodyPr vert="horz" lIns="91440" tIns="45720" rIns="91440" bIns="45720" rtlCol="0" anchor="ctr">
+            <a:normAutofit/>
+          </a:bodyPr>
+          <a:lstStyle>
+            <a:lvl1pPr algn="ctr" defTabSz="914400" rtl="0" eaLnBrk="1" latinLnBrk="0" hangingPunct="1">
+              <a:spcBef>
+                <a:spcPct val="0"/>
+              </a:spcBef>
+              <a:buNone/>
+              <a:defRPr sz="4400" kern="1200">
+                <a:solidFill>
+                  <a:schemeClr val="tx1"/>
+                </a:solidFill>
+                <a:latin typeface="+mj-lt"/>
+                <a:ea typeface="+mj-ea"/>
+                <a:cs typeface="+mj-cs"/>
+              </a:defRPr>
+            </a:lvl1pPr>
+          </a:lstStyle>
+          <a:p>
+            <a:r>
+              <a:rPr lang="en-US" altLang="zh-CN" dirty="0" smtClean="0"/>
+              <a:t>Singleton</a:t>
+            </a:r>
+            <a:endParaRPr lang="zh-CN" altLang="en-US" dirty="0"/>
+          </a:p>
+        </p:txBody>
+      </p:sp>
+      <p:sp>
+        <p:nvSpPr>
+          <p:cNvPr id="5" name="TextBox 4"/>
+          <p:cNvSpPr txBox="1"/>
+          <p:nvPr/>
+        </p:nvSpPr>
+        <p:spPr>
+          <a:xfrm>
+            <a:off x="251520" y="980728"/>
+            <a:ext cx="7704856" cy="353943"/>
+          </a:xfrm>
+          <a:prstGeom prst="rect">
+            <a:avLst/>
+          </a:prstGeom>
+          <a:noFill/>
+        </p:spPr>
+        <p:txBody>
+          <a:bodyPr wrap="square" rtlCol="0">
+            <a:spAutoFit/>
+          </a:bodyPr>
+          <a:lstStyle/>
+          <a:p>
+            <a:r>
+              <a:rPr lang="en-US" altLang="zh-CN" sz="1700" b="1" spc="50" dirty="0" smtClean="0">
+                <a:ln w="12700">
+                  <a:noFill/>
+                  <a:prstDash val="solid"/>
+                </a:ln>
+                <a:solidFill>
+                  <a:schemeClr val="accent4"/>
+                </a:solidFill>
+                <a:latin typeface="+mj-lt"/>
+                <a:ea typeface="+mj-ea"/>
+                <a:cs typeface="+mj-cs"/>
+              </a:rPr>
+              <a:t>PrintService - V2</a:t>
+            </a:r>
+            <a:r>
+              <a:rPr lang="en-US" altLang="zh-CN" sz="1700" b="1" spc="50" dirty="0">
+                <a:ln w="12700">
+                  <a:noFill/>
+                  <a:prstDash val="solid"/>
+                </a:ln>
+                <a:solidFill>
+                  <a:schemeClr val="accent4"/>
+                </a:solidFill>
+              </a:rPr>
+              <a:t> </a:t>
+            </a:r>
+            <a:r>
+              <a:rPr lang="en-US" altLang="zh-CN" sz="1700" b="1" spc="50" dirty="0">
+                <a:ln w="12700">
+                  <a:noFill/>
+                  <a:prstDash val="solid"/>
+                </a:ln>
+                <a:solidFill>
+                  <a:schemeClr val="accent4"/>
+                </a:solidFill>
+              </a:rPr>
+              <a:t>(</a:t>
+            </a:r>
+            <a:r>
+              <a:rPr lang="en-US" altLang="zh-CN" sz="1700" spc="50" dirty="0">
+                <a:ln w="12700">
+                  <a:noFill/>
+                  <a:prstDash val="solid"/>
+                </a:ln>
+                <a:solidFill>
+                  <a:schemeClr val="accent4"/>
+                </a:solidFill>
+              </a:rPr>
+              <a:t>Register instances by derived classes themselves</a:t>
+            </a:r>
+            <a:r>
+              <a:rPr lang="en-US" altLang="zh-CN" sz="1700" b="1" spc="50" dirty="0" smtClean="0">
+                <a:ln w="12700">
+                  <a:noFill/>
+                  <a:prstDash val="solid"/>
+                </a:ln>
+                <a:solidFill>
+                  <a:schemeClr val="accent4"/>
+                </a:solidFill>
+              </a:rPr>
+              <a:t>)</a:t>
+            </a:r>
+            <a:endParaRPr lang="en-US" altLang="en-US" sz="1700" b="1" spc="50" dirty="0">
+              <a:ln w="12700">
+                <a:noFill/>
+                <a:prstDash val="solid"/>
+              </a:ln>
+              <a:solidFill>
+                <a:schemeClr val="accent4"/>
+              </a:solidFill>
+              <a:latin typeface="+mj-lt"/>
+              <a:ea typeface="+mj-ea"/>
+              <a:cs typeface="+mj-cs"/>
+            </a:endParaRPr>
+          </a:p>
+        </p:txBody>
+      </p:sp>
+      <p:pic>
+        <p:nvPicPr>
+          <p:cNvPr id="3075" name="Picture 3"/>
+          <p:cNvPicPr>
+            <a:picLocks noChangeAspect="1" noChangeArrowheads="1"/>
+          </p:cNvPicPr>
+          <p:nvPr/>
+        </p:nvPicPr>
+        <p:blipFill>
+          <a:blip r:embed="rId2">
+            <a:extLst>
+              <a:ext uri="{28A0092B-C50C-407E-A947-70E740481C1C}">
+                <a14:useLocalDpi xmlns:a14="http://schemas.microsoft.com/office/drawing/2010/main" val="0"/>
+              </a:ext>
+            </a:extLst>
+          </a:blip>
+          <a:srcRect/>
+          <a:stretch>
+            <a:fillRect/>
+          </a:stretch>
+        </p:blipFill>
+        <p:spPr bwMode="auto">
+          <a:xfrm>
+            <a:off x="1362075" y="1565126"/>
+            <a:ext cx="6419850" cy="3448050"/>
+          </a:xfrm>
+          <a:prstGeom prst="rect">
+            <a:avLst/>
+          </a:prstGeom>
+          <a:noFill/>
+          <a:ln>
+            <a:noFill/>
+          </a:ln>
+          <a:effectLst/>
+          <a:extLst>
+            <a:ext uri="{909E8E84-426E-40DD-AFC4-6F175D3DCCD1}">
+              <a14:hiddenFill xmlns:a14="http://schemas.microsoft.com/office/drawing/2010/main">
+                <a:solidFill>
+                  <a:schemeClr val="accent1"/>
+                </a:solidFill>
+              </a14:hiddenFill>
+            </a:ext>
+            <a:ext uri="{91240B29-F687-4F45-9708-019B960494DF}">
+              <a14:hiddenLine xmlns:a14="http://schemas.microsoft.com/office/drawing/2010/main" w="9525">
+                <a:solidFill>
+                  <a:schemeClr val="tx1"/>
+                </a:solidFill>
+                <a:miter lim="800000"/>
+                <a:headEnd/>
+                <a:tailEnd/>
+              </a14:hiddenLine>
+            </a:ext>
+            <a:ext uri="{AF507438-7753-43E0-B8FC-AC1667EBCBE1}">
+              <a14:hiddenEffects xmlns:a14="http://schemas.microsoft.com/office/drawing/2010/main">
+                <a:effectLst>
+                  <a:outerShdw dist="35921" dir="2700000" algn="ctr" rotWithShape="0">
+                    <a:schemeClr val="bg2"/>
+                  </a:outerShdw>
+                </a:effectLst>
+              </a14:hiddenEffects>
+            </a:ext>
+          </a:extLst>
+        </p:spPr>
+      </p:pic>
+      <p:sp>
+        <p:nvSpPr>
+          <p:cNvPr id="8" name="Rectangle 2"/>
+          <p:cNvSpPr txBox="1">
+            <a:spLocks noChangeArrowheads="1"/>
+          </p:cNvSpPr>
+          <p:nvPr/>
+        </p:nvSpPr>
+        <p:spPr>
+          <a:xfrm>
+            <a:off x="1331639" y="5301208"/>
+            <a:ext cx="6450285" cy="1368152"/>
+          </a:xfrm>
+          <a:prstGeom prst="rect">
+            <a:avLst/>
+          </a:prstGeom>
+        </p:spPr>
+        <p:txBody>
+          <a:bodyPr vert="horz" rtlCol="0" anchor="ctr">
+            <a:normAutofit/>
+            <a:scene3d>
+              <a:camera prst="orthographicFront"/>
+              <a:lightRig rig="soft" dir="t"/>
+            </a:scene3d>
+            <a:sp3d prstMaterial="matte">
+              <a:bevelT w="12700" h="12700"/>
+            </a:sp3d>
+          </a:bodyPr>
+          <a:lstStyle>
+            <a:lvl1pPr algn="l" rtl="0" eaLnBrk="1" latinLnBrk="0" hangingPunct="1">
+              <a:spcBef>
+                <a:spcPct val="0"/>
+              </a:spcBef>
+              <a:buNone/>
+              <a:defRPr kumimoji="0" lang="zh-CN" altLang="en-US" sz="4400" b="0" kern="1200" spc="50">
+                <a:ln w="12700">
+                  <a:noFill/>
+                  <a:prstDash val="solid"/>
+                </a:ln>
+                <a:solidFill>
+                  <a:schemeClr val="accent4"/>
+                </a:solidFill>
+                <a:effectLst>
+                  <a:outerShdw blurRad="38100" dist="20320" dir="2700000" algn="tl" rotWithShape="0">
+                    <a:srgbClr val="000000">
+                      <a:alpha val="70000"/>
+                    </a:srgbClr>
+                  </a:outerShdw>
+                </a:effectLst>
+                <a:latin typeface="+mj-lt"/>
+                <a:ea typeface="+mj-ea"/>
+                <a:cs typeface="+mj-cs"/>
+              </a:defRPr>
+            </a:lvl1pPr>
+            <a:lvl2pPr eaLnBrk="1" latinLnBrk="0" hangingPunct="1">
+              <a:defRPr kumimoji="0">
+                <a:solidFill>
+                  <a:schemeClr val="tx2"/>
+                </a:solidFill>
+              </a:defRPr>
+            </a:lvl2pPr>
+            <a:lvl3pPr eaLnBrk="1" latinLnBrk="0" hangingPunct="1">
+              <a:defRPr kumimoji="0">
+                <a:solidFill>
+                  <a:schemeClr val="tx2"/>
+                </a:solidFill>
+              </a:defRPr>
+            </a:lvl3pPr>
+            <a:lvl4pPr eaLnBrk="1" latinLnBrk="0" hangingPunct="1">
+              <a:defRPr kumimoji="0">
+                <a:solidFill>
+                  <a:schemeClr val="tx2"/>
+                </a:solidFill>
+              </a:defRPr>
+            </a:lvl4pPr>
+            <a:lvl5pPr eaLnBrk="1" latinLnBrk="0" hangingPunct="1">
+              <a:defRPr kumimoji="0">
+                <a:solidFill>
+                  <a:schemeClr val="tx2"/>
+                </a:solidFill>
+              </a:defRPr>
+            </a:lvl5pPr>
+            <a:lvl6pPr eaLnBrk="1" latinLnBrk="0" hangingPunct="1">
+              <a:defRPr kumimoji="0">
+                <a:solidFill>
+                  <a:schemeClr val="tx2"/>
+                </a:solidFill>
+              </a:defRPr>
+            </a:lvl6pPr>
+            <a:lvl7pPr eaLnBrk="1" latinLnBrk="0" hangingPunct="1">
+              <a:defRPr kumimoji="0">
+                <a:solidFill>
+                  <a:schemeClr val="tx2"/>
+                </a:solidFill>
+              </a:defRPr>
+            </a:lvl7pPr>
+            <a:lvl8pPr eaLnBrk="1" latinLnBrk="0" hangingPunct="1">
+              <a:defRPr kumimoji="0">
+                <a:solidFill>
+                  <a:schemeClr val="tx2"/>
+                </a:solidFill>
+              </a:defRPr>
+            </a:lvl8pPr>
+            <a:lvl9pPr eaLnBrk="1" latinLnBrk="0" hangingPunct="1">
+              <a:defRPr kumimoji="0">
+                <a:solidFill>
+                  <a:schemeClr val="tx2"/>
+                </a:solidFill>
+              </a:defRPr>
+            </a:lvl9pPr>
+          </a:lstStyle>
+          <a:p>
+            <a:r>
+              <a:rPr lang="en-US" altLang="zh-CN" sz="1200" b="1" dirty="0" smtClean="0">
+                <a:effectLst/>
+              </a:rPr>
+              <a:t>It seems perfect:</a:t>
+            </a:r>
+            <a:br>
+              <a:rPr lang="en-US" altLang="zh-CN" sz="1200" b="1" dirty="0" smtClean="0">
+                <a:effectLst/>
+              </a:rPr>
+            </a:br>
+            <a:endParaRPr lang="en-US" altLang="zh-CN" sz="1200" b="1" dirty="0" smtClean="0">
+              <a:effectLst/>
+            </a:endParaRPr>
+          </a:p>
+          <a:p>
+            <a:r>
+              <a:rPr lang="en-US" altLang="zh-CN" sz="1200" b="1" dirty="0" smtClean="0">
+                <a:effectLst/>
+              </a:rPr>
+              <a:t>       - “Private” modifier is back!</a:t>
+            </a:r>
+          </a:p>
+          <a:p>
+            <a:r>
+              <a:rPr lang="en-US" altLang="zh-CN" sz="1200" b="1" dirty="0" smtClean="0">
+                <a:effectLst/>
+              </a:rPr>
+              <a:t>       -  Static </a:t>
+            </a:r>
+            <a:r>
+              <a:rPr lang="en-US" altLang="zh-CN" sz="1200" b="1" dirty="0">
+                <a:effectLst/>
+              </a:rPr>
+              <a:t>constructor can register </a:t>
+            </a:r>
+            <a:r>
+              <a:rPr lang="en-US" altLang="zh-CN" sz="1200" b="1" dirty="0" smtClean="0">
+                <a:effectLst/>
+              </a:rPr>
+              <a:t>instance </a:t>
+            </a:r>
+            <a:r>
+              <a:rPr lang="en-US" altLang="zh-CN" sz="1200" b="1" dirty="0">
+                <a:effectLst/>
+              </a:rPr>
+              <a:t>by </a:t>
+            </a:r>
+            <a:r>
+              <a:rPr lang="en-US" altLang="zh-CN" sz="1200" b="1" dirty="0" smtClean="0">
+                <a:effectLst/>
+              </a:rPr>
+              <a:t>itself</a:t>
+            </a:r>
+          </a:p>
+          <a:p>
+            <a:endParaRPr lang="en-US" altLang="zh-CN" sz="1200" b="1" dirty="0">
+              <a:effectLst/>
+            </a:endParaRPr>
+          </a:p>
+          <a:p>
+            <a:r>
+              <a:rPr lang="en-US" altLang="zh-CN" sz="1200" b="1" i="1" dirty="0" smtClean="0">
+                <a:effectLst/>
+              </a:rPr>
+              <a:t>The only question is: </a:t>
+            </a:r>
+            <a:r>
+              <a:rPr lang="en-US" altLang="zh-CN" sz="1200" b="1" i="1" dirty="0" smtClean="0">
+                <a:solidFill>
+                  <a:srgbClr val="FF0000"/>
+                </a:solidFill>
+                <a:effectLst/>
+              </a:rPr>
+              <a:t>Does it work?</a:t>
+            </a:r>
+            <a:endParaRPr lang="en-US" altLang="zh-CN" sz="1200" b="1" i="1" dirty="0">
+              <a:solidFill>
+                <a:srgbClr val="FF0000"/>
+              </a:solidFill>
+              <a:effectLst/>
+            </a:endParaRPr>
+          </a:p>
+        </p:txBody>
+      </p:sp>
+    </p:spTree>
+    <p:extLst>
+      <p:ext uri="{BB962C8B-B14F-4D97-AF65-F5344CB8AC3E}">
+        <p14:creationId xmlns:p14="http://schemas.microsoft.com/office/powerpoint/2010/main" val="1195097542"/>
+      </p:ext>
+    </p:extLst>
+  </p:cSld>
+  <p:clrMapOvr>
+    <a:masterClrMapping/>
+  </p:clrMapOvr>
+  <p:timing>
+    <p:tnLst>
+      <p:par>
+        <p:cTn id="1" dur="indefinite" restart="never" nodeType="tmRoot"/>
+      </p:par>
+    </p:tnLst>
+  </p:timing>
+</p:sld>
+</file>
+
+<file path=ppt/slides/slide18.xml><?xml version="1.0" encoding="utf-8"?>
+<p:sld xmlns:a="http://schemas.openxmlformats.org/drawingml/2006/main" xmlns:r="http://schemas.openxmlformats.org/officeDocument/2006/relationships" xmlns:p="http://schemas.openxmlformats.org/presentationml/2006/main">
+  <p:cSld>
+    <p:spTree>
+      <p:nvGrpSpPr>
+        <p:cNvPr id="1" name=""/>
+        <p:cNvGrpSpPr/>
+        <p:nvPr/>
+      </p:nvGrpSpPr>
+      <p:grpSpPr>
+        <a:xfrm>
+          <a:off x="0" y="0"/>
+          <a:ext cx="0" cy="0"/>
+          <a:chOff x="0" y="0"/>
+          <a:chExt cx="0" cy="0"/>
+        </a:xfrm>
+      </p:grpSpPr>
+      <p:sp>
+        <p:nvSpPr>
+          <p:cNvPr id="45" name="TextBox 44"/>
+          <p:cNvSpPr txBox="1"/>
+          <p:nvPr/>
+        </p:nvSpPr>
+        <p:spPr>
+          <a:xfrm>
+            <a:off x="251520" y="980728"/>
+            <a:ext cx="6624736" cy="353943"/>
+          </a:xfrm>
+          <a:prstGeom prst="rect">
+            <a:avLst/>
+          </a:prstGeom>
+          <a:noFill/>
+        </p:spPr>
+        <p:txBody>
+          <a:bodyPr wrap="square" rtlCol="0">
+            <a:spAutoFit/>
+          </a:bodyPr>
+          <a:lstStyle/>
+          <a:p>
+            <a:r>
+              <a:rPr lang="en-US" altLang="zh-CN" sz="1700" b="1" spc="50" dirty="0" smtClean="0">
+                <a:ln w="12700">
+                  <a:noFill/>
+                  <a:prstDash val="solid"/>
+                </a:ln>
+                <a:solidFill>
+                  <a:schemeClr val="accent4"/>
+                </a:solidFill>
+                <a:latin typeface="+mj-lt"/>
+                <a:ea typeface="+mj-ea"/>
+                <a:cs typeface="+mj-cs"/>
+              </a:rPr>
+              <a:t>PrintService - V3 </a:t>
+            </a:r>
+            <a:r>
+              <a:rPr lang="en-US" altLang="zh-CN" sz="1700" b="1" spc="50" dirty="0" smtClean="0">
+                <a:ln w="12700">
+                  <a:noFill/>
+                  <a:prstDash val="solid"/>
+                </a:ln>
+                <a:solidFill>
+                  <a:schemeClr val="accent4"/>
+                </a:solidFill>
+              </a:rPr>
+              <a:t>(</a:t>
+            </a:r>
+            <a:r>
+              <a:rPr lang="en-US" altLang="zh-CN" sz="1700" spc="50" dirty="0" smtClean="0">
+                <a:ln w="12700">
+                  <a:noFill/>
+                  <a:prstDash val="solid"/>
+                </a:ln>
+                <a:solidFill>
+                  <a:schemeClr val="accent4"/>
+                </a:solidFill>
+              </a:rPr>
+              <a:t>Improved</a:t>
+            </a:r>
+            <a:r>
+              <a:rPr lang="en-US" altLang="zh-CN" sz="1700" b="1" spc="50" dirty="0" smtClean="0">
+                <a:ln w="12700">
+                  <a:noFill/>
+                  <a:prstDash val="solid"/>
+                </a:ln>
+                <a:solidFill>
+                  <a:schemeClr val="accent4"/>
+                </a:solidFill>
+              </a:rPr>
+              <a:t>)</a:t>
+            </a:r>
+            <a:endParaRPr lang="en-US" altLang="en-US" sz="1700" b="1" spc="50" dirty="0">
+              <a:ln w="12700">
+                <a:noFill/>
+                <a:prstDash val="solid"/>
+              </a:ln>
+              <a:solidFill>
+                <a:schemeClr val="accent4"/>
+              </a:solidFill>
+            </a:endParaRPr>
+          </a:p>
+        </p:txBody>
+      </p:sp>
+      <p:sp>
+        <p:nvSpPr>
+          <p:cNvPr id="58" name="Rectangle 2"/>
+          <p:cNvSpPr txBox="1">
+            <a:spLocks noChangeArrowheads="1"/>
+          </p:cNvSpPr>
+          <p:nvPr/>
+        </p:nvSpPr>
+        <p:spPr>
+          <a:xfrm>
+            <a:off x="628650" y="44624"/>
+            <a:ext cx="7886700" cy="1119658"/>
+          </a:xfrm>
+          <a:prstGeom prst="rect">
+            <a:avLst/>
+          </a:prstGeom>
+        </p:spPr>
+        <p:txBody>
+          <a:bodyPr vert="horz" lIns="91440" tIns="45720" rIns="91440" bIns="45720" rtlCol="0" anchor="ctr">
+            <a:normAutofit/>
+          </a:bodyPr>
+          <a:lstStyle>
+            <a:lvl1pPr algn="ctr" defTabSz="914400" rtl="0" eaLnBrk="1" latinLnBrk="0" hangingPunct="1">
+              <a:spcBef>
+                <a:spcPct val="0"/>
+              </a:spcBef>
+              <a:buNone/>
+              <a:defRPr sz="4400" kern="1200">
+                <a:solidFill>
+                  <a:schemeClr val="tx1"/>
+                </a:solidFill>
+                <a:latin typeface="+mj-lt"/>
+                <a:ea typeface="+mj-ea"/>
+                <a:cs typeface="+mj-cs"/>
+              </a:defRPr>
+            </a:lvl1pPr>
+          </a:lstStyle>
+          <a:p>
+            <a:r>
+              <a:rPr lang="en-US" altLang="zh-CN" dirty="0" smtClean="0"/>
+              <a:t>Singleton</a:t>
+            </a:r>
+            <a:endParaRPr lang="zh-CN" altLang="en-US" dirty="0"/>
+          </a:p>
+        </p:txBody>
+      </p:sp>
+    </p:spTree>
+    <p:extLst>
+      <p:ext uri="{BB962C8B-B14F-4D97-AF65-F5344CB8AC3E}">
+        <p14:creationId xmlns:p14="http://schemas.microsoft.com/office/powerpoint/2010/main" val="1036549626"/>
+      </p:ext>
+    </p:extLst>
+  </p:cSld>
+  <p:clrMapOvr>
+    <a:masterClrMapping/>
+  </p:clrMapOvr>
+  <p:timing>
+    <p:tnLst>
+      <p:par>
+        <p:cTn id="1" dur="indefinite" restart="never" nodeType="tmRoot"/>
+      </p:par>
+    </p:tnLst>
+  </p:timing>
+</p:sld>
+</file>
+
+<file path=ppt/slides/slide19.xml><?xml version="1.0" encoding="utf-8"?>
+<p:sld xmlns:a="http://schemas.openxmlformats.org/drawingml/2006/main" xmlns:r="http://schemas.openxmlformats.org/officeDocument/2006/relationships" xmlns:p="http://schemas.openxmlformats.org/presentationml/2006/main">
+  <p:cSld>
+    <p:spTree>
+      <p:nvGrpSpPr>
+        <p:cNvPr id="1" name=""/>
+        <p:cNvGrpSpPr/>
+        <p:nvPr/>
+      </p:nvGrpSpPr>
+      <p:grpSpPr>
+        <a:xfrm>
+          <a:off x="0" y="0"/>
+          <a:ext cx="0" cy="0"/>
+          <a:chOff x="0" y="0"/>
+          <a:chExt cx="0" cy="0"/>
+        </a:xfrm>
+      </p:grpSpPr>
+      <p:sp>
+        <p:nvSpPr>
+          <p:cNvPr id="45" name="TextBox 44"/>
+          <p:cNvSpPr txBox="1"/>
+          <p:nvPr/>
+        </p:nvSpPr>
+        <p:spPr>
+          <a:xfrm>
+            <a:off x="251520" y="980728"/>
+            <a:ext cx="6624736" cy="353943"/>
+          </a:xfrm>
+          <a:prstGeom prst="rect">
+            <a:avLst/>
+          </a:prstGeom>
+          <a:noFill/>
+        </p:spPr>
+        <p:txBody>
+          <a:bodyPr wrap="square" rtlCol="0">
+            <a:spAutoFit/>
+          </a:bodyPr>
+          <a:lstStyle/>
+          <a:p>
+            <a:r>
+              <a:rPr lang="en-US" altLang="zh-CN" sz="1700" b="1" spc="50" dirty="0" smtClean="0">
+                <a:ln w="12700">
+                  <a:noFill/>
+                  <a:prstDash val="solid"/>
+                </a:ln>
+                <a:solidFill>
+                  <a:schemeClr val="accent4"/>
+                </a:solidFill>
+                <a:latin typeface="+mj-lt"/>
+                <a:ea typeface="+mj-ea"/>
+                <a:cs typeface="+mj-cs"/>
+              </a:rPr>
+              <a:t>PrintService - V3 (</a:t>
+            </a:r>
+            <a:r>
+              <a:rPr lang="en-US" altLang="zh-CN" sz="1700" spc="50" dirty="0" smtClean="0">
+                <a:ln w="12700">
+                  <a:noFill/>
+                  <a:prstDash val="solid"/>
+                </a:ln>
+                <a:solidFill>
+                  <a:schemeClr val="accent4"/>
+                </a:solidFill>
+                <a:latin typeface="+mj-lt"/>
+                <a:ea typeface="+mj-ea"/>
+                <a:cs typeface="+mj-cs"/>
+              </a:rPr>
+              <a:t>Improved</a:t>
+            </a:r>
+            <a:r>
+              <a:rPr lang="en-US" altLang="zh-CN" sz="1700" b="1" spc="50" dirty="0" smtClean="0">
+                <a:ln w="12700">
+                  <a:noFill/>
+                  <a:prstDash val="solid"/>
+                </a:ln>
+                <a:solidFill>
+                  <a:schemeClr val="accent4"/>
+                </a:solidFill>
+                <a:latin typeface="+mj-lt"/>
+                <a:ea typeface="+mj-ea"/>
+                <a:cs typeface="+mj-cs"/>
+              </a:rPr>
+              <a:t>)</a:t>
+            </a:r>
+            <a:endParaRPr lang="en-US" altLang="en-US" sz="1700" b="1" spc="50" dirty="0">
+              <a:ln w="12700">
+                <a:noFill/>
+                <a:prstDash val="solid"/>
+              </a:ln>
+              <a:solidFill>
+                <a:schemeClr val="accent4"/>
+              </a:solidFill>
+              <a:latin typeface="+mj-lt"/>
+              <a:ea typeface="+mj-ea"/>
+              <a:cs typeface="+mj-cs"/>
+            </a:endParaRPr>
+          </a:p>
+        </p:txBody>
+      </p:sp>
+      <p:sp>
+        <p:nvSpPr>
+          <p:cNvPr id="58" name="Rectangle 2"/>
+          <p:cNvSpPr txBox="1">
+            <a:spLocks noChangeArrowheads="1"/>
+          </p:cNvSpPr>
+          <p:nvPr/>
+        </p:nvSpPr>
+        <p:spPr>
+          <a:xfrm>
+            <a:off x="628650" y="44624"/>
+            <a:ext cx="7886700" cy="1119658"/>
+          </a:xfrm>
+          <a:prstGeom prst="rect">
+            <a:avLst/>
+          </a:prstGeom>
+        </p:spPr>
+        <p:txBody>
+          <a:bodyPr vert="horz" lIns="91440" tIns="45720" rIns="91440" bIns="45720" rtlCol="0" anchor="ctr">
+            <a:normAutofit/>
+          </a:bodyPr>
+          <a:lstStyle>
+            <a:lvl1pPr algn="ctr" defTabSz="914400" rtl="0" eaLnBrk="1" latinLnBrk="0" hangingPunct="1">
+              <a:spcBef>
+                <a:spcPct val="0"/>
+              </a:spcBef>
+              <a:buNone/>
+              <a:defRPr sz="4400" kern="1200">
+                <a:solidFill>
+                  <a:schemeClr val="tx1"/>
+                </a:solidFill>
+                <a:latin typeface="+mj-lt"/>
+                <a:ea typeface="+mj-ea"/>
+                <a:cs typeface="+mj-cs"/>
+              </a:defRPr>
+            </a:lvl1pPr>
+          </a:lstStyle>
+          <a:p>
+            <a:r>
+              <a:rPr lang="en-US" altLang="zh-CN" dirty="0" smtClean="0"/>
+              <a:t>Singleton</a:t>
+            </a:r>
+            <a:endParaRPr lang="zh-CN" altLang="en-US" dirty="0"/>
+          </a:p>
+        </p:txBody>
+      </p:sp>
+    </p:spTree>
+    <p:extLst>
+      <p:ext uri="{BB962C8B-B14F-4D97-AF65-F5344CB8AC3E}">
+        <p14:creationId xmlns:p14="http://schemas.microsoft.com/office/powerpoint/2010/main" val="1036549626"/>
+      </p:ext>
+    </p:extLst>
+  </p:cSld>
+  <p:clrMapOvr>
+    <a:masterClrMapping/>
+  </p:clrMapOvr>
+  <p:timing>
+    <p:tnLst>
+      <p:par>
+        <p:cTn id="1" dur="indefinite" restart="never" nodeType="tmRoot"/>
+      </p:par>
+    </p:tnLst>
+  </p:timing>
+</p:sld>
+</file>
+
+<file path=ppt/slides/slide2.xml><?xml version="1.0" encoding="utf-8"?>
+<p:sld xmlns:a="http://schemas.openxmlformats.org/drawingml/2006/main" xmlns:r="http://schemas.openxmlformats.org/officeDocument/2006/relationships" xmlns:p="http://schemas.openxmlformats.org/presentationml/2006/main">
+  <p:cSld>
+    <p:spTree>
+      <p:nvGrpSpPr>
+        <p:cNvPr id="1" name=""/>
+        <p:cNvGrpSpPr/>
+        <p:nvPr/>
+      </p:nvGrpSpPr>
+      <p:grpSpPr>
+        <a:xfrm>
+          <a:off x="0" y="0"/>
+          <a:ext cx="0" cy="0"/>
+          <a:chOff x="0" y="0"/>
+          <a:chExt cx="0" cy="0"/>
+        </a:xfrm>
+      </p:grpSpPr>
+      <p:sp>
+        <p:nvSpPr>
+          <p:cNvPr id="6146" name="Rectangle 2"/>
+          <p:cNvSpPr>
+            <a:spLocks noGrp="1" noChangeArrowheads="1"/>
+          </p:cNvSpPr>
+          <p:nvPr>
+            <p:ph type="title"/>
+          </p:nvPr>
+        </p:nvSpPr>
+        <p:spPr>
+          <a:xfrm>
+            <a:off x="457200" y="53752"/>
+            <a:ext cx="8229600" cy="1143000"/>
+          </a:xfrm>
+        </p:spPr>
+        <p:txBody>
+          <a:bodyPr/>
+          <a:lstStyle/>
+          <a:p>
+            <a:r>
+              <a:rPr lang="en-US" altLang="zh-CN" dirty="0" smtClean="0">
+                <a:ea typeface="宋体" pitchFamily="2" charset="-122"/>
+              </a:rPr>
+              <a:t>Agenda</a:t>
+            </a:r>
+            <a:endParaRPr lang="zh-CN" altLang="en-US" dirty="0">
+              <a:ea typeface="宋体" pitchFamily="2" charset="-122"/>
+            </a:endParaRPr>
+          </a:p>
+        </p:txBody>
+      </p:sp>
+      <p:sp>
+        <p:nvSpPr>
+          <p:cNvPr id="45" name="Rectangle 2"/>
+          <p:cNvSpPr txBox="1">
+            <a:spLocks noChangeArrowheads="1"/>
+          </p:cNvSpPr>
+          <p:nvPr/>
+        </p:nvSpPr>
+        <p:spPr>
+          <a:xfrm>
+            <a:off x="1475656" y="1412776"/>
+            <a:ext cx="6336704" cy="5035698"/>
+          </a:xfrm>
+          <a:prstGeom prst="rect">
+            <a:avLst/>
+          </a:prstGeom>
+        </p:spPr>
+        <p:txBody>
+          <a:bodyPr vert="horz" rtlCol="0" anchor="ctr">
+            <a:normAutofit/>
+            <a:scene3d>
+              <a:camera prst="orthographicFront"/>
+              <a:lightRig rig="soft" dir="t"/>
+            </a:scene3d>
+            <a:sp3d prstMaterial="matte">
+              <a:bevelT w="12700" h="12700"/>
+            </a:sp3d>
+          </a:bodyPr>
+          <a:lstStyle>
+            <a:lvl1pPr algn="l" rtl="0" eaLnBrk="1" latinLnBrk="0" hangingPunct="1">
+              <a:spcBef>
+                <a:spcPct val="0"/>
+              </a:spcBef>
+              <a:buNone/>
+              <a:defRPr kumimoji="0" lang="zh-CN" altLang="en-US" sz="4400" b="0" kern="1200" spc="50">
+                <a:ln w="12700">
+                  <a:noFill/>
+                  <a:prstDash val="solid"/>
+                </a:ln>
+                <a:solidFill>
+                  <a:schemeClr val="accent4"/>
+                </a:solidFill>
+                <a:effectLst>
+                  <a:outerShdw blurRad="38100" dist="20320" dir="2700000" algn="tl" rotWithShape="0">
+                    <a:srgbClr val="000000">
+                      <a:alpha val="70000"/>
+                    </a:srgbClr>
+                  </a:outerShdw>
+                </a:effectLst>
+                <a:latin typeface="+mj-lt"/>
+                <a:ea typeface="+mj-ea"/>
+                <a:cs typeface="+mj-cs"/>
+              </a:defRPr>
+            </a:lvl1pPr>
+            <a:lvl2pPr eaLnBrk="1" latinLnBrk="0" hangingPunct="1">
+              <a:defRPr kumimoji="0">
+                <a:solidFill>
+                  <a:schemeClr val="tx2"/>
+                </a:solidFill>
+              </a:defRPr>
+            </a:lvl2pPr>
+            <a:lvl3pPr eaLnBrk="1" latinLnBrk="0" hangingPunct="1">
+              <a:defRPr kumimoji="0">
+                <a:solidFill>
+                  <a:schemeClr val="tx2"/>
+                </a:solidFill>
+              </a:defRPr>
+            </a:lvl3pPr>
+            <a:lvl4pPr eaLnBrk="1" latinLnBrk="0" hangingPunct="1">
+              <a:defRPr kumimoji="0">
+                <a:solidFill>
+                  <a:schemeClr val="tx2"/>
+                </a:solidFill>
+              </a:defRPr>
+            </a:lvl4pPr>
+            <a:lvl5pPr eaLnBrk="1" latinLnBrk="0" hangingPunct="1">
+              <a:defRPr kumimoji="0">
+                <a:solidFill>
+                  <a:schemeClr val="tx2"/>
+                </a:solidFill>
+              </a:defRPr>
+            </a:lvl5pPr>
+            <a:lvl6pPr eaLnBrk="1" latinLnBrk="0" hangingPunct="1">
+              <a:defRPr kumimoji="0">
+                <a:solidFill>
+                  <a:schemeClr val="tx2"/>
+                </a:solidFill>
+              </a:defRPr>
+            </a:lvl6pPr>
+            <a:lvl7pPr eaLnBrk="1" latinLnBrk="0" hangingPunct="1">
+              <a:defRPr kumimoji="0">
+                <a:solidFill>
+                  <a:schemeClr val="tx2"/>
+                </a:solidFill>
+              </a:defRPr>
+            </a:lvl7pPr>
+            <a:lvl8pPr eaLnBrk="1" latinLnBrk="0" hangingPunct="1">
+              <a:defRPr kumimoji="0">
+                <a:solidFill>
+                  <a:schemeClr val="tx2"/>
+                </a:solidFill>
+              </a:defRPr>
+            </a:lvl8pPr>
+            <a:lvl9pPr eaLnBrk="1" latinLnBrk="0" hangingPunct="1">
+              <a:defRPr kumimoji="0">
+                <a:solidFill>
+                  <a:schemeClr val="tx2"/>
+                </a:solidFill>
+              </a:defRPr>
+            </a:lvl9pPr>
+          </a:lstStyle>
+          <a:p>
+            <a:pPr marL="342900" indent="-342900">
+              <a:buFont typeface="Arial" panose="020B0604020202020204" pitchFamily="34" charset="0"/>
+              <a:buChar char="•"/>
+            </a:pPr>
+            <a:r>
+              <a:rPr lang="en-US" altLang="zh-CN" sz="2400" dirty="0" smtClean="0">
+                <a:solidFill>
+                  <a:srgbClr val="002060"/>
+                </a:solidFill>
+                <a:effectLst/>
+                <a:latin typeface="+mn-ea"/>
+                <a:ea typeface="+mn-ea"/>
+              </a:rPr>
+              <a:t>Singleton</a:t>
+            </a:r>
+          </a:p>
+          <a:p>
+            <a:pPr marL="342900" indent="-342900">
+              <a:buAutoNum type="arabicPeriod"/>
+            </a:pPr>
+            <a:endParaRPr lang="en-US" altLang="zh-CN" sz="2400" dirty="0">
+              <a:solidFill>
+                <a:srgbClr val="002060"/>
+              </a:solidFill>
+              <a:effectLst/>
+              <a:latin typeface="+mn-ea"/>
+            </a:endParaRPr>
+          </a:p>
+          <a:p>
+            <a:pPr marL="342900" indent="-342900">
+              <a:buFont typeface="Arial" panose="020B0604020202020204" pitchFamily="34" charset="0"/>
+              <a:buChar char="•"/>
+            </a:pPr>
+            <a:r>
+              <a:rPr lang="en-US" altLang="zh-CN" sz="2400" dirty="0" smtClean="0">
+                <a:solidFill>
+                  <a:srgbClr val="002060"/>
+                </a:solidFill>
+                <a:effectLst/>
+                <a:latin typeface="+mn-ea"/>
+              </a:rPr>
+              <a:t>Singleton VS. </a:t>
+            </a:r>
+            <a:endParaRPr lang="zh-CN" altLang="en-US" sz="2400" dirty="0">
+              <a:solidFill>
+                <a:srgbClr val="002060"/>
+              </a:solidFill>
+              <a:latin typeface="+mn-ea"/>
+              <a:ea typeface="+mn-ea"/>
+            </a:endParaRPr>
+          </a:p>
+        </p:txBody>
+      </p:sp>
+    </p:spTree>
+    <p:extLst>
+      <p:ext uri="{BB962C8B-B14F-4D97-AF65-F5344CB8AC3E}">
+        <p14:creationId xmlns:p14="http://schemas.microsoft.com/office/powerpoint/2010/main" val="2916733130"/>
+      </p:ext>
+    </p:extLst>
+  </p:cSld>
+  <p:clrMapOvr>
+    <a:masterClrMapping/>
+  </p:clrMapOvr>
+  <p:transition/>
+  <p:timing>
+    <p:tnLst>
+      <p:par>
+        <p:cTn id="1" dur="indefinite" restart="never" nodeType="tmRoot"/>
+      </p:par>
+    </p:tnLst>
+  </p:timing>
+</p:sld>
+</file>
+
+<file path=ppt/slides/slide20.xml><?xml version="1.0" encoding="utf-8"?>
 <p:sld xmlns:a="http://schemas.openxmlformats.org/drawingml/2006/main" xmlns:r="http://schemas.openxmlformats.org/officeDocument/2006/relationships" xmlns:p="http://schemas.openxmlformats.org/presentationml/2006/main">
   <p:cSld>
     <p:spTree>
@@ -6702,7 +9265,7 @@
 </p:sld>
 </file>
 
-<file path=ppt/slides/slide15.xml><?xml version="1.0" encoding="utf-8"?>
+<file path=ppt/slides/slide21.xml><?xml version="1.0" encoding="utf-8"?>
 <p:sld xmlns:a="http://schemas.openxmlformats.org/drawingml/2006/main" xmlns:r="http://schemas.openxmlformats.org/officeDocument/2006/relationships" xmlns:p="http://schemas.openxmlformats.org/presentationml/2006/main">
   <p:cSld>
     <p:spTree>
@@ -7050,35 +9613,8 @@
                 <a:ea typeface="+mj-ea"/>
                 <a:cs typeface="+mj-cs"/>
               </a:rPr>
-              <a:t>• </a:t>
-            </a:r>
-            <a:r>
-              <a:rPr lang="pt-BR" sz="1400" b="1" spc="50" dirty="0" smtClean="0">
-                <a:ln w="12700">
-                  <a:noFill/>
-                  <a:prstDash val="solid"/>
-                </a:ln>
-                <a:solidFill>
-                  <a:schemeClr val="accent4"/>
-                </a:solidFill>
-                <a:latin typeface="+mj-lt"/>
-                <a:ea typeface="+mj-ea"/>
-                <a:cs typeface="+mj-cs"/>
-              </a:rPr>
-              <a:t>Singleton（ComputerSingleton）</a:t>
-            </a:r>
-            <a:endParaRPr lang="pt-BR" sz="1400" b="1" spc="50" dirty="0" smtClean="0">
-              <a:ln w="12700">
-                <a:noFill/>
-                <a:prstDash val="solid"/>
-              </a:ln>
-              <a:solidFill>
-                <a:schemeClr val="accent4"/>
-              </a:solidFill>
-              <a:latin typeface="+mj-lt"/>
-              <a:ea typeface="+mj-ea"/>
-              <a:cs typeface="+mj-cs"/>
-            </a:endParaRPr>
+              <a:t>• Singleton（ComputerSingleton）</a:t>
+            </a:r>
           </a:p>
           <a:p>
             <a:endParaRPr lang="pt-BR" sz="1400" b="1" spc="50" dirty="0">
@@ -7228,18 +9764,6 @@
               </a:rPr>
               <a:t>ConcreteSingleton（ComputerDomesticLevel001Singleton, ComputerGameLevel001Singleton...）</a:t>
             </a:r>
-            <a:endParaRPr lang="pt-BR" sz="1400" b="1" spc="50" dirty="0" smtClean="0">
-              <a:ln w="12700">
-                <a:noFill/>
-                <a:prstDash val="solid"/>
-              </a:ln>
-              <a:solidFill>
-                <a:schemeClr val="accent4"/>
-              </a:solidFill>
-              <a:latin typeface="+mj-lt"/>
-              <a:ea typeface="+mj-ea"/>
-              <a:cs typeface="+mj-cs"/>
-            </a:endParaRPr>
           </a:p>
           <a:p>
             <a:endParaRPr lang="pt-BR" sz="1400" b="1" spc="50" dirty="0">
@@ -8016,7 +10540,7 @@
 </p:sld>
 </file>
 
-<file path=ppt/slides/slide16.xml><?xml version="1.0" encoding="utf-8"?>
+<file path=ppt/slides/slide22.xml><?xml version="1.0" encoding="utf-8"?>
 <p:sld xmlns:a="http://schemas.openxmlformats.org/drawingml/2006/main" xmlns:r="http://schemas.openxmlformats.org/officeDocument/2006/relationships" xmlns:p="http://schemas.openxmlformats.org/presentationml/2006/main">
   <p:cSld>
     <p:spTree>
@@ -8050,7 +10574,7 @@
         </p:spPr>
         <p:txBody>
           <a:bodyPr vert="horz" rtlCol="0" anchor="ctr">
-            <a:normAutofit fontScale="92500" lnSpcReduction="20000"/>
+            <a:normAutofit/>
             <a:scene3d>
               <a:camera prst="orthographicFront"/>
               <a:lightRig rig="soft" dir="t"/>
@@ -8169,37 +10693,7 @@
                 <a:ea typeface="+mj-ea"/>
                 <a:cs typeface="+mj-cs"/>
               </a:rPr>
-              <a:t>可以</a:t>
-            </a:r>
-            <a:r>
-              <a:rPr lang="zh-CN" altLang="en-US" sz="1600" b="1" spc="50" dirty="0">
-                <a:ln w="12700">
-                  <a:noFill/>
-                  <a:prstDash val="solid"/>
-                </a:ln>
-                <a:solidFill>
-                  <a:schemeClr val="accent4"/>
-                </a:solidFill>
-                <a:latin typeface="+mj-lt"/>
-                <a:ea typeface="+mj-ea"/>
-                <a:cs typeface="+mj-cs"/>
-              </a:rPr>
-              <a:t>改变一个产品的内部</a:t>
-            </a:r>
-            <a:r>
-              <a:rPr lang="zh-CN" altLang="en-US" sz="1600" b="1" spc="50" dirty="0" smtClean="0">
-                <a:ln w="12700">
-                  <a:noFill/>
-                  <a:prstDash val="solid"/>
-                </a:ln>
-                <a:solidFill>
-                  <a:schemeClr val="accent4"/>
-                </a:solidFill>
-                <a:latin typeface="+mj-lt"/>
-                <a:ea typeface="+mj-ea"/>
-                <a:cs typeface="+mj-cs"/>
-              </a:rPr>
-              <a:t>表示</a:t>
+              <a:t>实例唯一，访问受控</a:t>
             </a:r>
             <a:endParaRPr lang="en-US" altLang="zh-CN" sz="1600" b="1" spc="50" dirty="0">
               <a:ln w="12700">
@@ -8272,37 +10766,7 @@
                 <a:ea typeface="+mj-ea"/>
                 <a:cs typeface="+mj-cs"/>
               </a:rPr>
-              <a:t>新</a:t>
-            </a:r>
-            <a:r>
-              <a:rPr lang="zh-CN" altLang="en-US" sz="1600" b="1" spc="50" dirty="0">
-                <a:ln w="12700">
-                  <a:noFill/>
-                  <a:prstDash val="solid"/>
-                </a:ln>
-                <a:solidFill>
-                  <a:schemeClr val="accent4"/>
-                </a:solidFill>
-                <a:latin typeface="+mj-lt"/>
-                <a:ea typeface="+mj-ea"/>
-                <a:cs typeface="+mj-cs"/>
-              </a:rPr>
-              <a:t>的</a:t>
-            </a:r>
-            <a:r>
-              <a:rPr lang="zh-CN" altLang="en-US" sz="1600" b="1" spc="50" dirty="0" smtClean="0">
-                <a:ln w="12700">
-                  <a:noFill/>
-                  <a:prstDash val="solid"/>
-                </a:ln>
-                <a:solidFill>
-                  <a:schemeClr val="accent4"/>
-                </a:solidFill>
-                <a:latin typeface="+mj-lt"/>
-                <a:ea typeface="+mj-ea"/>
-                <a:cs typeface="+mj-cs"/>
-              </a:rPr>
-              <a:t>生成器</a:t>
+              <a:t>自身存储其唯一实例，并严格控制对该实例的访问方式</a:t>
             </a:r>
             <a:endParaRPr lang="en-US" altLang="zh-CN" sz="1600" b="1" spc="50" dirty="0" smtClean="0">
               <a:ln w="12700">
@@ -8377,41 +10841,8 @@
                 <a:solidFill>
                   <a:schemeClr val="accent4"/>
                 </a:solidFill>
-                <a:latin typeface="+mj-lt"/>
-                <a:ea typeface="+mj-ea"/>
-                <a:cs typeface="+mj-cs"/>
-              </a:rPr>
-              <a:t>将</a:t>
-            </a:r>
-            <a:r>
-              <a:rPr lang="zh-CN" altLang="en-US" sz="1600" b="1" spc="50" dirty="0">
-                <a:ln w="12700">
-                  <a:noFill/>
-                  <a:prstDash val="solid"/>
-                </a:ln>
-                <a:solidFill>
-                  <a:schemeClr val="accent4"/>
-                </a:solidFill>
-                <a:latin typeface="+mj-lt"/>
-                <a:ea typeface="+mj-ea"/>
-                <a:cs typeface="+mj-cs"/>
-              </a:rPr>
-              <a:t>构造代码和表示代码</a:t>
-            </a:r>
-            <a:r>
-              <a:rPr lang="zh-CN" altLang="en-US" sz="1600" b="1" spc="50" dirty="0" smtClean="0">
-                <a:ln w="12700">
-                  <a:noFill/>
-                  <a:prstDash val="solid"/>
-                </a:ln>
-                <a:solidFill>
-                  <a:schemeClr val="accent4"/>
-                </a:solidFill>
-                <a:latin typeface="+mj-lt"/>
-                <a:ea typeface="+mj-ea"/>
-                <a:cs typeface="+mj-cs"/>
-              </a:rPr>
-              <a:t>分离</a:t>
+              </a:rPr>
+              <a:t>支持扩展</a:t>
             </a:r>
             <a:endParaRPr lang="en-US" altLang="zh-CN" sz="1600" b="1" spc="50" dirty="0" smtClean="0">
               <a:ln w="12700">
@@ -8469,7 +10900,110 @@
                 <a:ea typeface="+mj-ea"/>
                 <a:cs typeface="+mj-cs"/>
               </a:rPr>
-              <a:t>封装了产品的构造算法</a:t>
+              <a:t>继承</a:t>
+            </a:r>
+            <a:r>
+              <a:rPr lang="en-US" altLang="zh-CN" sz="1600" b="1" spc="50" dirty="0" smtClean="0">
+                <a:ln w="12700">
+                  <a:noFill/>
+                  <a:prstDash val="solid"/>
+                </a:ln>
+                <a:solidFill>
+                  <a:schemeClr val="accent4"/>
+                </a:solidFill>
+                <a:latin typeface="+mj-lt"/>
+                <a:ea typeface="+mj-ea"/>
+                <a:cs typeface="+mj-cs"/>
+              </a:rPr>
+              <a:t>: Singleton</a:t>
+            </a:r>
+            <a:r>
+              <a:rPr lang="zh-CN" altLang="en-US" sz="1600" b="1" spc="50" dirty="0" smtClean="0">
+                <a:ln w="12700">
+                  <a:noFill/>
+                  <a:prstDash val="solid"/>
+                </a:ln>
+                <a:solidFill>
+                  <a:schemeClr val="accent4"/>
+                </a:solidFill>
+                <a:latin typeface="+mj-lt"/>
+                <a:ea typeface="+mj-ea"/>
+                <a:cs typeface="+mj-cs"/>
+              </a:rPr>
+              <a:t>子类</a:t>
+            </a:r>
+            <a:endParaRPr lang="en-US" altLang="zh-CN" sz="1600" b="1" spc="50" dirty="0">
+              <a:ln w="12700">
+                <a:noFill/>
+                <a:prstDash val="solid"/>
+              </a:ln>
+              <a:solidFill>
+                <a:schemeClr val="accent4"/>
+              </a:solidFill>
+              <a:latin typeface="+mj-lt"/>
+              <a:ea typeface="+mj-ea"/>
+              <a:cs typeface="+mj-cs"/>
+            </a:endParaRPr>
+          </a:p>
+          <a:p>
+            <a:endParaRPr lang="en-US" altLang="zh-CN" sz="1600" b="1" spc="50" dirty="0">
+              <a:ln w="12700">
+                <a:noFill/>
+                <a:prstDash val="solid"/>
+              </a:ln>
+              <a:solidFill>
+                <a:schemeClr val="accent4"/>
+              </a:solidFill>
+              <a:latin typeface="+mj-lt"/>
+              <a:ea typeface="+mj-ea"/>
+              <a:cs typeface="+mj-cs"/>
+            </a:endParaRPr>
+          </a:p>
+          <a:p>
+            <a:r>
+              <a:rPr lang="zh-CN" altLang="en-US" sz="1600" b="1" spc="50" dirty="0" smtClean="0">
+                <a:ln w="12700">
+                  <a:noFill/>
+                  <a:prstDash val="solid"/>
+                </a:ln>
+                <a:solidFill>
+                  <a:schemeClr val="accent4"/>
+                </a:solidFill>
+                <a:latin typeface="+mj-lt"/>
+                <a:ea typeface="+mj-ea"/>
+                <a:cs typeface="+mj-cs"/>
+              </a:rPr>
+              <a:t>      </a:t>
+            </a:r>
+            <a:r>
+              <a:rPr lang="en-US" altLang="zh-CN" sz="1600" b="1" spc="50" dirty="0" smtClean="0">
+                <a:ln w="12700">
+                  <a:noFill/>
+                  <a:prstDash val="solid"/>
+                </a:ln>
+                <a:solidFill>
+                  <a:schemeClr val="accent4"/>
+                </a:solidFill>
+                <a:latin typeface="+mj-lt"/>
+                <a:ea typeface="+mj-ea"/>
+                <a:cs typeface="+mj-cs"/>
+              </a:rPr>
+              <a:t>- </a:t>
+            </a:r>
+            <a:r>
+              <a:rPr lang="zh-CN" altLang="en-US" sz="1600" b="1" spc="50" dirty="0" smtClean="0">
+                <a:ln w="12700">
+                  <a:noFill/>
+                  <a:prstDash val="solid"/>
+                </a:ln>
+                <a:solidFill>
+                  <a:schemeClr val="accent4"/>
+                </a:solidFill>
+                <a:latin typeface="+mj-lt"/>
+                <a:ea typeface="+mj-ea"/>
+                <a:cs typeface="+mj-cs"/>
+              </a:rPr>
+              <a:t>实例数量可变</a:t>
             </a:r>
             <a:endParaRPr lang="en-US" altLang="zh-CN" sz="1600" b="1" spc="50" dirty="0" smtClean="0">
               <a:ln w="12700">
@@ -8485,51 +11019,6 @@
             </a:endParaRPr>
           </a:p>
           <a:p>
-            <a:r>
-              <a:rPr lang="en-US" altLang="zh-CN" sz="1600" b="1" spc="50" dirty="0">
-                <a:ln w="12700">
-                  <a:noFill/>
-                  <a:prstDash val="solid"/>
-                </a:ln>
-                <a:solidFill>
-                  <a:schemeClr val="accent4"/>
-                </a:solidFill>
-                <a:latin typeface="+mj-lt"/>
-                <a:ea typeface="+mj-ea"/>
-                <a:cs typeface="+mj-cs"/>
-              </a:rPr>
-              <a:t> </a:t>
-            </a:r>
-            <a:r>
-              <a:rPr lang="en-US" altLang="zh-CN" sz="1600" b="1" spc="50" dirty="0" smtClean="0">
-                <a:ln w="12700">
-                  <a:noFill/>
-                  <a:prstDash val="solid"/>
-                </a:ln>
-                <a:solidFill>
-                  <a:schemeClr val="accent4"/>
-                </a:solidFill>
-                <a:latin typeface="+mj-lt"/>
-                <a:ea typeface="+mj-ea"/>
-                <a:cs typeface="+mj-cs"/>
-              </a:rPr>
-              <a:t>             </a:t>
-            </a:r>
-            <a:r>
-              <a:rPr lang="zh-CN" altLang="en-US" sz="1600" b="1" spc="50" dirty="0" smtClean="0">
-                <a:ln w="12700">
-                  <a:noFill/>
-                  <a:prstDash val="solid"/>
-                </a:ln>
-                <a:solidFill>
-                  <a:schemeClr val="accent4"/>
-                </a:solidFill>
-                <a:latin typeface="+mj-lt"/>
-                <a:ea typeface="+mj-ea"/>
-                <a:cs typeface="+mj-cs"/>
-              </a:rPr>
-              <a:t>封装了产品的表示方式</a:t>
-            </a:r>
             <a:endParaRPr lang="en-US" altLang="zh-CN" sz="1600" b="1" spc="50" dirty="0" smtClean="0">
               <a:ln w="12700">
                 <a:noFill/>
@@ -8572,7 +11061,7 @@
                 <a:ea typeface="+mj-ea"/>
                 <a:cs typeface="+mj-cs"/>
               </a:rPr>
-              <a:t>             </a:t>
+              <a:t>              </a:t>
             </a:r>
             <a:r>
               <a:rPr lang="zh-CN" altLang="en-US" sz="1600" b="1" spc="50" dirty="0" smtClean="0">
@@ -8587,36 +11076,23 @@
                 <a:ea typeface="+mj-ea"/>
                 <a:cs typeface="+mj-cs"/>
               </a:rPr>
-              <a:t>算法 和 表示 相互独立，各自演变</a:t>
-            </a:r>
-            <a:endParaRPr lang="en-US" altLang="zh-CN" sz="1600" b="1" spc="50" dirty="0">
-              <a:ln w="12700">
-                <a:noFill/>
-                <a:prstDash val="solid"/>
-              </a:ln>
-              <a:solidFill>
-                <a:schemeClr val="accent4"/>
-              </a:solidFill>
-              <a:latin typeface="+mj-lt"/>
-              <a:ea typeface="+mj-ea"/>
-              <a:cs typeface="+mj-cs"/>
-            </a:endParaRPr>
-          </a:p>
-          <a:p>
-            <a:endParaRPr lang="en-US" altLang="zh-CN" sz="1600" b="1" spc="50" dirty="0">
-              <a:ln w="12700">
-                <a:noFill/>
-                <a:prstDash val="solid"/>
-              </a:ln>
-              <a:solidFill>
-                <a:schemeClr val="accent4"/>
-              </a:solidFill>
-              <a:latin typeface="+mj-lt"/>
-              <a:ea typeface="+mj-ea"/>
-              <a:cs typeface="+mj-cs"/>
-            </a:endParaRPr>
-          </a:p>
-          <a:p>
+              <a:t>内部封装一定数量的实例</a:t>
+            </a:r>
+            <a:r>
+              <a:rPr lang="en-US" altLang="zh-CN" sz="1600" b="1" spc="50" dirty="0" smtClean="0">
+                <a:ln w="12700">
+                  <a:noFill/>
+                  <a:prstDash val="solid"/>
+                </a:ln>
+                <a:solidFill>
+                  <a:schemeClr val="accent4"/>
+                </a:solidFill>
+                <a:latin typeface="+mj-lt"/>
+                <a:ea typeface="+mj-ea"/>
+                <a:cs typeface="+mj-cs"/>
+              </a:rPr>
+              <a:t>, </a:t>
+            </a:r>
             <a:r>
               <a:rPr lang="zh-CN" altLang="en-US" sz="1600" b="1" spc="50" dirty="0" smtClean="0">
                 <a:ln w="12700">
@@ -8630,7 +11106,22 @@
                 <a:ea typeface="+mj-ea"/>
                 <a:cs typeface="+mj-cs"/>
               </a:rPr>
-              <a:t>      </a:t>
+              <a:t>当</a:t>
+            </a:r>
+            <a:r>
+              <a:rPr lang="zh-CN" altLang="en-US" sz="1600" b="1" spc="50" dirty="0" smtClean="0">
+                <a:ln w="12700">
+                  <a:noFill/>
+                  <a:prstDash val="solid"/>
+                </a:ln>
+                <a:solidFill>
+                  <a:schemeClr val="accent4"/>
+                </a:solidFill>
+                <a:latin typeface="+mj-lt"/>
+                <a:ea typeface="+mj-ea"/>
+                <a:cs typeface="+mj-cs"/>
+              </a:rPr>
+              <a:t>客户端请求时</a:t>
             </a:r>
             <a:r>
               <a:rPr lang="en-US" altLang="zh-CN" sz="1600" b="1" spc="50" dirty="0" smtClean="0">
@@ -8645,53 +11136,10 @@
                 <a:ea typeface="+mj-ea"/>
                 <a:cs typeface="+mj-cs"/>
               </a:rPr>
-              <a:t>- </a:t>
-            </a:r>
-            <a:r>
-              <a:rPr lang="zh-CN" altLang="en-US" sz="1600" b="1" spc="50" dirty="0" smtClean="0">
-                <a:ln w="12700">
-                  <a:noFill/>
-                  <a:prstDash val="solid"/>
-                </a:ln>
-                <a:solidFill>
-                  <a:schemeClr val="accent4"/>
-                </a:solidFill>
-                <a:latin typeface="+mj-lt"/>
-                <a:ea typeface="+mj-ea"/>
-                <a:cs typeface="+mj-cs"/>
-              </a:rPr>
-              <a:t>可</a:t>
-            </a:r>
-            <a:r>
-              <a:rPr lang="zh-CN" altLang="en-US" sz="1600" b="1" spc="50" dirty="0">
-                <a:ln w="12700">
-                  <a:noFill/>
-                  <a:prstDash val="solid"/>
-                </a:ln>
-                <a:solidFill>
-                  <a:schemeClr val="accent4"/>
-                </a:solidFill>
-                <a:latin typeface="+mj-lt"/>
-                <a:ea typeface="+mj-ea"/>
-                <a:cs typeface="+mj-cs"/>
-              </a:rPr>
-              <a:t>对构造过程进行更精细的</a:t>
-            </a:r>
-            <a:r>
-              <a:rPr lang="zh-CN" altLang="en-US" sz="1600" b="1" spc="50" dirty="0" smtClean="0">
-                <a:ln w="12700">
-                  <a:noFill/>
-                  <a:prstDash val="solid"/>
-                </a:ln>
-                <a:solidFill>
-                  <a:schemeClr val="accent4"/>
-                </a:solidFill>
-                <a:latin typeface="+mj-lt"/>
-                <a:ea typeface="+mj-ea"/>
-                <a:cs typeface="+mj-cs"/>
-              </a:rPr>
-              <a:t>控制</a:t>
-            </a:r>
+              <a:t>:</a:t>
+            </a:r>
+          </a:p>
+          <a:p>
             <a:endParaRPr lang="en-US" altLang="zh-CN" sz="1600" b="1" spc="50" dirty="0" smtClean="0">
               <a:ln w="12700">
                 <a:noFill/>
@@ -8706,6 +11154,51 @@
             </a:endParaRPr>
           </a:p>
           <a:p>
+            <a:r>
+              <a:rPr lang="en-US" altLang="zh-CN" sz="1600" b="1" spc="50" dirty="0">
+                <a:ln w="12700">
+                  <a:noFill/>
+                  <a:prstDash val="solid"/>
+                </a:ln>
+                <a:solidFill>
+                  <a:schemeClr val="accent4"/>
+                </a:solidFill>
+                <a:latin typeface="+mj-lt"/>
+                <a:ea typeface="+mj-ea"/>
+                <a:cs typeface="+mj-cs"/>
+              </a:rPr>
+              <a:t>	</a:t>
+            </a:r>
+            <a:r>
+              <a:rPr lang="en-US" altLang="zh-CN" sz="1600" b="1" spc="50" dirty="0" smtClean="0">
+                <a:ln w="12700">
+                  <a:noFill/>
+                  <a:prstDash val="solid"/>
+                </a:ln>
+                <a:solidFill>
+                  <a:schemeClr val="accent4"/>
+                </a:solidFill>
+                <a:latin typeface="+mj-lt"/>
+                <a:ea typeface="+mj-ea"/>
+                <a:cs typeface="+mj-cs"/>
+              </a:rPr>
+              <a:t>      </a:t>
+            </a:r>
+            <a:r>
+              <a:rPr lang="zh-CN" altLang="en-US" sz="1600" b="1" spc="50" dirty="0" smtClean="0">
+                <a:ln w="12700">
+                  <a:noFill/>
+                  <a:prstDash val="solid"/>
+                </a:ln>
+                <a:solidFill>
+                  <a:schemeClr val="accent4"/>
+                </a:solidFill>
+                <a:latin typeface="+mj-lt"/>
+                <a:ea typeface="+mj-ea"/>
+                <a:cs typeface="+mj-cs"/>
+              </a:rPr>
+              <a:t>返回其中一个</a:t>
+            </a:r>
             <a:endParaRPr lang="en-US" altLang="zh-CN" sz="1600" b="1" spc="50" dirty="0" smtClean="0">
               <a:ln w="12700">
                 <a:noFill/>
@@ -8720,128 +11213,6 @@
             </a:endParaRPr>
           </a:p>
           <a:p>
-            <a:r>
-              <a:rPr lang="en-US" altLang="zh-CN" sz="1600" b="1" spc="50" dirty="0">
-                <a:ln w="12700">
-                  <a:noFill/>
-                  <a:prstDash val="solid"/>
-                </a:ln>
-                <a:solidFill>
-                  <a:schemeClr val="accent4"/>
-                </a:solidFill>
-                <a:latin typeface="+mj-lt"/>
-                <a:ea typeface="+mj-ea"/>
-                <a:cs typeface="+mj-cs"/>
-              </a:rPr>
-              <a:t> </a:t>
-            </a:r>
-            <a:r>
-              <a:rPr lang="en-US" altLang="zh-CN" sz="1600" b="1" spc="50" dirty="0" smtClean="0">
-                <a:ln w="12700">
-                  <a:noFill/>
-                  <a:prstDash val="solid"/>
-                </a:ln>
-                <a:solidFill>
-                  <a:schemeClr val="accent4"/>
-                </a:solidFill>
-                <a:latin typeface="+mj-lt"/>
-                <a:ea typeface="+mj-ea"/>
-                <a:cs typeface="+mj-cs"/>
-              </a:rPr>
-              <a:t>              </a:t>
-            </a:r>
-            <a:r>
-              <a:rPr lang="zh-CN" altLang="en-US" sz="1600" b="1" spc="50" dirty="0" smtClean="0">
-                <a:ln w="12700">
-                  <a:noFill/>
-                  <a:prstDash val="solid"/>
-                </a:ln>
-                <a:solidFill>
-                  <a:schemeClr val="accent4"/>
-                </a:solidFill>
-                <a:latin typeface="+mj-lt"/>
-                <a:ea typeface="+mj-ea"/>
-                <a:cs typeface="+mj-cs"/>
-              </a:rPr>
-              <a:t>比较：</a:t>
-            </a:r>
-            <a:endParaRPr lang="zh-CN" altLang="en-US" sz="1600" b="1" spc="50" dirty="0">
-              <a:ln w="12700">
-                <a:noFill/>
-                <a:prstDash val="solid"/>
-              </a:ln>
-              <a:solidFill>
-                <a:schemeClr val="accent4"/>
-              </a:solidFill>
-              <a:latin typeface="+mj-lt"/>
-              <a:ea typeface="+mj-ea"/>
-              <a:cs typeface="+mj-cs"/>
-            </a:endParaRPr>
-          </a:p>
-          <a:p>
-            <a:r>
-              <a:rPr lang="zh-CN" altLang="en-US" sz="1600" b="1" spc="50" dirty="0" smtClean="0">
-                <a:ln w="12700">
-                  <a:noFill/>
-                  <a:prstDash val="solid"/>
-                </a:ln>
-                <a:solidFill>
-                  <a:schemeClr val="accent4"/>
-                </a:solidFill>
-              </a:rPr>
-              <a:t>                         其他创建</a:t>
-            </a:r>
-            <a:r>
-              <a:rPr lang="zh-CN" altLang="en-US" sz="1600" b="1" spc="50" dirty="0">
-                <a:ln w="12700">
-                  <a:noFill/>
-                  <a:prstDash val="solid"/>
-                </a:ln>
-                <a:solidFill>
-                  <a:schemeClr val="accent4"/>
-                </a:solidFill>
-              </a:rPr>
-              <a:t>型</a:t>
-            </a:r>
-            <a:r>
-              <a:rPr lang="zh-CN" altLang="en-US" sz="1600" b="1" spc="50" dirty="0" smtClean="0">
-                <a:ln w="12700">
-                  <a:noFill/>
-                  <a:prstDash val="solid"/>
-                </a:ln>
-                <a:solidFill>
-                  <a:schemeClr val="accent4"/>
-                </a:solidFill>
-              </a:rPr>
-              <a:t>模式</a:t>
-            </a:r>
-            <a:r>
-              <a:rPr lang="en-US" altLang="zh-CN" sz="1600" b="1" spc="50" dirty="0" smtClean="0">
-                <a:ln w="12700">
-                  <a:noFill/>
-                  <a:prstDash val="solid"/>
-                </a:ln>
-                <a:solidFill>
-                  <a:schemeClr val="accent4"/>
-                </a:solidFill>
-              </a:rPr>
-              <a:t>: </a:t>
-            </a:r>
-            <a:r>
-              <a:rPr lang="zh-CN" altLang="en-US" sz="1600" b="1" spc="50" dirty="0" smtClean="0">
-                <a:ln w="12700">
-                  <a:noFill/>
-                  <a:prstDash val="solid"/>
-                </a:ln>
-                <a:solidFill>
-                  <a:schemeClr val="accent4"/>
-                </a:solidFill>
-                <a:latin typeface="+mj-lt"/>
-                <a:ea typeface="+mj-ea"/>
-                <a:cs typeface="+mj-cs"/>
-              </a:rPr>
-              <a:t>一下子生成</a:t>
-            </a:r>
             <a:endParaRPr lang="en-US" altLang="zh-CN" sz="1600" b="1" spc="50" dirty="0" smtClean="0">
               <a:ln w="12700">
                 <a:noFill/>
@@ -8856,20 +11227,36 @@
             </a:endParaRPr>
           </a:p>
           <a:p>
-            <a:endParaRPr lang="en-US" altLang="zh-CN" sz="1600" b="1" spc="50" dirty="0" smtClean="0">
-              <a:ln w="12700">
-                <a:noFill/>
-                <a:prstDash val="solid"/>
-              </a:ln>
-              <a:solidFill>
-                <a:schemeClr val="accent4"/>
-              </a:solidFill>
-              <a:latin typeface="+mj-lt"/>
-              <a:ea typeface="+mj-ea"/>
-              <a:cs typeface="+mj-cs"/>
-            </a:endParaRPr>
-          </a:p>
-          <a:p>
+            <a:r>
+              <a:rPr lang="en-US" altLang="zh-CN" sz="1600" b="1" spc="50" dirty="0">
+                <a:ln w="12700">
+                  <a:noFill/>
+                  <a:prstDash val="solid"/>
+                </a:ln>
+                <a:solidFill>
+                  <a:schemeClr val="accent4"/>
+                </a:solidFill>
+                <a:latin typeface="+mj-lt"/>
+                <a:ea typeface="+mj-ea"/>
+                <a:cs typeface="+mj-cs"/>
+              </a:rPr>
+              <a:t>	</a:t>
+            </a:r>
+            <a:r>
+              <a:rPr lang="en-US" altLang="zh-CN" sz="1600" b="1" spc="50" dirty="0" smtClean="0">
+                <a:ln w="12700">
+                  <a:noFill/>
+                  <a:prstDash val="solid"/>
+                </a:ln>
+                <a:solidFill>
+                  <a:schemeClr val="accent4"/>
+                </a:solidFill>
+                <a:latin typeface="+mj-lt"/>
+                <a:ea typeface="+mj-ea"/>
+                <a:cs typeface="+mj-cs"/>
+              </a:rPr>
+              <a:t>      </a:t>
+            </a:r>
             <a:r>
               <a:rPr lang="zh-CN" altLang="en-US" sz="1600" b="1" spc="50" dirty="0" smtClean="0">
                 <a:ln w="12700">
@@ -8879,8 +11266,11 @@
                 <a:solidFill>
                   <a:schemeClr val="accent4"/>
                 </a:solidFill>
-              </a:rPr>
-              <a:t>                         生成器模式</a:t>
+                <a:latin typeface="+mj-lt"/>
+                <a:ea typeface="+mj-ea"/>
+                <a:cs typeface="+mj-cs"/>
+              </a:rPr>
+              <a:t>返回多个</a:t>
             </a:r>
             <a:r>
               <a:rPr lang="en-US" altLang="zh-CN" sz="1600" b="1" spc="50" dirty="0" smtClean="0">
@@ -8891,25 +11281,26 @@
                 <a:solidFill>
                   <a:schemeClr val="accent4"/>
                 </a:solidFill>
-              </a:rPr>
-              <a:t>: </a:t>
-            </a:r>
-          </a:p>
-          <a:p>
-            <a:r>
-              <a:rPr lang="en-US" altLang="zh-CN" sz="1600" b="1" spc="50" dirty="0">
-                <a:ln w="12700">
-                  <a:noFill/>
-                  <a:prstDash val="solid"/>
-                </a:ln>
-                <a:solidFill>
-                  <a:schemeClr val="accent4"/>
-                </a:solidFill>
-                <a:latin typeface="+mj-lt"/>
-                <a:ea typeface="+mj-ea"/>
-                <a:cs typeface="+mj-cs"/>
-              </a:rPr>
-              <a:t> </a:t>
+                <a:latin typeface="+mj-lt"/>
+                <a:ea typeface="+mj-ea"/>
+                <a:cs typeface="+mj-cs"/>
+              </a:rPr>
+              <a:t>(</a:t>
+            </a:r>
+            <a:r>
+              <a:rPr lang="zh-CN" altLang="en-US" sz="1600" b="1" spc="50" dirty="0" smtClean="0">
+                <a:ln w="12700">
+                  <a:noFill/>
+                  <a:prstDash val="solid"/>
+                </a:ln>
+                <a:solidFill>
+                  <a:schemeClr val="accent4"/>
+                </a:solidFill>
+                <a:latin typeface="+mj-lt"/>
+                <a:ea typeface="+mj-ea"/>
+                <a:cs typeface="+mj-cs"/>
+              </a:rPr>
+              <a:t>修改返回类型</a:t>
             </a:r>
             <a:r>
               <a:rPr lang="en-US" altLang="zh-CN" sz="1600" b="1" spc="50" dirty="0" smtClean="0">
@@ -8924,465 +11315,7 @@
                 <a:ea typeface="+mj-ea"/>
                 <a:cs typeface="+mj-cs"/>
               </a:rPr>
-              <a:t>                                </a:t>
-            </a:r>
-            <a:r>
-              <a:rPr lang="zh-CN" altLang="en-US" sz="1600" b="1" spc="50" dirty="0" smtClean="0">
-                <a:ln w="12700">
-                  <a:noFill/>
-                  <a:prstDash val="solid"/>
-                </a:ln>
-                <a:solidFill>
-                  <a:schemeClr val="accent4"/>
-                </a:solidFill>
-                <a:latin typeface="+mj-lt"/>
-                <a:ea typeface="+mj-ea"/>
-                <a:cs typeface="+mj-cs"/>
-              </a:rPr>
-              <a:t>在</a:t>
-            </a:r>
-            <a:r>
-              <a:rPr lang="zh-CN" altLang="en-US" sz="1600" b="1" spc="50" dirty="0">
-                <a:ln w="12700">
-                  <a:noFill/>
-                  <a:prstDash val="solid"/>
-                </a:ln>
-                <a:solidFill>
-                  <a:schemeClr val="accent4"/>
-                </a:solidFill>
-                <a:latin typeface="+mj-lt"/>
-                <a:ea typeface="+mj-ea"/>
-                <a:cs typeface="+mj-cs"/>
-              </a:rPr>
-              <a:t>导向者的控制下一步一步构造</a:t>
-            </a:r>
-            <a:r>
-              <a:rPr lang="zh-CN" altLang="en-US" sz="1600" b="1" spc="50" dirty="0" smtClean="0">
-                <a:ln w="12700">
-                  <a:noFill/>
-                  <a:prstDash val="solid"/>
-                </a:ln>
-                <a:solidFill>
-                  <a:schemeClr val="accent4"/>
-                </a:solidFill>
-                <a:latin typeface="+mj-lt"/>
-                <a:ea typeface="+mj-ea"/>
-                <a:cs typeface="+mj-cs"/>
-              </a:rPr>
-              <a:t>产品</a:t>
-            </a:r>
-            <a:endParaRPr lang="en-US" altLang="zh-CN" sz="1600" b="1" spc="50" dirty="0" smtClean="0">
-              <a:ln w="12700">
-                <a:noFill/>
-                <a:prstDash val="solid"/>
-              </a:ln>
-              <a:solidFill>
-                <a:schemeClr val="accent4"/>
-              </a:solidFill>
-              <a:latin typeface="+mj-lt"/>
-              <a:ea typeface="+mj-ea"/>
-              <a:cs typeface="+mj-cs"/>
-            </a:endParaRPr>
-          </a:p>
-          <a:p>
-            <a:r>
-              <a:rPr lang="en-US" altLang="zh-CN" sz="1600" b="1" spc="50" dirty="0">
-                <a:ln w="12700">
-                  <a:noFill/>
-                  <a:prstDash val="solid"/>
-                </a:ln>
-                <a:solidFill>
-                  <a:schemeClr val="accent4"/>
-                </a:solidFill>
-                <a:latin typeface="+mj-lt"/>
-                <a:ea typeface="+mj-ea"/>
-                <a:cs typeface="+mj-cs"/>
-              </a:rPr>
-              <a:t> </a:t>
-            </a:r>
-            <a:r>
-              <a:rPr lang="en-US" altLang="zh-CN" sz="1600" b="1" spc="50" dirty="0" smtClean="0">
-                <a:ln w="12700">
-                  <a:noFill/>
-                  <a:prstDash val="solid"/>
-                </a:ln>
-                <a:solidFill>
-                  <a:schemeClr val="accent4"/>
-                </a:solidFill>
-                <a:latin typeface="+mj-lt"/>
-                <a:ea typeface="+mj-ea"/>
-                <a:cs typeface="+mj-cs"/>
-              </a:rPr>
-              <a:t>                                </a:t>
-            </a:r>
-            <a:r>
-              <a:rPr lang="zh-CN" altLang="en-US" sz="1600" b="1" spc="50" dirty="0" smtClean="0">
-                <a:ln w="12700">
-                  <a:noFill/>
-                  <a:prstDash val="solid"/>
-                </a:ln>
-                <a:solidFill>
-                  <a:schemeClr val="accent4"/>
-                </a:solidFill>
-                <a:latin typeface="+mj-lt"/>
-                <a:ea typeface="+mj-ea"/>
-                <a:cs typeface="+mj-cs"/>
-              </a:rPr>
-              <a:t>仅</a:t>
-            </a:r>
-            <a:r>
-              <a:rPr lang="zh-CN" altLang="en-US" sz="1600" b="1" spc="50" dirty="0">
-                <a:ln w="12700">
-                  <a:noFill/>
-                  <a:prstDash val="solid"/>
-                </a:ln>
-                <a:solidFill>
-                  <a:schemeClr val="accent4"/>
-                </a:solidFill>
-                <a:latin typeface="+mj-lt"/>
-                <a:ea typeface="+mj-ea"/>
-                <a:cs typeface="+mj-cs"/>
-              </a:rPr>
-              <a:t>当该</a:t>
-            </a:r>
-            <a:r>
-              <a:rPr lang="zh-CN" altLang="en-US" sz="1600" b="1" spc="50" dirty="0" smtClean="0">
-                <a:ln w="12700">
-                  <a:noFill/>
-                  <a:prstDash val="solid"/>
-                </a:ln>
-                <a:solidFill>
-                  <a:schemeClr val="accent4"/>
-                </a:solidFill>
-                <a:latin typeface="+mj-lt"/>
-                <a:ea typeface="+mj-ea"/>
-                <a:cs typeface="+mj-cs"/>
-              </a:rPr>
-              <a:t>产品</a:t>
-            </a:r>
-            <a:r>
-              <a:rPr lang="zh-CN" altLang="en-US" sz="1600" b="1" spc="50" dirty="0">
-                <a:ln w="12700">
-                  <a:noFill/>
-                  <a:prstDash val="solid"/>
-                </a:ln>
-                <a:solidFill>
-                  <a:schemeClr val="accent4"/>
-                </a:solidFill>
-              </a:rPr>
-              <a:t>构造</a:t>
-            </a:r>
-            <a:r>
-              <a:rPr lang="zh-CN" altLang="en-US" sz="1600" b="1" spc="50" dirty="0" smtClean="0">
-                <a:ln w="12700">
-                  <a:noFill/>
-                  <a:prstDash val="solid"/>
-                </a:ln>
-                <a:solidFill>
-                  <a:schemeClr val="accent4"/>
-                </a:solidFill>
-                <a:latin typeface="+mj-lt"/>
-                <a:ea typeface="+mj-ea"/>
-                <a:cs typeface="+mj-cs"/>
-              </a:rPr>
-              <a:t>完成</a:t>
-            </a:r>
-            <a:r>
-              <a:rPr lang="zh-CN" altLang="en-US" sz="1600" b="1" spc="50" dirty="0">
-                <a:ln w="12700">
-                  <a:noFill/>
-                  <a:prstDash val="solid"/>
-                </a:ln>
-                <a:solidFill>
-                  <a:schemeClr val="accent4"/>
-                </a:solidFill>
-                <a:latin typeface="+mj-lt"/>
-                <a:ea typeface="+mj-ea"/>
-                <a:cs typeface="+mj-cs"/>
-              </a:rPr>
-              <a:t>时导向者才从生成器中取回</a:t>
-            </a:r>
-            <a:r>
-              <a:rPr lang="zh-CN" altLang="en-US" sz="1600" b="1" spc="50" dirty="0" smtClean="0">
-                <a:ln w="12700">
-                  <a:noFill/>
-                  <a:prstDash val="solid"/>
-                </a:ln>
-                <a:solidFill>
-                  <a:schemeClr val="accent4"/>
-                </a:solidFill>
-                <a:latin typeface="+mj-lt"/>
-                <a:ea typeface="+mj-ea"/>
-                <a:cs typeface="+mj-cs"/>
-              </a:rPr>
-              <a:t>它</a:t>
-            </a:r>
-            <a:endParaRPr lang="en-US" altLang="zh-CN" sz="1600" b="1" spc="50" dirty="0" smtClean="0">
-              <a:ln w="12700">
-                <a:noFill/>
-                <a:prstDash val="solid"/>
-              </a:ln>
-              <a:solidFill>
-                <a:schemeClr val="accent4"/>
-              </a:solidFill>
-              <a:latin typeface="+mj-lt"/>
-              <a:ea typeface="+mj-ea"/>
-              <a:cs typeface="+mj-cs"/>
-            </a:endParaRPr>
-          </a:p>
-          <a:p>
-            <a:r>
-              <a:rPr lang="en-US" altLang="zh-CN" sz="1600" b="1" spc="50" dirty="0" smtClean="0">
-                <a:ln w="12700">
-                  <a:noFill/>
-                  <a:prstDash val="solid"/>
-                </a:ln>
-                <a:solidFill>
-                  <a:schemeClr val="accent4"/>
-                </a:solidFill>
-                <a:latin typeface="+mj-lt"/>
-                <a:ea typeface="+mj-ea"/>
-                <a:cs typeface="+mj-cs"/>
-              </a:rPr>
-              <a:t>                </a:t>
-            </a:r>
-            <a:r>
-              <a:rPr lang="zh-CN" altLang="en-US" sz="1600" b="1" spc="50" dirty="0" smtClean="0">
-                <a:ln w="12700">
-                  <a:noFill/>
-                  <a:prstDash val="solid"/>
-                </a:ln>
-                <a:solidFill>
-                  <a:schemeClr val="accent4"/>
-                </a:solidFill>
-                <a:latin typeface="+mj-lt"/>
-                <a:ea typeface="+mj-ea"/>
-                <a:cs typeface="+mj-cs"/>
-              </a:rPr>
-              <a:t>优点：</a:t>
-            </a:r>
-            <a:endParaRPr lang="en-US" altLang="zh-CN" sz="1600" b="1" spc="50" dirty="0">
-              <a:ln w="12700">
-                <a:noFill/>
-                <a:prstDash val="solid"/>
-              </a:ln>
-              <a:solidFill>
-                <a:schemeClr val="accent4"/>
-              </a:solidFill>
-              <a:latin typeface="+mj-lt"/>
-              <a:ea typeface="+mj-ea"/>
-              <a:cs typeface="+mj-cs"/>
-            </a:endParaRPr>
-          </a:p>
-          <a:p>
-            <a:r>
-              <a:rPr lang="en-US" altLang="zh-CN" sz="1600" b="1" spc="50" dirty="0" smtClean="0">
-                <a:ln w="12700">
-                  <a:noFill/>
-                  <a:prstDash val="solid"/>
-                </a:ln>
-                <a:solidFill>
-                  <a:schemeClr val="accent4"/>
-                </a:solidFill>
-                <a:latin typeface="+mj-lt"/>
-                <a:ea typeface="+mj-ea"/>
-                <a:cs typeface="+mj-cs"/>
-              </a:rPr>
-              <a:t>                          </a:t>
-            </a:r>
-            <a:r>
-              <a:rPr lang="zh-CN" altLang="en-US" sz="1600" b="1" spc="50" dirty="0" smtClean="0">
-                <a:ln w="12700">
-                  <a:noFill/>
-                  <a:prstDash val="solid"/>
-                </a:ln>
-                <a:solidFill>
-                  <a:schemeClr val="accent4"/>
-                </a:solidFill>
-                <a:latin typeface="+mj-lt"/>
-                <a:ea typeface="+mj-ea"/>
-                <a:cs typeface="+mj-cs"/>
-              </a:rPr>
-              <a:t>更好</a:t>
-            </a:r>
-            <a:r>
-              <a:rPr lang="zh-CN" altLang="en-US" sz="1600" b="1" spc="50" dirty="0">
-                <a:ln w="12700">
-                  <a:noFill/>
-                  <a:prstDash val="solid"/>
-                </a:ln>
-                <a:solidFill>
-                  <a:schemeClr val="accent4"/>
-                </a:solidFill>
-                <a:latin typeface="+mj-lt"/>
-                <a:ea typeface="+mj-ea"/>
-                <a:cs typeface="+mj-cs"/>
-              </a:rPr>
-              <a:t>的反映产品的构造</a:t>
-            </a:r>
-            <a:r>
-              <a:rPr lang="zh-CN" altLang="en-US" sz="1600" b="1" spc="50" dirty="0" smtClean="0">
-                <a:ln w="12700">
-                  <a:noFill/>
-                  <a:prstDash val="solid"/>
-                </a:ln>
-                <a:solidFill>
-                  <a:schemeClr val="accent4"/>
-                </a:solidFill>
-                <a:latin typeface="+mj-lt"/>
-                <a:ea typeface="+mj-ea"/>
-                <a:cs typeface="+mj-cs"/>
-              </a:rPr>
-              <a:t>过程</a:t>
-            </a:r>
-            <a:endParaRPr lang="en-US" altLang="zh-CN" sz="1600" b="1" spc="50" dirty="0" smtClean="0">
-              <a:ln w="12700">
-                <a:noFill/>
-                <a:prstDash val="solid"/>
-              </a:ln>
-              <a:solidFill>
-                <a:schemeClr val="accent4"/>
-              </a:solidFill>
-              <a:latin typeface="+mj-lt"/>
-              <a:ea typeface="+mj-ea"/>
-              <a:cs typeface="+mj-cs"/>
-            </a:endParaRPr>
-          </a:p>
-          <a:p>
-            <a:r>
-              <a:rPr lang="en-US" altLang="zh-CN" sz="1600" b="1" spc="50" dirty="0">
-                <a:ln w="12700">
-                  <a:noFill/>
-                  <a:prstDash val="solid"/>
-                </a:ln>
-                <a:solidFill>
-                  <a:schemeClr val="accent4"/>
-                </a:solidFill>
-                <a:latin typeface="+mj-lt"/>
-                <a:ea typeface="+mj-ea"/>
-                <a:cs typeface="+mj-cs"/>
-              </a:rPr>
-              <a:t> </a:t>
-            </a:r>
-            <a:r>
-              <a:rPr lang="en-US" altLang="zh-CN" sz="1600" b="1" spc="50" dirty="0" smtClean="0">
-                <a:ln w="12700">
-                  <a:noFill/>
-                  <a:prstDash val="solid"/>
-                </a:ln>
-                <a:solidFill>
-                  <a:schemeClr val="accent4"/>
-                </a:solidFill>
-                <a:latin typeface="+mj-lt"/>
-                <a:ea typeface="+mj-ea"/>
-                <a:cs typeface="+mj-cs"/>
-              </a:rPr>
-              <a:t>                         </a:t>
-            </a:r>
-            <a:r>
-              <a:rPr lang="zh-CN" altLang="en-US" sz="1600" b="1" spc="50" dirty="0" smtClean="0">
-                <a:ln w="12700">
-                  <a:noFill/>
-                  <a:prstDash val="solid"/>
-                </a:ln>
-                <a:solidFill>
-                  <a:schemeClr val="accent4"/>
-                </a:solidFill>
-                <a:latin typeface="+mj-lt"/>
-                <a:ea typeface="+mj-ea"/>
-                <a:cs typeface="+mj-cs"/>
-              </a:rPr>
-              <a:t>更</a:t>
-            </a:r>
-            <a:r>
-              <a:rPr lang="zh-CN" altLang="en-US" sz="1600" b="1" spc="50" dirty="0">
-                <a:ln w="12700">
-                  <a:noFill/>
-                  <a:prstDash val="solid"/>
-                </a:ln>
-                <a:solidFill>
-                  <a:schemeClr val="accent4"/>
-                </a:solidFill>
-                <a:latin typeface="+mj-lt"/>
-                <a:ea typeface="+mj-ea"/>
-                <a:cs typeface="+mj-cs"/>
-              </a:rPr>
-              <a:t>精细的控制构建</a:t>
-            </a:r>
-            <a:r>
-              <a:rPr lang="zh-CN" altLang="en-US" sz="1600" b="1" spc="50" dirty="0" smtClean="0">
-                <a:ln w="12700">
-                  <a:noFill/>
-                  <a:prstDash val="solid"/>
-                </a:ln>
-                <a:solidFill>
-                  <a:schemeClr val="accent4"/>
-                </a:solidFill>
-                <a:latin typeface="+mj-lt"/>
-                <a:ea typeface="+mj-ea"/>
-                <a:cs typeface="+mj-cs"/>
-              </a:rPr>
-              <a:t>过程，从而更</a:t>
-            </a:r>
-            <a:r>
-              <a:rPr lang="zh-CN" altLang="en-US" sz="1600" b="1" spc="50" dirty="0">
-                <a:ln w="12700">
-                  <a:noFill/>
-                  <a:prstDash val="solid"/>
-                </a:ln>
-                <a:solidFill>
-                  <a:schemeClr val="accent4"/>
-                </a:solidFill>
-                <a:latin typeface="+mj-lt"/>
-                <a:ea typeface="+mj-ea"/>
-                <a:cs typeface="+mj-cs"/>
-              </a:rPr>
-              <a:t>精细的</a:t>
-            </a:r>
-            <a:r>
-              <a:rPr lang="zh-CN" altLang="en-US" sz="1600" b="1" spc="50" dirty="0" smtClean="0">
-                <a:ln w="12700">
-                  <a:noFill/>
-                  <a:prstDash val="solid"/>
-                </a:ln>
-                <a:solidFill>
-                  <a:schemeClr val="accent4"/>
-                </a:solidFill>
-                <a:latin typeface="+mj-lt"/>
-                <a:ea typeface="+mj-ea"/>
-                <a:cs typeface="+mj-cs"/>
-              </a:rPr>
-              <a:t>控制产品</a:t>
-            </a:r>
-            <a:r>
-              <a:rPr lang="zh-CN" altLang="en-US" sz="1600" b="1" spc="50" dirty="0">
-                <a:ln w="12700">
-                  <a:noFill/>
-                  <a:prstDash val="solid"/>
-                </a:ln>
-                <a:solidFill>
-                  <a:schemeClr val="accent4"/>
-                </a:solidFill>
-                <a:latin typeface="+mj-lt"/>
-                <a:ea typeface="+mj-ea"/>
-                <a:cs typeface="+mj-cs"/>
-              </a:rPr>
-              <a:t>的内部</a:t>
-            </a:r>
-            <a:r>
-              <a:rPr lang="zh-CN" altLang="en-US" sz="1600" b="1" spc="50" dirty="0" smtClean="0">
-                <a:ln w="12700">
-                  <a:noFill/>
-                  <a:prstDash val="solid"/>
-                </a:ln>
-                <a:solidFill>
-                  <a:schemeClr val="accent4"/>
-                </a:solidFill>
-                <a:latin typeface="+mj-lt"/>
-                <a:ea typeface="+mj-ea"/>
-                <a:cs typeface="+mj-cs"/>
-              </a:rPr>
-              <a:t>结构</a:t>
+              <a:t>)</a:t>
             </a:r>
             <a:endParaRPr lang="zh-CN" altLang="en-US" sz="1600" b="1" spc="50" dirty="0">
               <a:ln w="12700">
@@ -9465,7 +11398,7 @@
 </p:sld>
 </file>
 
-<file path=ppt/slides/slide17.xml><?xml version="1.0" encoding="utf-8"?>
+<file path=ppt/slides/slide23.xml><?xml version="1.0" encoding="utf-8"?>
 <p:sld xmlns:a="http://schemas.openxmlformats.org/drawingml/2006/main" xmlns:r="http://schemas.openxmlformats.org/officeDocument/2006/relationships" xmlns:p="http://schemas.openxmlformats.org/presentationml/2006/main">
   <p:cSld>
     <p:spTree>
@@ -9622,22 +11555,7 @@
                 <a:ea typeface="+mj-ea"/>
                 <a:cs typeface="+mj-cs"/>
               </a:rPr>
-              <a:t>- </a:t>
-            </a:r>
-            <a:r>
-              <a:rPr lang="en-US" altLang="zh-CN" sz="1600" b="1" spc="50" dirty="0" smtClean="0">
-                <a:ln w="12700">
-                  <a:noFill/>
-                  <a:prstDash val="solid"/>
-                </a:ln>
-                <a:solidFill>
-                  <a:schemeClr val="accent4"/>
-                </a:solidFill>
-                <a:latin typeface="+mj-lt"/>
-                <a:ea typeface="+mj-ea"/>
-                <a:cs typeface="+mj-cs"/>
-              </a:rPr>
-              <a:t>Singleton</a:t>
+              <a:t>- Singleton</a:t>
             </a:r>
             <a:r>
               <a:rPr lang="zh-CN" altLang="en-US" sz="1600" b="1" spc="50" dirty="0" smtClean="0">
@@ -9652,22 +11570,7 @@
                 <a:ea typeface="+mj-ea"/>
                 <a:cs typeface="+mj-cs"/>
               </a:rPr>
-              <a:t>的</a:t>
-            </a:r>
-            <a:r>
-              <a:rPr lang="zh-CN" altLang="en-US" sz="1600" b="1" spc="50" dirty="0" smtClean="0">
-                <a:ln w="12700">
-                  <a:noFill/>
-                  <a:prstDash val="solid"/>
-                </a:ln>
-                <a:solidFill>
-                  <a:schemeClr val="accent4"/>
-                </a:solidFill>
-                <a:latin typeface="+mj-lt"/>
-                <a:ea typeface="+mj-ea"/>
-                <a:cs typeface="+mj-cs"/>
-              </a:rPr>
-              <a:t>部件构建接口应当具有普遍性</a:t>
+              <a:t>的部件构建接口应当具有普遍性</a:t>
             </a:r>
             <a:endParaRPr lang="en-US" altLang="zh-CN" sz="1600" b="1" spc="50" dirty="0">
               <a:ln w="12700">
@@ -9953,7 +11856,22 @@
                 <a:ea typeface="+mj-ea"/>
                 <a:cs typeface="+mj-cs"/>
               </a:rPr>
-              <a:t>返回的</a:t>
+              <a:t>返回的部件模型再传入</a:t>
+            </a:r>
+            <a:r>
+              <a:rPr lang="en-US" altLang="zh-CN" sz="1600" spc="50" dirty="0" smtClean="0">
+                <a:ln w="12700">
+                  <a:noFill/>
+                  <a:prstDash val="solid"/>
+                </a:ln>
+                <a:solidFill>
+                  <a:schemeClr val="accent4"/>
+                </a:solidFill>
+                <a:latin typeface="+mj-lt"/>
+                <a:ea typeface="+mj-ea"/>
+                <a:cs typeface="+mj-cs"/>
+              </a:rPr>
+              <a:t>Singleton</a:t>
             </a:r>
             <a:r>
               <a:rPr lang="zh-CN" altLang="en-US" sz="1600" spc="50" dirty="0" smtClean="0">
@@ -9968,67 +11886,7 @@
                 <a:ea typeface="+mj-ea"/>
                 <a:cs typeface="+mj-cs"/>
               </a:rPr>
-              <a:t>部件模型再</a:t>
-            </a:r>
-            <a:r>
-              <a:rPr lang="zh-CN" altLang="en-US" sz="1600" spc="50" dirty="0" smtClean="0">
-                <a:ln w="12700">
-                  <a:noFill/>
-                  <a:prstDash val="solid"/>
-                </a:ln>
-                <a:solidFill>
-                  <a:schemeClr val="accent4"/>
-                </a:solidFill>
-                <a:latin typeface="+mj-lt"/>
-                <a:ea typeface="+mj-ea"/>
-                <a:cs typeface="+mj-cs"/>
-              </a:rPr>
-              <a:t>传入</a:t>
-            </a:r>
-            <a:r>
-              <a:rPr lang="en-US" altLang="zh-CN" sz="1600" spc="50" dirty="0" smtClean="0">
-                <a:ln w="12700">
-                  <a:noFill/>
-                  <a:prstDash val="solid"/>
-                </a:ln>
-                <a:solidFill>
-                  <a:schemeClr val="accent4"/>
-                </a:solidFill>
-                <a:latin typeface="+mj-lt"/>
-                <a:ea typeface="+mj-ea"/>
-                <a:cs typeface="+mj-cs"/>
-              </a:rPr>
-              <a:t>Singleton</a:t>
-            </a:r>
-            <a:r>
-              <a:rPr lang="zh-CN" altLang="en-US" sz="1600" spc="50" dirty="0" smtClean="0">
-                <a:ln w="12700">
-                  <a:noFill/>
-                  <a:prstDash val="solid"/>
-                </a:ln>
-                <a:solidFill>
-                  <a:schemeClr val="accent4"/>
-                </a:solidFill>
-                <a:latin typeface="+mj-lt"/>
-                <a:ea typeface="+mj-ea"/>
-                <a:cs typeface="+mj-cs"/>
-              </a:rPr>
-              <a:t>使得</a:t>
-            </a:r>
-            <a:r>
-              <a:rPr lang="zh-CN" altLang="en-US" sz="1600" spc="50" dirty="0" smtClean="0">
-                <a:ln w="12700">
-                  <a:noFill/>
-                  <a:prstDash val="solid"/>
-                </a:ln>
-                <a:solidFill>
-                  <a:schemeClr val="accent4"/>
-                </a:solidFill>
-                <a:latin typeface="+mj-lt"/>
-                <a:ea typeface="+mj-ea"/>
-                <a:cs typeface="+mj-cs"/>
-              </a:rPr>
-              <a:t>构造步骤得以继续</a:t>
+              <a:t>使得构造步骤得以继续</a:t>
             </a:r>
             <a:endParaRPr lang="en-US" altLang="zh-CN" sz="1600" spc="50" dirty="0" smtClean="0">
               <a:ln w="12700">
@@ -10408,22 +12266,7 @@
                 <a:ea typeface="+mj-ea"/>
                 <a:cs typeface="+mj-cs"/>
               </a:rPr>
-              <a:t>- </a:t>
-            </a:r>
-            <a:r>
-              <a:rPr lang="en-US" altLang="zh-CN" sz="1600" b="1" spc="50" dirty="0" smtClean="0">
-                <a:ln w="12700">
-                  <a:noFill/>
-                  <a:prstDash val="solid"/>
-                </a:ln>
-                <a:solidFill>
-                  <a:schemeClr val="accent4"/>
-                </a:solidFill>
-                <a:latin typeface="+mj-lt"/>
-                <a:ea typeface="+mj-ea"/>
-                <a:cs typeface="+mj-cs"/>
-              </a:rPr>
-              <a:t>Singleton</a:t>
+              <a:t>- Singleton</a:t>
             </a:r>
             <a:r>
               <a:rPr lang="zh-CN" altLang="en-US" sz="1600" b="1" spc="50" dirty="0" smtClean="0">
@@ -10438,22 +12281,7 @@
                 <a:ea typeface="+mj-ea"/>
                 <a:cs typeface="+mj-cs"/>
               </a:rPr>
-              <a:t>可</a:t>
-            </a:r>
-            <a:r>
-              <a:rPr lang="zh-CN" altLang="en-US" sz="1600" b="1" spc="50" dirty="0" smtClean="0">
-                <a:ln w="12700">
-                  <a:noFill/>
-                  <a:prstDash val="solid"/>
-                </a:ln>
-                <a:solidFill>
-                  <a:schemeClr val="accent4"/>
-                </a:solidFill>
-                <a:latin typeface="+mj-lt"/>
-                <a:ea typeface="+mj-ea"/>
-                <a:cs typeface="+mj-cs"/>
-              </a:rPr>
-              <a:t>提供非虚方法，提供默认操作，或者定义为空方法（忽略该操作）</a:t>
+              <a:t>可提供非虚方法，提供默认操作，或者定义为空方法（忽略该操作）</a:t>
             </a:r>
             <a:endParaRPr lang="en-US" altLang="zh-CN" sz="1600" b="1" spc="50" dirty="0" smtClean="0">
               <a:ln w="12700">
@@ -10536,7 +12364,7 @@
 </p:sld>
 </file>
 
-<file path=ppt/slides/slide18.xml><?xml version="1.0" encoding="utf-8"?>
+<file path=ppt/slides/slide24.xml><?xml version="1.0" encoding="utf-8"?>
 <p:sld xmlns:a="http://schemas.openxmlformats.org/drawingml/2006/main" xmlns:r="http://schemas.openxmlformats.org/officeDocument/2006/relationships" xmlns:p="http://schemas.openxmlformats.org/presentationml/2006/main">
   <p:cSld>
     <p:spTree>
@@ -10735,7 +12563,7 @@
 </p:sld>
 </file>
 
-<file path=ppt/slides/slide19.xml><?xml version="1.0" encoding="utf-8"?>
+<file path=ppt/slides/slide25.xml><?xml version="1.0" encoding="utf-8"?>
 <p:sld xmlns:a="http://schemas.openxmlformats.org/drawingml/2006/main" xmlns:r="http://schemas.openxmlformats.org/officeDocument/2006/relationships" xmlns:p="http://schemas.openxmlformats.org/presentationml/2006/main">
   <p:cSld>
     <p:spTree>
@@ -11152,11 +12980,6 @@
               </a:rPr>
               <a:t>Singleton</a:t>
             </a:r>
-            <a:endParaRPr lang="en-US" altLang="zh-CN" sz="1400" b="1" dirty="0" smtClean="0">
-              <a:solidFill>
-                <a:schemeClr val="accent4"/>
-              </a:solidFill>
-            </a:endParaRPr>
           </a:p>
           <a:p>
             <a:endParaRPr lang="en-US" altLang="zh-CN" sz="1400" b="1" dirty="0">
@@ -11328,7 +13151,15 @@
                   <a:schemeClr val="accent4"/>
                 </a:solidFill>
               </a:rPr>
-              <a:t>，</a:t>
+              <a:t>，具体</a:t>
+            </a:r>
+            <a:r>
+              <a:rPr lang="en-US" altLang="zh-CN" sz="1400" dirty="0" smtClean="0">
+                <a:solidFill>
+                  <a:schemeClr val="accent4"/>
+                </a:solidFill>
+              </a:rPr>
+              <a:t>Singleton</a:t>
             </a:r>
             <a:r>
               <a:rPr lang="zh-CN" altLang="en-US" sz="1400" dirty="0" smtClean="0">
@@ -11336,31 +13167,7 @@
                   <a:schemeClr val="accent4"/>
                 </a:solidFill>
               </a:rPr>
-              <a:t>具体</a:t>
-            </a:r>
-            <a:r>
-              <a:rPr lang="en-US" altLang="zh-CN" sz="1400" dirty="0" smtClean="0">
-                <a:solidFill>
-                  <a:schemeClr val="accent4"/>
-                </a:solidFill>
-              </a:rPr>
-              <a:t>Singleton</a:t>
-            </a:r>
-            <a:r>
-              <a:rPr lang="zh-CN" altLang="en-US" sz="1400" dirty="0" smtClean="0">
-                <a:solidFill>
-                  <a:schemeClr val="accent4"/>
-                </a:solidFill>
-              </a:rPr>
-              <a:t>返回</a:t>
-            </a:r>
-            <a:r>
-              <a:rPr lang="zh-CN" altLang="en-US" sz="1400" dirty="0" smtClean="0">
-                <a:solidFill>
-                  <a:schemeClr val="accent4"/>
-                </a:solidFill>
-              </a:rPr>
-              <a:t>具体</a:t>
+              <a:t>返回具体</a:t>
             </a:r>
             <a:r>
               <a:rPr lang="en-US" altLang="zh-CN" sz="1400" dirty="0" smtClean="0">
@@ -11418,11 +13225,7 @@
           <a:p>
             <a:r>
               <a:rPr lang="en-US" altLang="zh-CN" dirty="0" smtClean="0"/>
-              <a:t>Singleton </a:t>
-            </a:r>
-            <a:r>
-              <a:rPr lang="en-US" altLang="zh-CN" dirty="0" smtClean="0"/>
-              <a:t>VS. Factory Method</a:t>
+              <a:t>Singleton VS. Factory Method</a:t>
             </a:r>
             <a:endParaRPr lang="zh-CN" altLang="en-US" dirty="0"/>
           </a:p>
@@ -11448,260 +13251,7 @@
 </p:sld>
 </file>
 
-<file path=ppt/slides/slide2.xml><?xml version="1.0" encoding="utf-8"?>
-<p:sld xmlns:a="http://schemas.openxmlformats.org/drawingml/2006/main" xmlns:r="http://schemas.openxmlformats.org/officeDocument/2006/relationships" xmlns:p="http://schemas.openxmlformats.org/presentationml/2006/main">
-  <p:cSld>
-    <p:spTree>
-      <p:nvGrpSpPr>
-        <p:cNvPr id="1" name=""/>
-        <p:cNvGrpSpPr/>
-        <p:nvPr/>
-      </p:nvGrpSpPr>
-      <p:grpSpPr>
-        <a:xfrm>
-          <a:off x="0" y="0"/>
-          <a:ext cx="0" cy="0"/>
-          <a:chOff x="0" y="0"/>
-          <a:chExt cx="0" cy="0"/>
-        </a:xfrm>
-      </p:grpSpPr>
-      <p:sp>
-        <p:nvSpPr>
-          <p:cNvPr id="6146" name="Rectangle 2"/>
-          <p:cNvSpPr>
-            <a:spLocks noGrp="1" noChangeArrowheads="1"/>
-          </p:cNvSpPr>
-          <p:nvPr>
-            <p:ph type="title"/>
-          </p:nvPr>
-        </p:nvSpPr>
-        <p:spPr>
-          <a:xfrm>
-            <a:off x="457200" y="53752"/>
-            <a:ext cx="8229600" cy="1143000"/>
-          </a:xfrm>
-        </p:spPr>
-        <p:txBody>
-          <a:bodyPr/>
-          <a:lstStyle/>
-          <a:p>
-            <a:r>
-              <a:rPr lang="en-US" altLang="zh-CN" dirty="0" smtClean="0">
-                <a:ea typeface="宋体" pitchFamily="2" charset="-122"/>
-              </a:rPr>
-              <a:t>Agenda</a:t>
-            </a:r>
-            <a:endParaRPr lang="zh-CN" altLang="en-US" dirty="0">
-              <a:ea typeface="宋体" pitchFamily="2" charset="-122"/>
-            </a:endParaRPr>
-          </a:p>
-        </p:txBody>
-      </p:sp>
-      <p:sp>
-        <p:nvSpPr>
-          <p:cNvPr id="45" name="Rectangle 2"/>
-          <p:cNvSpPr txBox="1">
-            <a:spLocks noChangeArrowheads="1"/>
-          </p:cNvSpPr>
-          <p:nvPr/>
-        </p:nvSpPr>
-        <p:spPr>
-          <a:xfrm>
-            <a:off x="1475656" y="1412776"/>
-            <a:ext cx="6336704" cy="5035698"/>
-          </a:xfrm>
-          <a:prstGeom prst="rect">
-            <a:avLst/>
-          </a:prstGeom>
-        </p:spPr>
-        <p:txBody>
-          <a:bodyPr vert="horz" rtlCol="0" anchor="ctr">
-            <a:normAutofit/>
-            <a:scene3d>
-              <a:camera prst="orthographicFront"/>
-              <a:lightRig rig="soft" dir="t"/>
-            </a:scene3d>
-            <a:sp3d prstMaterial="matte">
-              <a:bevelT w="12700" h="12700"/>
-            </a:sp3d>
-          </a:bodyPr>
-          <a:lstStyle>
-            <a:lvl1pPr algn="l" rtl="0" eaLnBrk="1" latinLnBrk="0" hangingPunct="1">
-              <a:spcBef>
-                <a:spcPct val="0"/>
-              </a:spcBef>
-              <a:buNone/>
-              <a:defRPr kumimoji="0" lang="zh-CN" altLang="en-US" sz="4400" b="0" kern="1200" spc="50">
-                <a:ln w="12700">
-                  <a:noFill/>
-                  <a:prstDash val="solid"/>
-                </a:ln>
-                <a:solidFill>
-                  <a:schemeClr val="accent4"/>
-                </a:solidFill>
-                <a:effectLst>
-                  <a:outerShdw blurRad="38100" dist="20320" dir="2700000" algn="tl" rotWithShape="0">
-                    <a:srgbClr val="000000">
-                      <a:alpha val="70000"/>
-                    </a:srgbClr>
-                  </a:outerShdw>
-                </a:effectLst>
-                <a:latin typeface="+mj-lt"/>
-                <a:ea typeface="+mj-ea"/>
-                <a:cs typeface="+mj-cs"/>
-              </a:defRPr>
-            </a:lvl1pPr>
-            <a:lvl2pPr eaLnBrk="1" latinLnBrk="0" hangingPunct="1">
-              <a:defRPr kumimoji="0">
-                <a:solidFill>
-                  <a:schemeClr val="tx2"/>
-                </a:solidFill>
-              </a:defRPr>
-            </a:lvl2pPr>
-            <a:lvl3pPr eaLnBrk="1" latinLnBrk="0" hangingPunct="1">
-              <a:defRPr kumimoji="0">
-                <a:solidFill>
-                  <a:schemeClr val="tx2"/>
-                </a:solidFill>
-              </a:defRPr>
-            </a:lvl3pPr>
-            <a:lvl4pPr eaLnBrk="1" latinLnBrk="0" hangingPunct="1">
-              <a:defRPr kumimoji="0">
-                <a:solidFill>
-                  <a:schemeClr val="tx2"/>
-                </a:solidFill>
-              </a:defRPr>
-            </a:lvl4pPr>
-            <a:lvl5pPr eaLnBrk="1" latinLnBrk="0" hangingPunct="1">
-              <a:defRPr kumimoji="0">
-                <a:solidFill>
-                  <a:schemeClr val="tx2"/>
-                </a:solidFill>
-              </a:defRPr>
-            </a:lvl5pPr>
-            <a:lvl6pPr eaLnBrk="1" latinLnBrk="0" hangingPunct="1">
-              <a:defRPr kumimoji="0">
-                <a:solidFill>
-                  <a:schemeClr val="tx2"/>
-                </a:solidFill>
-              </a:defRPr>
-            </a:lvl6pPr>
-            <a:lvl7pPr eaLnBrk="1" latinLnBrk="0" hangingPunct="1">
-              <a:defRPr kumimoji="0">
-                <a:solidFill>
-                  <a:schemeClr val="tx2"/>
-                </a:solidFill>
-              </a:defRPr>
-            </a:lvl7pPr>
-            <a:lvl8pPr eaLnBrk="1" latinLnBrk="0" hangingPunct="1">
-              <a:defRPr kumimoji="0">
-                <a:solidFill>
-                  <a:schemeClr val="tx2"/>
-                </a:solidFill>
-              </a:defRPr>
-            </a:lvl8pPr>
-            <a:lvl9pPr eaLnBrk="1" latinLnBrk="0" hangingPunct="1">
-              <a:defRPr kumimoji="0">
-                <a:solidFill>
-                  <a:schemeClr val="tx2"/>
-                </a:solidFill>
-              </a:defRPr>
-            </a:lvl9pPr>
-          </a:lstStyle>
-          <a:p>
-            <a:pPr marL="342900" indent="-342900">
-              <a:buFont typeface="Arial" panose="020B0604020202020204" pitchFamily="34" charset="0"/>
-              <a:buChar char="•"/>
-            </a:pPr>
-            <a:r>
-              <a:rPr lang="en-US" altLang="zh-CN" sz="2400" dirty="0" smtClean="0">
-                <a:solidFill>
-                  <a:srgbClr val="002060"/>
-                </a:solidFill>
-                <a:effectLst/>
-                <a:latin typeface="+mn-ea"/>
-                <a:ea typeface="+mn-ea"/>
-              </a:rPr>
-              <a:t>Singleton</a:t>
-            </a:r>
-            <a:endParaRPr lang="en-US" altLang="zh-CN" sz="2400" dirty="0" smtClean="0">
-              <a:solidFill>
-                <a:srgbClr val="002060"/>
-              </a:solidFill>
-              <a:effectLst/>
-              <a:latin typeface="+mn-ea"/>
-              <a:ea typeface="+mn-ea"/>
-            </a:endParaRPr>
-          </a:p>
-          <a:p>
-            <a:pPr marL="342900" indent="-342900">
-              <a:buAutoNum type="arabicPeriod"/>
-            </a:pPr>
-            <a:endParaRPr lang="en-US" altLang="zh-CN" sz="2400" dirty="0">
-              <a:solidFill>
-                <a:srgbClr val="002060"/>
-              </a:solidFill>
-              <a:effectLst/>
-              <a:latin typeface="+mn-ea"/>
-            </a:endParaRPr>
-          </a:p>
-          <a:p>
-            <a:pPr marL="342900" indent="-342900">
-              <a:buFont typeface="Arial" panose="020B0604020202020204" pitchFamily="34" charset="0"/>
-              <a:buChar char="•"/>
-            </a:pPr>
-            <a:r>
-              <a:rPr lang="en-US" altLang="zh-CN" sz="2400" dirty="0" smtClean="0">
-                <a:solidFill>
-                  <a:srgbClr val="002060"/>
-                </a:solidFill>
-                <a:effectLst/>
-                <a:latin typeface="+mn-ea"/>
-              </a:rPr>
-              <a:t>Singleton </a:t>
-            </a:r>
-            <a:r>
-              <a:rPr lang="en-US" altLang="zh-CN" sz="2400" dirty="0" smtClean="0">
-                <a:solidFill>
-                  <a:srgbClr val="002060"/>
-                </a:solidFill>
-                <a:effectLst/>
-                <a:latin typeface="+mn-ea"/>
-              </a:rPr>
-              <a:t>VS. </a:t>
-            </a:r>
-            <a:endParaRPr lang="zh-CN" altLang="en-US" sz="2400" dirty="0">
-              <a:solidFill>
-                <a:srgbClr val="002060"/>
-              </a:solidFill>
-              <a:latin typeface="+mn-ea"/>
-              <a:ea typeface="+mn-ea"/>
-            </a:endParaRPr>
-          </a:p>
-        </p:txBody>
-      </p:sp>
-    </p:spTree>
-    <p:extLst>
-      <p:ext uri="{BB962C8B-B14F-4D97-AF65-F5344CB8AC3E}">
-        <p14:creationId xmlns:p14="http://schemas.microsoft.com/office/powerpoint/2010/main" val="2916733130"/>
-      </p:ext>
-    </p:extLst>
-  </p:cSld>
-  <p:clrMapOvr>
-    <a:masterClrMapping/>
-  </p:clrMapOvr>
-  <p:transition/>
-  <p:timing>
-    <p:tnLst>
-      <p:par>
-        <p:cTn id="1" dur="indefinite" restart="never" nodeType="tmRoot"/>
-      </p:par>
-    </p:tnLst>
-  </p:timing>
-</p:sld>
-</file>
-
-<file path=ppt/slides/slide20.xml><?xml version="1.0" encoding="utf-8"?>
+<file path=ppt/slides/slide26.xml><?xml version="1.0" encoding="utf-8"?>
 <p:sld xmlns:a="http://schemas.openxmlformats.org/drawingml/2006/main" xmlns:r="http://schemas.openxmlformats.org/officeDocument/2006/relationships" xmlns:p="http://schemas.openxmlformats.org/presentationml/2006/main">
   <p:cSld>
     <p:spTree>
@@ -11774,7 +13324,7 @@
 </p:sld>
 </file>
 
-<file path=ppt/slides/slide21.xml><?xml version="1.0" encoding="utf-8"?>
+<file path=ppt/slides/slide27.xml><?xml version="1.0" encoding="utf-8"?>
 <p:sld xmlns:a="http://schemas.openxmlformats.org/drawingml/2006/main" xmlns:r="http://schemas.openxmlformats.org/officeDocument/2006/relationships" xmlns:p="http://schemas.openxmlformats.org/presentationml/2006/main">
   <p:cSld>
     <p:spTree>
@@ -13632,13 +15182,7 @@
               <a:rPr lang="zh-CN" altLang="en-US" sz="2700" b="1" dirty="0" smtClean="0">
                 <a:effectLst/>
               </a:rPr>
-              <a:t>设计</a:t>
-            </a:r>
-            <a:r>
-              <a:rPr lang="zh-CN" altLang="en-US" sz="2700" b="1" dirty="0" smtClean="0">
-                <a:effectLst/>
-              </a:rPr>
-              <a:t>：</a:t>
+              <a:t>设计：</a:t>
             </a:r>
             <a:endParaRPr lang="en-US" altLang="zh-CN" sz="2700" b="1" dirty="0" smtClean="0">
               <a:effectLst/>
@@ -13681,25 +15225,19 @@
               <a:rPr lang="en-US" altLang="zh-CN" sz="1900" dirty="0" smtClean="0">
                 <a:effectLst/>
               </a:rPr>
-              <a:t>, </a:t>
+              <a:t>(</a:t>
             </a:r>
             <a:r>
               <a:rPr lang="zh-CN" altLang="en-US" sz="1900" dirty="0" smtClean="0">
                 <a:effectLst/>
               </a:rPr>
-              <a:t>暴露</a:t>
-            </a:r>
-            <a:r>
-              <a:rPr lang="zh-CN" altLang="en-US" sz="1900" dirty="0">
-                <a:effectLst/>
-              </a:rPr>
-              <a:t>一个打印</a:t>
-            </a:r>
-            <a:r>
-              <a:rPr lang="zh-CN" altLang="en-US" sz="1900" dirty="0" smtClean="0">
-                <a:effectLst/>
-              </a:rPr>
-              <a:t>接口</a:t>
+              <a:t>类自身负责保管其唯一实例</a:t>
+            </a:r>
+            <a:r>
+              <a:rPr lang="en-US" altLang="zh-CN" sz="1900" dirty="0" smtClean="0">
+                <a:effectLst/>
+              </a:rPr>
+              <a:t>)</a:t>
             </a:r>
             <a:endParaRPr lang="en-US" altLang="zh-CN" sz="1900" dirty="0">
               <a:effectLst/>
@@ -13721,7 +15259,25 @@
               <a:rPr lang="zh-CN" altLang="en-US" sz="1900" dirty="0">
                 <a:effectLst/>
               </a:rPr>
-              <a:t>提供全局访问点获取该实例（属性</a:t>
+              <a:t>提供全局访问点获取该</a:t>
+            </a:r>
+            <a:r>
+              <a:rPr lang="zh-CN" altLang="en-US" sz="1900" dirty="0" smtClean="0">
+                <a:effectLst/>
+              </a:rPr>
+              <a:t>实例</a:t>
+            </a:r>
+            <a:r>
+              <a:rPr lang="en-US" altLang="zh-CN" sz="1900" dirty="0" smtClean="0">
+                <a:effectLst/>
+              </a:rPr>
+              <a:t>(</a:t>
+            </a:r>
+            <a:r>
+              <a:rPr lang="zh-CN" altLang="en-US" sz="1900" dirty="0" smtClean="0">
+                <a:effectLst/>
+              </a:rPr>
+              <a:t>属性</a:t>
             </a:r>
             <a:r>
               <a:rPr lang="en-US" altLang="zh-CN" sz="1900" dirty="0">
@@ -13730,7 +15286,7 @@
               <a:t>/</a:t>
             </a:r>
             <a:r>
-              <a:rPr lang="zh-CN" altLang="en-US" sz="1900" dirty="0">
+              <a:rPr lang="zh-CN" altLang="en-US" sz="1900" dirty="0" smtClean="0">
                 <a:effectLst/>
               </a:rPr>
               <a:t>方法</a:t>
@@ -13761,49 +15317,19 @@
               <a:rPr lang="zh-CN" altLang="en-US" sz="1900" dirty="0">
                 <a:effectLst/>
               </a:rPr>
-              <a:t>打印服务实例内部</a:t>
-            </a:r>
-            <a:r>
-              <a:rPr lang="zh-CN" altLang="en-US" sz="1900" dirty="0" smtClean="0">
-                <a:effectLst/>
-              </a:rPr>
-              <a:t>管理</a:t>
-            </a:r>
-            <a:r>
-              <a:rPr lang="en-US" altLang="zh-CN" sz="1900" dirty="0" smtClean="0">
-                <a:effectLst/>
-              </a:rPr>
-              <a:t>/</a:t>
-            </a:r>
-            <a:r>
-              <a:rPr lang="zh-CN" altLang="en-US" sz="1900" dirty="0" smtClean="0">
-                <a:effectLst/>
-              </a:rPr>
-              <a:t>调度打印机</a:t>
-            </a:r>
-            <a:r>
-              <a:rPr lang="en-US" altLang="zh-CN" sz="1900" dirty="0" smtClean="0">
+              <a:t>暴露一个打印接口</a:t>
+            </a:r>
+            <a:r>
+              <a:rPr lang="en-US" altLang="zh-CN" sz="1900" dirty="0">
                 <a:effectLst/>
               </a:rPr>
               <a:t>, </a:t>
             </a:r>
             <a:r>
-              <a:rPr lang="zh-CN" altLang="en-US" sz="1900" dirty="0" smtClean="0">
-                <a:effectLst/>
-              </a:rPr>
-              <a:t>对外</a:t>
-            </a:r>
-            <a:r>
               <a:rPr lang="zh-CN" altLang="en-US" sz="1900" dirty="0">
                 <a:effectLst/>
               </a:rPr>
-              <a:t>不</a:t>
-            </a:r>
-            <a:r>
-              <a:rPr lang="zh-CN" altLang="en-US" sz="1900" dirty="0" smtClean="0">
-                <a:effectLst/>
-              </a:rPr>
-              <a:t>可见</a:t>
+              <a:t>接收打印项并将打印项放入队列</a:t>
             </a:r>
             <a:endParaRPr lang="en-US" altLang="zh-CN" sz="1900" dirty="0">
               <a:effectLst/>
@@ -13816,16 +15342,64 @@
           </a:p>
           <a:p>
             <a:r>
+              <a:rPr lang="en-US" altLang="zh-CN" sz="1900" dirty="0">
+                <a:effectLst/>
+              </a:rPr>
+              <a:t>	</a:t>
+            </a:r>
+            <a:r>
+              <a:rPr lang="zh-CN" altLang="en-US" sz="1900" dirty="0">
+                <a:effectLst/>
+              </a:rPr>
+              <a:t>打印服务实例</a:t>
+            </a:r>
+            <a:r>
+              <a:rPr lang="zh-CN" altLang="en-US" sz="1900" dirty="0" smtClean="0">
+                <a:effectLst/>
+              </a:rPr>
+              <a:t>内部</a:t>
+            </a:r>
+            <a:r>
+              <a:rPr lang="zh-CN" altLang="en-US" sz="1900" dirty="0" smtClean="0">
+                <a:effectLst/>
+              </a:rPr>
+              <a:t>封装打印机管理</a:t>
+            </a:r>
+            <a:r>
               <a:rPr lang="en-US" altLang="zh-CN" sz="1900" dirty="0" smtClean="0">
                 <a:effectLst/>
               </a:rPr>
-              <a:t>	</a:t>
+              <a:t>/</a:t>
             </a:r>
             <a:r>
               <a:rPr lang="zh-CN" altLang="en-US" sz="1900" dirty="0" smtClean="0">
                 <a:effectLst/>
               </a:rPr>
-              <a:t>打印接口接收打印项并将打印项放入队列</a:t>
+              <a:t>调度逻辑</a:t>
+            </a:r>
+            <a:r>
+              <a:rPr lang="en-US" altLang="zh-CN" sz="1900" dirty="0" smtClean="0">
+                <a:effectLst/>
+              </a:rPr>
+              <a:t>, </a:t>
+            </a:r>
+            <a:r>
+              <a:rPr lang="zh-CN" altLang="en-US" sz="1900" dirty="0" smtClean="0">
+                <a:effectLst/>
+              </a:rPr>
+              <a:t>对外</a:t>
+            </a:r>
+            <a:r>
+              <a:rPr lang="zh-CN" altLang="en-US" sz="1900" dirty="0">
+                <a:effectLst/>
+              </a:rPr>
+              <a:t>不</a:t>
+            </a:r>
+            <a:r>
+              <a:rPr lang="zh-CN" altLang="en-US" sz="1900" dirty="0" smtClean="0">
+                <a:effectLst/>
+              </a:rPr>
+              <a:t>可见</a:t>
             </a:r>
             <a:endParaRPr lang="en-US" altLang="zh-CN" sz="1900" dirty="0" smtClean="0">
               <a:effectLst/>

--- a/_Doc/DesignPattern.P3.Creational(Singleton).pptx
+++ b/_Doc/DesignPattern.P3.Creational(Singleton).pptx
@@ -5,7 +5,7 @@
     <p:sldMasterId id="2147483648" r:id="rId1"/>
   </p:sldMasterIdLst>
   <p:notesMasterIdLst>
-    <p:notesMasterId r:id="rId29"/>
+    <p:notesMasterId r:id="rId26"/>
   </p:notesMasterIdLst>
   <p:sldIdLst>
     <p:sldId id="256" r:id="rId2"/>
@@ -28,13 +28,10 @@
     <p:sldId id="343" r:id="rId19"/>
     <p:sldId id="344" r:id="rId20"/>
     <p:sldId id="294" r:id="rId21"/>
-    <p:sldId id="313" r:id="rId22"/>
-    <p:sldId id="325" r:id="rId23"/>
-    <p:sldId id="333" r:id="rId24"/>
-    <p:sldId id="315" r:id="rId25"/>
-    <p:sldId id="292" r:id="rId26"/>
-    <p:sldId id="309" r:id="rId27"/>
-    <p:sldId id="281" r:id="rId28"/>
+    <p:sldId id="325" r:id="rId22"/>
+    <p:sldId id="292" r:id="rId23"/>
+    <p:sldId id="309" r:id="rId24"/>
+    <p:sldId id="281" r:id="rId25"/>
   </p:sldIdLst>
   <p:sldSz cx="9144000" cy="6858000" type="screen4x3"/>
   <p:notesSz cx="6858000" cy="9144000"/>
@@ -185,7 +182,7 @@
             </a:lvl1pPr>
           </a:lstStyle>
           <a:p>
-            <a:endParaRPr lang="en-US"/>
+            <a:endParaRPr lang="en-US" dirty="0"/>
           </a:p>
         </p:txBody>
       </p:sp>
@@ -220,7 +217,7 @@
               <a:rPr lang="en-US" smtClean="0"/>
               <a:t>4/20/2015</a:t>
             </a:fld>
-            <a:endParaRPr lang="en-US"/>
+            <a:endParaRPr lang="en-US" dirty="0"/>
           </a:p>
         </p:txBody>
       </p:sp>
@@ -253,7 +250,7 @@
           <a:bodyPr vert="horz" lIns="91440" tIns="45720" rIns="91440" bIns="45720" rtlCol="0" anchor="ctr"/>
           <a:lstStyle/>
           <a:p>
-            <a:endParaRPr lang="en-US"/>
+            <a:endParaRPr lang="en-US" dirty="0"/>
           </a:p>
         </p:txBody>
       </p:sp>
@@ -344,7 +341,7 @@
             </a:lvl1pPr>
           </a:lstStyle>
           <a:p>
-            <a:endParaRPr lang="en-US"/>
+            <a:endParaRPr lang="en-US" dirty="0"/>
           </a:p>
         </p:txBody>
       </p:sp>
@@ -379,7 +376,7 @@
               <a:rPr lang="en-US" smtClean="0"/>
               <a:t>‹#›</a:t>
             </a:fld>
-            <a:endParaRPr lang="en-US"/>
+            <a:endParaRPr lang="en-US" dirty="0"/>
           </a:p>
         </p:txBody>
       </p:sp>
@@ -525,7 +522,7 @@
               <a:pPr/>
               <a:t>3</a:t>
             </a:fld>
-            <a:endParaRPr lang="en-US" altLang="zh-CN"/>
+            <a:endParaRPr lang="en-US" altLang="zh-CN" dirty="0"/>
           </a:p>
         </p:txBody>
       </p:sp>
@@ -618,7 +615,7 @@
               <a:pPr/>
               <a:t>4</a:t>
             </a:fld>
-            <a:endParaRPr lang="en-US" altLang="zh-CN"/>
+            <a:endParaRPr lang="en-US" altLang="zh-CN" dirty="0"/>
           </a:p>
         </p:txBody>
       </p:sp>
@@ -711,7 +708,7 @@
               <a:pPr/>
               <a:t>5</a:t>
             </a:fld>
-            <a:endParaRPr lang="en-US" altLang="zh-CN"/>
+            <a:endParaRPr lang="en-US" altLang="zh-CN" dirty="0"/>
           </a:p>
         </p:txBody>
       </p:sp>
@@ -804,7 +801,7 @@
               <a:pPr/>
               <a:t>6</a:t>
             </a:fld>
-            <a:endParaRPr lang="en-US" altLang="zh-CN"/>
+            <a:endParaRPr lang="en-US" altLang="zh-CN" dirty="0"/>
           </a:p>
         </p:txBody>
       </p:sp>
@@ -897,7 +894,7 @@
               <a:pPr/>
               <a:t>13</a:t>
             </a:fld>
-            <a:endParaRPr lang="en-US" altLang="zh-CN"/>
+            <a:endParaRPr lang="en-US" altLang="zh-CN" dirty="0"/>
           </a:p>
         </p:txBody>
       </p:sp>
@@ -4027,7 +4024,7 @@
           <a:p>
             <a:pPr algn="ctr"/>
             <a:r>
-              <a:rPr lang="en-US" altLang="zh-CN" sz="5400" smtClean="0">
+              <a:rPr lang="en-US" altLang="zh-CN" sz="5400" dirty="0" smtClean="0">
                 <a:solidFill>
                   <a:schemeClr val="tx1"/>
                 </a:solidFill>
@@ -4035,12 +4032,6 @@
               </a:rPr>
               <a:t>Part 3</a:t>
             </a:r>
-            <a:endParaRPr lang="en-US" altLang="zh-CN" sz="5400" dirty="0" smtClean="0">
-              <a:solidFill>
-                <a:schemeClr val="tx1"/>
-              </a:solidFill>
-              <a:ea typeface="宋体" pitchFamily="2" charset="-122"/>
-            </a:endParaRPr>
           </a:p>
           <a:p>
             <a:pPr algn="r"/>
@@ -6455,7 +6446,7 @@
         </p:blipFill>
         <p:spPr bwMode="auto">
           <a:xfrm>
-            <a:off x="845245" y="1520042"/>
+            <a:off x="845245" y="1448034"/>
             <a:ext cx="7615187" cy="5221326"/>
           </a:xfrm>
           <a:prstGeom prst="rect">
@@ -6687,7 +6678,7 @@
         </p:blipFill>
         <p:spPr bwMode="auto">
           <a:xfrm>
-            <a:off x="4321845" y="1559121"/>
+            <a:off x="251520" y="1559121"/>
             <a:ext cx="3346499" cy="2589959"/>
           </a:xfrm>
           <a:prstGeom prst="rect">
@@ -6738,8 +6729,8 @@
         </p:nvSpPr>
         <p:spPr>
           <a:xfrm>
-            <a:off x="1115616" y="1844824"/>
-            <a:ext cx="3024336" cy="576064"/>
+            <a:off x="4139952" y="1916832"/>
+            <a:ext cx="4752528" cy="1872208"/>
           </a:xfrm>
           <a:prstGeom prst="rect">
             <a:avLst/>
@@ -6747,7 +6738,7 @@
         </p:spPr>
         <p:txBody>
           <a:bodyPr vert="horz" rtlCol="0" anchor="ctr">
-            <a:normAutofit fontScale="92500"/>
+            <a:normAutofit/>
             <a:scene3d>
               <a:camera prst="orthographicFront"/>
               <a:lightRig rig="soft" dir="t"/>
@@ -6841,24 +6832,54 @@
           </a:lstStyle>
           <a:p>
             <a:r>
+              <a:rPr lang="en-US" altLang="zh-CN" sz="1400" b="1" dirty="0" smtClean="0">
+                <a:effectLst/>
+              </a:rPr>
+              <a:t>Shortage:</a:t>
+            </a:r>
+          </a:p>
+          <a:p>
+            <a:endParaRPr lang="en-US" altLang="zh-CN" sz="1200" b="1" dirty="0" smtClean="0">
+              <a:effectLst/>
+            </a:endParaRPr>
+          </a:p>
+          <a:p>
+            <a:pPr marL="171450" indent="-171450">
+              <a:buFontTx/>
+              <a:buChar char="-"/>
+            </a:pPr>
+            <a:r>
               <a:rPr lang="en-US" altLang="zh-CN" sz="1200" b="1" dirty="0" smtClean="0">
                 <a:effectLst/>
               </a:rPr>
-              <a:t>Base class must know all derived classes, </a:t>
-            </a:r>
-          </a:p>
-          <a:p>
+              <a:t>Base class must know all derived classes</a:t>
+            </a:r>
+          </a:p>
+          <a:p>
+            <a:pPr marL="171450" indent="-171450">
+              <a:buFontTx/>
+              <a:buChar char="-"/>
+            </a:pPr>
+            <a:endParaRPr lang="en-US" altLang="zh-CN" sz="1200" b="1" dirty="0" smtClean="0">
+              <a:effectLst/>
+            </a:endParaRPr>
+          </a:p>
+          <a:p>
+            <a:pPr marL="171450" indent="-171450">
+              <a:buFontTx/>
+              <a:buChar char="-"/>
+            </a:pPr>
             <a:r>
               <a:rPr lang="en-US" altLang="zh-CN" sz="1200" b="1" dirty="0" smtClean="0">
                 <a:effectLst/>
               </a:rPr>
-              <a:t>so sub classes’ c</a:t>
+              <a:t>Derived classes’ c</a:t>
             </a:r>
             <a:r>
               <a:rPr lang="en-US" altLang="zh-CN" sz="1200" b="1" dirty="0" smtClean="0">
                 <a:effectLst/>
               </a:rPr>
-              <a:t>onstructor has to be </a:t>
+              <a:t>onstructors have to be </a:t>
             </a:r>
             <a:r>
               <a:rPr lang="en-US" altLang="zh-CN" sz="1200" b="1" dirty="0" smtClean="0">
@@ -6869,10 +6890,61 @@
               </a:rPr>
               <a:t>public</a:t>
             </a:r>
+          </a:p>
+          <a:p>
+            <a:pPr marL="171450" indent="-171450">
+              <a:buFontTx/>
+              <a:buChar char="-"/>
+            </a:pPr>
             <a:endParaRPr lang="en-US" altLang="zh-CN" sz="1200" b="1" dirty="0">
               <a:solidFill>
                 <a:srgbClr val="FF0000"/>
               </a:solidFill>
+              <a:effectLst/>
+            </a:endParaRPr>
+          </a:p>
+          <a:p>
+            <a:pPr marL="171450" indent="-171450">
+              <a:buFontTx/>
+              <a:buChar char="-"/>
+            </a:pPr>
+            <a:r>
+              <a:rPr lang="en-US" altLang="zh-CN" sz="1200" b="1" dirty="0" smtClean="0">
+                <a:effectLst/>
+              </a:rPr>
+              <a:t>Cannot prevent clients creating many instances</a:t>
+            </a:r>
+            <a:endParaRPr lang="en-US" altLang="zh-CN" sz="1200" b="1" dirty="0">
+              <a:solidFill>
+                <a:srgbClr val="FF0000"/>
+              </a:solidFill>
+              <a:effectLst/>
+            </a:endParaRPr>
+          </a:p>
+          <a:p>
+            <a:pPr marL="171450" indent="-171450">
+              <a:buFontTx/>
+              <a:buChar char="-"/>
+            </a:pPr>
+            <a:endParaRPr lang="en-US" altLang="zh-CN" sz="1200" b="1" dirty="0">
+              <a:solidFill>
+                <a:srgbClr val="FF0000"/>
+              </a:solidFill>
+              <a:effectLst/>
+            </a:endParaRPr>
+          </a:p>
+          <a:p>
+            <a:pPr marL="171450" indent="-171450">
+              <a:buFontTx/>
+              <a:buChar char="-"/>
+            </a:pPr>
+            <a:r>
+              <a:rPr lang="en-US" altLang="zh-CN" sz="1200" b="1" dirty="0" smtClean="0">
+                <a:effectLst/>
+              </a:rPr>
+              <a:t>Derived classes’ instances are ALL created unnecessarily</a:t>
+            </a:r>
+            <a:endParaRPr lang="en-US" altLang="zh-CN" sz="1200" b="1" dirty="0">
               <a:effectLst/>
             </a:endParaRPr>
           </a:p>
@@ -7446,7 +7518,7 @@
         </p:nvSpPr>
         <p:spPr>
           <a:xfrm>
-            <a:off x="1331639" y="5301208"/>
+            <a:off x="1331639" y="5229200"/>
             <a:ext cx="6450285" cy="1368152"/>
           </a:xfrm>
           <a:prstGeom prst="rect">
@@ -7801,6 +7873,70 @@
           </a:p>
         </p:txBody>
       </p:sp>
+      <p:pic>
+        <p:nvPicPr>
+          <p:cNvPr id="4099" name="Picture 3"/>
+          <p:cNvPicPr>
+            <a:picLocks noChangeAspect="1" noChangeArrowheads="1"/>
+          </p:cNvPicPr>
+          <p:nvPr/>
+        </p:nvPicPr>
+        <p:blipFill>
+          <a:blip r:embed="rId2">
+            <a:extLst>
+              <a:ext uri="{28A0092B-C50C-407E-A947-70E740481C1C}">
+                <a14:useLocalDpi xmlns:a14="http://schemas.microsoft.com/office/drawing/2010/main" val="0"/>
+              </a:ext>
+            </a:extLst>
+          </a:blip>
+          <a:srcRect/>
+          <a:stretch>
+            <a:fillRect/>
+          </a:stretch>
+        </p:blipFill>
+        <p:spPr bwMode="auto">
+          <a:xfrm>
+            <a:off x="1238250" y="1596355"/>
+            <a:ext cx="6667500" cy="4352925"/>
+          </a:xfrm>
+          <a:prstGeom prst="rect">
+            <a:avLst/>
+          </a:prstGeom>
+          <a:noFill/>
+          <a:ln>
+            <a:noFill/>
+          </a:ln>
+          <a:effectLst/>
+          <a:extLst>
+            <a:ext uri="{909E8E84-426E-40DD-AFC4-6F175D3DCCD1}">
+              <a14:hiddenFill xmlns:a14="http://schemas.microsoft.com/office/drawing/2010/main">
+                <a:solidFill>
+                  <a:schemeClr val="accent1"/>
+                </a:solidFill>
+              </a14:hiddenFill>
+            </a:ext>
+            <a:ext uri="{91240B29-F687-4F45-9708-019B960494DF}">
+              <a14:hiddenLine xmlns:a14="http://schemas.microsoft.com/office/drawing/2010/main" w="9525">
+                <a:solidFill>
+                  <a:schemeClr val="tx1"/>
+                </a:solidFill>
+                <a:miter lim="800000"/>
+                <a:headEnd/>
+                <a:tailEnd/>
+              </a14:hiddenLine>
+            </a:ext>
+            <a:ext uri="{AF507438-7753-43E0-B8FC-AC1667EBCBE1}">
+              <a14:hiddenEffects xmlns:a14="http://schemas.microsoft.com/office/drawing/2010/main">
+                <a:effectLst>
+                  <a:outerShdw dist="35921" dir="2700000" algn="ctr" rotWithShape="0">
+                    <a:schemeClr val="bg2"/>
+                  </a:outerShdw>
+                </a:effectLst>
+              </a14:hiddenEffects>
+            </a:ext>
+          </a:extLst>
+        </p:spPr>
+      </p:pic>
     </p:spTree>
     <p:extLst>
       <p:ext uri="{BB962C8B-B14F-4D97-AF65-F5344CB8AC3E}">
@@ -7966,6 +8102,440 @@
           </a:p>
         </p:txBody>
       </p:sp>
+      <p:pic>
+        <p:nvPicPr>
+          <p:cNvPr id="5122" name="Picture 2"/>
+          <p:cNvPicPr>
+            <a:picLocks noChangeAspect="1" noChangeArrowheads="1"/>
+          </p:cNvPicPr>
+          <p:nvPr/>
+        </p:nvPicPr>
+        <p:blipFill>
+          <a:blip r:embed="rId2">
+            <a:extLst>
+              <a:ext uri="{28A0092B-C50C-407E-A947-70E740481C1C}">
+                <a14:useLocalDpi xmlns:a14="http://schemas.microsoft.com/office/drawing/2010/main" val="0"/>
+              </a:ext>
+            </a:extLst>
+          </a:blip>
+          <a:srcRect/>
+          <a:stretch>
+            <a:fillRect/>
+          </a:stretch>
+        </p:blipFill>
+        <p:spPr bwMode="auto">
+          <a:xfrm>
+            <a:off x="1855812" y="1556792"/>
+            <a:ext cx="5524500" cy="1200150"/>
+          </a:xfrm>
+          <a:prstGeom prst="rect">
+            <a:avLst/>
+          </a:prstGeom>
+          <a:noFill/>
+          <a:ln>
+            <a:noFill/>
+          </a:ln>
+          <a:effectLst/>
+          <a:extLst>
+            <a:ext uri="{909E8E84-426E-40DD-AFC4-6F175D3DCCD1}">
+              <a14:hiddenFill xmlns:a14="http://schemas.microsoft.com/office/drawing/2010/main">
+                <a:solidFill>
+                  <a:schemeClr val="accent1"/>
+                </a:solidFill>
+              </a14:hiddenFill>
+            </a:ext>
+            <a:ext uri="{91240B29-F687-4F45-9708-019B960494DF}">
+              <a14:hiddenLine xmlns:a14="http://schemas.microsoft.com/office/drawing/2010/main" w="9525">
+                <a:solidFill>
+                  <a:schemeClr val="tx1"/>
+                </a:solidFill>
+                <a:miter lim="800000"/>
+                <a:headEnd/>
+                <a:tailEnd/>
+              </a14:hiddenLine>
+            </a:ext>
+            <a:ext uri="{AF507438-7753-43E0-B8FC-AC1667EBCBE1}">
+              <a14:hiddenEffects xmlns:a14="http://schemas.microsoft.com/office/drawing/2010/main">
+                <a:effectLst>
+                  <a:outerShdw dist="35921" dir="2700000" algn="ctr" rotWithShape="0">
+                    <a:schemeClr val="bg2"/>
+                  </a:outerShdw>
+                </a:effectLst>
+              </a14:hiddenEffects>
+            </a:ext>
+          </a:extLst>
+        </p:spPr>
+      </p:pic>
+      <p:sp>
+        <p:nvSpPr>
+          <p:cNvPr id="7" name="Rectangle 2"/>
+          <p:cNvSpPr txBox="1">
+            <a:spLocks noChangeArrowheads="1"/>
+          </p:cNvSpPr>
+          <p:nvPr/>
+        </p:nvSpPr>
+        <p:spPr>
+          <a:xfrm>
+            <a:off x="1763688" y="2996952"/>
+            <a:ext cx="6552728" cy="3717032"/>
+          </a:xfrm>
+          <a:prstGeom prst="rect">
+            <a:avLst/>
+          </a:prstGeom>
+        </p:spPr>
+        <p:txBody>
+          <a:bodyPr vert="horz" rtlCol="0" anchor="ctr">
+            <a:normAutofit fontScale="92500" lnSpcReduction="10000"/>
+            <a:scene3d>
+              <a:camera prst="orthographicFront"/>
+              <a:lightRig rig="soft" dir="t"/>
+            </a:scene3d>
+            <a:sp3d prstMaterial="matte">
+              <a:bevelT w="12700" h="12700"/>
+            </a:sp3d>
+          </a:bodyPr>
+          <a:lstStyle>
+            <a:lvl1pPr algn="l" rtl="0" eaLnBrk="1" latinLnBrk="0" hangingPunct="1">
+              <a:spcBef>
+                <a:spcPct val="0"/>
+              </a:spcBef>
+              <a:buNone/>
+              <a:defRPr kumimoji="0" lang="zh-CN" altLang="en-US" sz="4400" b="0" kern="1200" spc="50">
+                <a:ln w="12700">
+                  <a:noFill/>
+                  <a:prstDash val="solid"/>
+                </a:ln>
+                <a:solidFill>
+                  <a:schemeClr val="accent4"/>
+                </a:solidFill>
+                <a:effectLst>
+                  <a:outerShdw blurRad="38100" dist="20320" dir="2700000" algn="tl" rotWithShape="0">
+                    <a:srgbClr val="000000">
+                      <a:alpha val="70000"/>
+                    </a:srgbClr>
+                  </a:outerShdw>
+                </a:effectLst>
+                <a:latin typeface="+mj-lt"/>
+                <a:ea typeface="+mj-ea"/>
+                <a:cs typeface="+mj-cs"/>
+              </a:defRPr>
+            </a:lvl1pPr>
+            <a:lvl2pPr eaLnBrk="1" latinLnBrk="0" hangingPunct="1">
+              <a:defRPr kumimoji="0">
+                <a:solidFill>
+                  <a:schemeClr val="tx2"/>
+                </a:solidFill>
+              </a:defRPr>
+            </a:lvl2pPr>
+            <a:lvl3pPr eaLnBrk="1" latinLnBrk="0" hangingPunct="1">
+              <a:defRPr kumimoji="0">
+                <a:solidFill>
+                  <a:schemeClr val="tx2"/>
+                </a:solidFill>
+              </a:defRPr>
+            </a:lvl3pPr>
+            <a:lvl4pPr eaLnBrk="1" latinLnBrk="0" hangingPunct="1">
+              <a:defRPr kumimoji="0">
+                <a:solidFill>
+                  <a:schemeClr val="tx2"/>
+                </a:solidFill>
+              </a:defRPr>
+            </a:lvl4pPr>
+            <a:lvl5pPr eaLnBrk="1" latinLnBrk="0" hangingPunct="1">
+              <a:defRPr kumimoji="0">
+                <a:solidFill>
+                  <a:schemeClr val="tx2"/>
+                </a:solidFill>
+              </a:defRPr>
+            </a:lvl5pPr>
+            <a:lvl6pPr eaLnBrk="1" latinLnBrk="0" hangingPunct="1">
+              <a:defRPr kumimoji="0">
+                <a:solidFill>
+                  <a:schemeClr val="tx2"/>
+                </a:solidFill>
+              </a:defRPr>
+            </a:lvl6pPr>
+            <a:lvl7pPr eaLnBrk="1" latinLnBrk="0" hangingPunct="1">
+              <a:defRPr kumimoji="0">
+                <a:solidFill>
+                  <a:schemeClr val="tx2"/>
+                </a:solidFill>
+              </a:defRPr>
+            </a:lvl7pPr>
+            <a:lvl8pPr eaLnBrk="1" latinLnBrk="0" hangingPunct="1">
+              <a:defRPr kumimoji="0">
+                <a:solidFill>
+                  <a:schemeClr val="tx2"/>
+                </a:solidFill>
+              </a:defRPr>
+            </a:lvl8pPr>
+            <a:lvl9pPr eaLnBrk="1" latinLnBrk="0" hangingPunct="1">
+              <a:defRPr kumimoji="0">
+                <a:solidFill>
+                  <a:schemeClr val="tx2"/>
+                </a:solidFill>
+              </a:defRPr>
+            </a:lvl9pPr>
+          </a:lstStyle>
+          <a:p>
+            <a:r>
+              <a:rPr lang="en-US" altLang="zh-CN" sz="1400" b="1" dirty="0" smtClean="0">
+                <a:effectLst/>
+              </a:rPr>
+              <a:t>Detailed process:</a:t>
+            </a:r>
+          </a:p>
+          <a:p>
+            <a:endParaRPr lang="en-US" altLang="zh-CN" sz="1200" b="1" dirty="0">
+              <a:effectLst/>
+            </a:endParaRPr>
+          </a:p>
+          <a:p>
+            <a:r>
+              <a:rPr lang="en-US" altLang="zh-CN" sz="1200" b="1" dirty="0" smtClean="0">
+                <a:effectLst/>
+              </a:rPr>
+              <a:t>    1. A client accesses </a:t>
+            </a:r>
+            <a:r>
+              <a:rPr lang="en-US" altLang="zh-CN" sz="1200" i="1" dirty="0" smtClean="0">
+                <a:effectLst/>
+              </a:rPr>
+              <a:t>ColourPrintService</a:t>
+            </a:r>
+            <a:r>
+              <a:rPr lang="en-US" altLang="zh-CN" sz="1200" dirty="0" smtClean="0">
+                <a:effectLst/>
+              </a:rPr>
+              <a:t>’s</a:t>
+            </a:r>
+            <a:r>
+              <a:rPr lang="en-US" altLang="zh-CN" sz="1200" b="1" dirty="0" smtClean="0">
+                <a:effectLst/>
+              </a:rPr>
+              <a:t> public member: </a:t>
+            </a:r>
+            <a:r>
+              <a:rPr lang="en-US" altLang="zh-CN" sz="1200" b="1" i="1" dirty="0" smtClean="0">
+                <a:effectLst/>
+              </a:rPr>
+              <a:t>InstanceKey</a:t>
+            </a:r>
+          </a:p>
+          <a:p>
+            <a:endParaRPr lang="en-US" altLang="zh-CN" sz="1200" b="1" i="1" dirty="0" smtClean="0">
+              <a:effectLst/>
+            </a:endParaRPr>
+          </a:p>
+          <a:p>
+            <a:r>
+              <a:rPr lang="en-US" altLang="zh-CN" sz="1200" b="1" dirty="0">
+                <a:effectLst/>
+              </a:rPr>
+              <a:t>  </a:t>
+            </a:r>
+            <a:r>
+              <a:rPr lang="en-US" altLang="zh-CN" sz="1200" b="1" dirty="0" smtClean="0">
+                <a:effectLst/>
+              </a:rPr>
+              <a:t>  2. First-time </a:t>
+            </a:r>
+            <a:r>
+              <a:rPr lang="en-US" altLang="zh-CN" sz="1200" b="1" dirty="0">
+                <a:effectLst/>
+              </a:rPr>
+              <a:t>member </a:t>
+            </a:r>
+            <a:r>
+              <a:rPr lang="en-US" altLang="zh-CN" sz="1200" b="1" dirty="0" smtClean="0">
+                <a:effectLst/>
+              </a:rPr>
+              <a:t>accessing triggers </a:t>
+            </a:r>
+            <a:r>
+              <a:rPr lang="en-US" altLang="zh-CN" sz="1200" i="1" dirty="0" smtClean="0">
+                <a:effectLst/>
+              </a:rPr>
+              <a:t>ColourPrintService</a:t>
+            </a:r>
+            <a:r>
+              <a:rPr lang="en-US" altLang="zh-CN" sz="1200" dirty="0" smtClean="0">
+                <a:effectLst/>
+              </a:rPr>
+              <a:t>’s </a:t>
+            </a:r>
+            <a:r>
+              <a:rPr lang="en-US" altLang="zh-CN" sz="1200" b="1" dirty="0" smtClean="0">
+                <a:effectLst/>
+              </a:rPr>
+              <a:t>static constructor</a:t>
+            </a:r>
+          </a:p>
+          <a:p>
+            <a:endParaRPr lang="en-US" altLang="zh-CN" sz="1200" b="1" dirty="0" smtClean="0">
+              <a:effectLst/>
+            </a:endParaRPr>
+          </a:p>
+          <a:p>
+            <a:r>
+              <a:rPr lang="en-US" altLang="zh-CN" sz="1200" b="1" dirty="0" smtClean="0">
+                <a:effectLst/>
+              </a:rPr>
+              <a:t>    3. Static constructor finishes singleton instance registration: adding itself into a dictionary</a:t>
+            </a:r>
+          </a:p>
+          <a:p>
+            <a:endParaRPr lang="en-US" altLang="zh-CN" sz="1200" b="1" dirty="0" smtClean="0">
+              <a:effectLst/>
+            </a:endParaRPr>
+          </a:p>
+          <a:p>
+            <a:r>
+              <a:rPr lang="en-US" altLang="zh-CN" sz="1200" b="1" dirty="0" smtClean="0">
+                <a:effectLst/>
+              </a:rPr>
+              <a:t>    4. </a:t>
+            </a:r>
+            <a:r>
+              <a:rPr lang="en-US" altLang="zh-CN" sz="1200" i="1" dirty="0" smtClean="0">
+                <a:effectLst/>
+              </a:rPr>
+              <a:t>PrintService.GetInstance(string key)</a:t>
+            </a:r>
+            <a:r>
+              <a:rPr lang="en-US" altLang="zh-CN" sz="1200" b="1" dirty="0" smtClean="0">
+                <a:effectLst/>
+              </a:rPr>
+              <a:t> gets the singleton instance from the dictionary</a:t>
+            </a:r>
+          </a:p>
+          <a:p>
+            <a:endParaRPr lang="en-US" altLang="zh-CN" sz="1200" b="1" dirty="0" smtClean="0">
+              <a:effectLst/>
+            </a:endParaRPr>
+          </a:p>
+          <a:p>
+            <a:endParaRPr lang="en-US" altLang="zh-CN" sz="1200" b="1" dirty="0">
+              <a:effectLst/>
+            </a:endParaRPr>
+          </a:p>
+          <a:p>
+            <a:r>
+              <a:rPr lang="en-US" altLang="zh-CN" sz="1400" b="1" dirty="0" smtClean="0">
+                <a:effectLst/>
+              </a:rPr>
+              <a:t>Restriction:</a:t>
+            </a:r>
+          </a:p>
+          <a:p>
+            <a:endParaRPr lang="en-US" altLang="zh-CN" sz="1200" b="1" dirty="0" smtClean="0">
+              <a:effectLst/>
+            </a:endParaRPr>
+          </a:p>
+          <a:p>
+            <a:r>
+              <a:rPr lang="en-US" altLang="zh-CN" sz="1200" b="1" dirty="0" smtClean="0">
+                <a:effectLst/>
+              </a:rPr>
+              <a:t>    -  Clients should always use </a:t>
+            </a:r>
+            <a:r>
+              <a:rPr lang="en-US" altLang="zh-CN" sz="1200" i="1" dirty="0" smtClean="0">
+                <a:effectLst/>
+              </a:rPr>
+              <a:t>ColourPrintService.InstanceKey</a:t>
+            </a:r>
+            <a:r>
+              <a:rPr lang="en-US" altLang="zh-CN" sz="1200" b="1" i="1" dirty="0" smtClean="0">
+                <a:effectLst/>
+              </a:rPr>
+              <a:t> to get the instance</a:t>
+            </a:r>
+          </a:p>
+          <a:p>
+            <a:pPr marL="171450" indent="-171450">
+              <a:buFontTx/>
+              <a:buChar char="-"/>
+            </a:pPr>
+            <a:endParaRPr lang="en-US" altLang="zh-CN" sz="1200" b="1" dirty="0">
+              <a:effectLst/>
+            </a:endParaRPr>
+          </a:p>
+          <a:p>
+            <a:endParaRPr lang="en-US" altLang="zh-CN" sz="1200" b="1" dirty="0">
+              <a:effectLst/>
+            </a:endParaRPr>
+          </a:p>
+          <a:p>
+            <a:r>
+              <a:rPr lang="en-US" altLang="zh-CN" sz="1400" b="1" dirty="0" smtClean="0">
+                <a:effectLst/>
+              </a:rPr>
+              <a:t>V3 VS. V1:</a:t>
+            </a:r>
+            <a:endParaRPr lang="en-US" altLang="zh-CN" sz="1400" b="1" dirty="0">
+              <a:effectLst/>
+            </a:endParaRPr>
+          </a:p>
+          <a:p>
+            <a:endParaRPr lang="en-US" altLang="zh-CN" sz="1200" b="1" dirty="0" smtClean="0">
+              <a:effectLst/>
+            </a:endParaRPr>
+          </a:p>
+          <a:p>
+            <a:r>
+              <a:rPr lang="en-US" altLang="zh-CN" sz="1200" b="1" dirty="0" smtClean="0">
+                <a:effectLst/>
+              </a:rPr>
+              <a:t>    -  PrintService don’t know derived classes</a:t>
+            </a:r>
+          </a:p>
+          <a:p>
+            <a:endParaRPr lang="en-US" altLang="zh-CN" sz="1200" b="1" dirty="0" smtClean="0">
+              <a:effectLst/>
+            </a:endParaRPr>
+          </a:p>
+          <a:p>
+            <a:r>
+              <a:rPr lang="en-US" altLang="zh-CN" sz="1200" b="1" dirty="0" smtClean="0">
+                <a:effectLst/>
+              </a:rPr>
+              <a:t>    -  Derived classes’ constructors are still private to control instances by itself</a:t>
+            </a:r>
+          </a:p>
+          <a:p>
+            <a:endParaRPr lang="en-US" altLang="zh-CN" sz="1200" b="1" dirty="0">
+              <a:effectLst/>
+            </a:endParaRPr>
+          </a:p>
+          <a:p>
+            <a:r>
+              <a:rPr lang="en-US" altLang="zh-CN" sz="1200" b="1" i="1" dirty="0" smtClean="0">
+                <a:effectLst/>
+              </a:rPr>
+              <a:t>    -  </a:t>
+            </a:r>
+            <a:r>
+              <a:rPr lang="en-US" altLang="zh-CN" sz="1200" i="1" dirty="0" smtClean="0">
+                <a:effectLst/>
+              </a:rPr>
+              <a:t>BlackWhitePrintService / ColourPrintService</a:t>
+            </a:r>
+            <a:r>
+              <a:rPr lang="en-US" altLang="zh-CN" sz="1200" b="1" i="1" dirty="0" smtClean="0">
+                <a:effectLst/>
+              </a:rPr>
+              <a:t> </a:t>
+            </a:r>
+            <a:r>
+              <a:rPr lang="en-US" altLang="zh-CN" sz="1200" b="1" dirty="0" smtClean="0">
+                <a:effectLst/>
+              </a:rPr>
+              <a:t>will be created as needed</a:t>
+            </a:r>
+          </a:p>
+        </p:txBody>
+      </p:sp>
     </p:spTree>
     <p:extLst>
       <p:ext uri="{BB962C8B-B14F-4D97-AF65-F5344CB8AC3E}">
@@ -8160,40 +8730,75 @@
                 <a:latin typeface="+mn-ea"/>
                 <a:ea typeface="+mn-ea"/>
               </a:rPr>
-              <a:t>Singleton</a:t>
+              <a:t>Eager Mode Singleton</a:t>
             </a:r>
           </a:p>
           <a:p>
             <a:pPr marL="342900" indent="-342900">
-              <a:buAutoNum type="arabicPeriod"/>
+              <a:buFont typeface="Arial" panose="020B0604020202020204" pitchFamily="34" charset="0"/>
+              <a:buChar char="•"/>
             </a:pPr>
-            <a:endParaRPr lang="en-US" altLang="zh-CN" sz="2400" dirty="0">
+            <a:r>
+              <a:rPr lang="en-US" altLang="zh-CN" sz="2400" dirty="0" smtClean="0">
+                <a:solidFill>
+                  <a:srgbClr val="002060"/>
+                </a:solidFill>
+                <a:effectLst/>
+                <a:latin typeface="+mn-ea"/>
+                <a:ea typeface="+mn-ea"/>
+              </a:rPr>
+              <a:t>Lazy Mode Singleton</a:t>
+            </a:r>
+          </a:p>
+          <a:p>
+            <a:pPr marL="342900" indent="-342900">
+              <a:buFont typeface="Arial" panose="020B0604020202020204" pitchFamily="34" charset="0"/>
+              <a:buChar char="•"/>
+            </a:pPr>
+            <a:r>
+              <a:rPr lang="en-US" altLang="zh-CN" sz="2400" dirty="0" smtClean="0">
+                <a:solidFill>
+                  <a:srgbClr val="002060"/>
+                </a:solidFill>
+                <a:effectLst/>
+                <a:latin typeface="+mn-ea"/>
+                <a:ea typeface="+mn-ea"/>
+              </a:rPr>
+              <a:t>Thinking - Eager Mode &amp; Lazy Mode</a:t>
+            </a:r>
+          </a:p>
+          <a:p>
+            <a:pPr marL="342900" indent="-342900">
+              <a:buFont typeface="Arial" panose="020B0604020202020204" pitchFamily="34" charset="0"/>
+              <a:buChar char="•"/>
+            </a:pPr>
+            <a:r>
+              <a:rPr lang="en-US" altLang="zh-CN" sz="2400" dirty="0">
+                <a:solidFill>
+                  <a:srgbClr val="002060"/>
+                </a:solidFill>
+                <a:effectLst/>
+                <a:latin typeface="+mn-ea"/>
+                <a:ea typeface="+mn-ea"/>
+              </a:rPr>
+              <a:t>Registry Singleton - </a:t>
+            </a:r>
+            <a:r>
+              <a:rPr lang="en-US" altLang="zh-CN" sz="2400" dirty="0" err="1">
+                <a:solidFill>
+                  <a:srgbClr val="002060"/>
+                </a:solidFill>
+                <a:effectLst/>
+                <a:latin typeface="+mn-ea"/>
+                <a:ea typeface="+mn-ea"/>
+              </a:rPr>
+              <a:t>Deriveative</a:t>
+            </a:r>
+            <a:endParaRPr lang="en-US" altLang="zh-CN" sz="2400" dirty="0" smtClean="0">
               <a:solidFill>
                 <a:srgbClr val="002060"/>
               </a:solidFill>
               <a:effectLst/>
-              <a:latin typeface="+mn-ea"/>
-            </a:endParaRPr>
-          </a:p>
-          <a:p>
-            <a:pPr marL="342900" indent="-342900">
-              <a:buFont typeface="Arial" panose="020B0604020202020204" pitchFamily="34" charset="0"/>
-              <a:buChar char="•"/>
-            </a:pPr>
-            <a:r>
-              <a:rPr lang="en-US" altLang="zh-CN" sz="2400" dirty="0" smtClean="0">
-                <a:solidFill>
-                  <a:srgbClr val="002060"/>
-                </a:solidFill>
-                <a:effectLst/>
-                <a:latin typeface="+mn-ea"/>
-              </a:rPr>
-              <a:t>Singleton VS. </a:t>
-            </a:r>
-            <a:endParaRPr lang="zh-CN" altLang="en-US" sz="2400" dirty="0">
-              <a:solidFill>
-                <a:srgbClr val="002060"/>
-              </a:solidFill>
               <a:latin typeface="+mn-ea"/>
               <a:ea typeface="+mn-ea"/>
             </a:endParaRPr>
@@ -8246,8 +8851,8 @@
         </p:nvSpPr>
         <p:spPr>
           <a:xfrm>
-            <a:off x="683568" y="1556792"/>
-            <a:ext cx="7776864" cy="4608512"/>
+            <a:off x="683568" y="1164282"/>
+            <a:ext cx="7776864" cy="3992910"/>
           </a:xfrm>
           <a:prstGeom prst="rect">
             <a:avLst/>
@@ -8255,7 +8860,7 @@
         </p:spPr>
         <p:txBody>
           <a:bodyPr vert="horz" rtlCol="0" anchor="ctr">
-            <a:normAutofit fontScale="92500" lnSpcReduction="10000"/>
+            <a:normAutofit/>
             <a:scene3d>
               <a:camera prst="orthographicFront"/>
               <a:lightRig rig="soft" dir="t"/>
@@ -8313,7 +8918,299 @@
                 <a:ea typeface="+mj-ea"/>
                 <a:cs typeface="+mj-cs"/>
               </a:rPr>
-              <a:t>(Motivation):</a:t>
+              <a:t>(Motivation</a:t>
+            </a:r>
+            <a:r>
+              <a:rPr lang="en-US" altLang="zh-CN" sz="1900" b="1" spc="50" dirty="0" smtClean="0">
+                <a:ln w="12700">
+                  <a:noFill/>
+                  <a:prstDash val="solid"/>
+                </a:ln>
+                <a:solidFill>
+                  <a:schemeClr val="accent4"/>
+                </a:solidFill>
+                <a:effectLst>
+                  <a:outerShdw blurRad="38100" dist="38100" dir="2700000" algn="tl">
+                    <a:srgbClr val="000000">
+                      <a:alpha val="43137"/>
+                    </a:srgbClr>
+                  </a:outerShdw>
+                </a:effectLst>
+                <a:latin typeface="+mj-lt"/>
+                <a:ea typeface="+mj-ea"/>
+                <a:cs typeface="+mj-cs"/>
+              </a:rPr>
+              <a:t>):</a:t>
+            </a:r>
+          </a:p>
+          <a:p>
+            <a:pPr>
+              <a:spcBef>
+                <a:spcPct val="0"/>
+              </a:spcBef>
+            </a:pPr>
+            <a:endParaRPr lang="zh-CN" altLang="en-US" sz="1900" b="1" spc="50" dirty="0" smtClean="0">
+              <a:ln w="12700">
+                <a:noFill/>
+                <a:prstDash val="solid"/>
+              </a:ln>
+              <a:solidFill>
+                <a:schemeClr val="accent4"/>
+              </a:solidFill>
+              <a:latin typeface="+mj-lt"/>
+              <a:ea typeface="+mj-ea"/>
+              <a:cs typeface="+mj-cs"/>
+            </a:endParaRPr>
+          </a:p>
+          <a:p>
+            <a:pPr>
+              <a:spcBef>
+                <a:spcPct val="0"/>
+              </a:spcBef>
+            </a:pPr>
+            <a:r>
+              <a:rPr lang="zh-CN" altLang="en-US" sz="1600" b="1" spc="50" dirty="0">
+                <a:ln w="12700">
+                  <a:noFill/>
+                  <a:prstDash val="solid"/>
+                </a:ln>
+                <a:solidFill>
+                  <a:schemeClr val="accent4"/>
+                </a:solidFill>
+                <a:latin typeface="+mj-lt"/>
+                <a:ea typeface="+mj-ea"/>
+                <a:cs typeface="+mj-cs"/>
+              </a:rPr>
+              <a:t>    </a:t>
+            </a:r>
+            <a:r>
+              <a:rPr lang="zh-CN" altLang="en-US" sz="1600" b="1" spc="50" dirty="0">
+                <a:ln w="12700">
+                  <a:noFill/>
+                  <a:prstDash val="solid"/>
+                </a:ln>
+                <a:solidFill>
+                  <a:schemeClr val="accent4"/>
+                </a:solidFill>
+                <a:latin typeface="+mj-lt"/>
+                <a:ea typeface="+mj-ea"/>
+                <a:cs typeface="+mj-cs"/>
+              </a:rPr>
+              <a:t>对一些类来说，只有一个实例是很重要的。怎么样才能保证一个类只有一个实例并且这个实例易于被访问</a:t>
+            </a:r>
+            <a:r>
+              <a:rPr lang="zh-CN" altLang="en-US" sz="1600" b="1" spc="50" dirty="0" smtClean="0">
+                <a:ln w="12700">
+                  <a:noFill/>
+                  <a:prstDash val="solid"/>
+                </a:ln>
+                <a:solidFill>
+                  <a:schemeClr val="accent4"/>
+                </a:solidFill>
+                <a:latin typeface="+mj-lt"/>
+                <a:ea typeface="+mj-ea"/>
+                <a:cs typeface="+mj-cs"/>
+              </a:rPr>
+              <a:t>？</a:t>
+            </a:r>
+            <a:endParaRPr lang="en-US" altLang="zh-CN" sz="1600" b="1" spc="50" dirty="0" smtClean="0">
+              <a:ln w="12700">
+                <a:noFill/>
+                <a:prstDash val="solid"/>
+              </a:ln>
+              <a:solidFill>
+                <a:schemeClr val="accent4"/>
+              </a:solidFill>
+              <a:latin typeface="+mj-lt"/>
+              <a:ea typeface="+mj-ea"/>
+              <a:cs typeface="+mj-cs"/>
+            </a:endParaRPr>
+          </a:p>
+          <a:p>
+            <a:pPr>
+              <a:spcBef>
+                <a:spcPct val="0"/>
+              </a:spcBef>
+            </a:pPr>
+            <a:endParaRPr lang="en-US" altLang="zh-CN" sz="1600" b="1" spc="50" dirty="0">
+              <a:ln w="12700">
+                <a:noFill/>
+                <a:prstDash val="solid"/>
+              </a:ln>
+              <a:solidFill>
+                <a:schemeClr val="accent4"/>
+              </a:solidFill>
+              <a:latin typeface="+mj-lt"/>
+              <a:ea typeface="+mj-ea"/>
+              <a:cs typeface="+mj-cs"/>
+            </a:endParaRPr>
+          </a:p>
+          <a:p>
+            <a:pPr>
+              <a:spcBef>
+                <a:spcPct val="0"/>
+              </a:spcBef>
+            </a:pPr>
+            <a:r>
+              <a:rPr lang="en-US" altLang="zh-CN" sz="1600" b="1" spc="50" dirty="0" smtClean="0">
+                <a:ln w="12700">
+                  <a:noFill/>
+                  <a:prstDash val="solid"/>
+                </a:ln>
+                <a:solidFill>
+                  <a:schemeClr val="accent4"/>
+                </a:solidFill>
+                <a:latin typeface="+mj-lt"/>
+                <a:ea typeface="+mj-ea"/>
+                <a:cs typeface="+mj-cs"/>
+              </a:rPr>
+              <a:t>    </a:t>
+            </a:r>
+            <a:r>
+              <a:rPr lang="zh-CN" altLang="en-US" sz="1600" b="1" spc="50" dirty="0" smtClean="0">
+                <a:ln w="12700">
+                  <a:noFill/>
+                  <a:prstDash val="solid"/>
+                </a:ln>
+                <a:solidFill>
+                  <a:schemeClr val="accent4"/>
+                </a:solidFill>
+                <a:latin typeface="+mj-lt"/>
+                <a:ea typeface="+mj-ea"/>
+                <a:cs typeface="+mj-cs"/>
+              </a:rPr>
+              <a:t>一</a:t>
+            </a:r>
+            <a:r>
+              <a:rPr lang="zh-CN" altLang="en-US" sz="1600" b="1" spc="50" dirty="0">
+                <a:ln w="12700">
+                  <a:noFill/>
+                  <a:prstDash val="solid"/>
+                </a:ln>
+                <a:solidFill>
+                  <a:schemeClr val="accent4"/>
+                </a:solidFill>
+                <a:latin typeface="+mj-lt"/>
+                <a:ea typeface="+mj-ea"/>
+                <a:cs typeface="+mj-cs"/>
+              </a:rPr>
+              <a:t>个全局变量使得一个对象可以被访问，但它不能防止你实例化多个对象。更好的办法是，让类自身负责保存它的唯一实例。这个类可以保证没有其他实例可以被创建，并且它可以提供一个访问该实例的</a:t>
+            </a:r>
+            <a:r>
+              <a:rPr lang="zh-CN" altLang="en-US" sz="1600" b="1" spc="50" dirty="0" smtClean="0">
+                <a:ln w="12700">
+                  <a:noFill/>
+                  <a:prstDash val="solid"/>
+                </a:ln>
+                <a:solidFill>
+                  <a:schemeClr val="accent4"/>
+                </a:solidFill>
+                <a:latin typeface="+mj-lt"/>
+                <a:ea typeface="+mj-ea"/>
+                <a:cs typeface="+mj-cs"/>
+              </a:rPr>
+              <a:t>方法。</a:t>
+            </a:r>
+            <a:endParaRPr lang="en-US" altLang="zh-CN" sz="1600" b="1" spc="50" dirty="0" smtClean="0">
+              <a:ln w="12700">
+                <a:noFill/>
+                <a:prstDash val="solid"/>
+              </a:ln>
+              <a:solidFill>
+                <a:schemeClr val="accent4"/>
+              </a:solidFill>
+              <a:latin typeface="+mj-lt"/>
+              <a:ea typeface="+mj-ea"/>
+              <a:cs typeface="+mj-cs"/>
+            </a:endParaRPr>
+          </a:p>
+          <a:p>
+            <a:pPr>
+              <a:spcBef>
+                <a:spcPct val="0"/>
+              </a:spcBef>
+            </a:pPr>
+            <a:endParaRPr lang="en-US" altLang="zh-CN" sz="1200" b="1" spc="50" dirty="0">
+              <a:ln w="12700">
+                <a:noFill/>
+                <a:prstDash val="solid"/>
+              </a:ln>
+              <a:solidFill>
+                <a:schemeClr val="accent4"/>
+              </a:solidFill>
+              <a:latin typeface="+mj-lt"/>
+              <a:ea typeface="+mj-ea"/>
+              <a:cs typeface="+mj-cs"/>
+            </a:endParaRPr>
+          </a:p>
+          <a:p>
+            <a:pPr>
+              <a:spcBef>
+                <a:spcPct val="0"/>
+              </a:spcBef>
+            </a:pPr>
+            <a:endParaRPr lang="zh-CN" altLang="en-US" sz="1200" b="1" spc="50" dirty="0">
+              <a:ln w="12700">
+                <a:noFill/>
+                <a:prstDash val="solid"/>
+              </a:ln>
+              <a:solidFill>
+                <a:schemeClr val="accent4"/>
+              </a:solidFill>
+              <a:latin typeface="+mj-lt"/>
+              <a:ea typeface="+mj-ea"/>
+              <a:cs typeface="+mj-cs"/>
+            </a:endParaRPr>
+          </a:p>
+          <a:p>
+            <a:pPr>
+              <a:spcBef>
+                <a:spcPct val="0"/>
+              </a:spcBef>
+            </a:pPr>
+            <a:r>
+              <a:rPr lang="zh-CN" altLang="en-US" sz="1900" b="1" spc="50" dirty="0">
+                <a:ln w="12700">
+                  <a:noFill/>
+                  <a:prstDash val="solid"/>
+                </a:ln>
+                <a:solidFill>
+                  <a:schemeClr val="accent4"/>
+                </a:solidFill>
+                <a:effectLst>
+                  <a:outerShdw blurRad="38100" dist="38100" dir="2700000" algn="tl">
+                    <a:srgbClr val="000000">
+                      <a:alpha val="43137"/>
+                    </a:srgbClr>
+                  </a:outerShdw>
+                </a:effectLst>
+                <a:latin typeface="+mj-lt"/>
+                <a:ea typeface="+mj-ea"/>
+                <a:cs typeface="+mj-cs"/>
+              </a:rPr>
+              <a:t>意图</a:t>
+            </a:r>
+            <a:r>
+              <a:rPr lang="en-US" altLang="zh-CN" sz="1900" b="1" spc="50" dirty="0">
+                <a:ln w="12700">
+                  <a:noFill/>
+                  <a:prstDash val="solid"/>
+                </a:ln>
+                <a:solidFill>
+                  <a:schemeClr val="accent4"/>
+                </a:solidFill>
+                <a:effectLst>
+                  <a:outerShdw blurRad="38100" dist="38100" dir="2700000" algn="tl">
+                    <a:srgbClr val="000000">
+                      <a:alpha val="43137"/>
+                    </a:srgbClr>
+                  </a:outerShdw>
+                </a:effectLst>
+                <a:latin typeface="+mj-lt"/>
+                <a:ea typeface="+mj-ea"/>
+                <a:cs typeface="+mj-cs"/>
+              </a:rPr>
+              <a:t>(Intent):</a:t>
             </a:r>
           </a:p>
           <a:p>
@@ -8354,10 +9251,10 @@
                 <a:ea typeface="+mj-ea"/>
                 <a:cs typeface="+mj-cs"/>
               </a:rPr>
-              <a:t>    在软件系统中，有时候面临一个</a:t>
-            </a:r>
-            <a:r>
-              <a:rPr lang="en-US" altLang="zh-CN" sz="1600" b="1" spc="50" dirty="0">
+              <a:t>    </a:t>
+            </a:r>
+            <a:r>
+              <a:rPr lang="zh-CN" altLang="en-US" sz="1600" b="1" spc="50" dirty="0">
                 <a:ln w="12700">
                   <a:noFill/>
                   <a:prstDash val="solid"/>
@@ -8369,82 +9266,7 @@
                 <a:ea typeface="+mj-ea"/>
                 <a:cs typeface="+mj-cs"/>
               </a:rPr>
-              <a:t>"</a:t>
-            </a:r>
-            <a:r>
-              <a:rPr lang="zh-CN" altLang="en-US" sz="1600" b="1" spc="50" dirty="0">
-                <a:ln w="12700">
-                  <a:noFill/>
-                  <a:prstDash val="solid"/>
-                </a:ln>
-                <a:solidFill>
-                  <a:schemeClr val="accent4"/>
-                </a:solidFill>
-                <a:latin typeface="+mj-lt"/>
-                <a:ea typeface="+mj-ea"/>
-                <a:cs typeface="+mj-cs"/>
-              </a:rPr>
-              <a:t>复杂对象</a:t>
-            </a:r>
-            <a:r>
-              <a:rPr lang="en-US" altLang="zh-CN" sz="1600" b="1" spc="50" dirty="0">
-                <a:ln w="12700">
-                  <a:noFill/>
-                  <a:prstDash val="solid"/>
-                </a:ln>
-                <a:solidFill>
-                  <a:schemeClr val="accent4"/>
-                </a:solidFill>
-                <a:latin typeface="+mj-lt"/>
-                <a:ea typeface="+mj-ea"/>
-                <a:cs typeface="+mj-cs"/>
-              </a:rPr>
-              <a:t>"</a:t>
-            </a:r>
-            <a:r>
-              <a:rPr lang="zh-CN" altLang="en-US" sz="1600" b="1" spc="50" dirty="0">
-                <a:ln w="12700">
-                  <a:noFill/>
-                  <a:prstDash val="solid"/>
-                </a:ln>
-                <a:solidFill>
-                  <a:schemeClr val="accent4"/>
-                </a:solidFill>
-                <a:latin typeface="+mj-lt"/>
-                <a:ea typeface="+mj-ea"/>
-                <a:cs typeface="+mj-cs"/>
-              </a:rPr>
-              <a:t>的创建工作，其通常由各个部分的子对象用一定算法构成</a:t>
-            </a:r>
-            <a:r>
-              <a:rPr lang="en-US" altLang="zh-CN" sz="1600" b="1" spc="50" dirty="0">
-                <a:ln w="12700">
-                  <a:noFill/>
-                  <a:prstDash val="solid"/>
-                </a:ln>
-                <a:solidFill>
-                  <a:schemeClr val="accent4"/>
-                </a:solidFill>
-                <a:latin typeface="+mj-lt"/>
-                <a:ea typeface="+mj-ea"/>
-                <a:cs typeface="+mj-cs"/>
-              </a:rPr>
-              <a:t>;</a:t>
-            </a:r>
-            <a:r>
-              <a:rPr lang="zh-CN" altLang="en-US" sz="1600" b="1" spc="50" dirty="0">
-                <a:ln w="12700">
-                  <a:noFill/>
-                  <a:prstDash val="solid"/>
-                </a:ln>
-                <a:solidFill>
-                  <a:schemeClr val="accent4"/>
-                </a:solidFill>
-                <a:latin typeface="+mj-lt"/>
-                <a:ea typeface="+mj-ea"/>
-                <a:cs typeface="+mj-cs"/>
-              </a:rPr>
-              <a:t>由于需求的变化，这个复杂对象的各个部分经常面临着剧烈的变化，但是将它们组合到一起的算法却相对稳定</a:t>
+              <a:t>保证一个类仅有一个实例，并提供一个访问它的全局访问点</a:t>
             </a:r>
             <a:r>
               <a:rPr lang="zh-CN" altLang="en-US" sz="1600" b="1" spc="50" dirty="0" smtClean="0">
@@ -8480,7 +9302,7 @@
                 <a:spcPct val="0"/>
               </a:spcBef>
             </a:pPr>
-            <a:endParaRPr lang="zh-CN" altLang="en-US" sz="1600" b="1" spc="50" dirty="0">
+            <a:endParaRPr lang="en-US" altLang="zh-CN" sz="1200" b="1" spc="50" dirty="0">
               <a:ln w="12700">
                 <a:noFill/>
                 <a:prstDash val="solid"/>
@@ -8499,217 +9321,7 @@
                 <a:spcPct val="0"/>
               </a:spcBef>
             </a:pPr>
-            <a:r>
-              <a:rPr lang="zh-CN" altLang="en-US" sz="1600" b="1" spc="50" dirty="0">
-                <a:ln w="12700">
-                  <a:noFill/>
-                  <a:prstDash val="solid"/>
-                </a:ln>
-                <a:solidFill>
-                  <a:schemeClr val="accent4"/>
-                </a:solidFill>
-                <a:latin typeface="+mj-lt"/>
-                <a:ea typeface="+mj-ea"/>
-                <a:cs typeface="+mj-cs"/>
-              </a:rPr>
-              <a:t>    如何应对种变化呢？如何提供一种</a:t>
-            </a:r>
-            <a:r>
-              <a:rPr lang="en-US" altLang="zh-CN" sz="1600" b="1" spc="50" dirty="0">
-                <a:ln w="12700">
-                  <a:noFill/>
-                  <a:prstDash val="solid"/>
-                </a:ln>
-                <a:solidFill>
-                  <a:schemeClr val="accent4"/>
-                </a:solidFill>
-                <a:latin typeface="+mj-lt"/>
-                <a:ea typeface="+mj-ea"/>
-                <a:cs typeface="+mj-cs"/>
-              </a:rPr>
-              <a:t>"</a:t>
-            </a:r>
-            <a:r>
-              <a:rPr lang="zh-CN" altLang="en-US" sz="1600" b="1" spc="50" dirty="0">
-                <a:ln w="12700">
-                  <a:noFill/>
-                  <a:prstDash val="solid"/>
-                </a:ln>
-                <a:solidFill>
-                  <a:schemeClr val="accent4"/>
-                </a:solidFill>
-                <a:latin typeface="+mj-lt"/>
-                <a:ea typeface="+mj-ea"/>
-                <a:cs typeface="+mj-cs"/>
-              </a:rPr>
-              <a:t>封装机制</a:t>
-            </a:r>
-            <a:r>
-              <a:rPr lang="en-US" altLang="zh-CN" sz="1600" b="1" spc="50" dirty="0">
-                <a:ln w="12700">
-                  <a:noFill/>
-                  <a:prstDash val="solid"/>
-                </a:ln>
-                <a:solidFill>
-                  <a:schemeClr val="accent4"/>
-                </a:solidFill>
-                <a:latin typeface="+mj-lt"/>
-                <a:ea typeface="+mj-ea"/>
-                <a:cs typeface="+mj-cs"/>
-              </a:rPr>
-              <a:t>"</a:t>
-            </a:r>
-            <a:r>
-              <a:rPr lang="zh-CN" altLang="en-US" sz="1600" b="1" spc="50" dirty="0">
-                <a:ln w="12700">
-                  <a:noFill/>
-                  <a:prstDash val="solid"/>
-                </a:ln>
-                <a:solidFill>
-                  <a:schemeClr val="accent4"/>
-                </a:solidFill>
-                <a:latin typeface="+mj-lt"/>
-                <a:ea typeface="+mj-ea"/>
-                <a:cs typeface="+mj-cs"/>
-              </a:rPr>
-              <a:t>来隔离出</a:t>
-            </a:r>
-            <a:r>
-              <a:rPr lang="en-US" altLang="zh-CN" sz="1600" b="1" spc="50" dirty="0">
-                <a:ln w="12700">
-                  <a:noFill/>
-                  <a:prstDash val="solid"/>
-                </a:ln>
-                <a:solidFill>
-                  <a:schemeClr val="accent4"/>
-                </a:solidFill>
-                <a:latin typeface="+mj-lt"/>
-                <a:ea typeface="+mj-ea"/>
-                <a:cs typeface="+mj-cs"/>
-              </a:rPr>
-              <a:t>"</a:t>
-            </a:r>
-            <a:r>
-              <a:rPr lang="zh-CN" altLang="en-US" sz="1600" b="1" spc="50" dirty="0">
-                <a:ln w="12700">
-                  <a:noFill/>
-                  <a:prstDash val="solid"/>
-                </a:ln>
-                <a:solidFill>
-                  <a:schemeClr val="accent4"/>
-                </a:solidFill>
-                <a:latin typeface="+mj-lt"/>
-                <a:ea typeface="+mj-ea"/>
-                <a:cs typeface="+mj-cs"/>
-              </a:rPr>
-              <a:t>复杂对象的各个部分</a:t>
-            </a:r>
-            <a:r>
-              <a:rPr lang="en-US" altLang="zh-CN" sz="1600" b="1" spc="50" dirty="0">
-                <a:ln w="12700">
-                  <a:noFill/>
-                  <a:prstDash val="solid"/>
-                </a:ln>
-                <a:solidFill>
-                  <a:schemeClr val="accent4"/>
-                </a:solidFill>
-                <a:latin typeface="+mj-lt"/>
-                <a:ea typeface="+mj-ea"/>
-                <a:cs typeface="+mj-cs"/>
-              </a:rPr>
-              <a:t>"</a:t>
-            </a:r>
-            <a:r>
-              <a:rPr lang="zh-CN" altLang="en-US" sz="1600" b="1" spc="50" dirty="0">
-                <a:ln w="12700">
-                  <a:noFill/>
-                  <a:prstDash val="solid"/>
-                </a:ln>
-                <a:solidFill>
-                  <a:schemeClr val="accent4"/>
-                </a:solidFill>
-                <a:latin typeface="+mj-lt"/>
-                <a:ea typeface="+mj-ea"/>
-                <a:cs typeface="+mj-cs"/>
-              </a:rPr>
-              <a:t>的变化，从而保持系统中的</a:t>
-            </a:r>
-            <a:r>
-              <a:rPr lang="en-US" altLang="zh-CN" sz="1600" b="1" spc="50" dirty="0">
-                <a:ln w="12700">
-                  <a:noFill/>
-                  <a:prstDash val="solid"/>
-                </a:ln>
-                <a:solidFill>
-                  <a:schemeClr val="accent4"/>
-                </a:solidFill>
-                <a:latin typeface="+mj-lt"/>
-                <a:ea typeface="+mj-ea"/>
-                <a:cs typeface="+mj-cs"/>
-              </a:rPr>
-              <a:t>"</a:t>
-            </a:r>
-            <a:r>
-              <a:rPr lang="zh-CN" altLang="en-US" sz="1600" b="1" spc="50" dirty="0">
-                <a:ln w="12700">
-                  <a:noFill/>
-                  <a:prstDash val="solid"/>
-                </a:ln>
-                <a:solidFill>
-                  <a:schemeClr val="accent4"/>
-                </a:solidFill>
-                <a:latin typeface="+mj-lt"/>
-                <a:ea typeface="+mj-ea"/>
-                <a:cs typeface="+mj-cs"/>
-              </a:rPr>
-              <a:t>稳定构建算法</a:t>
-            </a:r>
-            <a:r>
-              <a:rPr lang="en-US" altLang="zh-CN" sz="1600" b="1" spc="50" dirty="0">
-                <a:ln w="12700">
-                  <a:noFill/>
-                  <a:prstDash val="solid"/>
-                </a:ln>
-                <a:solidFill>
-                  <a:schemeClr val="accent4"/>
-                </a:solidFill>
-                <a:latin typeface="+mj-lt"/>
-                <a:ea typeface="+mj-ea"/>
-                <a:cs typeface="+mj-cs"/>
-              </a:rPr>
-              <a:t>"</a:t>
-            </a:r>
-            <a:r>
-              <a:rPr lang="zh-CN" altLang="en-US" sz="1600" b="1" spc="50" dirty="0">
-                <a:ln w="12700">
-                  <a:noFill/>
-                  <a:prstDash val="solid"/>
-                </a:ln>
-                <a:solidFill>
-                  <a:schemeClr val="accent4"/>
-                </a:solidFill>
-                <a:latin typeface="+mj-lt"/>
-                <a:ea typeface="+mj-ea"/>
-                <a:cs typeface="+mj-cs"/>
-              </a:rPr>
-              <a:t>不随需求的改变而改变</a:t>
-            </a:r>
-            <a:r>
-              <a:rPr lang="zh-CN" altLang="en-US" sz="1600" b="1" spc="50" dirty="0" smtClean="0">
-                <a:ln w="12700">
-                  <a:noFill/>
-                  <a:prstDash val="solid"/>
-                </a:ln>
-                <a:solidFill>
-                  <a:schemeClr val="accent4"/>
-                </a:solidFill>
-                <a:latin typeface="+mj-lt"/>
-                <a:ea typeface="+mj-ea"/>
-                <a:cs typeface="+mj-cs"/>
-              </a:rPr>
-              <a:t>？</a:t>
-            </a:r>
-            <a:endParaRPr lang="en-US" altLang="zh-CN" sz="1600" b="1" spc="50" dirty="0" smtClean="0">
+            <a:endParaRPr lang="en-US" altLang="zh-CN" sz="1200" b="1" spc="50" dirty="0" smtClean="0">
               <a:ln w="12700">
                 <a:noFill/>
                 <a:prstDash val="solid"/>
@@ -8728,46 +9340,8 @@
                 <a:spcPct val="0"/>
               </a:spcBef>
             </a:pPr>
-            <a:endParaRPr lang="en-US" altLang="zh-CN" sz="1900" b="1" spc="50" dirty="0">
-              <a:ln w="12700">
-                <a:noFill/>
-                <a:prstDash val="solid"/>
-              </a:ln>
-              <a:solidFill>
-                <a:schemeClr val="accent4"/>
-              </a:solidFill>
-              <a:latin typeface="+mj-lt"/>
-              <a:ea typeface="+mj-ea"/>
-              <a:cs typeface="+mj-cs"/>
-            </a:endParaRPr>
-          </a:p>
-          <a:p>
-            <a:pPr>
-              <a:spcBef>
-                <a:spcPct val="0"/>
-              </a:spcBef>
-            </a:pPr>
-            <a:endParaRPr lang="zh-CN" altLang="en-US" sz="1900" b="1" spc="50" dirty="0">
-              <a:ln w="12700">
-                <a:noFill/>
-                <a:prstDash val="solid"/>
-              </a:ln>
-              <a:solidFill>
-                <a:schemeClr val="accent4"/>
-              </a:solidFill>
-              <a:latin typeface="+mj-lt"/>
-              <a:ea typeface="+mj-ea"/>
-              <a:cs typeface="+mj-cs"/>
-            </a:endParaRPr>
-          </a:p>
-          <a:p>
-            <a:pPr>
-              <a:spcBef>
-                <a:spcPct val="0"/>
-              </a:spcBef>
-            </a:pPr>
-            <a:r>
-              <a:rPr lang="zh-CN" altLang="en-US" sz="1900" b="1" spc="50" dirty="0">
+            <a:r>
+              <a:rPr lang="zh-CN" altLang="en-US" b="1" spc="50" dirty="0">
                 <a:ln w="12700">
                   <a:noFill/>
                   <a:prstDash val="solid"/>
@@ -8782,14 +9356,11 @@
                     </a:srgbClr>
                   </a:outerShdw>
                 </a:effectLst>
-                <a:latin typeface="+mj-lt"/>
-                <a:ea typeface="+mj-ea"/>
-                <a:cs typeface="+mj-cs"/>
-              </a:rPr>
-              <a:t>意图</a:t>
-            </a:r>
-            <a:r>
-              <a:rPr lang="en-US" altLang="zh-CN" sz="1900" b="1" spc="50" dirty="0">
+              </a:rPr>
+              <a:t>结构</a:t>
+            </a:r>
+            <a:r>
+              <a:rPr lang="en-US" altLang="zh-CN" b="1" spc="50" dirty="0">
                 <a:ln w="12700">
                   <a:noFill/>
                   <a:prstDash val="solid"/>
@@ -8804,106 +9375,28 @@
                     </a:srgbClr>
                   </a:outerShdw>
                 </a:effectLst>
-                <a:latin typeface="+mj-lt"/>
-                <a:ea typeface="+mj-ea"/>
-                <a:cs typeface="+mj-cs"/>
-              </a:rPr>
-              <a:t>(Intent):</a:t>
-            </a:r>
-          </a:p>
-          <a:p>
-            <a:pPr>
-              <a:spcBef>
-                <a:spcPct val="0"/>
-              </a:spcBef>
-            </a:pPr>
-            <a:endParaRPr lang="zh-CN" altLang="en-US" sz="1900" b="1" spc="50" dirty="0">
-              <a:ln w="12700">
-                <a:noFill/>
-                <a:prstDash val="solid"/>
-              </a:ln>
-              <a:solidFill>
-                <a:schemeClr val="accent4"/>
-              </a:solidFill>
-              <a:latin typeface="+mj-lt"/>
-              <a:ea typeface="+mj-ea"/>
-              <a:cs typeface="+mj-cs"/>
-            </a:endParaRPr>
-          </a:p>
-          <a:p>
-            <a:pPr>
-              <a:spcBef>
-                <a:spcPct val="0"/>
-              </a:spcBef>
-            </a:pPr>
-            <a:r>
-              <a:rPr lang="zh-CN" altLang="en-US" sz="1600" b="1" spc="50" dirty="0">
-                <a:ln w="12700">
-                  <a:noFill/>
-                  <a:prstDash val="solid"/>
-                </a:ln>
-                <a:solidFill>
-                  <a:schemeClr val="accent4"/>
-                </a:solidFill>
-                <a:latin typeface="+mj-lt"/>
-                <a:ea typeface="+mj-ea"/>
-                <a:cs typeface="+mj-cs"/>
-              </a:rPr>
-              <a:t>    将一个复杂对象的构建与它的表示分离，使得同样的构建过程可以创建不同的表示</a:t>
-            </a:r>
-            <a:r>
-              <a:rPr lang="zh-CN" altLang="en-US" sz="1600" b="1" spc="50" dirty="0" smtClean="0">
-                <a:ln w="12700">
-                  <a:noFill/>
-                  <a:prstDash val="solid"/>
-                </a:ln>
-                <a:solidFill>
-                  <a:schemeClr val="accent4"/>
-                </a:solidFill>
-                <a:latin typeface="+mj-lt"/>
-                <a:ea typeface="+mj-ea"/>
-                <a:cs typeface="+mj-cs"/>
-              </a:rPr>
-              <a:t>。</a:t>
-            </a:r>
-            <a:endParaRPr lang="en-US" altLang="zh-CN" sz="1600" b="1" spc="50" dirty="0" smtClean="0">
-              <a:ln w="12700">
-                <a:noFill/>
-                <a:prstDash val="solid"/>
-              </a:ln>
-              <a:solidFill>
-                <a:schemeClr val="accent4"/>
-              </a:solidFill>
-              <a:latin typeface="+mj-lt"/>
-              <a:ea typeface="+mj-ea"/>
-              <a:cs typeface="+mj-cs"/>
-            </a:endParaRPr>
-          </a:p>
-          <a:p>
-            <a:pPr>
-              <a:spcBef>
-                <a:spcPct val="0"/>
-              </a:spcBef>
-            </a:pPr>
-            <a:endParaRPr lang="en-US" altLang="zh-CN" sz="1600" b="1" spc="50" dirty="0" smtClean="0">
-              <a:ln w="12700">
-                <a:noFill/>
-                <a:prstDash val="solid"/>
-              </a:ln>
-              <a:solidFill>
-                <a:schemeClr val="accent4"/>
-              </a:solidFill>
-              <a:latin typeface="+mj-lt"/>
-              <a:ea typeface="+mj-ea"/>
-              <a:cs typeface="+mj-cs"/>
-            </a:endParaRPr>
-          </a:p>
-          <a:p>
-            <a:pPr>
-              <a:spcBef>
-                <a:spcPct val="0"/>
-              </a:spcBef>
-            </a:pPr>
+              </a:rPr>
+              <a:t>(Structure)</a:t>
+            </a:r>
+            <a:r>
+              <a:rPr lang="zh-CN" altLang="en-US" b="1" spc="50" dirty="0" smtClean="0">
+                <a:ln w="12700">
+                  <a:noFill/>
+                  <a:prstDash val="solid"/>
+                </a:ln>
+                <a:solidFill>
+                  <a:schemeClr val="accent4"/>
+                </a:solidFill>
+                <a:effectLst>
+                  <a:outerShdw blurRad="38100" dist="38100" dir="2700000" algn="tl">
+                    <a:srgbClr val="000000">
+                      <a:alpha val="43137"/>
+                    </a:srgbClr>
+                  </a:outerShdw>
+                </a:effectLst>
+              </a:rPr>
+              <a:t>：</a:t>
+            </a:r>
             <a:endParaRPr lang="en-US" altLang="zh-CN" sz="1600" b="1" spc="50" dirty="0">
               <a:ln w="12700">
                 <a:noFill/>
@@ -8916,286 +9409,6 @@
               <a:ea typeface="+mj-ea"/>
               <a:cs typeface="+mj-cs"/>
             </a:endParaRPr>
-          </a:p>
-          <a:p>
-            <a:pPr>
-              <a:spcBef>
-                <a:spcPct val="0"/>
-              </a:spcBef>
-            </a:pPr>
-            <a:r>
-              <a:rPr lang="zh-CN" altLang="en-US" sz="1900" b="1" spc="50" dirty="0" smtClean="0">
-                <a:ln w="12700">
-                  <a:noFill/>
-                  <a:prstDash val="solid"/>
-                </a:ln>
-                <a:solidFill>
-                  <a:schemeClr val="accent4"/>
-                </a:solidFill>
-                <a:effectLst>
-                  <a:outerShdw blurRad="38100" dist="38100" dir="2700000" algn="tl">
-                    <a:srgbClr val="000000">
-                      <a:alpha val="43137"/>
-                    </a:srgbClr>
-                  </a:outerShdw>
-                </a:effectLst>
-                <a:latin typeface="+mj-lt"/>
-                <a:ea typeface="+mj-ea"/>
-                <a:cs typeface="+mj-cs"/>
-              </a:rPr>
-              <a:t>适用性</a:t>
-            </a:r>
-            <a:r>
-              <a:rPr lang="en-US" altLang="zh-CN" sz="1900" b="1" spc="50" dirty="0" smtClean="0">
-                <a:ln w="12700">
-                  <a:noFill/>
-                  <a:prstDash val="solid"/>
-                </a:ln>
-                <a:solidFill>
-                  <a:schemeClr val="accent4"/>
-                </a:solidFill>
-                <a:effectLst>
-                  <a:outerShdw blurRad="38100" dist="38100" dir="2700000" algn="tl">
-                    <a:srgbClr val="000000">
-                      <a:alpha val="43137"/>
-                    </a:srgbClr>
-                  </a:outerShdw>
-                </a:effectLst>
-                <a:latin typeface="+mj-lt"/>
-                <a:ea typeface="+mj-ea"/>
-                <a:cs typeface="+mj-cs"/>
-              </a:rPr>
-              <a:t>(Applicability):</a:t>
-            </a:r>
-          </a:p>
-          <a:p>
-            <a:pPr>
-              <a:spcBef>
-                <a:spcPct val="0"/>
-              </a:spcBef>
-            </a:pPr>
-            <a:endParaRPr lang="zh-CN" altLang="en-US" sz="1900" b="1" spc="50" dirty="0">
-              <a:ln w="12700">
-                <a:noFill/>
-                <a:prstDash val="solid"/>
-              </a:ln>
-              <a:solidFill>
-                <a:schemeClr val="accent4"/>
-              </a:solidFill>
-              <a:latin typeface="+mj-lt"/>
-              <a:ea typeface="+mj-ea"/>
-              <a:cs typeface="+mj-cs"/>
-            </a:endParaRPr>
-          </a:p>
-          <a:p>
-            <a:r>
-              <a:rPr lang="zh-CN" altLang="en-US" sz="1600" b="1" spc="50" dirty="0" smtClean="0">
-                <a:ln w="12700">
-                  <a:noFill/>
-                  <a:prstDash val="solid"/>
-                </a:ln>
-                <a:solidFill>
-                  <a:schemeClr val="accent4"/>
-                </a:solidFill>
-                <a:latin typeface="+mj-lt"/>
-                <a:ea typeface="+mj-ea"/>
-                <a:cs typeface="+mj-cs"/>
-              </a:rPr>
-              <a:t>    在</a:t>
-            </a:r>
-            <a:r>
-              <a:rPr lang="zh-CN" altLang="en-US" sz="1600" b="1" spc="50" dirty="0">
-                <a:ln w="12700">
-                  <a:noFill/>
-                  <a:prstDash val="solid"/>
-                </a:ln>
-                <a:solidFill>
-                  <a:schemeClr val="accent4"/>
-                </a:solidFill>
-                <a:latin typeface="+mj-lt"/>
-                <a:ea typeface="+mj-ea"/>
-                <a:cs typeface="+mj-cs"/>
-              </a:rPr>
-              <a:t>以下情况</a:t>
-            </a:r>
-            <a:r>
-              <a:rPr lang="zh-CN" altLang="en-US" sz="1600" b="1" spc="50" dirty="0" smtClean="0">
-                <a:ln w="12700">
-                  <a:noFill/>
-                  <a:prstDash val="solid"/>
-                </a:ln>
-                <a:solidFill>
-                  <a:schemeClr val="accent4"/>
-                </a:solidFill>
-                <a:latin typeface="+mj-lt"/>
-                <a:ea typeface="+mj-ea"/>
-                <a:cs typeface="+mj-cs"/>
-              </a:rPr>
-              <a:t>使用</a:t>
-            </a:r>
-            <a:r>
-              <a:rPr lang="en-US" sz="1600" b="1" spc="50" dirty="0" smtClean="0">
-                <a:ln w="12700">
-                  <a:noFill/>
-                  <a:prstDash val="solid"/>
-                </a:ln>
-                <a:solidFill>
-                  <a:schemeClr val="accent4"/>
-                </a:solidFill>
-                <a:latin typeface="+mj-lt"/>
-                <a:ea typeface="+mj-ea"/>
-                <a:cs typeface="+mj-cs"/>
-              </a:rPr>
-              <a:t>Singleton</a:t>
-            </a:r>
-            <a:r>
-              <a:rPr lang="zh-CN" altLang="en-US" sz="1600" b="1" spc="50" dirty="0" smtClean="0">
-                <a:ln w="12700">
-                  <a:noFill/>
-                  <a:prstDash val="solid"/>
-                </a:ln>
-                <a:solidFill>
-                  <a:schemeClr val="accent4"/>
-                </a:solidFill>
-                <a:latin typeface="+mj-lt"/>
-                <a:ea typeface="+mj-ea"/>
-                <a:cs typeface="+mj-cs"/>
-              </a:rPr>
-              <a:t>模式</a:t>
-            </a:r>
-            <a:endParaRPr lang="zh-CN" altLang="en-US" sz="1600" b="1" spc="50" dirty="0">
-              <a:ln w="12700">
-                <a:noFill/>
-                <a:prstDash val="solid"/>
-              </a:ln>
-              <a:solidFill>
-                <a:schemeClr val="accent4"/>
-              </a:solidFill>
-              <a:latin typeface="+mj-lt"/>
-              <a:ea typeface="+mj-ea"/>
-              <a:cs typeface="+mj-cs"/>
-            </a:endParaRPr>
-          </a:p>
-          <a:p>
-            <a:r>
-              <a:rPr lang="en-US" altLang="zh-CN" sz="1600" b="1" spc="50" dirty="0" smtClean="0">
-                <a:ln w="12700">
-                  <a:noFill/>
-                  <a:prstDash val="solid"/>
-                </a:ln>
-                <a:solidFill>
-                  <a:schemeClr val="accent4"/>
-                </a:solidFill>
-                <a:latin typeface="+mj-lt"/>
-                <a:ea typeface="+mj-ea"/>
-                <a:cs typeface="+mj-cs"/>
-              </a:rPr>
-              <a:t>      - </a:t>
-            </a:r>
-            <a:r>
-              <a:rPr lang="zh-CN" altLang="en-US" sz="1600" b="1" spc="50" dirty="0" smtClean="0">
-                <a:ln w="12700">
-                  <a:noFill/>
-                  <a:prstDash val="solid"/>
-                </a:ln>
-                <a:solidFill>
-                  <a:schemeClr val="accent4"/>
-                </a:solidFill>
-                <a:latin typeface="+mj-lt"/>
-                <a:ea typeface="+mj-ea"/>
-                <a:cs typeface="+mj-cs"/>
-              </a:rPr>
-              <a:t>当</a:t>
-            </a:r>
-            <a:r>
-              <a:rPr lang="zh-CN" altLang="en-US" sz="1600" b="1" spc="50" dirty="0">
-                <a:ln w="12700">
-                  <a:noFill/>
-                  <a:prstDash val="solid"/>
-                </a:ln>
-                <a:solidFill>
-                  <a:schemeClr val="accent4"/>
-                </a:solidFill>
-                <a:latin typeface="+mj-lt"/>
-                <a:ea typeface="+mj-ea"/>
-                <a:cs typeface="+mj-cs"/>
-              </a:rPr>
-              <a:t>创建复杂对象的算法应该独立于该对象的组成部分以及它们的装配方式</a:t>
-            </a:r>
-            <a:r>
-              <a:rPr lang="zh-CN" altLang="en-US" sz="1600" b="1" spc="50" dirty="0" smtClean="0">
-                <a:ln w="12700">
-                  <a:noFill/>
-                  <a:prstDash val="solid"/>
-                </a:ln>
-                <a:solidFill>
-                  <a:schemeClr val="accent4"/>
-                </a:solidFill>
-                <a:latin typeface="+mj-lt"/>
-                <a:ea typeface="+mj-ea"/>
-                <a:cs typeface="+mj-cs"/>
-              </a:rPr>
-              <a:t>时</a:t>
-            </a:r>
-            <a:endParaRPr lang="zh-CN" altLang="en-US" sz="1600" b="1" spc="50" dirty="0">
-              <a:ln w="12700">
-                <a:noFill/>
-                <a:prstDash val="solid"/>
-              </a:ln>
-              <a:solidFill>
-                <a:schemeClr val="accent4"/>
-              </a:solidFill>
-              <a:latin typeface="+mj-lt"/>
-              <a:ea typeface="+mj-ea"/>
-              <a:cs typeface="+mj-cs"/>
-            </a:endParaRPr>
-          </a:p>
-          <a:p>
-            <a:r>
-              <a:rPr lang="en-US" altLang="zh-CN" sz="1600" b="1" spc="50" dirty="0" smtClean="0">
-                <a:ln w="12700">
-                  <a:noFill/>
-                  <a:prstDash val="solid"/>
-                </a:ln>
-                <a:solidFill>
-                  <a:schemeClr val="accent4"/>
-                </a:solidFill>
-                <a:latin typeface="+mj-lt"/>
-                <a:ea typeface="+mj-ea"/>
-                <a:cs typeface="+mj-cs"/>
-              </a:rPr>
-              <a:t>      - </a:t>
-            </a:r>
-            <a:r>
-              <a:rPr lang="zh-CN" altLang="en-US" sz="1600" b="1" spc="50" dirty="0" smtClean="0">
-                <a:ln w="12700">
-                  <a:noFill/>
-                  <a:prstDash val="solid"/>
-                </a:ln>
-                <a:solidFill>
-                  <a:schemeClr val="accent4"/>
-                </a:solidFill>
-                <a:latin typeface="+mj-lt"/>
-                <a:ea typeface="+mj-ea"/>
-                <a:cs typeface="+mj-cs"/>
-              </a:rPr>
-              <a:t>当</a:t>
-            </a:r>
-            <a:r>
-              <a:rPr lang="zh-CN" altLang="en-US" sz="1600" b="1" spc="50" dirty="0">
-                <a:ln w="12700">
-                  <a:noFill/>
-                  <a:prstDash val="solid"/>
-                </a:ln>
-                <a:solidFill>
-                  <a:schemeClr val="accent4"/>
-                </a:solidFill>
-                <a:latin typeface="+mj-lt"/>
-                <a:ea typeface="+mj-ea"/>
-                <a:cs typeface="+mj-cs"/>
-              </a:rPr>
-              <a:t>构造过程必须允许被构造的对象有不同的表示时</a:t>
-            </a:r>
           </a:p>
         </p:txBody>
       </p:sp>
@@ -9245,6 +9458,70 @@
           </a:p>
         </p:txBody>
       </p:sp>
+      <p:pic>
+        <p:nvPicPr>
+          <p:cNvPr id="4" name="Picture 2"/>
+          <p:cNvPicPr>
+            <a:picLocks noChangeAspect="1" noChangeArrowheads="1"/>
+          </p:cNvPicPr>
+          <p:nvPr/>
+        </p:nvPicPr>
+        <p:blipFill>
+          <a:blip r:embed="rId2">
+            <a:extLst>
+              <a:ext uri="{28A0092B-C50C-407E-A947-70E740481C1C}">
+                <a14:useLocalDpi xmlns:a14="http://schemas.microsoft.com/office/drawing/2010/main" val="0"/>
+              </a:ext>
+            </a:extLst>
+          </a:blip>
+          <a:srcRect/>
+          <a:stretch>
+            <a:fillRect/>
+          </a:stretch>
+        </p:blipFill>
+        <p:spPr bwMode="auto">
+          <a:xfrm>
+            <a:off x="899592" y="5301208"/>
+            <a:ext cx="4248472" cy="1522038"/>
+          </a:xfrm>
+          <a:prstGeom prst="rect">
+            <a:avLst/>
+          </a:prstGeom>
+          <a:noFill/>
+          <a:ln>
+            <a:noFill/>
+          </a:ln>
+          <a:effectLst/>
+          <a:extLst>
+            <a:ext uri="{909E8E84-426E-40DD-AFC4-6F175D3DCCD1}">
+              <a14:hiddenFill xmlns:a14="http://schemas.microsoft.com/office/drawing/2010/main">
+                <a:solidFill>
+                  <a:schemeClr val="accent1"/>
+                </a:solidFill>
+              </a14:hiddenFill>
+            </a:ext>
+            <a:ext uri="{91240B29-F687-4F45-9708-019B960494DF}">
+              <a14:hiddenLine xmlns:a14="http://schemas.microsoft.com/office/drawing/2010/main" w="9525">
+                <a:solidFill>
+                  <a:schemeClr val="tx1"/>
+                </a:solidFill>
+                <a:miter lim="800000"/>
+                <a:headEnd/>
+                <a:tailEnd/>
+              </a14:hiddenLine>
+            </a:ext>
+            <a:ext uri="{AF507438-7753-43E0-B8FC-AC1667EBCBE1}">
+              <a14:hiddenEffects xmlns:a14="http://schemas.microsoft.com/office/drawing/2010/main">
+                <a:effectLst>
+                  <a:outerShdw dist="35921" dir="2700000" algn="ctr" rotWithShape="0">
+                    <a:schemeClr val="bg2"/>
+                  </a:outerShdw>
+                </a:effectLst>
+              </a14:hiddenEffects>
+            </a:ext>
+          </a:extLst>
+        </p:spPr>
+      </p:pic>
     </p:spTree>
     <p:extLst>
       <p:ext uri="{BB962C8B-B14F-4D97-AF65-F5344CB8AC3E}">
@@ -9290,8 +9567,8 @@
         </p:nvSpPr>
         <p:spPr>
           <a:xfrm>
-            <a:off x="685900" y="1484784"/>
-            <a:ext cx="7776864" cy="5256584"/>
+            <a:off x="683568" y="1484784"/>
+            <a:ext cx="7776864" cy="4608512"/>
           </a:xfrm>
           <a:prstGeom prst="rect">
             <a:avLst/>
@@ -9299,7 +9576,7 @@
         </p:spPr>
         <p:txBody>
           <a:bodyPr vert="horz" rtlCol="0" anchor="ctr">
-            <a:normAutofit fontScale="85000" lnSpcReduction="20000"/>
+            <a:normAutofit/>
             <a:scene3d>
               <a:camera prst="orthographicFront"/>
               <a:lightRig rig="soft" dir="t"/>
@@ -9316,7 +9593,7 @@
               </a:spcBef>
             </a:pPr>
             <a:r>
-              <a:rPr lang="zh-CN" altLang="en-US" sz="2100" b="1" spc="50" dirty="0">
+              <a:rPr lang="zh-CN" altLang="en-US" sz="1900" b="1" spc="50" dirty="0" smtClean="0">
                 <a:ln w="12700">
                   <a:noFill/>
                   <a:prstDash val="solid"/>
@@ -9335,10 +9612,10 @@
                 <a:ea typeface="+mj-ea"/>
                 <a:cs typeface="+mj-cs"/>
               </a:rPr>
-              <a:t>结构</a:t>
-            </a:r>
-            <a:r>
-              <a:rPr lang="en-US" altLang="zh-CN" sz="2100" b="1" spc="50" dirty="0">
+              <a:t>效果</a:t>
+            </a:r>
+            <a:r>
+              <a:rPr lang="en-US" altLang="zh-CN" sz="1900" b="1" spc="50" dirty="0">
                 <a:ln w="12700">
                   <a:noFill/>
                   <a:prstDash val="solid"/>
@@ -9357,38 +9634,11 @@
                 <a:ea typeface="+mj-ea"/>
                 <a:cs typeface="+mj-cs"/>
               </a:rPr>
-              <a:t>(Structure)</a:t>
-            </a:r>
-            <a:r>
-              <a:rPr lang="zh-CN" altLang="en-US" sz="2100" b="1" spc="50" dirty="0">
-                <a:ln w="12700">
-                  <a:noFill/>
-                  <a:prstDash val="solid"/>
-                </a:ln>
-                <a:solidFill>
-                  <a:schemeClr val="accent4"/>
-                </a:solidFill>
-                <a:effectLst>
-                  <a:outerShdw blurRad="38100" dist="38100" dir="2700000" algn="tl">
-                    <a:srgbClr val="000000">
-                      <a:alpha val="43137"/>
-                    </a:srgbClr>
-                  </a:outerShdw>
-                </a:effectLst>
-                <a:latin typeface="+mj-lt"/>
-                <a:ea typeface="+mj-ea"/>
-                <a:cs typeface="+mj-cs"/>
-              </a:rPr>
-              <a:t>：</a:t>
-            </a:r>
-          </a:p>
-          <a:p>
-            <a:pPr>
-              <a:spcBef>
-                <a:spcPct val="0"/>
-              </a:spcBef>
-            </a:pPr>
-            <a:endParaRPr lang="en-US" altLang="zh-CN" sz="1900" b="1" spc="50" dirty="0" smtClean="0">
+              <a:t>(Consequences):</a:t>
+            </a:r>
+          </a:p>
+          <a:p>
+            <a:endParaRPr lang="en-US" altLang="zh-CN" sz="1600" b="1" spc="50" dirty="0">
               <a:ln w="12700">
                 <a:noFill/>
                 <a:prstDash val="solid"/>
@@ -9402,12 +9652,52 @@
             </a:endParaRPr>
           </a:p>
           <a:p>
-            <a:pPr>
-              <a:spcBef>
-                <a:spcPct val="0"/>
-              </a:spcBef>
-            </a:pPr>
-            <a:endParaRPr lang="en-US" altLang="zh-CN" sz="1900" b="1" spc="50" dirty="0">
+            <a:r>
+              <a:rPr lang="zh-CN" altLang="en-US" sz="1600" b="1" spc="50" dirty="0" smtClean="0">
+                <a:ln w="12700">
+                  <a:noFill/>
+                  <a:prstDash val="solid"/>
+                </a:ln>
+                <a:solidFill>
+                  <a:schemeClr val="accent4"/>
+                </a:solidFill>
+                <a:latin typeface="+mj-lt"/>
+                <a:ea typeface="+mj-ea"/>
+                <a:cs typeface="+mj-cs"/>
+              </a:rPr>
+              <a:t>      </a:t>
+            </a:r>
+            <a:r>
+              <a:rPr lang="en-US" altLang="zh-CN" sz="1600" b="1" spc="50" dirty="0" smtClean="0">
+                <a:ln w="12700">
+                  <a:noFill/>
+                  <a:prstDash val="solid"/>
+                </a:ln>
+                <a:solidFill>
+                  <a:schemeClr val="accent4"/>
+                </a:solidFill>
+                <a:latin typeface="+mj-lt"/>
+                <a:ea typeface="+mj-ea"/>
+                <a:cs typeface="+mj-cs"/>
+              </a:rPr>
+              <a:t>- </a:t>
+            </a:r>
+            <a:r>
+              <a:rPr lang="zh-CN" altLang="en-US" sz="1600" b="1" spc="50" dirty="0" smtClean="0">
+                <a:ln w="12700">
+                  <a:noFill/>
+                  <a:prstDash val="solid"/>
+                </a:ln>
+                <a:solidFill>
+                  <a:schemeClr val="accent4"/>
+                </a:solidFill>
+                <a:latin typeface="+mj-lt"/>
+                <a:ea typeface="+mj-ea"/>
+                <a:cs typeface="+mj-cs"/>
+              </a:rPr>
+              <a:t>实例唯一，访问受控</a:t>
+            </a:r>
+            <a:endParaRPr lang="en-US" altLang="zh-CN" sz="1600" b="1" spc="50" dirty="0">
               <a:ln w="12700">
                 <a:noFill/>
                 <a:prstDash val="solid"/>
@@ -9421,12 +9711,7 @@
             </a:endParaRPr>
           </a:p>
           <a:p>
-            <a:pPr>
-              <a:spcBef>
-                <a:spcPct val="0"/>
-              </a:spcBef>
-            </a:pPr>
-            <a:endParaRPr lang="en-US" altLang="zh-CN" sz="1900" b="1" spc="50" dirty="0" smtClean="0">
+            <a:endParaRPr lang="en-US" altLang="zh-CN" sz="1600" b="1" spc="50" dirty="0" smtClean="0">
               <a:ln w="12700">
                 <a:noFill/>
                 <a:prstDash val="solid"/>
@@ -9440,12 +9725,52 @@
             </a:endParaRPr>
           </a:p>
           <a:p>
-            <a:pPr>
-              <a:spcBef>
-                <a:spcPct val="0"/>
-              </a:spcBef>
-            </a:pPr>
-            <a:endParaRPr lang="en-US" altLang="zh-CN" sz="1900" b="1" spc="50" dirty="0" smtClean="0">
+            <a:r>
+              <a:rPr lang="en-US" altLang="zh-CN" sz="1600" b="1" spc="50" dirty="0">
+                <a:ln w="12700">
+                  <a:noFill/>
+                  <a:prstDash val="solid"/>
+                </a:ln>
+                <a:solidFill>
+                  <a:schemeClr val="accent4"/>
+                </a:solidFill>
+                <a:latin typeface="+mj-lt"/>
+                <a:ea typeface="+mj-ea"/>
+                <a:cs typeface="+mj-cs"/>
+              </a:rPr>
+              <a:t> </a:t>
+            </a:r>
+            <a:r>
+              <a:rPr lang="en-US" altLang="zh-CN" sz="1600" b="1" spc="50" dirty="0" smtClean="0">
+                <a:ln w="12700">
+                  <a:noFill/>
+                  <a:prstDash val="solid"/>
+                </a:ln>
+                <a:solidFill>
+                  <a:schemeClr val="accent4"/>
+                </a:solidFill>
+                <a:latin typeface="+mj-lt"/>
+                <a:ea typeface="+mj-ea"/>
+                <a:cs typeface="+mj-cs"/>
+              </a:rPr>
+              <a:t>             </a:t>
+            </a:r>
+            <a:r>
+              <a:rPr lang="zh-CN" altLang="en-US" sz="1600" b="1" spc="50" dirty="0" smtClean="0">
+                <a:ln w="12700">
+                  <a:noFill/>
+                  <a:prstDash val="solid"/>
+                </a:ln>
+                <a:solidFill>
+                  <a:schemeClr val="accent4"/>
+                </a:solidFill>
+                <a:latin typeface="+mj-lt"/>
+                <a:ea typeface="+mj-ea"/>
+                <a:cs typeface="+mj-cs"/>
+              </a:rPr>
+              <a:t>自身存储其唯一实例，并严格控制对该实例的访问方式</a:t>
+            </a:r>
+            <a:endParaRPr lang="en-US" altLang="zh-CN" sz="1600" b="1" spc="50" dirty="0" smtClean="0">
               <a:ln w="12700">
                 <a:noFill/>
                 <a:prstDash val="solid"/>
@@ -9459,12 +9784,7 @@
             </a:endParaRPr>
           </a:p>
           <a:p>
-            <a:pPr>
-              <a:spcBef>
-                <a:spcPct val="0"/>
-              </a:spcBef>
-            </a:pPr>
-            <a:endParaRPr lang="en-US" altLang="zh-CN" sz="1900" b="1" spc="50" dirty="0">
+            <a:endParaRPr lang="en-US" altLang="zh-CN" sz="1600" b="1" spc="50" dirty="0">
               <a:ln w="12700">
                 <a:noFill/>
                 <a:prstDash val="solid"/>
@@ -9478,12 +9798,55 @@
             </a:endParaRPr>
           </a:p>
           <a:p>
-            <a:pPr>
-              <a:spcBef>
-                <a:spcPct val="0"/>
-              </a:spcBef>
-            </a:pPr>
-            <a:endParaRPr lang="en-US" altLang="zh-CN" sz="1900" b="1" spc="50" dirty="0" smtClean="0">
+            <a:r>
+              <a:rPr lang="zh-CN" altLang="en-US" sz="1600" b="1" spc="50" dirty="0">
+                <a:ln w="12700">
+                  <a:noFill/>
+                  <a:prstDash val="solid"/>
+                </a:ln>
+                <a:solidFill>
+                  <a:schemeClr val="accent4"/>
+                </a:solidFill>
+              </a:rPr>
+              <a:t> </a:t>
+            </a:r>
+            <a:r>
+              <a:rPr lang="zh-CN" altLang="en-US" sz="1600" b="1" spc="50" dirty="0" smtClean="0">
+                <a:ln w="12700">
+                  <a:noFill/>
+                  <a:prstDash val="solid"/>
+                </a:ln>
+                <a:solidFill>
+                  <a:schemeClr val="accent4"/>
+                </a:solidFill>
+              </a:rPr>
+              <a:t>     </a:t>
+            </a:r>
+            <a:r>
+              <a:rPr lang="en-US" altLang="zh-CN" sz="1600" b="1" spc="50" dirty="0" smtClean="0">
+                <a:ln w="12700">
+                  <a:noFill/>
+                  <a:prstDash val="solid"/>
+                </a:ln>
+                <a:solidFill>
+                  <a:schemeClr val="accent4"/>
+                </a:solidFill>
+              </a:rPr>
+              <a:t>- </a:t>
+            </a:r>
+            <a:r>
+              <a:rPr lang="zh-CN" altLang="en-US" sz="1600" b="1" spc="50" dirty="0" smtClean="0">
+                <a:ln w="12700">
+                  <a:noFill/>
+                  <a:prstDash val="solid"/>
+                </a:ln>
+                <a:solidFill>
+                  <a:schemeClr val="accent4"/>
+                </a:solidFill>
+              </a:rPr>
+              <a:t>支持扩展</a:t>
+            </a:r>
+            <a:endParaRPr lang="en-US" altLang="zh-CN" sz="1600" b="1" spc="50" dirty="0" smtClean="0">
               <a:ln w="12700">
                 <a:noFill/>
                 <a:prstDash val="solid"/>
@@ -9497,12 +9860,7 @@
             </a:endParaRPr>
           </a:p>
           <a:p>
-            <a:pPr>
-              <a:spcBef>
-                <a:spcPct val="0"/>
-              </a:spcBef>
-            </a:pPr>
-            <a:endParaRPr lang="en-US" altLang="zh-CN" sz="1900" b="1" spc="50" dirty="0">
+            <a:endParaRPr lang="en-US" altLang="zh-CN" sz="1600" b="1" spc="50" dirty="0">
               <a:ln w="12700">
                 <a:noFill/>
                 <a:prstDash val="solid"/>
@@ -9516,12 +9874,67 @@
             </a:endParaRPr>
           </a:p>
           <a:p>
-            <a:pPr>
-              <a:spcBef>
-                <a:spcPct val="0"/>
-              </a:spcBef>
-            </a:pPr>
-            <a:endParaRPr lang="en-US" altLang="zh-CN" sz="1900" b="1" spc="50" dirty="0">
+            <a:r>
+              <a:rPr lang="en-US" altLang="zh-CN" sz="1600" b="1" spc="50" dirty="0" smtClean="0">
+                <a:ln w="12700">
+                  <a:noFill/>
+                  <a:prstDash val="solid"/>
+                </a:ln>
+                <a:solidFill>
+                  <a:schemeClr val="accent4"/>
+                </a:solidFill>
+                <a:latin typeface="+mj-lt"/>
+                <a:ea typeface="+mj-ea"/>
+                <a:cs typeface="+mj-cs"/>
+              </a:rPr>
+              <a:t>              </a:t>
+            </a:r>
+            <a:r>
+              <a:rPr lang="zh-CN" altLang="en-US" sz="1600" b="1" spc="50" dirty="0" smtClean="0">
+                <a:ln w="12700">
+                  <a:noFill/>
+                  <a:prstDash val="solid"/>
+                </a:ln>
+                <a:solidFill>
+                  <a:schemeClr val="accent4"/>
+                </a:solidFill>
+                <a:latin typeface="+mj-lt"/>
+                <a:ea typeface="+mj-ea"/>
+                <a:cs typeface="+mj-cs"/>
+              </a:rPr>
+              <a:t>继承</a:t>
+            </a:r>
+            <a:r>
+              <a:rPr lang="en-US" altLang="zh-CN" sz="1600" b="1" spc="50" dirty="0" smtClean="0">
+                <a:ln w="12700">
+                  <a:noFill/>
+                  <a:prstDash val="solid"/>
+                </a:ln>
+                <a:solidFill>
+                  <a:schemeClr val="accent4"/>
+                </a:solidFill>
+                <a:latin typeface="+mj-lt"/>
+                <a:ea typeface="+mj-ea"/>
+                <a:cs typeface="+mj-cs"/>
+              </a:rPr>
+              <a:t>: Singleton</a:t>
+            </a:r>
+            <a:r>
+              <a:rPr lang="zh-CN" altLang="en-US" sz="1600" b="1" spc="50" dirty="0" smtClean="0">
+                <a:ln w="12700">
+                  <a:noFill/>
+                  <a:prstDash val="solid"/>
+                </a:ln>
+                <a:solidFill>
+                  <a:schemeClr val="accent4"/>
+                </a:solidFill>
+                <a:latin typeface="+mj-lt"/>
+                <a:ea typeface="+mj-ea"/>
+                <a:cs typeface="+mj-cs"/>
+              </a:rPr>
+              <a:t>子类</a:t>
+            </a:r>
+            <a:endParaRPr lang="en-US" altLang="zh-CN" sz="1600" b="1" spc="50" dirty="0">
               <a:ln w="12700">
                 <a:noFill/>
                 <a:prstDash val="solid"/>
@@ -9535,58 +9948,7 @@
             </a:endParaRPr>
           </a:p>
           <a:p>
-            <a:pPr>
-              <a:spcBef>
-                <a:spcPct val="0"/>
-              </a:spcBef>
-            </a:pPr>
-            <a:r>
-              <a:rPr lang="zh-CN" altLang="en-US" sz="2100" b="1" spc="50" dirty="0" smtClean="0">
-                <a:ln w="12700">
-                  <a:noFill/>
-                  <a:prstDash val="solid"/>
-                </a:ln>
-                <a:solidFill>
-                  <a:schemeClr val="accent4"/>
-                </a:solidFill>
-                <a:effectLst>
-                  <a:outerShdw blurRad="38100" dist="38100" dir="2700000" algn="tl">
-                    <a:srgbClr val="000000">
-                      <a:alpha val="43137"/>
-                    </a:srgbClr>
-                  </a:outerShdw>
-                </a:effectLst>
-                <a:latin typeface="+mj-lt"/>
-                <a:ea typeface="+mj-ea"/>
-                <a:cs typeface="+mj-cs"/>
-              </a:rPr>
-              <a:t>参与者</a:t>
-            </a:r>
-            <a:r>
-              <a:rPr lang="en-US" altLang="zh-CN" sz="2100" b="1" spc="50" dirty="0">
-                <a:ln w="12700">
-                  <a:noFill/>
-                  <a:prstDash val="solid"/>
-                </a:ln>
-                <a:solidFill>
-                  <a:schemeClr val="accent4"/>
-                </a:solidFill>
-                <a:effectLst>
-                  <a:outerShdw blurRad="38100" dist="38100" dir="2700000" algn="tl">
-                    <a:srgbClr val="000000">
-                      <a:alpha val="43137"/>
-                    </a:srgbClr>
-                  </a:outerShdw>
-                </a:effectLst>
-                <a:latin typeface="+mj-lt"/>
-                <a:ea typeface="+mj-ea"/>
-                <a:cs typeface="+mj-cs"/>
-              </a:rPr>
-              <a:t>(Participants):</a:t>
-            </a:r>
-          </a:p>
-          <a:p>
-            <a:endParaRPr lang="en-US" sz="1900" b="1" spc="50" dirty="0">
+            <a:endParaRPr lang="en-US" altLang="zh-CN" sz="1600" b="1" spc="50" dirty="0">
               <a:ln w="12700">
                 <a:noFill/>
                 <a:prstDash val="solid"/>
@@ -9601,7 +9963,7 @@
           </a:p>
           <a:p>
             <a:r>
-              <a:rPr lang="pt-BR" sz="1400" b="1" spc="50" dirty="0" smtClean="0">
+              <a:rPr lang="zh-CN" altLang="en-US" sz="1600" b="1" spc="50" dirty="0" smtClean="0">
                 <a:ln w="12700">
                   <a:noFill/>
                   <a:prstDash val="solid"/>
@@ -9613,11 +9975,39 @@
                 <a:ea typeface="+mj-ea"/>
                 <a:cs typeface="+mj-cs"/>
               </a:rPr>
-              <a:t>• Singleton（ComputerSingleton）</a:t>
-            </a:r>
-          </a:p>
-          <a:p>
-            <a:endParaRPr lang="pt-BR" sz="1400" b="1" spc="50" dirty="0">
+              <a:t>      </a:t>
+            </a:r>
+            <a:r>
+              <a:rPr lang="en-US" altLang="zh-CN" sz="1600" b="1" spc="50" dirty="0" smtClean="0">
+                <a:ln w="12700">
+                  <a:noFill/>
+                  <a:prstDash val="solid"/>
+                </a:ln>
+                <a:solidFill>
+                  <a:schemeClr val="accent4"/>
+                </a:solidFill>
+                <a:latin typeface="+mj-lt"/>
+                <a:ea typeface="+mj-ea"/>
+                <a:cs typeface="+mj-cs"/>
+              </a:rPr>
+              <a:t>- </a:t>
+            </a:r>
+            <a:r>
+              <a:rPr lang="zh-CN" altLang="en-US" sz="1600" b="1" spc="50" dirty="0" smtClean="0">
+                <a:ln w="12700">
+                  <a:noFill/>
+                  <a:prstDash val="solid"/>
+                </a:ln>
+                <a:solidFill>
+                  <a:schemeClr val="accent4"/>
+                </a:solidFill>
+                <a:latin typeface="+mj-lt"/>
+                <a:ea typeface="+mj-ea"/>
+                <a:cs typeface="+mj-cs"/>
+              </a:rPr>
+              <a:t>实例数量可变</a:t>
+            </a:r>
+            <a:endParaRPr lang="en-US" altLang="zh-CN" sz="1600" b="1" spc="50" dirty="0" smtClean="0">
               <a:ln w="12700">
                 <a:noFill/>
                 <a:prstDash val="solid"/>
@@ -9631,82 +10021,7 @@
             </a:endParaRPr>
           </a:p>
           <a:p>
-            <a:r>
-              <a:rPr lang="en-US" altLang="zh-CN" sz="1400" b="1" spc="50" dirty="0">
-                <a:ln w="12700">
-                  <a:noFill/>
-                  <a:prstDash val="solid"/>
-                </a:ln>
-                <a:solidFill>
-                  <a:schemeClr val="accent4"/>
-                </a:solidFill>
-                <a:latin typeface="+mj-lt"/>
-                <a:ea typeface="+mj-ea"/>
-                <a:cs typeface="+mj-cs"/>
-              </a:rPr>
-              <a:t>	— </a:t>
-            </a:r>
-            <a:r>
-              <a:rPr lang="zh-CN" altLang="en-US" sz="1400" b="1" spc="50" dirty="0">
-                <a:ln w="12700">
-                  <a:noFill/>
-                  <a:prstDash val="solid"/>
-                </a:ln>
-                <a:solidFill>
-                  <a:schemeClr val="accent4"/>
-                </a:solidFill>
-                <a:latin typeface="+mj-lt"/>
-                <a:ea typeface="+mj-ea"/>
-                <a:cs typeface="+mj-cs"/>
-              </a:rPr>
-              <a:t>为创建一个</a:t>
-            </a:r>
-            <a:r>
-              <a:rPr lang="en-US" sz="1400" b="1" spc="50" dirty="0">
-                <a:ln w="12700">
-                  <a:noFill/>
-                  <a:prstDash val="solid"/>
-                </a:ln>
-                <a:solidFill>
-                  <a:schemeClr val="accent4"/>
-                </a:solidFill>
-                <a:latin typeface="+mj-lt"/>
-                <a:ea typeface="+mj-ea"/>
-                <a:cs typeface="+mj-cs"/>
-              </a:rPr>
-              <a:t>Product</a:t>
-            </a:r>
-            <a:r>
-              <a:rPr lang="zh-CN" altLang="en-US" sz="1400" b="1" spc="50" dirty="0">
-                <a:ln w="12700">
-                  <a:noFill/>
-                  <a:prstDash val="solid"/>
-                </a:ln>
-                <a:solidFill>
-                  <a:schemeClr val="accent4"/>
-                </a:solidFill>
-                <a:latin typeface="+mj-lt"/>
-                <a:ea typeface="+mj-ea"/>
-                <a:cs typeface="+mj-cs"/>
-              </a:rPr>
-              <a:t>对象的各个部件指定抽象</a:t>
-            </a:r>
-            <a:r>
-              <a:rPr lang="zh-CN" altLang="en-US" sz="1400" b="1" spc="50" dirty="0" smtClean="0">
-                <a:ln w="12700">
-                  <a:noFill/>
-                  <a:prstDash val="solid"/>
-                </a:ln>
-                <a:solidFill>
-                  <a:schemeClr val="accent4"/>
-                </a:solidFill>
-                <a:latin typeface="+mj-lt"/>
-                <a:ea typeface="+mj-ea"/>
-                <a:cs typeface="+mj-cs"/>
-              </a:rPr>
-              <a:t>接口</a:t>
-            </a:r>
-            <a:endParaRPr lang="en-US" altLang="zh-CN" sz="1400" b="1" spc="50" dirty="0" smtClean="0">
+            <a:endParaRPr lang="en-US" altLang="zh-CN" sz="1600" b="1" spc="50" dirty="0" smtClean="0">
               <a:ln w="12700">
                 <a:noFill/>
                 <a:prstDash val="solid"/>
@@ -9720,7 +10035,114 @@
             </a:endParaRPr>
           </a:p>
           <a:p>
-            <a:endParaRPr lang="zh-CN" altLang="en-US" sz="1400" b="1" spc="50" dirty="0">
+            <a:r>
+              <a:rPr lang="en-US" altLang="zh-CN" sz="1600" b="1" spc="50" dirty="0">
+                <a:ln w="12700">
+                  <a:noFill/>
+                  <a:prstDash val="solid"/>
+                </a:ln>
+                <a:solidFill>
+                  <a:schemeClr val="accent4"/>
+                </a:solidFill>
+                <a:latin typeface="+mj-lt"/>
+                <a:ea typeface="+mj-ea"/>
+                <a:cs typeface="+mj-cs"/>
+              </a:rPr>
+              <a:t> </a:t>
+            </a:r>
+            <a:r>
+              <a:rPr lang="en-US" altLang="zh-CN" sz="1600" b="1" spc="50" dirty="0" smtClean="0">
+                <a:ln w="12700">
+                  <a:noFill/>
+                  <a:prstDash val="solid"/>
+                </a:ln>
+                <a:solidFill>
+                  <a:schemeClr val="accent4"/>
+                </a:solidFill>
+                <a:latin typeface="+mj-lt"/>
+                <a:ea typeface="+mj-ea"/>
+                <a:cs typeface="+mj-cs"/>
+              </a:rPr>
+              <a:t>              </a:t>
+            </a:r>
+            <a:r>
+              <a:rPr lang="zh-CN" altLang="en-US" sz="1600" b="1" spc="50" dirty="0" smtClean="0">
+                <a:ln w="12700">
+                  <a:noFill/>
+                  <a:prstDash val="solid"/>
+                </a:ln>
+                <a:solidFill>
+                  <a:schemeClr val="accent4"/>
+                </a:solidFill>
+                <a:latin typeface="+mj-lt"/>
+                <a:ea typeface="+mj-ea"/>
+                <a:cs typeface="+mj-cs"/>
+              </a:rPr>
+              <a:t>内部封装一定数量的实例</a:t>
+            </a:r>
+            <a:r>
+              <a:rPr lang="en-US" altLang="zh-CN" sz="1600" b="1" spc="50" dirty="0" smtClean="0">
+                <a:ln w="12700">
+                  <a:noFill/>
+                  <a:prstDash val="solid"/>
+                </a:ln>
+                <a:solidFill>
+                  <a:schemeClr val="accent4"/>
+                </a:solidFill>
+                <a:latin typeface="+mj-lt"/>
+                <a:ea typeface="+mj-ea"/>
+                <a:cs typeface="+mj-cs"/>
+              </a:rPr>
+              <a:t>, </a:t>
+            </a:r>
+            <a:r>
+              <a:rPr lang="zh-CN" altLang="en-US" sz="1600" b="1" spc="50" dirty="0" smtClean="0">
+                <a:ln w="12700">
+                  <a:noFill/>
+                  <a:prstDash val="solid"/>
+                </a:ln>
+                <a:solidFill>
+                  <a:schemeClr val="accent4"/>
+                </a:solidFill>
+                <a:latin typeface="+mj-lt"/>
+                <a:ea typeface="+mj-ea"/>
+                <a:cs typeface="+mj-cs"/>
+              </a:rPr>
+              <a:t>当</a:t>
+            </a:r>
+            <a:r>
+              <a:rPr lang="zh-CN" altLang="en-US" sz="1600" b="1" spc="50" dirty="0" smtClean="0">
+                <a:ln w="12700">
+                  <a:noFill/>
+                  <a:prstDash val="solid"/>
+                </a:ln>
+                <a:solidFill>
+                  <a:schemeClr val="accent4"/>
+                </a:solidFill>
+                <a:latin typeface="+mj-lt"/>
+                <a:ea typeface="+mj-ea"/>
+                <a:cs typeface="+mj-cs"/>
+              </a:rPr>
+              <a:t>客户端请求时</a:t>
+            </a:r>
+            <a:r>
+              <a:rPr lang="en-US" altLang="zh-CN" sz="1600" b="1" spc="50" dirty="0" smtClean="0">
+                <a:ln w="12700">
+                  <a:noFill/>
+                  <a:prstDash val="solid"/>
+                </a:ln>
+                <a:solidFill>
+                  <a:schemeClr val="accent4"/>
+                </a:solidFill>
+                <a:latin typeface="+mj-lt"/>
+                <a:ea typeface="+mj-ea"/>
+                <a:cs typeface="+mj-cs"/>
+              </a:rPr>
+              <a:t>:</a:t>
+            </a:r>
+          </a:p>
+          <a:p>
+            <a:endParaRPr lang="en-US" altLang="zh-CN" sz="1600" b="1" spc="50" dirty="0" smtClean="0">
               <a:ln w="12700">
                 <a:noFill/>
                 <a:prstDash val="solid"/>
@@ -9735,7 +10157,7 @@
           </a:p>
           <a:p>
             <a:r>
-              <a:rPr lang="pt-BR" sz="1400" b="1" spc="50" dirty="0">
+              <a:rPr lang="en-US" altLang="zh-CN" sz="1600" b="1" spc="50" dirty="0">
                 <a:ln w="12700">
                   <a:noFill/>
                   <a:prstDash val="solid"/>
@@ -9747,10 +10169,10 @@
                 <a:ea typeface="+mj-ea"/>
                 <a:cs typeface="+mj-cs"/>
               </a:rPr>
-              <a:t>• </a:t>
-            </a:r>
-            <a:r>
-              <a:rPr lang="pt-BR" sz="1400" b="1" spc="50" dirty="0" smtClean="0">
+              <a:t>	</a:t>
+            </a:r>
+            <a:r>
+              <a:rPr lang="en-US" altLang="zh-CN" sz="1600" b="1" spc="50" dirty="0" smtClean="0">
                 <a:ln w="12700">
                   <a:noFill/>
                   <a:prstDash val="solid"/>
@@ -9762,11 +10184,71 @@
                 <a:ea typeface="+mj-ea"/>
                 <a:cs typeface="+mj-cs"/>
               </a:rPr>
-              <a:t>ConcreteSingleton（ComputerDomesticLevel001Singleton, ComputerGameLevel001Singleton...）</a:t>
-            </a:r>
-          </a:p>
-          <a:p>
-            <a:endParaRPr lang="pt-BR" sz="1400" b="1" spc="50" dirty="0">
+              <a:t>      </a:t>
+            </a:r>
+            <a:r>
+              <a:rPr lang="zh-CN" altLang="en-US" sz="1600" b="1" spc="50" dirty="0" smtClean="0">
+                <a:ln w="12700">
+                  <a:noFill/>
+                  <a:prstDash val="solid"/>
+                </a:ln>
+                <a:solidFill>
+                  <a:schemeClr val="accent4"/>
+                </a:solidFill>
+                <a:latin typeface="+mj-lt"/>
+                <a:ea typeface="+mj-ea"/>
+                <a:cs typeface="+mj-cs"/>
+              </a:rPr>
+              <a:t>返回其中一个</a:t>
+            </a:r>
+            <a:r>
+              <a:rPr lang="en-US" altLang="zh-CN" sz="1600" b="1" spc="50" dirty="0" smtClean="0">
+                <a:ln w="12700">
+                  <a:noFill/>
+                  <a:prstDash val="solid"/>
+                </a:ln>
+                <a:solidFill>
+                  <a:schemeClr val="accent4"/>
+                </a:solidFill>
+                <a:latin typeface="+mj-lt"/>
+                <a:ea typeface="+mj-ea"/>
+                <a:cs typeface="+mj-cs"/>
+              </a:rPr>
+              <a:t>(</a:t>
+            </a:r>
+            <a:r>
+              <a:rPr lang="zh-CN" altLang="en-US" sz="1600" b="1" spc="50" dirty="0" smtClean="0">
+                <a:ln w="12700">
+                  <a:noFill/>
+                  <a:prstDash val="solid"/>
+                </a:ln>
+                <a:solidFill>
+                  <a:schemeClr val="accent4"/>
+                </a:solidFill>
+                <a:latin typeface="+mj-lt"/>
+                <a:ea typeface="+mj-ea"/>
+                <a:cs typeface="+mj-cs"/>
+              </a:rPr>
+              <a:t>池</a:t>
+            </a:r>
+            <a:r>
+              <a:rPr lang="en-US" altLang="zh-CN" sz="1600" b="1" spc="50" dirty="0" smtClean="0">
+                <a:ln w="12700">
+                  <a:noFill/>
+                  <a:prstDash val="solid"/>
+                </a:ln>
+                <a:solidFill>
+                  <a:schemeClr val="accent4"/>
+                </a:solidFill>
+                <a:latin typeface="+mj-lt"/>
+                <a:ea typeface="+mj-ea"/>
+                <a:cs typeface="+mj-cs"/>
+              </a:rPr>
+              <a:t>)</a:t>
+            </a:r>
+          </a:p>
+          <a:p>
+            <a:endParaRPr lang="en-US" altLang="zh-CN" sz="1600" b="1" spc="50" dirty="0" smtClean="0">
               <a:ln w="12700">
                 <a:noFill/>
                 <a:prstDash val="solid"/>
@@ -9781,7 +10263,7 @@
           </a:p>
           <a:p>
             <a:r>
-              <a:rPr lang="en-US" altLang="zh-CN" sz="1400" b="1" spc="50" dirty="0">
+              <a:rPr lang="en-US" altLang="zh-CN" sz="1600" b="1" spc="50" dirty="0">
                 <a:ln w="12700">
                   <a:noFill/>
                   <a:prstDash val="solid"/>
@@ -9793,10 +10275,10 @@
                 <a:ea typeface="+mj-ea"/>
                 <a:cs typeface="+mj-cs"/>
               </a:rPr>
-              <a:t>	— </a:t>
-            </a:r>
-            <a:r>
-              <a:rPr lang="zh-CN" altLang="en-US" sz="1400" b="1" spc="50" dirty="0" smtClean="0">
+              <a:t>	</a:t>
+            </a:r>
+            <a:r>
+              <a:rPr lang="en-US" altLang="zh-CN" sz="1600" b="1" spc="50" dirty="0" smtClean="0">
                 <a:ln w="12700">
                   <a:noFill/>
                   <a:prstDash val="solid"/>
@@ -9808,10 +10290,10 @@
                 <a:ea typeface="+mj-ea"/>
                 <a:cs typeface="+mj-cs"/>
               </a:rPr>
-              <a:t>实现</a:t>
-            </a:r>
-            <a:r>
-              <a:rPr lang="en-US" sz="1400" b="1" spc="50" dirty="0" smtClean="0">
+              <a:t>      </a:t>
+            </a:r>
+            <a:r>
+              <a:rPr lang="zh-CN" altLang="en-US" sz="1600" b="1" spc="50" dirty="0" smtClean="0">
                 <a:ln w="12700">
                   <a:noFill/>
                   <a:prstDash val="solid"/>
@@ -9823,10 +10305,10 @@
                 <a:ea typeface="+mj-ea"/>
                 <a:cs typeface="+mj-cs"/>
               </a:rPr>
-              <a:t>Singleton</a:t>
-            </a:r>
-            <a:r>
-              <a:rPr lang="zh-CN" altLang="en-US" sz="1400" b="1" spc="50" dirty="0" smtClean="0">
+              <a:t>返回多个</a:t>
+            </a:r>
+            <a:r>
+              <a:rPr lang="en-US" altLang="zh-CN" sz="1600" b="1" spc="50" dirty="0" smtClean="0">
                 <a:ln w="12700">
                   <a:noFill/>
                   <a:prstDash val="solid"/>
@@ -9838,10 +10320,10 @@
                 <a:ea typeface="+mj-ea"/>
                 <a:cs typeface="+mj-cs"/>
               </a:rPr>
-              <a:t>的</a:t>
-            </a:r>
-            <a:r>
-              <a:rPr lang="zh-CN" altLang="en-US" sz="1400" b="1" spc="50" dirty="0">
+              <a:t>(</a:t>
+            </a:r>
+            <a:r>
+              <a:rPr lang="zh-CN" altLang="en-US" sz="1600" b="1" spc="50" dirty="0" smtClean="0">
                 <a:ln w="12700">
                   <a:noFill/>
                   <a:prstDash val="solid"/>
@@ -9853,10 +10335,10 @@
                 <a:ea typeface="+mj-ea"/>
                 <a:cs typeface="+mj-cs"/>
               </a:rPr>
-              <a:t>接口以构造和装配该产品的各个</a:t>
-            </a:r>
-            <a:r>
-              <a:rPr lang="zh-CN" altLang="en-US" sz="1400" b="1" spc="50" dirty="0" smtClean="0">
+              <a:t>修改返回类型</a:t>
+            </a:r>
+            <a:r>
+              <a:rPr lang="en-US" altLang="zh-CN" sz="1600" b="1" spc="50" dirty="0" smtClean="0">
                 <a:ln w="12700">
                   <a:noFill/>
                   <a:prstDash val="solid"/>
@@ -9868,598 +10350,9 @@
                 <a:ea typeface="+mj-ea"/>
                 <a:cs typeface="+mj-cs"/>
               </a:rPr>
-              <a:t>部件</a:t>
-            </a:r>
-            <a:endParaRPr lang="zh-CN" altLang="en-US" sz="1400" b="1" spc="50" dirty="0">
-              <a:ln w="12700">
-                <a:noFill/>
-                <a:prstDash val="solid"/>
-              </a:ln>
-              <a:solidFill>
-                <a:schemeClr val="accent4"/>
-              </a:solidFill>
-              <a:latin typeface="+mj-lt"/>
-              <a:ea typeface="+mj-ea"/>
-              <a:cs typeface="+mj-cs"/>
-            </a:endParaRPr>
-          </a:p>
-          <a:p>
-            <a:r>
-              <a:rPr lang="en-US" altLang="zh-CN" sz="1400" b="1" spc="50" dirty="0">
-                <a:ln w="12700">
-                  <a:noFill/>
-                  <a:prstDash val="solid"/>
-                </a:ln>
-                <a:solidFill>
-                  <a:schemeClr val="accent4"/>
-                </a:solidFill>
-                <a:latin typeface="+mj-lt"/>
-                <a:ea typeface="+mj-ea"/>
-                <a:cs typeface="+mj-cs"/>
-              </a:rPr>
-              <a:t>	— </a:t>
-            </a:r>
-            <a:r>
-              <a:rPr lang="zh-CN" altLang="en-US" sz="1400" b="1" spc="50" dirty="0">
-                <a:ln w="12700">
-                  <a:noFill/>
-                  <a:prstDash val="solid"/>
-                </a:ln>
-                <a:solidFill>
-                  <a:schemeClr val="accent4"/>
-                </a:solidFill>
-                <a:latin typeface="+mj-lt"/>
-                <a:ea typeface="+mj-ea"/>
-                <a:cs typeface="+mj-cs"/>
-              </a:rPr>
-              <a:t>定义并明确它所创建的</a:t>
-            </a:r>
-            <a:r>
-              <a:rPr lang="zh-CN" altLang="en-US" sz="1400" b="1" spc="50" dirty="0" smtClean="0">
-                <a:ln w="12700">
-                  <a:noFill/>
-                  <a:prstDash val="solid"/>
-                </a:ln>
-                <a:solidFill>
-                  <a:schemeClr val="accent4"/>
-                </a:solidFill>
-                <a:latin typeface="+mj-lt"/>
-                <a:ea typeface="+mj-ea"/>
-                <a:cs typeface="+mj-cs"/>
-              </a:rPr>
-              <a:t>表示</a:t>
-            </a:r>
-            <a:endParaRPr lang="zh-CN" altLang="en-US" sz="1400" b="1" spc="50" dirty="0">
-              <a:ln w="12700">
-                <a:noFill/>
-                <a:prstDash val="solid"/>
-              </a:ln>
-              <a:solidFill>
-                <a:schemeClr val="accent4"/>
-              </a:solidFill>
-              <a:latin typeface="+mj-lt"/>
-              <a:ea typeface="+mj-ea"/>
-              <a:cs typeface="+mj-cs"/>
-            </a:endParaRPr>
-          </a:p>
-          <a:p>
-            <a:r>
-              <a:rPr lang="en-US" altLang="zh-CN" sz="1400" b="1" spc="50" dirty="0">
-                <a:ln w="12700">
-                  <a:noFill/>
-                  <a:prstDash val="solid"/>
-                </a:ln>
-                <a:solidFill>
-                  <a:schemeClr val="accent4"/>
-                </a:solidFill>
-                <a:latin typeface="+mj-lt"/>
-                <a:ea typeface="+mj-ea"/>
-                <a:cs typeface="+mj-cs"/>
-              </a:rPr>
-              <a:t>	— </a:t>
-            </a:r>
-            <a:r>
-              <a:rPr lang="zh-CN" altLang="en-US" sz="1400" b="1" spc="50" dirty="0">
-                <a:ln w="12700">
-                  <a:noFill/>
-                  <a:prstDash val="solid"/>
-                </a:ln>
-                <a:solidFill>
-                  <a:schemeClr val="accent4"/>
-                </a:solidFill>
-                <a:latin typeface="+mj-lt"/>
-                <a:ea typeface="+mj-ea"/>
-                <a:cs typeface="+mj-cs"/>
-              </a:rPr>
-              <a:t>提供一个检索产品的接口</a:t>
-            </a:r>
-            <a:r>
-              <a:rPr lang="zh-CN" altLang="en-US" sz="1400" b="1" spc="50" dirty="0" smtClean="0">
-                <a:ln w="12700">
-                  <a:noFill/>
-                  <a:prstDash val="solid"/>
-                </a:ln>
-                <a:solidFill>
-                  <a:schemeClr val="accent4"/>
-                </a:solidFill>
-                <a:latin typeface="+mj-lt"/>
-                <a:ea typeface="+mj-ea"/>
-                <a:cs typeface="+mj-cs"/>
-              </a:rPr>
-              <a:t>（</a:t>
-            </a:r>
-            <a:r>
-              <a:rPr lang="en-US" altLang="zh-CN" sz="1400" b="1" spc="50" dirty="0" smtClean="0">
-                <a:ln w="12700">
-                  <a:noFill/>
-                  <a:prstDash val="solid"/>
-                </a:ln>
-                <a:solidFill>
-                  <a:schemeClr val="accent4"/>
-                </a:solidFill>
-                <a:latin typeface="+mj-lt"/>
-                <a:ea typeface="+mj-ea"/>
-                <a:cs typeface="+mj-cs"/>
-              </a:rPr>
-              <a:t>GetComputerDomesticLevel001</a:t>
-            </a:r>
-            <a:r>
-              <a:rPr lang="en-US" sz="1400" b="1" spc="50" dirty="0" smtClean="0">
-                <a:ln w="12700">
-                  <a:noFill/>
-                  <a:prstDash val="solid"/>
-                </a:ln>
-                <a:solidFill>
-                  <a:schemeClr val="accent4"/>
-                </a:solidFill>
-                <a:latin typeface="+mj-lt"/>
-                <a:ea typeface="+mj-ea"/>
-                <a:cs typeface="+mj-cs"/>
-              </a:rPr>
-              <a:t>）</a:t>
-            </a:r>
-          </a:p>
-          <a:p>
-            <a:endParaRPr lang="en-US" sz="1400" b="1" spc="50" dirty="0">
-              <a:ln w="12700">
-                <a:noFill/>
-                <a:prstDash val="solid"/>
-              </a:ln>
-              <a:solidFill>
-                <a:schemeClr val="accent4"/>
-              </a:solidFill>
-              <a:latin typeface="+mj-lt"/>
-              <a:ea typeface="+mj-ea"/>
-              <a:cs typeface="+mj-cs"/>
-            </a:endParaRPr>
-          </a:p>
-          <a:p>
-            <a:r>
-              <a:rPr lang="pt-BR" sz="1400" b="1" spc="50" dirty="0">
-                <a:ln w="12700">
-                  <a:noFill/>
-                  <a:prstDash val="solid"/>
-                </a:ln>
-                <a:solidFill>
-                  <a:schemeClr val="accent4"/>
-                </a:solidFill>
-                <a:latin typeface="+mj-lt"/>
-                <a:ea typeface="+mj-ea"/>
-                <a:cs typeface="+mj-cs"/>
-              </a:rPr>
-              <a:t>• </a:t>
-            </a:r>
-            <a:r>
-              <a:rPr lang="pt-BR" sz="1400" b="1" spc="50" dirty="0" smtClean="0">
-                <a:ln w="12700">
-                  <a:noFill/>
-                  <a:prstDash val="solid"/>
-                </a:ln>
-                <a:solidFill>
-                  <a:schemeClr val="accent4"/>
-                </a:solidFill>
-                <a:latin typeface="+mj-lt"/>
-                <a:ea typeface="+mj-ea"/>
-                <a:cs typeface="+mj-cs"/>
-              </a:rPr>
-              <a:t>Director（ComputerDirector）</a:t>
-            </a:r>
-          </a:p>
-          <a:p>
-            <a:endParaRPr lang="pt-BR" sz="1400" b="1" spc="50" dirty="0">
-              <a:ln w="12700">
-                <a:noFill/>
-                <a:prstDash val="solid"/>
-              </a:ln>
-              <a:solidFill>
-                <a:schemeClr val="accent4"/>
-              </a:solidFill>
-              <a:latin typeface="+mj-lt"/>
-              <a:ea typeface="+mj-ea"/>
-              <a:cs typeface="+mj-cs"/>
-            </a:endParaRPr>
-          </a:p>
-          <a:p>
-            <a:r>
-              <a:rPr lang="en-US" altLang="zh-CN" sz="1400" b="1" spc="50" dirty="0">
-                <a:ln w="12700">
-                  <a:noFill/>
-                  <a:prstDash val="solid"/>
-                </a:ln>
-                <a:solidFill>
-                  <a:schemeClr val="accent4"/>
-                </a:solidFill>
-                <a:latin typeface="+mj-lt"/>
-                <a:ea typeface="+mj-ea"/>
-                <a:cs typeface="+mj-cs"/>
-              </a:rPr>
-              <a:t>	— </a:t>
-            </a:r>
-            <a:r>
-              <a:rPr lang="zh-CN" altLang="en-US" sz="1400" b="1" spc="50" dirty="0">
-                <a:ln w="12700">
-                  <a:noFill/>
-                  <a:prstDash val="solid"/>
-                </a:ln>
-                <a:solidFill>
-                  <a:schemeClr val="accent4"/>
-                </a:solidFill>
-                <a:latin typeface="+mj-lt"/>
-                <a:ea typeface="+mj-ea"/>
-                <a:cs typeface="+mj-cs"/>
-              </a:rPr>
-              <a:t>构造一个</a:t>
-            </a:r>
-            <a:r>
-              <a:rPr lang="zh-CN" altLang="en-US" sz="1400" b="1" spc="50" dirty="0" smtClean="0">
-                <a:ln w="12700">
-                  <a:noFill/>
-                  <a:prstDash val="solid"/>
-                </a:ln>
-                <a:solidFill>
-                  <a:schemeClr val="accent4"/>
-                </a:solidFill>
-                <a:latin typeface="+mj-lt"/>
-                <a:ea typeface="+mj-ea"/>
-                <a:cs typeface="+mj-cs"/>
-              </a:rPr>
-              <a:t>使用</a:t>
-            </a:r>
-            <a:r>
-              <a:rPr lang="en-US" sz="1400" b="1" spc="50" dirty="0" smtClean="0">
-                <a:ln w="12700">
-                  <a:noFill/>
-                  <a:prstDash val="solid"/>
-                </a:ln>
-                <a:solidFill>
-                  <a:schemeClr val="accent4"/>
-                </a:solidFill>
-                <a:latin typeface="+mj-lt"/>
-                <a:ea typeface="+mj-ea"/>
-                <a:cs typeface="+mj-cs"/>
-              </a:rPr>
-              <a:t>Singleton</a:t>
-            </a:r>
-            <a:r>
-              <a:rPr lang="zh-CN" altLang="en-US" sz="1400" b="1" spc="50" dirty="0" smtClean="0">
-                <a:ln w="12700">
-                  <a:noFill/>
-                  <a:prstDash val="solid"/>
-                </a:ln>
-                <a:solidFill>
-                  <a:schemeClr val="accent4"/>
-                </a:solidFill>
-                <a:latin typeface="+mj-lt"/>
-                <a:ea typeface="+mj-ea"/>
-                <a:cs typeface="+mj-cs"/>
-              </a:rPr>
-              <a:t>接口</a:t>
-            </a:r>
-            <a:r>
-              <a:rPr lang="zh-CN" altLang="en-US" sz="1400" b="1" spc="50" dirty="0">
-                <a:ln w="12700">
-                  <a:noFill/>
-                  <a:prstDash val="solid"/>
-                </a:ln>
-                <a:solidFill>
-                  <a:schemeClr val="accent4"/>
-                </a:solidFill>
-                <a:latin typeface="+mj-lt"/>
-                <a:ea typeface="+mj-ea"/>
-                <a:cs typeface="+mj-cs"/>
-              </a:rPr>
-              <a:t>的</a:t>
-            </a:r>
-            <a:r>
-              <a:rPr lang="zh-CN" altLang="en-US" sz="1400" b="1" spc="50" dirty="0" smtClean="0">
-                <a:ln w="12700">
-                  <a:noFill/>
-                  <a:prstDash val="solid"/>
-                </a:ln>
-                <a:solidFill>
-                  <a:schemeClr val="accent4"/>
-                </a:solidFill>
-                <a:latin typeface="+mj-lt"/>
-                <a:ea typeface="+mj-ea"/>
-                <a:cs typeface="+mj-cs"/>
-              </a:rPr>
-              <a:t>对象</a:t>
-            </a:r>
-            <a:endParaRPr lang="en-US" altLang="zh-CN" sz="1400" b="1" spc="50" dirty="0" smtClean="0">
-              <a:ln w="12700">
-                <a:noFill/>
-                <a:prstDash val="solid"/>
-              </a:ln>
-              <a:solidFill>
-                <a:schemeClr val="accent4"/>
-              </a:solidFill>
-              <a:latin typeface="+mj-lt"/>
-              <a:ea typeface="+mj-ea"/>
-              <a:cs typeface="+mj-cs"/>
-            </a:endParaRPr>
-          </a:p>
-          <a:p>
-            <a:endParaRPr lang="zh-CN" altLang="en-US" sz="1400" b="1" spc="50" dirty="0">
-              <a:ln w="12700">
-                <a:noFill/>
-                <a:prstDash val="solid"/>
-              </a:ln>
-              <a:solidFill>
-                <a:schemeClr val="accent4"/>
-              </a:solidFill>
-              <a:latin typeface="+mj-lt"/>
-              <a:ea typeface="+mj-ea"/>
-              <a:cs typeface="+mj-cs"/>
-            </a:endParaRPr>
-          </a:p>
-          <a:p>
-            <a:r>
-              <a:rPr lang="en-US" sz="1400" b="1" spc="50" dirty="0">
-                <a:ln w="12700">
-                  <a:noFill/>
-                  <a:prstDash val="solid"/>
-                </a:ln>
-                <a:solidFill>
-                  <a:schemeClr val="accent4"/>
-                </a:solidFill>
-                <a:latin typeface="+mj-lt"/>
-                <a:ea typeface="+mj-ea"/>
-                <a:cs typeface="+mj-cs"/>
-              </a:rPr>
-              <a:t>• </a:t>
-            </a:r>
-            <a:r>
-              <a:rPr lang="en-US" sz="1400" b="1" spc="50" dirty="0" smtClean="0">
-                <a:ln w="12700">
-                  <a:noFill/>
-                  <a:prstDash val="solid"/>
-                </a:ln>
-                <a:solidFill>
-                  <a:schemeClr val="accent4"/>
-                </a:solidFill>
-                <a:latin typeface="+mj-lt"/>
-                <a:ea typeface="+mj-ea"/>
-                <a:cs typeface="+mj-cs"/>
-              </a:rPr>
-              <a:t>Product（</a:t>
-            </a:r>
-            <a:r>
-              <a:rPr lang="en-US" altLang="zh-CN" sz="1400" b="1" spc="50" dirty="0" smtClean="0">
-                <a:ln w="12700">
-                  <a:noFill/>
-                  <a:prstDash val="solid"/>
-                </a:ln>
-                <a:solidFill>
-                  <a:schemeClr val="accent4"/>
-                </a:solidFill>
-              </a:rPr>
-              <a:t>ComputerDomesticLevel001, ComputerGameLevel001</a:t>
-            </a:r>
-            <a:r>
-              <a:rPr lang="en-US" sz="1400" b="1" spc="50" dirty="0" smtClean="0">
-                <a:ln w="12700">
-                  <a:noFill/>
-                  <a:prstDash val="solid"/>
-                </a:ln>
-                <a:solidFill>
-                  <a:schemeClr val="accent4"/>
-                </a:solidFill>
-                <a:latin typeface="+mj-lt"/>
-                <a:ea typeface="+mj-ea"/>
-                <a:cs typeface="+mj-cs"/>
-              </a:rPr>
-              <a:t>）</a:t>
-            </a:r>
-          </a:p>
-          <a:p>
-            <a:endParaRPr lang="en-US" sz="1400" b="1" spc="50" dirty="0">
-              <a:ln w="12700">
-                <a:noFill/>
-                <a:prstDash val="solid"/>
-              </a:ln>
-              <a:solidFill>
-                <a:schemeClr val="accent4"/>
-              </a:solidFill>
-              <a:latin typeface="+mj-lt"/>
-              <a:ea typeface="+mj-ea"/>
-              <a:cs typeface="+mj-cs"/>
-            </a:endParaRPr>
-          </a:p>
-          <a:p>
-            <a:r>
-              <a:rPr lang="en-US" altLang="zh-CN" sz="1400" b="1" spc="50" dirty="0">
-                <a:ln w="12700">
-                  <a:noFill/>
-                  <a:prstDash val="solid"/>
-                </a:ln>
-                <a:solidFill>
-                  <a:schemeClr val="accent4"/>
-                </a:solidFill>
-                <a:latin typeface="+mj-lt"/>
-                <a:ea typeface="+mj-ea"/>
-                <a:cs typeface="+mj-cs"/>
-              </a:rPr>
-              <a:t>	— </a:t>
-            </a:r>
-            <a:r>
-              <a:rPr lang="zh-CN" altLang="en-US" sz="1400" b="1" spc="50" dirty="0">
-                <a:ln w="12700">
-                  <a:noFill/>
-                  <a:prstDash val="solid"/>
-                </a:ln>
-                <a:solidFill>
-                  <a:schemeClr val="accent4"/>
-                </a:solidFill>
-                <a:latin typeface="+mj-lt"/>
-                <a:ea typeface="+mj-ea"/>
-                <a:cs typeface="+mj-cs"/>
-              </a:rPr>
-              <a:t>表示被构造的复杂对象</a:t>
-            </a:r>
-            <a:r>
-              <a:rPr lang="zh-CN" altLang="en-US" sz="1400" b="1" spc="50" dirty="0" smtClean="0">
-                <a:ln w="12700">
-                  <a:noFill/>
-                  <a:prstDash val="solid"/>
-                </a:ln>
-                <a:solidFill>
-                  <a:schemeClr val="accent4"/>
-                </a:solidFill>
-                <a:latin typeface="+mj-lt"/>
-                <a:ea typeface="+mj-ea"/>
-                <a:cs typeface="+mj-cs"/>
-              </a:rPr>
-              <a:t>。</a:t>
-            </a:r>
-            <a:r>
-              <a:rPr lang="pt-BR" sz="1400" b="1" spc="50" dirty="0">
-                <a:ln w="12700">
-                  <a:noFill/>
-                  <a:prstDash val="solid"/>
-                </a:ln>
-                <a:solidFill>
-                  <a:schemeClr val="accent4"/>
-                </a:solidFill>
-              </a:rPr>
-              <a:t> </a:t>
-            </a:r>
-            <a:r>
-              <a:rPr lang="pt-BR" sz="1400" b="1" spc="50" dirty="0" smtClean="0">
-                <a:ln w="12700">
-                  <a:noFill/>
-                  <a:prstDash val="solid"/>
-                </a:ln>
-                <a:solidFill>
-                  <a:schemeClr val="accent4"/>
-                </a:solidFill>
-              </a:rPr>
-              <a:t>ConcreteSingleton</a:t>
-            </a:r>
-            <a:r>
-              <a:rPr lang="zh-CN" altLang="en-US" sz="1400" b="1" spc="50" dirty="0" smtClean="0">
-                <a:ln w="12700">
-                  <a:noFill/>
-                  <a:prstDash val="solid"/>
-                </a:ln>
-                <a:solidFill>
-                  <a:schemeClr val="accent4"/>
-                </a:solidFill>
-                <a:latin typeface="+mj-lt"/>
-                <a:ea typeface="+mj-ea"/>
-                <a:cs typeface="+mj-cs"/>
-              </a:rPr>
-              <a:t>创建</a:t>
-            </a:r>
-            <a:r>
-              <a:rPr lang="zh-CN" altLang="en-US" sz="1400" b="1" spc="50" dirty="0">
-                <a:ln w="12700">
-                  <a:noFill/>
-                  <a:prstDash val="solid"/>
-                </a:ln>
-                <a:solidFill>
-                  <a:schemeClr val="accent4"/>
-                </a:solidFill>
-                <a:latin typeface="+mj-lt"/>
-                <a:ea typeface="+mj-ea"/>
-                <a:cs typeface="+mj-cs"/>
-              </a:rPr>
-              <a:t>该产品的内部表示并定义它的装配</a:t>
-            </a:r>
-            <a:r>
-              <a:rPr lang="zh-CN" altLang="en-US" sz="1400" b="1" spc="50" dirty="0" smtClean="0">
-                <a:ln w="12700">
-                  <a:noFill/>
-                  <a:prstDash val="solid"/>
-                </a:ln>
-                <a:solidFill>
-                  <a:schemeClr val="accent4"/>
-                </a:solidFill>
-                <a:latin typeface="+mj-lt"/>
-                <a:ea typeface="+mj-ea"/>
-                <a:cs typeface="+mj-cs"/>
-              </a:rPr>
-              <a:t>过程</a:t>
-            </a:r>
-            <a:endParaRPr lang="zh-CN" altLang="en-US" sz="1400" b="1" spc="50" dirty="0">
-              <a:ln w="12700">
-                <a:noFill/>
-                <a:prstDash val="solid"/>
-              </a:ln>
-              <a:solidFill>
-                <a:schemeClr val="accent4"/>
-              </a:solidFill>
-              <a:latin typeface="+mj-lt"/>
-              <a:ea typeface="+mj-ea"/>
-              <a:cs typeface="+mj-cs"/>
-            </a:endParaRPr>
-          </a:p>
-          <a:p>
-            <a:r>
-              <a:rPr lang="en-US" altLang="zh-CN" sz="1400" b="1" spc="50" dirty="0">
-                <a:ln w="12700">
-                  <a:noFill/>
-                  <a:prstDash val="solid"/>
-                </a:ln>
-                <a:solidFill>
-                  <a:schemeClr val="accent4"/>
-                </a:solidFill>
-                <a:latin typeface="+mj-lt"/>
-                <a:ea typeface="+mj-ea"/>
-                <a:cs typeface="+mj-cs"/>
-              </a:rPr>
-              <a:t>	— </a:t>
-            </a:r>
-            <a:r>
-              <a:rPr lang="zh-CN" altLang="en-US" sz="1400" b="1" spc="50" dirty="0">
-                <a:ln w="12700">
-                  <a:noFill/>
-                  <a:prstDash val="solid"/>
-                </a:ln>
-                <a:solidFill>
-                  <a:schemeClr val="accent4"/>
-                </a:solidFill>
-                <a:latin typeface="+mj-lt"/>
-                <a:ea typeface="+mj-ea"/>
-                <a:cs typeface="+mj-cs"/>
-              </a:rPr>
-              <a:t>包含定义组成部件的类，包括将这些部件装配成最终产品的</a:t>
-            </a:r>
-            <a:r>
-              <a:rPr lang="zh-CN" altLang="en-US" sz="1400" b="1" spc="50" dirty="0" smtClean="0">
-                <a:ln w="12700">
-                  <a:noFill/>
-                  <a:prstDash val="solid"/>
-                </a:ln>
-                <a:solidFill>
-                  <a:schemeClr val="accent4"/>
-                </a:solidFill>
-                <a:latin typeface="+mj-lt"/>
-                <a:ea typeface="+mj-ea"/>
-                <a:cs typeface="+mj-cs"/>
-              </a:rPr>
-              <a:t>接口</a:t>
-            </a:r>
-            <a:endParaRPr lang="zh-CN" altLang="en-US" sz="1400" b="1" spc="50" dirty="0">
+              <a:t>)</a:t>
+            </a:r>
+            <a:endParaRPr lang="zh-CN" altLang="en-US" sz="1600" b="1" spc="50" dirty="0">
               <a:ln w="12700">
                 <a:noFill/>
                 <a:prstDash val="solid"/>
@@ -10523,7 +10416,7 @@
     </p:spTree>
     <p:extLst>
       <p:ext uri="{BB962C8B-B14F-4D97-AF65-F5344CB8AC3E}">
-        <p14:creationId xmlns:p14="http://schemas.microsoft.com/office/powerpoint/2010/main" val="2406389955"/>
+        <p14:creationId xmlns:p14="http://schemas.microsoft.com/office/powerpoint/2010/main" val="2290970015"/>
       </p:ext>
     </p:extLst>
   </p:cSld>
@@ -10559,39 +10452,27 @@
       </p:grpSpPr>
       <p:sp>
         <p:nvSpPr>
-          <p:cNvPr id="3" name="矩形 2"/>
+          <p:cNvPr id="2" name="矩形 1"/>
           <p:cNvSpPr/>
           <p:nvPr/>
         </p:nvSpPr>
         <p:spPr>
           <a:xfrm>
-            <a:off x="683568" y="1484784"/>
-            <a:ext cx="7776864" cy="4608512"/>
+            <a:off x="827584" y="1628800"/>
+            <a:ext cx="7632848" cy="1661993"/>
           </a:xfrm>
           <a:prstGeom prst="rect">
             <a:avLst/>
           </a:prstGeom>
         </p:spPr>
         <p:txBody>
-          <a:bodyPr vert="horz" rtlCol="0" anchor="ctr">
-            <a:normAutofit/>
-            <a:scene3d>
-              <a:camera prst="orthographicFront"/>
-              <a:lightRig rig="soft" dir="t"/>
-            </a:scene3d>
-            <a:sp3d prstMaterial="matte">
-              <a:bevelT w="12700" h="12700"/>
-            </a:sp3d>
+          <a:bodyPr wrap="square">
+            <a:spAutoFit/>
           </a:bodyPr>
           <a:lstStyle/>
           <a:p>
-            <a:pPr>
-              <a:spcBef>
-                <a:spcPct val="0"/>
-              </a:spcBef>
-            </a:pPr>
-            <a:r>
-              <a:rPr lang="zh-CN" altLang="en-US" sz="1900" b="1" spc="50" dirty="0" smtClean="0">
+            <a:r>
+              <a:rPr lang="zh-CN" altLang="en-US" b="1" spc="50" dirty="0" smtClean="0">
                 <a:ln w="12700">
                   <a:noFill/>
                   <a:prstDash val="solid"/>
@@ -10610,2018 +10491,7 @@
                 <a:ea typeface="+mj-ea"/>
                 <a:cs typeface="+mj-cs"/>
               </a:rPr>
-              <a:t>效果</a:t>
-            </a:r>
-            <a:r>
-              <a:rPr lang="en-US" altLang="zh-CN" sz="1900" b="1" spc="50" dirty="0">
-                <a:ln w="12700">
-                  <a:noFill/>
-                  <a:prstDash val="solid"/>
-                </a:ln>
-                <a:solidFill>
-                  <a:schemeClr val="accent4"/>
-                </a:solidFill>
-                <a:effectLst>
-                  <a:outerShdw blurRad="38100" dist="38100" dir="2700000" algn="tl">
-                    <a:srgbClr val="000000">
-                      <a:alpha val="43137"/>
-                    </a:srgbClr>
-                  </a:outerShdw>
-                </a:effectLst>
-                <a:latin typeface="+mj-lt"/>
-                <a:ea typeface="+mj-ea"/>
-                <a:cs typeface="+mj-cs"/>
-              </a:rPr>
-              <a:t>(Consequences):</a:t>
-            </a:r>
-          </a:p>
-          <a:p>
-            <a:endParaRPr lang="en-US" altLang="zh-CN" sz="1600" b="1" spc="50" dirty="0">
-              <a:ln w="12700">
-                <a:noFill/>
-                <a:prstDash val="solid"/>
-              </a:ln>
-              <a:solidFill>
-                <a:schemeClr val="accent4"/>
-              </a:solidFill>
-              <a:latin typeface="+mj-lt"/>
-              <a:ea typeface="+mj-ea"/>
-              <a:cs typeface="+mj-cs"/>
-            </a:endParaRPr>
-          </a:p>
-          <a:p>
-            <a:r>
-              <a:rPr lang="zh-CN" altLang="en-US" sz="1600" b="1" spc="50" dirty="0" smtClean="0">
-                <a:ln w="12700">
-                  <a:noFill/>
-                  <a:prstDash val="solid"/>
-                </a:ln>
-                <a:solidFill>
-                  <a:schemeClr val="accent4"/>
-                </a:solidFill>
-                <a:latin typeface="+mj-lt"/>
-                <a:ea typeface="+mj-ea"/>
-                <a:cs typeface="+mj-cs"/>
-              </a:rPr>
-              <a:t>      </a:t>
-            </a:r>
-            <a:r>
-              <a:rPr lang="en-US" altLang="zh-CN" sz="1600" b="1" spc="50" dirty="0" smtClean="0">
-                <a:ln w="12700">
-                  <a:noFill/>
-                  <a:prstDash val="solid"/>
-                </a:ln>
-                <a:solidFill>
-                  <a:schemeClr val="accent4"/>
-                </a:solidFill>
-                <a:latin typeface="+mj-lt"/>
-                <a:ea typeface="+mj-ea"/>
-                <a:cs typeface="+mj-cs"/>
-              </a:rPr>
-              <a:t>- </a:t>
-            </a:r>
-            <a:r>
-              <a:rPr lang="zh-CN" altLang="en-US" sz="1600" b="1" spc="50" dirty="0" smtClean="0">
-                <a:ln w="12700">
-                  <a:noFill/>
-                  <a:prstDash val="solid"/>
-                </a:ln>
-                <a:solidFill>
-                  <a:schemeClr val="accent4"/>
-                </a:solidFill>
-                <a:latin typeface="+mj-lt"/>
-                <a:ea typeface="+mj-ea"/>
-                <a:cs typeface="+mj-cs"/>
-              </a:rPr>
-              <a:t>实例唯一，访问受控</a:t>
-            </a:r>
-            <a:endParaRPr lang="en-US" altLang="zh-CN" sz="1600" b="1" spc="50" dirty="0">
-              <a:ln w="12700">
-                <a:noFill/>
-                <a:prstDash val="solid"/>
-              </a:ln>
-              <a:solidFill>
-                <a:schemeClr val="accent4"/>
-              </a:solidFill>
-              <a:latin typeface="+mj-lt"/>
-              <a:ea typeface="+mj-ea"/>
-              <a:cs typeface="+mj-cs"/>
-            </a:endParaRPr>
-          </a:p>
-          <a:p>
-            <a:endParaRPr lang="en-US" altLang="zh-CN" sz="1600" b="1" spc="50" dirty="0" smtClean="0">
-              <a:ln w="12700">
-                <a:noFill/>
-                <a:prstDash val="solid"/>
-              </a:ln>
-              <a:solidFill>
-                <a:schemeClr val="accent4"/>
-              </a:solidFill>
-              <a:latin typeface="+mj-lt"/>
-              <a:ea typeface="+mj-ea"/>
-              <a:cs typeface="+mj-cs"/>
-            </a:endParaRPr>
-          </a:p>
-          <a:p>
-            <a:r>
-              <a:rPr lang="en-US" altLang="zh-CN" sz="1600" b="1" spc="50" dirty="0">
-                <a:ln w="12700">
-                  <a:noFill/>
-                  <a:prstDash val="solid"/>
-                </a:ln>
-                <a:solidFill>
-                  <a:schemeClr val="accent4"/>
-                </a:solidFill>
-                <a:latin typeface="+mj-lt"/>
-                <a:ea typeface="+mj-ea"/>
-                <a:cs typeface="+mj-cs"/>
-              </a:rPr>
-              <a:t> </a:t>
-            </a:r>
-            <a:r>
-              <a:rPr lang="en-US" altLang="zh-CN" sz="1600" b="1" spc="50" dirty="0" smtClean="0">
-                <a:ln w="12700">
-                  <a:noFill/>
-                  <a:prstDash val="solid"/>
-                </a:ln>
-                <a:solidFill>
-                  <a:schemeClr val="accent4"/>
-                </a:solidFill>
-                <a:latin typeface="+mj-lt"/>
-                <a:ea typeface="+mj-ea"/>
-                <a:cs typeface="+mj-cs"/>
-              </a:rPr>
-              <a:t>             </a:t>
-            </a:r>
-            <a:r>
-              <a:rPr lang="zh-CN" altLang="en-US" sz="1600" b="1" spc="50" dirty="0" smtClean="0">
-                <a:ln w="12700">
-                  <a:noFill/>
-                  <a:prstDash val="solid"/>
-                </a:ln>
-                <a:solidFill>
-                  <a:schemeClr val="accent4"/>
-                </a:solidFill>
-                <a:latin typeface="+mj-lt"/>
-                <a:ea typeface="+mj-ea"/>
-                <a:cs typeface="+mj-cs"/>
-              </a:rPr>
-              <a:t>自身存储其唯一实例，并严格控制对该实例的访问方式</a:t>
-            </a:r>
-            <a:endParaRPr lang="en-US" altLang="zh-CN" sz="1600" b="1" spc="50" dirty="0" smtClean="0">
-              <a:ln w="12700">
-                <a:noFill/>
-                <a:prstDash val="solid"/>
-              </a:ln>
-              <a:solidFill>
-                <a:schemeClr val="accent4"/>
-              </a:solidFill>
-              <a:latin typeface="+mj-lt"/>
-              <a:ea typeface="+mj-ea"/>
-              <a:cs typeface="+mj-cs"/>
-            </a:endParaRPr>
-          </a:p>
-          <a:p>
-            <a:endParaRPr lang="en-US" altLang="zh-CN" sz="1600" b="1" spc="50" dirty="0">
-              <a:ln w="12700">
-                <a:noFill/>
-                <a:prstDash val="solid"/>
-              </a:ln>
-              <a:solidFill>
-                <a:schemeClr val="accent4"/>
-              </a:solidFill>
-              <a:latin typeface="+mj-lt"/>
-              <a:ea typeface="+mj-ea"/>
-              <a:cs typeface="+mj-cs"/>
-            </a:endParaRPr>
-          </a:p>
-          <a:p>
-            <a:r>
-              <a:rPr lang="zh-CN" altLang="en-US" sz="1600" b="1" spc="50" dirty="0">
-                <a:ln w="12700">
-                  <a:noFill/>
-                  <a:prstDash val="solid"/>
-                </a:ln>
-                <a:solidFill>
-                  <a:schemeClr val="accent4"/>
-                </a:solidFill>
-              </a:rPr>
-              <a:t> </a:t>
-            </a:r>
-            <a:r>
-              <a:rPr lang="zh-CN" altLang="en-US" sz="1600" b="1" spc="50" dirty="0" smtClean="0">
-                <a:ln w="12700">
-                  <a:noFill/>
-                  <a:prstDash val="solid"/>
-                </a:ln>
-                <a:solidFill>
-                  <a:schemeClr val="accent4"/>
-                </a:solidFill>
-              </a:rPr>
-              <a:t>     </a:t>
-            </a:r>
-            <a:r>
-              <a:rPr lang="en-US" altLang="zh-CN" sz="1600" b="1" spc="50" dirty="0" smtClean="0">
-                <a:ln w="12700">
-                  <a:noFill/>
-                  <a:prstDash val="solid"/>
-                </a:ln>
-                <a:solidFill>
-                  <a:schemeClr val="accent4"/>
-                </a:solidFill>
-              </a:rPr>
-              <a:t>- </a:t>
-            </a:r>
-            <a:r>
-              <a:rPr lang="zh-CN" altLang="en-US" sz="1600" b="1" spc="50" dirty="0" smtClean="0">
-                <a:ln w="12700">
-                  <a:noFill/>
-                  <a:prstDash val="solid"/>
-                </a:ln>
-                <a:solidFill>
-                  <a:schemeClr val="accent4"/>
-                </a:solidFill>
-              </a:rPr>
-              <a:t>支持扩展</a:t>
-            </a:r>
-            <a:endParaRPr lang="en-US" altLang="zh-CN" sz="1600" b="1" spc="50" dirty="0" smtClean="0">
-              <a:ln w="12700">
-                <a:noFill/>
-                <a:prstDash val="solid"/>
-              </a:ln>
-              <a:solidFill>
-                <a:schemeClr val="accent4"/>
-              </a:solidFill>
-              <a:latin typeface="+mj-lt"/>
-              <a:ea typeface="+mj-ea"/>
-              <a:cs typeface="+mj-cs"/>
-            </a:endParaRPr>
-          </a:p>
-          <a:p>
-            <a:endParaRPr lang="en-US" altLang="zh-CN" sz="1600" b="1" spc="50" dirty="0">
-              <a:ln w="12700">
-                <a:noFill/>
-                <a:prstDash val="solid"/>
-              </a:ln>
-              <a:solidFill>
-                <a:schemeClr val="accent4"/>
-              </a:solidFill>
-              <a:latin typeface="+mj-lt"/>
-              <a:ea typeface="+mj-ea"/>
-              <a:cs typeface="+mj-cs"/>
-            </a:endParaRPr>
-          </a:p>
-          <a:p>
-            <a:r>
-              <a:rPr lang="en-US" altLang="zh-CN" sz="1600" b="1" spc="50" dirty="0" smtClean="0">
-                <a:ln w="12700">
-                  <a:noFill/>
-                  <a:prstDash val="solid"/>
-                </a:ln>
-                <a:solidFill>
-                  <a:schemeClr val="accent4"/>
-                </a:solidFill>
-                <a:latin typeface="+mj-lt"/>
-                <a:ea typeface="+mj-ea"/>
-                <a:cs typeface="+mj-cs"/>
-              </a:rPr>
-              <a:t>              </a:t>
-            </a:r>
-            <a:r>
-              <a:rPr lang="zh-CN" altLang="en-US" sz="1600" b="1" spc="50" dirty="0" smtClean="0">
-                <a:ln w="12700">
-                  <a:noFill/>
-                  <a:prstDash val="solid"/>
-                </a:ln>
-                <a:solidFill>
-                  <a:schemeClr val="accent4"/>
-                </a:solidFill>
-                <a:latin typeface="+mj-lt"/>
-                <a:ea typeface="+mj-ea"/>
-                <a:cs typeface="+mj-cs"/>
-              </a:rPr>
-              <a:t>继承</a:t>
-            </a:r>
-            <a:r>
-              <a:rPr lang="en-US" altLang="zh-CN" sz="1600" b="1" spc="50" dirty="0" smtClean="0">
-                <a:ln w="12700">
-                  <a:noFill/>
-                  <a:prstDash val="solid"/>
-                </a:ln>
-                <a:solidFill>
-                  <a:schemeClr val="accent4"/>
-                </a:solidFill>
-                <a:latin typeface="+mj-lt"/>
-                <a:ea typeface="+mj-ea"/>
-                <a:cs typeface="+mj-cs"/>
-              </a:rPr>
-              <a:t>: Singleton</a:t>
-            </a:r>
-            <a:r>
-              <a:rPr lang="zh-CN" altLang="en-US" sz="1600" b="1" spc="50" dirty="0" smtClean="0">
-                <a:ln w="12700">
-                  <a:noFill/>
-                  <a:prstDash val="solid"/>
-                </a:ln>
-                <a:solidFill>
-                  <a:schemeClr val="accent4"/>
-                </a:solidFill>
-                <a:latin typeface="+mj-lt"/>
-                <a:ea typeface="+mj-ea"/>
-                <a:cs typeface="+mj-cs"/>
-              </a:rPr>
-              <a:t>子类</a:t>
-            </a:r>
-            <a:endParaRPr lang="en-US" altLang="zh-CN" sz="1600" b="1" spc="50" dirty="0">
-              <a:ln w="12700">
-                <a:noFill/>
-                <a:prstDash val="solid"/>
-              </a:ln>
-              <a:solidFill>
-                <a:schemeClr val="accent4"/>
-              </a:solidFill>
-              <a:latin typeface="+mj-lt"/>
-              <a:ea typeface="+mj-ea"/>
-              <a:cs typeface="+mj-cs"/>
-            </a:endParaRPr>
-          </a:p>
-          <a:p>
-            <a:endParaRPr lang="en-US" altLang="zh-CN" sz="1600" b="1" spc="50" dirty="0">
-              <a:ln w="12700">
-                <a:noFill/>
-                <a:prstDash val="solid"/>
-              </a:ln>
-              <a:solidFill>
-                <a:schemeClr val="accent4"/>
-              </a:solidFill>
-              <a:latin typeface="+mj-lt"/>
-              <a:ea typeface="+mj-ea"/>
-              <a:cs typeface="+mj-cs"/>
-            </a:endParaRPr>
-          </a:p>
-          <a:p>
-            <a:r>
-              <a:rPr lang="zh-CN" altLang="en-US" sz="1600" b="1" spc="50" dirty="0" smtClean="0">
-                <a:ln w="12700">
-                  <a:noFill/>
-                  <a:prstDash val="solid"/>
-                </a:ln>
-                <a:solidFill>
-                  <a:schemeClr val="accent4"/>
-                </a:solidFill>
-                <a:latin typeface="+mj-lt"/>
-                <a:ea typeface="+mj-ea"/>
-                <a:cs typeface="+mj-cs"/>
-              </a:rPr>
-              <a:t>      </a:t>
-            </a:r>
-            <a:r>
-              <a:rPr lang="en-US" altLang="zh-CN" sz="1600" b="1" spc="50" dirty="0" smtClean="0">
-                <a:ln w="12700">
-                  <a:noFill/>
-                  <a:prstDash val="solid"/>
-                </a:ln>
-                <a:solidFill>
-                  <a:schemeClr val="accent4"/>
-                </a:solidFill>
-                <a:latin typeface="+mj-lt"/>
-                <a:ea typeface="+mj-ea"/>
-                <a:cs typeface="+mj-cs"/>
-              </a:rPr>
-              <a:t>- </a:t>
-            </a:r>
-            <a:r>
-              <a:rPr lang="zh-CN" altLang="en-US" sz="1600" b="1" spc="50" dirty="0" smtClean="0">
-                <a:ln w="12700">
-                  <a:noFill/>
-                  <a:prstDash val="solid"/>
-                </a:ln>
-                <a:solidFill>
-                  <a:schemeClr val="accent4"/>
-                </a:solidFill>
-                <a:latin typeface="+mj-lt"/>
-                <a:ea typeface="+mj-ea"/>
-                <a:cs typeface="+mj-cs"/>
-              </a:rPr>
-              <a:t>实例数量可变</a:t>
-            </a:r>
-            <a:endParaRPr lang="en-US" altLang="zh-CN" sz="1600" b="1" spc="50" dirty="0" smtClean="0">
-              <a:ln w="12700">
-                <a:noFill/>
-                <a:prstDash val="solid"/>
-              </a:ln>
-              <a:solidFill>
-                <a:schemeClr val="accent4"/>
-              </a:solidFill>
-              <a:latin typeface="+mj-lt"/>
-              <a:ea typeface="+mj-ea"/>
-              <a:cs typeface="+mj-cs"/>
-            </a:endParaRPr>
-          </a:p>
-          <a:p>
-            <a:endParaRPr lang="en-US" altLang="zh-CN" sz="1600" b="1" spc="50" dirty="0" smtClean="0">
-              <a:ln w="12700">
-                <a:noFill/>
-                <a:prstDash val="solid"/>
-              </a:ln>
-              <a:solidFill>
-                <a:schemeClr val="accent4"/>
-              </a:solidFill>
-              <a:latin typeface="+mj-lt"/>
-              <a:ea typeface="+mj-ea"/>
-              <a:cs typeface="+mj-cs"/>
-            </a:endParaRPr>
-          </a:p>
-          <a:p>
-            <a:r>
-              <a:rPr lang="en-US" altLang="zh-CN" sz="1600" b="1" spc="50" dirty="0">
-                <a:ln w="12700">
-                  <a:noFill/>
-                  <a:prstDash val="solid"/>
-                </a:ln>
-                <a:solidFill>
-                  <a:schemeClr val="accent4"/>
-                </a:solidFill>
-                <a:latin typeface="+mj-lt"/>
-                <a:ea typeface="+mj-ea"/>
-                <a:cs typeface="+mj-cs"/>
-              </a:rPr>
-              <a:t> </a:t>
-            </a:r>
-            <a:r>
-              <a:rPr lang="en-US" altLang="zh-CN" sz="1600" b="1" spc="50" dirty="0" smtClean="0">
-                <a:ln w="12700">
-                  <a:noFill/>
-                  <a:prstDash val="solid"/>
-                </a:ln>
-                <a:solidFill>
-                  <a:schemeClr val="accent4"/>
-                </a:solidFill>
-                <a:latin typeface="+mj-lt"/>
-                <a:ea typeface="+mj-ea"/>
-                <a:cs typeface="+mj-cs"/>
-              </a:rPr>
-              <a:t>              </a:t>
-            </a:r>
-            <a:r>
-              <a:rPr lang="zh-CN" altLang="en-US" sz="1600" b="1" spc="50" dirty="0" smtClean="0">
-                <a:ln w="12700">
-                  <a:noFill/>
-                  <a:prstDash val="solid"/>
-                </a:ln>
-                <a:solidFill>
-                  <a:schemeClr val="accent4"/>
-                </a:solidFill>
-                <a:latin typeface="+mj-lt"/>
-                <a:ea typeface="+mj-ea"/>
-                <a:cs typeface="+mj-cs"/>
-              </a:rPr>
-              <a:t>内部封装一定数量的实例</a:t>
-            </a:r>
-            <a:r>
-              <a:rPr lang="en-US" altLang="zh-CN" sz="1600" b="1" spc="50" dirty="0" smtClean="0">
-                <a:ln w="12700">
-                  <a:noFill/>
-                  <a:prstDash val="solid"/>
-                </a:ln>
-                <a:solidFill>
-                  <a:schemeClr val="accent4"/>
-                </a:solidFill>
-                <a:latin typeface="+mj-lt"/>
-                <a:ea typeface="+mj-ea"/>
-                <a:cs typeface="+mj-cs"/>
-              </a:rPr>
-              <a:t>, </a:t>
-            </a:r>
-            <a:r>
-              <a:rPr lang="zh-CN" altLang="en-US" sz="1600" b="1" spc="50" dirty="0" smtClean="0">
-                <a:ln w="12700">
-                  <a:noFill/>
-                  <a:prstDash val="solid"/>
-                </a:ln>
-                <a:solidFill>
-                  <a:schemeClr val="accent4"/>
-                </a:solidFill>
-                <a:latin typeface="+mj-lt"/>
-                <a:ea typeface="+mj-ea"/>
-                <a:cs typeface="+mj-cs"/>
-              </a:rPr>
-              <a:t>当</a:t>
-            </a:r>
-            <a:r>
-              <a:rPr lang="zh-CN" altLang="en-US" sz="1600" b="1" spc="50" dirty="0" smtClean="0">
-                <a:ln w="12700">
-                  <a:noFill/>
-                  <a:prstDash val="solid"/>
-                </a:ln>
-                <a:solidFill>
-                  <a:schemeClr val="accent4"/>
-                </a:solidFill>
-                <a:latin typeface="+mj-lt"/>
-                <a:ea typeface="+mj-ea"/>
-                <a:cs typeface="+mj-cs"/>
-              </a:rPr>
-              <a:t>客户端请求时</a:t>
-            </a:r>
-            <a:r>
-              <a:rPr lang="en-US" altLang="zh-CN" sz="1600" b="1" spc="50" dirty="0" smtClean="0">
-                <a:ln w="12700">
-                  <a:noFill/>
-                  <a:prstDash val="solid"/>
-                </a:ln>
-                <a:solidFill>
-                  <a:schemeClr val="accent4"/>
-                </a:solidFill>
-                <a:latin typeface="+mj-lt"/>
-                <a:ea typeface="+mj-ea"/>
-                <a:cs typeface="+mj-cs"/>
-              </a:rPr>
-              <a:t>:</a:t>
-            </a:r>
-          </a:p>
-          <a:p>
-            <a:endParaRPr lang="en-US" altLang="zh-CN" sz="1600" b="1" spc="50" dirty="0" smtClean="0">
-              <a:ln w="12700">
-                <a:noFill/>
-                <a:prstDash val="solid"/>
-              </a:ln>
-              <a:solidFill>
-                <a:schemeClr val="accent4"/>
-              </a:solidFill>
-              <a:latin typeface="+mj-lt"/>
-              <a:ea typeface="+mj-ea"/>
-              <a:cs typeface="+mj-cs"/>
-            </a:endParaRPr>
-          </a:p>
-          <a:p>
-            <a:r>
-              <a:rPr lang="en-US" altLang="zh-CN" sz="1600" b="1" spc="50" dirty="0">
-                <a:ln w="12700">
-                  <a:noFill/>
-                  <a:prstDash val="solid"/>
-                </a:ln>
-                <a:solidFill>
-                  <a:schemeClr val="accent4"/>
-                </a:solidFill>
-                <a:latin typeface="+mj-lt"/>
-                <a:ea typeface="+mj-ea"/>
-                <a:cs typeface="+mj-cs"/>
-              </a:rPr>
-              <a:t>	</a:t>
-            </a:r>
-            <a:r>
-              <a:rPr lang="en-US" altLang="zh-CN" sz="1600" b="1" spc="50" dirty="0" smtClean="0">
-                <a:ln w="12700">
-                  <a:noFill/>
-                  <a:prstDash val="solid"/>
-                </a:ln>
-                <a:solidFill>
-                  <a:schemeClr val="accent4"/>
-                </a:solidFill>
-                <a:latin typeface="+mj-lt"/>
-                <a:ea typeface="+mj-ea"/>
-                <a:cs typeface="+mj-cs"/>
-              </a:rPr>
-              <a:t>      </a:t>
-            </a:r>
-            <a:r>
-              <a:rPr lang="zh-CN" altLang="en-US" sz="1600" b="1" spc="50" dirty="0" smtClean="0">
-                <a:ln w="12700">
-                  <a:noFill/>
-                  <a:prstDash val="solid"/>
-                </a:ln>
-                <a:solidFill>
-                  <a:schemeClr val="accent4"/>
-                </a:solidFill>
-                <a:latin typeface="+mj-lt"/>
-                <a:ea typeface="+mj-ea"/>
-                <a:cs typeface="+mj-cs"/>
-              </a:rPr>
-              <a:t>返回其中一个</a:t>
-            </a:r>
-            <a:endParaRPr lang="en-US" altLang="zh-CN" sz="1600" b="1" spc="50" dirty="0" smtClean="0">
-              <a:ln w="12700">
-                <a:noFill/>
-                <a:prstDash val="solid"/>
-              </a:ln>
-              <a:solidFill>
-                <a:schemeClr val="accent4"/>
-              </a:solidFill>
-              <a:latin typeface="+mj-lt"/>
-              <a:ea typeface="+mj-ea"/>
-              <a:cs typeface="+mj-cs"/>
-            </a:endParaRPr>
-          </a:p>
-          <a:p>
-            <a:endParaRPr lang="en-US" altLang="zh-CN" sz="1600" b="1" spc="50" dirty="0" smtClean="0">
-              <a:ln w="12700">
-                <a:noFill/>
-                <a:prstDash val="solid"/>
-              </a:ln>
-              <a:solidFill>
-                <a:schemeClr val="accent4"/>
-              </a:solidFill>
-              <a:latin typeface="+mj-lt"/>
-              <a:ea typeface="+mj-ea"/>
-              <a:cs typeface="+mj-cs"/>
-            </a:endParaRPr>
-          </a:p>
-          <a:p>
-            <a:r>
-              <a:rPr lang="en-US" altLang="zh-CN" sz="1600" b="1" spc="50" dirty="0">
-                <a:ln w="12700">
-                  <a:noFill/>
-                  <a:prstDash val="solid"/>
-                </a:ln>
-                <a:solidFill>
-                  <a:schemeClr val="accent4"/>
-                </a:solidFill>
-                <a:latin typeface="+mj-lt"/>
-                <a:ea typeface="+mj-ea"/>
-                <a:cs typeface="+mj-cs"/>
-              </a:rPr>
-              <a:t>	</a:t>
-            </a:r>
-            <a:r>
-              <a:rPr lang="en-US" altLang="zh-CN" sz="1600" b="1" spc="50" dirty="0" smtClean="0">
-                <a:ln w="12700">
-                  <a:noFill/>
-                  <a:prstDash val="solid"/>
-                </a:ln>
-                <a:solidFill>
-                  <a:schemeClr val="accent4"/>
-                </a:solidFill>
-                <a:latin typeface="+mj-lt"/>
-                <a:ea typeface="+mj-ea"/>
-                <a:cs typeface="+mj-cs"/>
-              </a:rPr>
-              <a:t>      </a:t>
-            </a:r>
-            <a:r>
-              <a:rPr lang="zh-CN" altLang="en-US" sz="1600" b="1" spc="50" dirty="0" smtClean="0">
-                <a:ln w="12700">
-                  <a:noFill/>
-                  <a:prstDash val="solid"/>
-                </a:ln>
-                <a:solidFill>
-                  <a:schemeClr val="accent4"/>
-                </a:solidFill>
-                <a:latin typeface="+mj-lt"/>
-                <a:ea typeface="+mj-ea"/>
-                <a:cs typeface="+mj-cs"/>
-              </a:rPr>
-              <a:t>返回多个</a:t>
-            </a:r>
-            <a:r>
-              <a:rPr lang="en-US" altLang="zh-CN" sz="1600" b="1" spc="50" dirty="0" smtClean="0">
-                <a:ln w="12700">
-                  <a:noFill/>
-                  <a:prstDash val="solid"/>
-                </a:ln>
-                <a:solidFill>
-                  <a:schemeClr val="accent4"/>
-                </a:solidFill>
-                <a:latin typeface="+mj-lt"/>
-                <a:ea typeface="+mj-ea"/>
-                <a:cs typeface="+mj-cs"/>
-              </a:rPr>
-              <a:t>(</a:t>
-            </a:r>
-            <a:r>
-              <a:rPr lang="zh-CN" altLang="en-US" sz="1600" b="1" spc="50" dirty="0" smtClean="0">
-                <a:ln w="12700">
-                  <a:noFill/>
-                  <a:prstDash val="solid"/>
-                </a:ln>
-                <a:solidFill>
-                  <a:schemeClr val="accent4"/>
-                </a:solidFill>
-                <a:latin typeface="+mj-lt"/>
-                <a:ea typeface="+mj-ea"/>
-                <a:cs typeface="+mj-cs"/>
-              </a:rPr>
-              <a:t>修改返回类型</a:t>
-            </a:r>
-            <a:r>
-              <a:rPr lang="en-US" altLang="zh-CN" sz="1600" b="1" spc="50" dirty="0" smtClean="0">
-                <a:ln w="12700">
-                  <a:noFill/>
-                  <a:prstDash val="solid"/>
-                </a:ln>
-                <a:solidFill>
-                  <a:schemeClr val="accent4"/>
-                </a:solidFill>
-                <a:latin typeface="+mj-lt"/>
-                <a:ea typeface="+mj-ea"/>
-                <a:cs typeface="+mj-cs"/>
-              </a:rPr>
-              <a:t>)</a:t>
-            </a:r>
-            <a:endParaRPr lang="zh-CN" altLang="en-US" sz="1600" b="1" spc="50" dirty="0">
-              <a:ln w="12700">
-                <a:noFill/>
-                <a:prstDash val="solid"/>
-              </a:ln>
-              <a:solidFill>
-                <a:schemeClr val="accent4"/>
-              </a:solidFill>
-              <a:latin typeface="+mj-lt"/>
-              <a:ea typeface="+mj-ea"/>
-              <a:cs typeface="+mj-cs"/>
-            </a:endParaRPr>
-          </a:p>
-        </p:txBody>
-      </p:sp>
-      <p:sp>
-        <p:nvSpPr>
-          <p:cNvPr id="5" name="Rectangle 2"/>
-          <p:cNvSpPr txBox="1">
-            <a:spLocks noChangeArrowheads="1"/>
-          </p:cNvSpPr>
-          <p:nvPr/>
-        </p:nvSpPr>
-        <p:spPr>
-          <a:xfrm>
-            <a:off x="628650" y="44624"/>
-            <a:ext cx="7886700" cy="1119658"/>
-          </a:xfrm>
-          <a:prstGeom prst="rect">
-            <a:avLst/>
-          </a:prstGeom>
-        </p:spPr>
-        <p:txBody>
-          <a:bodyPr vert="horz" lIns="91440" tIns="45720" rIns="91440" bIns="45720" rtlCol="0" anchor="ctr">
-            <a:normAutofit/>
-          </a:bodyPr>
-          <a:lstStyle>
-            <a:lvl1pPr algn="ctr" defTabSz="914400" rtl="0" eaLnBrk="1" latinLnBrk="0" hangingPunct="1">
-              <a:spcBef>
-                <a:spcPct val="0"/>
-              </a:spcBef>
-              <a:buNone/>
-              <a:defRPr sz="4400" kern="1200">
-                <a:solidFill>
-                  <a:schemeClr val="tx1"/>
-                </a:solidFill>
-                <a:latin typeface="+mj-lt"/>
-                <a:ea typeface="+mj-ea"/>
-                <a:cs typeface="+mj-cs"/>
-              </a:defRPr>
-            </a:lvl1pPr>
-          </a:lstStyle>
-          <a:p>
-            <a:r>
-              <a:rPr lang="en-US" altLang="zh-CN" dirty="0" smtClean="0"/>
-              <a:t>Singleton</a:t>
-            </a:r>
-            <a:endParaRPr lang="zh-CN" altLang="en-US" dirty="0"/>
-          </a:p>
-        </p:txBody>
-      </p:sp>
-    </p:spTree>
-    <p:extLst>
-      <p:ext uri="{BB962C8B-B14F-4D97-AF65-F5344CB8AC3E}">
-        <p14:creationId xmlns:p14="http://schemas.microsoft.com/office/powerpoint/2010/main" val="2290970015"/>
-      </p:ext>
-    </p:extLst>
-  </p:cSld>
-  <p:clrMapOvr>
-    <a:masterClrMapping/>
-  </p:clrMapOvr>
-  <p:timing>
-    <p:tnLst>
-      <p:par>
-        <p:cTn id="1" dur="indefinite" restart="never" nodeType="tmRoot"/>
-      </p:par>
-    </p:tnLst>
-  </p:timing>
-</p:sld>
-</file>
-
-<file path=ppt/slides/slide23.xml><?xml version="1.0" encoding="utf-8"?>
-<p:sld xmlns:a="http://schemas.openxmlformats.org/drawingml/2006/main" xmlns:r="http://schemas.openxmlformats.org/officeDocument/2006/relationships" xmlns:p="http://schemas.openxmlformats.org/presentationml/2006/main">
-  <p:cSld>
-    <p:spTree>
-      <p:nvGrpSpPr>
-        <p:cNvPr id="1" name=""/>
-        <p:cNvGrpSpPr/>
-        <p:nvPr/>
-      </p:nvGrpSpPr>
-      <p:grpSpPr>
-        <a:xfrm>
-          <a:off x="0" y="0"/>
-          <a:ext cx="0" cy="0"/>
-          <a:chOff x="0" y="0"/>
-          <a:chExt cx="0" cy="0"/>
-        </a:xfrm>
-      </p:grpSpPr>
-      <p:sp>
-        <p:nvSpPr>
-          <p:cNvPr id="3" name="矩形 2"/>
-          <p:cNvSpPr/>
-          <p:nvPr/>
-        </p:nvSpPr>
-        <p:spPr>
-          <a:xfrm>
-            <a:off x="683568" y="1412776"/>
-            <a:ext cx="7776864" cy="4248472"/>
-          </a:xfrm>
-          <a:prstGeom prst="rect">
-            <a:avLst/>
-          </a:prstGeom>
-        </p:spPr>
-        <p:txBody>
-          <a:bodyPr vert="horz" rtlCol="0" anchor="ctr">
-            <a:normAutofit fontScale="92500" lnSpcReduction="10000"/>
-            <a:scene3d>
-              <a:camera prst="orthographicFront"/>
-              <a:lightRig rig="soft" dir="t"/>
-            </a:scene3d>
-            <a:sp3d prstMaterial="matte">
-              <a:bevelT w="12700" h="12700"/>
-            </a:sp3d>
-          </a:bodyPr>
-          <a:lstStyle/>
-          <a:p>
-            <a:pPr>
-              <a:spcBef>
-                <a:spcPct val="0"/>
-              </a:spcBef>
-            </a:pPr>
-            <a:r>
-              <a:rPr lang="zh-CN" altLang="en-US" sz="1900" b="1" spc="50" dirty="0">
-                <a:ln w="12700">
-                  <a:noFill/>
-                  <a:prstDash val="solid"/>
-                </a:ln>
-                <a:solidFill>
-                  <a:schemeClr val="accent4"/>
-                </a:solidFill>
-                <a:effectLst>
-                  <a:outerShdw blurRad="38100" dist="38100" dir="2700000" algn="tl">
-                    <a:srgbClr val="000000">
-                      <a:alpha val="43137"/>
-                    </a:srgbClr>
-                  </a:outerShdw>
-                </a:effectLst>
-                <a:latin typeface="+mj-lt"/>
-                <a:ea typeface="+mj-ea"/>
-                <a:cs typeface="+mj-cs"/>
-              </a:rPr>
-              <a:t>实现</a:t>
-            </a:r>
-            <a:r>
-              <a:rPr lang="en-US" altLang="zh-CN" sz="1900" b="1" spc="50" dirty="0" smtClean="0">
-                <a:ln w="12700">
-                  <a:noFill/>
-                  <a:prstDash val="solid"/>
-                </a:ln>
-                <a:solidFill>
-                  <a:schemeClr val="accent4"/>
-                </a:solidFill>
-                <a:effectLst>
-                  <a:outerShdw blurRad="38100" dist="38100" dir="2700000" algn="tl">
-                    <a:srgbClr val="000000">
-                      <a:alpha val="43137"/>
-                    </a:srgbClr>
-                  </a:outerShdw>
-                </a:effectLst>
-                <a:latin typeface="+mj-lt"/>
-                <a:ea typeface="+mj-ea"/>
-                <a:cs typeface="+mj-cs"/>
-              </a:rPr>
-              <a:t>(Implementation):</a:t>
-            </a:r>
-            <a:endParaRPr lang="en-US" altLang="zh-CN" sz="1900" b="1" spc="50" dirty="0">
-              <a:ln w="12700">
-                <a:noFill/>
-                <a:prstDash val="solid"/>
-              </a:ln>
-              <a:solidFill>
-                <a:schemeClr val="accent4"/>
-              </a:solidFill>
-              <a:effectLst>
-                <a:outerShdw blurRad="38100" dist="38100" dir="2700000" algn="tl">
-                  <a:srgbClr val="000000">
-                    <a:alpha val="43137"/>
-                  </a:srgbClr>
-                </a:outerShdw>
-              </a:effectLst>
-              <a:latin typeface="+mj-lt"/>
-              <a:ea typeface="+mj-ea"/>
-              <a:cs typeface="+mj-cs"/>
-            </a:endParaRPr>
-          </a:p>
-          <a:p>
-            <a:endParaRPr lang="en-US" altLang="zh-CN" sz="1600" b="1" spc="50" dirty="0">
-              <a:ln w="12700">
-                <a:noFill/>
-                <a:prstDash val="solid"/>
-              </a:ln>
-              <a:solidFill>
-                <a:schemeClr val="accent4"/>
-              </a:solidFill>
-              <a:latin typeface="+mj-lt"/>
-              <a:ea typeface="+mj-ea"/>
-              <a:cs typeface="+mj-cs"/>
-            </a:endParaRPr>
-          </a:p>
-          <a:p>
-            <a:r>
-              <a:rPr lang="zh-CN" altLang="en-US" sz="1600" b="1" spc="50" dirty="0" smtClean="0">
-                <a:ln w="12700">
-                  <a:noFill/>
-                  <a:prstDash val="solid"/>
-                </a:ln>
-                <a:solidFill>
-                  <a:schemeClr val="accent4"/>
-                </a:solidFill>
-                <a:latin typeface="+mj-lt"/>
-                <a:ea typeface="+mj-ea"/>
-                <a:cs typeface="+mj-cs"/>
-              </a:rPr>
-              <a:t>      </a:t>
-            </a:r>
-            <a:r>
-              <a:rPr lang="en-US" altLang="zh-CN" sz="1600" b="1" spc="50" dirty="0" smtClean="0">
-                <a:ln w="12700">
-                  <a:noFill/>
-                  <a:prstDash val="solid"/>
-                </a:ln>
-                <a:solidFill>
-                  <a:schemeClr val="accent4"/>
-                </a:solidFill>
-                <a:latin typeface="+mj-lt"/>
-                <a:ea typeface="+mj-ea"/>
-                <a:cs typeface="+mj-cs"/>
-              </a:rPr>
-              <a:t>- Singleton</a:t>
-            </a:r>
-            <a:r>
-              <a:rPr lang="zh-CN" altLang="en-US" sz="1600" b="1" spc="50" dirty="0" smtClean="0">
-                <a:ln w="12700">
-                  <a:noFill/>
-                  <a:prstDash val="solid"/>
-                </a:ln>
-                <a:solidFill>
-                  <a:schemeClr val="accent4"/>
-                </a:solidFill>
-                <a:latin typeface="+mj-lt"/>
-                <a:ea typeface="+mj-ea"/>
-                <a:cs typeface="+mj-cs"/>
-              </a:rPr>
-              <a:t>的部件构建接口应当具有普遍性</a:t>
-            </a:r>
-            <a:endParaRPr lang="en-US" altLang="zh-CN" sz="1600" b="1" spc="50" dirty="0">
-              <a:ln w="12700">
-                <a:noFill/>
-                <a:prstDash val="solid"/>
-              </a:ln>
-              <a:solidFill>
-                <a:schemeClr val="accent4"/>
-              </a:solidFill>
-              <a:latin typeface="+mj-lt"/>
-              <a:ea typeface="+mj-ea"/>
-              <a:cs typeface="+mj-cs"/>
-            </a:endParaRPr>
-          </a:p>
-          <a:p>
-            <a:r>
-              <a:rPr lang="en-US" altLang="zh-CN" sz="1600" b="1" spc="50" dirty="0" smtClean="0">
-                <a:ln w="12700">
-                  <a:noFill/>
-                  <a:prstDash val="solid"/>
-                </a:ln>
-                <a:solidFill>
-                  <a:schemeClr val="accent4"/>
-                </a:solidFill>
-                <a:latin typeface="+mj-lt"/>
-                <a:ea typeface="+mj-ea"/>
-                <a:cs typeface="+mj-cs"/>
-              </a:rPr>
-              <a:t>	</a:t>
-            </a:r>
-          </a:p>
-          <a:p>
-            <a:r>
-              <a:rPr lang="en-US" altLang="zh-CN" sz="1600" spc="50" dirty="0">
-                <a:ln w="12700">
-                  <a:noFill/>
-                  <a:prstDash val="solid"/>
-                </a:ln>
-                <a:solidFill>
-                  <a:schemeClr val="accent4"/>
-                </a:solidFill>
-                <a:latin typeface="+mj-lt"/>
-                <a:ea typeface="+mj-ea"/>
-                <a:cs typeface="+mj-cs"/>
-              </a:rPr>
-              <a:t>	</a:t>
-            </a:r>
-            <a:r>
-              <a:rPr lang="en-US" altLang="zh-CN" sz="1600" spc="50" dirty="0" smtClean="0">
-                <a:ln w="12700">
-                  <a:noFill/>
-                  <a:prstDash val="solid"/>
-                </a:ln>
-                <a:solidFill>
-                  <a:schemeClr val="accent4"/>
-                </a:solidFill>
-                <a:latin typeface="+mj-lt"/>
-                <a:ea typeface="+mj-ea"/>
-                <a:cs typeface="+mj-cs"/>
-              </a:rPr>
-              <a:t>Computer</a:t>
-            </a:r>
-            <a:r>
-              <a:rPr lang="zh-CN" altLang="en-US" sz="1600" spc="50" dirty="0" smtClean="0">
-                <a:ln w="12700">
-                  <a:noFill/>
-                  <a:prstDash val="solid"/>
-                </a:ln>
-                <a:solidFill>
-                  <a:schemeClr val="accent4"/>
-                </a:solidFill>
-                <a:latin typeface="+mj-lt"/>
-                <a:ea typeface="+mj-ea"/>
-                <a:cs typeface="+mj-cs"/>
-              </a:rPr>
-              <a:t>例子的构造部件之间不存在依赖，只需返回</a:t>
-            </a:r>
-            <a:r>
-              <a:rPr lang="en-US" altLang="zh-CN" sz="1600" spc="50" dirty="0" smtClean="0">
-                <a:ln w="12700">
-                  <a:noFill/>
-                  <a:prstDash val="solid"/>
-                </a:ln>
-                <a:solidFill>
-                  <a:schemeClr val="accent4"/>
-                </a:solidFill>
-                <a:latin typeface="+mj-lt"/>
-                <a:ea typeface="+mj-ea"/>
-                <a:cs typeface="+mj-cs"/>
-              </a:rPr>
-              <a:t>void</a:t>
-            </a:r>
-          </a:p>
-          <a:p>
-            <a:endParaRPr lang="en-US" altLang="zh-CN" sz="1600" spc="50" dirty="0" smtClean="0">
-              <a:ln w="12700">
-                <a:noFill/>
-                <a:prstDash val="solid"/>
-              </a:ln>
-              <a:solidFill>
-                <a:schemeClr val="accent4"/>
-              </a:solidFill>
-              <a:latin typeface="+mj-lt"/>
-              <a:ea typeface="+mj-ea"/>
-              <a:cs typeface="+mj-cs"/>
-            </a:endParaRPr>
-          </a:p>
-          <a:p>
-            <a:r>
-              <a:rPr lang="en-US" altLang="zh-CN" sz="1600" spc="50" dirty="0">
-                <a:ln w="12700">
-                  <a:noFill/>
-                  <a:prstDash val="solid"/>
-                </a:ln>
-                <a:solidFill>
-                  <a:schemeClr val="accent4"/>
-                </a:solidFill>
-                <a:latin typeface="+mj-lt"/>
-                <a:ea typeface="+mj-ea"/>
-                <a:cs typeface="+mj-cs"/>
-              </a:rPr>
-              <a:t> </a:t>
-            </a:r>
-            <a:r>
-              <a:rPr lang="en-US" altLang="zh-CN" sz="1600" spc="50" dirty="0" smtClean="0">
-                <a:ln w="12700">
-                  <a:noFill/>
-                  <a:prstDash val="solid"/>
-                </a:ln>
-                <a:solidFill>
-                  <a:schemeClr val="accent4"/>
-                </a:solidFill>
-                <a:latin typeface="+mj-lt"/>
-                <a:ea typeface="+mj-ea"/>
-                <a:cs typeface="+mj-cs"/>
-              </a:rPr>
-              <a:t>             </a:t>
-            </a:r>
-            <a:r>
-              <a:rPr lang="en-US" altLang="zh-CN" sz="1600" spc="50" dirty="0">
-                <a:ln w="12700">
-                  <a:noFill/>
-                  <a:prstDash val="solid"/>
-                </a:ln>
-                <a:solidFill>
-                  <a:schemeClr val="accent4"/>
-                </a:solidFill>
-                <a:latin typeface="+mj-lt"/>
-                <a:ea typeface="+mj-ea"/>
-                <a:cs typeface="+mj-cs"/>
-              </a:rPr>
-              <a:t>	</a:t>
-            </a:r>
-            <a:r>
-              <a:rPr lang="zh-CN" altLang="en-US" sz="1600" spc="50" dirty="0" smtClean="0">
-                <a:ln w="12700">
-                  <a:noFill/>
-                  <a:prstDash val="solid"/>
-                </a:ln>
-                <a:solidFill>
-                  <a:schemeClr val="accent4"/>
-                </a:solidFill>
-                <a:latin typeface="+mj-lt"/>
-                <a:ea typeface="+mj-ea"/>
-                <a:cs typeface="+mj-cs"/>
-              </a:rPr>
-              <a:t>更一般的，可能构造步骤依赖于之前已构造部件，即非</a:t>
-            </a:r>
-            <a:r>
-              <a:rPr lang="en-US" altLang="zh-CN" sz="1600" spc="50" dirty="0" smtClean="0">
-                <a:ln w="12700">
-                  <a:noFill/>
-                  <a:prstDash val="solid"/>
-                </a:ln>
-                <a:solidFill>
-                  <a:schemeClr val="accent4"/>
-                </a:solidFill>
-                <a:latin typeface="+mj-lt"/>
-                <a:ea typeface="+mj-ea"/>
-                <a:cs typeface="+mj-cs"/>
-              </a:rPr>
-              <a:t>void</a:t>
-            </a:r>
-            <a:r>
-              <a:rPr lang="zh-CN" altLang="en-US" sz="1600" spc="50" dirty="0" smtClean="0">
-                <a:ln w="12700">
-                  <a:noFill/>
-                  <a:prstDash val="solid"/>
-                </a:ln>
-                <a:solidFill>
-                  <a:schemeClr val="accent4"/>
-                </a:solidFill>
-                <a:latin typeface="+mj-lt"/>
-                <a:ea typeface="+mj-ea"/>
-                <a:cs typeface="+mj-cs"/>
-              </a:rPr>
-              <a:t>（部件模型）</a:t>
-            </a:r>
-            <a:endParaRPr lang="en-US" altLang="zh-CN" sz="1600" spc="50" dirty="0" smtClean="0">
-              <a:ln w="12700">
-                <a:noFill/>
-                <a:prstDash val="solid"/>
-              </a:ln>
-              <a:solidFill>
-                <a:schemeClr val="accent4"/>
-              </a:solidFill>
-              <a:latin typeface="+mj-lt"/>
-              <a:ea typeface="+mj-ea"/>
-              <a:cs typeface="+mj-cs"/>
-            </a:endParaRPr>
-          </a:p>
-          <a:p>
-            <a:r>
-              <a:rPr lang="en-US" altLang="zh-CN" sz="1600" spc="50" dirty="0">
-                <a:ln w="12700">
-                  <a:noFill/>
-                  <a:prstDash val="solid"/>
-                </a:ln>
-                <a:solidFill>
-                  <a:schemeClr val="accent4"/>
-                </a:solidFill>
-                <a:latin typeface="+mj-lt"/>
-                <a:ea typeface="+mj-ea"/>
-                <a:cs typeface="+mj-cs"/>
-              </a:rPr>
-              <a:t>	</a:t>
-            </a:r>
-            <a:r>
-              <a:rPr lang="en-US" altLang="zh-CN" sz="1600" spc="50" dirty="0" smtClean="0">
-                <a:ln w="12700">
-                  <a:noFill/>
-                  <a:prstDash val="solid"/>
-                </a:ln>
-                <a:solidFill>
-                  <a:schemeClr val="accent4"/>
-                </a:solidFill>
-                <a:latin typeface="+mj-lt"/>
-                <a:ea typeface="+mj-ea"/>
-                <a:cs typeface="+mj-cs"/>
-              </a:rPr>
-              <a:t>Director</a:t>
-            </a:r>
-            <a:r>
-              <a:rPr lang="zh-CN" altLang="en-US" sz="1600" spc="50" dirty="0" smtClean="0">
-                <a:ln w="12700">
-                  <a:noFill/>
-                  <a:prstDash val="solid"/>
-                </a:ln>
-                <a:solidFill>
-                  <a:schemeClr val="accent4"/>
-                </a:solidFill>
-                <a:latin typeface="+mj-lt"/>
-                <a:ea typeface="+mj-ea"/>
-                <a:cs typeface="+mj-cs"/>
-              </a:rPr>
-              <a:t>接收</a:t>
-            </a:r>
-            <a:r>
-              <a:rPr lang="en-US" altLang="zh-CN" sz="1600" spc="50" dirty="0" smtClean="0">
-                <a:ln w="12700">
-                  <a:noFill/>
-                  <a:prstDash val="solid"/>
-                </a:ln>
-                <a:solidFill>
-                  <a:schemeClr val="accent4"/>
-                </a:solidFill>
-                <a:latin typeface="+mj-lt"/>
-                <a:ea typeface="+mj-ea"/>
-                <a:cs typeface="+mj-cs"/>
-              </a:rPr>
-              <a:t>Singleton</a:t>
-            </a:r>
-            <a:r>
-              <a:rPr lang="zh-CN" altLang="en-US" sz="1600" spc="50" dirty="0" smtClean="0">
-                <a:ln w="12700">
-                  <a:noFill/>
-                  <a:prstDash val="solid"/>
-                </a:ln>
-                <a:solidFill>
-                  <a:schemeClr val="accent4"/>
-                </a:solidFill>
-                <a:latin typeface="+mj-lt"/>
-                <a:ea typeface="+mj-ea"/>
-                <a:cs typeface="+mj-cs"/>
-              </a:rPr>
-              <a:t>返回的部件模型再传入</a:t>
-            </a:r>
-            <a:r>
-              <a:rPr lang="en-US" altLang="zh-CN" sz="1600" spc="50" dirty="0" smtClean="0">
-                <a:ln w="12700">
-                  <a:noFill/>
-                  <a:prstDash val="solid"/>
-                </a:ln>
-                <a:solidFill>
-                  <a:schemeClr val="accent4"/>
-                </a:solidFill>
-                <a:latin typeface="+mj-lt"/>
-                <a:ea typeface="+mj-ea"/>
-                <a:cs typeface="+mj-cs"/>
-              </a:rPr>
-              <a:t>Singleton</a:t>
-            </a:r>
-            <a:r>
-              <a:rPr lang="zh-CN" altLang="en-US" sz="1600" spc="50" dirty="0" smtClean="0">
-                <a:ln w="12700">
-                  <a:noFill/>
-                  <a:prstDash val="solid"/>
-                </a:ln>
-                <a:solidFill>
-                  <a:schemeClr val="accent4"/>
-                </a:solidFill>
-                <a:latin typeface="+mj-lt"/>
-                <a:ea typeface="+mj-ea"/>
-                <a:cs typeface="+mj-cs"/>
-              </a:rPr>
-              <a:t>使得构造步骤得以继续</a:t>
-            </a:r>
-            <a:endParaRPr lang="en-US" altLang="zh-CN" sz="1600" spc="50" dirty="0" smtClean="0">
-              <a:ln w="12700">
-                <a:noFill/>
-                <a:prstDash val="solid"/>
-              </a:ln>
-              <a:solidFill>
-                <a:schemeClr val="accent4"/>
-              </a:solidFill>
-              <a:latin typeface="+mj-lt"/>
-              <a:ea typeface="+mj-ea"/>
-              <a:cs typeface="+mj-cs"/>
-            </a:endParaRPr>
-          </a:p>
-          <a:p>
-            <a:endParaRPr lang="en-US" altLang="zh-CN" sz="1600" b="1" spc="50" dirty="0">
-              <a:ln w="12700">
-                <a:noFill/>
-                <a:prstDash val="solid"/>
-              </a:ln>
-              <a:solidFill>
-                <a:schemeClr val="accent4"/>
-              </a:solidFill>
-              <a:latin typeface="+mj-lt"/>
-              <a:ea typeface="+mj-ea"/>
-              <a:cs typeface="+mj-cs"/>
-            </a:endParaRPr>
-          </a:p>
-          <a:p>
-            <a:r>
-              <a:rPr lang="zh-CN" altLang="en-US" sz="1600" b="1" spc="50" dirty="0">
-                <a:ln w="12700">
-                  <a:noFill/>
-                  <a:prstDash val="solid"/>
-                </a:ln>
-                <a:solidFill>
-                  <a:schemeClr val="accent4"/>
-                </a:solidFill>
-              </a:rPr>
-              <a:t> </a:t>
-            </a:r>
-            <a:r>
-              <a:rPr lang="zh-CN" altLang="en-US" sz="1600" b="1" spc="50" dirty="0" smtClean="0">
-                <a:ln w="12700">
-                  <a:noFill/>
-                  <a:prstDash val="solid"/>
-                </a:ln>
-                <a:solidFill>
-                  <a:schemeClr val="accent4"/>
-                </a:solidFill>
-              </a:rPr>
-              <a:t>     </a:t>
-            </a:r>
-            <a:r>
-              <a:rPr lang="en-US" altLang="zh-CN" sz="1600" b="1" spc="50" dirty="0" smtClean="0">
-                <a:ln w="12700">
-                  <a:noFill/>
-                  <a:prstDash val="solid"/>
-                </a:ln>
-                <a:solidFill>
-                  <a:schemeClr val="accent4"/>
-                </a:solidFill>
-              </a:rPr>
-              <a:t>- Product</a:t>
-            </a:r>
-            <a:r>
-              <a:rPr lang="zh-CN" altLang="en-US" sz="1600" b="1" spc="50" dirty="0" smtClean="0">
-                <a:ln w="12700">
-                  <a:noFill/>
-                  <a:prstDash val="solid"/>
-                </a:ln>
-                <a:solidFill>
-                  <a:schemeClr val="accent4"/>
-                </a:solidFill>
-              </a:rPr>
-              <a:t>不要求抽象</a:t>
-            </a:r>
-            <a:r>
-              <a:rPr lang="en-US" altLang="zh-CN" sz="1600" b="1" spc="50" dirty="0" smtClean="0">
-                <a:ln w="12700">
-                  <a:noFill/>
-                  <a:prstDash val="solid"/>
-                </a:ln>
-                <a:solidFill>
-                  <a:schemeClr val="accent4"/>
-                </a:solidFill>
-              </a:rPr>
-              <a:t>(Computer)</a:t>
-            </a:r>
-            <a:endParaRPr lang="en-US" altLang="zh-CN" sz="1600" b="1" spc="50" dirty="0" smtClean="0">
-              <a:ln w="12700">
-                <a:noFill/>
-                <a:prstDash val="solid"/>
-              </a:ln>
-              <a:solidFill>
-                <a:schemeClr val="accent4"/>
-              </a:solidFill>
-              <a:latin typeface="+mj-lt"/>
-              <a:ea typeface="+mj-ea"/>
-              <a:cs typeface="+mj-cs"/>
-            </a:endParaRPr>
-          </a:p>
-          <a:p>
-            <a:endParaRPr lang="en-US" altLang="zh-CN" sz="1600" b="1" spc="50" dirty="0">
-              <a:ln w="12700">
-                <a:noFill/>
-                <a:prstDash val="solid"/>
-              </a:ln>
-              <a:solidFill>
-                <a:schemeClr val="accent4"/>
-              </a:solidFill>
-              <a:latin typeface="+mj-lt"/>
-              <a:ea typeface="+mj-ea"/>
-              <a:cs typeface="+mj-cs"/>
-            </a:endParaRPr>
-          </a:p>
-          <a:p>
-            <a:r>
-              <a:rPr lang="en-US" altLang="zh-CN" sz="1600" spc="50" dirty="0" smtClean="0">
-                <a:ln w="12700">
-                  <a:noFill/>
-                  <a:prstDash val="solid"/>
-                </a:ln>
-                <a:solidFill>
-                  <a:schemeClr val="accent4"/>
-                </a:solidFill>
-                <a:latin typeface="+mj-lt"/>
-                <a:ea typeface="+mj-ea"/>
-                <a:cs typeface="+mj-cs"/>
-              </a:rPr>
-              <a:t>              	Product</a:t>
-            </a:r>
-            <a:r>
-              <a:rPr lang="zh-CN" altLang="en-US" sz="1600" spc="50" dirty="0" smtClean="0">
-                <a:ln w="12700">
-                  <a:noFill/>
-                  <a:prstDash val="solid"/>
-                </a:ln>
-                <a:solidFill>
-                  <a:schemeClr val="accent4"/>
-                </a:solidFill>
-                <a:latin typeface="+mj-lt"/>
-                <a:ea typeface="+mj-ea"/>
-                <a:cs typeface="+mj-cs"/>
-              </a:rPr>
-              <a:t>个体之间差异太大（场景更具</a:t>
-            </a:r>
-            <a:r>
-              <a:rPr lang="zh-CN" altLang="en-US" sz="1600" spc="50" dirty="0">
-                <a:ln w="12700">
-                  <a:noFill/>
-                  <a:prstDash val="solid"/>
-                </a:ln>
-                <a:solidFill>
-                  <a:schemeClr val="accent4"/>
-                </a:solidFill>
-                <a:latin typeface="+mj-lt"/>
-                <a:ea typeface="+mj-ea"/>
-                <a:cs typeface="+mj-cs"/>
-              </a:rPr>
-              <a:t>一般性），难于</a:t>
-            </a:r>
-            <a:r>
-              <a:rPr lang="zh-CN" altLang="en-US" sz="1600" spc="50" dirty="0" smtClean="0">
-                <a:ln w="12700">
-                  <a:noFill/>
-                  <a:prstDash val="solid"/>
-                </a:ln>
-                <a:solidFill>
-                  <a:schemeClr val="accent4"/>
-                </a:solidFill>
-                <a:latin typeface="+mj-lt"/>
-                <a:ea typeface="+mj-ea"/>
-                <a:cs typeface="+mj-cs"/>
-              </a:rPr>
-              <a:t>抽象</a:t>
-            </a:r>
-            <a:endParaRPr lang="en-US" altLang="zh-CN" sz="1600" spc="50" dirty="0" smtClean="0">
-              <a:ln w="12700">
-                <a:noFill/>
-                <a:prstDash val="solid"/>
-              </a:ln>
-              <a:solidFill>
-                <a:schemeClr val="accent4"/>
-              </a:solidFill>
-              <a:latin typeface="+mj-lt"/>
-              <a:ea typeface="+mj-ea"/>
-              <a:cs typeface="+mj-cs"/>
-            </a:endParaRPr>
-          </a:p>
-          <a:p>
-            <a:endParaRPr lang="en-US" altLang="zh-CN" sz="1600" spc="50" dirty="0" smtClean="0">
-              <a:ln w="12700">
-                <a:noFill/>
-                <a:prstDash val="solid"/>
-              </a:ln>
-              <a:solidFill>
-                <a:schemeClr val="accent4"/>
-              </a:solidFill>
-              <a:latin typeface="+mj-lt"/>
-              <a:ea typeface="+mj-ea"/>
-              <a:cs typeface="+mj-cs"/>
-            </a:endParaRPr>
-          </a:p>
-          <a:p>
-            <a:r>
-              <a:rPr lang="en-US" altLang="zh-CN" sz="1600" spc="50" dirty="0">
-                <a:ln w="12700">
-                  <a:noFill/>
-                  <a:prstDash val="solid"/>
-                </a:ln>
-                <a:solidFill>
-                  <a:schemeClr val="accent4"/>
-                </a:solidFill>
-                <a:latin typeface="+mj-lt"/>
-                <a:ea typeface="+mj-ea"/>
-                <a:cs typeface="+mj-cs"/>
-              </a:rPr>
-              <a:t>	</a:t>
-            </a:r>
-            <a:r>
-              <a:rPr lang="zh-CN" altLang="en-US" sz="1600" spc="50" dirty="0" smtClean="0">
-                <a:ln w="12700">
-                  <a:noFill/>
-                  <a:prstDash val="solid"/>
-                </a:ln>
-                <a:solidFill>
-                  <a:schemeClr val="accent4"/>
-                </a:solidFill>
-                <a:latin typeface="+mj-lt"/>
-                <a:ea typeface="+mj-ea"/>
-                <a:cs typeface="+mj-cs"/>
-              </a:rPr>
-              <a:t>需要明确知晓具体</a:t>
-            </a:r>
-            <a:r>
-              <a:rPr lang="en-US" altLang="zh-CN" sz="1600" spc="50" dirty="0" smtClean="0">
-                <a:ln w="12700">
-                  <a:noFill/>
-                  <a:prstDash val="solid"/>
-                </a:ln>
-                <a:solidFill>
-                  <a:schemeClr val="accent4"/>
-                </a:solidFill>
-                <a:latin typeface="+mj-lt"/>
-                <a:ea typeface="+mj-ea"/>
-                <a:cs typeface="+mj-cs"/>
-              </a:rPr>
-              <a:t>Product</a:t>
-            </a:r>
-            <a:r>
-              <a:rPr lang="zh-CN" altLang="en-US" sz="1600" spc="50" dirty="0" smtClean="0">
-                <a:ln w="12700">
-                  <a:noFill/>
-                  <a:prstDash val="solid"/>
-                </a:ln>
-                <a:solidFill>
-                  <a:schemeClr val="accent4"/>
-                </a:solidFill>
-                <a:latin typeface="+mj-lt"/>
-                <a:ea typeface="+mj-ea"/>
-                <a:cs typeface="+mj-cs"/>
-              </a:rPr>
-              <a:t>个体，针对差异点进行不同操作</a:t>
-            </a:r>
-            <a:endParaRPr lang="en-US" altLang="zh-CN" sz="1600" spc="50" dirty="0" smtClean="0">
-              <a:ln w="12700">
-                <a:noFill/>
-                <a:prstDash val="solid"/>
-              </a:ln>
-              <a:solidFill>
-                <a:schemeClr val="accent4"/>
-              </a:solidFill>
-              <a:latin typeface="+mj-lt"/>
-              <a:ea typeface="+mj-ea"/>
-              <a:cs typeface="+mj-cs"/>
-            </a:endParaRPr>
-          </a:p>
-          <a:p>
-            <a:endParaRPr lang="en-US" altLang="zh-CN" sz="1600" spc="50" dirty="0" smtClean="0">
-              <a:ln w="12700">
-                <a:noFill/>
-                <a:prstDash val="solid"/>
-              </a:ln>
-              <a:solidFill>
-                <a:schemeClr val="accent4"/>
-              </a:solidFill>
-              <a:latin typeface="+mj-lt"/>
-              <a:ea typeface="+mj-ea"/>
-              <a:cs typeface="+mj-cs"/>
-            </a:endParaRPr>
-          </a:p>
-          <a:p>
-            <a:r>
-              <a:rPr lang="en-US" altLang="zh-CN" sz="1600" spc="50" dirty="0">
-                <a:ln w="12700">
-                  <a:noFill/>
-                  <a:prstDash val="solid"/>
-                </a:ln>
-                <a:solidFill>
-                  <a:schemeClr val="accent4"/>
-                </a:solidFill>
-                <a:latin typeface="+mj-lt"/>
-                <a:ea typeface="+mj-ea"/>
-                <a:cs typeface="+mj-cs"/>
-              </a:rPr>
-              <a:t>	</a:t>
-            </a:r>
-            <a:r>
-              <a:rPr lang="zh-CN" altLang="en-US" sz="1600" spc="50" dirty="0" smtClean="0">
-                <a:ln w="12700">
-                  <a:noFill/>
-                  <a:prstDash val="solid"/>
-                </a:ln>
-                <a:solidFill>
-                  <a:schemeClr val="accent4"/>
-                </a:solidFill>
-                <a:latin typeface="+mj-lt"/>
-                <a:ea typeface="+mj-ea"/>
-                <a:cs typeface="+mj-cs"/>
-              </a:rPr>
-              <a:t>对其抽象代价不菲，引入不必要的混乱，亦显僵硬死板</a:t>
-            </a:r>
-            <a:endParaRPr lang="en-US" altLang="zh-CN" sz="1600" spc="50" dirty="0">
-              <a:ln w="12700">
-                <a:noFill/>
-                <a:prstDash val="solid"/>
-              </a:ln>
-              <a:solidFill>
-                <a:schemeClr val="accent4"/>
-              </a:solidFill>
-              <a:latin typeface="+mj-lt"/>
-              <a:ea typeface="+mj-ea"/>
-              <a:cs typeface="+mj-cs"/>
-            </a:endParaRPr>
-          </a:p>
-          <a:p>
-            <a:endParaRPr lang="en-US" altLang="zh-CN" sz="1600" b="1" spc="50" dirty="0">
-              <a:ln w="12700">
-                <a:noFill/>
-                <a:prstDash val="solid"/>
-              </a:ln>
-              <a:solidFill>
-                <a:schemeClr val="accent4"/>
-              </a:solidFill>
-              <a:latin typeface="+mj-lt"/>
-              <a:ea typeface="+mj-ea"/>
-              <a:cs typeface="+mj-cs"/>
-            </a:endParaRPr>
-          </a:p>
-          <a:p>
-            <a:r>
-              <a:rPr lang="zh-CN" altLang="en-US" sz="1600" b="1" spc="50" dirty="0" smtClean="0">
-                <a:ln w="12700">
-                  <a:noFill/>
-                  <a:prstDash val="solid"/>
-                </a:ln>
-                <a:solidFill>
-                  <a:schemeClr val="accent4"/>
-                </a:solidFill>
-                <a:latin typeface="+mj-lt"/>
-                <a:ea typeface="+mj-ea"/>
-                <a:cs typeface="+mj-cs"/>
-              </a:rPr>
-              <a:t>      </a:t>
-            </a:r>
-            <a:r>
-              <a:rPr lang="en-US" altLang="zh-CN" sz="1600" b="1" spc="50" dirty="0" smtClean="0">
-                <a:ln w="12700">
-                  <a:noFill/>
-                  <a:prstDash val="solid"/>
-                </a:ln>
-                <a:solidFill>
-                  <a:schemeClr val="accent4"/>
-                </a:solidFill>
-                <a:latin typeface="+mj-lt"/>
-                <a:ea typeface="+mj-ea"/>
-                <a:cs typeface="+mj-cs"/>
-              </a:rPr>
-              <a:t>- Singleton</a:t>
-            </a:r>
-            <a:r>
-              <a:rPr lang="zh-CN" altLang="en-US" sz="1600" b="1" spc="50" dirty="0" smtClean="0">
-                <a:ln w="12700">
-                  <a:noFill/>
-                  <a:prstDash val="solid"/>
-                </a:ln>
-                <a:solidFill>
-                  <a:schemeClr val="accent4"/>
-                </a:solidFill>
-                <a:latin typeface="+mj-lt"/>
-                <a:ea typeface="+mj-ea"/>
-                <a:cs typeface="+mj-cs"/>
-              </a:rPr>
-              <a:t>可提供非虚方法，提供默认操作，或者定义为空方法（忽略该操作）</a:t>
-            </a:r>
-            <a:endParaRPr lang="en-US" altLang="zh-CN" sz="1600" b="1" spc="50" dirty="0" smtClean="0">
-              <a:ln w="12700">
-                <a:noFill/>
-                <a:prstDash val="solid"/>
-              </a:ln>
-              <a:solidFill>
-                <a:schemeClr val="accent4"/>
-              </a:solidFill>
-              <a:latin typeface="+mj-lt"/>
-              <a:ea typeface="+mj-ea"/>
-              <a:cs typeface="+mj-cs"/>
-            </a:endParaRPr>
-          </a:p>
-        </p:txBody>
-      </p:sp>
-      <p:sp>
-        <p:nvSpPr>
-          <p:cNvPr id="5" name="Rectangle 2"/>
-          <p:cNvSpPr txBox="1">
-            <a:spLocks noChangeArrowheads="1"/>
-          </p:cNvSpPr>
-          <p:nvPr/>
-        </p:nvSpPr>
-        <p:spPr>
-          <a:xfrm>
-            <a:off x="628650" y="44624"/>
-            <a:ext cx="7886700" cy="1119658"/>
-          </a:xfrm>
-          <a:prstGeom prst="rect">
-            <a:avLst/>
-          </a:prstGeom>
-        </p:spPr>
-        <p:txBody>
-          <a:bodyPr vert="horz" lIns="91440" tIns="45720" rIns="91440" bIns="45720" rtlCol="0" anchor="ctr">
-            <a:normAutofit/>
-          </a:bodyPr>
-          <a:lstStyle>
-            <a:lvl1pPr algn="ctr" defTabSz="914400" rtl="0" eaLnBrk="1" latinLnBrk="0" hangingPunct="1">
-              <a:spcBef>
-                <a:spcPct val="0"/>
-              </a:spcBef>
-              <a:buNone/>
-              <a:defRPr sz="4400" kern="1200">
-                <a:solidFill>
-                  <a:schemeClr val="tx1"/>
-                </a:solidFill>
-                <a:latin typeface="+mj-lt"/>
-                <a:ea typeface="+mj-ea"/>
-                <a:cs typeface="+mj-cs"/>
-              </a:defRPr>
-            </a:lvl1pPr>
-          </a:lstStyle>
-          <a:p>
-            <a:r>
-              <a:rPr lang="en-US" altLang="zh-CN" dirty="0" smtClean="0"/>
-              <a:t>Singleton</a:t>
-            </a:r>
-            <a:endParaRPr lang="zh-CN" altLang="en-US" dirty="0"/>
-          </a:p>
-        </p:txBody>
-      </p:sp>
-    </p:spTree>
-    <p:extLst>
-      <p:ext uri="{BB962C8B-B14F-4D97-AF65-F5344CB8AC3E}">
-        <p14:creationId xmlns:p14="http://schemas.microsoft.com/office/powerpoint/2010/main" val="4176467541"/>
-      </p:ext>
-    </p:extLst>
-  </p:cSld>
-  <p:clrMapOvr>
-    <a:masterClrMapping/>
-  </p:clrMapOvr>
-  <p:timing>
-    <p:tnLst>
-      <p:par>
-        <p:cTn id="1" dur="indefinite" restart="never" nodeType="tmRoot"/>
-      </p:par>
-    </p:tnLst>
-  </p:timing>
-</p:sld>
-</file>
-
-<file path=ppt/slides/slide24.xml><?xml version="1.0" encoding="utf-8"?>
-<p:sld xmlns:a="http://schemas.openxmlformats.org/drawingml/2006/main" xmlns:r="http://schemas.openxmlformats.org/officeDocument/2006/relationships" xmlns:p="http://schemas.openxmlformats.org/presentationml/2006/main">
-  <p:cSld>
-    <p:spTree>
-      <p:nvGrpSpPr>
-        <p:cNvPr id="1" name=""/>
-        <p:cNvGrpSpPr/>
-        <p:nvPr/>
-      </p:nvGrpSpPr>
-      <p:grpSpPr>
-        <a:xfrm>
-          <a:off x="0" y="0"/>
-          <a:ext cx="0" cy="0"/>
-          <a:chOff x="0" y="0"/>
-          <a:chExt cx="0" cy="0"/>
-        </a:xfrm>
-      </p:grpSpPr>
-      <p:pic>
-        <p:nvPicPr>
-          <p:cNvPr id="7170" name="Picture 2"/>
-          <p:cNvPicPr>
-            <a:picLocks noChangeAspect="1" noChangeArrowheads="1"/>
-          </p:cNvPicPr>
-          <p:nvPr/>
-        </p:nvPicPr>
-        <p:blipFill>
-          <a:blip r:embed="rId2">
-            <a:extLst>
-              <a:ext uri="{28A0092B-C50C-407E-A947-70E740481C1C}">
-                <a14:useLocalDpi xmlns:a14="http://schemas.microsoft.com/office/drawing/2010/main" val="0"/>
-              </a:ext>
-            </a:extLst>
-          </a:blip>
-          <a:srcRect/>
-          <a:stretch>
-            <a:fillRect/>
-          </a:stretch>
-        </p:blipFill>
-        <p:spPr bwMode="auto">
-          <a:xfrm>
-            <a:off x="1043608" y="2305050"/>
-            <a:ext cx="6973245" cy="2852142"/>
-          </a:xfrm>
-          <a:prstGeom prst="rect">
-            <a:avLst/>
-          </a:prstGeom>
-          <a:noFill/>
-          <a:ln>
-            <a:noFill/>
-          </a:ln>
-          <a:effectLst/>
-          <a:extLst>
-            <a:ext uri="{909E8E84-426E-40DD-AFC4-6F175D3DCCD1}">
-              <a14:hiddenFill xmlns:a14="http://schemas.microsoft.com/office/drawing/2010/main">
-                <a:solidFill>
-                  <a:schemeClr val="accent1"/>
-                </a:solidFill>
-              </a14:hiddenFill>
-            </a:ext>
-            <a:ext uri="{91240B29-F687-4F45-9708-019B960494DF}">
-              <a14:hiddenLine xmlns:a14="http://schemas.microsoft.com/office/drawing/2010/main" w="9525">
-                <a:solidFill>
-                  <a:schemeClr val="tx1"/>
-                </a:solidFill>
-                <a:miter lim="800000"/>
-                <a:headEnd/>
-                <a:tailEnd/>
-              </a14:hiddenLine>
-            </a:ext>
-            <a:ext uri="{AF507438-7753-43E0-B8FC-AC1667EBCBE1}">
-              <a14:hiddenEffects xmlns:a14="http://schemas.microsoft.com/office/drawing/2010/main">
-                <a:effectLst>
-                  <a:outerShdw dist="35921" dir="2700000" algn="ctr" rotWithShape="0">
-                    <a:schemeClr val="bg2"/>
-                  </a:outerShdw>
-                </a:effectLst>
-              </a14:hiddenEffects>
-            </a:ext>
-          </a:extLst>
-        </p:spPr>
-      </p:pic>
-      <p:sp>
-        <p:nvSpPr>
-          <p:cNvPr id="8" name="TextBox 7"/>
-          <p:cNvSpPr txBox="1"/>
-          <p:nvPr/>
-        </p:nvSpPr>
-        <p:spPr>
-          <a:xfrm>
-            <a:off x="251520" y="1475492"/>
-            <a:ext cx="1656184" cy="353943"/>
-          </a:xfrm>
-          <a:prstGeom prst="rect">
-            <a:avLst/>
-          </a:prstGeom>
-          <a:noFill/>
-        </p:spPr>
-        <p:txBody>
-          <a:bodyPr wrap="square" rtlCol="0">
-            <a:spAutoFit/>
-          </a:bodyPr>
-          <a:lstStyle/>
-          <a:p>
-            <a:r>
-              <a:rPr lang="en-US" altLang="zh-CN" sz="1700" b="1" spc="50" dirty="0">
-                <a:ln w="12700">
-                  <a:noFill/>
-                  <a:prstDash val="solid"/>
-                </a:ln>
-                <a:solidFill>
-                  <a:schemeClr val="accent4"/>
-                </a:solidFill>
-                <a:latin typeface="+mj-lt"/>
-                <a:ea typeface="+mj-ea"/>
-                <a:cs typeface="+mj-cs"/>
-              </a:rPr>
-              <a:t>GOF Example</a:t>
-            </a:r>
-            <a:endParaRPr lang="en-US" altLang="en-US" sz="1700" b="1" spc="50" dirty="0">
-              <a:ln w="12700">
-                <a:noFill/>
-                <a:prstDash val="solid"/>
-              </a:ln>
-              <a:solidFill>
-                <a:schemeClr val="accent4"/>
-              </a:solidFill>
-              <a:latin typeface="+mj-lt"/>
-              <a:ea typeface="+mj-ea"/>
-              <a:cs typeface="+mj-cs"/>
-            </a:endParaRPr>
-          </a:p>
-        </p:txBody>
-      </p:sp>
-      <p:sp>
-        <p:nvSpPr>
-          <p:cNvPr id="9" name="Rectangle 2"/>
-          <p:cNvSpPr txBox="1">
-            <a:spLocks noChangeArrowheads="1"/>
-          </p:cNvSpPr>
-          <p:nvPr/>
-        </p:nvSpPr>
-        <p:spPr>
-          <a:xfrm>
-            <a:off x="628650" y="44624"/>
-            <a:ext cx="7886700" cy="1119658"/>
-          </a:xfrm>
-          <a:prstGeom prst="rect">
-            <a:avLst/>
-          </a:prstGeom>
-        </p:spPr>
-        <p:txBody>
-          <a:bodyPr vert="horz" lIns="91440" tIns="45720" rIns="91440" bIns="45720" rtlCol="0" anchor="ctr">
-            <a:normAutofit/>
-          </a:bodyPr>
-          <a:lstStyle>
-            <a:lvl1pPr algn="ctr" defTabSz="914400" rtl="0" eaLnBrk="1" latinLnBrk="0" hangingPunct="1">
-              <a:spcBef>
-                <a:spcPct val="0"/>
-              </a:spcBef>
-              <a:buNone/>
-              <a:defRPr sz="4400" kern="1200">
-                <a:solidFill>
-                  <a:schemeClr val="tx1"/>
-                </a:solidFill>
-                <a:latin typeface="+mj-lt"/>
-                <a:ea typeface="+mj-ea"/>
-                <a:cs typeface="+mj-cs"/>
-              </a:defRPr>
-            </a:lvl1pPr>
-          </a:lstStyle>
-          <a:p>
-            <a:r>
-              <a:rPr lang="en-US" altLang="zh-CN" dirty="0" smtClean="0"/>
-              <a:t>Singleton</a:t>
-            </a:r>
-            <a:endParaRPr lang="zh-CN" altLang="en-US" dirty="0"/>
-          </a:p>
-        </p:txBody>
-      </p:sp>
-    </p:spTree>
-    <p:extLst>
-      <p:ext uri="{BB962C8B-B14F-4D97-AF65-F5344CB8AC3E}">
-        <p14:creationId xmlns:p14="http://schemas.microsoft.com/office/powerpoint/2010/main" val="2497239647"/>
-      </p:ext>
-    </p:extLst>
-  </p:cSld>
-  <p:clrMapOvr>
-    <a:masterClrMapping/>
-  </p:clrMapOvr>
-  <p:timing>
-    <p:tnLst>
-      <p:par>
-        <p:cTn id="1" dur="indefinite" restart="never" nodeType="tmRoot"/>
-      </p:par>
-    </p:tnLst>
-  </p:timing>
-</p:sld>
-</file>
-
-<file path=ppt/slides/slide25.xml><?xml version="1.0" encoding="utf-8"?>
-<p:sld xmlns:a="http://schemas.openxmlformats.org/drawingml/2006/main" xmlns:r="http://schemas.openxmlformats.org/officeDocument/2006/relationships" xmlns:p="http://schemas.openxmlformats.org/presentationml/2006/main">
-  <p:cSld>
-    <p:spTree>
-      <p:nvGrpSpPr>
-        <p:cNvPr id="1" name=""/>
-        <p:cNvGrpSpPr/>
-        <p:nvPr/>
-      </p:nvGrpSpPr>
-      <p:grpSpPr>
-        <a:xfrm>
-          <a:off x="0" y="0"/>
-          <a:ext cx="0" cy="0"/>
-          <a:chOff x="0" y="0"/>
-          <a:chExt cx="0" cy="0"/>
-        </a:xfrm>
-      </p:grpSpPr>
-      <p:sp>
-        <p:nvSpPr>
-          <p:cNvPr id="2" name="矩形 1"/>
-          <p:cNvSpPr/>
-          <p:nvPr/>
-        </p:nvSpPr>
-        <p:spPr>
-          <a:xfrm>
-            <a:off x="827584" y="1628800"/>
-            <a:ext cx="7632848" cy="5170646"/>
-          </a:xfrm>
-          <a:prstGeom prst="rect">
-            <a:avLst/>
-          </a:prstGeom>
-        </p:spPr>
-        <p:txBody>
-          <a:bodyPr wrap="square">
-            <a:spAutoFit/>
-          </a:bodyPr>
-          <a:lstStyle/>
-          <a:p>
-            <a:r>
-              <a:rPr lang="zh-CN" altLang="en-US" b="1" spc="50" dirty="0">
-                <a:ln w="12700">
-                  <a:noFill/>
-                  <a:prstDash val="solid"/>
-                </a:ln>
-                <a:solidFill>
-                  <a:schemeClr val="accent4"/>
-                </a:solidFill>
-                <a:effectLst>
-                  <a:outerShdw blurRad="38100" dist="38100" dir="2700000" algn="tl">
-                    <a:srgbClr val="000000">
-                      <a:alpha val="43137"/>
-                    </a:srgbClr>
-                  </a:outerShdw>
-                </a:effectLst>
-                <a:latin typeface="+mj-lt"/>
-                <a:ea typeface="+mj-ea"/>
-                <a:cs typeface="+mj-cs"/>
-              </a:rPr>
-              <a:t>共性：</a:t>
+              <a:t>相关模式：</a:t>
             </a:r>
             <a:endParaRPr lang="en-US" altLang="zh-CN" b="1" spc="50" dirty="0">
               <a:ln w="12700">
@@ -12660,12 +10530,12 @@
               <a:t>	</a:t>
             </a:r>
             <a:r>
-              <a:rPr lang="zh-CN" altLang="en-US" sz="1400" dirty="0" smtClean="0">
-                <a:solidFill>
-                  <a:schemeClr val="accent4"/>
-                </a:solidFill>
-              </a:rPr>
-              <a:t>创建型，封装了对象的创建</a:t>
+              <a:rPr lang="en-US" altLang="zh-CN" sz="1400" dirty="0" smtClean="0">
+                <a:solidFill>
+                  <a:schemeClr val="accent4"/>
+                </a:solidFill>
+              </a:rPr>
+              <a:t>Abstract Factory - Concrete Factory</a:t>
             </a:r>
             <a:endParaRPr lang="en-US" altLang="zh-CN" sz="1400" dirty="0" smtClean="0">
               <a:solidFill>
@@ -12674,289 +10544,6 @@
             </a:endParaRPr>
           </a:p>
           <a:p>
-            <a:r>
-              <a:rPr lang="en-US" altLang="zh-CN" sz="1400" dirty="0">
-                <a:solidFill>
-                  <a:schemeClr val="accent4"/>
-                </a:solidFill>
-              </a:rPr>
-              <a:t>	</a:t>
-            </a:r>
-            <a:r>
-              <a:rPr lang="zh-CN" altLang="en-US" sz="1400" dirty="0" smtClean="0">
-                <a:solidFill>
-                  <a:schemeClr val="accent4"/>
-                </a:solidFill>
-              </a:rPr>
-              <a:t>支持扩展新的产品</a:t>
-            </a:r>
-            <a:endParaRPr lang="en-US" altLang="zh-CN" sz="1400" dirty="0" smtClean="0">
-              <a:solidFill>
-                <a:schemeClr val="accent4"/>
-              </a:solidFill>
-            </a:endParaRPr>
-          </a:p>
-          <a:p>
-            <a:endParaRPr lang="en-US" altLang="zh-CN" sz="1400" dirty="0" smtClean="0">
-              <a:solidFill>
-                <a:schemeClr val="accent4"/>
-              </a:solidFill>
-            </a:endParaRPr>
-          </a:p>
-          <a:p>
-            <a:endParaRPr lang="zh-CN" altLang="en-US" sz="1400" dirty="0">
-              <a:solidFill>
-                <a:schemeClr val="accent4"/>
-              </a:solidFill>
-            </a:endParaRPr>
-          </a:p>
-          <a:p>
-            <a:r>
-              <a:rPr lang="zh-CN" altLang="en-US" b="1" spc="50" dirty="0">
-                <a:ln w="12700">
-                  <a:noFill/>
-                  <a:prstDash val="solid"/>
-                </a:ln>
-                <a:solidFill>
-                  <a:schemeClr val="accent4"/>
-                </a:solidFill>
-                <a:effectLst>
-                  <a:outerShdw blurRad="38100" dist="38100" dir="2700000" algn="tl">
-                    <a:srgbClr val="000000">
-                      <a:alpha val="43137"/>
-                    </a:srgbClr>
-                  </a:outerShdw>
-                </a:effectLst>
-                <a:latin typeface="+mj-lt"/>
-                <a:ea typeface="+mj-ea"/>
-                <a:cs typeface="+mj-cs"/>
-              </a:rPr>
-              <a:t>差异：</a:t>
-            </a:r>
-            <a:endParaRPr lang="en-US" altLang="zh-CN" b="1" spc="50" dirty="0">
-              <a:ln w="12700">
-                <a:noFill/>
-                <a:prstDash val="solid"/>
-              </a:ln>
-              <a:solidFill>
-                <a:schemeClr val="accent4"/>
-              </a:solidFill>
-              <a:effectLst>
-                <a:outerShdw blurRad="38100" dist="38100" dir="2700000" algn="tl">
-                  <a:srgbClr val="000000">
-                    <a:alpha val="43137"/>
-                  </a:srgbClr>
-                </a:outerShdw>
-              </a:effectLst>
-              <a:latin typeface="+mj-lt"/>
-              <a:ea typeface="+mj-ea"/>
-              <a:cs typeface="+mj-cs"/>
-            </a:endParaRPr>
-          </a:p>
-          <a:p>
-            <a:endParaRPr lang="en-US" altLang="zh-CN" sz="1400" dirty="0" smtClean="0">
-              <a:solidFill>
-                <a:schemeClr val="accent4"/>
-              </a:solidFill>
-            </a:endParaRPr>
-          </a:p>
-          <a:p>
-            <a:r>
-              <a:rPr lang="en-US" altLang="zh-CN" sz="1400" dirty="0">
-                <a:solidFill>
-                  <a:schemeClr val="accent4"/>
-                </a:solidFill>
-              </a:rPr>
-              <a:t>	</a:t>
-            </a:r>
-            <a:r>
-              <a:rPr lang="en-US" altLang="zh-CN" sz="1400" b="1" dirty="0" smtClean="0">
-                <a:solidFill>
-                  <a:schemeClr val="accent4"/>
-                </a:solidFill>
-              </a:rPr>
-              <a:t>Factory Method</a:t>
-            </a:r>
-            <a:br>
-              <a:rPr lang="en-US" altLang="zh-CN" sz="1400" b="1" dirty="0" smtClean="0">
-                <a:solidFill>
-                  <a:schemeClr val="accent4"/>
-                </a:solidFill>
-              </a:rPr>
-            </a:br>
-            <a:endParaRPr lang="en-US" altLang="zh-CN" sz="1400" b="1" dirty="0" smtClean="0">
-              <a:solidFill>
-                <a:schemeClr val="accent4"/>
-              </a:solidFill>
-            </a:endParaRPr>
-          </a:p>
-          <a:p>
-            <a:r>
-              <a:rPr lang="en-US" altLang="zh-CN" sz="1400" dirty="0">
-                <a:solidFill>
-                  <a:schemeClr val="accent4"/>
-                </a:solidFill>
-              </a:rPr>
-              <a:t>	  </a:t>
-            </a:r>
-            <a:r>
-              <a:rPr lang="en-US" altLang="zh-CN" sz="1400" dirty="0" smtClean="0">
-                <a:solidFill>
-                  <a:schemeClr val="accent4"/>
-                </a:solidFill>
-              </a:rPr>
-              <a:t>   - </a:t>
-            </a:r>
-            <a:r>
-              <a:rPr lang="zh-CN" altLang="en-US" sz="1400" dirty="0" smtClean="0">
-                <a:solidFill>
-                  <a:schemeClr val="accent4"/>
-                </a:solidFill>
-              </a:rPr>
-              <a:t>强调</a:t>
-            </a:r>
-            <a:r>
-              <a:rPr lang="zh-CN" altLang="en-US" sz="1400" dirty="0">
-                <a:solidFill>
-                  <a:schemeClr val="accent4"/>
-                </a:solidFill>
-              </a:rPr>
-              <a:t>为创建对象提供一个统一的</a:t>
-            </a:r>
-            <a:r>
-              <a:rPr lang="zh-CN" altLang="en-US" sz="1400" dirty="0" smtClean="0">
-                <a:solidFill>
-                  <a:schemeClr val="accent4"/>
-                </a:solidFill>
-              </a:rPr>
-              <a:t>接口</a:t>
-            </a:r>
-            <a:r>
-              <a:rPr lang="en-US" altLang="zh-CN" sz="1400" dirty="0" smtClean="0">
-                <a:solidFill>
-                  <a:schemeClr val="accent4"/>
-                </a:solidFill>
-              </a:rPr>
-              <a:t>(Create())</a:t>
-            </a:r>
-          </a:p>
-          <a:p>
-            <a:r>
-              <a:rPr lang="en-US" altLang="zh-CN" sz="1400" dirty="0">
-                <a:solidFill>
-                  <a:schemeClr val="accent4"/>
-                </a:solidFill>
-              </a:rPr>
-              <a:t>	 </a:t>
-            </a:r>
-            <a:r>
-              <a:rPr lang="en-US" altLang="zh-CN" sz="1400" dirty="0" smtClean="0">
-                <a:solidFill>
-                  <a:schemeClr val="accent4"/>
-                </a:solidFill>
-              </a:rPr>
-              <a:t>    - </a:t>
-            </a:r>
-            <a:r>
-              <a:rPr lang="zh-CN" altLang="en-US" sz="1400" dirty="0" smtClean="0">
-                <a:solidFill>
-                  <a:schemeClr val="accent4"/>
-                </a:solidFill>
-              </a:rPr>
-              <a:t>对产品进行了抽象</a:t>
-            </a:r>
-            <a:endParaRPr lang="en-US" altLang="zh-CN" sz="1400" dirty="0" smtClean="0">
-              <a:solidFill>
-                <a:schemeClr val="accent4"/>
-              </a:solidFill>
-            </a:endParaRPr>
-          </a:p>
-          <a:p>
-            <a:r>
-              <a:rPr lang="en-US" altLang="zh-CN" sz="1400" dirty="0">
-                <a:solidFill>
-                  <a:schemeClr val="accent4"/>
-                </a:solidFill>
-              </a:rPr>
-              <a:t>	 </a:t>
-            </a:r>
-            <a:r>
-              <a:rPr lang="en-US" altLang="zh-CN" sz="1400" dirty="0" smtClean="0">
-                <a:solidFill>
-                  <a:schemeClr val="accent4"/>
-                </a:solidFill>
-              </a:rPr>
-              <a:t>    - </a:t>
-            </a:r>
-            <a:r>
-              <a:rPr lang="zh-CN" altLang="en-US" sz="1400" dirty="0" smtClean="0">
-                <a:solidFill>
-                  <a:schemeClr val="accent4"/>
-                </a:solidFill>
-              </a:rPr>
-              <a:t>产品构建过程不复杂</a:t>
-            </a:r>
-            <a:endParaRPr lang="en-US" altLang="zh-CN" sz="1400" dirty="0" smtClean="0">
-              <a:solidFill>
-                <a:schemeClr val="accent4"/>
-              </a:solidFill>
-            </a:endParaRPr>
-          </a:p>
-          <a:p>
-            <a:r>
-              <a:rPr lang="en-US" altLang="zh-CN" sz="1400" dirty="0">
-                <a:solidFill>
-                  <a:schemeClr val="accent4"/>
-                </a:solidFill>
-              </a:rPr>
-              <a:t>	 </a:t>
-            </a:r>
-            <a:r>
-              <a:rPr lang="en-US" altLang="zh-CN" sz="1400" dirty="0" smtClean="0">
-                <a:solidFill>
-                  <a:schemeClr val="accent4"/>
-                </a:solidFill>
-              </a:rPr>
-              <a:t>    - </a:t>
-            </a:r>
-            <a:r>
-              <a:rPr lang="zh-CN" altLang="en-US" sz="1400" dirty="0" smtClean="0">
-                <a:solidFill>
-                  <a:schemeClr val="accent4"/>
-                </a:solidFill>
-              </a:rPr>
-              <a:t>直接</a:t>
-            </a:r>
-            <a:r>
-              <a:rPr lang="zh-CN" altLang="en-US" sz="1400" dirty="0">
-                <a:solidFill>
-                  <a:schemeClr val="accent4"/>
-                </a:solidFill>
-              </a:rPr>
-              <a:t>返回</a:t>
-            </a:r>
-            <a:r>
-              <a:rPr lang="zh-CN" altLang="en-US" sz="1400" dirty="0" smtClean="0">
-                <a:solidFill>
-                  <a:schemeClr val="accent4"/>
-                </a:solidFill>
-              </a:rPr>
-              <a:t>创建的产品</a:t>
-            </a:r>
-            <a:endParaRPr lang="en-US" altLang="zh-CN" sz="1400" dirty="0" smtClean="0">
-              <a:solidFill>
-                <a:schemeClr val="accent4"/>
-              </a:solidFill>
-            </a:endParaRPr>
-          </a:p>
-          <a:p>
-            <a:endParaRPr lang="en-US" altLang="zh-CN" sz="1400" dirty="0" smtClean="0">
-              <a:solidFill>
-                <a:schemeClr val="accent4"/>
-              </a:solidFill>
-            </a:endParaRPr>
-          </a:p>
-          <a:p>
             <a:endParaRPr lang="en-US" altLang="zh-CN" sz="1400" dirty="0">
               <a:solidFill>
                 <a:schemeClr val="accent4"/>
@@ -12965,155 +10552,15 @@
           </a:p>
           <a:p>
             <a:r>
-              <a:rPr lang="en-US" altLang="zh-CN" sz="1400" dirty="0">
-                <a:solidFill>
-                  <a:schemeClr val="accent4"/>
-                </a:solidFill>
-              </a:rPr>
-              <a:t>	</a:t>
-            </a:r>
-            <a:r>
-              <a:rPr lang="en-US" altLang="zh-CN" sz="1400" b="1" dirty="0" smtClean="0">
-                <a:solidFill>
-                  <a:schemeClr val="accent4"/>
-                </a:solidFill>
-              </a:rPr>
-              <a:t>Singleton</a:t>
-            </a:r>
-          </a:p>
-          <a:p>
-            <a:endParaRPr lang="en-US" altLang="zh-CN" sz="1400" b="1" dirty="0">
-              <a:solidFill>
-                <a:schemeClr val="accent4"/>
-              </a:solidFill>
-            </a:endParaRPr>
-          </a:p>
-          <a:p>
-            <a:r>
-              <a:rPr lang="en-US" altLang="zh-CN" sz="1400" dirty="0">
-                <a:solidFill>
-                  <a:schemeClr val="accent4"/>
-                </a:solidFill>
-              </a:rPr>
-              <a:t>	     - </a:t>
-            </a:r>
-            <a:r>
-              <a:rPr lang="zh-CN" altLang="en-US" sz="1400" dirty="0" smtClean="0">
-                <a:solidFill>
-                  <a:schemeClr val="accent4"/>
-                </a:solidFill>
-              </a:rPr>
-              <a:t>强调</a:t>
-            </a:r>
-            <a:r>
-              <a:rPr lang="zh-CN" altLang="en-US" sz="1400" dirty="0">
-                <a:solidFill>
-                  <a:schemeClr val="accent4"/>
-                </a:solidFill>
-              </a:rPr>
-              <a:t>一步一</a:t>
-            </a:r>
-            <a:r>
-              <a:rPr lang="zh-CN" altLang="en-US" sz="1400" dirty="0" smtClean="0">
-                <a:solidFill>
-                  <a:schemeClr val="accent4"/>
-                </a:solidFill>
-              </a:rPr>
-              <a:t>步的创建产品</a:t>
-            </a:r>
-            <a:endParaRPr lang="en-US" altLang="zh-CN" sz="1400" dirty="0" smtClean="0">
-              <a:solidFill>
-                <a:schemeClr val="accent4"/>
-              </a:solidFill>
-            </a:endParaRPr>
-          </a:p>
-          <a:p>
-            <a:r>
-              <a:rPr lang="en-US" altLang="zh-CN" sz="1400" dirty="0">
-                <a:solidFill>
-                  <a:schemeClr val="accent4"/>
-                </a:solidFill>
-              </a:rPr>
-              <a:t>	</a:t>
-            </a:r>
-            <a:r>
               <a:rPr lang="en-US" altLang="zh-CN" sz="1400" dirty="0" smtClean="0">
                 <a:solidFill>
                   <a:schemeClr val="accent4"/>
                 </a:solidFill>
               </a:rPr>
-              <a:t>     - </a:t>
-            </a:r>
-            <a:r>
-              <a:rPr lang="zh-CN" altLang="en-US" sz="1400" dirty="0" smtClean="0">
-                <a:solidFill>
-                  <a:schemeClr val="accent4"/>
-                </a:solidFill>
-              </a:rPr>
-              <a:t>强调分离产品构建过程及其具体表示，相同的构建过程创建不同的表示</a:t>
-            </a:r>
-            <a:endParaRPr lang="en-US" altLang="zh-CN" sz="1400" dirty="0" smtClean="0">
-              <a:solidFill>
-                <a:schemeClr val="accent4"/>
-              </a:solidFill>
-            </a:endParaRPr>
-          </a:p>
-          <a:p>
-            <a:r>
-              <a:rPr lang="en-US" altLang="zh-CN" sz="1400" dirty="0">
-                <a:solidFill>
-                  <a:schemeClr val="accent4"/>
-                </a:solidFill>
-              </a:rPr>
-              <a:t>	</a:t>
-            </a:r>
-            <a:r>
-              <a:rPr lang="en-US" altLang="zh-CN" sz="1400" dirty="0" smtClean="0">
-                <a:solidFill>
-                  <a:schemeClr val="accent4"/>
-                </a:solidFill>
-              </a:rPr>
-              <a:t>     - </a:t>
-            </a:r>
-            <a:r>
-              <a:rPr lang="zh-CN" altLang="en-US" sz="1400" dirty="0" smtClean="0">
-                <a:solidFill>
-                  <a:schemeClr val="accent4"/>
-                </a:solidFill>
-              </a:rPr>
-              <a:t>产品内部复杂，构建过程复杂</a:t>
-            </a:r>
-            <a:endParaRPr lang="en-US" altLang="zh-CN" sz="1400" dirty="0" smtClean="0">
-              <a:solidFill>
-                <a:schemeClr val="accent4"/>
-              </a:solidFill>
-            </a:endParaRPr>
-          </a:p>
-          <a:p>
-            <a:r>
-              <a:rPr lang="en-US" altLang="zh-CN" sz="1400" dirty="0">
-                <a:solidFill>
-                  <a:schemeClr val="accent4"/>
-                </a:solidFill>
-              </a:rPr>
-              <a:t>	</a:t>
-            </a:r>
-            <a:r>
-              <a:rPr lang="en-US" altLang="zh-CN" sz="1400" dirty="0" smtClean="0">
-                <a:solidFill>
-                  <a:schemeClr val="accent4"/>
-                </a:solidFill>
-              </a:rPr>
-              <a:t>     - </a:t>
-            </a:r>
-            <a:r>
-              <a:rPr lang="zh-CN" altLang="en-US" sz="1400" dirty="0" smtClean="0">
-                <a:solidFill>
-                  <a:schemeClr val="accent4"/>
-                </a:solidFill>
-              </a:rPr>
-              <a:t>不要求对产品进行抽象</a:t>
-            </a:r>
+              <a:t>	Prototype</a:t>
+            </a:r>
+          </a:p>
+          <a:p>
             <a:endParaRPr lang="en-US" altLang="zh-CN" sz="1400" dirty="0">
               <a:solidFill>
                 <a:schemeClr val="accent4"/>
@@ -13122,60 +10569,12 @@
           </a:p>
           <a:p>
             <a:r>
-              <a:rPr lang="en-US" altLang="zh-CN" sz="1400" dirty="0">
-                <a:solidFill>
-                  <a:schemeClr val="accent4"/>
-                </a:solidFill>
-              </a:rPr>
-              <a:t>	     - </a:t>
-            </a:r>
-            <a:r>
-              <a:rPr lang="zh-CN" altLang="en-US" sz="1400" dirty="0" smtClean="0">
-                <a:solidFill>
-                  <a:schemeClr val="accent4"/>
-                </a:solidFill>
-              </a:rPr>
-              <a:t>不要求统一的接口</a:t>
-            </a:r>
-            <a:r>
               <a:rPr lang="en-US" altLang="zh-CN" sz="1400" dirty="0" smtClean="0">
                 <a:solidFill>
                   <a:schemeClr val="accent4"/>
                 </a:solidFill>
               </a:rPr>
-              <a:t>(GetProduct())</a:t>
-            </a:r>
-            <a:r>
-              <a:rPr lang="zh-CN" altLang="en-US" sz="1400" dirty="0" smtClean="0">
-                <a:solidFill>
-                  <a:schemeClr val="accent4"/>
-                </a:solidFill>
-              </a:rPr>
-              <a:t>，具体</a:t>
-            </a:r>
-            <a:r>
-              <a:rPr lang="en-US" altLang="zh-CN" sz="1400" dirty="0" smtClean="0">
-                <a:solidFill>
-                  <a:schemeClr val="accent4"/>
-                </a:solidFill>
-              </a:rPr>
-              <a:t>Singleton</a:t>
-            </a:r>
-            <a:r>
-              <a:rPr lang="zh-CN" altLang="en-US" sz="1400" dirty="0" smtClean="0">
-                <a:solidFill>
-                  <a:schemeClr val="accent4"/>
-                </a:solidFill>
-              </a:rPr>
-              <a:t>返回具体</a:t>
-            </a:r>
-            <a:r>
-              <a:rPr lang="en-US" altLang="zh-CN" sz="1400" dirty="0" smtClean="0">
-                <a:solidFill>
-                  <a:schemeClr val="accent4"/>
-                </a:solidFill>
-              </a:rPr>
-              <a:t>Product</a:t>
+              <a:t>	Facade</a:t>
             </a:r>
             <a:endParaRPr lang="zh-CN" altLang="en-US" sz="1400" dirty="0">
               <a:solidFill>
@@ -13225,7 +10624,7 @@
           <a:p>
             <a:r>
               <a:rPr lang="en-US" altLang="zh-CN" dirty="0" smtClean="0"/>
-              <a:t>Singleton VS. Factory Method</a:t>
+              <a:t>Singleton</a:t>
             </a:r>
             <a:endParaRPr lang="zh-CN" altLang="en-US" dirty="0"/>
           </a:p>
@@ -13251,7 +10650,7 @@
 </p:sld>
 </file>
 
-<file path=ppt/slides/slide26.xml><?xml version="1.0" encoding="utf-8"?>
+<file path=ppt/slides/slide23.xml><?xml version="1.0" encoding="utf-8"?>
 <p:sld xmlns:a="http://schemas.openxmlformats.org/drawingml/2006/main" xmlns:r="http://schemas.openxmlformats.org/officeDocument/2006/relationships" xmlns:p="http://schemas.openxmlformats.org/presentationml/2006/main">
   <p:cSld>
     <p:spTree>
@@ -13324,7 +10723,7 @@
 </p:sld>
 </file>
 
-<file path=ppt/slides/slide27.xml><?xml version="1.0" encoding="utf-8"?>
+<file path=ppt/slides/slide24.xml><?xml version="1.0" encoding="utf-8"?>
 <p:sld xmlns:a="http://schemas.openxmlformats.org/drawingml/2006/main" xmlns:r="http://schemas.openxmlformats.org/officeDocument/2006/relationships" xmlns:p="http://schemas.openxmlformats.org/presentationml/2006/main">
   <p:cSld>
     <p:spTree>

--- a/_Doc/DesignPattern.P3.Creational(Singleton).pptx
+++ b/_Doc/DesignPattern.P3.Creational(Singleton).pptx
@@ -215,7 +215,7 @@
           <a:p>
             <a:fld id="{E18479FA-1253-41AA-8ABD-DCCC0F2E9FAF}" type="datetimeFigureOut">
               <a:rPr lang="en-US" smtClean="0"/>
-              <a:t>4/20/2015</a:t>
+              <a:t>4/21/2015</a:t>
             </a:fld>
             <a:endParaRPr lang="en-US" dirty="0"/>
           </a:p>
@@ -1129,7 +1129,7 @@
           <a:p>
             <a:fld id="{530820CF-B880-4189-942D-D702A7CBA730}" type="datetimeFigureOut">
               <a:rPr lang="zh-CN" altLang="en-US" smtClean="0"/>
-              <a:t>2015/4/20</a:t>
+              <a:t>2015/4/21</a:t>
             </a:fld>
             <a:endParaRPr lang="zh-CN" altLang="en-US"/>
           </a:p>
@@ -1294,7 +1294,7 @@
           <a:p>
             <a:fld id="{530820CF-B880-4189-942D-D702A7CBA730}" type="datetimeFigureOut">
               <a:rPr lang="zh-CN" altLang="en-US" smtClean="0"/>
-              <a:t>2015/4/20</a:t>
+              <a:t>2015/4/21</a:t>
             </a:fld>
             <a:endParaRPr lang="zh-CN" altLang="en-US"/>
           </a:p>
@@ -1469,7 +1469,7 @@
           <a:p>
             <a:fld id="{530820CF-B880-4189-942D-D702A7CBA730}" type="datetimeFigureOut">
               <a:rPr lang="zh-CN" altLang="en-US" smtClean="0"/>
-              <a:t>2015/4/20</a:t>
+              <a:t>2015/4/21</a:t>
             </a:fld>
             <a:endParaRPr lang="zh-CN" altLang="en-US"/>
           </a:p>
@@ -1634,7 +1634,7 @@
           <a:p>
             <a:fld id="{530820CF-B880-4189-942D-D702A7CBA730}" type="datetimeFigureOut">
               <a:rPr lang="zh-CN" altLang="en-US" smtClean="0"/>
-              <a:t>2015/4/20</a:t>
+              <a:t>2015/4/21</a:t>
             </a:fld>
             <a:endParaRPr lang="zh-CN" altLang="en-US"/>
           </a:p>
@@ -1875,7 +1875,7 @@
           <a:p>
             <a:fld id="{530820CF-B880-4189-942D-D702A7CBA730}" type="datetimeFigureOut">
               <a:rPr lang="zh-CN" altLang="en-US" smtClean="0"/>
-              <a:t>2015/4/20</a:t>
+              <a:t>2015/4/21</a:t>
             </a:fld>
             <a:endParaRPr lang="zh-CN" altLang="en-US"/>
           </a:p>
@@ -2158,7 +2158,7 @@
           <a:p>
             <a:fld id="{530820CF-B880-4189-942D-D702A7CBA730}" type="datetimeFigureOut">
               <a:rPr lang="zh-CN" altLang="en-US" smtClean="0"/>
-              <a:t>2015/4/20</a:t>
+              <a:t>2015/4/21</a:t>
             </a:fld>
             <a:endParaRPr lang="zh-CN" altLang="en-US"/>
           </a:p>
@@ -2575,7 +2575,7 @@
           <a:p>
             <a:fld id="{530820CF-B880-4189-942D-D702A7CBA730}" type="datetimeFigureOut">
               <a:rPr lang="zh-CN" altLang="en-US" smtClean="0"/>
-              <a:t>2015/4/20</a:t>
+              <a:t>2015/4/21</a:t>
             </a:fld>
             <a:endParaRPr lang="zh-CN" altLang="en-US"/>
           </a:p>
@@ -2688,7 +2688,7 @@
           <a:p>
             <a:fld id="{530820CF-B880-4189-942D-D702A7CBA730}" type="datetimeFigureOut">
               <a:rPr lang="zh-CN" altLang="en-US" smtClean="0"/>
-              <a:t>2015/4/20</a:t>
+              <a:t>2015/4/21</a:t>
             </a:fld>
             <a:endParaRPr lang="zh-CN" altLang="en-US"/>
           </a:p>
@@ -2778,7 +2778,7 @@
           <a:p>
             <a:fld id="{530820CF-B880-4189-942D-D702A7CBA730}" type="datetimeFigureOut">
               <a:rPr lang="zh-CN" altLang="en-US" smtClean="0"/>
-              <a:t>2015/4/20</a:t>
+              <a:t>2015/4/21</a:t>
             </a:fld>
             <a:endParaRPr lang="zh-CN" altLang="en-US"/>
           </a:p>
@@ -3050,7 +3050,7 @@
           <a:p>
             <a:fld id="{530820CF-B880-4189-942D-D702A7CBA730}" type="datetimeFigureOut">
               <a:rPr lang="zh-CN" altLang="en-US" smtClean="0"/>
-              <a:t>2015/4/20</a:t>
+              <a:t>2015/4/21</a:t>
             </a:fld>
             <a:endParaRPr lang="zh-CN" altLang="en-US"/>
           </a:p>
@@ -3298,7 +3298,7 @@
           <a:p>
             <a:fld id="{530820CF-B880-4189-942D-D702A7CBA730}" type="datetimeFigureOut">
               <a:rPr lang="zh-CN" altLang="en-US" smtClean="0"/>
-              <a:t>2015/4/20</a:t>
+              <a:t>2015/4/21</a:t>
             </a:fld>
             <a:endParaRPr lang="zh-CN" altLang="en-US"/>
           </a:p>
@@ -3506,7 +3506,7 @@
           <a:p>
             <a:fld id="{530820CF-B880-4189-942D-D702A7CBA730}" type="datetimeFigureOut">
               <a:rPr lang="zh-CN" altLang="en-US" smtClean="0"/>
-              <a:t>2015/4/20</a:t>
+              <a:t>2015/4/21</a:t>
             </a:fld>
             <a:endParaRPr lang="zh-CN" altLang="en-US"/>
           </a:p>
@@ -4240,43 +4240,7 @@
                   <a:schemeClr val="accent4"/>
                 </a:solidFill>
               </a:rPr>
-              <a:t>Lazy Mode - </a:t>
-            </a:r>
-            <a:r>
-              <a:rPr lang="en-US" altLang="zh-CN" sz="1700" b="1" spc="50" dirty="0" smtClean="0">
-                <a:ln w="12700">
-                  <a:noFill/>
-                  <a:prstDash val="solid"/>
-                </a:ln>
-                <a:solidFill>
-                  <a:schemeClr val="accent4"/>
-                </a:solidFill>
-              </a:rPr>
-              <a:t>Improved(V1</a:t>
-            </a:r>
-            <a:r>
-              <a:rPr lang="en-US" altLang="zh-CN" sz="1700" b="1" spc="50" dirty="0" smtClean="0">
-                <a:ln w="12700">
-                  <a:noFill/>
-                  <a:prstDash val="solid"/>
-                </a:ln>
-                <a:solidFill>
-                  <a:schemeClr val="accent4"/>
-                </a:solidFill>
-              </a:rPr>
-              <a:t>: performance?</a:t>
-            </a:r>
-            <a:r>
-              <a:rPr lang="en-US" altLang="zh-CN" sz="1700" b="1" spc="50" dirty="0" smtClean="0">
-                <a:ln w="12700">
-                  <a:noFill/>
-                  <a:prstDash val="solid"/>
-                </a:ln>
-                <a:solidFill>
-                  <a:schemeClr val="accent4"/>
-                </a:solidFill>
-              </a:rPr>
-              <a:t>)</a:t>
+              <a:t>Lazy Mode - Improved(V1: performance?)</a:t>
             </a:r>
             <a:endParaRPr lang="en-US" altLang="en-US" sz="1700" b="1" spc="50" dirty="0">
               <a:ln w="12700">
@@ -4472,43 +4436,7 @@
                   <a:schemeClr val="accent4"/>
                 </a:solidFill>
               </a:rPr>
-              <a:t>Lazy Mode - </a:t>
-            </a:r>
-            <a:r>
-              <a:rPr lang="en-US" altLang="zh-CN" sz="1700" b="1" spc="50" dirty="0" smtClean="0">
-                <a:ln w="12700">
-                  <a:noFill/>
-                  <a:prstDash val="solid"/>
-                </a:ln>
-                <a:solidFill>
-                  <a:schemeClr val="accent4"/>
-                </a:solidFill>
-              </a:rPr>
-              <a:t>Improved(V2</a:t>
-            </a:r>
-            <a:r>
-              <a:rPr lang="en-US" altLang="zh-CN" sz="1700" b="1" spc="50" dirty="0" smtClean="0">
-                <a:ln w="12700">
-                  <a:noFill/>
-                  <a:prstDash val="solid"/>
-                </a:ln>
-                <a:solidFill>
-                  <a:schemeClr val="accent4"/>
-                </a:solidFill>
-              </a:rPr>
-              <a:t>: not recommended</a:t>
-            </a:r>
-            <a:r>
-              <a:rPr lang="en-US" altLang="zh-CN" sz="1700" b="1" spc="50" dirty="0" smtClean="0">
-                <a:ln w="12700">
-                  <a:noFill/>
-                  <a:prstDash val="solid"/>
-                </a:ln>
-                <a:solidFill>
-                  <a:schemeClr val="accent4"/>
-                </a:solidFill>
-              </a:rPr>
-              <a:t>)</a:t>
+              <a:t>Lazy Mode - Improved(V2: not recommended)</a:t>
             </a:r>
             <a:endParaRPr lang="en-US" altLang="en-US" sz="1700" b="1" spc="50" dirty="0">
               <a:ln w="12700">
@@ -4722,19 +4650,7 @@
                   <a:srgbClr val="00B050"/>
                 </a:solidFill>
               </a:rPr>
-              <a:t>“eager</a:t>
-            </a:r>
-            <a:r>
-              <a:rPr lang="en-US" altLang="zh-CN" sz="2000" b="1" i="1" spc="50" dirty="0" smtClean="0">
-                <a:ln w="12700">
-                  <a:noFill/>
-                  <a:prstDash val="solid"/>
-                </a:ln>
-                <a:solidFill>
-                  <a:srgbClr val="00B050"/>
-                </a:solidFill>
-              </a:rPr>
-              <a:t>”?</a:t>
+              <a:t>“eager”?</a:t>
             </a:r>
             <a:endParaRPr lang="en-US" sz="2000" b="1" i="1" spc="50" dirty="0">
               <a:ln w="12700">
@@ -4887,22 +4803,7 @@
                 <a:ea typeface="+mj-ea"/>
                 <a:cs typeface="+mj-cs"/>
               </a:rPr>
-              <a:t>      - .Net </a:t>
-            </a:r>
-            <a:r>
-              <a:rPr lang="en-US" altLang="zh-CN" sz="1600" b="1" spc="50" dirty="0" smtClean="0">
-                <a:ln w="12700">
-                  <a:noFill/>
-                  <a:prstDash val="solid"/>
-                </a:ln>
-                <a:solidFill>
-                  <a:schemeClr val="accent4"/>
-                </a:solidFill>
-                <a:latin typeface="+mj-lt"/>
-                <a:ea typeface="+mj-ea"/>
-                <a:cs typeface="+mj-cs"/>
-              </a:rPr>
-              <a:t>Compiler</a:t>
+              <a:t>      - .Net Compiler</a:t>
             </a:r>
           </a:p>
           <a:p>
@@ -5385,22 +5286,7 @@
                 <a:ea typeface="+mj-ea"/>
                 <a:cs typeface="+mj-cs"/>
               </a:rPr>
-              <a:t>               </a:t>
-            </a:r>
-            <a:r>
-              <a:rPr lang="en-US" altLang="zh-CN" sz="1600" b="1" spc="50" dirty="0" smtClean="0">
-                <a:ln w="12700">
-                  <a:noFill/>
-                  <a:prstDash val="solid"/>
-                </a:ln>
-                <a:solidFill>
-                  <a:schemeClr val="accent4"/>
-                </a:solidFill>
-                <a:latin typeface="+mj-lt"/>
-                <a:ea typeface="+mj-ea"/>
-                <a:cs typeface="+mj-cs"/>
-              </a:rPr>
-              <a:t>and then read them to create singleton when needed</a:t>
+              <a:t>               and then read them to create singleton when needed</a:t>
             </a:r>
           </a:p>
           <a:p>
@@ -6873,13 +6759,7 @@
               <a:rPr lang="en-US" altLang="zh-CN" sz="1200" b="1" dirty="0" smtClean="0">
                 <a:effectLst/>
               </a:rPr>
-              <a:t>Derived classes’ c</a:t>
-            </a:r>
-            <a:r>
-              <a:rPr lang="en-US" altLang="zh-CN" sz="1200" b="1" dirty="0" smtClean="0">
-                <a:effectLst/>
-              </a:rPr>
-              <a:t>onstructors have to be </a:t>
+              <a:t>Derived classes’ constructors have to be </a:t>
             </a:r>
             <a:r>
               <a:rPr lang="en-US" altLang="zh-CN" sz="1200" b="1" dirty="0" smtClean="0">
@@ -7391,19 +7271,7 @@
                   <a:schemeClr val="accent4"/>
                 </a:solidFill>
               </a:rPr>
-              <a:t> </a:t>
-            </a:r>
-            <a:r>
-              <a:rPr lang="en-US" altLang="zh-CN" sz="1700" b="1" spc="50" dirty="0">
-                <a:ln w="12700">
-                  <a:noFill/>
-                  <a:prstDash val="solid"/>
-                </a:ln>
-                <a:solidFill>
-                  <a:schemeClr val="accent4"/>
-                </a:solidFill>
-              </a:rPr>
-              <a:t>(</a:t>
+              <a:t> (</a:t>
             </a:r>
             <a:r>
               <a:rPr lang="en-US" altLang="zh-CN" sz="1700" spc="50" dirty="0">
@@ -8781,10 +8649,10 @@
                 <a:latin typeface="+mn-ea"/>
                 <a:ea typeface="+mn-ea"/>
               </a:rPr>
-              <a:t>Registry Singleton - </a:t>
-            </a:r>
-            <a:r>
-              <a:rPr lang="en-US" altLang="zh-CN" sz="2400" dirty="0" err="1">
+              <a:t>Registry Singleton </a:t>
+            </a:r>
+            <a:r>
+              <a:rPr lang="en-US" altLang="zh-CN" sz="2400">
                 <a:solidFill>
                   <a:srgbClr val="002060"/>
                 </a:solidFill>
@@ -8792,7 +8660,18 @@
                 <a:latin typeface="+mn-ea"/>
                 <a:ea typeface="+mn-ea"/>
               </a:rPr>
-              <a:t>Deriveative</a:t>
+              <a:t>- </a:t>
+            </a:r>
+            <a:r>
+              <a:rPr lang="en-US" altLang="zh-CN" sz="2400" smtClean="0">
+                <a:solidFill>
+                  <a:srgbClr val="002060"/>
+                </a:solidFill>
+                <a:effectLst/>
+                <a:latin typeface="+mn-ea"/>
+                <a:ea typeface="+mn-ea"/>
+              </a:rPr>
+              <a:t>Derivative</a:t>
             </a:r>
             <a:endParaRPr lang="en-US" altLang="zh-CN" sz="2400" dirty="0" smtClean="0">
               <a:solidFill>
@@ -8981,22 +8860,7 @@
                 <a:ea typeface="+mj-ea"/>
                 <a:cs typeface="+mj-cs"/>
               </a:rPr>
-              <a:t>    </a:t>
-            </a:r>
-            <a:r>
-              <a:rPr lang="zh-CN" altLang="en-US" sz="1600" b="1" spc="50" dirty="0">
-                <a:ln w="12700">
-                  <a:noFill/>
-                  <a:prstDash val="solid"/>
-                </a:ln>
-                <a:solidFill>
-                  <a:schemeClr val="accent4"/>
-                </a:solidFill>
-                <a:latin typeface="+mj-lt"/>
-                <a:ea typeface="+mj-ea"/>
-                <a:cs typeface="+mj-cs"/>
-              </a:rPr>
-              <a:t>对一些类来说，只有一个实例是很重要的。怎么样才能保证一个类只有一个实例并且这个实例易于被访问</a:t>
+              <a:t>    对一些类来说，只有一个实例是很重要的。怎么样才能保证一个类只有一个实例并且这个实例易于被访问</a:t>
             </a:r>
             <a:r>
               <a:rPr lang="zh-CN" altLang="en-US" sz="1600" b="1" spc="50" dirty="0" smtClean="0">
@@ -9251,22 +9115,7 @@
                 <a:ea typeface="+mj-ea"/>
                 <a:cs typeface="+mj-cs"/>
               </a:rPr>
-              <a:t>    </a:t>
-            </a:r>
-            <a:r>
-              <a:rPr lang="zh-CN" altLang="en-US" sz="1600" b="1" spc="50" dirty="0">
-                <a:ln w="12700">
-                  <a:noFill/>
-                  <a:prstDash val="solid"/>
-                </a:ln>
-                <a:solidFill>
-                  <a:schemeClr val="accent4"/>
-                </a:solidFill>
-                <a:latin typeface="+mj-lt"/>
-                <a:ea typeface="+mj-ea"/>
-                <a:cs typeface="+mj-cs"/>
-              </a:rPr>
-              <a:t>保证一个类仅有一个实例，并提供一个访问它的全局访问点</a:t>
+              <a:t>    保证一个类仅有一个实例，并提供一个访问它的全局访问点</a:t>
             </a:r>
             <a:r>
               <a:rPr lang="zh-CN" altLang="en-US" sz="1600" b="1" spc="50" dirty="0" smtClean="0">
@@ -10108,22 +9957,7 @@
                 <a:ea typeface="+mj-ea"/>
                 <a:cs typeface="+mj-cs"/>
               </a:rPr>
-              <a:t>当</a:t>
-            </a:r>
-            <a:r>
-              <a:rPr lang="zh-CN" altLang="en-US" sz="1600" b="1" spc="50" dirty="0" smtClean="0">
-                <a:ln w="12700">
-                  <a:noFill/>
-                  <a:prstDash val="solid"/>
-                </a:ln>
-                <a:solidFill>
-                  <a:schemeClr val="accent4"/>
-                </a:solidFill>
-                <a:latin typeface="+mj-lt"/>
-                <a:ea typeface="+mj-ea"/>
-                <a:cs typeface="+mj-cs"/>
-              </a:rPr>
-              <a:t>客户端请求时</a:t>
+              <a:t>当客户端请求时</a:t>
             </a:r>
             <a:r>
               <a:rPr lang="en-US" altLang="zh-CN" sz="1600" b="1" spc="50" dirty="0" smtClean="0">
@@ -10537,11 +10371,6 @@
               </a:rPr>
               <a:t>Abstract Factory - Concrete Factory</a:t>
             </a:r>
-            <a:endParaRPr lang="en-US" altLang="zh-CN" sz="1400" dirty="0" smtClean="0">
-              <a:solidFill>
-                <a:schemeClr val="accent4"/>
-              </a:solidFill>
-            </a:endParaRPr>
           </a:p>
           <a:p>
             <a:endParaRPr lang="en-US" altLang="zh-CN" sz="1400" dirty="0">
@@ -12756,13 +12585,7 @@
               <a:rPr lang="zh-CN" altLang="en-US" sz="1900" dirty="0" smtClean="0">
                 <a:effectLst/>
               </a:rPr>
-              <a:t>内部</a:t>
-            </a:r>
-            <a:r>
-              <a:rPr lang="zh-CN" altLang="en-US" sz="1900" dirty="0" smtClean="0">
-                <a:effectLst/>
-              </a:rPr>
-              <a:t>封装打印机管理</a:t>
+              <a:t>内部封装打印机管理</a:t>
             </a:r>
             <a:r>
               <a:rPr lang="en-US" altLang="zh-CN" sz="1900" dirty="0" smtClean="0">

--- a/_Doc/DesignPattern.P3.Creational(Singleton).pptx
+++ b/_Doc/DesignPattern.P3.Creational(Singleton).pptx
@@ -4240,7 +4240,31 @@
                   <a:schemeClr val="accent4"/>
                 </a:solidFill>
               </a:rPr>
-              <a:t>Lazy Mode - Improved(V1: performance?)</a:t>
+              <a:t>Lazy </a:t>
+            </a:r>
+            <a:r>
+              <a:rPr lang="en-US" altLang="zh-CN" sz="1700" b="1" spc="50" dirty="0" smtClean="0">
+                <a:ln w="12700">
+                  <a:noFill/>
+                  <a:prstDash val="solid"/>
+                </a:ln>
+                <a:solidFill>
+                  <a:schemeClr val="accent4"/>
+                </a:solidFill>
+              </a:rPr>
+              <a:t>- </a:t>
+            </a:r>
+            <a:r>
+              <a:rPr lang="en-US" altLang="zh-CN" sz="1700" b="1" spc="50" dirty="0" smtClean="0">
+                <a:ln w="12700">
+                  <a:noFill/>
+                  <a:prstDash val="solid"/>
+                </a:ln>
+                <a:solidFill>
+                  <a:schemeClr val="accent4"/>
+                </a:solidFill>
+              </a:rPr>
+              <a:t>Improved(V1: performance?)</a:t>
             </a:r>
             <a:endParaRPr lang="en-US" altLang="en-US" sz="1700" b="1" spc="50" dirty="0">
               <a:ln w="12700">
@@ -4412,7 +4436,7 @@
         </p:nvSpPr>
         <p:spPr>
           <a:xfrm>
-            <a:off x="251520" y="1196752"/>
+            <a:off x="251520" y="908720"/>
             <a:ext cx="5112568" cy="353943"/>
           </a:xfrm>
           <a:prstGeom prst="rect">
@@ -4436,7 +4460,31 @@
                   <a:schemeClr val="accent4"/>
                 </a:solidFill>
               </a:rPr>
-              <a:t>Lazy Mode - Improved(V2: not recommended)</a:t>
+              <a:t>Lazy </a:t>
+            </a:r>
+            <a:r>
+              <a:rPr lang="en-US" altLang="zh-CN" sz="1700" b="1" spc="50" dirty="0" smtClean="0">
+                <a:ln w="12700">
+                  <a:noFill/>
+                  <a:prstDash val="solid"/>
+                </a:ln>
+                <a:solidFill>
+                  <a:schemeClr val="accent4"/>
+                </a:solidFill>
+              </a:rPr>
+              <a:t>- </a:t>
+            </a:r>
+            <a:r>
+              <a:rPr lang="en-US" altLang="zh-CN" sz="1700" b="1" spc="50" dirty="0" smtClean="0">
+                <a:ln w="12700">
+                  <a:noFill/>
+                  <a:prstDash val="solid"/>
+                </a:ln>
+                <a:solidFill>
+                  <a:schemeClr val="accent4"/>
+                </a:solidFill>
+              </a:rPr>
+              <a:t>Improved(V2: not recommended)</a:t>
             </a:r>
             <a:endParaRPr lang="en-US" altLang="en-US" sz="1700" b="1" spc="50" dirty="0">
               <a:ln w="12700">
@@ -4476,7 +4524,7 @@
         </p:blipFill>
         <p:spPr bwMode="auto">
           <a:xfrm>
-            <a:off x="1109663" y="1628800"/>
+            <a:off x="1109663" y="1268760"/>
             <a:ext cx="6924675" cy="5572125"/>
           </a:xfrm>
           <a:prstGeom prst="rect">
@@ -6216,7 +6264,22 @@
                 <a:ea typeface="+mj-ea"/>
                 <a:cs typeface="+mj-cs"/>
               </a:rPr>
-              <a:t>PrintService - V1 (</a:t>
+              <a:t>Registry - PrintService V1 </a:t>
+            </a:r>
+            <a:r>
+              <a:rPr lang="en-US" altLang="zh-CN" sz="1700" b="1" spc="50" dirty="0" smtClean="0">
+                <a:ln w="12700">
+                  <a:noFill/>
+                  <a:prstDash val="solid"/>
+                </a:ln>
+                <a:solidFill>
+                  <a:schemeClr val="accent4"/>
+                </a:solidFill>
+                <a:latin typeface="+mj-lt"/>
+                <a:ea typeface="+mj-ea"/>
+                <a:cs typeface="+mj-cs"/>
+              </a:rPr>
+              <a:t>(</a:t>
             </a:r>
             <a:r>
               <a:rPr lang="en-US" altLang="zh-CN" sz="1700" spc="50" dirty="0" smtClean="0">
@@ -6433,6 +6496,18 @@
           <a:lstStyle/>
           <a:p>
             <a:r>
+              <a:rPr lang="en-US" altLang="zh-CN" sz="1700" b="1" spc="50" dirty="0">
+                <a:ln w="12700">
+                  <a:noFill/>
+                  <a:prstDash val="solid"/>
+                </a:ln>
+                <a:solidFill>
+                  <a:schemeClr val="accent4"/>
+                </a:solidFill>
+              </a:rPr>
+              <a:t>Registry - </a:t>
+            </a:r>
+            <a:r>
               <a:rPr lang="en-US" altLang="zh-CN" sz="1700" b="1" spc="50" dirty="0" smtClean="0">
                 <a:ln w="12700">
                   <a:noFill/>
@@ -6445,7 +6520,7 @@
                 <a:ea typeface="+mj-ea"/>
                 <a:cs typeface="+mj-cs"/>
               </a:rPr>
-              <a:t>PrintService - V1 </a:t>
+              <a:t>PrintService V1 </a:t>
             </a:r>
             <a:r>
               <a:rPr lang="en-US" altLang="zh-CN" sz="1700" b="1" spc="50" dirty="0" smtClean="0">
@@ -6986,7 +7061,7 @@
         <p:spPr>
           <a:xfrm>
             <a:off x="251520" y="980728"/>
-            <a:ext cx="7200800" cy="353943"/>
+            <a:ext cx="8263830" cy="353943"/>
           </a:xfrm>
           <a:prstGeom prst="rect">
             <a:avLst/>
@@ -7000,6 +7075,18 @@
           <a:lstStyle/>
           <a:p>
             <a:r>
+              <a:rPr lang="en-US" altLang="zh-CN" sz="1700" b="1" spc="50" dirty="0">
+                <a:ln w="12700">
+                  <a:noFill/>
+                  <a:prstDash val="solid"/>
+                </a:ln>
+                <a:solidFill>
+                  <a:schemeClr val="accent4"/>
+                </a:solidFill>
+              </a:rPr>
+              <a:t>Registry - </a:t>
+            </a:r>
+            <a:r>
               <a:rPr lang="en-US" altLang="zh-CN" sz="1700" b="1" spc="50" dirty="0" smtClean="0">
                 <a:ln w="12700">
                   <a:noFill/>
@@ -7012,7 +7099,7 @@
                 <a:ea typeface="+mj-ea"/>
                 <a:cs typeface="+mj-cs"/>
               </a:rPr>
-              <a:t>PrintService - V2 </a:t>
+              <a:t>PrintService V2 </a:t>
             </a:r>
             <a:r>
               <a:rPr lang="en-US" altLang="zh-CN" sz="1700" b="1" spc="50" dirty="0">
@@ -7233,7 +7320,7 @@
         <p:spPr>
           <a:xfrm>
             <a:off x="251520" y="980728"/>
-            <a:ext cx="7704856" cy="353943"/>
+            <a:ext cx="8136904" cy="353943"/>
           </a:xfrm>
           <a:prstGeom prst="rect">
             <a:avLst/>
@@ -7247,6 +7334,18 @@
           <a:lstStyle/>
           <a:p>
             <a:r>
+              <a:rPr lang="en-US" altLang="zh-CN" sz="1700" b="1" spc="50" dirty="0">
+                <a:ln w="12700">
+                  <a:noFill/>
+                  <a:prstDash val="solid"/>
+                </a:ln>
+                <a:solidFill>
+                  <a:schemeClr val="accent4"/>
+                </a:solidFill>
+              </a:rPr>
+              <a:t>Registry - </a:t>
+            </a:r>
+            <a:r>
               <a:rPr lang="en-US" altLang="zh-CN" sz="1700" b="1" spc="50" dirty="0" smtClean="0">
                 <a:ln w="12700">
                   <a:noFill/>
@@ -7259,7 +7358,19 @@
                 <a:ea typeface="+mj-ea"/>
                 <a:cs typeface="+mj-cs"/>
               </a:rPr>
-              <a:t>PrintService - V2</a:t>
+              <a:t>PrintService V2</a:t>
+            </a:r>
+            <a:r>
+              <a:rPr lang="en-US" altLang="zh-CN" sz="1700" b="1" spc="50" dirty="0" smtClean="0">
+                <a:ln w="12700">
+                  <a:noFill/>
+                  <a:prstDash val="solid"/>
+                </a:ln>
+                <a:solidFill>
+                  <a:schemeClr val="accent4"/>
+                </a:solidFill>
+              </a:rPr>
+              <a:t> </a:t>
             </a:r>
             <a:r>
               <a:rPr lang="en-US" altLang="zh-CN" sz="1700" b="1" spc="50" dirty="0">
@@ -7271,7 +7382,7 @@
                   <a:schemeClr val="accent4"/>
                 </a:solidFill>
               </a:rPr>
-              <a:t> (</a:t>
+              <a:t>(</a:t>
             </a:r>
             <a:r>
               <a:rPr lang="en-US" altLang="zh-CN" sz="1700" spc="50" dirty="0">
@@ -7633,6 +7744,18 @@
           <a:lstStyle/>
           <a:p>
             <a:r>
+              <a:rPr lang="en-US" altLang="zh-CN" sz="1700" b="1" spc="50" dirty="0">
+                <a:ln w="12700">
+                  <a:noFill/>
+                  <a:prstDash val="solid"/>
+                </a:ln>
+                <a:solidFill>
+                  <a:schemeClr val="accent4"/>
+                </a:solidFill>
+              </a:rPr>
+              <a:t>Registry - </a:t>
+            </a:r>
+            <a:r>
               <a:rPr lang="en-US" altLang="zh-CN" sz="1700" b="1" spc="50" dirty="0" smtClean="0">
                 <a:ln w="12700">
                   <a:noFill/>
@@ -7645,7 +7768,7 @@
                 <a:ea typeface="+mj-ea"/>
                 <a:cs typeface="+mj-cs"/>
               </a:rPr>
-              <a:t>PrintService - V3 </a:t>
+              <a:t>PrintService V3 </a:t>
             </a:r>
             <a:r>
               <a:rPr lang="en-US" altLang="zh-CN" sz="1700" b="1" spc="50" dirty="0" smtClean="0">
@@ -7865,6 +7988,18 @@
           <a:lstStyle/>
           <a:p>
             <a:r>
+              <a:rPr lang="en-US" altLang="zh-CN" sz="1700" b="1" spc="50" dirty="0">
+                <a:ln w="12700">
+                  <a:noFill/>
+                  <a:prstDash val="solid"/>
+                </a:ln>
+                <a:solidFill>
+                  <a:schemeClr val="accent4"/>
+                </a:solidFill>
+              </a:rPr>
+              <a:t>Registry - </a:t>
+            </a:r>
+            <a:r>
               <a:rPr lang="en-US" altLang="zh-CN" sz="1700" b="1" spc="50" dirty="0" smtClean="0">
                 <a:ln w="12700">
                   <a:noFill/>
@@ -7877,7 +8012,22 @@
                 <a:ea typeface="+mj-ea"/>
                 <a:cs typeface="+mj-cs"/>
               </a:rPr>
-              <a:t>PrintService - V3 (</a:t>
+              <a:t>PrintService V3 </a:t>
+            </a:r>
+            <a:r>
+              <a:rPr lang="en-US" altLang="zh-CN" sz="1700" b="1" spc="50" dirty="0" smtClean="0">
+                <a:ln w="12700">
+                  <a:noFill/>
+                  <a:prstDash val="solid"/>
+                </a:ln>
+                <a:solidFill>
+                  <a:schemeClr val="accent4"/>
+                </a:solidFill>
+                <a:latin typeface="+mj-lt"/>
+                <a:ea typeface="+mj-ea"/>
+                <a:cs typeface="+mj-cs"/>
+              </a:rPr>
+              <a:t>(</a:t>
             </a:r>
             <a:r>
               <a:rPr lang="en-US" altLang="zh-CN" sz="1700" spc="50" dirty="0" smtClean="0">
@@ -8598,14 +8748,8 @@
                 <a:latin typeface="+mn-ea"/>
                 <a:ea typeface="+mn-ea"/>
               </a:rPr>
-              <a:t>Eager Mode Singleton</a:t>
-            </a:r>
-          </a:p>
-          <a:p>
-            <a:pPr marL="342900" indent="-342900">
-              <a:buFont typeface="Arial" panose="020B0604020202020204" pitchFamily="34" charset="0"/>
-              <a:buChar char="•"/>
-            </a:pPr>
+              <a:t>Eager </a:t>
+            </a:r>
             <a:r>
               <a:rPr lang="en-US" altLang="zh-CN" sz="2400" dirty="0" smtClean="0">
                 <a:solidFill>
@@ -8615,63 +8759,7 @@
                 <a:latin typeface="+mn-ea"/>
                 <a:ea typeface="+mn-ea"/>
               </a:rPr>
-              <a:t>Lazy Mode Singleton</a:t>
-            </a:r>
-          </a:p>
-          <a:p>
-            <a:pPr marL="342900" indent="-342900">
-              <a:buFont typeface="Arial" panose="020B0604020202020204" pitchFamily="34" charset="0"/>
-              <a:buChar char="•"/>
-            </a:pPr>
-            <a:r>
-              <a:rPr lang="en-US" altLang="zh-CN" sz="2400" dirty="0" smtClean="0">
-                <a:solidFill>
-                  <a:srgbClr val="002060"/>
-                </a:solidFill>
-                <a:effectLst/>
-                <a:latin typeface="+mn-ea"/>
-                <a:ea typeface="+mn-ea"/>
-              </a:rPr>
-              <a:t>Thinking - Eager Mode &amp; Lazy Mode</a:t>
-            </a:r>
-          </a:p>
-          <a:p>
-            <a:pPr marL="342900" indent="-342900">
-              <a:buFont typeface="Arial" panose="020B0604020202020204" pitchFamily="34" charset="0"/>
-              <a:buChar char="•"/>
-            </a:pPr>
-            <a:r>
-              <a:rPr lang="en-US" altLang="zh-CN" sz="2400" dirty="0">
-                <a:solidFill>
-                  <a:srgbClr val="002060"/>
-                </a:solidFill>
-                <a:effectLst/>
-                <a:latin typeface="+mn-ea"/>
-                <a:ea typeface="+mn-ea"/>
-              </a:rPr>
-              <a:t>Registry Singleton </a:t>
-            </a:r>
-            <a:r>
-              <a:rPr lang="en-US" altLang="zh-CN" sz="2400">
-                <a:solidFill>
-                  <a:srgbClr val="002060"/>
-                </a:solidFill>
-                <a:effectLst/>
-                <a:latin typeface="+mn-ea"/>
-                <a:ea typeface="+mn-ea"/>
-              </a:rPr>
-              <a:t>- </a:t>
-            </a:r>
-            <a:r>
-              <a:rPr lang="en-US" altLang="zh-CN" sz="2400" smtClean="0">
-                <a:solidFill>
-                  <a:srgbClr val="002060"/>
-                </a:solidFill>
-                <a:effectLst/>
-                <a:latin typeface="+mn-ea"/>
-                <a:ea typeface="+mn-ea"/>
-              </a:rPr>
-              <a:t>Derivative</a:t>
+              <a:t>Singleton</a:t>
             </a:r>
             <a:endParaRPr lang="en-US" altLang="zh-CN" sz="2400" dirty="0" smtClean="0">
               <a:solidFill>
@@ -8681,6 +8769,106 @@
               <a:latin typeface="+mn-ea"/>
               <a:ea typeface="+mn-ea"/>
             </a:endParaRPr>
+          </a:p>
+          <a:p>
+            <a:pPr marL="342900" indent="-342900">
+              <a:buFont typeface="Arial" panose="020B0604020202020204" pitchFamily="34" charset="0"/>
+              <a:buChar char="•"/>
+            </a:pPr>
+            <a:r>
+              <a:rPr lang="en-US" altLang="zh-CN" sz="2400" dirty="0" smtClean="0">
+                <a:solidFill>
+                  <a:srgbClr val="002060"/>
+                </a:solidFill>
+                <a:effectLst/>
+                <a:latin typeface="+mn-ea"/>
+                <a:ea typeface="+mn-ea"/>
+              </a:rPr>
+              <a:t>Lazy </a:t>
+            </a:r>
+            <a:r>
+              <a:rPr lang="en-US" altLang="zh-CN" sz="2400" dirty="0" smtClean="0">
+                <a:solidFill>
+                  <a:srgbClr val="002060"/>
+                </a:solidFill>
+                <a:effectLst/>
+                <a:latin typeface="+mn-ea"/>
+                <a:ea typeface="+mn-ea"/>
+              </a:rPr>
+              <a:t>Singleton</a:t>
+            </a:r>
+            <a:endParaRPr lang="en-US" altLang="zh-CN" sz="2400" dirty="0" smtClean="0">
+              <a:solidFill>
+                <a:srgbClr val="002060"/>
+              </a:solidFill>
+              <a:effectLst/>
+              <a:latin typeface="+mn-ea"/>
+              <a:ea typeface="+mn-ea"/>
+            </a:endParaRPr>
+          </a:p>
+          <a:p>
+            <a:pPr marL="342900" indent="-342900">
+              <a:buFont typeface="Arial" panose="020B0604020202020204" pitchFamily="34" charset="0"/>
+              <a:buChar char="•"/>
+            </a:pPr>
+            <a:r>
+              <a:rPr lang="en-US" altLang="zh-CN" sz="2400" dirty="0" smtClean="0">
+                <a:solidFill>
+                  <a:srgbClr val="002060"/>
+                </a:solidFill>
+                <a:effectLst/>
+                <a:latin typeface="+mn-ea"/>
+                <a:ea typeface="+mn-ea"/>
+              </a:rPr>
+              <a:t>Thinking - Eager </a:t>
+            </a:r>
+            <a:r>
+              <a:rPr lang="en-US" altLang="zh-CN" sz="2400" dirty="0" smtClean="0">
+                <a:solidFill>
+                  <a:srgbClr val="002060"/>
+                </a:solidFill>
+                <a:effectLst/>
+                <a:latin typeface="+mn-ea"/>
+                <a:ea typeface="+mn-ea"/>
+              </a:rPr>
+              <a:t>&amp; Lazy</a:t>
+            </a:r>
+            <a:endParaRPr lang="en-US" altLang="zh-CN" sz="2400" dirty="0" smtClean="0">
+              <a:solidFill>
+                <a:srgbClr val="002060"/>
+              </a:solidFill>
+              <a:effectLst/>
+              <a:latin typeface="+mn-ea"/>
+              <a:ea typeface="+mn-ea"/>
+            </a:endParaRPr>
+          </a:p>
+          <a:p>
+            <a:pPr marL="342900" indent="-342900">
+              <a:buFont typeface="Arial" panose="020B0604020202020204" pitchFamily="34" charset="0"/>
+              <a:buChar char="•"/>
+            </a:pPr>
+            <a:r>
+              <a:rPr lang="en-US" altLang="zh-CN" sz="2400" dirty="0">
+                <a:solidFill>
+                  <a:srgbClr val="002060"/>
+                </a:solidFill>
+                <a:effectLst/>
+                <a:latin typeface="+mn-ea"/>
+                <a:ea typeface="+mn-ea"/>
+              </a:rPr>
+              <a:t>Registry Singleton - </a:t>
+            </a:r>
+            <a:r>
+              <a:rPr lang="en-US" altLang="zh-CN" sz="2400" dirty="0" smtClean="0">
+                <a:solidFill>
+                  <a:srgbClr val="002060"/>
+                </a:solidFill>
+                <a:effectLst/>
+                <a:latin typeface="+mn-ea"/>
+                <a:ea typeface="+mn-ea"/>
+              </a:rPr>
+              <a:t>Derivative</a:t>
+            </a:r>
           </a:p>
         </p:txBody>
       </p:sp>
@@ -8730,7 +8918,7 @@
         </p:nvSpPr>
         <p:spPr>
           <a:xfrm>
-            <a:off x="683568" y="1164282"/>
+            <a:off x="683568" y="1124744"/>
             <a:ext cx="7776864" cy="3992910"/>
           </a:xfrm>
           <a:prstGeom prst="rect">
@@ -9416,7 +9604,7 @@
         </p:nvSpPr>
         <p:spPr>
           <a:xfrm>
-            <a:off x="683568" y="1484784"/>
+            <a:off x="683568" y="1340768"/>
             <a:ext cx="7776864" cy="4608512"/>
           </a:xfrm>
           <a:prstGeom prst="rect">
@@ -12778,7 +12966,37 @@
                 <a:ea typeface="+mj-ea"/>
                 <a:cs typeface="+mj-cs"/>
               </a:rPr>
-              <a:t>Eager Mode - EagerPrintService</a:t>
+              <a:t>Eager </a:t>
+            </a:r>
+            <a:r>
+              <a:rPr lang="en-US" altLang="zh-CN" sz="1700" b="1" spc="50" dirty="0" smtClean="0">
+                <a:ln w="12700">
+                  <a:noFill/>
+                  <a:prstDash val="solid"/>
+                </a:ln>
+                <a:solidFill>
+                  <a:schemeClr val="accent4"/>
+                </a:solidFill>
+                <a:latin typeface="+mj-lt"/>
+                <a:ea typeface="+mj-ea"/>
+                <a:cs typeface="+mj-cs"/>
+              </a:rPr>
+              <a:t>- </a:t>
+            </a:r>
+            <a:r>
+              <a:rPr lang="en-US" altLang="zh-CN" sz="1700" b="1" spc="50" dirty="0" smtClean="0">
+                <a:ln w="12700">
+                  <a:noFill/>
+                  <a:prstDash val="solid"/>
+                </a:ln>
+                <a:solidFill>
+                  <a:schemeClr val="accent4"/>
+                </a:solidFill>
+                <a:latin typeface="+mj-lt"/>
+                <a:ea typeface="+mj-ea"/>
+                <a:cs typeface="+mj-cs"/>
+              </a:rPr>
+              <a:t>EagerPrintService</a:t>
             </a:r>
             <a:endParaRPr lang="en-US" altLang="en-US" sz="1700" b="1" spc="50" dirty="0">
               <a:ln w="12700">
@@ -13032,7 +13250,19 @@
                   <a:schemeClr val="accent4"/>
                 </a:solidFill>
               </a:rPr>
-              <a:t>Mode - Key Point</a:t>
+              <a:t>- </a:t>
+            </a:r>
+            <a:r>
+              <a:rPr lang="en-US" altLang="zh-CN" sz="1700" b="1" spc="50" dirty="0" smtClean="0">
+                <a:ln w="12700">
+                  <a:noFill/>
+                  <a:prstDash val="solid"/>
+                </a:ln>
+                <a:solidFill>
+                  <a:schemeClr val="accent4"/>
+                </a:solidFill>
+              </a:rPr>
+              <a:t>Key Point</a:t>
             </a:r>
             <a:endParaRPr lang="en-US" altLang="en-US" sz="1700" b="1" spc="50" dirty="0">
               <a:ln w="12700">
@@ -13228,7 +13458,31 @@
                   <a:schemeClr val="accent4"/>
                 </a:solidFill>
               </a:rPr>
-              <a:t>Lazy Mode - Key Point</a:t>
+              <a:t>Lazy </a:t>
+            </a:r>
+            <a:r>
+              <a:rPr lang="en-US" altLang="zh-CN" sz="1700" b="1" spc="50" dirty="0" smtClean="0">
+                <a:ln w="12700">
+                  <a:noFill/>
+                  <a:prstDash val="solid"/>
+                </a:ln>
+                <a:solidFill>
+                  <a:schemeClr val="accent4"/>
+                </a:solidFill>
+              </a:rPr>
+              <a:t>- </a:t>
+            </a:r>
+            <a:r>
+              <a:rPr lang="en-US" altLang="zh-CN" sz="1700" b="1" spc="50" dirty="0" smtClean="0">
+                <a:ln w="12700">
+                  <a:noFill/>
+                  <a:prstDash val="solid"/>
+                </a:ln>
+                <a:solidFill>
+                  <a:schemeClr val="accent4"/>
+                </a:solidFill>
+              </a:rPr>
+              <a:t>Key Point</a:t>
             </a:r>
             <a:endParaRPr lang="en-US" altLang="en-US" sz="1700" b="1" spc="50" dirty="0">
               <a:ln w="12700">

--- a/_Doc/DesignPattern.P3.Creational(Singleton).pptx
+++ b/_Doc/DesignPattern.P3.Creational(Singleton).pptx
@@ -215,7 +215,7 @@
           <a:p>
             <a:fld id="{E18479FA-1253-41AA-8ABD-DCCC0F2E9FAF}" type="datetimeFigureOut">
               <a:rPr lang="en-US" smtClean="0"/>
-              <a:t>4/21/2015</a:t>
+              <a:t>9/21/2015</a:t>
             </a:fld>
             <a:endParaRPr lang="en-US" dirty="0"/>
           </a:p>
@@ -1129,7 +1129,7 @@
           <a:p>
             <a:fld id="{530820CF-B880-4189-942D-D702A7CBA730}" type="datetimeFigureOut">
               <a:rPr lang="zh-CN" altLang="en-US" smtClean="0"/>
-              <a:t>2015/4/21</a:t>
+              <a:t>2015/9/21</a:t>
             </a:fld>
             <a:endParaRPr lang="zh-CN" altLang="en-US"/>
           </a:p>
@@ -1294,7 +1294,7 @@
           <a:p>
             <a:fld id="{530820CF-B880-4189-942D-D702A7CBA730}" type="datetimeFigureOut">
               <a:rPr lang="zh-CN" altLang="en-US" smtClean="0"/>
-              <a:t>2015/4/21</a:t>
+              <a:t>2015/9/21</a:t>
             </a:fld>
             <a:endParaRPr lang="zh-CN" altLang="en-US"/>
           </a:p>
@@ -1469,7 +1469,7 @@
           <a:p>
             <a:fld id="{530820CF-B880-4189-942D-D702A7CBA730}" type="datetimeFigureOut">
               <a:rPr lang="zh-CN" altLang="en-US" smtClean="0"/>
-              <a:t>2015/4/21</a:t>
+              <a:t>2015/9/21</a:t>
             </a:fld>
             <a:endParaRPr lang="zh-CN" altLang="en-US"/>
           </a:p>
@@ -1634,7 +1634,7 @@
           <a:p>
             <a:fld id="{530820CF-B880-4189-942D-D702A7CBA730}" type="datetimeFigureOut">
               <a:rPr lang="zh-CN" altLang="en-US" smtClean="0"/>
-              <a:t>2015/4/21</a:t>
+              <a:t>2015/9/21</a:t>
             </a:fld>
             <a:endParaRPr lang="zh-CN" altLang="en-US"/>
           </a:p>
@@ -1875,7 +1875,7 @@
           <a:p>
             <a:fld id="{530820CF-B880-4189-942D-D702A7CBA730}" type="datetimeFigureOut">
               <a:rPr lang="zh-CN" altLang="en-US" smtClean="0"/>
-              <a:t>2015/4/21</a:t>
+              <a:t>2015/9/21</a:t>
             </a:fld>
             <a:endParaRPr lang="zh-CN" altLang="en-US"/>
           </a:p>
@@ -2158,7 +2158,7 @@
           <a:p>
             <a:fld id="{530820CF-B880-4189-942D-D702A7CBA730}" type="datetimeFigureOut">
               <a:rPr lang="zh-CN" altLang="en-US" smtClean="0"/>
-              <a:t>2015/4/21</a:t>
+              <a:t>2015/9/21</a:t>
             </a:fld>
             <a:endParaRPr lang="zh-CN" altLang="en-US"/>
           </a:p>
@@ -2575,7 +2575,7 @@
           <a:p>
             <a:fld id="{530820CF-B880-4189-942D-D702A7CBA730}" type="datetimeFigureOut">
               <a:rPr lang="zh-CN" altLang="en-US" smtClean="0"/>
-              <a:t>2015/4/21</a:t>
+              <a:t>2015/9/21</a:t>
             </a:fld>
             <a:endParaRPr lang="zh-CN" altLang="en-US"/>
           </a:p>
@@ -2688,7 +2688,7 @@
           <a:p>
             <a:fld id="{530820CF-B880-4189-942D-D702A7CBA730}" type="datetimeFigureOut">
               <a:rPr lang="zh-CN" altLang="en-US" smtClean="0"/>
-              <a:t>2015/4/21</a:t>
+              <a:t>2015/9/21</a:t>
             </a:fld>
             <a:endParaRPr lang="zh-CN" altLang="en-US"/>
           </a:p>
@@ -2778,7 +2778,7 @@
           <a:p>
             <a:fld id="{530820CF-B880-4189-942D-D702A7CBA730}" type="datetimeFigureOut">
               <a:rPr lang="zh-CN" altLang="en-US" smtClean="0"/>
-              <a:t>2015/4/21</a:t>
+              <a:t>2015/9/21</a:t>
             </a:fld>
             <a:endParaRPr lang="zh-CN" altLang="en-US"/>
           </a:p>
@@ -3050,7 +3050,7 @@
           <a:p>
             <a:fld id="{530820CF-B880-4189-942D-D702A7CBA730}" type="datetimeFigureOut">
               <a:rPr lang="zh-CN" altLang="en-US" smtClean="0"/>
-              <a:t>2015/4/21</a:t>
+              <a:t>2015/9/21</a:t>
             </a:fld>
             <a:endParaRPr lang="zh-CN" altLang="en-US"/>
           </a:p>
@@ -3298,7 +3298,7 @@
           <a:p>
             <a:fld id="{530820CF-B880-4189-942D-D702A7CBA730}" type="datetimeFigureOut">
               <a:rPr lang="zh-CN" altLang="en-US" smtClean="0"/>
-              <a:t>2015/4/21</a:t>
+              <a:t>2015/9/21</a:t>
             </a:fld>
             <a:endParaRPr lang="zh-CN" altLang="en-US"/>
           </a:p>
@@ -3506,7 +3506,7 @@
           <a:p>
             <a:fld id="{530820CF-B880-4189-942D-D702A7CBA730}" type="datetimeFigureOut">
               <a:rPr lang="zh-CN" altLang="en-US" smtClean="0"/>
-              <a:t>2015/4/21</a:t>
+              <a:t>2015/9/21</a:t>
             </a:fld>
             <a:endParaRPr lang="zh-CN" altLang="en-US"/>
           </a:p>
@@ -4240,31 +4240,7 @@
                   <a:schemeClr val="accent4"/>
                 </a:solidFill>
               </a:rPr>
-              <a:t>Lazy </a:t>
-            </a:r>
-            <a:r>
-              <a:rPr lang="en-US" altLang="zh-CN" sz="1700" b="1" spc="50" dirty="0" smtClean="0">
-                <a:ln w="12700">
-                  <a:noFill/>
-                  <a:prstDash val="solid"/>
-                </a:ln>
-                <a:solidFill>
-                  <a:schemeClr val="accent4"/>
-                </a:solidFill>
-              </a:rPr>
-              <a:t>- </a:t>
-            </a:r>
-            <a:r>
-              <a:rPr lang="en-US" altLang="zh-CN" sz="1700" b="1" spc="50" dirty="0" smtClean="0">
-                <a:ln w="12700">
-                  <a:noFill/>
-                  <a:prstDash val="solid"/>
-                </a:ln>
-                <a:solidFill>
-                  <a:schemeClr val="accent4"/>
-                </a:solidFill>
-              </a:rPr>
-              <a:t>Improved(V1: performance?)</a:t>
+              <a:t>Lazy - Improved(V1: performance?)</a:t>
             </a:r>
             <a:endParaRPr lang="en-US" altLang="en-US" sz="1700" b="1" spc="50" dirty="0">
               <a:ln w="12700">
@@ -4460,31 +4436,7 @@
                   <a:schemeClr val="accent4"/>
                 </a:solidFill>
               </a:rPr>
-              <a:t>Lazy </a:t>
-            </a:r>
-            <a:r>
-              <a:rPr lang="en-US" altLang="zh-CN" sz="1700" b="1" spc="50" dirty="0" smtClean="0">
-                <a:ln w="12700">
-                  <a:noFill/>
-                  <a:prstDash val="solid"/>
-                </a:ln>
-                <a:solidFill>
-                  <a:schemeClr val="accent4"/>
-                </a:solidFill>
-              </a:rPr>
-              <a:t>- </a:t>
-            </a:r>
-            <a:r>
-              <a:rPr lang="en-US" altLang="zh-CN" sz="1700" b="1" spc="50" dirty="0" smtClean="0">
-                <a:ln w="12700">
-                  <a:noFill/>
-                  <a:prstDash val="solid"/>
-                </a:ln>
-                <a:solidFill>
-                  <a:schemeClr val="accent4"/>
-                </a:solidFill>
-              </a:rPr>
-              <a:t>Improved(V2: not recommended)</a:t>
+              <a:t>Lazy - Improved(V2: not recommended)</a:t>
             </a:r>
             <a:endParaRPr lang="en-US" altLang="en-US" sz="1700" b="1" spc="50" dirty="0">
               <a:ln w="12700">
@@ -4641,7 +4593,7 @@
           </a:lstStyle>
           <a:p>
             <a:r>
-              <a:rPr lang="en-US" altLang="zh-CN" dirty="0"/>
+              <a:rPr lang="en-US" altLang="zh-CN" dirty="0" smtClean="0"/>
               <a:t>Thinking</a:t>
             </a:r>
             <a:endParaRPr lang="zh-CN" altLang="en-US" dirty="0"/>
@@ -4665,7 +4617,7 @@
         </p:spPr>
         <p:txBody>
           <a:bodyPr vert="horz" rtlCol="0" anchor="ctr">
-            <a:normAutofit fontScale="92500" lnSpcReduction="20000"/>
+            <a:normAutofit fontScale="92500" lnSpcReduction="10000"/>
             <a:scene3d>
               <a:camera prst="orthographicFront"/>
               <a:lightRig rig="soft" dir="t"/>
@@ -4677,7 +4629,7 @@
           <a:lstStyle/>
           <a:p>
             <a:r>
-              <a:rPr lang="en-US" altLang="zh-CN" sz="2000" b="1" i="1" spc="50" dirty="0">
+              <a:rPr lang="en-US" altLang="zh-CN" sz="2000" b="1" i="1" spc="50" dirty="0" smtClean="0">
                 <a:ln w="12700">
                   <a:noFill/>
                   <a:prstDash val="solid"/>
@@ -4686,7 +4638,7 @@
                   <a:srgbClr val="00B050"/>
                 </a:solidFill>
               </a:rPr>
-              <a:t>Is Eager Mode really </a:t>
+              <a:t>“</a:t>
             </a:r>
             <a:r>
               <a:rPr lang="en-US" altLang="zh-CN" sz="2000" b="1" i="1" spc="50" dirty="0" smtClean="0">
@@ -4698,7 +4650,31 @@
                   <a:srgbClr val="00B050"/>
                 </a:solidFill>
               </a:rPr>
-              <a:t>“eager”?</a:t>
+              <a:t>E</a:t>
+            </a:r>
+            <a:r>
+              <a:rPr lang="en-US" altLang="zh-CN" sz="2000" b="1" i="1" spc="50" dirty="0" smtClean="0">
+                <a:ln w="12700">
+                  <a:noFill/>
+                  <a:prstDash val="solid"/>
+                </a:ln>
+                <a:solidFill>
+                  <a:srgbClr val="00B050"/>
+                </a:solidFill>
+              </a:rPr>
+              <a:t>ager” &amp; “Lazy” </a:t>
+            </a:r>
+            <a:r>
+              <a:rPr lang="en-US" altLang="zh-CN" sz="2000" b="1" i="1" spc="50" dirty="0" smtClean="0">
+                <a:ln w="12700">
+                  <a:noFill/>
+                  <a:prstDash val="solid"/>
+                </a:ln>
+                <a:solidFill>
+                  <a:srgbClr val="00B050"/>
+                </a:solidFill>
+              </a:rPr>
+              <a:t>by C#</a:t>
             </a:r>
             <a:endParaRPr lang="en-US" sz="2000" b="1" i="1" spc="50" dirty="0">
               <a:ln w="12700">
@@ -4753,8 +4729,781 @@
                 <a:ea typeface="+mj-ea"/>
                 <a:cs typeface="+mj-cs"/>
               </a:rPr>
-              <a:t>- .Net Static Member</a:t>
-            </a:r>
+              <a:t>- </a:t>
+            </a:r>
+            <a:r>
+              <a:rPr lang="en-US" altLang="zh-CN" sz="1600" b="1" spc="50" dirty="0" smtClean="0">
+                <a:ln w="12700">
+                  <a:noFill/>
+                  <a:prstDash val="solid"/>
+                </a:ln>
+                <a:solidFill>
+                  <a:schemeClr val="accent4"/>
+                </a:solidFill>
+                <a:latin typeface="+mj-lt"/>
+                <a:ea typeface="+mj-ea"/>
+                <a:cs typeface="+mj-cs"/>
+              </a:rPr>
+              <a:t>Eager</a:t>
+            </a:r>
+            <a:r>
+              <a:rPr lang="zh-CN" altLang="en-US" sz="1600" b="1" spc="50" dirty="0" smtClean="0">
+                <a:ln w="12700">
+                  <a:noFill/>
+                  <a:prstDash val="solid"/>
+                </a:ln>
+                <a:solidFill>
+                  <a:schemeClr val="accent4"/>
+                </a:solidFill>
+                <a:latin typeface="+mj-lt"/>
+                <a:ea typeface="+mj-ea"/>
+                <a:cs typeface="+mj-cs"/>
+              </a:rPr>
+              <a:t>模式是否真的如此迫不及待？</a:t>
+            </a:r>
+            <a:r>
+              <a:rPr lang="en-US" altLang="zh-CN" sz="1600" b="1" spc="50" dirty="0" smtClean="0">
+                <a:ln w="12700">
+                  <a:noFill/>
+                  <a:prstDash val="solid"/>
+                </a:ln>
+                <a:solidFill>
+                  <a:schemeClr val="accent4"/>
+                </a:solidFill>
+                <a:latin typeface="+mj-lt"/>
+                <a:ea typeface="+mj-ea"/>
+                <a:cs typeface="+mj-cs"/>
+              </a:rPr>
+              <a:t/>
+            </a:r>
+            <a:br>
+              <a:rPr lang="en-US" altLang="zh-CN" sz="1600" b="1" spc="50" dirty="0" smtClean="0">
+                <a:ln w="12700">
+                  <a:noFill/>
+                  <a:prstDash val="solid"/>
+                </a:ln>
+                <a:solidFill>
+                  <a:schemeClr val="accent4"/>
+                </a:solidFill>
+                <a:latin typeface="+mj-lt"/>
+                <a:ea typeface="+mj-ea"/>
+                <a:cs typeface="+mj-cs"/>
+              </a:rPr>
+            </a:br>
+            <a:endParaRPr lang="en-US" altLang="zh-CN" sz="1600" b="1" spc="50" dirty="0" smtClean="0">
+              <a:ln w="12700">
+                <a:noFill/>
+                <a:prstDash val="solid"/>
+              </a:ln>
+              <a:solidFill>
+                <a:schemeClr val="accent4"/>
+              </a:solidFill>
+              <a:latin typeface="+mj-lt"/>
+              <a:ea typeface="+mj-ea"/>
+              <a:cs typeface="+mj-cs"/>
+            </a:endParaRPr>
+          </a:p>
+          <a:p>
+            <a:r>
+              <a:rPr lang="en-US" altLang="zh-CN" sz="1600" b="1" spc="50" dirty="0">
+                <a:ln w="12700">
+                  <a:noFill/>
+                  <a:prstDash val="solid"/>
+                </a:ln>
+                <a:solidFill>
+                  <a:schemeClr val="accent4"/>
+                </a:solidFill>
+                <a:latin typeface="+mj-lt"/>
+                <a:ea typeface="+mj-ea"/>
+                <a:cs typeface="+mj-cs"/>
+              </a:rPr>
+              <a:t>	</a:t>
+            </a:r>
+            <a:r>
+              <a:rPr lang="en-US" altLang="zh-CN" sz="1600" b="1" spc="50" dirty="0" smtClean="0">
+                <a:ln w="12700">
+                  <a:noFill/>
+                  <a:prstDash val="solid"/>
+                </a:ln>
+                <a:solidFill>
+                  <a:schemeClr val="accent4"/>
+                </a:solidFill>
+                <a:latin typeface="+mj-lt"/>
+                <a:ea typeface="+mj-ea"/>
+                <a:cs typeface="+mj-cs"/>
+              </a:rPr>
+              <a:t>- </a:t>
+            </a:r>
+            <a:r>
+              <a:rPr lang="en-US" altLang="zh-CN" sz="1600" b="1" spc="50" dirty="0" smtClean="0">
+                <a:ln w="12700">
+                  <a:noFill/>
+                  <a:prstDash val="solid"/>
+                </a:ln>
+                <a:solidFill>
+                  <a:schemeClr val="accent4"/>
+                </a:solidFill>
+                <a:latin typeface="+mj-lt"/>
+                <a:ea typeface="+mj-ea"/>
+                <a:cs typeface="+mj-cs"/>
+              </a:rPr>
+              <a:t>C# static member</a:t>
+            </a:r>
+          </a:p>
+          <a:p>
+            <a:r>
+              <a:rPr lang="en-US" altLang="zh-CN" sz="1600" b="1" spc="50" dirty="0">
+                <a:ln w="12700">
+                  <a:noFill/>
+                  <a:prstDash val="solid"/>
+                </a:ln>
+                <a:solidFill>
+                  <a:schemeClr val="accent4"/>
+                </a:solidFill>
+                <a:latin typeface="+mj-lt"/>
+                <a:ea typeface="+mj-ea"/>
+                <a:cs typeface="+mj-cs"/>
+              </a:rPr>
+              <a:t>	 </a:t>
+            </a:r>
+            <a:r>
+              <a:rPr lang="en-US" altLang="zh-CN" sz="1600" b="1" spc="50" dirty="0" smtClean="0">
+                <a:ln w="12700">
+                  <a:noFill/>
+                  <a:prstDash val="solid"/>
+                </a:ln>
+                <a:solidFill>
+                  <a:schemeClr val="accent4"/>
+                </a:solidFill>
+                <a:latin typeface="+mj-lt"/>
+                <a:ea typeface="+mj-ea"/>
+                <a:cs typeface="+mj-cs"/>
+              </a:rPr>
+              <a:t>        a. </a:t>
+            </a:r>
+            <a:r>
+              <a:rPr lang="zh-CN" altLang="en-US" sz="1600" b="1" spc="50" dirty="0" smtClean="0">
+                <a:ln w="12700">
+                  <a:noFill/>
+                  <a:prstDash val="solid"/>
+                </a:ln>
+                <a:solidFill>
+                  <a:schemeClr val="accent4"/>
+                </a:solidFill>
+                <a:latin typeface="+mj-lt"/>
+                <a:ea typeface="+mj-ea"/>
+                <a:cs typeface="+mj-cs"/>
+              </a:rPr>
+              <a:t>编译器动作</a:t>
+            </a:r>
+            <a:endParaRPr lang="en-US" altLang="zh-CN" sz="1600" b="1" spc="50" dirty="0" smtClean="0">
+              <a:ln w="12700">
+                <a:noFill/>
+                <a:prstDash val="solid"/>
+              </a:ln>
+              <a:solidFill>
+                <a:schemeClr val="accent4"/>
+              </a:solidFill>
+              <a:latin typeface="+mj-lt"/>
+              <a:ea typeface="+mj-ea"/>
+              <a:cs typeface="+mj-cs"/>
+            </a:endParaRPr>
+          </a:p>
+          <a:p>
+            <a:r>
+              <a:rPr lang="en-US" altLang="zh-CN" sz="1600" b="1" spc="50" dirty="0">
+                <a:ln w="12700">
+                  <a:noFill/>
+                  <a:prstDash val="solid"/>
+                </a:ln>
+                <a:solidFill>
+                  <a:schemeClr val="accent4"/>
+                </a:solidFill>
+                <a:latin typeface="+mj-lt"/>
+                <a:ea typeface="+mj-ea"/>
+                <a:cs typeface="+mj-cs"/>
+              </a:rPr>
+              <a:t>	</a:t>
+            </a:r>
+            <a:r>
+              <a:rPr lang="en-US" altLang="zh-CN" sz="1600" b="1" spc="50" dirty="0" smtClean="0">
+                <a:ln w="12700">
+                  <a:noFill/>
+                  <a:prstDash val="solid"/>
+                </a:ln>
+                <a:solidFill>
+                  <a:schemeClr val="accent4"/>
+                </a:solidFill>
+                <a:latin typeface="+mj-lt"/>
+                <a:ea typeface="+mj-ea"/>
+                <a:cs typeface="+mj-cs"/>
+              </a:rPr>
+              <a:t>         b. </a:t>
+            </a:r>
+            <a:r>
+              <a:rPr lang="zh-CN" altLang="en-US" sz="1600" b="1" spc="50" dirty="0" smtClean="0">
+                <a:ln w="12700">
+                  <a:noFill/>
+                  <a:prstDash val="solid"/>
+                </a:ln>
+                <a:solidFill>
+                  <a:schemeClr val="accent4"/>
+                </a:solidFill>
+                <a:latin typeface="+mj-lt"/>
+                <a:ea typeface="+mj-ea"/>
+                <a:cs typeface="+mj-cs"/>
+              </a:rPr>
+              <a:t>等同于</a:t>
+            </a:r>
+            <a:r>
+              <a:rPr lang="zh-CN" altLang="en-US" sz="1600" b="1" spc="50" dirty="0" smtClean="0">
+                <a:ln w="12700">
+                  <a:noFill/>
+                  <a:prstDash val="solid"/>
+                </a:ln>
+                <a:solidFill>
+                  <a:schemeClr val="accent4"/>
+                </a:solidFill>
+                <a:latin typeface="+mj-lt"/>
+                <a:ea typeface="+mj-ea"/>
+                <a:cs typeface="+mj-cs"/>
+              </a:rPr>
+              <a:t>把</a:t>
+            </a:r>
+            <a:r>
+              <a:rPr lang="en-US" altLang="zh-CN" sz="1200" i="1" spc="50" dirty="0">
+                <a:ln w="12700">
+                  <a:noFill/>
+                  <a:prstDash val="solid"/>
+                </a:ln>
+                <a:solidFill>
+                  <a:srgbClr val="0070C0"/>
+                </a:solidFill>
+                <a:latin typeface="Consolas" panose="020B0609020204030204" pitchFamily="49" charset="0"/>
+                <a:ea typeface="+mj-ea"/>
+                <a:cs typeface="Consolas" panose="020B0609020204030204" pitchFamily="49" charset="0"/>
+              </a:rPr>
+              <a:t>new </a:t>
+            </a:r>
+            <a:r>
+              <a:rPr lang="en-US" altLang="zh-CN" sz="1200" i="1" spc="50" dirty="0">
+                <a:ln w="12700">
+                  <a:noFill/>
+                  <a:prstDash val="solid"/>
+                </a:ln>
+                <a:solidFill>
+                  <a:srgbClr val="00B0F0"/>
+                </a:solidFill>
+                <a:latin typeface="Consolas" panose="020B0609020204030204" pitchFamily="49" charset="0"/>
+                <a:ea typeface="+mj-ea"/>
+                <a:cs typeface="Consolas" panose="020B0609020204030204" pitchFamily="49" charset="0"/>
+              </a:rPr>
+              <a:t>SingletonClass</a:t>
+            </a:r>
+            <a:r>
+              <a:rPr lang="en-US" altLang="zh-CN" sz="1200" i="1" spc="50" dirty="0">
+                <a:ln w="12700">
+                  <a:noFill/>
+                  <a:prstDash val="solid"/>
+                </a:ln>
+                <a:solidFill>
+                  <a:srgbClr val="0070C0"/>
+                </a:solidFill>
+                <a:latin typeface="Consolas" panose="020B0609020204030204" pitchFamily="49" charset="0"/>
+                <a:ea typeface="+mj-ea"/>
+                <a:cs typeface="Consolas" panose="020B0609020204030204" pitchFamily="49" charset="0"/>
+              </a:rPr>
+              <a:t>()</a:t>
+            </a:r>
+            <a:r>
+              <a:rPr lang="zh-CN" altLang="en-US" sz="1600" b="1" spc="50" dirty="0" smtClean="0">
+                <a:ln w="12700">
+                  <a:noFill/>
+                  <a:prstDash val="solid"/>
+                </a:ln>
+                <a:solidFill>
+                  <a:schemeClr val="accent4"/>
+                </a:solidFill>
+                <a:latin typeface="+mj-lt"/>
+                <a:ea typeface="+mj-ea"/>
+                <a:cs typeface="+mj-cs"/>
+              </a:rPr>
+              <a:t>放入</a:t>
+            </a:r>
+            <a:r>
+              <a:rPr lang="en-US" altLang="zh-CN" sz="1600" b="1" spc="50" dirty="0" smtClean="0">
+                <a:ln w="12700">
+                  <a:noFill/>
+                  <a:prstDash val="solid"/>
+                </a:ln>
+                <a:solidFill>
+                  <a:schemeClr val="accent4"/>
+                </a:solidFill>
+                <a:latin typeface="+mj-lt"/>
+                <a:ea typeface="+mj-ea"/>
+                <a:cs typeface="+mj-cs"/>
+              </a:rPr>
+              <a:t>static constructor</a:t>
+            </a:r>
+            <a:br>
+              <a:rPr lang="en-US" altLang="zh-CN" sz="1600" b="1" spc="50" dirty="0" smtClean="0">
+                <a:ln w="12700">
+                  <a:noFill/>
+                  <a:prstDash val="solid"/>
+                </a:ln>
+                <a:solidFill>
+                  <a:schemeClr val="accent4"/>
+                </a:solidFill>
+                <a:latin typeface="+mj-lt"/>
+                <a:ea typeface="+mj-ea"/>
+                <a:cs typeface="+mj-cs"/>
+              </a:rPr>
+            </a:br>
+            <a:endParaRPr lang="en-US" altLang="zh-CN" sz="1600" b="1" spc="50" dirty="0" smtClean="0">
+              <a:ln w="12700">
+                <a:noFill/>
+                <a:prstDash val="solid"/>
+              </a:ln>
+              <a:solidFill>
+                <a:schemeClr val="accent4"/>
+              </a:solidFill>
+              <a:latin typeface="+mj-lt"/>
+              <a:ea typeface="+mj-ea"/>
+              <a:cs typeface="+mj-cs"/>
+            </a:endParaRPr>
+          </a:p>
+          <a:p>
+            <a:r>
+              <a:rPr lang="en-US" altLang="zh-CN" sz="1600" b="1" spc="50" dirty="0">
+                <a:ln w="12700">
+                  <a:noFill/>
+                  <a:prstDash val="solid"/>
+                </a:ln>
+                <a:solidFill>
+                  <a:schemeClr val="accent4"/>
+                </a:solidFill>
+                <a:latin typeface="+mj-lt"/>
+                <a:ea typeface="+mj-ea"/>
+                <a:cs typeface="+mj-cs"/>
+              </a:rPr>
+              <a:t>	</a:t>
+            </a:r>
+            <a:r>
+              <a:rPr lang="en-US" altLang="zh-CN" sz="1600" b="1" spc="50" dirty="0" smtClean="0">
+                <a:ln w="12700">
+                  <a:noFill/>
+                  <a:prstDash val="solid"/>
+                </a:ln>
+                <a:solidFill>
+                  <a:schemeClr val="accent4"/>
+                </a:solidFill>
+                <a:latin typeface="+mj-lt"/>
+                <a:ea typeface="+mj-ea"/>
+                <a:cs typeface="+mj-cs"/>
+              </a:rPr>
+              <a:t>- C# static constructor</a:t>
+            </a:r>
+          </a:p>
+          <a:p>
+            <a:r>
+              <a:rPr lang="en-US" altLang="zh-CN" sz="1600" b="1" spc="50" dirty="0">
+                <a:ln w="12700">
+                  <a:noFill/>
+                  <a:prstDash val="solid"/>
+                </a:ln>
+                <a:solidFill>
+                  <a:schemeClr val="accent4"/>
+                </a:solidFill>
+                <a:latin typeface="+mj-lt"/>
+                <a:ea typeface="+mj-ea"/>
+                <a:cs typeface="+mj-cs"/>
+              </a:rPr>
+              <a:t>	</a:t>
+            </a:r>
+            <a:r>
+              <a:rPr lang="en-US" altLang="zh-CN" sz="1600" b="1" spc="50" dirty="0" smtClean="0">
+                <a:ln w="12700">
+                  <a:noFill/>
+                  <a:prstDash val="solid"/>
+                </a:ln>
+                <a:solidFill>
+                  <a:schemeClr val="accent4"/>
+                </a:solidFill>
+                <a:latin typeface="+mj-lt"/>
+                <a:ea typeface="+mj-ea"/>
+                <a:cs typeface="+mj-cs"/>
+              </a:rPr>
+              <a:t>          </a:t>
+            </a:r>
+            <a:r>
+              <a:rPr lang="en-US" altLang="zh-CN" sz="1600" b="1" spc="50" dirty="0" smtClean="0">
+                <a:ln w="12700">
+                  <a:noFill/>
+                  <a:prstDash val="solid"/>
+                </a:ln>
+                <a:solidFill>
+                  <a:schemeClr val="accent4"/>
+                </a:solidFill>
+                <a:latin typeface="+mj-lt"/>
+                <a:ea typeface="+mj-ea"/>
+                <a:cs typeface="+mj-cs"/>
+              </a:rPr>
+              <a:t>a. </a:t>
+            </a:r>
+            <a:r>
+              <a:rPr lang="zh-CN" altLang="en-US" sz="1600" b="1" spc="50" dirty="0" smtClean="0">
+                <a:ln w="12700">
+                  <a:noFill/>
+                  <a:prstDash val="solid"/>
+                </a:ln>
+                <a:solidFill>
+                  <a:schemeClr val="accent4"/>
+                </a:solidFill>
+                <a:latin typeface="+mj-lt"/>
+                <a:ea typeface="+mj-ea"/>
+                <a:cs typeface="+mj-cs"/>
+              </a:rPr>
+              <a:t>执行时机</a:t>
+            </a:r>
+            <a:endParaRPr lang="en-US" altLang="zh-CN" sz="1600" b="1" spc="50" dirty="0" smtClean="0">
+              <a:ln w="12700">
+                <a:noFill/>
+                <a:prstDash val="solid"/>
+              </a:ln>
+              <a:solidFill>
+                <a:schemeClr val="accent4"/>
+              </a:solidFill>
+              <a:latin typeface="+mj-lt"/>
+              <a:ea typeface="+mj-ea"/>
+              <a:cs typeface="+mj-cs"/>
+            </a:endParaRPr>
+          </a:p>
+          <a:p>
+            <a:r>
+              <a:rPr lang="en-US" altLang="zh-CN" sz="1600" b="1" spc="50" dirty="0">
+                <a:ln w="12700">
+                  <a:noFill/>
+                  <a:prstDash val="solid"/>
+                </a:ln>
+                <a:solidFill>
+                  <a:schemeClr val="accent4"/>
+                </a:solidFill>
+                <a:latin typeface="+mj-lt"/>
+                <a:ea typeface="+mj-ea"/>
+                <a:cs typeface="+mj-cs"/>
+              </a:rPr>
+              <a:t>	</a:t>
+            </a:r>
+            <a:r>
+              <a:rPr lang="en-US" altLang="zh-CN" sz="1600" b="1" spc="50" dirty="0">
+                <a:ln w="12700">
+                  <a:noFill/>
+                  <a:prstDash val="solid"/>
+                </a:ln>
+                <a:solidFill>
+                  <a:schemeClr val="accent4"/>
+                </a:solidFill>
+                <a:latin typeface="+mj-lt"/>
+                <a:ea typeface="+mj-ea"/>
+                <a:cs typeface="+mj-cs"/>
+              </a:rPr>
+              <a:t> </a:t>
+            </a:r>
+            <a:r>
+              <a:rPr lang="en-US" altLang="zh-CN" sz="1600" b="1" spc="50" dirty="0" smtClean="0">
+                <a:ln w="12700">
+                  <a:noFill/>
+                  <a:prstDash val="solid"/>
+                </a:ln>
+                <a:solidFill>
+                  <a:schemeClr val="accent4"/>
+                </a:solidFill>
+                <a:latin typeface="+mj-lt"/>
+                <a:ea typeface="+mj-ea"/>
+                <a:cs typeface="+mj-cs"/>
+              </a:rPr>
+              <a:t>         </a:t>
+            </a:r>
+            <a:r>
+              <a:rPr lang="en-US" altLang="zh-CN" sz="1600" b="1" spc="50" dirty="0" smtClean="0">
+                <a:ln w="12700">
+                  <a:noFill/>
+                  <a:prstDash val="solid"/>
+                </a:ln>
+                <a:solidFill>
+                  <a:schemeClr val="accent4"/>
+                </a:solidFill>
+                <a:latin typeface="+mj-lt"/>
+                <a:ea typeface="+mj-ea"/>
+                <a:cs typeface="+mj-cs"/>
+              </a:rPr>
+              <a:t>b. </a:t>
+            </a:r>
+            <a:r>
+              <a:rPr lang="zh-CN" altLang="en-US" sz="1600" b="1" spc="50" dirty="0" smtClean="0">
+                <a:ln w="12700">
+                  <a:noFill/>
+                  <a:prstDash val="solid"/>
+                </a:ln>
+                <a:solidFill>
+                  <a:schemeClr val="accent4"/>
+                </a:solidFill>
+                <a:latin typeface="+mj-lt"/>
+                <a:ea typeface="+mj-ea"/>
+                <a:cs typeface="+mj-cs"/>
+              </a:rPr>
+              <a:t>情形</a:t>
+            </a:r>
+            <a:endParaRPr lang="en-US" altLang="zh-CN" sz="1600" b="1" spc="50" dirty="0" smtClean="0">
+              <a:ln w="12700">
+                <a:noFill/>
+                <a:prstDash val="solid"/>
+              </a:ln>
+              <a:solidFill>
+                <a:schemeClr val="accent4"/>
+              </a:solidFill>
+              <a:latin typeface="+mj-lt"/>
+              <a:ea typeface="+mj-ea"/>
+              <a:cs typeface="+mj-cs"/>
+            </a:endParaRPr>
+          </a:p>
+          <a:p>
+            <a:r>
+              <a:rPr lang="en-US" altLang="zh-CN" sz="1600" b="1" spc="50" dirty="0">
+                <a:ln w="12700">
+                  <a:noFill/>
+                  <a:prstDash val="solid"/>
+                </a:ln>
+                <a:solidFill>
+                  <a:schemeClr val="accent4"/>
+                </a:solidFill>
+                <a:latin typeface="+mj-lt"/>
+                <a:ea typeface="+mj-ea"/>
+                <a:cs typeface="+mj-cs"/>
+              </a:rPr>
+              <a:t>	 </a:t>
+            </a:r>
+            <a:r>
+              <a:rPr lang="en-US" altLang="zh-CN" sz="1600" b="1" spc="50" dirty="0" smtClean="0">
+                <a:ln w="12700">
+                  <a:noFill/>
+                  <a:prstDash val="solid"/>
+                </a:ln>
+                <a:solidFill>
+                  <a:schemeClr val="accent4"/>
+                </a:solidFill>
+                <a:latin typeface="+mj-lt"/>
+                <a:ea typeface="+mj-ea"/>
+                <a:cs typeface="+mj-cs"/>
+              </a:rPr>
+              <a:t>                  </a:t>
+            </a:r>
+            <a:r>
+              <a:rPr lang="zh-CN" altLang="en-US" sz="1600" b="1" spc="50" dirty="0" smtClean="0">
+                <a:ln w="12700">
+                  <a:noFill/>
+                  <a:prstDash val="solid"/>
+                </a:ln>
+                <a:solidFill>
+                  <a:schemeClr val="accent4"/>
+                </a:solidFill>
+                <a:latin typeface="+mj-lt"/>
+                <a:ea typeface="+mj-ea"/>
+                <a:cs typeface="+mj-cs"/>
+              </a:rPr>
+              <a:t>类型语法 </a:t>
+            </a:r>
+            <a:r>
+              <a:rPr lang="en-US" altLang="zh-CN" sz="1600" b="1" spc="50" dirty="0" smtClean="0">
+                <a:ln w="12700">
+                  <a:noFill/>
+                  <a:prstDash val="solid"/>
+                </a:ln>
+                <a:solidFill>
+                  <a:schemeClr val="accent4"/>
+                </a:solidFill>
+                <a:latin typeface="+mj-lt"/>
+                <a:ea typeface="+mj-ea"/>
+                <a:cs typeface="+mj-cs"/>
+              </a:rPr>
+              <a:t>		</a:t>
+            </a:r>
+            <a:r>
+              <a:rPr lang="en-US" altLang="zh-CN" sz="1200" i="1" spc="50" dirty="0" smtClean="0">
+                <a:ln w="12700">
+                  <a:noFill/>
+                  <a:prstDash val="solid"/>
+                </a:ln>
+                <a:solidFill>
+                  <a:srgbClr val="0070C0"/>
+                </a:solidFill>
+                <a:latin typeface="Consolas" panose="020B0609020204030204" pitchFamily="49" charset="0"/>
+                <a:ea typeface="+mj-ea"/>
+                <a:cs typeface="Consolas" panose="020B0609020204030204" pitchFamily="49" charset="0"/>
+              </a:rPr>
+              <a:t>typeof </a:t>
+            </a:r>
+            <a:r>
+              <a:rPr lang="en-US" altLang="zh-CN" sz="1200" i="1" spc="50" dirty="0" smtClean="0">
+                <a:ln w="12700">
+                  <a:noFill/>
+                  <a:prstDash val="solid"/>
+                </a:ln>
+                <a:solidFill>
+                  <a:srgbClr val="00B0F0"/>
+                </a:solidFill>
+                <a:latin typeface="Consolas" panose="020B0609020204030204" pitchFamily="49" charset="0"/>
+                <a:ea typeface="+mj-ea"/>
+                <a:cs typeface="Consolas" panose="020B0609020204030204" pitchFamily="49" charset="0"/>
+              </a:rPr>
+              <a:t>( SingletonClass )</a:t>
+            </a:r>
+            <a:endParaRPr lang="en-US" altLang="zh-CN" sz="1200" i="1" spc="50" dirty="0">
+              <a:ln w="12700">
+                <a:noFill/>
+                <a:prstDash val="solid"/>
+              </a:ln>
+              <a:solidFill>
+                <a:srgbClr val="00B0F0"/>
+              </a:solidFill>
+              <a:latin typeface="Consolas" panose="020B0609020204030204" pitchFamily="49" charset="0"/>
+              <a:ea typeface="+mj-ea"/>
+              <a:cs typeface="Consolas" panose="020B0609020204030204" pitchFamily="49" charset="0"/>
+            </a:endParaRPr>
+          </a:p>
+          <a:p>
+            <a:r>
+              <a:rPr lang="en-US" altLang="zh-CN" sz="1600" b="1" spc="50" dirty="0">
+                <a:ln w="12700">
+                  <a:noFill/>
+                  <a:prstDash val="solid"/>
+                </a:ln>
+                <a:solidFill>
+                  <a:schemeClr val="accent4"/>
+                </a:solidFill>
+                <a:latin typeface="+mj-lt"/>
+                <a:ea typeface="+mj-ea"/>
+                <a:cs typeface="+mj-cs"/>
+              </a:rPr>
+              <a:t>	</a:t>
+            </a:r>
+            <a:r>
+              <a:rPr lang="en-US" altLang="zh-CN" sz="1600" b="1" spc="50" dirty="0">
+                <a:ln w="12700">
+                  <a:noFill/>
+                  <a:prstDash val="solid"/>
+                </a:ln>
+                <a:solidFill>
+                  <a:schemeClr val="accent4"/>
+                </a:solidFill>
+                <a:latin typeface="+mj-lt"/>
+                <a:ea typeface="+mj-ea"/>
+                <a:cs typeface="+mj-cs"/>
+              </a:rPr>
+              <a:t> </a:t>
+            </a:r>
+            <a:r>
+              <a:rPr lang="en-US" altLang="zh-CN" sz="1600" b="1" spc="50" dirty="0" smtClean="0">
+                <a:ln w="12700">
+                  <a:noFill/>
+                  <a:prstDash val="solid"/>
+                </a:ln>
+                <a:solidFill>
+                  <a:schemeClr val="accent4"/>
+                </a:solidFill>
+                <a:latin typeface="+mj-lt"/>
+                <a:ea typeface="+mj-ea"/>
+                <a:cs typeface="+mj-cs"/>
+              </a:rPr>
+              <a:t>                  </a:t>
+            </a:r>
+            <a:r>
+              <a:rPr lang="en-US" altLang="zh-CN" sz="1600" b="1" spc="50" dirty="0" smtClean="0">
+                <a:ln w="12700">
+                  <a:noFill/>
+                  <a:prstDash val="solid"/>
+                </a:ln>
+                <a:solidFill>
+                  <a:schemeClr val="accent4"/>
+                </a:solidFill>
+                <a:latin typeface="+mj-lt"/>
+                <a:ea typeface="+mj-ea"/>
+                <a:cs typeface="+mj-cs"/>
+              </a:rPr>
+              <a:t>Constant members </a:t>
+            </a:r>
+            <a:r>
+              <a:rPr lang="en-US" altLang="zh-CN" sz="1600" b="1" spc="50" dirty="0" smtClean="0">
+                <a:ln w="12700">
+                  <a:noFill/>
+                  <a:prstDash val="solid"/>
+                </a:ln>
+                <a:solidFill>
+                  <a:schemeClr val="accent4"/>
+                </a:solidFill>
+                <a:latin typeface="+mj-lt"/>
+                <a:ea typeface="+mj-ea"/>
+                <a:cs typeface="+mj-cs"/>
+              </a:rPr>
+              <a:t>	</a:t>
+            </a:r>
+            <a:r>
+              <a:rPr lang="en-US" altLang="zh-CN" sz="1200" i="1" spc="50" dirty="0" smtClean="0">
+                <a:ln w="12700">
+                  <a:noFill/>
+                  <a:prstDash val="solid"/>
+                </a:ln>
+                <a:solidFill>
+                  <a:srgbClr val="0070C0"/>
+                </a:solidFill>
+                <a:latin typeface="Consolas" panose="020B0609020204030204" pitchFamily="49" charset="0"/>
+                <a:ea typeface="+mj-ea"/>
+                <a:cs typeface="Consolas" panose="020B0609020204030204" pitchFamily="49" charset="0"/>
+              </a:rPr>
+              <a:t>public </a:t>
+            </a:r>
+            <a:r>
+              <a:rPr lang="en-US" altLang="zh-CN" sz="1200" i="1" spc="50" dirty="0">
+                <a:ln w="12700">
+                  <a:noFill/>
+                  <a:prstDash val="solid"/>
+                </a:ln>
+                <a:solidFill>
+                  <a:srgbClr val="0070C0"/>
+                </a:solidFill>
+                <a:latin typeface="Consolas" panose="020B0609020204030204" pitchFamily="49" charset="0"/>
+                <a:ea typeface="+mj-ea"/>
+                <a:cs typeface="Consolas" panose="020B0609020204030204" pitchFamily="49" charset="0"/>
+              </a:rPr>
+              <a:t>const int </a:t>
+            </a:r>
+            <a:r>
+              <a:rPr lang="en-US" altLang="zh-CN" sz="1200" i="1" spc="50" dirty="0" smtClean="0">
+                <a:ln w="12700">
+                  <a:noFill/>
+                  <a:prstDash val="solid"/>
+                </a:ln>
+                <a:solidFill>
+                  <a:srgbClr val="00B0F0"/>
+                </a:solidFill>
+                <a:latin typeface="Consolas" panose="020B0609020204030204" pitchFamily="49" charset="0"/>
+                <a:ea typeface="+mj-ea"/>
+                <a:cs typeface="Consolas" panose="020B0609020204030204" pitchFamily="49" charset="0"/>
+              </a:rPr>
+              <a:t>MaxLength = 10</a:t>
+            </a:r>
+            <a:endParaRPr lang="en-US" altLang="zh-CN" sz="1600" b="1" spc="50" dirty="0" smtClean="0">
+              <a:ln w="12700">
+                <a:noFill/>
+                <a:prstDash val="solid"/>
+              </a:ln>
+              <a:solidFill>
+                <a:schemeClr val="accent4"/>
+              </a:solidFill>
+              <a:latin typeface="+mj-lt"/>
+              <a:ea typeface="+mj-ea"/>
+              <a:cs typeface="+mj-cs"/>
+            </a:endParaRPr>
           </a:p>
           <a:p>
             <a:endParaRPr lang="en-US" altLang="zh-CN" sz="1600" b="1" spc="50" dirty="0">
@@ -4805,7 +5554,19 @@
                   <a:schemeClr val="accent4"/>
                 </a:solidFill>
               </a:rPr>
-              <a:t>- </a:t>
+              <a:t>- Lazy</a:t>
+            </a:r>
+            <a:r>
+              <a:rPr lang="zh-CN" altLang="en-US" sz="1600" b="1" spc="50" dirty="0" smtClean="0">
+                <a:ln w="12700">
+                  <a:noFill/>
+                  <a:prstDash val="solid"/>
+                </a:ln>
+                <a:solidFill>
+                  <a:schemeClr val="accent4"/>
+                </a:solidFill>
+              </a:rPr>
+              <a:t>模式 </a:t>
             </a:r>
             <a:r>
               <a:rPr lang="en-US" altLang="zh-CN" sz="1600" b="1" spc="50" dirty="0" smtClean="0">
@@ -4816,28 +5577,21 @@
                 <a:solidFill>
                   <a:schemeClr val="accent4"/>
                 </a:solidFill>
-                <a:latin typeface="+mj-lt"/>
-                <a:ea typeface="+mj-ea"/>
-                <a:cs typeface="+mj-cs"/>
-              </a:rPr>
-              <a:t>.Net Static Constructor</a:t>
-            </a:r>
-          </a:p>
-          <a:p>
-            <a:endParaRPr lang="en-US" altLang="zh-CN" sz="1600" b="1" spc="50" dirty="0">
-              <a:ln w="12700">
-                <a:noFill/>
-                <a:prstDash val="solid"/>
-              </a:ln>
-              <a:solidFill>
-                <a:schemeClr val="accent4"/>
-              </a:solidFill>
-              <a:latin typeface="+mj-lt"/>
-              <a:ea typeface="+mj-ea"/>
-              <a:cs typeface="+mj-cs"/>
-            </a:endParaRPr>
-          </a:p>
-          <a:p>
+              </a:rPr>
+              <a:t>VS. Eager</a:t>
+            </a:r>
+            <a:r>
+              <a:rPr lang="zh-CN" altLang="en-US" sz="1600" b="1" spc="50" dirty="0" smtClean="0">
+                <a:ln w="12700">
+                  <a:noFill/>
+                  <a:prstDash val="solid"/>
+                </a:ln>
+                <a:solidFill>
+                  <a:schemeClr val="accent4"/>
+                </a:solidFill>
+              </a:rPr>
+              <a:t>模式</a:t>
+            </a:r>
             <a:r>
               <a:rPr lang="en-US" altLang="zh-CN" sz="1600" b="1" spc="50" dirty="0" smtClean="0">
                 <a:ln w="12700">
@@ -4847,14 +5601,20 @@
                 <a:solidFill>
                   <a:schemeClr val="accent4"/>
                 </a:solidFill>
-                <a:latin typeface="+mj-lt"/>
-                <a:ea typeface="+mj-ea"/>
-                <a:cs typeface="+mj-cs"/>
-              </a:rPr>
-              <a:t>      - .Net Compiler</a:t>
-            </a:r>
-          </a:p>
-          <a:p>
+              </a:rPr>
+              <a:t/>
+            </a:r>
+            <a:br>
+              <a:rPr lang="en-US" altLang="zh-CN" sz="1600" b="1" spc="50" dirty="0" smtClean="0">
+                <a:ln w="12700">
+                  <a:noFill/>
+                  <a:prstDash val="solid"/>
+                </a:ln>
+                <a:solidFill>
+                  <a:schemeClr val="accent4"/>
+                </a:solidFill>
+              </a:rPr>
+            </a:br>
             <a:endParaRPr lang="en-US" altLang="zh-CN" sz="1600" b="1" spc="50" dirty="0" smtClean="0">
               <a:ln w="12700">
                 <a:noFill/>
@@ -4869,6 +5629,36 @@
             </a:endParaRPr>
           </a:p>
           <a:p>
+            <a:r>
+              <a:rPr lang="en-US" altLang="zh-CN" sz="1600" b="1" spc="50" dirty="0" smtClean="0">
+                <a:ln w="12700">
+                  <a:noFill/>
+                  <a:prstDash val="solid"/>
+                </a:ln>
+                <a:solidFill>
+                  <a:schemeClr val="accent4"/>
+                </a:solidFill>
+                <a:latin typeface="+mj-lt"/>
+                <a:ea typeface="+mj-ea"/>
+                <a:cs typeface="+mj-cs"/>
+              </a:rPr>
+              <a:t>	- </a:t>
+            </a:r>
+            <a:r>
+              <a:rPr lang="zh-CN" altLang="en-US" sz="1600" b="1" spc="50" dirty="0" smtClean="0">
+                <a:ln w="12700">
+                  <a:noFill/>
+                  <a:prstDash val="solid"/>
+                </a:ln>
+                <a:solidFill>
+                  <a:schemeClr val="accent4"/>
+                </a:solidFill>
+                <a:latin typeface="+mj-lt"/>
+                <a:ea typeface="+mj-ea"/>
+                <a:cs typeface="+mj-cs"/>
+              </a:rPr>
+              <a:t>创建时机几乎同时 </a:t>
+            </a:r>
             <a:endParaRPr lang="en-US" altLang="zh-CN" sz="1600" b="1" spc="50" dirty="0" smtClean="0">
               <a:ln w="12700">
                 <a:noFill/>
@@ -4883,7 +5673,67 @@
             </a:endParaRPr>
           </a:p>
           <a:p>
-            <a:endParaRPr lang="en-US" altLang="zh-CN" sz="1600" b="1" spc="50" dirty="0">
+            <a:r>
+              <a:rPr lang="en-US" altLang="zh-CN" sz="1600" b="1" spc="50" dirty="0">
+                <a:ln w="12700">
+                  <a:noFill/>
+                  <a:prstDash val="solid"/>
+                </a:ln>
+                <a:solidFill>
+                  <a:schemeClr val="accent4"/>
+                </a:solidFill>
+                <a:latin typeface="+mj-lt"/>
+                <a:ea typeface="+mj-ea"/>
+                <a:cs typeface="+mj-cs"/>
+              </a:rPr>
+              <a:t>	</a:t>
+            </a:r>
+            <a:r>
+              <a:rPr lang="en-US" altLang="zh-CN" sz="1600" b="1" spc="50" dirty="0">
+                <a:ln w="12700">
+                  <a:noFill/>
+                  <a:prstDash val="solid"/>
+                </a:ln>
+                <a:solidFill>
+                  <a:schemeClr val="accent4"/>
+                </a:solidFill>
+                <a:latin typeface="+mj-lt"/>
+                <a:ea typeface="+mj-ea"/>
+                <a:cs typeface="+mj-cs"/>
+              </a:rPr>
+              <a:t>          </a:t>
+            </a:r>
+            <a:r>
+              <a:rPr lang="en-US" altLang="zh-CN" sz="1600" b="1" spc="50" dirty="0" smtClean="0">
+                <a:ln w="12700">
+                  <a:noFill/>
+                  <a:prstDash val="solid"/>
+                </a:ln>
+                <a:solidFill>
+                  <a:schemeClr val="accent4"/>
+                </a:solidFill>
+                <a:latin typeface="+mj-lt"/>
+                <a:ea typeface="+mj-ea"/>
+                <a:cs typeface="+mj-cs"/>
+              </a:rPr>
+              <a:t>Lazy:          Instance</a:t>
+            </a:r>
+            <a:r>
+              <a:rPr lang="zh-CN" altLang="en-US" sz="1600" b="1" spc="50" dirty="0" smtClean="0">
+                <a:ln w="12700">
+                  <a:noFill/>
+                  <a:prstDash val="solid"/>
+                </a:ln>
+                <a:solidFill>
+                  <a:schemeClr val="accent4"/>
+                </a:solidFill>
+                <a:latin typeface="+mj-lt"/>
+                <a:ea typeface="+mj-ea"/>
+                <a:cs typeface="+mj-cs"/>
+              </a:rPr>
+              <a:t>属性</a:t>
+            </a:r>
+            <a:endParaRPr lang="en-US" altLang="zh-CN" sz="1600" b="1" spc="50" dirty="0" smtClean="0">
               <a:ln w="12700">
                 <a:noFill/>
                 <a:prstDash val="solid"/>
@@ -4898,88 +5748,6 @@
           </a:p>
           <a:p>
             <a:r>
-              <a:rPr lang="en-US" altLang="zh-CN" sz="2000" b="1" i="1" spc="50" dirty="0">
-                <a:ln w="12700">
-                  <a:noFill/>
-                  <a:prstDash val="solid"/>
-                </a:ln>
-                <a:solidFill>
-                  <a:srgbClr val="00B050"/>
-                </a:solidFill>
-              </a:rPr>
-              <a:t>Is </a:t>
-            </a:r>
-            <a:r>
-              <a:rPr lang="en-US" altLang="zh-CN" sz="2000" b="1" i="1" spc="50" dirty="0" smtClean="0">
-                <a:ln w="12700">
-                  <a:noFill/>
-                  <a:prstDash val="solid"/>
-                </a:ln>
-                <a:solidFill>
-                  <a:srgbClr val="00B050"/>
-                </a:solidFill>
-              </a:rPr>
-              <a:t>Lazy </a:t>
-            </a:r>
-            <a:r>
-              <a:rPr lang="en-US" altLang="zh-CN" sz="2000" b="1" i="1" spc="50" dirty="0">
-                <a:ln w="12700">
-                  <a:noFill/>
-                  <a:prstDash val="solid"/>
-                </a:ln>
-                <a:solidFill>
-                  <a:srgbClr val="00B050"/>
-                </a:solidFill>
-              </a:rPr>
-              <a:t>Mode </a:t>
-            </a:r>
-            <a:r>
-              <a:rPr lang="en-US" altLang="zh-CN" sz="2000" b="1" i="1" spc="50" dirty="0" smtClean="0">
-                <a:ln w="12700">
-                  <a:noFill/>
-                  <a:prstDash val="solid"/>
-                </a:ln>
-                <a:solidFill>
-                  <a:srgbClr val="00B050"/>
-                </a:solidFill>
-              </a:rPr>
-              <a:t>“lazy” enough?</a:t>
-            </a:r>
-            <a:endParaRPr lang="en-US" altLang="zh-CN" sz="2000" b="1" i="1" spc="50" dirty="0">
-              <a:ln w="12700">
-                <a:noFill/>
-                <a:prstDash val="solid"/>
-              </a:ln>
-              <a:solidFill>
-                <a:srgbClr val="00B050"/>
-              </a:solidFill>
-            </a:endParaRPr>
-          </a:p>
-          <a:p>
-            <a:endParaRPr lang="en-US" altLang="zh-CN" sz="1600" b="1" spc="50" dirty="0">
-              <a:ln w="12700">
-                <a:noFill/>
-                <a:prstDash val="solid"/>
-              </a:ln>
-              <a:solidFill>
-                <a:schemeClr val="accent4"/>
-              </a:solidFill>
-            </a:endParaRPr>
-          </a:p>
-          <a:p>
-            <a:r>
-              <a:rPr lang="zh-CN" altLang="en-US" sz="1600" b="1" spc="50" dirty="0">
-                <a:ln w="12700">
-                  <a:noFill/>
-                  <a:prstDash val="solid"/>
-                </a:ln>
-                <a:solidFill>
-                  <a:schemeClr val="accent4"/>
-                </a:solidFill>
-              </a:rPr>
-              <a:t>      </a:t>
-            </a:r>
-            <a:r>
               <a:rPr lang="en-US" altLang="zh-CN" sz="1600" b="1" spc="50" dirty="0">
                 <a:ln w="12700">
                   <a:noFill/>
@@ -4988,8 +5756,26 @@
                 <a:solidFill>
                   <a:schemeClr val="accent4"/>
                 </a:solidFill>
-              </a:rPr>
-              <a:t>- </a:t>
+                <a:latin typeface="+mj-lt"/>
+                <a:ea typeface="+mj-ea"/>
+                <a:cs typeface="+mj-cs"/>
+              </a:rPr>
+              <a:t> </a:t>
+            </a:r>
+            <a:r>
+              <a:rPr lang="en-US" altLang="zh-CN" sz="1600" b="1" spc="50" dirty="0">
+                <a:ln w="12700">
+                  <a:noFill/>
+                  <a:prstDash val="solid"/>
+                </a:ln>
+                <a:solidFill>
+                  <a:schemeClr val="accent4"/>
+                </a:solidFill>
+                <a:latin typeface="+mj-lt"/>
+                <a:ea typeface="+mj-ea"/>
+                <a:cs typeface="+mj-cs"/>
+              </a:rPr>
+              <a:t>                           </a:t>
             </a:r>
             <a:r>
               <a:rPr lang="en-US" altLang="zh-CN" sz="1600" b="1" spc="50" dirty="0" smtClean="0">
@@ -5000,8 +5786,11 @@
                 <a:solidFill>
                   <a:schemeClr val="accent4"/>
                 </a:solidFill>
-              </a:rPr>
-              <a:t>If required parameters are not ready initially</a:t>
+                <a:latin typeface="+mj-lt"/>
+                <a:ea typeface="+mj-ea"/>
+                <a:cs typeface="+mj-cs"/>
+              </a:rPr>
+              <a:t>Eager</a:t>
             </a:r>
             <a:r>
               <a:rPr lang="en-US" altLang="zh-CN" sz="1600" b="1" spc="50" dirty="0">
@@ -5012,8 +5801,11 @@
                 <a:solidFill>
                   <a:schemeClr val="accent4"/>
                 </a:solidFill>
-              </a:rPr>
-              <a:t>, until a particular point in </a:t>
+                <a:latin typeface="+mj-lt"/>
+                <a:ea typeface="+mj-ea"/>
+                <a:cs typeface="+mj-cs"/>
+              </a:rPr>
+              <a:t>:</a:t>
             </a:r>
             <a:r>
               <a:rPr lang="en-US" altLang="zh-CN" sz="1600" b="1" spc="50" dirty="0" smtClean="0">
@@ -5024,151 +5816,11 @@
                 <a:solidFill>
                   <a:schemeClr val="accent4"/>
                 </a:solidFill>
-              </a:rPr>
-              <a:t>time?</a:t>
-            </a:r>
-            <a:endParaRPr lang="en-US" altLang="zh-CN" sz="1600" b="1" spc="50" dirty="0">
-              <a:ln w="12700">
-                <a:noFill/>
-                <a:prstDash val="solid"/>
-              </a:ln>
-              <a:solidFill>
-                <a:schemeClr val="accent4"/>
-              </a:solidFill>
-            </a:endParaRPr>
-          </a:p>
-          <a:p>
-            <a:endParaRPr lang="en-US" altLang="zh-CN" sz="1600" b="1" spc="50" dirty="0">
-              <a:ln w="12700">
-                <a:noFill/>
-                <a:prstDash val="solid"/>
-              </a:ln>
-              <a:solidFill>
-                <a:schemeClr val="accent4"/>
-              </a:solidFill>
-            </a:endParaRPr>
-          </a:p>
-          <a:p>
-            <a:r>
-              <a:rPr lang="zh-CN" altLang="en-US" sz="1600" b="1" spc="50" dirty="0">
-                <a:ln w="12700">
-                  <a:noFill/>
-                  <a:prstDash val="solid"/>
-                </a:ln>
-                <a:solidFill>
-                  <a:schemeClr val="accent4"/>
-                </a:solidFill>
-              </a:rPr>
-              <a:t>            </a:t>
-            </a:r>
-            <a:r>
-              <a:rPr lang="en-US" altLang="zh-CN" sz="1600" b="1" spc="50" dirty="0">
-                <a:ln w="12700">
-                  <a:noFill/>
-                  <a:prstDash val="solid"/>
-                </a:ln>
-                <a:solidFill>
-                  <a:schemeClr val="accent4"/>
-                </a:solidFill>
-              </a:rPr>
-              <a:t>1. </a:t>
-            </a:r>
-            <a:r>
-              <a:rPr lang="en-US" altLang="zh-CN" sz="1600" i="1" spc="50" dirty="0" smtClean="0">
-                <a:ln w="12700">
-                  <a:noFill/>
-                  <a:prstDash val="solid"/>
-                </a:ln>
-                <a:solidFill>
-                  <a:schemeClr val="accent4"/>
-                </a:solidFill>
-              </a:rPr>
-              <a:t>public static Singleton </a:t>
-            </a:r>
-            <a:r>
-              <a:rPr lang="en-US" altLang="zh-CN" sz="1600" b="1" i="1" spc="50" dirty="0" smtClean="0">
-                <a:ln w="12700">
-                  <a:noFill/>
-                  <a:prstDash val="solid"/>
-                </a:ln>
-                <a:solidFill>
-                  <a:schemeClr val="accent4"/>
-                </a:solidFill>
-              </a:rPr>
-              <a:t>GetInstance</a:t>
-            </a:r>
-            <a:r>
-              <a:rPr lang="en-US" altLang="zh-CN" sz="1600" i="1" spc="50" dirty="0" smtClean="0">
-                <a:ln w="12700">
-                  <a:noFill/>
-                  <a:prstDash val="solid"/>
-                </a:ln>
-                <a:solidFill>
-                  <a:schemeClr val="accent4"/>
-                </a:solidFill>
-              </a:rPr>
-              <a:t>(</a:t>
-            </a:r>
-            <a:r>
-              <a:rPr lang="en-US" altLang="zh-CN" sz="1600" b="1" i="1" spc="50" dirty="0" smtClean="0">
-                <a:ln w="12700">
-                  <a:noFill/>
-                  <a:prstDash val="solid"/>
-                </a:ln>
-                <a:solidFill>
-                  <a:schemeClr val="accent4"/>
-                </a:solidFill>
-              </a:rPr>
-              <a:t>object arg</a:t>
-            </a:r>
-            <a:r>
-              <a:rPr lang="en-US" altLang="zh-CN" sz="1600" i="1" spc="50" dirty="0" smtClean="0">
-                <a:ln w="12700">
-                  <a:noFill/>
-                  <a:prstDash val="solid"/>
-                </a:ln>
-                <a:solidFill>
-                  <a:schemeClr val="accent4"/>
-                </a:solidFill>
-              </a:rPr>
-              <a:t>)</a:t>
-            </a:r>
-          </a:p>
-          <a:p>
-            <a:endParaRPr lang="en-US" altLang="zh-CN" sz="1600" b="1" spc="50" dirty="0">
-              <a:ln w="12700">
-                <a:noFill/>
-                <a:prstDash val="solid"/>
-              </a:ln>
-              <a:solidFill>
-                <a:schemeClr val="accent4"/>
-              </a:solidFill>
-            </a:endParaRPr>
-          </a:p>
-          <a:p>
-            <a:r>
-              <a:rPr lang="zh-CN" altLang="en-US" sz="1600" b="1" spc="50" dirty="0">
-                <a:ln w="12700">
-                  <a:noFill/>
-                  <a:prstDash val="solid"/>
-                </a:ln>
-                <a:solidFill>
-                  <a:schemeClr val="accent4"/>
-                </a:solidFill>
-              </a:rPr>
-              <a:t>      </a:t>
-            </a:r>
-            <a:r>
-              <a:rPr lang="zh-CN" altLang="en-US" sz="1600" b="1" spc="50" dirty="0" smtClean="0">
-                <a:ln w="12700">
-                  <a:noFill/>
-                  <a:prstDash val="solid"/>
-                </a:ln>
-                <a:solidFill>
-                  <a:schemeClr val="accent4"/>
-                </a:solidFill>
-              </a:rPr>
-              <a:t>      </a:t>
+                <a:latin typeface="+mj-lt"/>
+                <a:ea typeface="+mj-ea"/>
+                <a:cs typeface="+mj-cs"/>
+              </a:rPr>
+              <a:t>        </a:t>
             </a:r>
             <a:r>
               <a:rPr lang="en-US" altLang="zh-CN" sz="1600" b="1" spc="50" dirty="0" smtClean="0">
@@ -5179,166 +5831,27 @@
                 <a:solidFill>
                   <a:schemeClr val="accent4"/>
                 </a:solidFill>
-              </a:rPr>
-              <a:t>2. Read parameters from configuration</a:t>
-            </a:r>
-          </a:p>
-          <a:p>
+                <a:latin typeface="+mj-lt"/>
+                <a:ea typeface="+mj-ea"/>
+                <a:cs typeface="+mj-cs"/>
+              </a:rPr>
+              <a:t>Static constructor</a:t>
+            </a:r>
+            <a:br>
+              <a:rPr lang="en-US" altLang="zh-CN" sz="1600" b="1" spc="50" dirty="0" smtClean="0">
+                <a:ln w="12700">
+                  <a:noFill/>
+                  <a:prstDash val="solid"/>
+                </a:ln>
+                <a:solidFill>
+                  <a:schemeClr val="accent4"/>
+                </a:solidFill>
+                <a:latin typeface="+mj-lt"/>
+                <a:ea typeface="+mj-ea"/>
+                <a:cs typeface="+mj-cs"/>
+              </a:rPr>
+            </a:br>
             <a:endParaRPr lang="en-US" altLang="zh-CN" sz="1600" b="1" spc="50" dirty="0" smtClean="0">
-              <a:ln w="12700">
-                <a:noFill/>
-                <a:prstDash val="solid"/>
-              </a:ln>
-              <a:solidFill>
-                <a:schemeClr val="accent4"/>
-              </a:solidFill>
-            </a:endParaRPr>
-          </a:p>
-          <a:p>
-            <a:r>
-              <a:rPr lang="en-US" altLang="zh-CN" sz="1600" b="1" spc="50" dirty="0" smtClean="0">
-                <a:ln w="12700">
-                  <a:noFill/>
-                  <a:prstDash val="solid"/>
-                </a:ln>
-                <a:solidFill>
-                  <a:schemeClr val="accent4"/>
-                </a:solidFill>
-              </a:rPr>
-              <a:t>            3. </a:t>
-            </a:r>
-            <a:r>
-              <a:rPr lang="en-US" altLang="zh-CN" sz="1600" i="1" spc="50" dirty="0" smtClean="0">
-                <a:ln w="12700">
-                  <a:noFill/>
-                  <a:prstDash val="solid"/>
-                </a:ln>
-                <a:solidFill>
-                  <a:schemeClr val="accent4"/>
-                </a:solidFill>
-              </a:rPr>
-              <a:t>public static void </a:t>
-            </a:r>
-            <a:r>
-              <a:rPr lang="en-US" altLang="zh-CN" sz="1600" b="1" i="1" spc="50" dirty="0" smtClean="0">
-                <a:ln w="12700">
-                  <a:noFill/>
-                  <a:prstDash val="solid"/>
-                </a:ln>
-                <a:solidFill>
-                  <a:schemeClr val="accent4"/>
-                </a:solidFill>
-              </a:rPr>
-              <a:t>Init</a:t>
-            </a:r>
-            <a:r>
-              <a:rPr lang="en-US" altLang="zh-CN" sz="1600" i="1" spc="50" dirty="0" smtClean="0">
-                <a:ln w="12700">
-                  <a:noFill/>
-                  <a:prstDash val="solid"/>
-                </a:ln>
-                <a:solidFill>
-                  <a:schemeClr val="accent4"/>
-                </a:solidFill>
-              </a:rPr>
-              <a:t>(</a:t>
-            </a:r>
-            <a:r>
-              <a:rPr lang="en-US" altLang="zh-CN" sz="1600" b="1" i="1" spc="50" dirty="0" smtClean="0">
-                <a:ln w="12700">
-                  <a:noFill/>
-                  <a:prstDash val="solid"/>
-                </a:ln>
-                <a:solidFill>
-                  <a:schemeClr val="accent4"/>
-                </a:solidFill>
-              </a:rPr>
-              <a:t>object arg</a:t>
-            </a:r>
-            <a:r>
-              <a:rPr lang="en-US" altLang="zh-CN" sz="1600" i="1" spc="50" dirty="0" smtClean="0">
-                <a:ln w="12700">
-                  <a:noFill/>
-                  <a:prstDash val="solid"/>
-                </a:ln>
-                <a:solidFill>
-                  <a:schemeClr val="accent4"/>
-                </a:solidFill>
-              </a:rPr>
-              <a:t>)</a:t>
-            </a:r>
-            <a:endParaRPr lang="en-US" altLang="zh-CN" sz="1600" b="1" i="1" spc="50" dirty="0" smtClean="0">
-              <a:ln w="12700">
-                <a:noFill/>
-                <a:prstDash val="solid"/>
-              </a:ln>
-              <a:solidFill>
-                <a:schemeClr val="accent4"/>
-              </a:solidFill>
-            </a:endParaRPr>
-          </a:p>
-          <a:p>
-            <a:endParaRPr lang="en-US" altLang="zh-CN" sz="1600" b="1" spc="50" dirty="0" smtClean="0">
-              <a:ln w="12700">
-                <a:noFill/>
-                <a:prstDash val="solid"/>
-              </a:ln>
-              <a:solidFill>
-                <a:schemeClr val="accent4"/>
-              </a:solidFill>
-            </a:endParaRPr>
-          </a:p>
-          <a:p>
-            <a:r>
-              <a:rPr lang="en-US" altLang="zh-CN" sz="1600" b="1" spc="50" dirty="0" smtClean="0">
-                <a:ln w="12700">
-                  <a:noFill/>
-                  <a:prstDash val="solid"/>
-                </a:ln>
-                <a:solidFill>
-                  <a:schemeClr val="accent4"/>
-                </a:solidFill>
-                <a:latin typeface="+mj-lt"/>
-                <a:ea typeface="+mj-ea"/>
-                <a:cs typeface="+mj-cs"/>
-              </a:rPr>
-              <a:t>            4. Record parameters into static variables at first, </a:t>
-            </a:r>
-          </a:p>
-          <a:p>
-            <a:r>
-              <a:rPr lang="en-US" altLang="zh-CN" sz="1600" b="1" spc="50" dirty="0">
-                <a:ln w="12700">
-                  <a:noFill/>
-                  <a:prstDash val="solid"/>
-                </a:ln>
-                <a:solidFill>
-                  <a:schemeClr val="accent4"/>
-                </a:solidFill>
-                <a:latin typeface="+mj-lt"/>
-                <a:ea typeface="+mj-ea"/>
-                <a:cs typeface="+mj-cs"/>
-              </a:rPr>
-              <a:t> </a:t>
-            </a:r>
-            <a:r>
-              <a:rPr lang="en-US" altLang="zh-CN" sz="1600" b="1" spc="50" dirty="0" smtClean="0">
-                <a:ln w="12700">
-                  <a:noFill/>
-                  <a:prstDash val="solid"/>
-                </a:ln>
-                <a:solidFill>
-                  <a:schemeClr val="accent4"/>
-                </a:solidFill>
-                <a:latin typeface="+mj-lt"/>
-                <a:ea typeface="+mj-ea"/>
-                <a:cs typeface="+mj-cs"/>
-              </a:rPr>
-              <a:t>               and then read them to create singleton when needed</a:t>
-            </a:r>
-          </a:p>
-          <a:p>
-            <a:endParaRPr lang="en-US" altLang="zh-CN" sz="1600" b="1" spc="50" dirty="0">
               <a:ln w="12700">
                 <a:noFill/>
                 <a:prstDash val="solid"/>
@@ -5353,6 +5866,21 @@
           </a:p>
           <a:p>
             <a:r>
+              <a:rPr lang="en-US" altLang="zh-CN" sz="1600" b="1" spc="50" dirty="0">
+                <a:ln w="12700">
+                  <a:noFill/>
+                  <a:prstDash val="solid"/>
+                </a:ln>
+                <a:solidFill>
+                  <a:schemeClr val="accent4"/>
+                </a:solidFill>
+                <a:latin typeface="+mj-lt"/>
+                <a:ea typeface="+mj-ea"/>
+                <a:cs typeface="+mj-cs"/>
+              </a:rPr>
+              <a:t>	</a:t>
+            </a:r>
+            <a:r>
               <a:rPr lang="en-US" altLang="zh-CN" sz="1600" b="1" spc="50" dirty="0" smtClean="0">
                 <a:ln w="12700">
                   <a:noFill/>
@@ -5365,8 +5893,79 @@
                 <a:ea typeface="+mj-ea"/>
                 <a:cs typeface="+mj-cs"/>
               </a:rPr>
-              <a:t>            …</a:t>
-            </a:r>
+              <a:t>- Thread Safety</a:t>
+            </a:r>
+            <a:endParaRPr lang="en-US" altLang="zh-CN" sz="1600" b="1" spc="50" dirty="0" smtClean="0">
+              <a:ln w="12700">
+                <a:noFill/>
+                <a:prstDash val="solid"/>
+              </a:ln>
+              <a:solidFill>
+                <a:schemeClr val="accent4"/>
+              </a:solidFill>
+              <a:latin typeface="+mj-lt"/>
+              <a:ea typeface="+mj-ea"/>
+              <a:cs typeface="+mj-cs"/>
+            </a:endParaRPr>
+          </a:p>
+          <a:p>
+            <a:r>
+              <a:rPr lang="en-US" altLang="zh-CN" sz="1600" b="1" spc="50" dirty="0" smtClean="0">
+                <a:ln w="12700">
+                  <a:noFill/>
+                  <a:prstDash val="solid"/>
+                </a:ln>
+                <a:solidFill>
+                  <a:schemeClr val="accent4"/>
+                </a:solidFill>
+                <a:latin typeface="+mj-lt"/>
+                <a:ea typeface="+mj-ea"/>
+                <a:cs typeface="+mj-cs"/>
+              </a:rPr>
+              <a:t>	          Lazy</a:t>
+            </a:r>
+            <a:r>
+              <a:rPr lang="en-US" altLang="zh-CN" sz="1600" b="1" spc="50" dirty="0" smtClean="0">
+                <a:ln w="12700">
+                  <a:noFill/>
+                  <a:prstDash val="solid"/>
+                </a:ln>
+                <a:solidFill>
+                  <a:schemeClr val="accent4"/>
+                </a:solidFill>
+                <a:latin typeface="+mj-lt"/>
+                <a:ea typeface="+mj-ea"/>
+                <a:cs typeface="+mj-cs"/>
+              </a:rPr>
+              <a:t>:          </a:t>
+            </a:r>
+            <a:r>
+              <a:rPr lang="zh-CN" altLang="en-US" sz="1600" b="1" spc="50" dirty="0" smtClean="0">
+                <a:ln w="12700">
+                  <a:noFill/>
+                  <a:prstDash val="solid"/>
+                </a:ln>
+                <a:solidFill>
+                  <a:schemeClr val="accent4"/>
+                </a:solidFill>
+                <a:latin typeface="+mj-lt"/>
+                <a:ea typeface="+mj-ea"/>
+                <a:cs typeface="+mj-cs"/>
+              </a:rPr>
+              <a:t>需要自己实现同步机制</a:t>
+            </a:r>
+            <a:endParaRPr lang="en-US" altLang="zh-CN" sz="1600" b="1" spc="50" dirty="0" smtClean="0">
+              <a:ln w="12700">
+                <a:noFill/>
+                <a:prstDash val="solid"/>
+              </a:ln>
+              <a:solidFill>
+                <a:schemeClr val="accent4"/>
+              </a:solidFill>
+              <a:latin typeface="+mj-lt"/>
+              <a:ea typeface="+mj-ea"/>
+              <a:cs typeface="+mj-cs"/>
+            </a:endParaRPr>
           </a:p>
           <a:p>
             <a:r>
@@ -5382,7 +5981,7 @@
                 <a:ea typeface="+mj-ea"/>
                 <a:cs typeface="+mj-cs"/>
               </a:rPr>
-              <a:t> </a:t>
+              <a:t>	</a:t>
             </a:r>
             <a:r>
               <a:rPr lang="en-US" altLang="zh-CN" sz="1600" b="1" spc="50" dirty="0" smtClean="0">
@@ -5397,12 +5996,10 @@
                 <a:ea typeface="+mj-ea"/>
                 <a:cs typeface="+mj-cs"/>
               </a:rPr>
-              <a:t>           …</a:t>
-            </a:r>
-          </a:p>
-          <a:p>
-            <a:r>
-              <a:rPr lang="en-US" altLang="zh-CN" sz="1600" b="1" spc="50" dirty="0">
+              <a:t>          Eager:        .Net</a:t>
+            </a:r>
+            <a:r>
+              <a:rPr lang="zh-CN" altLang="en-US" sz="1600" b="1" spc="50" dirty="0" smtClean="0">
                 <a:ln w="12700">
                   <a:noFill/>
                   <a:prstDash val="solid"/>
@@ -5414,10 +6011,10 @@
                 <a:ea typeface="+mj-ea"/>
                 <a:cs typeface="+mj-cs"/>
               </a:rPr>
-              <a:t> </a:t>
-            </a:r>
-            <a:r>
-              <a:rPr lang="en-US" altLang="zh-CN" sz="1600" b="1" spc="50" dirty="0" smtClean="0">
+              <a:t>内部</a:t>
+            </a:r>
+            <a:r>
+              <a:rPr lang="zh-CN" altLang="en-US" sz="1600" b="1" spc="50" dirty="0" smtClean="0">
                 <a:ln w="12700">
                   <a:noFill/>
                   <a:prstDash val="solid"/>
@@ -5429,9 +6026,9 @@
                 <a:ea typeface="+mj-ea"/>
                 <a:cs typeface="+mj-cs"/>
               </a:rPr>
-              <a:t>           …</a:t>
-            </a:r>
-            <a:endParaRPr lang="zh-CN" altLang="en-US" sz="1600" b="1" spc="50" dirty="0">
+              <a:t>机制保障（简单高效）</a:t>
+            </a:r>
+            <a:endParaRPr lang="en-US" altLang="zh-CN" sz="1600" b="1" spc="50" dirty="0" smtClean="0">
               <a:ln w="12700">
                 <a:noFill/>
                 <a:prstDash val="solid"/>
@@ -5599,6 +6196,12 @@
               <a:rPr lang="zh-CN" altLang="en-US" sz="2700" b="1" dirty="0">
                 <a:effectLst/>
               </a:rPr>
+              <a:t>新</a:t>
+            </a:r>
+            <a:r>
+              <a:rPr lang="zh-CN" altLang="en-US" sz="2700" b="1" dirty="0" smtClean="0">
+                <a:effectLst/>
+              </a:rPr>
               <a:t>需求</a:t>
             </a:r>
             <a:r>
@@ -6264,22 +6867,7 @@
                 <a:ea typeface="+mj-ea"/>
                 <a:cs typeface="+mj-cs"/>
               </a:rPr>
-              <a:t>Registry - PrintService V1 </a:t>
-            </a:r>
-            <a:r>
-              <a:rPr lang="en-US" altLang="zh-CN" sz="1700" b="1" spc="50" dirty="0" smtClean="0">
-                <a:ln w="12700">
-                  <a:noFill/>
-                  <a:prstDash val="solid"/>
-                </a:ln>
-                <a:solidFill>
-                  <a:schemeClr val="accent4"/>
-                </a:solidFill>
-                <a:latin typeface="+mj-lt"/>
-                <a:ea typeface="+mj-ea"/>
-                <a:cs typeface="+mj-cs"/>
-              </a:rPr>
-              <a:t>(</a:t>
+              <a:t>Registry - PrintService V1 (</a:t>
             </a:r>
             <a:r>
               <a:rPr lang="en-US" altLang="zh-CN" sz="1700" spc="50" dirty="0" smtClean="0">
@@ -8012,22 +8600,7 @@
                 <a:ea typeface="+mj-ea"/>
                 <a:cs typeface="+mj-cs"/>
               </a:rPr>
-              <a:t>PrintService V3 </a:t>
-            </a:r>
-            <a:r>
-              <a:rPr lang="en-US" altLang="zh-CN" sz="1700" b="1" spc="50" dirty="0" smtClean="0">
-                <a:ln w="12700">
-                  <a:noFill/>
-                  <a:prstDash val="solid"/>
-                </a:ln>
-                <a:solidFill>
-                  <a:schemeClr val="accent4"/>
-                </a:solidFill>
-                <a:latin typeface="+mj-lt"/>
-                <a:ea typeface="+mj-ea"/>
-                <a:cs typeface="+mj-cs"/>
-              </a:rPr>
-              <a:t>(</a:t>
+              <a:t>PrintService V3 (</a:t>
             </a:r>
             <a:r>
               <a:rPr lang="en-US" altLang="zh-CN" sz="1700" spc="50" dirty="0" smtClean="0">
@@ -8748,27 +9321,8 @@
                 <a:latin typeface="+mn-ea"/>
                 <a:ea typeface="+mn-ea"/>
               </a:rPr>
-              <a:t>Eager </a:t>
-            </a:r>
-            <a:r>
-              <a:rPr lang="en-US" altLang="zh-CN" sz="2400" dirty="0" smtClean="0">
-                <a:solidFill>
-                  <a:srgbClr val="002060"/>
-                </a:solidFill>
-                <a:effectLst/>
-                <a:latin typeface="+mn-ea"/>
-                <a:ea typeface="+mn-ea"/>
-              </a:rPr>
-              <a:t>Singleton</a:t>
-            </a:r>
-            <a:endParaRPr lang="en-US" altLang="zh-CN" sz="2400" dirty="0" smtClean="0">
-              <a:solidFill>
-                <a:srgbClr val="002060"/>
-              </a:solidFill>
-              <a:effectLst/>
-              <a:latin typeface="+mn-ea"/>
-              <a:ea typeface="+mn-ea"/>
-            </a:endParaRPr>
+              <a:t>Eager Singleton</a:t>
+            </a:r>
           </a:p>
           <a:p>
             <a:pPr marL="342900" indent="-342900">
@@ -8784,27 +9338,8 @@
                 <a:latin typeface="+mn-ea"/>
                 <a:ea typeface="+mn-ea"/>
               </a:rPr>
-              <a:t>Lazy </a:t>
-            </a:r>
-            <a:r>
-              <a:rPr lang="en-US" altLang="zh-CN" sz="2400" dirty="0" smtClean="0">
-                <a:solidFill>
-                  <a:srgbClr val="002060"/>
-                </a:solidFill>
-                <a:effectLst/>
-                <a:latin typeface="+mn-ea"/>
-                <a:ea typeface="+mn-ea"/>
-              </a:rPr>
-              <a:t>Singleton</a:t>
-            </a:r>
-            <a:endParaRPr lang="en-US" altLang="zh-CN" sz="2400" dirty="0" smtClean="0">
-              <a:solidFill>
-                <a:srgbClr val="002060"/>
-              </a:solidFill>
-              <a:effectLst/>
-              <a:latin typeface="+mn-ea"/>
-              <a:ea typeface="+mn-ea"/>
-            </a:endParaRPr>
+              <a:t>Lazy Singleton</a:t>
+            </a:r>
           </a:p>
           <a:p>
             <a:pPr marL="342900" indent="-342900">
@@ -8820,27 +9355,8 @@
                 <a:latin typeface="+mn-ea"/>
                 <a:ea typeface="+mn-ea"/>
               </a:rPr>
-              <a:t>Thinking - Eager </a:t>
-            </a:r>
-            <a:r>
-              <a:rPr lang="en-US" altLang="zh-CN" sz="2400" dirty="0" smtClean="0">
-                <a:solidFill>
-                  <a:srgbClr val="002060"/>
-                </a:solidFill>
-                <a:effectLst/>
-                <a:latin typeface="+mn-ea"/>
-                <a:ea typeface="+mn-ea"/>
-              </a:rPr>
-              <a:t>&amp; Lazy</a:t>
-            </a:r>
-            <a:endParaRPr lang="en-US" altLang="zh-CN" sz="2400" dirty="0" smtClean="0">
-              <a:solidFill>
-                <a:srgbClr val="002060"/>
-              </a:solidFill>
-              <a:effectLst/>
-              <a:latin typeface="+mn-ea"/>
-              <a:ea typeface="+mn-ea"/>
-            </a:endParaRPr>
+              <a:t>Thinking - Eager &amp; Lazy</a:t>
+            </a:r>
           </a:p>
           <a:p>
             <a:pPr marL="342900" indent="-342900">
@@ -12966,37 +13482,7 @@
                 <a:ea typeface="+mj-ea"/>
                 <a:cs typeface="+mj-cs"/>
               </a:rPr>
-              <a:t>Eager </a:t>
-            </a:r>
-            <a:r>
-              <a:rPr lang="en-US" altLang="zh-CN" sz="1700" b="1" spc="50" dirty="0" smtClean="0">
-                <a:ln w="12700">
-                  <a:noFill/>
-                  <a:prstDash val="solid"/>
-                </a:ln>
-                <a:solidFill>
-                  <a:schemeClr val="accent4"/>
-                </a:solidFill>
-                <a:latin typeface="+mj-lt"/>
-                <a:ea typeface="+mj-ea"/>
-                <a:cs typeface="+mj-cs"/>
-              </a:rPr>
-              <a:t>- </a:t>
-            </a:r>
-            <a:r>
-              <a:rPr lang="en-US" altLang="zh-CN" sz="1700" b="1" spc="50" dirty="0" smtClean="0">
-                <a:ln w="12700">
-                  <a:noFill/>
-                  <a:prstDash val="solid"/>
-                </a:ln>
-                <a:solidFill>
-                  <a:schemeClr val="accent4"/>
-                </a:solidFill>
-                <a:latin typeface="+mj-lt"/>
-                <a:ea typeface="+mj-ea"/>
-                <a:cs typeface="+mj-cs"/>
-              </a:rPr>
-              <a:t>EagerPrintService</a:t>
+              <a:t>Eager - EagerPrintService</a:t>
             </a:r>
             <a:endParaRPr lang="en-US" altLang="en-US" sz="1700" b="1" spc="50" dirty="0">
               <a:ln w="12700">
@@ -13250,19 +13736,7 @@
                   <a:schemeClr val="accent4"/>
                 </a:solidFill>
               </a:rPr>
-              <a:t>- </a:t>
-            </a:r>
-            <a:r>
-              <a:rPr lang="en-US" altLang="zh-CN" sz="1700" b="1" spc="50" dirty="0" smtClean="0">
-                <a:ln w="12700">
-                  <a:noFill/>
-                  <a:prstDash val="solid"/>
-                </a:ln>
-                <a:solidFill>
-                  <a:schemeClr val="accent4"/>
-                </a:solidFill>
-              </a:rPr>
-              <a:t>Key Point</a:t>
+              <a:t>- Key Point</a:t>
             </a:r>
             <a:endParaRPr lang="en-US" altLang="en-US" sz="1700" b="1" spc="50" dirty="0">
               <a:ln w="12700">
@@ -13458,31 +13932,7 @@
                   <a:schemeClr val="accent4"/>
                 </a:solidFill>
               </a:rPr>
-              <a:t>Lazy </a:t>
-            </a:r>
-            <a:r>
-              <a:rPr lang="en-US" altLang="zh-CN" sz="1700" b="1" spc="50" dirty="0" smtClean="0">
-                <a:ln w="12700">
-                  <a:noFill/>
-                  <a:prstDash val="solid"/>
-                </a:ln>
-                <a:solidFill>
-                  <a:schemeClr val="accent4"/>
-                </a:solidFill>
-              </a:rPr>
-              <a:t>- </a:t>
-            </a:r>
-            <a:r>
-              <a:rPr lang="en-US" altLang="zh-CN" sz="1700" b="1" spc="50" dirty="0" smtClean="0">
-                <a:ln w="12700">
-                  <a:noFill/>
-                  <a:prstDash val="solid"/>
-                </a:ln>
-                <a:solidFill>
-                  <a:schemeClr val="accent4"/>
-                </a:solidFill>
-              </a:rPr>
-              <a:t>Key Point</a:t>
+              <a:t>Lazy - Key Point</a:t>
             </a:r>
             <a:endParaRPr lang="en-US" altLang="en-US" sz="1700" b="1" spc="50" dirty="0">
               <a:ln w="12700">

--- a/_Doc/DesignPattern.P3.Creational(Singleton).pptx
+++ b/_Doc/DesignPattern.P3.Creational(Singleton).pptx
@@ -10997,7 +10997,7 @@
         <p:spPr>
           <a:xfrm>
             <a:off x="827584" y="1628800"/>
-            <a:ext cx="7632848" cy="1661993"/>
+            <a:ext cx="7632848" cy="2092881"/>
           </a:xfrm>
           <a:prstGeom prst="rect">
             <a:avLst/>
@@ -11073,8 +11073,38 @@
                   <a:schemeClr val="accent4"/>
                 </a:solidFill>
               </a:rPr>
-              <a:t>Abstract Factory - Concrete Factory</a:t>
-            </a:r>
+              <a:t>Abstract Factory - Concrete </a:t>
+            </a:r>
+            <a:r>
+              <a:rPr lang="en-US" altLang="zh-CN" sz="1400" dirty="0" smtClean="0">
+                <a:solidFill>
+                  <a:schemeClr val="accent4"/>
+                </a:solidFill>
+              </a:rPr>
+              <a:t>Factory</a:t>
+            </a:r>
+          </a:p>
+          <a:p>
+            <a:endParaRPr lang="en-US" altLang="zh-CN" sz="1400" dirty="0">
+              <a:solidFill>
+                <a:schemeClr val="accent4"/>
+              </a:solidFill>
+            </a:endParaRPr>
+          </a:p>
+          <a:p>
+            <a:r>
+              <a:rPr lang="en-US" altLang="zh-CN" sz="1400" dirty="0" smtClean="0">
+                <a:solidFill>
+                  <a:schemeClr val="accent4"/>
+                </a:solidFill>
+              </a:rPr>
+              <a:t>	Builder</a:t>
+            </a:r>
+            <a:endParaRPr lang="en-US" altLang="zh-CN" sz="1400" dirty="0" smtClean="0">
+              <a:solidFill>
+                <a:schemeClr val="accent4"/>
+              </a:solidFill>
+            </a:endParaRPr>
           </a:p>
           <a:p>
             <a:endParaRPr lang="en-US" altLang="zh-CN" sz="1400" dirty="0">

--- a/_Doc/DesignPattern.P3.Creational(Singleton).pptx
+++ b/_Doc/DesignPattern.P3.Creational(Singleton).pptx
@@ -215,7 +215,7 @@
           <a:p>
             <a:fld id="{E18479FA-1253-41AA-8ABD-DCCC0F2E9FAF}" type="datetimeFigureOut">
               <a:rPr lang="en-US" smtClean="0"/>
-              <a:t>9/21/2015</a:t>
+              <a:t>9/22/2015</a:t>
             </a:fld>
             <a:endParaRPr lang="en-US" dirty="0"/>
           </a:p>
@@ -1129,7 +1129,7 @@
           <a:p>
             <a:fld id="{530820CF-B880-4189-942D-D702A7CBA730}" type="datetimeFigureOut">
               <a:rPr lang="zh-CN" altLang="en-US" smtClean="0"/>
-              <a:t>2015/9/21</a:t>
+              <a:t>2015/9/22</a:t>
             </a:fld>
             <a:endParaRPr lang="zh-CN" altLang="en-US"/>
           </a:p>
@@ -1294,7 +1294,7 @@
           <a:p>
             <a:fld id="{530820CF-B880-4189-942D-D702A7CBA730}" type="datetimeFigureOut">
               <a:rPr lang="zh-CN" altLang="en-US" smtClean="0"/>
-              <a:t>2015/9/21</a:t>
+              <a:t>2015/9/22</a:t>
             </a:fld>
             <a:endParaRPr lang="zh-CN" altLang="en-US"/>
           </a:p>
@@ -1469,7 +1469,7 @@
           <a:p>
             <a:fld id="{530820CF-B880-4189-942D-D702A7CBA730}" type="datetimeFigureOut">
               <a:rPr lang="zh-CN" altLang="en-US" smtClean="0"/>
-              <a:t>2015/9/21</a:t>
+              <a:t>2015/9/22</a:t>
             </a:fld>
             <a:endParaRPr lang="zh-CN" altLang="en-US"/>
           </a:p>
@@ -1634,7 +1634,7 @@
           <a:p>
             <a:fld id="{530820CF-B880-4189-942D-D702A7CBA730}" type="datetimeFigureOut">
               <a:rPr lang="zh-CN" altLang="en-US" smtClean="0"/>
-              <a:t>2015/9/21</a:t>
+              <a:t>2015/9/22</a:t>
             </a:fld>
             <a:endParaRPr lang="zh-CN" altLang="en-US"/>
           </a:p>
@@ -1875,7 +1875,7 @@
           <a:p>
             <a:fld id="{530820CF-B880-4189-942D-D702A7CBA730}" type="datetimeFigureOut">
               <a:rPr lang="zh-CN" altLang="en-US" smtClean="0"/>
-              <a:t>2015/9/21</a:t>
+              <a:t>2015/9/22</a:t>
             </a:fld>
             <a:endParaRPr lang="zh-CN" altLang="en-US"/>
           </a:p>
@@ -2158,7 +2158,7 @@
           <a:p>
             <a:fld id="{530820CF-B880-4189-942D-D702A7CBA730}" type="datetimeFigureOut">
               <a:rPr lang="zh-CN" altLang="en-US" smtClean="0"/>
-              <a:t>2015/9/21</a:t>
+              <a:t>2015/9/22</a:t>
             </a:fld>
             <a:endParaRPr lang="zh-CN" altLang="en-US"/>
           </a:p>
@@ -2575,7 +2575,7 @@
           <a:p>
             <a:fld id="{530820CF-B880-4189-942D-D702A7CBA730}" type="datetimeFigureOut">
               <a:rPr lang="zh-CN" altLang="en-US" smtClean="0"/>
-              <a:t>2015/9/21</a:t>
+              <a:t>2015/9/22</a:t>
             </a:fld>
             <a:endParaRPr lang="zh-CN" altLang="en-US"/>
           </a:p>
@@ -2688,7 +2688,7 @@
           <a:p>
             <a:fld id="{530820CF-B880-4189-942D-D702A7CBA730}" type="datetimeFigureOut">
               <a:rPr lang="zh-CN" altLang="en-US" smtClean="0"/>
-              <a:t>2015/9/21</a:t>
+              <a:t>2015/9/22</a:t>
             </a:fld>
             <a:endParaRPr lang="zh-CN" altLang="en-US"/>
           </a:p>
@@ -2778,7 +2778,7 @@
           <a:p>
             <a:fld id="{530820CF-B880-4189-942D-D702A7CBA730}" type="datetimeFigureOut">
               <a:rPr lang="zh-CN" altLang="en-US" smtClean="0"/>
-              <a:t>2015/9/21</a:t>
+              <a:t>2015/9/22</a:t>
             </a:fld>
             <a:endParaRPr lang="zh-CN" altLang="en-US"/>
           </a:p>
@@ -3050,7 +3050,7 @@
           <a:p>
             <a:fld id="{530820CF-B880-4189-942D-D702A7CBA730}" type="datetimeFigureOut">
               <a:rPr lang="zh-CN" altLang="en-US" smtClean="0"/>
-              <a:t>2015/9/21</a:t>
+              <a:t>2015/9/22</a:t>
             </a:fld>
             <a:endParaRPr lang="zh-CN" altLang="en-US"/>
           </a:p>
@@ -3298,7 +3298,7 @@
           <a:p>
             <a:fld id="{530820CF-B880-4189-942D-D702A7CBA730}" type="datetimeFigureOut">
               <a:rPr lang="zh-CN" altLang="en-US" smtClean="0"/>
-              <a:t>2015/9/21</a:t>
+              <a:t>2015/9/22</a:t>
             </a:fld>
             <a:endParaRPr lang="zh-CN" altLang="en-US"/>
           </a:p>
@@ -3506,7 +3506,7 @@
           <a:p>
             <a:fld id="{530820CF-B880-4189-942D-D702A7CBA730}" type="datetimeFigureOut">
               <a:rPr lang="zh-CN" altLang="en-US" smtClean="0"/>
-              <a:t>2015/9/21</a:t>
+              <a:t>2015/9/22</a:t>
             </a:fld>
             <a:endParaRPr lang="zh-CN" altLang="en-US"/>
           </a:p>
@@ -4638,43 +4638,7 @@
                   <a:srgbClr val="00B050"/>
                 </a:solidFill>
               </a:rPr>
-              <a:t>“</a:t>
-            </a:r>
-            <a:r>
-              <a:rPr lang="en-US" altLang="zh-CN" sz="2000" b="1" i="1" spc="50" dirty="0" smtClean="0">
-                <a:ln w="12700">
-                  <a:noFill/>
-                  <a:prstDash val="solid"/>
-                </a:ln>
-                <a:solidFill>
-                  <a:srgbClr val="00B050"/>
-                </a:solidFill>
-              </a:rPr>
-              <a:t>E</a:t>
-            </a:r>
-            <a:r>
-              <a:rPr lang="en-US" altLang="zh-CN" sz="2000" b="1" i="1" spc="50" dirty="0" smtClean="0">
-                <a:ln w="12700">
-                  <a:noFill/>
-                  <a:prstDash val="solid"/>
-                </a:ln>
-                <a:solidFill>
-                  <a:srgbClr val="00B050"/>
-                </a:solidFill>
-              </a:rPr>
-              <a:t>ager” &amp; “Lazy” </a:t>
-            </a:r>
-            <a:r>
-              <a:rPr lang="en-US" altLang="zh-CN" sz="2000" b="1" i="1" spc="50" dirty="0" smtClean="0">
-                <a:ln w="12700">
-                  <a:noFill/>
-                  <a:prstDash val="solid"/>
-                </a:ln>
-                <a:solidFill>
-                  <a:srgbClr val="00B050"/>
-                </a:solidFill>
-              </a:rPr>
-              <a:t>by C#</a:t>
+              <a:t>“Eager” &amp; “Lazy” by C#</a:t>
             </a:r>
             <a:endParaRPr lang="en-US" sz="2000" b="1" i="1" spc="50" dirty="0">
               <a:ln w="12700">
@@ -4729,22 +4693,7 @@
                 <a:ea typeface="+mj-ea"/>
                 <a:cs typeface="+mj-cs"/>
               </a:rPr>
-              <a:t>- </a:t>
-            </a:r>
-            <a:r>
-              <a:rPr lang="en-US" altLang="zh-CN" sz="1600" b="1" spc="50" dirty="0" smtClean="0">
-                <a:ln w="12700">
-                  <a:noFill/>
-                  <a:prstDash val="solid"/>
-                </a:ln>
-                <a:solidFill>
-                  <a:schemeClr val="accent4"/>
-                </a:solidFill>
-                <a:latin typeface="+mj-lt"/>
-                <a:ea typeface="+mj-ea"/>
-                <a:cs typeface="+mj-cs"/>
-              </a:rPr>
-              <a:t>Eager</a:t>
+              <a:t>- Eager</a:t>
             </a:r>
             <a:r>
               <a:rPr lang="zh-CN" altLang="en-US" sz="1600" b="1" spc="50" dirty="0" smtClean="0">
@@ -4832,22 +4781,7 @@
                 <a:ea typeface="+mj-ea"/>
                 <a:cs typeface="+mj-cs"/>
               </a:rPr>
-              <a:t>- </a:t>
-            </a:r>
-            <a:r>
-              <a:rPr lang="en-US" altLang="zh-CN" sz="1600" b="1" spc="50" dirty="0" smtClean="0">
-                <a:ln w="12700">
-                  <a:noFill/>
-                  <a:prstDash val="solid"/>
-                </a:ln>
-                <a:solidFill>
-                  <a:schemeClr val="accent4"/>
-                </a:solidFill>
-                <a:latin typeface="+mj-lt"/>
-                <a:ea typeface="+mj-ea"/>
-                <a:cs typeface="+mj-cs"/>
-              </a:rPr>
-              <a:t>C# static member</a:t>
+              <a:t>- C# static member</a:t>
             </a:r>
           </a:p>
           <a:p>
@@ -4953,22 +4887,7 @@
                 <a:ea typeface="+mj-ea"/>
                 <a:cs typeface="+mj-cs"/>
               </a:rPr>
-              <a:t>等同于</a:t>
-            </a:r>
-            <a:r>
-              <a:rPr lang="zh-CN" altLang="en-US" sz="1600" b="1" spc="50" dirty="0" smtClean="0">
-                <a:ln w="12700">
-                  <a:noFill/>
-                  <a:prstDash val="solid"/>
-                </a:ln>
-                <a:solidFill>
-                  <a:schemeClr val="accent4"/>
-                </a:solidFill>
-                <a:latin typeface="+mj-lt"/>
-                <a:ea typeface="+mj-ea"/>
-                <a:cs typeface="+mj-cs"/>
-              </a:rPr>
-              <a:t>把</a:t>
+              <a:t>等同于把</a:t>
             </a:r>
             <a:r>
               <a:rPr lang="en-US" altLang="zh-CN" sz="1200" i="1" spc="50" dirty="0">
@@ -5133,22 +5052,7 @@
                 <a:ea typeface="+mj-ea"/>
                 <a:cs typeface="+mj-cs"/>
               </a:rPr>
-              <a:t>          </a:t>
-            </a:r>
-            <a:r>
-              <a:rPr lang="en-US" altLang="zh-CN" sz="1600" b="1" spc="50" dirty="0" smtClean="0">
-                <a:ln w="12700">
-                  <a:noFill/>
-                  <a:prstDash val="solid"/>
-                </a:ln>
-                <a:solidFill>
-                  <a:schemeClr val="accent4"/>
-                </a:solidFill>
-                <a:latin typeface="+mj-lt"/>
-                <a:ea typeface="+mj-ea"/>
-                <a:cs typeface="+mj-cs"/>
-              </a:rPr>
-              <a:t>a. </a:t>
+              <a:t>          a. </a:t>
             </a:r>
             <a:r>
               <a:rPr lang="zh-CN" altLang="en-US" sz="1600" b="1" spc="50" dirty="0" smtClean="0">
@@ -5192,10 +5096,10 @@
                 <a:ea typeface="+mj-ea"/>
                 <a:cs typeface="+mj-cs"/>
               </a:rPr>
-              <a:t>	</a:t>
-            </a:r>
-            <a:r>
-              <a:rPr lang="en-US" altLang="zh-CN" sz="1600" b="1" spc="50" dirty="0">
+              <a:t>	 </a:t>
+            </a:r>
+            <a:r>
+              <a:rPr lang="en-US" altLang="zh-CN" sz="1600" b="1" spc="50" dirty="0" smtClean="0">
                 <a:ln w="12700">
                   <a:noFill/>
                   <a:prstDash val="solid"/>
@@ -5207,37 +5111,7 @@
                 <a:ea typeface="+mj-ea"/>
                 <a:cs typeface="+mj-cs"/>
               </a:rPr>
-              <a:t> </a:t>
-            </a:r>
-            <a:r>
-              <a:rPr lang="en-US" altLang="zh-CN" sz="1600" b="1" spc="50" dirty="0" smtClean="0">
-                <a:ln w="12700">
-                  <a:noFill/>
-                  <a:prstDash val="solid"/>
-                </a:ln>
-                <a:solidFill>
-                  <a:schemeClr val="accent4"/>
-                </a:solidFill>
-                <a:latin typeface="+mj-lt"/>
-                <a:ea typeface="+mj-ea"/>
-                <a:cs typeface="+mj-cs"/>
-              </a:rPr>
-              <a:t>         </a:t>
-            </a:r>
-            <a:r>
-              <a:rPr lang="en-US" altLang="zh-CN" sz="1600" b="1" spc="50" dirty="0" smtClean="0">
-                <a:ln w="12700">
-                  <a:noFill/>
-                  <a:prstDash val="solid"/>
-                </a:ln>
-                <a:solidFill>
-                  <a:schemeClr val="accent4"/>
-                </a:solidFill>
-                <a:latin typeface="+mj-lt"/>
-                <a:ea typeface="+mj-ea"/>
-                <a:cs typeface="+mj-cs"/>
-              </a:rPr>
-              <a:t>b. </a:t>
+              <a:t>         b. </a:t>
             </a:r>
             <a:r>
               <a:rPr lang="zh-CN" altLang="en-US" sz="1600" b="1" spc="50" dirty="0" smtClean="0">
@@ -5385,10 +5259,10 @@
                 <a:ea typeface="+mj-ea"/>
                 <a:cs typeface="+mj-cs"/>
               </a:rPr>
-              <a:t>	</a:t>
-            </a:r>
-            <a:r>
-              <a:rPr lang="en-US" altLang="zh-CN" sz="1600" b="1" spc="50" dirty="0">
+              <a:t>	 </a:t>
+            </a:r>
+            <a:r>
+              <a:rPr lang="en-US" altLang="zh-CN" sz="1600" b="1" spc="50" dirty="0" smtClean="0">
                 <a:ln w="12700">
                   <a:noFill/>
                   <a:prstDash val="solid"/>
@@ -5400,52 +5274,7 @@
                 <a:ea typeface="+mj-ea"/>
                 <a:cs typeface="+mj-cs"/>
               </a:rPr>
-              <a:t> </a:t>
-            </a:r>
-            <a:r>
-              <a:rPr lang="en-US" altLang="zh-CN" sz="1600" b="1" spc="50" dirty="0" smtClean="0">
-                <a:ln w="12700">
-                  <a:noFill/>
-                  <a:prstDash val="solid"/>
-                </a:ln>
-                <a:solidFill>
-                  <a:schemeClr val="accent4"/>
-                </a:solidFill>
-                <a:latin typeface="+mj-lt"/>
-                <a:ea typeface="+mj-ea"/>
-                <a:cs typeface="+mj-cs"/>
-              </a:rPr>
-              <a:t>                  </a:t>
-            </a:r>
-            <a:r>
-              <a:rPr lang="en-US" altLang="zh-CN" sz="1600" b="1" spc="50" dirty="0" smtClean="0">
-                <a:ln w="12700">
-                  <a:noFill/>
-                  <a:prstDash val="solid"/>
-                </a:ln>
-                <a:solidFill>
-                  <a:schemeClr val="accent4"/>
-                </a:solidFill>
-                <a:latin typeface="+mj-lt"/>
-                <a:ea typeface="+mj-ea"/>
-                <a:cs typeface="+mj-cs"/>
-              </a:rPr>
-              <a:t>Constant members </a:t>
-            </a:r>
-            <a:r>
-              <a:rPr lang="en-US" altLang="zh-CN" sz="1600" b="1" spc="50" dirty="0" smtClean="0">
-                <a:ln w="12700">
-                  <a:noFill/>
-                  <a:prstDash val="solid"/>
-                </a:ln>
-                <a:solidFill>
-                  <a:schemeClr val="accent4"/>
-                </a:solidFill>
-                <a:latin typeface="+mj-lt"/>
-                <a:ea typeface="+mj-ea"/>
-                <a:cs typeface="+mj-cs"/>
-              </a:rPr>
-              <a:t>	</a:t>
+              <a:t>                  Constant members 	</a:t>
             </a:r>
             <a:r>
               <a:rPr lang="en-US" altLang="zh-CN" sz="1200" i="1" spc="50" dirty="0" smtClean="0">
@@ -5686,22 +5515,7 @@
                 <a:ea typeface="+mj-ea"/>
                 <a:cs typeface="+mj-cs"/>
               </a:rPr>
-              <a:t>	</a:t>
-            </a:r>
-            <a:r>
-              <a:rPr lang="en-US" altLang="zh-CN" sz="1600" b="1" spc="50" dirty="0">
-                <a:ln w="12700">
-                  <a:noFill/>
-                  <a:prstDash val="solid"/>
-                </a:ln>
-                <a:solidFill>
-                  <a:schemeClr val="accent4"/>
-                </a:solidFill>
-                <a:latin typeface="+mj-lt"/>
-                <a:ea typeface="+mj-ea"/>
-                <a:cs typeface="+mj-cs"/>
-              </a:rPr>
-              <a:t>          </a:t>
+              <a:t>	          </a:t>
             </a:r>
             <a:r>
               <a:rPr lang="en-US" altLang="zh-CN" sz="1600" b="1" spc="50" dirty="0" smtClean="0">
@@ -5760,10 +5574,10 @@
                 <a:ea typeface="+mj-ea"/>
                 <a:cs typeface="+mj-cs"/>
               </a:rPr>
-              <a:t> </a:t>
-            </a:r>
-            <a:r>
-              <a:rPr lang="en-US" altLang="zh-CN" sz="1600" b="1" spc="50" dirty="0">
+              <a:t>                            </a:t>
+            </a:r>
+            <a:r>
+              <a:rPr lang="en-US" altLang="zh-CN" sz="1600" b="1" spc="50" dirty="0" smtClean="0">
                 <a:ln w="12700">
                   <a:noFill/>
                   <a:prstDash val="solid"/>
@@ -5775,10 +5589,10 @@
                 <a:ea typeface="+mj-ea"/>
                 <a:cs typeface="+mj-cs"/>
               </a:rPr>
-              <a:t>                           </a:t>
-            </a:r>
-            <a:r>
-              <a:rPr lang="en-US" altLang="zh-CN" sz="1600" b="1" spc="50" dirty="0" smtClean="0">
+              <a:t>Eager</a:t>
+            </a:r>
+            <a:r>
+              <a:rPr lang="en-US" altLang="zh-CN" sz="1600" b="1" spc="50" dirty="0">
                 <a:ln w="12700">
                   <a:noFill/>
                   <a:prstDash val="solid"/>
@@ -5790,10 +5604,10 @@
                 <a:ea typeface="+mj-ea"/>
                 <a:cs typeface="+mj-cs"/>
               </a:rPr>
-              <a:t>Eager</a:t>
-            </a:r>
-            <a:r>
-              <a:rPr lang="en-US" altLang="zh-CN" sz="1600" b="1" spc="50" dirty="0">
+              <a:t>:</a:t>
+            </a:r>
+            <a:r>
+              <a:rPr lang="en-US" altLang="zh-CN" sz="1600" b="1" spc="50" dirty="0" smtClean="0">
                 <a:ln w="12700">
                   <a:noFill/>
                   <a:prstDash val="solid"/>
@@ -5805,37 +5619,7 @@
                 <a:ea typeface="+mj-ea"/>
                 <a:cs typeface="+mj-cs"/>
               </a:rPr>
-              <a:t>:</a:t>
-            </a:r>
-            <a:r>
-              <a:rPr lang="en-US" altLang="zh-CN" sz="1600" b="1" spc="50" dirty="0" smtClean="0">
-                <a:ln w="12700">
-                  <a:noFill/>
-                  <a:prstDash val="solid"/>
-                </a:ln>
-                <a:solidFill>
-                  <a:schemeClr val="accent4"/>
-                </a:solidFill>
-                <a:latin typeface="+mj-lt"/>
-                <a:ea typeface="+mj-ea"/>
-                <a:cs typeface="+mj-cs"/>
-              </a:rPr>
-              <a:t>        </a:t>
-            </a:r>
-            <a:r>
-              <a:rPr lang="en-US" altLang="zh-CN" sz="1600" b="1" spc="50" dirty="0" smtClean="0">
-                <a:ln w="12700">
-                  <a:noFill/>
-                  <a:prstDash val="solid"/>
-                </a:ln>
-                <a:solidFill>
-                  <a:schemeClr val="accent4"/>
-                </a:solidFill>
-                <a:latin typeface="+mj-lt"/>
-                <a:ea typeface="+mj-ea"/>
-                <a:cs typeface="+mj-cs"/>
-              </a:rPr>
-              <a:t>Static constructor</a:t>
+              <a:t>        Static constructor</a:t>
             </a:r>
             <a:br>
               <a:rPr lang="en-US" altLang="zh-CN" sz="1600" b="1" spc="50" dirty="0" smtClean="0">
@@ -5895,6 +5679,38 @@
               </a:rPr>
               <a:t>- Thread Safety</a:t>
             </a:r>
+          </a:p>
+          <a:p>
+            <a:r>
+              <a:rPr lang="en-US" altLang="zh-CN" sz="1600" b="1" spc="50" dirty="0" smtClean="0">
+                <a:ln w="12700">
+                  <a:noFill/>
+                  <a:prstDash val="solid"/>
+                </a:ln>
+                <a:solidFill>
+                  <a:schemeClr val="accent4"/>
+                </a:solidFill>
+                <a:latin typeface="+mj-lt"/>
+                <a:ea typeface="+mj-ea"/>
+                <a:cs typeface="+mj-cs"/>
+              </a:rPr>
+              <a:t>	          Lazy:          </a:t>
+            </a:r>
+            <a:r>
+              <a:rPr lang="zh-CN" altLang="en-US" sz="1600" b="1" spc="50" dirty="0" smtClean="0">
+                <a:ln w="12700">
+                  <a:noFill/>
+                  <a:prstDash val="solid"/>
+                </a:ln>
+                <a:solidFill>
+                  <a:schemeClr val="accent4"/>
+                </a:solidFill>
+                <a:latin typeface="+mj-lt"/>
+                <a:ea typeface="+mj-ea"/>
+                <a:cs typeface="+mj-cs"/>
+              </a:rPr>
+              <a:t>需要自己实现同步机制</a:t>
+            </a:r>
             <a:endParaRPr lang="en-US" altLang="zh-CN" sz="1600" b="1" spc="50" dirty="0" smtClean="0">
               <a:ln w="12700">
                 <a:noFill/>
@@ -5910,7 +5726,7 @@
           </a:p>
           <a:p>
             <a:r>
-              <a:rPr lang="en-US" altLang="zh-CN" sz="1600" b="1" spc="50" dirty="0" smtClean="0">
+              <a:rPr lang="en-US" altLang="zh-CN" sz="1600" b="1" spc="50" dirty="0">
                 <a:ln w="12700">
                   <a:noFill/>
                   <a:prstDash val="solid"/>
@@ -5922,7 +5738,7 @@
                 <a:ea typeface="+mj-ea"/>
                 <a:cs typeface="+mj-cs"/>
               </a:rPr>
-              <a:t>	          Lazy</a:t>
+              <a:t>	</a:t>
             </a:r>
             <a:r>
               <a:rPr lang="en-US" altLang="zh-CN" sz="1600" b="1" spc="50" dirty="0" smtClean="0">
@@ -5937,7 +5753,7 @@
                 <a:ea typeface="+mj-ea"/>
                 <a:cs typeface="+mj-cs"/>
               </a:rPr>
-              <a:t>:          </a:t>
+              <a:t>          Eager:        .Net</a:t>
             </a:r>
             <a:r>
               <a:rPr lang="zh-CN" altLang="en-US" sz="1600" b="1" spc="50" dirty="0" smtClean="0">
@@ -5952,81 +5768,7 @@
                 <a:ea typeface="+mj-ea"/>
                 <a:cs typeface="+mj-cs"/>
               </a:rPr>
-              <a:t>需要自己实现同步机制</a:t>
-            </a:r>
-            <a:endParaRPr lang="en-US" altLang="zh-CN" sz="1600" b="1" spc="50" dirty="0" smtClean="0">
-              <a:ln w="12700">
-                <a:noFill/>
-                <a:prstDash val="solid"/>
-              </a:ln>
-              <a:solidFill>
-                <a:schemeClr val="accent4"/>
-              </a:solidFill>
-              <a:latin typeface="+mj-lt"/>
-              <a:ea typeface="+mj-ea"/>
-              <a:cs typeface="+mj-cs"/>
-            </a:endParaRPr>
-          </a:p>
-          <a:p>
-            <a:r>
-              <a:rPr lang="en-US" altLang="zh-CN" sz="1600" b="1" spc="50" dirty="0">
-                <a:ln w="12700">
-                  <a:noFill/>
-                  <a:prstDash val="solid"/>
-                </a:ln>
-                <a:solidFill>
-                  <a:schemeClr val="accent4"/>
-                </a:solidFill>
-                <a:latin typeface="+mj-lt"/>
-                <a:ea typeface="+mj-ea"/>
-                <a:cs typeface="+mj-cs"/>
-              </a:rPr>
-              <a:t>	</a:t>
-            </a:r>
-            <a:r>
-              <a:rPr lang="en-US" altLang="zh-CN" sz="1600" b="1" spc="50" dirty="0" smtClean="0">
-                <a:ln w="12700">
-                  <a:noFill/>
-                  <a:prstDash val="solid"/>
-                </a:ln>
-                <a:solidFill>
-                  <a:schemeClr val="accent4"/>
-                </a:solidFill>
-                <a:latin typeface="+mj-lt"/>
-                <a:ea typeface="+mj-ea"/>
-                <a:cs typeface="+mj-cs"/>
-              </a:rPr>
-              <a:t>          Eager:        .Net</a:t>
-            </a:r>
-            <a:r>
-              <a:rPr lang="zh-CN" altLang="en-US" sz="1600" b="1" spc="50" dirty="0" smtClean="0">
-                <a:ln w="12700">
-                  <a:noFill/>
-                  <a:prstDash val="solid"/>
-                </a:ln>
-                <a:solidFill>
-                  <a:schemeClr val="accent4"/>
-                </a:solidFill>
-                <a:latin typeface="+mj-lt"/>
-                <a:ea typeface="+mj-ea"/>
-                <a:cs typeface="+mj-cs"/>
-              </a:rPr>
-              <a:t>内部</a:t>
-            </a:r>
-            <a:r>
-              <a:rPr lang="zh-CN" altLang="en-US" sz="1600" b="1" spc="50" dirty="0" smtClean="0">
-                <a:ln w="12700">
-                  <a:noFill/>
-                  <a:prstDash val="solid"/>
-                </a:ln>
-                <a:solidFill>
-                  <a:schemeClr val="accent4"/>
-                </a:solidFill>
-                <a:latin typeface="+mj-lt"/>
-                <a:ea typeface="+mj-ea"/>
-                <a:cs typeface="+mj-cs"/>
-              </a:rPr>
-              <a:t>机制保障（简单高效）</a:t>
+              <a:t>内部机制保障（简单高效）</a:t>
             </a:r>
             <a:endParaRPr lang="en-US" altLang="zh-CN" sz="1600" b="1" spc="50" dirty="0" smtClean="0">
               <a:ln w="12700">
@@ -6202,13 +5944,7 @@
               <a:rPr lang="zh-CN" altLang="en-US" sz="2700" b="1" dirty="0" smtClean="0">
                 <a:effectLst/>
               </a:rPr>
-              <a:t>需求</a:t>
-            </a:r>
-            <a:r>
-              <a:rPr lang="zh-CN" altLang="en-US" sz="2700" b="1" dirty="0" smtClean="0">
-                <a:effectLst/>
-              </a:rPr>
-              <a:t>：</a:t>
+              <a:t>需求：</a:t>
             </a:r>
             <a:endParaRPr lang="en-US" altLang="zh-CN" sz="2700" b="1" dirty="0" smtClean="0">
               <a:effectLst/>
@@ -7287,7 +7023,7 @@
         </p:spPr>
         <p:txBody>
           <a:bodyPr vert="horz" rtlCol="0" anchor="ctr">
-            <a:normAutofit/>
+            <a:normAutofit lnSpcReduction="10000"/>
             <a:scene3d>
               <a:camera prst="orthographicFront"/>
               <a:lightRig rig="soft" dir="t"/>
@@ -7485,7 +7221,13 @@
               <a:rPr lang="en-US" altLang="zh-CN" sz="1200" b="1" dirty="0" smtClean="0">
                 <a:effectLst/>
               </a:rPr>
-              <a:t>Derived classes’ instances are ALL created unnecessarily</a:t>
+              <a:t>Derived classes’ instances are ALL created </a:t>
+            </a:r>
+            <a:r>
+              <a:rPr lang="en-US" altLang="zh-CN" sz="1200" b="1" dirty="0" smtClean="0">
+                <a:effectLst/>
+              </a:rPr>
+              <a:t>at the same time, even some of them will never been used</a:t>
             </a:r>
             <a:endParaRPr lang="en-US" altLang="zh-CN" sz="1200" b="1" dirty="0">
               <a:effectLst/>
@@ -8454,7 +8196,7 @@
       </p:sp>
       <p:pic>
         <p:nvPicPr>
-          <p:cNvPr id="4099" name="Picture 3"/>
+          <p:cNvPr id="1026" name="Picture 2"/>
           <p:cNvPicPr>
             <a:picLocks noChangeAspect="1" noChangeArrowheads="1"/>
           </p:cNvPicPr>
@@ -8475,8 +8217,8 @@
         </p:blipFill>
         <p:spPr bwMode="auto">
           <a:xfrm>
-            <a:off x="1238250" y="1596355"/>
-            <a:ext cx="6667500" cy="4352925"/>
+            <a:off x="1200150" y="1628800"/>
+            <a:ext cx="6743700" cy="4352925"/>
           </a:xfrm>
           <a:prstGeom prst="rect">
             <a:avLst/>
@@ -11073,15 +10815,7 @@
                   <a:schemeClr val="accent4"/>
                 </a:solidFill>
               </a:rPr>
-              <a:t>Abstract Factory - Concrete </a:t>
-            </a:r>
-            <a:r>
-              <a:rPr lang="en-US" altLang="zh-CN" sz="1400" dirty="0" smtClean="0">
-                <a:solidFill>
-                  <a:schemeClr val="accent4"/>
-                </a:solidFill>
-              </a:rPr>
-              <a:t>Factory</a:t>
+              <a:t>Abstract Factory - Concrete Factory</a:t>
             </a:r>
           </a:p>
           <a:p>
@@ -11100,11 +10834,6 @@
               </a:rPr>
               <a:t>	Builder</a:t>
             </a:r>
-            <a:endParaRPr lang="en-US" altLang="zh-CN" sz="1400" dirty="0" smtClean="0">
-              <a:solidFill>
-                <a:schemeClr val="accent4"/>
-              </a:solidFill>
-            </a:endParaRPr>
           </a:p>
           <a:p>
             <a:endParaRPr lang="en-US" altLang="zh-CN" sz="1400" dirty="0">
